--- a/relatorio/Fase 3/LI4.pptx
+++ b/relatorio/Fase 3/LI4.pptx
@@ -5,7 +5,7 @@
     <p:sldMasterId id="2147483648" r:id="rId1"/>
   </p:sldMasterIdLst>
   <p:notesMasterIdLst>
-    <p:notesMasterId r:id="rId49"/>
+    <p:notesMasterId r:id="rId28"/>
   </p:notesMasterIdLst>
   <p:sldIdLst>
     <p:sldId id="256" r:id="rId2"/>
@@ -20,41 +20,20 @@
     <p:sldId id="302" r:id="rId11"/>
     <p:sldId id="308" r:id="rId12"/>
     <p:sldId id="314" r:id="rId13"/>
-    <p:sldId id="315" r:id="rId14"/>
-    <p:sldId id="319" r:id="rId15"/>
-    <p:sldId id="320" r:id="rId16"/>
-    <p:sldId id="321" r:id="rId17"/>
-    <p:sldId id="322" r:id="rId18"/>
-    <p:sldId id="324" r:id="rId19"/>
-    <p:sldId id="325" r:id="rId20"/>
-    <p:sldId id="326" r:id="rId21"/>
-    <p:sldId id="328" r:id="rId22"/>
-    <p:sldId id="331" r:id="rId23"/>
-    <p:sldId id="332" r:id="rId24"/>
-    <p:sldId id="330" r:id="rId25"/>
-    <p:sldId id="335" r:id="rId26"/>
-    <p:sldId id="333" r:id="rId27"/>
-    <p:sldId id="336" r:id="rId28"/>
-    <p:sldId id="334" r:id="rId29"/>
-    <p:sldId id="337" r:id="rId30"/>
-    <p:sldId id="338" r:id="rId31"/>
-    <p:sldId id="339" r:id="rId32"/>
-    <p:sldId id="340" r:id="rId33"/>
-    <p:sldId id="342" r:id="rId34"/>
-    <p:sldId id="341" r:id="rId35"/>
-    <p:sldId id="343" r:id="rId36"/>
-    <p:sldId id="344" r:id="rId37"/>
-    <p:sldId id="345" r:id="rId38"/>
-    <p:sldId id="346" r:id="rId39"/>
-    <p:sldId id="347" r:id="rId40"/>
-    <p:sldId id="348" r:id="rId41"/>
-    <p:sldId id="349" r:id="rId42"/>
-    <p:sldId id="351" r:id="rId43"/>
-    <p:sldId id="350" r:id="rId44"/>
-    <p:sldId id="352" r:id="rId45"/>
-    <p:sldId id="353" r:id="rId46"/>
-    <p:sldId id="354" r:id="rId47"/>
-    <p:sldId id="303" r:id="rId48"/>
+    <p:sldId id="328" r:id="rId14"/>
+    <p:sldId id="331" r:id="rId15"/>
+    <p:sldId id="332" r:id="rId16"/>
+    <p:sldId id="330" r:id="rId17"/>
+    <p:sldId id="335" r:id="rId18"/>
+    <p:sldId id="334" r:id="rId19"/>
+    <p:sldId id="339" r:id="rId20"/>
+    <p:sldId id="340" r:id="rId21"/>
+    <p:sldId id="343" r:id="rId22"/>
+    <p:sldId id="345" r:id="rId23"/>
+    <p:sldId id="351" r:id="rId24"/>
+    <p:sldId id="350" r:id="rId25"/>
+    <p:sldId id="352" r:id="rId26"/>
+    <p:sldId id="303" r:id="rId27"/>
   </p:sldIdLst>
   <p:sldSz cx="12192000" cy="6858000"/>
   <p:notesSz cx="6858000" cy="9144000"/>
@@ -7258,39 +7237,76 @@
           <a:p>
             <a:r>
               <a:rPr lang="pt-PT" dirty="0"/>
-              <a:t>Requisitos do utilizador e de sistema funcionais - Cliente</a:t>
-            </a:r>
-          </a:p>
-        </p:txBody>
-      </p:sp>
-      <p:pic>
-        <p:nvPicPr>
-          <p:cNvPr id="3" name="Picture 2"/>
-          <p:cNvPicPr>
-            <a:picLocks noChangeAspect="1"/>
-          </p:cNvPicPr>
-          <p:nvPr/>
-        </p:nvPicPr>
-        <p:blipFill>
-          <a:blip r:embed="rId2"/>
-          <a:stretch>
-            <a:fillRect/>
-          </a:stretch>
-        </p:blipFill>
-        <p:spPr>
-          <a:xfrm>
-            <a:off x="677334" y="2450744"/>
-            <a:ext cx="8429049" cy="3203608"/>
-          </a:xfrm>
-          <a:prstGeom prst="rect">
-            <a:avLst/>
-          </a:prstGeom>
-        </p:spPr>
-      </p:pic>
+              <a:t>Requisitos de </a:t>
+            </a:r>
+            <a:r>
+              <a:rPr lang="pt-PT" dirty="0" smtClean="0"/>
+              <a:t>sistema </a:t>
+            </a:r>
+            <a:r>
+              <a:rPr lang="pt-PT" dirty="0"/>
+              <a:t>não-funcionais</a:t>
+            </a:r>
+          </a:p>
+        </p:txBody>
+      </p:sp>
+      <p:sp>
+        <p:nvSpPr>
+          <p:cNvPr id="2" name="Content Placeholder 1"/>
+          <p:cNvSpPr>
+            <a:spLocks noGrp="1"/>
+          </p:cNvSpPr>
+          <p:nvPr>
+            <p:ph idx="1"/>
+          </p:nvPr>
+        </p:nvSpPr>
+        <p:spPr/>
+        <p:txBody>
+          <a:bodyPr>
+            <a:normAutofit/>
+          </a:bodyPr>
+          <a:lstStyle/>
+          <a:p>
+            <a:pPr algn="just"/>
+            <a:r>
+              <a:rPr lang="pt-PT" sz="2800" dirty="0"/>
+              <a:t>Organizacionais</a:t>
+            </a:r>
+          </a:p>
+          <a:p>
+            <a:pPr lvl="1" algn="just"/>
+            <a:r>
+              <a:rPr lang="pt-PT" sz="2400" dirty="0"/>
+              <a:t>O utilizador deve autenticar-se com o seu username e a password respetiva;</a:t>
+            </a:r>
+          </a:p>
+          <a:p>
+            <a:pPr lvl="1" algn="just"/>
+            <a:r>
+              <a:rPr lang="pt-PT" sz="2400" dirty="0"/>
+              <a:t>A linguagem de programação a utilizar será C# em cooperação com a framework ASP.NET;</a:t>
+            </a:r>
+          </a:p>
+          <a:p>
+            <a:pPr lvl="1" algn="just"/>
+            <a:r>
+              <a:rPr lang="pt-PT" sz="2400" dirty="0"/>
+              <a:t>O SGBD a usar deve ser o SQL Server;</a:t>
+            </a:r>
+          </a:p>
+          <a:p>
+            <a:pPr lvl="1" algn="just"/>
+            <a:r>
+              <a:rPr lang="pt-PT" sz="2400" dirty="0"/>
+              <a:t>A aplicação será desenvolvida para web;</a:t>
+            </a:r>
+          </a:p>
+        </p:txBody>
+      </p:sp>
     </p:spTree>
     <p:extLst>
       <p:ext uri="{BB962C8B-B14F-4D97-AF65-F5344CB8AC3E}">
-        <p14:creationId xmlns:p14="http://schemas.microsoft.com/office/powerpoint/2010/main" val="1937767265"/>
+        <p14:creationId xmlns:p14="http://schemas.microsoft.com/office/powerpoint/2010/main" val="1620922798"/>
       </p:ext>
     </p:extLst>
   </p:cSld>
@@ -7353,38 +7369,62 @@
           <a:p>
             <a:r>
               <a:rPr lang="pt-PT" dirty="0"/>
-              <a:t>Requisitos do utilizador e de sistema funcionais - Profissional</a:t>
-            </a:r>
-          </a:p>
-        </p:txBody>
-      </p:sp>
-      <p:pic>
-        <p:nvPicPr>
-          <p:cNvPr id="2" name="Picture 1"/>
-          <p:cNvPicPr>
-            <a:picLocks noChangeAspect="1"/>
-          </p:cNvPicPr>
-          <p:nvPr/>
-        </p:nvPicPr>
-        <p:blipFill rotWithShape="1">
-          <a:blip r:embed="rId2"/>
-          <a:srcRect t="16209"/>
-          <a:stretch/>
-        </p:blipFill>
-        <p:spPr>
-          <a:xfrm>
-            <a:off x="677334" y="2369976"/>
-            <a:ext cx="8256124" cy="3303035"/>
-          </a:xfrm>
-          <a:prstGeom prst="rect">
-            <a:avLst/>
-          </a:prstGeom>
-        </p:spPr>
-      </p:pic>
+              <a:t>Requisitos de </a:t>
+            </a:r>
+            <a:r>
+              <a:rPr lang="pt-PT" dirty="0" smtClean="0"/>
+              <a:t>sistema </a:t>
+            </a:r>
+            <a:r>
+              <a:rPr lang="pt-PT" dirty="0"/>
+              <a:t>não-funcionais</a:t>
+            </a:r>
+          </a:p>
+        </p:txBody>
+      </p:sp>
+      <p:sp>
+        <p:nvSpPr>
+          <p:cNvPr id="2" name="Content Placeholder 1"/>
+          <p:cNvSpPr>
+            <a:spLocks noGrp="1"/>
+          </p:cNvSpPr>
+          <p:nvPr>
+            <p:ph idx="1"/>
+          </p:nvPr>
+        </p:nvSpPr>
+        <p:spPr/>
+        <p:txBody>
+          <a:bodyPr>
+            <a:normAutofit/>
+          </a:bodyPr>
+          <a:lstStyle/>
+          <a:p>
+            <a:pPr algn="just"/>
+            <a:r>
+              <a:rPr lang="pt-PT" sz="2800" dirty="0"/>
+              <a:t>Externos</a:t>
+            </a:r>
+          </a:p>
+          <a:p>
+            <a:pPr lvl="1" algn="just"/>
+            <a:r>
+              <a:rPr lang="pt-PT" sz="2400" dirty="0"/>
+              <a:t>O sistema deve recorrer a uma API de mapas para representar a localização do trabalho ou até mesmo para representar a sua própria localização;</a:t>
+            </a:r>
+          </a:p>
+          <a:p>
+            <a:pPr lvl="1" algn="just"/>
+            <a:r>
+              <a:rPr lang="pt-PT" sz="2400" dirty="0"/>
+              <a:t>O sistema não deve apresentar aos utilizadores dados privados acerca dos restantes utilizadores, sendo que, cada utilizador só pode ver os seus dados e aqueles que são públicos; </a:t>
+            </a:r>
+          </a:p>
+        </p:txBody>
+      </p:sp>
     </p:spTree>
     <p:extLst>
       <p:ext uri="{BB962C8B-B14F-4D97-AF65-F5344CB8AC3E}">
-        <p14:creationId xmlns:p14="http://schemas.microsoft.com/office/powerpoint/2010/main" val="4281878344"/>
+        <p14:creationId xmlns:p14="http://schemas.microsoft.com/office/powerpoint/2010/main" val="374380089"/>
       </p:ext>
     </p:extLst>
   </p:cSld>
@@ -7447,38 +7487,88 @@
           <a:p>
             <a:r>
               <a:rPr lang="pt-PT" dirty="0"/>
-              <a:t>Requisitos do utilizador e de sistema funcionais – Cliente e Profissional</a:t>
-            </a:r>
-          </a:p>
-        </p:txBody>
-      </p:sp>
-      <p:pic>
-        <p:nvPicPr>
-          <p:cNvPr id="2" name="Picture 1"/>
-          <p:cNvPicPr>
-            <a:picLocks noChangeAspect="1"/>
-          </p:cNvPicPr>
-          <p:nvPr/>
-        </p:nvPicPr>
-        <p:blipFill rotWithShape="1">
-          <a:blip r:embed="rId2"/>
-          <a:srcRect t="15670"/>
-          <a:stretch/>
-        </p:blipFill>
+              <a:t>Requisitos de </a:t>
+            </a:r>
+            <a:r>
+              <a:rPr lang="pt-PT" dirty="0" smtClean="0"/>
+              <a:t>sistema </a:t>
+            </a:r>
+            <a:r>
+              <a:rPr lang="pt-PT" dirty="0"/>
+              <a:t>não-funcionais</a:t>
+            </a:r>
+          </a:p>
+        </p:txBody>
+      </p:sp>
+      <p:sp>
+        <p:nvSpPr>
+          <p:cNvPr id="2" name="Content Placeholder 1"/>
+          <p:cNvSpPr>
+            <a:spLocks noGrp="1"/>
+          </p:cNvSpPr>
+          <p:nvPr>
+            <p:ph idx="1"/>
+          </p:nvPr>
+        </p:nvSpPr>
         <p:spPr>
           <a:xfrm>
-            <a:off x="677334" y="2239346"/>
-            <a:ext cx="8275273" cy="2836506"/>
+            <a:off x="677334" y="2160589"/>
+            <a:ext cx="8596668" cy="4352178"/>
           </a:xfrm>
-          <a:prstGeom prst="rect">
-            <a:avLst/>
-          </a:prstGeom>
         </p:spPr>
-      </p:pic>
+        <p:txBody>
+          <a:bodyPr>
+            <a:normAutofit fontScale="92500"/>
+          </a:bodyPr>
+          <a:lstStyle/>
+          <a:p>
+            <a:pPr algn="just"/>
+            <a:r>
+              <a:rPr lang="pt-PT" sz="2800" dirty="0"/>
+              <a:t>Produto</a:t>
+            </a:r>
+          </a:p>
+          <a:p>
+            <a:pPr lvl="1" algn="just"/>
+            <a:r>
+              <a:rPr lang="pt-PT" sz="2400" dirty="0"/>
+              <a:t>O sistema deve estar disponível 24h por dia. No pior dos casos, espera-se uma disponibilidade média superior a 99%;</a:t>
+            </a:r>
+          </a:p>
+          <a:p>
+            <a:pPr lvl="1" algn="just"/>
+            <a:r>
+              <a:rPr lang="pt-PT" sz="2400" dirty="0"/>
+              <a:t>O sistema deve ser de fácil uso;</a:t>
+            </a:r>
+          </a:p>
+          <a:p>
+            <a:pPr lvl="1" algn="just"/>
+            <a:r>
+              <a:rPr lang="pt-PT" sz="2400" dirty="0"/>
+              <a:t>O sistema deve ser produzido de modo a ser executado em todos os browsers;</a:t>
+            </a:r>
+          </a:p>
+          <a:p>
+            <a:pPr lvl="1" algn="just"/>
+            <a:r>
+              <a:rPr lang="pt-PT" sz="2400" dirty="0"/>
+              <a:t>O sistema deve suportar o registo de 1000 utilizadores, no espaço de 1 ano;</a:t>
+            </a:r>
+          </a:p>
+          <a:p>
+            <a:pPr lvl="1" algn="just"/>
+            <a:r>
+              <a:rPr lang="pt-PT" sz="2400" dirty="0"/>
+              <a:t>O nível de satisfação dos utilizadores com a aplicação deverá ser elevado.</a:t>
+            </a:r>
+          </a:p>
+        </p:txBody>
+      </p:sp>
     </p:spTree>
     <p:extLst>
       <p:ext uri="{BB962C8B-B14F-4D97-AF65-F5344CB8AC3E}">
-        <p14:creationId xmlns:p14="http://schemas.microsoft.com/office/powerpoint/2010/main" val="3442306051"/>
+        <p14:creationId xmlns:p14="http://schemas.microsoft.com/office/powerpoint/2010/main" val="206296111"/>
       </p:ext>
     </p:extLst>
   </p:cSld>
@@ -7534,967 +7624,6 @@
             <p:ph type="title"/>
           </p:nvPr>
         </p:nvSpPr>
-        <p:spPr/>
-        <p:txBody>
-          <a:bodyPr/>
-          <a:lstStyle/>
-          <a:p>
-            <a:r>
-              <a:rPr lang="pt-PT" dirty="0"/>
-              <a:t>Requisitos do utilizador e de sistema funcionais – Cliente e Profissional</a:t>
-            </a:r>
-          </a:p>
-        </p:txBody>
-      </p:sp>
-      <p:pic>
-        <p:nvPicPr>
-          <p:cNvPr id="2" name="Picture 1"/>
-          <p:cNvPicPr>
-            <a:picLocks noChangeAspect="1"/>
-          </p:cNvPicPr>
-          <p:nvPr/>
-        </p:nvPicPr>
-        <p:blipFill>
-          <a:blip r:embed="rId2"/>
-          <a:stretch>
-            <a:fillRect/>
-          </a:stretch>
-        </p:blipFill>
-        <p:spPr>
-          <a:xfrm>
-            <a:off x="677334" y="2537245"/>
-            <a:ext cx="8440275" cy="2837187"/>
-          </a:xfrm>
-          <a:prstGeom prst="rect">
-            <a:avLst/>
-          </a:prstGeom>
-        </p:spPr>
-      </p:pic>
-    </p:spTree>
-    <p:extLst>
-      <p:ext uri="{BB962C8B-B14F-4D97-AF65-F5344CB8AC3E}">
-        <p14:creationId xmlns:p14="http://schemas.microsoft.com/office/powerpoint/2010/main" val="799952749"/>
-      </p:ext>
-    </p:extLst>
-  </p:cSld>
-  <p:clrMapOvr>
-    <a:masterClrMapping/>
-  </p:clrMapOvr>
-  <mc:AlternateContent xmlns:mc="http://schemas.openxmlformats.org/markup-compatibility/2006" xmlns:p14="http://schemas.microsoft.com/office/powerpoint/2010/main">
-    <mc:Choice Requires="p14">
-      <p:transition spd="med" p14:dur="700">
-        <p:fade/>
-      </p:transition>
-    </mc:Choice>
-    <mc:Fallback xmlns="">
-      <p:transition spd="med">
-        <p:fade/>
-      </p:transition>
-    </mc:Fallback>
-  </mc:AlternateContent>
-  <p:timing>
-    <p:tnLst>
-      <p:par>
-        <p:cTn id="1" dur="indefinite" restart="never" nodeType="tmRoot"/>
-      </p:par>
-    </p:tnLst>
-  </p:timing>
-</p:sld>
-</file>
-
-<file path=ppt/slides/slide17.xml><?xml version="1.0" encoding="utf-8"?>
-<p:sld xmlns:a="http://schemas.openxmlformats.org/drawingml/2006/main" xmlns:r="http://schemas.openxmlformats.org/officeDocument/2006/relationships" xmlns:p="http://schemas.openxmlformats.org/presentationml/2006/main">
-  <p:cSld>
-    <p:spTree>
-      <p:nvGrpSpPr>
-        <p:cNvPr id="1" name=""/>
-        <p:cNvGrpSpPr/>
-        <p:nvPr/>
-      </p:nvGrpSpPr>
-      <p:grpSpPr>
-        <a:xfrm>
-          <a:off x="0" y="0"/>
-          <a:ext cx="0" cy="0"/>
-          <a:chOff x="0" y="0"/>
-          <a:chExt cx="0" cy="0"/>
-        </a:xfrm>
-      </p:grpSpPr>
-      <p:sp>
-        <p:nvSpPr>
-          <p:cNvPr id="4" name="Title 3"/>
-          <p:cNvSpPr>
-            <a:spLocks noGrp="1"/>
-          </p:cNvSpPr>
-          <p:nvPr>
-            <p:ph type="title"/>
-          </p:nvPr>
-        </p:nvSpPr>
-        <p:spPr/>
-        <p:txBody>
-          <a:bodyPr/>
-          <a:lstStyle/>
-          <a:p>
-            <a:r>
-              <a:rPr lang="pt-PT" dirty="0"/>
-              <a:t>Requisitos do utilizador e de sistema funcionais – Cliente e Profissional</a:t>
-            </a:r>
-          </a:p>
-        </p:txBody>
-      </p:sp>
-      <p:pic>
-        <p:nvPicPr>
-          <p:cNvPr id="2" name="Picture 1"/>
-          <p:cNvPicPr>
-            <a:picLocks noChangeAspect="1"/>
-          </p:cNvPicPr>
-          <p:nvPr/>
-        </p:nvPicPr>
-        <p:blipFill>
-          <a:blip r:embed="rId2"/>
-          <a:stretch>
-            <a:fillRect/>
-          </a:stretch>
-        </p:blipFill>
-        <p:spPr>
-          <a:xfrm>
-            <a:off x="677334" y="1930400"/>
-            <a:ext cx="8843886" cy="3447370"/>
-          </a:xfrm>
-          <a:prstGeom prst="rect">
-            <a:avLst/>
-          </a:prstGeom>
-        </p:spPr>
-      </p:pic>
-    </p:spTree>
-    <p:extLst>
-      <p:ext uri="{BB962C8B-B14F-4D97-AF65-F5344CB8AC3E}">
-        <p14:creationId xmlns:p14="http://schemas.microsoft.com/office/powerpoint/2010/main" val="3707657907"/>
-      </p:ext>
-    </p:extLst>
-  </p:cSld>
-  <p:clrMapOvr>
-    <a:masterClrMapping/>
-  </p:clrMapOvr>
-  <mc:AlternateContent xmlns:mc="http://schemas.openxmlformats.org/markup-compatibility/2006" xmlns:p14="http://schemas.microsoft.com/office/powerpoint/2010/main">
-    <mc:Choice Requires="p14">
-      <p:transition spd="med" p14:dur="700">
-        <p:fade/>
-      </p:transition>
-    </mc:Choice>
-    <mc:Fallback xmlns="">
-      <p:transition spd="med">
-        <p:fade/>
-      </p:transition>
-    </mc:Fallback>
-  </mc:AlternateContent>
-  <p:timing>
-    <p:tnLst>
-      <p:par>
-        <p:cTn id="1" dur="indefinite" restart="never" nodeType="tmRoot"/>
-      </p:par>
-    </p:tnLst>
-  </p:timing>
-</p:sld>
-</file>
-
-<file path=ppt/slides/slide18.xml><?xml version="1.0" encoding="utf-8"?>
-<p:sld xmlns:a="http://schemas.openxmlformats.org/drawingml/2006/main" xmlns:r="http://schemas.openxmlformats.org/officeDocument/2006/relationships" xmlns:p="http://schemas.openxmlformats.org/presentationml/2006/main">
-  <p:cSld>
-    <p:spTree>
-      <p:nvGrpSpPr>
-        <p:cNvPr id="1" name=""/>
-        <p:cNvGrpSpPr/>
-        <p:nvPr/>
-      </p:nvGrpSpPr>
-      <p:grpSpPr>
-        <a:xfrm>
-          <a:off x="0" y="0"/>
-          <a:ext cx="0" cy="0"/>
-          <a:chOff x="0" y="0"/>
-          <a:chExt cx="0" cy="0"/>
-        </a:xfrm>
-      </p:grpSpPr>
-      <p:sp>
-        <p:nvSpPr>
-          <p:cNvPr id="4" name="Title 3"/>
-          <p:cNvSpPr>
-            <a:spLocks noGrp="1"/>
-          </p:cNvSpPr>
-          <p:nvPr>
-            <p:ph type="title"/>
-          </p:nvPr>
-        </p:nvSpPr>
-        <p:spPr/>
-        <p:txBody>
-          <a:bodyPr/>
-          <a:lstStyle/>
-          <a:p>
-            <a:r>
-              <a:rPr lang="pt-PT" dirty="0"/>
-              <a:t>Requisitos do utilizador e de sistema funcionais - Administrador</a:t>
-            </a:r>
-          </a:p>
-        </p:txBody>
-      </p:sp>
-      <p:pic>
-        <p:nvPicPr>
-          <p:cNvPr id="2" name="Picture 1"/>
-          <p:cNvPicPr>
-            <a:picLocks noChangeAspect="1"/>
-          </p:cNvPicPr>
-          <p:nvPr/>
-        </p:nvPicPr>
-        <p:blipFill rotWithShape="1">
-          <a:blip r:embed="rId2"/>
-          <a:srcRect t="19861"/>
-          <a:stretch/>
-        </p:blipFill>
-        <p:spPr>
-          <a:xfrm>
-            <a:off x="677334" y="2481942"/>
-            <a:ext cx="8153160" cy="3004457"/>
-          </a:xfrm>
-          <a:prstGeom prst="rect">
-            <a:avLst/>
-          </a:prstGeom>
-        </p:spPr>
-      </p:pic>
-    </p:spTree>
-    <p:extLst>
-      <p:ext uri="{BB962C8B-B14F-4D97-AF65-F5344CB8AC3E}">
-        <p14:creationId xmlns:p14="http://schemas.microsoft.com/office/powerpoint/2010/main" val="2694045920"/>
-      </p:ext>
-    </p:extLst>
-  </p:cSld>
-  <p:clrMapOvr>
-    <a:masterClrMapping/>
-  </p:clrMapOvr>
-  <mc:AlternateContent xmlns:mc="http://schemas.openxmlformats.org/markup-compatibility/2006" xmlns:p14="http://schemas.microsoft.com/office/powerpoint/2010/main">
-    <mc:Choice Requires="p14">
-      <p:transition spd="med" p14:dur="700">
-        <p:fade/>
-      </p:transition>
-    </mc:Choice>
-    <mc:Fallback xmlns="">
-      <p:transition spd="med">
-        <p:fade/>
-      </p:transition>
-    </mc:Fallback>
-  </mc:AlternateContent>
-  <p:timing>
-    <p:tnLst>
-      <p:par>
-        <p:cTn id="1" dur="indefinite" restart="never" nodeType="tmRoot"/>
-      </p:par>
-    </p:tnLst>
-  </p:timing>
-</p:sld>
-</file>
-
-<file path=ppt/slides/slide19.xml><?xml version="1.0" encoding="utf-8"?>
-<p:sld xmlns:a="http://schemas.openxmlformats.org/drawingml/2006/main" xmlns:r="http://schemas.openxmlformats.org/officeDocument/2006/relationships" xmlns:p="http://schemas.openxmlformats.org/presentationml/2006/main">
-  <p:cSld>
-    <p:spTree>
-      <p:nvGrpSpPr>
-        <p:cNvPr id="1" name=""/>
-        <p:cNvGrpSpPr/>
-        <p:nvPr/>
-      </p:nvGrpSpPr>
-      <p:grpSpPr>
-        <a:xfrm>
-          <a:off x="0" y="0"/>
-          <a:ext cx="0" cy="0"/>
-          <a:chOff x="0" y="0"/>
-          <a:chExt cx="0" cy="0"/>
-        </a:xfrm>
-      </p:grpSpPr>
-      <p:sp>
-        <p:nvSpPr>
-          <p:cNvPr id="4" name="Title 3"/>
-          <p:cNvSpPr>
-            <a:spLocks noGrp="1"/>
-          </p:cNvSpPr>
-          <p:nvPr>
-            <p:ph type="title"/>
-          </p:nvPr>
-        </p:nvSpPr>
-        <p:spPr/>
-        <p:txBody>
-          <a:bodyPr/>
-          <a:lstStyle/>
-          <a:p>
-            <a:r>
-              <a:rPr lang="pt-PT" dirty="0"/>
-              <a:t>Requisitos do utilizador e de sistema funcionais – Administrador</a:t>
-            </a:r>
-          </a:p>
-        </p:txBody>
-      </p:sp>
-      <p:pic>
-        <p:nvPicPr>
-          <p:cNvPr id="2" name="Picture 1"/>
-          <p:cNvPicPr>
-            <a:picLocks noChangeAspect="1"/>
-          </p:cNvPicPr>
-          <p:nvPr/>
-        </p:nvPicPr>
-        <p:blipFill>
-          <a:blip r:embed="rId2"/>
-          <a:stretch>
-            <a:fillRect/>
-          </a:stretch>
-        </p:blipFill>
-        <p:spPr>
-          <a:xfrm>
-            <a:off x="677334" y="1930400"/>
-            <a:ext cx="6402417" cy="4707975"/>
-          </a:xfrm>
-          <a:prstGeom prst="rect">
-            <a:avLst/>
-          </a:prstGeom>
-        </p:spPr>
-      </p:pic>
-    </p:spTree>
-    <p:extLst>
-      <p:ext uri="{BB962C8B-B14F-4D97-AF65-F5344CB8AC3E}">
-        <p14:creationId xmlns:p14="http://schemas.microsoft.com/office/powerpoint/2010/main" val="4265666168"/>
-      </p:ext>
-    </p:extLst>
-  </p:cSld>
-  <p:clrMapOvr>
-    <a:masterClrMapping/>
-  </p:clrMapOvr>
-  <mc:AlternateContent xmlns:mc="http://schemas.openxmlformats.org/markup-compatibility/2006" xmlns:p14="http://schemas.microsoft.com/office/powerpoint/2010/main">
-    <mc:Choice Requires="p14">
-      <p:transition spd="med" p14:dur="700">
-        <p:fade/>
-      </p:transition>
-    </mc:Choice>
-    <mc:Fallback xmlns="">
-      <p:transition spd="med">
-        <p:fade/>
-      </p:transition>
-    </mc:Fallback>
-  </mc:AlternateContent>
-  <p:timing>
-    <p:tnLst>
-      <p:par>
-        <p:cTn id="1" dur="indefinite" restart="never" nodeType="tmRoot"/>
-      </p:par>
-    </p:tnLst>
-  </p:timing>
-</p:sld>
-</file>
-
-<file path=ppt/slides/slide2.xml><?xml version="1.0" encoding="utf-8"?>
-<p:sld xmlns:a="http://schemas.openxmlformats.org/drawingml/2006/main" xmlns:r="http://schemas.openxmlformats.org/officeDocument/2006/relationships" xmlns:p="http://schemas.openxmlformats.org/presentationml/2006/main">
-  <p:cSld>
-    <p:spTree>
-      <p:nvGrpSpPr>
-        <p:cNvPr id="1" name=""/>
-        <p:cNvGrpSpPr/>
-        <p:nvPr/>
-      </p:nvGrpSpPr>
-      <p:grpSpPr>
-        <a:xfrm>
-          <a:off x="0" y="0"/>
-          <a:ext cx="0" cy="0"/>
-          <a:chOff x="0" y="0"/>
-          <a:chExt cx="0" cy="0"/>
-        </a:xfrm>
-      </p:grpSpPr>
-      <p:sp>
-        <p:nvSpPr>
-          <p:cNvPr id="2" name="Title 1"/>
-          <p:cNvSpPr>
-            <a:spLocks noGrp="1"/>
-          </p:cNvSpPr>
-          <p:nvPr>
-            <p:ph type="title"/>
-          </p:nvPr>
-        </p:nvSpPr>
-        <p:spPr/>
-        <p:txBody>
-          <a:bodyPr/>
-          <a:lstStyle/>
-          <a:p>
-            <a:r>
-              <a:rPr lang="pt-PT" dirty="0"/>
-              <a:t>Parte I</a:t>
-            </a:r>
-          </a:p>
-        </p:txBody>
-      </p:sp>
-      <p:sp>
-        <p:nvSpPr>
-          <p:cNvPr id="3" name="Text Placeholder 2"/>
-          <p:cNvSpPr>
-            <a:spLocks noGrp="1"/>
-          </p:cNvSpPr>
-          <p:nvPr>
-            <p:ph type="body" idx="1"/>
-          </p:nvPr>
-        </p:nvSpPr>
-        <p:spPr/>
-        <p:txBody>
-          <a:bodyPr/>
-          <a:lstStyle/>
-          <a:p>
-            <a:r>
-              <a:rPr lang="pt-PT" dirty="0"/>
-              <a:t>Fundamentação</a:t>
-            </a:r>
-          </a:p>
-        </p:txBody>
-      </p:sp>
-    </p:spTree>
-    <p:extLst>
-      <p:ext uri="{BB962C8B-B14F-4D97-AF65-F5344CB8AC3E}">
-        <p14:creationId xmlns:p14="http://schemas.microsoft.com/office/powerpoint/2010/main" val="2134899933"/>
-      </p:ext>
-    </p:extLst>
-  </p:cSld>
-  <p:clrMapOvr>
-    <a:masterClrMapping/>
-  </p:clrMapOvr>
-  <mc:AlternateContent xmlns:mc="http://schemas.openxmlformats.org/markup-compatibility/2006" xmlns:p14="http://schemas.microsoft.com/office/powerpoint/2010/main">
-    <mc:Choice Requires="p14">
-      <p:transition spd="med" p14:dur="700">
-        <p:fade/>
-      </p:transition>
-    </mc:Choice>
-    <mc:Fallback xmlns="">
-      <p:transition spd="med">
-        <p:fade/>
-      </p:transition>
-    </mc:Fallback>
-  </mc:AlternateContent>
-  <p:timing>
-    <p:tnLst>
-      <p:par>
-        <p:cTn id="1" dur="indefinite" restart="never" nodeType="tmRoot"/>
-      </p:par>
-    </p:tnLst>
-  </p:timing>
-</p:sld>
-</file>
-
-<file path=ppt/slides/slide20.xml><?xml version="1.0" encoding="utf-8"?>
-<p:sld xmlns:a="http://schemas.openxmlformats.org/drawingml/2006/main" xmlns:r="http://schemas.openxmlformats.org/officeDocument/2006/relationships" xmlns:p="http://schemas.openxmlformats.org/presentationml/2006/main">
-  <p:cSld>
-    <p:spTree>
-      <p:nvGrpSpPr>
-        <p:cNvPr id="1" name=""/>
-        <p:cNvGrpSpPr/>
-        <p:nvPr/>
-      </p:nvGrpSpPr>
-      <p:grpSpPr>
-        <a:xfrm>
-          <a:off x="0" y="0"/>
-          <a:ext cx="0" cy="0"/>
-          <a:chOff x="0" y="0"/>
-          <a:chExt cx="0" cy="0"/>
-        </a:xfrm>
-      </p:grpSpPr>
-      <p:sp>
-        <p:nvSpPr>
-          <p:cNvPr id="4" name="Title 3"/>
-          <p:cNvSpPr>
-            <a:spLocks noGrp="1"/>
-          </p:cNvSpPr>
-          <p:nvPr>
-            <p:ph type="title"/>
-          </p:nvPr>
-        </p:nvSpPr>
-        <p:spPr/>
-        <p:txBody>
-          <a:bodyPr/>
-          <a:lstStyle/>
-          <a:p>
-            <a:r>
-              <a:rPr lang="pt-PT" dirty="0"/>
-              <a:t>Requisitos do utilizador e de sistema funcionais - Administrador</a:t>
-            </a:r>
-          </a:p>
-        </p:txBody>
-      </p:sp>
-      <p:pic>
-        <p:nvPicPr>
-          <p:cNvPr id="2" name="Picture 1"/>
-          <p:cNvPicPr>
-            <a:picLocks noChangeAspect="1"/>
-          </p:cNvPicPr>
-          <p:nvPr/>
-        </p:nvPicPr>
-        <p:blipFill>
-          <a:blip r:embed="rId2"/>
-          <a:stretch>
-            <a:fillRect/>
-          </a:stretch>
-        </p:blipFill>
-        <p:spPr>
-          <a:xfrm>
-            <a:off x="677334" y="2400300"/>
-            <a:ext cx="8271403" cy="2982676"/>
-          </a:xfrm>
-          <a:prstGeom prst="rect">
-            <a:avLst/>
-          </a:prstGeom>
-        </p:spPr>
-      </p:pic>
-    </p:spTree>
-    <p:extLst>
-      <p:ext uri="{BB962C8B-B14F-4D97-AF65-F5344CB8AC3E}">
-        <p14:creationId xmlns:p14="http://schemas.microsoft.com/office/powerpoint/2010/main" val="3924373962"/>
-      </p:ext>
-    </p:extLst>
-  </p:cSld>
-  <p:clrMapOvr>
-    <a:masterClrMapping/>
-  </p:clrMapOvr>
-  <mc:AlternateContent xmlns:mc="http://schemas.openxmlformats.org/markup-compatibility/2006" xmlns:p14="http://schemas.microsoft.com/office/powerpoint/2010/main">
-    <mc:Choice Requires="p14">
-      <p:transition spd="med" p14:dur="700">
-        <p:fade/>
-      </p:transition>
-    </mc:Choice>
-    <mc:Fallback xmlns="">
-      <p:transition spd="med">
-        <p:fade/>
-      </p:transition>
-    </mc:Fallback>
-  </mc:AlternateContent>
-  <p:timing>
-    <p:tnLst>
-      <p:par>
-        <p:cTn id="1" dur="indefinite" restart="never" nodeType="tmRoot"/>
-      </p:par>
-    </p:tnLst>
-  </p:timing>
-</p:sld>
-</file>
-
-<file path=ppt/slides/slide21.xml><?xml version="1.0" encoding="utf-8"?>
-<p:sld xmlns:a="http://schemas.openxmlformats.org/drawingml/2006/main" xmlns:r="http://schemas.openxmlformats.org/officeDocument/2006/relationships" xmlns:p="http://schemas.openxmlformats.org/presentationml/2006/main">
-  <p:cSld>
-    <p:spTree>
-      <p:nvGrpSpPr>
-        <p:cNvPr id="1" name=""/>
-        <p:cNvGrpSpPr/>
-        <p:nvPr/>
-      </p:nvGrpSpPr>
-      <p:grpSpPr>
-        <a:xfrm>
-          <a:off x="0" y="0"/>
-          <a:ext cx="0" cy="0"/>
-          <a:chOff x="0" y="0"/>
-          <a:chExt cx="0" cy="0"/>
-        </a:xfrm>
-      </p:grpSpPr>
-      <p:sp>
-        <p:nvSpPr>
-          <p:cNvPr id="4" name="Title 3"/>
-          <p:cNvSpPr>
-            <a:spLocks noGrp="1"/>
-          </p:cNvSpPr>
-          <p:nvPr>
-            <p:ph type="title"/>
-          </p:nvPr>
-        </p:nvSpPr>
-        <p:spPr/>
-        <p:txBody>
-          <a:bodyPr/>
-          <a:lstStyle/>
-          <a:p>
-            <a:r>
-              <a:rPr lang="pt-PT" dirty="0"/>
-              <a:t>Requisitos de </a:t>
-            </a:r>
-            <a:r>
-              <a:rPr lang="pt-PT" dirty="0" smtClean="0"/>
-              <a:t>sistema </a:t>
-            </a:r>
-            <a:r>
-              <a:rPr lang="pt-PT" dirty="0"/>
-              <a:t>não-funcionais</a:t>
-            </a:r>
-          </a:p>
-        </p:txBody>
-      </p:sp>
-      <p:sp>
-        <p:nvSpPr>
-          <p:cNvPr id="2" name="Content Placeholder 1"/>
-          <p:cNvSpPr>
-            <a:spLocks noGrp="1"/>
-          </p:cNvSpPr>
-          <p:nvPr>
-            <p:ph idx="1"/>
-          </p:nvPr>
-        </p:nvSpPr>
-        <p:spPr/>
-        <p:txBody>
-          <a:bodyPr>
-            <a:normAutofit/>
-          </a:bodyPr>
-          <a:lstStyle/>
-          <a:p>
-            <a:pPr algn="just"/>
-            <a:r>
-              <a:rPr lang="pt-PT" sz="2800" dirty="0"/>
-              <a:t>Organizacionais</a:t>
-            </a:r>
-          </a:p>
-          <a:p>
-            <a:pPr lvl="1" algn="just"/>
-            <a:r>
-              <a:rPr lang="pt-PT" sz="2400" dirty="0"/>
-              <a:t>O utilizador deve autenticar-se com o seu username e a password respetiva;</a:t>
-            </a:r>
-          </a:p>
-          <a:p>
-            <a:pPr lvl="1" algn="just"/>
-            <a:r>
-              <a:rPr lang="pt-PT" sz="2400" dirty="0"/>
-              <a:t>A linguagem de programação a utilizar será C# em cooperação com a framework ASP.NET;</a:t>
-            </a:r>
-          </a:p>
-          <a:p>
-            <a:pPr lvl="1" algn="just"/>
-            <a:r>
-              <a:rPr lang="pt-PT" sz="2400" dirty="0"/>
-              <a:t>O SGBD a usar deve ser o SQL Server;</a:t>
-            </a:r>
-          </a:p>
-          <a:p>
-            <a:pPr lvl="1" algn="just"/>
-            <a:r>
-              <a:rPr lang="pt-PT" sz="2400" dirty="0"/>
-              <a:t>A aplicação será desenvolvida para web;</a:t>
-            </a:r>
-          </a:p>
-        </p:txBody>
-      </p:sp>
-    </p:spTree>
-    <p:extLst>
-      <p:ext uri="{BB962C8B-B14F-4D97-AF65-F5344CB8AC3E}">
-        <p14:creationId xmlns:p14="http://schemas.microsoft.com/office/powerpoint/2010/main" val="1620922798"/>
-      </p:ext>
-    </p:extLst>
-  </p:cSld>
-  <p:clrMapOvr>
-    <a:masterClrMapping/>
-  </p:clrMapOvr>
-  <mc:AlternateContent xmlns:mc="http://schemas.openxmlformats.org/markup-compatibility/2006" xmlns:p14="http://schemas.microsoft.com/office/powerpoint/2010/main">
-    <mc:Choice Requires="p14">
-      <p:transition spd="med" p14:dur="700">
-        <p:fade/>
-      </p:transition>
-    </mc:Choice>
-    <mc:Fallback xmlns="">
-      <p:transition spd="med">
-        <p:fade/>
-      </p:transition>
-    </mc:Fallback>
-  </mc:AlternateContent>
-  <p:timing>
-    <p:tnLst>
-      <p:par>
-        <p:cTn id="1" dur="indefinite" restart="never" nodeType="tmRoot"/>
-      </p:par>
-    </p:tnLst>
-  </p:timing>
-</p:sld>
-</file>
-
-<file path=ppt/slides/slide22.xml><?xml version="1.0" encoding="utf-8"?>
-<p:sld xmlns:a="http://schemas.openxmlformats.org/drawingml/2006/main" xmlns:r="http://schemas.openxmlformats.org/officeDocument/2006/relationships" xmlns:p="http://schemas.openxmlformats.org/presentationml/2006/main">
-  <p:cSld>
-    <p:spTree>
-      <p:nvGrpSpPr>
-        <p:cNvPr id="1" name=""/>
-        <p:cNvGrpSpPr/>
-        <p:nvPr/>
-      </p:nvGrpSpPr>
-      <p:grpSpPr>
-        <a:xfrm>
-          <a:off x="0" y="0"/>
-          <a:ext cx="0" cy="0"/>
-          <a:chOff x="0" y="0"/>
-          <a:chExt cx="0" cy="0"/>
-        </a:xfrm>
-      </p:grpSpPr>
-      <p:sp>
-        <p:nvSpPr>
-          <p:cNvPr id="4" name="Title 3"/>
-          <p:cNvSpPr>
-            <a:spLocks noGrp="1"/>
-          </p:cNvSpPr>
-          <p:nvPr>
-            <p:ph type="title"/>
-          </p:nvPr>
-        </p:nvSpPr>
-        <p:spPr/>
-        <p:txBody>
-          <a:bodyPr/>
-          <a:lstStyle/>
-          <a:p>
-            <a:r>
-              <a:rPr lang="pt-PT" dirty="0"/>
-              <a:t>Requisitos de </a:t>
-            </a:r>
-            <a:r>
-              <a:rPr lang="pt-PT" dirty="0" smtClean="0"/>
-              <a:t>sistema </a:t>
-            </a:r>
-            <a:r>
-              <a:rPr lang="pt-PT" dirty="0"/>
-              <a:t>não-funcionais</a:t>
-            </a:r>
-          </a:p>
-        </p:txBody>
-      </p:sp>
-      <p:sp>
-        <p:nvSpPr>
-          <p:cNvPr id="2" name="Content Placeholder 1"/>
-          <p:cNvSpPr>
-            <a:spLocks noGrp="1"/>
-          </p:cNvSpPr>
-          <p:nvPr>
-            <p:ph idx="1"/>
-          </p:nvPr>
-        </p:nvSpPr>
-        <p:spPr/>
-        <p:txBody>
-          <a:bodyPr>
-            <a:normAutofit/>
-          </a:bodyPr>
-          <a:lstStyle/>
-          <a:p>
-            <a:pPr algn="just"/>
-            <a:r>
-              <a:rPr lang="pt-PT" sz="2800" dirty="0"/>
-              <a:t>Externos</a:t>
-            </a:r>
-          </a:p>
-          <a:p>
-            <a:pPr lvl="1" algn="just"/>
-            <a:r>
-              <a:rPr lang="pt-PT" sz="2400" dirty="0"/>
-              <a:t>O sistema deve recorrer a uma API de mapas para representar a localização do trabalho ou até mesmo para representar a sua própria localização;</a:t>
-            </a:r>
-          </a:p>
-          <a:p>
-            <a:pPr lvl="1" algn="just"/>
-            <a:r>
-              <a:rPr lang="pt-PT" sz="2400" dirty="0"/>
-              <a:t>O sistema não deve apresentar aos utilizadores dados privados acerca dos restantes utilizadores, sendo que, cada utilizador só pode ver os seus dados e aqueles que são públicos; </a:t>
-            </a:r>
-          </a:p>
-        </p:txBody>
-      </p:sp>
-    </p:spTree>
-    <p:extLst>
-      <p:ext uri="{BB962C8B-B14F-4D97-AF65-F5344CB8AC3E}">
-        <p14:creationId xmlns:p14="http://schemas.microsoft.com/office/powerpoint/2010/main" val="374380089"/>
-      </p:ext>
-    </p:extLst>
-  </p:cSld>
-  <p:clrMapOvr>
-    <a:masterClrMapping/>
-  </p:clrMapOvr>
-  <mc:AlternateContent xmlns:mc="http://schemas.openxmlformats.org/markup-compatibility/2006" xmlns:p14="http://schemas.microsoft.com/office/powerpoint/2010/main">
-    <mc:Choice Requires="p14">
-      <p:transition spd="med" p14:dur="700">
-        <p:fade/>
-      </p:transition>
-    </mc:Choice>
-    <mc:Fallback xmlns="">
-      <p:transition spd="med">
-        <p:fade/>
-      </p:transition>
-    </mc:Fallback>
-  </mc:AlternateContent>
-  <p:timing>
-    <p:tnLst>
-      <p:par>
-        <p:cTn id="1" dur="indefinite" restart="never" nodeType="tmRoot"/>
-      </p:par>
-    </p:tnLst>
-  </p:timing>
-</p:sld>
-</file>
-
-<file path=ppt/slides/slide23.xml><?xml version="1.0" encoding="utf-8"?>
-<p:sld xmlns:a="http://schemas.openxmlformats.org/drawingml/2006/main" xmlns:r="http://schemas.openxmlformats.org/officeDocument/2006/relationships" xmlns:p="http://schemas.openxmlformats.org/presentationml/2006/main">
-  <p:cSld>
-    <p:spTree>
-      <p:nvGrpSpPr>
-        <p:cNvPr id="1" name=""/>
-        <p:cNvGrpSpPr/>
-        <p:nvPr/>
-      </p:nvGrpSpPr>
-      <p:grpSpPr>
-        <a:xfrm>
-          <a:off x="0" y="0"/>
-          <a:ext cx="0" cy="0"/>
-          <a:chOff x="0" y="0"/>
-          <a:chExt cx="0" cy="0"/>
-        </a:xfrm>
-      </p:grpSpPr>
-      <p:sp>
-        <p:nvSpPr>
-          <p:cNvPr id="4" name="Title 3"/>
-          <p:cNvSpPr>
-            <a:spLocks noGrp="1"/>
-          </p:cNvSpPr>
-          <p:nvPr>
-            <p:ph type="title"/>
-          </p:nvPr>
-        </p:nvSpPr>
-        <p:spPr/>
-        <p:txBody>
-          <a:bodyPr/>
-          <a:lstStyle/>
-          <a:p>
-            <a:r>
-              <a:rPr lang="pt-PT" dirty="0"/>
-              <a:t>Requisitos de </a:t>
-            </a:r>
-            <a:r>
-              <a:rPr lang="pt-PT" dirty="0" smtClean="0"/>
-              <a:t>sistema </a:t>
-            </a:r>
-            <a:r>
-              <a:rPr lang="pt-PT" dirty="0"/>
-              <a:t>não-funcionais</a:t>
-            </a:r>
-          </a:p>
-        </p:txBody>
-      </p:sp>
-      <p:sp>
-        <p:nvSpPr>
-          <p:cNvPr id="2" name="Content Placeholder 1"/>
-          <p:cNvSpPr>
-            <a:spLocks noGrp="1"/>
-          </p:cNvSpPr>
-          <p:nvPr>
-            <p:ph idx="1"/>
-          </p:nvPr>
-        </p:nvSpPr>
-        <p:spPr>
-          <a:xfrm>
-            <a:off x="677334" y="2160589"/>
-            <a:ext cx="8596668" cy="4352178"/>
-          </a:xfrm>
-        </p:spPr>
-        <p:txBody>
-          <a:bodyPr>
-            <a:normAutofit fontScale="92500"/>
-          </a:bodyPr>
-          <a:lstStyle/>
-          <a:p>
-            <a:pPr algn="just"/>
-            <a:r>
-              <a:rPr lang="pt-PT" sz="2800" dirty="0"/>
-              <a:t>Produto</a:t>
-            </a:r>
-          </a:p>
-          <a:p>
-            <a:pPr lvl="1" algn="just"/>
-            <a:r>
-              <a:rPr lang="pt-PT" sz="2400" dirty="0"/>
-              <a:t>O sistema deve estar disponível 24h por dia. No pior dos casos, espera-se uma disponibilidade média superior a 99%;</a:t>
-            </a:r>
-          </a:p>
-          <a:p>
-            <a:pPr lvl="1" algn="just"/>
-            <a:r>
-              <a:rPr lang="pt-PT" sz="2400" dirty="0"/>
-              <a:t>O sistema deve ser de fácil uso;</a:t>
-            </a:r>
-          </a:p>
-          <a:p>
-            <a:pPr lvl="1" algn="just"/>
-            <a:r>
-              <a:rPr lang="pt-PT" sz="2400" dirty="0"/>
-              <a:t>O sistema deve ser produzido de modo a ser executado em todos os browsers;</a:t>
-            </a:r>
-          </a:p>
-          <a:p>
-            <a:pPr lvl="1" algn="just"/>
-            <a:r>
-              <a:rPr lang="pt-PT" sz="2400" dirty="0"/>
-              <a:t>O sistema deve suportar o registo de 1000 utilizadores, no espaço de 1 ano;</a:t>
-            </a:r>
-          </a:p>
-          <a:p>
-            <a:pPr lvl="1" algn="just"/>
-            <a:r>
-              <a:rPr lang="pt-PT" sz="2400" dirty="0"/>
-              <a:t>O nível de satisfação dos utilizadores com a aplicação deverá ser elevado.</a:t>
-            </a:r>
-          </a:p>
-        </p:txBody>
-      </p:sp>
-    </p:spTree>
-    <p:extLst>
-      <p:ext uri="{BB962C8B-B14F-4D97-AF65-F5344CB8AC3E}">
-        <p14:creationId xmlns:p14="http://schemas.microsoft.com/office/powerpoint/2010/main" val="206296111"/>
-      </p:ext>
-    </p:extLst>
-  </p:cSld>
-  <p:clrMapOvr>
-    <a:masterClrMapping/>
-  </p:clrMapOvr>
-  <mc:AlternateContent xmlns:mc="http://schemas.openxmlformats.org/markup-compatibility/2006" xmlns:p14="http://schemas.microsoft.com/office/powerpoint/2010/main">
-    <mc:Choice Requires="p14">
-      <p:transition spd="med" p14:dur="700">
-        <p:fade/>
-      </p:transition>
-    </mc:Choice>
-    <mc:Fallback xmlns="">
-      <p:transition spd="med">
-        <p:fade/>
-      </p:transition>
-    </mc:Fallback>
-  </mc:AlternateContent>
-  <p:timing>
-    <p:tnLst>
-      <p:par>
-        <p:cTn id="1" dur="indefinite" restart="never" nodeType="tmRoot"/>
-      </p:par>
-    </p:tnLst>
-  </p:timing>
-</p:sld>
-</file>
-
-<file path=ppt/slides/slide24.xml><?xml version="1.0" encoding="utf-8"?>
-<p:sld xmlns:a="http://schemas.openxmlformats.org/drawingml/2006/main" xmlns:r="http://schemas.openxmlformats.org/officeDocument/2006/relationships" xmlns:p="http://schemas.openxmlformats.org/presentationml/2006/main">
-  <p:cSld>
-    <p:spTree>
-      <p:nvGrpSpPr>
-        <p:cNvPr id="1" name=""/>
-        <p:cNvGrpSpPr/>
-        <p:nvPr/>
-      </p:nvGrpSpPr>
-      <p:grpSpPr>
-        <a:xfrm>
-          <a:off x="0" y="0"/>
-          <a:ext cx="0" cy="0"/>
-          <a:chOff x="0" y="0"/>
-          <a:chExt cx="0" cy="0"/>
-        </a:xfrm>
-      </p:grpSpPr>
-      <p:sp>
-        <p:nvSpPr>
-          <p:cNvPr id="4" name="Title 3"/>
-          <p:cNvSpPr>
-            <a:spLocks noGrp="1"/>
-          </p:cNvSpPr>
-          <p:nvPr>
-            <p:ph type="title"/>
-          </p:nvPr>
-        </p:nvSpPr>
         <p:spPr>
           <a:xfrm>
             <a:off x="0" y="0"/>
@@ -8528,42 +7657,13 @@
               </a:ext>
             </a:extLst>
           </a:blip>
-          <a:srcRect l="-337" b="29091"/>
+          <a:srcRect l="-337" b="58384"/>
           <a:stretch/>
         </p:blipFill>
         <p:spPr>
           <a:xfrm>
-            <a:off x="0" y="695866"/>
-            <a:ext cx="5956503" cy="6162134"/>
-          </a:xfrm>
-          <a:prstGeom prst="rect">
-            <a:avLst/>
-          </a:prstGeom>
-        </p:spPr>
-      </p:pic>
-      <p:pic>
-        <p:nvPicPr>
-          <p:cNvPr id="3" name="Picture 2"/>
-          <p:cNvPicPr>
-            <a:picLocks noChangeAspect="1"/>
-          </p:cNvPicPr>
-          <p:nvPr/>
-        </p:nvPicPr>
-        <p:blipFill rotWithShape="1">
-          <a:blip r:embed="rId2">
-            <a:extLst>
-              <a:ext uri="{28A0092B-C50C-407E-A947-70E740481C1C}">
-                <a14:useLocalDpi xmlns:a14="http://schemas.microsoft.com/office/drawing/2010/main" val="0"/>
-              </a:ext>
-            </a:extLst>
-          </a:blip>
-          <a:srcRect t="46083" r="15453"/>
-          <a:stretch/>
-        </p:blipFill>
-        <p:spPr>
-          <a:xfrm>
-            <a:off x="6032192" y="1107644"/>
-            <a:ext cx="6159808" cy="5750356"/>
+            <a:off x="564445" y="978088"/>
+            <a:ext cx="8429403" cy="5117911"/>
           </a:xfrm>
           <a:prstGeom prst="rect">
             <a:avLst/>
@@ -8602,7 +7702,7 @@
 </p:sld>
 </file>
 
-<file path=ppt/slides/slide25.xml><?xml version="1.0" encoding="utf-8"?>
+<file path=ppt/slides/slide17.xml><?xml version="1.0" encoding="utf-8"?>
 <p:sld xmlns:a="http://schemas.openxmlformats.org/drawingml/2006/main" xmlns:r="http://schemas.openxmlformats.org/officeDocument/2006/relationships" xmlns:p="http://schemas.openxmlformats.org/presentationml/2006/main">
   <p:cSld>
     <p:spTree>
@@ -8770,231 +7870,7 @@
 </p:sld>
 </file>
 
-<file path=ppt/slides/slide26.xml><?xml version="1.0" encoding="utf-8"?>
-<p:sld xmlns:a="http://schemas.openxmlformats.org/drawingml/2006/main" xmlns:r="http://schemas.openxmlformats.org/officeDocument/2006/relationships" xmlns:p="http://schemas.openxmlformats.org/presentationml/2006/main">
-  <p:cSld>
-    <p:spTree>
-      <p:nvGrpSpPr>
-        <p:cNvPr id="1" name=""/>
-        <p:cNvGrpSpPr/>
-        <p:nvPr/>
-      </p:nvGrpSpPr>
-      <p:grpSpPr>
-        <a:xfrm>
-          <a:off x="0" y="0"/>
-          <a:ext cx="0" cy="0"/>
-          <a:chOff x="0" y="0"/>
-          <a:chExt cx="0" cy="0"/>
-        </a:xfrm>
-      </p:grpSpPr>
-      <p:sp>
-        <p:nvSpPr>
-          <p:cNvPr id="2" name="Title 1"/>
-          <p:cNvSpPr>
-            <a:spLocks noGrp="1"/>
-          </p:cNvSpPr>
-          <p:nvPr>
-            <p:ph type="title"/>
-          </p:nvPr>
-        </p:nvSpPr>
-        <p:spPr>
-          <a:xfrm>
-            <a:off x="677334" y="273698"/>
-            <a:ext cx="8596668" cy="1320800"/>
-          </a:xfrm>
-        </p:spPr>
-        <p:txBody>
-          <a:bodyPr/>
-          <a:lstStyle/>
-          <a:p>
-            <a:r>
-              <a:rPr lang="pt-PT" dirty="0"/>
-              <a:t>Especificação do Use Case</a:t>
-            </a:r>
-            <a:br>
-              <a:rPr lang="pt-PT" dirty="0"/>
-            </a:br>
-            <a:r>
-              <a:rPr lang="pt-PT" dirty="0"/>
-              <a:t>“Aceitar proposta de trabalho”</a:t>
-            </a:r>
-          </a:p>
-        </p:txBody>
-      </p:sp>
-      <p:pic>
-        <p:nvPicPr>
-          <p:cNvPr id="6" name="Content Placeholder 5"/>
-          <p:cNvPicPr>
-            <a:picLocks noGrp="1" noChangeAspect="1"/>
-          </p:cNvPicPr>
-          <p:nvPr>
-            <p:ph sz="half" idx="1"/>
-          </p:nvPr>
-        </p:nvPicPr>
-        <p:blipFill>
-          <a:blip r:embed="rId2">
-            <a:extLst>
-              <a:ext uri="{28A0092B-C50C-407E-A947-70E740481C1C}">
-                <a14:useLocalDpi xmlns:a14="http://schemas.microsoft.com/office/drawing/2010/main" val="0"/>
-              </a:ext>
-            </a:extLst>
-          </a:blip>
-          <a:stretch>
-            <a:fillRect/>
-          </a:stretch>
-        </p:blipFill>
-        <p:spPr>
-          <a:xfrm>
-            <a:off x="677334" y="1594498"/>
-            <a:ext cx="7020919" cy="4936931"/>
-          </a:xfrm>
-        </p:spPr>
-      </p:pic>
-    </p:spTree>
-    <p:extLst>
-      <p:ext uri="{BB962C8B-B14F-4D97-AF65-F5344CB8AC3E}">
-        <p14:creationId xmlns:p14="http://schemas.microsoft.com/office/powerpoint/2010/main" val="173754408"/>
-      </p:ext>
-    </p:extLst>
-  </p:cSld>
-  <p:clrMapOvr>
-    <a:masterClrMapping/>
-  </p:clrMapOvr>
-  <mc:AlternateContent xmlns:mc="http://schemas.openxmlformats.org/markup-compatibility/2006" xmlns:p14="http://schemas.microsoft.com/office/powerpoint/2010/main">
-    <mc:Choice Requires="p14">
-      <p:transition spd="med" p14:dur="700">
-        <p:fade/>
-      </p:transition>
-    </mc:Choice>
-    <mc:Fallback xmlns="">
-      <p:transition spd="med">
-        <p:fade/>
-      </p:transition>
-    </mc:Fallback>
-  </mc:AlternateContent>
-  <p:timing>
-    <p:tnLst>
-      <p:par>
-        <p:cTn id="1" dur="indefinite" restart="never" nodeType="tmRoot"/>
-      </p:par>
-    </p:tnLst>
-  </p:timing>
-</p:sld>
-</file>
-
-<file path=ppt/slides/slide27.xml><?xml version="1.0" encoding="utf-8"?>
-<p:sld xmlns:a="http://schemas.openxmlformats.org/drawingml/2006/main" xmlns:r="http://schemas.openxmlformats.org/officeDocument/2006/relationships" xmlns:p="http://schemas.openxmlformats.org/presentationml/2006/main">
-  <p:cSld>
-    <p:spTree>
-      <p:nvGrpSpPr>
-        <p:cNvPr id="1" name=""/>
-        <p:cNvGrpSpPr/>
-        <p:nvPr/>
-      </p:nvGrpSpPr>
-      <p:grpSpPr>
-        <a:xfrm>
-          <a:off x="0" y="0"/>
-          <a:ext cx="0" cy="0"/>
-          <a:chOff x="0" y="0"/>
-          <a:chExt cx="0" cy="0"/>
-        </a:xfrm>
-      </p:grpSpPr>
-      <p:sp>
-        <p:nvSpPr>
-          <p:cNvPr id="2" name="Title 1"/>
-          <p:cNvSpPr>
-            <a:spLocks noGrp="1"/>
-          </p:cNvSpPr>
-          <p:nvPr>
-            <p:ph type="title"/>
-          </p:nvPr>
-        </p:nvSpPr>
-        <p:spPr>
-          <a:xfrm>
-            <a:off x="677334" y="273698"/>
-            <a:ext cx="8596668" cy="1320800"/>
-          </a:xfrm>
-        </p:spPr>
-        <p:txBody>
-          <a:bodyPr/>
-          <a:lstStyle/>
-          <a:p>
-            <a:r>
-              <a:rPr lang="pt-PT" dirty="0"/>
-              <a:t>Especificação do Use Case</a:t>
-            </a:r>
-            <a:br>
-              <a:rPr lang="pt-PT" dirty="0"/>
-            </a:br>
-            <a:r>
-              <a:rPr lang="pt-PT" dirty="0"/>
-              <a:t>“Avaliar trabalho”</a:t>
-            </a:r>
-          </a:p>
-        </p:txBody>
-      </p:sp>
-      <p:pic>
-        <p:nvPicPr>
-          <p:cNvPr id="3" name="Content Placeholder 2"/>
-          <p:cNvPicPr>
-            <a:picLocks noGrp="1" noChangeAspect="1"/>
-          </p:cNvPicPr>
-          <p:nvPr>
-            <p:ph sz="half" idx="1"/>
-          </p:nvPr>
-        </p:nvPicPr>
-        <p:blipFill>
-          <a:blip r:embed="rId2">
-            <a:extLst>
-              <a:ext uri="{28A0092B-C50C-407E-A947-70E740481C1C}">
-                <a14:useLocalDpi xmlns:a14="http://schemas.microsoft.com/office/drawing/2010/main" val="0"/>
-              </a:ext>
-            </a:extLst>
-          </a:blip>
-          <a:stretch>
-            <a:fillRect/>
-          </a:stretch>
-        </p:blipFill>
-        <p:spPr>
-          <a:xfrm>
-            <a:off x="677334" y="1594498"/>
-            <a:ext cx="8564288" cy="4843624"/>
-          </a:xfrm>
-        </p:spPr>
-      </p:pic>
-    </p:spTree>
-    <p:extLst>
-      <p:ext uri="{BB962C8B-B14F-4D97-AF65-F5344CB8AC3E}">
-        <p14:creationId xmlns:p14="http://schemas.microsoft.com/office/powerpoint/2010/main" val="3346765317"/>
-      </p:ext>
-    </p:extLst>
-  </p:cSld>
-  <p:clrMapOvr>
-    <a:masterClrMapping/>
-  </p:clrMapOvr>
-  <mc:AlternateContent xmlns:mc="http://schemas.openxmlformats.org/markup-compatibility/2006" xmlns:p14="http://schemas.microsoft.com/office/powerpoint/2010/main">
-    <mc:Choice Requires="p14">
-      <p:transition spd="med" p14:dur="700">
-        <p:fade/>
-      </p:transition>
-    </mc:Choice>
-    <mc:Fallback xmlns="">
-      <p:transition spd="med">
-        <p:fade/>
-      </p:transition>
-    </mc:Fallback>
-  </mc:AlternateContent>
-  <p:timing>
-    <p:tnLst>
-      <p:par>
-        <p:cTn id="1" dur="indefinite" restart="never" nodeType="tmRoot"/>
-      </p:par>
-    </p:tnLst>
-  </p:timing>
-</p:sld>
-</file>
-
-<file path=ppt/slides/slide28.xml><?xml version="1.0" encoding="utf-8"?>
+<file path=ppt/slides/slide18.xml><?xml version="1.0" encoding="utf-8"?>
 <p:sld xmlns:a="http://schemas.openxmlformats.org/drawingml/2006/main" xmlns:r="http://schemas.openxmlformats.org/officeDocument/2006/relationships" xmlns:p="http://schemas.openxmlformats.org/presentationml/2006/main">
   <p:cSld>
     <p:spTree>
@@ -9162,495 +8038,7 @@
 </p:sld>
 </file>
 
-<file path=ppt/slides/slide29.xml><?xml version="1.0" encoding="utf-8"?>
-<p:sld xmlns:a="http://schemas.openxmlformats.org/drawingml/2006/main" xmlns:r="http://schemas.openxmlformats.org/officeDocument/2006/relationships" xmlns:p="http://schemas.openxmlformats.org/presentationml/2006/main">
-  <p:cSld>
-    <p:spTree>
-      <p:nvGrpSpPr>
-        <p:cNvPr id="1" name=""/>
-        <p:cNvGrpSpPr/>
-        <p:nvPr/>
-      </p:nvGrpSpPr>
-      <p:grpSpPr>
-        <a:xfrm>
-          <a:off x="0" y="0"/>
-          <a:ext cx="0" cy="0"/>
-          <a:chOff x="0" y="0"/>
-          <a:chExt cx="0" cy="0"/>
-        </a:xfrm>
-      </p:grpSpPr>
-      <p:sp>
-        <p:nvSpPr>
-          <p:cNvPr id="2" name="Title 1"/>
-          <p:cNvSpPr>
-            <a:spLocks noGrp="1"/>
-          </p:cNvSpPr>
-          <p:nvPr>
-            <p:ph type="title"/>
-          </p:nvPr>
-        </p:nvSpPr>
-        <p:spPr>
-          <a:xfrm>
-            <a:off x="677334" y="273698"/>
-            <a:ext cx="8596668" cy="1320800"/>
-          </a:xfrm>
-        </p:spPr>
-        <p:txBody>
-          <a:bodyPr/>
-          <a:lstStyle/>
-          <a:p>
-            <a:r>
-              <a:rPr lang="pt-PT" dirty="0"/>
-              <a:t>Diagrama de Sequência de Sistema</a:t>
-            </a:r>
-            <a:br>
-              <a:rPr lang="pt-PT" dirty="0"/>
-            </a:br>
-            <a:r>
-              <a:rPr lang="pt-PT" dirty="0"/>
-              <a:t>“Aceitar proposta de trabalho”</a:t>
-            </a:r>
-          </a:p>
-        </p:txBody>
-      </p:sp>
-      <p:sp>
-        <p:nvSpPr>
-          <p:cNvPr id="4" name="Content Placeholder 3"/>
-          <p:cNvSpPr>
-            <a:spLocks noGrp="1"/>
-          </p:cNvSpPr>
-          <p:nvPr>
-            <p:ph sz="half" idx="1"/>
-          </p:nvPr>
-        </p:nvSpPr>
-        <p:spPr/>
-        <p:txBody>
-          <a:bodyPr/>
-          <a:lstStyle/>
-          <a:p>
-            <a:endParaRPr lang="pt-PT" dirty="0"/>
-          </a:p>
-        </p:txBody>
-      </p:sp>
-      <p:sp>
-        <p:nvSpPr>
-          <p:cNvPr id="5" name="Content Placeholder 4"/>
-          <p:cNvSpPr>
-            <a:spLocks noGrp="1"/>
-          </p:cNvSpPr>
-          <p:nvPr>
-            <p:ph sz="half" idx="2"/>
-          </p:nvPr>
-        </p:nvSpPr>
-        <p:spPr/>
-        <p:txBody>
-          <a:bodyPr/>
-          <a:lstStyle/>
-          <a:p>
-            <a:endParaRPr lang="pt-PT" dirty="0"/>
-          </a:p>
-        </p:txBody>
-      </p:sp>
-      <p:pic>
-        <p:nvPicPr>
-          <p:cNvPr id="7" name="Picture 6"/>
-          <p:cNvPicPr>
-            <a:picLocks noChangeAspect="1"/>
-          </p:cNvPicPr>
-          <p:nvPr/>
-        </p:nvPicPr>
-        <p:blipFill>
-          <a:blip r:embed="rId2"/>
-          <a:stretch>
-            <a:fillRect/>
-          </a:stretch>
-        </p:blipFill>
-        <p:spPr>
-          <a:xfrm>
-            <a:off x="1797240" y="1608283"/>
-            <a:ext cx="6356855" cy="5149857"/>
-          </a:xfrm>
-          <a:prstGeom prst="rect">
-            <a:avLst/>
-          </a:prstGeom>
-        </p:spPr>
-      </p:pic>
-    </p:spTree>
-    <p:extLst>
-      <p:ext uri="{BB962C8B-B14F-4D97-AF65-F5344CB8AC3E}">
-        <p14:creationId xmlns:p14="http://schemas.microsoft.com/office/powerpoint/2010/main" val="2756160048"/>
-      </p:ext>
-    </p:extLst>
-  </p:cSld>
-  <p:clrMapOvr>
-    <a:masterClrMapping/>
-  </p:clrMapOvr>
-  <mc:AlternateContent xmlns:mc="http://schemas.openxmlformats.org/markup-compatibility/2006" xmlns:p14="http://schemas.microsoft.com/office/powerpoint/2010/main">
-    <mc:Choice Requires="p14">
-      <p:transition spd="med" p14:dur="700">
-        <p:fade/>
-      </p:transition>
-    </mc:Choice>
-    <mc:Fallback xmlns="">
-      <p:transition spd="med">
-        <p:fade/>
-      </p:transition>
-    </mc:Fallback>
-  </mc:AlternateContent>
-  <p:timing>
-    <p:tnLst>
-      <p:par>
-        <p:cTn id="1" dur="indefinite" restart="never" nodeType="tmRoot"/>
-      </p:par>
-    </p:tnLst>
-  </p:timing>
-</p:sld>
-</file>
-
-<file path=ppt/slides/slide3.xml><?xml version="1.0" encoding="utf-8"?>
-<p:sld xmlns:a="http://schemas.openxmlformats.org/drawingml/2006/main" xmlns:r="http://schemas.openxmlformats.org/officeDocument/2006/relationships" xmlns:p="http://schemas.openxmlformats.org/presentationml/2006/main">
-  <p:cSld>
-    <p:spTree>
-      <p:nvGrpSpPr>
-        <p:cNvPr id="1" name=""/>
-        <p:cNvGrpSpPr/>
-        <p:nvPr/>
-      </p:nvGrpSpPr>
-      <p:grpSpPr>
-        <a:xfrm>
-          <a:off x="0" y="0"/>
-          <a:ext cx="0" cy="0"/>
-          <a:chOff x="0" y="0"/>
-          <a:chExt cx="0" cy="0"/>
-        </a:xfrm>
-      </p:grpSpPr>
-      <p:sp>
-        <p:nvSpPr>
-          <p:cNvPr id="3" name="Marcador de Posição de Conteúdo 2">
-            <a:extLst>
-              <a:ext uri="{FF2B5EF4-FFF2-40B4-BE49-F238E27FC236}">
-                <a16:creationId xmlns:a16="http://schemas.microsoft.com/office/drawing/2014/main" id="{78155F68-0F43-4FE9-A743-20F9DAFEFA50}"/>
-              </a:ext>
-            </a:extLst>
-          </p:cNvPr>
-          <p:cNvSpPr>
-            <a:spLocks noGrp="1"/>
-          </p:cNvSpPr>
-          <p:nvPr>
-            <p:ph idx="1"/>
-          </p:nvPr>
-        </p:nvSpPr>
-        <p:spPr>
-          <a:xfrm>
-            <a:off x="677334" y="706583"/>
-            <a:ext cx="8596668" cy="5334780"/>
-          </a:xfrm>
-        </p:spPr>
-        <p:txBody>
-          <a:bodyPr>
-            <a:normAutofit/>
-          </a:bodyPr>
-          <a:lstStyle/>
-          <a:p>
-            <a:pPr>
-              <a:lnSpc>
-                <a:spcPct val="150000"/>
-              </a:lnSpc>
-            </a:pPr>
-            <a:r>
-              <a:rPr lang="pt-PT" sz="2000" dirty="0">
-                <a:solidFill>
-                  <a:schemeClr val="tx1"/>
-                </a:solidFill>
-              </a:rPr>
-              <a:t>Contextualização </a:t>
-            </a:r>
-          </a:p>
-          <a:p>
-            <a:pPr>
-              <a:lnSpc>
-                <a:spcPct val="150000"/>
-              </a:lnSpc>
-            </a:pPr>
-            <a:r>
-              <a:rPr lang="pt-PT" sz="2000" dirty="0">
-                <a:solidFill>
-                  <a:schemeClr val="tx1"/>
-                </a:solidFill>
-              </a:rPr>
-              <a:t>Motivação e Objetivos</a:t>
-            </a:r>
-          </a:p>
-          <a:p>
-            <a:pPr>
-              <a:lnSpc>
-                <a:spcPct val="150000"/>
-              </a:lnSpc>
-            </a:pPr>
-            <a:r>
-              <a:rPr lang="pt-PT" sz="2000" dirty="0">
-                <a:solidFill>
-                  <a:schemeClr val="tx1"/>
-                </a:solidFill>
-              </a:rPr>
-              <a:t>Definição da Identidade do Sistema a Desenvolver </a:t>
-            </a:r>
-          </a:p>
-          <a:p>
-            <a:pPr>
-              <a:lnSpc>
-                <a:spcPct val="150000"/>
-              </a:lnSpc>
-            </a:pPr>
-            <a:r>
-              <a:rPr lang="pt-PT" sz="2000" dirty="0">
-                <a:solidFill>
-                  <a:schemeClr val="tx1"/>
-                </a:solidFill>
-              </a:rPr>
-              <a:t>Análise de Viabilidade </a:t>
-            </a:r>
-          </a:p>
-          <a:p>
-            <a:pPr>
-              <a:lnSpc>
-                <a:spcPct val="150000"/>
-              </a:lnSpc>
-            </a:pPr>
-            <a:r>
-              <a:rPr lang="pt-PT" sz="2000" dirty="0">
-                <a:solidFill>
-                  <a:schemeClr val="tx1"/>
-                </a:solidFill>
-              </a:rPr>
-              <a:t>Identificação dos Recursos Necessários </a:t>
-            </a:r>
-          </a:p>
-          <a:p>
-            <a:pPr>
-              <a:lnSpc>
-                <a:spcPct val="150000"/>
-              </a:lnSpc>
-            </a:pPr>
-            <a:r>
-              <a:rPr lang="pt-PT" sz="2000" dirty="0">
-                <a:solidFill>
-                  <a:schemeClr val="tx1"/>
-                </a:solidFill>
-              </a:rPr>
-              <a:t>Modelo de Sistema </a:t>
-            </a:r>
-          </a:p>
-          <a:p>
-            <a:pPr>
-              <a:lnSpc>
-                <a:spcPct val="150000"/>
-              </a:lnSpc>
-            </a:pPr>
-            <a:r>
-              <a:rPr lang="pt-PT" sz="2000" dirty="0">
-                <a:solidFill>
-                  <a:schemeClr val="tx1"/>
-                </a:solidFill>
-              </a:rPr>
-              <a:t>Definição de Medidas de Sucesso </a:t>
-            </a:r>
-          </a:p>
-          <a:p>
-            <a:pPr>
-              <a:lnSpc>
-                <a:spcPct val="150000"/>
-              </a:lnSpc>
-            </a:pPr>
-            <a:r>
-              <a:rPr lang="pt-PT" sz="2000" dirty="0">
-                <a:solidFill>
-                  <a:schemeClr val="tx1"/>
-                </a:solidFill>
-              </a:rPr>
-              <a:t>Plano de Desenvolvimento </a:t>
-            </a:r>
-          </a:p>
-        </p:txBody>
-      </p:sp>
-    </p:spTree>
-    <p:extLst>
-      <p:ext uri="{BB962C8B-B14F-4D97-AF65-F5344CB8AC3E}">
-        <p14:creationId xmlns:p14="http://schemas.microsoft.com/office/powerpoint/2010/main" val="482868652"/>
-      </p:ext>
-    </p:extLst>
-  </p:cSld>
-  <p:clrMapOvr>
-    <a:masterClrMapping/>
-  </p:clrMapOvr>
-  <mc:AlternateContent xmlns:mc="http://schemas.openxmlformats.org/markup-compatibility/2006" xmlns:p14="http://schemas.microsoft.com/office/powerpoint/2010/main">
-    <mc:Choice Requires="p14">
-      <p:transition spd="med" p14:dur="700">
-        <p:fade/>
-      </p:transition>
-    </mc:Choice>
-    <mc:Fallback xmlns="">
-      <p:transition spd="med">
-        <p:fade/>
-      </p:transition>
-    </mc:Fallback>
-  </mc:AlternateContent>
-  <p:timing>
-    <p:tnLst>
-      <p:par>
-        <p:cTn id="1" dur="indefinite" restart="never" nodeType="tmRoot"/>
-      </p:par>
-    </p:tnLst>
-  </p:timing>
-</p:sld>
-</file>
-
-<file path=ppt/slides/slide30.xml><?xml version="1.0" encoding="utf-8"?>
-<p:sld xmlns:a="http://schemas.openxmlformats.org/drawingml/2006/main" xmlns:r="http://schemas.openxmlformats.org/officeDocument/2006/relationships" xmlns:p="http://schemas.openxmlformats.org/presentationml/2006/main">
-  <p:cSld>
-    <p:spTree>
-      <p:nvGrpSpPr>
-        <p:cNvPr id="1" name=""/>
-        <p:cNvGrpSpPr/>
-        <p:nvPr/>
-      </p:nvGrpSpPr>
-      <p:grpSpPr>
-        <a:xfrm>
-          <a:off x="0" y="0"/>
-          <a:ext cx="0" cy="0"/>
-          <a:chOff x="0" y="0"/>
-          <a:chExt cx="0" cy="0"/>
-        </a:xfrm>
-      </p:grpSpPr>
-      <p:sp>
-        <p:nvSpPr>
-          <p:cNvPr id="2" name="Title 1"/>
-          <p:cNvSpPr>
-            <a:spLocks noGrp="1"/>
-          </p:cNvSpPr>
-          <p:nvPr>
-            <p:ph type="title"/>
-          </p:nvPr>
-        </p:nvSpPr>
-        <p:spPr>
-          <a:xfrm>
-            <a:off x="677334" y="273698"/>
-            <a:ext cx="8596668" cy="1320800"/>
-          </a:xfrm>
-        </p:spPr>
-        <p:txBody>
-          <a:bodyPr/>
-          <a:lstStyle/>
-          <a:p>
-            <a:r>
-              <a:rPr lang="pt-PT" dirty="0"/>
-              <a:t>Diagrama de Sequência de Sistema</a:t>
-            </a:r>
-            <a:br>
-              <a:rPr lang="pt-PT" dirty="0"/>
-            </a:br>
-            <a:r>
-              <a:rPr lang="pt-PT" dirty="0"/>
-              <a:t>“Avaliar trabalho”</a:t>
-            </a:r>
-          </a:p>
-        </p:txBody>
-      </p:sp>
-      <p:sp>
-        <p:nvSpPr>
-          <p:cNvPr id="4" name="Content Placeholder 3"/>
-          <p:cNvSpPr>
-            <a:spLocks noGrp="1"/>
-          </p:cNvSpPr>
-          <p:nvPr>
-            <p:ph sz="half" idx="1"/>
-          </p:nvPr>
-        </p:nvSpPr>
-        <p:spPr/>
-        <p:txBody>
-          <a:bodyPr/>
-          <a:lstStyle/>
-          <a:p>
-            <a:endParaRPr lang="pt-PT" dirty="0"/>
-          </a:p>
-        </p:txBody>
-      </p:sp>
-      <p:sp>
-        <p:nvSpPr>
-          <p:cNvPr id="5" name="Content Placeholder 4"/>
-          <p:cNvSpPr>
-            <a:spLocks noGrp="1"/>
-          </p:cNvSpPr>
-          <p:nvPr>
-            <p:ph sz="half" idx="2"/>
-          </p:nvPr>
-        </p:nvSpPr>
-        <p:spPr/>
-        <p:txBody>
-          <a:bodyPr/>
-          <a:lstStyle/>
-          <a:p>
-            <a:endParaRPr lang="pt-PT" dirty="0"/>
-          </a:p>
-        </p:txBody>
-      </p:sp>
-      <p:pic>
-        <p:nvPicPr>
-          <p:cNvPr id="7" name="Picture 6"/>
-          <p:cNvPicPr>
-            <a:picLocks noChangeAspect="1"/>
-          </p:cNvPicPr>
-          <p:nvPr/>
-        </p:nvPicPr>
-        <p:blipFill>
-          <a:blip r:embed="rId2"/>
-          <a:stretch>
-            <a:fillRect/>
-          </a:stretch>
-        </p:blipFill>
-        <p:spPr>
-          <a:xfrm>
-            <a:off x="2461323" y="1594498"/>
-            <a:ext cx="5028689" cy="5277316"/>
-          </a:xfrm>
-          <a:prstGeom prst="rect">
-            <a:avLst/>
-          </a:prstGeom>
-        </p:spPr>
-      </p:pic>
-    </p:spTree>
-    <p:extLst>
-      <p:ext uri="{BB962C8B-B14F-4D97-AF65-F5344CB8AC3E}">
-        <p14:creationId xmlns:p14="http://schemas.microsoft.com/office/powerpoint/2010/main" val="198381671"/>
-      </p:ext>
-    </p:extLst>
-  </p:cSld>
-  <p:clrMapOvr>
-    <a:masterClrMapping/>
-  </p:clrMapOvr>
-  <mc:AlternateContent xmlns:mc="http://schemas.openxmlformats.org/markup-compatibility/2006" xmlns:p14="http://schemas.microsoft.com/office/powerpoint/2010/main">
-    <mc:Choice Requires="p14">
-      <p:transition spd="med" p14:dur="700">
-        <p:fade/>
-      </p:transition>
-    </mc:Choice>
-    <mc:Fallback xmlns="">
-      <p:transition spd="med">
-        <p:fade/>
-      </p:transition>
-    </mc:Fallback>
-  </mc:AlternateContent>
-  <p:timing>
-    <p:tnLst>
-      <p:par>
-        <p:cTn id="1" dur="indefinite" restart="never" nodeType="tmRoot"/>
-      </p:par>
-    </p:tnLst>
-  </p:timing>
-</p:sld>
-</file>
-
-<file path=ppt/slides/slide31.xml><?xml version="1.0" encoding="utf-8"?>
+<file path=ppt/slides/slide19.xml><?xml version="1.0" encoding="utf-8"?>
 <p:sld xmlns:a="http://schemas.openxmlformats.org/drawingml/2006/main" xmlns:r="http://schemas.openxmlformats.org/officeDocument/2006/relationships" xmlns:p="http://schemas.openxmlformats.org/presentationml/2006/main">
   <p:cSld>
     <p:spTree>
@@ -9755,7 +8143,100 @@
 </p:sld>
 </file>
 
-<file path=ppt/slides/slide32.xml><?xml version="1.0" encoding="utf-8"?>
+<file path=ppt/slides/slide2.xml><?xml version="1.0" encoding="utf-8"?>
+<p:sld xmlns:a="http://schemas.openxmlformats.org/drawingml/2006/main" xmlns:r="http://schemas.openxmlformats.org/officeDocument/2006/relationships" xmlns:p="http://schemas.openxmlformats.org/presentationml/2006/main">
+  <p:cSld>
+    <p:spTree>
+      <p:nvGrpSpPr>
+        <p:cNvPr id="1" name=""/>
+        <p:cNvGrpSpPr/>
+        <p:nvPr/>
+      </p:nvGrpSpPr>
+      <p:grpSpPr>
+        <a:xfrm>
+          <a:off x="0" y="0"/>
+          <a:ext cx="0" cy="0"/>
+          <a:chOff x="0" y="0"/>
+          <a:chExt cx="0" cy="0"/>
+        </a:xfrm>
+      </p:grpSpPr>
+      <p:sp>
+        <p:nvSpPr>
+          <p:cNvPr id="2" name="Title 1"/>
+          <p:cNvSpPr>
+            <a:spLocks noGrp="1"/>
+          </p:cNvSpPr>
+          <p:nvPr>
+            <p:ph type="title"/>
+          </p:nvPr>
+        </p:nvSpPr>
+        <p:spPr/>
+        <p:txBody>
+          <a:bodyPr/>
+          <a:lstStyle/>
+          <a:p>
+            <a:r>
+              <a:rPr lang="pt-PT" dirty="0"/>
+              <a:t>Parte I</a:t>
+            </a:r>
+          </a:p>
+        </p:txBody>
+      </p:sp>
+      <p:sp>
+        <p:nvSpPr>
+          <p:cNvPr id="3" name="Text Placeholder 2"/>
+          <p:cNvSpPr>
+            <a:spLocks noGrp="1"/>
+          </p:cNvSpPr>
+          <p:nvPr>
+            <p:ph type="body" idx="1"/>
+          </p:nvPr>
+        </p:nvSpPr>
+        <p:spPr/>
+        <p:txBody>
+          <a:bodyPr/>
+          <a:lstStyle/>
+          <a:p>
+            <a:r>
+              <a:rPr lang="pt-PT" dirty="0"/>
+              <a:t>Fundamentação</a:t>
+            </a:r>
+          </a:p>
+        </p:txBody>
+      </p:sp>
+    </p:spTree>
+    <p:extLst>
+      <p:ext uri="{BB962C8B-B14F-4D97-AF65-F5344CB8AC3E}">
+        <p14:creationId xmlns:p14="http://schemas.microsoft.com/office/powerpoint/2010/main" val="2134899933"/>
+      </p:ext>
+    </p:extLst>
+  </p:cSld>
+  <p:clrMapOvr>
+    <a:masterClrMapping/>
+  </p:clrMapOvr>
+  <mc:AlternateContent xmlns:mc="http://schemas.openxmlformats.org/markup-compatibility/2006" xmlns:p14="http://schemas.microsoft.com/office/powerpoint/2010/main">
+    <mc:Choice Requires="p14">
+      <p:transition spd="med" p14:dur="700">
+        <p:fade/>
+      </p:transition>
+    </mc:Choice>
+    <mc:Fallback xmlns="">
+      <p:transition spd="med">
+        <p:fade/>
+      </p:transition>
+    </mc:Fallback>
+  </mc:AlternateContent>
+  <p:timing>
+    <p:tnLst>
+      <p:par>
+        <p:cTn id="1" dur="indefinite" restart="never" nodeType="tmRoot"/>
+      </p:par>
+    </p:tnLst>
+  </p:timing>
+</p:sld>
+</file>
+
+<file path=ppt/slides/slide20.xml><?xml version="1.0" encoding="utf-8"?>
 <p:sld xmlns:a="http://schemas.openxmlformats.org/drawingml/2006/main" xmlns:r="http://schemas.openxmlformats.org/officeDocument/2006/relationships" xmlns:p="http://schemas.openxmlformats.org/presentationml/2006/main">
   <p:cSld>
     <p:spTree>
@@ -9867,231 +8348,7 @@
 </p:sld>
 </file>
 
-<file path=ppt/slides/slide33.xml><?xml version="1.0" encoding="utf-8"?>
-<p:sld xmlns:a="http://schemas.openxmlformats.org/drawingml/2006/main" xmlns:r="http://schemas.openxmlformats.org/officeDocument/2006/relationships" xmlns:p="http://schemas.openxmlformats.org/presentationml/2006/main">
-  <p:cSld>
-    <p:spTree>
-      <p:nvGrpSpPr>
-        <p:cNvPr id="1" name=""/>
-        <p:cNvGrpSpPr/>
-        <p:nvPr/>
-      </p:nvGrpSpPr>
-      <p:grpSpPr>
-        <a:xfrm>
-          <a:off x="0" y="0"/>
-          <a:ext cx="0" cy="0"/>
-          <a:chOff x="0" y="0"/>
-          <a:chExt cx="0" cy="0"/>
-        </a:xfrm>
-      </p:grpSpPr>
-      <p:sp>
-        <p:nvSpPr>
-          <p:cNvPr id="2" name="Title 1"/>
-          <p:cNvSpPr>
-            <a:spLocks noGrp="1"/>
-          </p:cNvSpPr>
-          <p:nvPr>
-            <p:ph type="title"/>
-          </p:nvPr>
-        </p:nvSpPr>
-        <p:spPr>
-          <a:xfrm>
-            <a:off x="677334" y="273698"/>
-            <a:ext cx="8596668" cy="1320800"/>
-          </a:xfrm>
-        </p:spPr>
-        <p:txBody>
-          <a:bodyPr/>
-          <a:lstStyle/>
-          <a:p>
-            <a:r>
-              <a:rPr lang="pt-PT" dirty="0"/>
-              <a:t>Diagrama de Máquinas de Estado</a:t>
-            </a:r>
-            <a:br>
-              <a:rPr lang="pt-PT" dirty="0"/>
-            </a:br>
-            <a:r>
-              <a:rPr lang="pt-PT" dirty="0"/>
-              <a:t>“Verificar propostas de trabalho”</a:t>
-            </a:r>
-          </a:p>
-        </p:txBody>
-      </p:sp>
-      <p:pic>
-        <p:nvPicPr>
-          <p:cNvPr id="4" name="Content Placeholder 3"/>
-          <p:cNvPicPr>
-            <a:picLocks noGrp="1" noChangeAspect="1"/>
-          </p:cNvPicPr>
-          <p:nvPr>
-            <p:ph sz="half" idx="1"/>
-          </p:nvPr>
-        </p:nvPicPr>
-        <p:blipFill>
-          <a:blip r:embed="rId2">
-            <a:extLst>
-              <a:ext uri="{28A0092B-C50C-407E-A947-70E740481C1C}">
-                <a14:useLocalDpi xmlns:a14="http://schemas.microsoft.com/office/drawing/2010/main" val="0"/>
-              </a:ext>
-            </a:extLst>
-          </a:blip>
-          <a:stretch>
-            <a:fillRect/>
-          </a:stretch>
-        </p:blipFill>
-        <p:spPr>
-          <a:xfrm>
-            <a:off x="677334" y="1594498"/>
-            <a:ext cx="10929419" cy="4966432"/>
-          </a:xfrm>
-        </p:spPr>
-      </p:pic>
-    </p:spTree>
-    <p:extLst>
-      <p:ext uri="{BB962C8B-B14F-4D97-AF65-F5344CB8AC3E}">
-        <p14:creationId xmlns:p14="http://schemas.microsoft.com/office/powerpoint/2010/main" val="3326109473"/>
-      </p:ext>
-    </p:extLst>
-  </p:cSld>
-  <p:clrMapOvr>
-    <a:masterClrMapping/>
-  </p:clrMapOvr>
-  <mc:AlternateContent xmlns:mc="http://schemas.openxmlformats.org/markup-compatibility/2006" xmlns:p14="http://schemas.microsoft.com/office/powerpoint/2010/main">
-    <mc:Choice Requires="p14">
-      <p:transition spd="med" p14:dur="700">
-        <p:fade/>
-      </p:transition>
-    </mc:Choice>
-    <mc:Fallback xmlns="">
-      <p:transition spd="med">
-        <p:fade/>
-      </p:transition>
-    </mc:Fallback>
-  </mc:AlternateContent>
-  <p:timing>
-    <p:tnLst>
-      <p:par>
-        <p:cTn id="1" dur="indefinite" restart="never" nodeType="tmRoot"/>
-      </p:par>
-    </p:tnLst>
-  </p:timing>
-</p:sld>
-</file>
-
-<file path=ppt/slides/slide34.xml><?xml version="1.0" encoding="utf-8"?>
-<p:sld xmlns:a="http://schemas.openxmlformats.org/drawingml/2006/main" xmlns:r="http://schemas.openxmlformats.org/officeDocument/2006/relationships" xmlns:p="http://schemas.openxmlformats.org/presentationml/2006/main">
-  <p:cSld>
-    <p:spTree>
-      <p:nvGrpSpPr>
-        <p:cNvPr id="1" name=""/>
-        <p:cNvGrpSpPr/>
-        <p:nvPr/>
-      </p:nvGrpSpPr>
-      <p:grpSpPr>
-        <a:xfrm>
-          <a:off x="0" y="0"/>
-          <a:ext cx="0" cy="0"/>
-          <a:chOff x="0" y="0"/>
-          <a:chExt cx="0" cy="0"/>
-        </a:xfrm>
-      </p:grpSpPr>
-      <p:sp>
-        <p:nvSpPr>
-          <p:cNvPr id="2" name="Title 1"/>
-          <p:cNvSpPr>
-            <a:spLocks noGrp="1"/>
-          </p:cNvSpPr>
-          <p:nvPr>
-            <p:ph type="title"/>
-          </p:nvPr>
-        </p:nvSpPr>
-        <p:spPr>
-          <a:xfrm>
-            <a:off x="677334" y="273698"/>
-            <a:ext cx="8596668" cy="1320800"/>
-          </a:xfrm>
-        </p:spPr>
-        <p:txBody>
-          <a:bodyPr/>
-          <a:lstStyle/>
-          <a:p>
-            <a:r>
-              <a:rPr lang="pt-PT" dirty="0"/>
-              <a:t>Diagrama de Máquinas de Estado</a:t>
-            </a:r>
-            <a:br>
-              <a:rPr lang="pt-PT" dirty="0"/>
-            </a:br>
-            <a:r>
-              <a:rPr lang="pt-PT" dirty="0"/>
-              <a:t>“Avaliar Trabalho”</a:t>
-            </a:r>
-          </a:p>
-        </p:txBody>
-      </p:sp>
-      <p:pic>
-        <p:nvPicPr>
-          <p:cNvPr id="5" name="Content Placeholder 4"/>
-          <p:cNvPicPr>
-            <a:picLocks noGrp="1" noChangeAspect="1"/>
-          </p:cNvPicPr>
-          <p:nvPr>
-            <p:ph sz="half" idx="1"/>
-          </p:nvPr>
-        </p:nvPicPr>
-        <p:blipFill>
-          <a:blip r:embed="rId2">
-            <a:extLst>
-              <a:ext uri="{28A0092B-C50C-407E-A947-70E740481C1C}">
-                <a14:useLocalDpi xmlns:a14="http://schemas.microsoft.com/office/drawing/2010/main" val="0"/>
-              </a:ext>
-            </a:extLst>
-          </a:blip>
-          <a:stretch>
-            <a:fillRect/>
-          </a:stretch>
-        </p:blipFill>
-        <p:spPr>
-          <a:xfrm>
-            <a:off x="677334" y="2108718"/>
-            <a:ext cx="10875761" cy="3437415"/>
-          </a:xfrm>
-        </p:spPr>
-      </p:pic>
-    </p:spTree>
-    <p:extLst>
-      <p:ext uri="{BB962C8B-B14F-4D97-AF65-F5344CB8AC3E}">
-        <p14:creationId xmlns:p14="http://schemas.microsoft.com/office/powerpoint/2010/main" val="1126668763"/>
-      </p:ext>
-    </p:extLst>
-  </p:cSld>
-  <p:clrMapOvr>
-    <a:masterClrMapping/>
-  </p:clrMapOvr>
-  <mc:AlternateContent xmlns:mc="http://schemas.openxmlformats.org/markup-compatibility/2006" xmlns:p14="http://schemas.microsoft.com/office/powerpoint/2010/main">
-    <mc:Choice Requires="p14">
-      <p:transition spd="med" p14:dur="700">
-        <p:fade/>
-      </p:transition>
-    </mc:Choice>
-    <mc:Fallback xmlns="">
-      <p:transition spd="med">
-        <p:fade/>
-      </p:transition>
-    </mc:Fallback>
-  </mc:AlternateContent>
-  <p:timing>
-    <p:tnLst>
-      <p:par>
-        <p:cTn id="1" dur="indefinite" restart="never" nodeType="tmRoot"/>
-      </p:par>
-    </p:tnLst>
-  </p:timing>
-</p:sld>
-</file>
-
-<file path=ppt/slides/slide35.xml><?xml version="1.0" encoding="utf-8"?>
+<file path=ppt/slides/slide21.xml><?xml version="1.0" encoding="utf-8"?>
 <p:sld xmlns:a="http://schemas.openxmlformats.org/drawingml/2006/main" xmlns:r="http://schemas.openxmlformats.org/officeDocument/2006/relationships" xmlns:p="http://schemas.openxmlformats.org/presentationml/2006/main">
   <p:cSld>
     <p:spTree>
@@ -10195,112 +8452,7 @@
 </p:sld>
 </file>
 
-<file path=ppt/slides/slide36.xml><?xml version="1.0" encoding="utf-8"?>
-<p:sld xmlns:a="http://schemas.openxmlformats.org/drawingml/2006/main" xmlns:r="http://schemas.openxmlformats.org/officeDocument/2006/relationships" xmlns:p="http://schemas.openxmlformats.org/presentationml/2006/main">
-  <p:cSld>
-    <p:spTree>
-      <p:nvGrpSpPr>
-        <p:cNvPr id="1" name=""/>
-        <p:cNvGrpSpPr/>
-        <p:nvPr/>
-      </p:nvGrpSpPr>
-      <p:grpSpPr>
-        <a:xfrm>
-          <a:off x="0" y="0"/>
-          <a:ext cx="0" cy="0"/>
-          <a:chOff x="0" y="0"/>
-          <a:chExt cx="0" cy="0"/>
-        </a:xfrm>
-      </p:grpSpPr>
-      <p:sp>
-        <p:nvSpPr>
-          <p:cNvPr id="2" name="Title 1"/>
-          <p:cNvSpPr>
-            <a:spLocks noGrp="1"/>
-          </p:cNvSpPr>
-          <p:nvPr>
-            <p:ph type="title"/>
-          </p:nvPr>
-        </p:nvSpPr>
-        <p:spPr>
-          <a:xfrm>
-            <a:off x="677334" y="273698"/>
-            <a:ext cx="8596668" cy="1320800"/>
-          </a:xfrm>
-        </p:spPr>
-        <p:txBody>
-          <a:bodyPr/>
-          <a:lstStyle/>
-          <a:p>
-            <a:r>
-              <a:rPr lang="pt-PT" dirty="0"/>
-              <a:t>Diagrama de Classes</a:t>
-            </a:r>
-          </a:p>
-        </p:txBody>
-      </p:sp>
-      <p:pic>
-        <p:nvPicPr>
-          <p:cNvPr id="5" name="Content Placeholder 4"/>
-          <p:cNvPicPr>
-            <a:picLocks noGrp="1" noChangeAspect="1"/>
-          </p:cNvPicPr>
-          <p:nvPr>
-            <p:ph sz="half" idx="1"/>
-          </p:nvPr>
-        </p:nvPicPr>
-        <p:blipFill>
-          <a:blip r:embed="rId2">
-            <a:extLst>
-              <a:ext uri="{28A0092B-C50C-407E-A947-70E740481C1C}">
-                <a14:useLocalDpi xmlns:a14="http://schemas.microsoft.com/office/drawing/2010/main" val="0"/>
-              </a:ext>
-            </a:extLst>
-          </a:blip>
-          <a:stretch>
-            <a:fillRect/>
-          </a:stretch>
-        </p:blipFill>
-        <p:spPr>
-          <a:xfrm>
-            <a:off x="1192393" y="882788"/>
-            <a:ext cx="7566549" cy="5975212"/>
-          </a:xfrm>
-        </p:spPr>
-      </p:pic>
-    </p:spTree>
-    <p:extLst>
-      <p:ext uri="{BB962C8B-B14F-4D97-AF65-F5344CB8AC3E}">
-        <p14:creationId xmlns:p14="http://schemas.microsoft.com/office/powerpoint/2010/main" val="2834995219"/>
-      </p:ext>
-    </p:extLst>
-  </p:cSld>
-  <p:clrMapOvr>
-    <a:masterClrMapping/>
-  </p:clrMapOvr>
-  <mc:AlternateContent xmlns:mc="http://schemas.openxmlformats.org/markup-compatibility/2006" xmlns:p14="http://schemas.microsoft.com/office/powerpoint/2010/main">
-    <mc:Choice Requires="p14">
-      <p:transition spd="med" p14:dur="700">
-        <p:fade/>
-      </p:transition>
-    </mc:Choice>
-    <mc:Fallback xmlns="">
-      <p:transition spd="med">
-        <p:fade/>
-      </p:transition>
-    </mc:Fallback>
-  </mc:AlternateContent>
-  <p:timing>
-    <p:tnLst>
-      <p:par>
-        <p:cTn id="1" dur="indefinite" restart="never" nodeType="tmRoot"/>
-      </p:par>
-    </p:tnLst>
-  </p:timing>
-</p:sld>
-</file>
-
-<file path=ppt/slides/slide37.xml><?xml version="1.0" encoding="utf-8"?>
+<file path=ppt/slides/slide22.xml><?xml version="1.0" encoding="utf-8"?>
 <p:sld xmlns:a="http://schemas.openxmlformats.org/drawingml/2006/main" xmlns:r="http://schemas.openxmlformats.org/officeDocument/2006/relationships" xmlns:p="http://schemas.openxmlformats.org/presentationml/2006/main">
   <p:cSld>
     <p:spTree>
@@ -10405,801 +8557,7 @@
 </p:sld>
 </file>
 
-<file path=ppt/slides/slide38.xml><?xml version="1.0" encoding="utf-8"?>
-<p:sld xmlns:a="http://schemas.openxmlformats.org/drawingml/2006/main" xmlns:r="http://schemas.openxmlformats.org/officeDocument/2006/relationships" xmlns:p="http://schemas.openxmlformats.org/presentationml/2006/main">
-  <p:cSld>
-    <p:spTree>
-      <p:nvGrpSpPr>
-        <p:cNvPr id="1" name=""/>
-        <p:cNvGrpSpPr/>
-        <p:nvPr/>
-      </p:nvGrpSpPr>
-      <p:grpSpPr>
-        <a:xfrm>
-          <a:off x="0" y="0"/>
-          <a:ext cx="0" cy="0"/>
-          <a:chOff x="0" y="0"/>
-          <a:chExt cx="0" cy="0"/>
-        </a:xfrm>
-      </p:grpSpPr>
-      <p:sp>
-        <p:nvSpPr>
-          <p:cNvPr id="2" name="Title 1"/>
-          <p:cNvSpPr>
-            <a:spLocks noGrp="1"/>
-          </p:cNvSpPr>
-          <p:nvPr>
-            <p:ph type="title"/>
-          </p:nvPr>
-        </p:nvSpPr>
-        <p:spPr>
-          <a:xfrm>
-            <a:off x="677334" y="273698"/>
-            <a:ext cx="8596668" cy="1320800"/>
-          </a:xfrm>
-        </p:spPr>
-        <p:txBody>
-          <a:bodyPr/>
-          <a:lstStyle/>
-          <a:p>
-            <a:r>
-              <a:rPr lang="pt-PT" dirty="0"/>
-              <a:t>Entidades</a:t>
-            </a:r>
-          </a:p>
-        </p:txBody>
-      </p:sp>
-      <p:sp>
-        <p:nvSpPr>
-          <p:cNvPr id="3" name="Content Placeholder 2"/>
-          <p:cNvSpPr>
-            <a:spLocks noGrp="1"/>
-          </p:cNvSpPr>
-          <p:nvPr>
-            <p:ph sz="half" idx="1"/>
-          </p:nvPr>
-        </p:nvSpPr>
-        <p:spPr/>
-        <p:txBody>
-          <a:bodyPr/>
-          <a:lstStyle/>
-          <a:p>
-            <a:endParaRPr lang="pt-PT"/>
-          </a:p>
-        </p:txBody>
-      </p:sp>
-      <p:pic>
-        <p:nvPicPr>
-          <p:cNvPr id="5" name="Picture 4"/>
-          <p:cNvPicPr>
-            <a:picLocks noChangeAspect="1"/>
-          </p:cNvPicPr>
-          <p:nvPr/>
-        </p:nvPicPr>
-        <p:blipFill>
-          <a:blip r:embed="rId2"/>
-          <a:stretch>
-            <a:fillRect/>
-          </a:stretch>
-        </p:blipFill>
-        <p:spPr>
-          <a:xfrm>
-            <a:off x="677334" y="1198886"/>
-            <a:ext cx="7811957" cy="5500126"/>
-          </a:xfrm>
-          <a:prstGeom prst="rect">
-            <a:avLst/>
-          </a:prstGeom>
-        </p:spPr>
-      </p:pic>
-    </p:spTree>
-    <p:extLst>
-      <p:ext uri="{BB962C8B-B14F-4D97-AF65-F5344CB8AC3E}">
-        <p14:creationId xmlns:p14="http://schemas.microsoft.com/office/powerpoint/2010/main" val="1708088456"/>
-      </p:ext>
-    </p:extLst>
-  </p:cSld>
-  <p:clrMapOvr>
-    <a:masterClrMapping/>
-  </p:clrMapOvr>
-  <mc:AlternateContent xmlns:mc="http://schemas.openxmlformats.org/markup-compatibility/2006" xmlns:p14="http://schemas.microsoft.com/office/powerpoint/2010/main">
-    <mc:Choice Requires="p14">
-      <p:transition spd="med" p14:dur="700">
-        <p:fade/>
-      </p:transition>
-    </mc:Choice>
-    <mc:Fallback xmlns="">
-      <p:transition spd="med">
-        <p:fade/>
-      </p:transition>
-    </mc:Fallback>
-  </mc:AlternateContent>
-  <p:timing>
-    <p:tnLst>
-      <p:par>
-        <p:cTn id="1" dur="indefinite" restart="never" nodeType="tmRoot"/>
-      </p:par>
-    </p:tnLst>
-  </p:timing>
-</p:sld>
-</file>
-
-<file path=ppt/slides/slide39.xml><?xml version="1.0" encoding="utf-8"?>
-<p:sld xmlns:a="http://schemas.openxmlformats.org/drawingml/2006/main" xmlns:r="http://schemas.openxmlformats.org/officeDocument/2006/relationships" xmlns:p="http://schemas.openxmlformats.org/presentationml/2006/main">
-  <p:cSld>
-    <p:spTree>
-      <p:nvGrpSpPr>
-        <p:cNvPr id="1" name=""/>
-        <p:cNvGrpSpPr/>
-        <p:nvPr/>
-      </p:nvGrpSpPr>
-      <p:grpSpPr>
-        <a:xfrm>
-          <a:off x="0" y="0"/>
-          <a:ext cx="0" cy="0"/>
-          <a:chOff x="0" y="0"/>
-          <a:chExt cx="0" cy="0"/>
-        </a:xfrm>
-      </p:grpSpPr>
-      <p:sp>
-        <p:nvSpPr>
-          <p:cNvPr id="2" name="Title 1"/>
-          <p:cNvSpPr>
-            <a:spLocks noGrp="1"/>
-          </p:cNvSpPr>
-          <p:nvPr>
-            <p:ph type="title"/>
-          </p:nvPr>
-        </p:nvSpPr>
-        <p:spPr>
-          <a:xfrm>
-            <a:off x="677334" y="273698"/>
-            <a:ext cx="8596668" cy="1320800"/>
-          </a:xfrm>
-        </p:spPr>
-        <p:txBody>
-          <a:bodyPr/>
-          <a:lstStyle/>
-          <a:p>
-            <a:r>
-              <a:rPr lang="pt-PT" dirty="0"/>
-              <a:t>Tipos de relacionamento</a:t>
-            </a:r>
-          </a:p>
-        </p:txBody>
-      </p:sp>
-      <p:sp>
-        <p:nvSpPr>
-          <p:cNvPr id="3" name="Content Placeholder 2"/>
-          <p:cNvSpPr>
-            <a:spLocks noGrp="1"/>
-          </p:cNvSpPr>
-          <p:nvPr>
-            <p:ph sz="half" idx="1"/>
-          </p:nvPr>
-        </p:nvSpPr>
-        <p:spPr/>
-        <p:txBody>
-          <a:bodyPr/>
-          <a:lstStyle/>
-          <a:p>
-            <a:endParaRPr lang="pt-PT"/>
-          </a:p>
-        </p:txBody>
-      </p:sp>
-      <p:pic>
-        <p:nvPicPr>
-          <p:cNvPr id="5" name="Picture 4"/>
-          <p:cNvPicPr>
-            <a:picLocks noChangeAspect="1"/>
-          </p:cNvPicPr>
-          <p:nvPr/>
-        </p:nvPicPr>
-        <p:blipFill>
-          <a:blip r:embed="rId2"/>
-          <a:stretch>
-            <a:fillRect/>
-          </a:stretch>
-        </p:blipFill>
-        <p:spPr>
-          <a:xfrm>
-            <a:off x="677334" y="2835243"/>
-            <a:ext cx="9413994" cy="1641801"/>
-          </a:xfrm>
-          <a:prstGeom prst="rect">
-            <a:avLst/>
-          </a:prstGeom>
-        </p:spPr>
-      </p:pic>
-    </p:spTree>
-    <p:extLst>
-      <p:ext uri="{BB962C8B-B14F-4D97-AF65-F5344CB8AC3E}">
-        <p14:creationId xmlns:p14="http://schemas.microsoft.com/office/powerpoint/2010/main" val="2001413485"/>
-      </p:ext>
-    </p:extLst>
-  </p:cSld>
-  <p:clrMapOvr>
-    <a:masterClrMapping/>
-  </p:clrMapOvr>
-  <mc:AlternateContent xmlns:mc="http://schemas.openxmlformats.org/markup-compatibility/2006" xmlns:p14="http://schemas.microsoft.com/office/powerpoint/2010/main">
-    <mc:Choice Requires="p14">
-      <p:transition spd="med" p14:dur="700">
-        <p:fade/>
-      </p:transition>
-    </mc:Choice>
-    <mc:Fallback xmlns="">
-      <p:transition spd="med">
-        <p:fade/>
-      </p:transition>
-    </mc:Fallback>
-  </mc:AlternateContent>
-  <p:timing>
-    <p:tnLst>
-      <p:par>
-        <p:cTn id="1" dur="indefinite" restart="never" nodeType="tmRoot"/>
-      </p:par>
-    </p:tnLst>
-  </p:timing>
-</p:sld>
-</file>
-
-<file path=ppt/slides/slide4.xml><?xml version="1.0" encoding="utf-8"?>
-<p:sld xmlns:a="http://schemas.openxmlformats.org/drawingml/2006/main" xmlns:r="http://schemas.openxmlformats.org/officeDocument/2006/relationships" xmlns:p="http://schemas.openxmlformats.org/presentationml/2006/main">
-  <p:cSld>
-    <p:spTree>
-      <p:nvGrpSpPr>
-        <p:cNvPr id="1" name=""/>
-        <p:cNvGrpSpPr/>
-        <p:nvPr/>
-      </p:nvGrpSpPr>
-      <p:grpSpPr>
-        <a:xfrm>
-          <a:off x="0" y="0"/>
-          <a:ext cx="0" cy="0"/>
-          <a:chOff x="0" y="0"/>
-          <a:chExt cx="0" cy="0"/>
-        </a:xfrm>
-      </p:grpSpPr>
-      <p:sp>
-        <p:nvSpPr>
-          <p:cNvPr id="6" name="Título 1">
-            <a:extLst>
-              <a:ext uri="{FF2B5EF4-FFF2-40B4-BE49-F238E27FC236}">
-                <a16:creationId xmlns:a16="http://schemas.microsoft.com/office/drawing/2014/main" id="{76E33AE5-F7BC-4721-8718-71AB3D730002}"/>
-              </a:ext>
-            </a:extLst>
-          </p:cNvPr>
-          <p:cNvSpPr txBox="1">
-            <a:spLocks/>
-          </p:cNvSpPr>
-          <p:nvPr/>
-        </p:nvSpPr>
-        <p:spPr>
-          <a:xfrm>
-            <a:off x="283968" y="234908"/>
-            <a:ext cx="8596668" cy="1320800"/>
-          </a:xfrm>
-          <a:prstGeom prst="rect">
-            <a:avLst/>
-          </a:prstGeom>
-        </p:spPr>
-        <p:txBody>
-          <a:bodyPr/>
-          <a:lstStyle>
-            <a:lvl1pPr algn="l" defTabSz="457200" rtl="0" eaLnBrk="1" latinLnBrk="0" hangingPunct="1">
-              <a:spcBef>
-                <a:spcPct val="0"/>
-              </a:spcBef>
-              <a:buNone/>
-              <a:defRPr sz="3600" kern="1200">
-                <a:solidFill>
-                  <a:schemeClr val="accent1"/>
-                </a:solidFill>
-                <a:latin typeface="+mj-lt"/>
-                <a:ea typeface="+mj-ea"/>
-                <a:cs typeface="+mj-cs"/>
-              </a:defRPr>
-            </a:lvl1pPr>
-            <a:lvl2pPr eaLnBrk="1" hangingPunct="1">
-              <a:defRPr>
-                <a:solidFill>
-                  <a:schemeClr val="tx2"/>
-                </a:solidFill>
-              </a:defRPr>
-            </a:lvl2pPr>
-            <a:lvl3pPr eaLnBrk="1" hangingPunct="1">
-              <a:defRPr>
-                <a:solidFill>
-                  <a:schemeClr val="tx2"/>
-                </a:solidFill>
-              </a:defRPr>
-            </a:lvl3pPr>
-            <a:lvl4pPr eaLnBrk="1" hangingPunct="1">
-              <a:defRPr>
-                <a:solidFill>
-                  <a:schemeClr val="tx2"/>
-                </a:solidFill>
-              </a:defRPr>
-            </a:lvl4pPr>
-            <a:lvl5pPr eaLnBrk="1" hangingPunct="1">
-              <a:defRPr>
-                <a:solidFill>
-                  <a:schemeClr val="tx2"/>
-                </a:solidFill>
-              </a:defRPr>
-            </a:lvl5pPr>
-            <a:lvl6pPr eaLnBrk="1" hangingPunct="1">
-              <a:defRPr>
-                <a:solidFill>
-                  <a:schemeClr val="tx2"/>
-                </a:solidFill>
-              </a:defRPr>
-            </a:lvl6pPr>
-            <a:lvl7pPr eaLnBrk="1" hangingPunct="1">
-              <a:defRPr>
-                <a:solidFill>
-                  <a:schemeClr val="tx2"/>
-                </a:solidFill>
-              </a:defRPr>
-            </a:lvl7pPr>
-            <a:lvl8pPr eaLnBrk="1" hangingPunct="1">
-              <a:defRPr>
-                <a:solidFill>
-                  <a:schemeClr val="tx2"/>
-                </a:solidFill>
-              </a:defRPr>
-            </a:lvl8pPr>
-            <a:lvl9pPr eaLnBrk="1" hangingPunct="1">
-              <a:defRPr>
-                <a:solidFill>
-                  <a:schemeClr val="tx2"/>
-                </a:solidFill>
-              </a:defRPr>
-            </a:lvl9pPr>
-          </a:lstStyle>
-          <a:p>
-            <a:r>
-              <a:rPr lang="pt-PT" dirty="0" smtClean="0"/>
-              <a:t>Contextualização e Motivação</a:t>
-            </a:r>
-            <a:endParaRPr lang="pt-PT" dirty="0"/>
-          </a:p>
-        </p:txBody>
-      </p:sp>
-      <p:sp>
-        <p:nvSpPr>
-          <p:cNvPr id="4" name="CaixaDeTexto 3">
-            <a:extLst>
-              <a:ext uri="{FF2B5EF4-FFF2-40B4-BE49-F238E27FC236}">
-                <a16:creationId xmlns:a16="http://schemas.microsoft.com/office/drawing/2014/main" id="{037B5F4B-DA41-45A6-98B2-0FFDF0BF4409}"/>
-              </a:ext>
-            </a:extLst>
-          </p:cNvPr>
-          <p:cNvSpPr txBox="1"/>
-          <p:nvPr/>
-        </p:nvSpPr>
-        <p:spPr>
-          <a:xfrm>
-            <a:off x="404948" y="1400499"/>
-            <a:ext cx="8987246" cy="4524315"/>
-          </a:xfrm>
-          <a:prstGeom prst="rect">
-            <a:avLst/>
-          </a:prstGeom>
-          <a:noFill/>
-        </p:spPr>
-        <p:txBody>
-          <a:bodyPr wrap="square" rtlCol="0">
-            <a:spAutoFit/>
-          </a:bodyPr>
-          <a:lstStyle/>
-          <a:p>
-            <a:endParaRPr lang="pt-PT" sz="1600" dirty="0"/>
-          </a:p>
-          <a:p>
-            <a:pPr marL="342900" indent="-342900">
-              <a:buFont typeface="Arial" panose="020B0604020202020204" pitchFamily="34" charset="0"/>
-              <a:buChar char="•"/>
-            </a:pPr>
-            <a:r>
-              <a:rPr lang="pt-PT" sz="2000" dirty="0"/>
-              <a:t>“Bebés &amp; Companhia” possui uma cadeia de infantários espalhados pela grande </a:t>
-            </a:r>
-            <a:r>
-              <a:rPr lang="pt-PT" sz="2000" dirty="0" smtClean="0"/>
-              <a:t>Lisboa;</a:t>
-            </a:r>
-          </a:p>
-          <a:p>
-            <a:pPr marL="342900" indent="-342900">
-              <a:buFont typeface="Arial" panose="020B0604020202020204" pitchFamily="34" charset="0"/>
-              <a:buChar char="•"/>
-            </a:pPr>
-            <a:endParaRPr lang="pt-PT" sz="2000" dirty="0" smtClean="0"/>
-          </a:p>
-          <a:p>
-            <a:pPr marL="342900" indent="-342900">
-              <a:buFont typeface="Arial" panose="020B0604020202020204" pitchFamily="34" charset="0"/>
-              <a:buChar char="•"/>
-            </a:pPr>
-            <a:r>
-              <a:rPr lang="pt-PT" sz="2000" b="1" dirty="0" smtClean="0">
-                <a:solidFill>
-                  <a:schemeClr val="accent2"/>
-                </a:solidFill>
-              </a:rPr>
-              <a:t>Surge</a:t>
-            </a:r>
-            <a:r>
-              <a:rPr lang="pt-PT" sz="2000" b="1" dirty="0">
-                <a:solidFill>
-                  <a:schemeClr val="accent2"/>
-                </a:solidFill>
-              </a:rPr>
-              <a:t>, assim, a ideia de fazer um serviço ao domicílio de babysitting; </a:t>
-            </a:r>
-          </a:p>
-          <a:p>
-            <a:endParaRPr lang="pt-PT" sz="2000" dirty="0"/>
-          </a:p>
-          <a:p>
-            <a:pPr marL="342900" indent="-342900">
-              <a:buFont typeface="Arial" panose="020B0604020202020204" pitchFamily="34" charset="0"/>
-              <a:buChar char="•"/>
-            </a:pPr>
-            <a:r>
-              <a:rPr lang="pt-PT" sz="2000" dirty="0"/>
-              <a:t>É criada a plataforma “GuguDadah</a:t>
-            </a:r>
-            <a:r>
-              <a:rPr lang="pt-PT" sz="2000" dirty="0" smtClean="0"/>
-              <a:t>”;</a:t>
-            </a:r>
-          </a:p>
-          <a:p>
-            <a:pPr marL="342900" indent="-342900">
-              <a:buFont typeface="Arial" panose="020B0604020202020204" pitchFamily="34" charset="0"/>
-              <a:buChar char="•"/>
-            </a:pPr>
-            <a:endParaRPr lang="pt-PT" sz="2000" dirty="0" smtClean="0"/>
-          </a:p>
-          <a:p>
-            <a:pPr marL="342900" indent="-342900">
-              <a:buFont typeface="Arial" panose="020B0604020202020204" pitchFamily="34" charset="0"/>
-              <a:buChar char="•"/>
-            </a:pPr>
-            <a:r>
-              <a:rPr lang="pt-PT" sz="2000" dirty="0"/>
-              <a:t>Dificuldade de encontrar alguém que seja </a:t>
-            </a:r>
-            <a:r>
-              <a:rPr lang="pt-PT" sz="2000" b="1" dirty="0">
-                <a:solidFill>
-                  <a:schemeClr val="accent2"/>
-                </a:solidFill>
-              </a:rPr>
-              <a:t>responsável</a:t>
-            </a:r>
-            <a:r>
-              <a:rPr lang="pt-PT" sz="2000" dirty="0"/>
-              <a:t> para </a:t>
-            </a:r>
-            <a:r>
-              <a:rPr lang="pt-PT" sz="2000" dirty="0" smtClean="0"/>
-              <a:t>cuidar dos filhos;</a:t>
-            </a:r>
-          </a:p>
-          <a:p>
-            <a:pPr marL="342900" indent="-342900">
-              <a:buFont typeface="Arial" panose="020B0604020202020204" pitchFamily="34" charset="0"/>
-              <a:buChar char="•"/>
-            </a:pPr>
-            <a:endParaRPr lang="pt-PT" sz="2000" dirty="0"/>
-          </a:p>
-          <a:p>
-            <a:pPr marL="342900" indent="-342900">
-              <a:buFont typeface="Arial" panose="020B0604020202020204" pitchFamily="34" charset="0"/>
-              <a:buChar char="•"/>
-            </a:pPr>
-            <a:r>
-              <a:rPr lang="pt-PT" sz="2000" dirty="0"/>
-              <a:t>A </a:t>
-            </a:r>
-            <a:r>
-              <a:rPr lang="pt-PT" sz="2000" b="1" dirty="0">
-                <a:solidFill>
-                  <a:schemeClr val="accent2"/>
-                </a:solidFill>
-              </a:rPr>
-              <a:t>inexistência</a:t>
-            </a:r>
-            <a:r>
-              <a:rPr lang="pt-PT" sz="2000" dirty="0"/>
-              <a:t> de um sistema que permita a requisição de serviços de babysitting online, em Portugal;</a:t>
-            </a:r>
-          </a:p>
-          <a:p>
-            <a:pPr marL="342900" indent="-342900">
-              <a:buFont typeface="Arial" panose="020B0604020202020204" pitchFamily="34" charset="0"/>
-              <a:buChar char="•"/>
-            </a:pPr>
-            <a:endParaRPr lang="pt-PT" sz="1600" dirty="0" smtClean="0"/>
-          </a:p>
-          <a:p>
-            <a:pPr marL="342900" indent="-342900">
-              <a:buFont typeface="Arial" panose="020B0604020202020204" pitchFamily="34" charset="0"/>
-              <a:buChar char="•"/>
-            </a:pPr>
-            <a:endParaRPr lang="pt-PT" sz="1600" dirty="0"/>
-          </a:p>
-        </p:txBody>
-      </p:sp>
-    </p:spTree>
-    <p:extLst>
-      <p:ext uri="{BB962C8B-B14F-4D97-AF65-F5344CB8AC3E}">
-        <p14:creationId xmlns:p14="http://schemas.microsoft.com/office/powerpoint/2010/main" val="1370001760"/>
-      </p:ext>
-    </p:extLst>
-  </p:cSld>
-  <p:clrMapOvr>
-    <a:masterClrMapping/>
-  </p:clrMapOvr>
-  <mc:AlternateContent xmlns:mc="http://schemas.openxmlformats.org/markup-compatibility/2006" xmlns:p14="http://schemas.microsoft.com/office/powerpoint/2010/main">
-    <mc:Choice Requires="p14">
-      <p:transition spd="med" p14:dur="700">
-        <p:fade/>
-      </p:transition>
-    </mc:Choice>
-    <mc:Fallback xmlns="">
-      <p:transition spd="med">
-        <p:fade/>
-      </p:transition>
-    </mc:Fallback>
-  </mc:AlternateContent>
-  <p:timing>
-    <p:tnLst>
-      <p:par>
-        <p:cTn id="1" dur="indefinite" restart="never" nodeType="tmRoot"/>
-      </p:par>
-    </p:tnLst>
-  </p:timing>
-</p:sld>
-</file>
-
-<file path=ppt/slides/slide40.xml><?xml version="1.0" encoding="utf-8"?>
-<p:sld xmlns:a="http://schemas.openxmlformats.org/drawingml/2006/main" xmlns:r="http://schemas.openxmlformats.org/officeDocument/2006/relationships" xmlns:p="http://schemas.openxmlformats.org/presentationml/2006/main">
-  <p:cSld>
-    <p:spTree>
-      <p:nvGrpSpPr>
-        <p:cNvPr id="1" name=""/>
-        <p:cNvGrpSpPr/>
-        <p:nvPr/>
-      </p:nvGrpSpPr>
-      <p:grpSpPr>
-        <a:xfrm>
-          <a:off x="0" y="0"/>
-          <a:ext cx="0" cy="0"/>
-          <a:chOff x="0" y="0"/>
-          <a:chExt cx="0" cy="0"/>
-        </a:xfrm>
-      </p:grpSpPr>
-      <p:sp>
-        <p:nvSpPr>
-          <p:cNvPr id="2" name="Title 1"/>
-          <p:cNvSpPr>
-            <a:spLocks noGrp="1"/>
-          </p:cNvSpPr>
-          <p:nvPr>
-            <p:ph type="title"/>
-          </p:nvPr>
-        </p:nvSpPr>
-        <p:spPr>
-          <a:xfrm>
-            <a:off x="677334" y="273698"/>
-            <a:ext cx="8596668" cy="1320800"/>
-          </a:xfrm>
-        </p:spPr>
-        <p:txBody>
-          <a:bodyPr/>
-          <a:lstStyle/>
-          <a:p>
-            <a:r>
-              <a:rPr lang="pt-PT" dirty="0"/>
-              <a:t>Atributos</a:t>
-            </a:r>
-          </a:p>
-        </p:txBody>
-      </p:sp>
-      <p:sp>
-        <p:nvSpPr>
-          <p:cNvPr id="3" name="Content Placeholder 2"/>
-          <p:cNvSpPr>
-            <a:spLocks noGrp="1"/>
-          </p:cNvSpPr>
-          <p:nvPr>
-            <p:ph sz="half" idx="1"/>
-          </p:nvPr>
-        </p:nvSpPr>
-        <p:spPr>
-          <a:xfrm>
-            <a:off x="677334" y="2160589"/>
-            <a:ext cx="6749833" cy="3880772"/>
-          </a:xfrm>
-        </p:spPr>
-        <p:txBody>
-          <a:bodyPr>
-            <a:normAutofit/>
-          </a:bodyPr>
-          <a:lstStyle/>
-          <a:p>
-            <a:pPr algn="just"/>
-            <a:r>
-              <a:rPr lang="pt-PT" sz="2400" dirty="0"/>
-              <a:t>Não existem quaisquer atributos compostos;</a:t>
-            </a:r>
-          </a:p>
-          <a:p>
-            <a:pPr algn="just"/>
-            <a:endParaRPr lang="pt-PT" sz="2400" dirty="0"/>
-          </a:p>
-          <a:p>
-            <a:pPr algn="just"/>
-            <a:r>
-              <a:rPr lang="pt-PT" sz="2400" dirty="0"/>
-              <a:t>O atributo Custo é derivado de Duração e Tipo (de Trabalho), com Turno (de Funcionário) e Estatuto (de Cliente);</a:t>
-            </a:r>
-          </a:p>
-          <a:p>
-            <a:pPr algn="just"/>
-            <a:endParaRPr lang="pt-PT" sz="2400" dirty="0"/>
-          </a:p>
-          <a:p>
-            <a:pPr algn="just"/>
-            <a:r>
-              <a:rPr lang="pt-PT" sz="2400" dirty="0"/>
-              <a:t>Não existem atributos multivalor; </a:t>
-            </a:r>
-          </a:p>
-        </p:txBody>
-      </p:sp>
-    </p:spTree>
-    <p:extLst>
-      <p:ext uri="{BB962C8B-B14F-4D97-AF65-F5344CB8AC3E}">
-        <p14:creationId xmlns:p14="http://schemas.microsoft.com/office/powerpoint/2010/main" val="694921459"/>
-      </p:ext>
-    </p:extLst>
-  </p:cSld>
-  <p:clrMapOvr>
-    <a:masterClrMapping/>
-  </p:clrMapOvr>
-  <mc:AlternateContent xmlns:mc="http://schemas.openxmlformats.org/markup-compatibility/2006" xmlns:p14="http://schemas.microsoft.com/office/powerpoint/2010/main">
-    <mc:Choice Requires="p14">
-      <p:transition spd="med" p14:dur="700">
-        <p:fade/>
-      </p:transition>
-    </mc:Choice>
-    <mc:Fallback xmlns="">
-      <p:transition spd="med">
-        <p:fade/>
-      </p:transition>
-    </mc:Fallback>
-  </mc:AlternateContent>
-  <p:timing>
-    <p:tnLst>
-      <p:par>
-        <p:cTn id="1" dur="indefinite" restart="never" nodeType="tmRoot"/>
-      </p:par>
-    </p:tnLst>
-  </p:timing>
-</p:sld>
-</file>
-
-<file path=ppt/slides/slide41.xml><?xml version="1.0" encoding="utf-8"?>
-<p:sld xmlns:a="http://schemas.openxmlformats.org/drawingml/2006/main" xmlns:r="http://schemas.openxmlformats.org/officeDocument/2006/relationships" xmlns:p="http://schemas.openxmlformats.org/presentationml/2006/main">
-  <p:cSld>
-    <p:spTree>
-      <p:nvGrpSpPr>
-        <p:cNvPr id="1" name=""/>
-        <p:cNvGrpSpPr/>
-        <p:nvPr/>
-      </p:nvGrpSpPr>
-      <p:grpSpPr>
-        <a:xfrm>
-          <a:off x="0" y="0"/>
-          <a:ext cx="0" cy="0"/>
-          <a:chOff x="0" y="0"/>
-          <a:chExt cx="0" cy="0"/>
-        </a:xfrm>
-      </p:grpSpPr>
-      <p:sp>
-        <p:nvSpPr>
-          <p:cNvPr id="2" name="Title 1"/>
-          <p:cNvSpPr>
-            <a:spLocks noGrp="1"/>
-          </p:cNvSpPr>
-          <p:nvPr>
-            <p:ph type="title"/>
-          </p:nvPr>
-        </p:nvSpPr>
-        <p:spPr>
-          <a:xfrm>
-            <a:off x="677334" y="273698"/>
-            <a:ext cx="8596668" cy="1320800"/>
-          </a:xfrm>
-        </p:spPr>
-        <p:txBody>
-          <a:bodyPr/>
-          <a:lstStyle/>
-          <a:p>
-            <a:r>
-              <a:rPr lang="pt-PT" dirty="0"/>
-              <a:t>Modelo Lógico</a:t>
-            </a:r>
-          </a:p>
-        </p:txBody>
-      </p:sp>
-      <p:pic>
-        <p:nvPicPr>
-          <p:cNvPr id="4" name="Content Placeholder 3"/>
-          <p:cNvPicPr>
-            <a:picLocks noGrp="1" noChangeAspect="1"/>
-          </p:cNvPicPr>
-          <p:nvPr>
-            <p:ph sz="half" idx="1"/>
-          </p:nvPr>
-        </p:nvPicPr>
-        <p:blipFill>
-          <a:blip r:embed="rId2">
-            <a:extLst>
-              <a:ext uri="{28A0092B-C50C-407E-A947-70E740481C1C}">
-                <a14:useLocalDpi xmlns:a14="http://schemas.microsoft.com/office/drawing/2010/main" val="0"/>
-              </a:ext>
-            </a:extLst>
-          </a:blip>
-          <a:stretch>
-            <a:fillRect/>
-          </a:stretch>
-        </p:blipFill>
-        <p:spPr>
-          <a:xfrm>
-            <a:off x="677334" y="1594498"/>
-            <a:ext cx="10335734" cy="3722279"/>
-          </a:xfrm>
-        </p:spPr>
-      </p:pic>
-    </p:spTree>
-    <p:extLst>
-      <p:ext uri="{BB962C8B-B14F-4D97-AF65-F5344CB8AC3E}">
-        <p14:creationId xmlns:p14="http://schemas.microsoft.com/office/powerpoint/2010/main" val="2922289073"/>
-      </p:ext>
-    </p:extLst>
-  </p:cSld>
-  <p:clrMapOvr>
-    <a:masterClrMapping/>
-  </p:clrMapOvr>
-  <mc:AlternateContent xmlns:mc="http://schemas.openxmlformats.org/markup-compatibility/2006" xmlns:p14="http://schemas.microsoft.com/office/powerpoint/2010/main">
-    <mc:Choice Requires="p14">
-      <p:transition spd="med" p14:dur="700">
-        <p:fade/>
-      </p:transition>
-    </mc:Choice>
-    <mc:Fallback xmlns="">
-      <p:transition spd="med">
-        <p:fade/>
-      </p:transition>
-    </mc:Fallback>
-  </mc:AlternateContent>
-  <p:timing>
-    <p:tnLst>
-      <p:par>
-        <p:cTn id="1" dur="indefinite" restart="never" nodeType="tmRoot"/>
-      </p:par>
-    </p:tnLst>
-  </p:timing>
-</p:sld>
-</file>
-
-<file path=ppt/slides/slide42.xml><?xml version="1.0" encoding="utf-8"?>
+<file path=ppt/slides/slide23.xml><?xml version="1.0" encoding="utf-8"?>
 <p:sld xmlns:a="http://schemas.openxmlformats.org/drawingml/2006/main" xmlns:r="http://schemas.openxmlformats.org/officeDocument/2006/relationships" xmlns:p="http://schemas.openxmlformats.org/presentationml/2006/main">
   <p:cSld>
     <p:spTree>
@@ -11334,7 +8692,7 @@
 </p:sld>
 </file>
 
-<file path=ppt/slides/slide43.xml><?xml version="1.0" encoding="utf-8"?>
+<file path=ppt/slides/slide24.xml><?xml version="1.0" encoding="utf-8"?>
 <p:sld xmlns:a="http://schemas.openxmlformats.org/drawingml/2006/main" xmlns:r="http://schemas.openxmlformats.org/officeDocument/2006/relationships" xmlns:p="http://schemas.openxmlformats.org/presentationml/2006/main">
   <p:cSld>
     <p:spTree>
@@ -11469,7 +8827,7 @@
 </p:sld>
 </file>
 
-<file path=ppt/slides/slide44.xml><?xml version="1.0" encoding="utf-8"?>
+<file path=ppt/slides/slide25.xml><?xml version="1.0" encoding="utf-8"?>
 <p:sld xmlns:a="http://schemas.openxmlformats.org/drawingml/2006/main" xmlns:r="http://schemas.openxmlformats.org/officeDocument/2006/relationships" xmlns:p="http://schemas.openxmlformats.org/presentationml/2006/main">
   <p:cSld>
     <p:spTree>
@@ -11574,274 +8932,7 @@
 </p:sld>
 </file>
 
-<file path=ppt/slides/slide45.xml><?xml version="1.0" encoding="utf-8"?>
-<p:sld xmlns:a="http://schemas.openxmlformats.org/drawingml/2006/main" xmlns:r="http://schemas.openxmlformats.org/officeDocument/2006/relationships" xmlns:p="http://schemas.openxmlformats.org/presentationml/2006/main">
-  <p:cSld>
-    <p:spTree>
-      <p:nvGrpSpPr>
-        <p:cNvPr id="1" name=""/>
-        <p:cNvGrpSpPr/>
-        <p:nvPr/>
-      </p:nvGrpSpPr>
-      <p:grpSpPr>
-        <a:xfrm>
-          <a:off x="0" y="0"/>
-          <a:ext cx="0" cy="0"/>
-          <a:chOff x="0" y="0"/>
-          <a:chExt cx="0" cy="0"/>
-        </a:xfrm>
-      </p:grpSpPr>
-      <p:sp>
-        <p:nvSpPr>
-          <p:cNvPr id="2" name="Title 1"/>
-          <p:cNvSpPr>
-            <a:spLocks noGrp="1"/>
-          </p:cNvSpPr>
-          <p:nvPr>
-            <p:ph type="title"/>
-          </p:nvPr>
-        </p:nvSpPr>
-        <p:spPr>
-          <a:xfrm>
-            <a:off x="677334" y="273698"/>
-            <a:ext cx="8596668" cy="1320800"/>
-          </a:xfrm>
-        </p:spPr>
-        <p:txBody>
-          <a:bodyPr/>
-          <a:lstStyle/>
-          <a:p>
-            <a:r>
-              <a:rPr lang="pt-PT" dirty="0"/>
-              <a:t>Mockups “Área de Profissional”</a:t>
-            </a:r>
-          </a:p>
-        </p:txBody>
-      </p:sp>
-      <p:pic>
-        <p:nvPicPr>
-          <p:cNvPr id="5" name="Content Placeholder 4"/>
-          <p:cNvPicPr>
-            <a:picLocks noGrp="1" noChangeAspect="1"/>
-          </p:cNvPicPr>
-          <p:nvPr>
-            <p:ph sz="half" idx="1"/>
-          </p:nvPr>
-        </p:nvPicPr>
-        <p:blipFill rotWithShape="1">
-          <a:blip r:embed="rId2">
-            <a:extLst>
-              <a:ext uri="{28A0092B-C50C-407E-A947-70E740481C1C}">
-                <a14:useLocalDpi xmlns:a14="http://schemas.microsoft.com/office/drawing/2010/main" val="0"/>
-              </a:ext>
-            </a:extLst>
-          </a:blip>
-          <a:srcRect b="41626"/>
-          <a:stretch/>
-        </p:blipFill>
-        <p:spPr>
-          <a:xfrm>
-            <a:off x="677334" y="1202420"/>
-            <a:ext cx="3700850" cy="5384992"/>
-          </a:xfrm>
-        </p:spPr>
-      </p:pic>
-      <p:pic>
-        <p:nvPicPr>
-          <p:cNvPr id="6" name="Picture 5"/>
-          <p:cNvPicPr>
-            <a:picLocks noChangeAspect="1"/>
-          </p:cNvPicPr>
-          <p:nvPr/>
-        </p:nvPicPr>
-        <p:blipFill>
-          <a:blip r:embed="rId3">
-            <a:extLst>
-              <a:ext uri="{28A0092B-C50C-407E-A947-70E740481C1C}">
-                <a14:useLocalDpi xmlns:a14="http://schemas.microsoft.com/office/drawing/2010/main" val="0"/>
-              </a:ext>
-            </a:extLst>
-          </a:blip>
-          <a:stretch>
-            <a:fillRect/>
-          </a:stretch>
-        </p:blipFill>
-        <p:spPr>
-          <a:xfrm>
-            <a:off x="4729880" y="1202420"/>
-            <a:ext cx="4192425" cy="5384992"/>
-          </a:xfrm>
-          <a:prstGeom prst="rect">
-            <a:avLst/>
-          </a:prstGeom>
-        </p:spPr>
-      </p:pic>
-    </p:spTree>
-    <p:extLst>
-      <p:ext uri="{BB962C8B-B14F-4D97-AF65-F5344CB8AC3E}">
-        <p14:creationId xmlns:p14="http://schemas.microsoft.com/office/powerpoint/2010/main" val="1918464663"/>
-      </p:ext>
-    </p:extLst>
-  </p:cSld>
-  <p:clrMapOvr>
-    <a:masterClrMapping/>
-  </p:clrMapOvr>
-  <mc:AlternateContent xmlns:mc="http://schemas.openxmlformats.org/markup-compatibility/2006" xmlns:p14="http://schemas.microsoft.com/office/powerpoint/2010/main">
-    <mc:Choice Requires="p14">
-      <p:transition spd="med" p14:dur="700">
-        <p:fade/>
-      </p:transition>
-    </mc:Choice>
-    <mc:Fallback xmlns="">
-      <p:transition spd="med">
-        <p:fade/>
-      </p:transition>
-    </mc:Fallback>
-  </mc:AlternateContent>
-  <p:timing>
-    <p:tnLst>
-      <p:par>
-        <p:cTn id="1" dur="indefinite" restart="never" nodeType="tmRoot"/>
-      </p:par>
-    </p:tnLst>
-  </p:timing>
-</p:sld>
-</file>
-
-<file path=ppt/slides/slide46.xml><?xml version="1.0" encoding="utf-8"?>
-<p:sld xmlns:a="http://schemas.openxmlformats.org/drawingml/2006/main" xmlns:r="http://schemas.openxmlformats.org/officeDocument/2006/relationships" xmlns:p="http://schemas.openxmlformats.org/presentationml/2006/main">
-  <p:cSld>
-    <p:spTree>
-      <p:nvGrpSpPr>
-        <p:cNvPr id="1" name=""/>
-        <p:cNvGrpSpPr/>
-        <p:nvPr/>
-      </p:nvGrpSpPr>
-      <p:grpSpPr>
-        <a:xfrm>
-          <a:off x="0" y="0"/>
-          <a:ext cx="0" cy="0"/>
-          <a:chOff x="0" y="0"/>
-          <a:chExt cx="0" cy="0"/>
-        </a:xfrm>
-      </p:grpSpPr>
-      <p:sp>
-        <p:nvSpPr>
-          <p:cNvPr id="2" name="Title 1"/>
-          <p:cNvSpPr>
-            <a:spLocks noGrp="1"/>
-          </p:cNvSpPr>
-          <p:nvPr>
-            <p:ph type="title"/>
-          </p:nvPr>
-        </p:nvSpPr>
-        <p:spPr>
-          <a:xfrm>
-            <a:off x="677334" y="273698"/>
-            <a:ext cx="8596668" cy="1320800"/>
-          </a:xfrm>
-        </p:spPr>
-        <p:txBody>
-          <a:bodyPr/>
-          <a:lstStyle/>
-          <a:p>
-            <a:r>
-              <a:rPr lang="pt-PT" dirty="0"/>
-              <a:t>Mockups “Área de Cliente”</a:t>
-            </a:r>
-          </a:p>
-        </p:txBody>
-      </p:sp>
-      <p:pic>
-        <p:nvPicPr>
-          <p:cNvPr id="4" name="Content Placeholder 3"/>
-          <p:cNvPicPr>
-            <a:picLocks noGrp="1" noChangeAspect="1"/>
-          </p:cNvPicPr>
-          <p:nvPr>
-            <p:ph sz="half" idx="1"/>
-          </p:nvPr>
-        </p:nvPicPr>
-        <p:blipFill rotWithShape="1">
-          <a:blip r:embed="rId2">
-            <a:extLst>
-              <a:ext uri="{28A0092B-C50C-407E-A947-70E740481C1C}">
-                <a14:useLocalDpi xmlns:a14="http://schemas.microsoft.com/office/drawing/2010/main" val="0"/>
-              </a:ext>
-            </a:extLst>
-          </a:blip>
-          <a:srcRect b="59645"/>
-          <a:stretch/>
-        </p:blipFill>
-        <p:spPr>
-          <a:xfrm>
-            <a:off x="1877277" y="1179180"/>
-            <a:ext cx="3857877" cy="5072330"/>
-          </a:xfrm>
-        </p:spPr>
-      </p:pic>
-      <p:pic>
-        <p:nvPicPr>
-          <p:cNvPr id="7" name="Picture 6"/>
-          <p:cNvPicPr>
-            <a:picLocks noChangeAspect="1"/>
-          </p:cNvPicPr>
-          <p:nvPr/>
-        </p:nvPicPr>
-        <p:blipFill rotWithShape="1">
-          <a:blip r:embed="rId2">
-            <a:extLst>
-              <a:ext uri="{28A0092B-C50C-407E-A947-70E740481C1C}">
-                <a14:useLocalDpi xmlns:a14="http://schemas.microsoft.com/office/drawing/2010/main" val="0"/>
-              </a:ext>
-            </a:extLst>
-          </a:blip>
-          <a:srcRect t="40705" b="3638"/>
-          <a:stretch/>
-        </p:blipFill>
-        <p:spPr>
-          <a:xfrm>
-            <a:off x="6935097" y="273698"/>
-            <a:ext cx="3552511" cy="6441929"/>
-          </a:xfrm>
-          <a:prstGeom prst="rect">
-            <a:avLst/>
-          </a:prstGeom>
-        </p:spPr>
-      </p:pic>
-    </p:spTree>
-    <p:extLst>
-      <p:ext uri="{BB962C8B-B14F-4D97-AF65-F5344CB8AC3E}">
-        <p14:creationId xmlns:p14="http://schemas.microsoft.com/office/powerpoint/2010/main" val="2431276090"/>
-      </p:ext>
-    </p:extLst>
-  </p:cSld>
-  <p:clrMapOvr>
-    <a:masterClrMapping/>
-  </p:clrMapOvr>
-  <mc:AlternateContent xmlns:mc="http://schemas.openxmlformats.org/markup-compatibility/2006" xmlns:p14="http://schemas.microsoft.com/office/powerpoint/2010/main">
-    <mc:Choice Requires="p14">
-      <p:transition spd="med" p14:dur="700">
-        <p:fade/>
-      </p:transition>
-    </mc:Choice>
-    <mc:Fallback xmlns="">
-      <p:transition spd="med">
-        <p:fade/>
-      </p:transition>
-    </mc:Fallback>
-  </mc:AlternateContent>
-  <p:timing>
-    <p:tnLst>
-      <p:par>
-        <p:cTn id="1" dur="indefinite" restart="never" nodeType="tmRoot"/>
-      </p:par>
-    </p:tnLst>
-  </p:timing>
-</p:sld>
-</file>
-
-<file path=ppt/slides/slide47.xml><?xml version="1.0" encoding="utf-8"?>
+<file path=ppt/slides/slide26.xml><?xml version="1.0" encoding="utf-8"?>
 <p:sld xmlns:a="http://schemas.openxmlformats.org/drawingml/2006/main" xmlns:r="http://schemas.openxmlformats.org/officeDocument/2006/relationships" xmlns:p="http://schemas.openxmlformats.org/presentationml/2006/main">
   <p:cSld>
     <p:spTree>
@@ -12307,6 +9398,527 @@
     <p:extLst>
       <p:ext uri="{BB962C8B-B14F-4D97-AF65-F5344CB8AC3E}">
         <p14:creationId xmlns:p14="http://schemas.microsoft.com/office/powerpoint/2010/main" val="3114277076"/>
+      </p:ext>
+    </p:extLst>
+  </p:cSld>
+  <p:clrMapOvr>
+    <a:masterClrMapping/>
+  </p:clrMapOvr>
+  <mc:AlternateContent xmlns:mc="http://schemas.openxmlformats.org/markup-compatibility/2006" xmlns:p14="http://schemas.microsoft.com/office/powerpoint/2010/main">
+    <mc:Choice Requires="p14">
+      <p:transition spd="med" p14:dur="700">
+        <p:fade/>
+      </p:transition>
+    </mc:Choice>
+    <mc:Fallback xmlns="">
+      <p:transition spd="med">
+        <p:fade/>
+      </p:transition>
+    </mc:Fallback>
+  </mc:AlternateContent>
+  <p:timing>
+    <p:tnLst>
+      <p:par>
+        <p:cTn id="1" dur="indefinite" restart="never" nodeType="tmRoot"/>
+      </p:par>
+    </p:tnLst>
+  </p:timing>
+</p:sld>
+</file>
+
+<file path=ppt/slides/slide3.xml><?xml version="1.0" encoding="utf-8"?>
+<p:sld xmlns:a="http://schemas.openxmlformats.org/drawingml/2006/main" xmlns:r="http://schemas.openxmlformats.org/officeDocument/2006/relationships" xmlns:p="http://schemas.openxmlformats.org/presentationml/2006/main">
+  <p:cSld>
+    <p:spTree>
+      <p:nvGrpSpPr>
+        <p:cNvPr id="1" name=""/>
+        <p:cNvGrpSpPr/>
+        <p:nvPr/>
+      </p:nvGrpSpPr>
+      <p:grpSpPr>
+        <a:xfrm>
+          <a:off x="0" y="0"/>
+          <a:ext cx="0" cy="0"/>
+          <a:chOff x="0" y="0"/>
+          <a:chExt cx="0" cy="0"/>
+        </a:xfrm>
+      </p:grpSpPr>
+      <p:sp>
+        <p:nvSpPr>
+          <p:cNvPr id="3" name="Marcador de Posição de Conteúdo 2">
+            <a:extLst>
+              <a:ext uri="{FF2B5EF4-FFF2-40B4-BE49-F238E27FC236}">
+                <a16:creationId xmlns:a16="http://schemas.microsoft.com/office/drawing/2014/main" id="{78155F68-0F43-4FE9-A743-20F9DAFEFA50}"/>
+              </a:ext>
+            </a:extLst>
+          </p:cNvPr>
+          <p:cNvSpPr>
+            <a:spLocks noGrp="1"/>
+          </p:cNvSpPr>
+          <p:nvPr>
+            <p:ph idx="1"/>
+          </p:nvPr>
+        </p:nvSpPr>
+        <p:spPr>
+          <a:xfrm>
+            <a:off x="677334" y="706583"/>
+            <a:ext cx="8596668" cy="5334780"/>
+          </a:xfrm>
+        </p:spPr>
+        <p:txBody>
+          <a:bodyPr>
+            <a:normAutofit/>
+          </a:bodyPr>
+          <a:lstStyle/>
+          <a:p>
+            <a:pPr>
+              <a:lnSpc>
+                <a:spcPct val="150000"/>
+              </a:lnSpc>
+            </a:pPr>
+            <a:r>
+              <a:rPr lang="pt-PT" sz="2000" dirty="0">
+                <a:solidFill>
+                  <a:schemeClr val="tx1"/>
+                </a:solidFill>
+              </a:rPr>
+              <a:t>Contextualização </a:t>
+            </a:r>
+          </a:p>
+          <a:p>
+            <a:pPr>
+              <a:lnSpc>
+                <a:spcPct val="150000"/>
+              </a:lnSpc>
+            </a:pPr>
+            <a:r>
+              <a:rPr lang="pt-PT" sz="2000" dirty="0">
+                <a:solidFill>
+                  <a:schemeClr val="tx1"/>
+                </a:solidFill>
+              </a:rPr>
+              <a:t>Motivação e Objetivos</a:t>
+            </a:r>
+          </a:p>
+          <a:p>
+            <a:pPr>
+              <a:lnSpc>
+                <a:spcPct val="150000"/>
+              </a:lnSpc>
+            </a:pPr>
+            <a:r>
+              <a:rPr lang="pt-PT" sz="2000" dirty="0">
+                <a:solidFill>
+                  <a:schemeClr val="tx1"/>
+                </a:solidFill>
+              </a:rPr>
+              <a:t>Definição da Identidade do Sistema a Desenvolver </a:t>
+            </a:r>
+          </a:p>
+          <a:p>
+            <a:pPr>
+              <a:lnSpc>
+                <a:spcPct val="150000"/>
+              </a:lnSpc>
+            </a:pPr>
+            <a:r>
+              <a:rPr lang="pt-PT" sz="2000" dirty="0">
+                <a:solidFill>
+                  <a:schemeClr val="tx1"/>
+                </a:solidFill>
+              </a:rPr>
+              <a:t>Análise de Viabilidade </a:t>
+            </a:r>
+          </a:p>
+          <a:p>
+            <a:pPr>
+              <a:lnSpc>
+                <a:spcPct val="150000"/>
+              </a:lnSpc>
+            </a:pPr>
+            <a:r>
+              <a:rPr lang="pt-PT" sz="2000" dirty="0">
+                <a:solidFill>
+                  <a:schemeClr val="tx1"/>
+                </a:solidFill>
+              </a:rPr>
+              <a:t>Identificação dos Recursos Necessários </a:t>
+            </a:r>
+          </a:p>
+          <a:p>
+            <a:pPr>
+              <a:lnSpc>
+                <a:spcPct val="150000"/>
+              </a:lnSpc>
+            </a:pPr>
+            <a:r>
+              <a:rPr lang="pt-PT" sz="2000" dirty="0">
+                <a:solidFill>
+                  <a:schemeClr val="tx1"/>
+                </a:solidFill>
+              </a:rPr>
+              <a:t>Modelo de Sistema </a:t>
+            </a:r>
+          </a:p>
+          <a:p>
+            <a:pPr>
+              <a:lnSpc>
+                <a:spcPct val="150000"/>
+              </a:lnSpc>
+            </a:pPr>
+            <a:r>
+              <a:rPr lang="pt-PT" sz="2000" dirty="0">
+                <a:solidFill>
+                  <a:schemeClr val="tx1"/>
+                </a:solidFill>
+              </a:rPr>
+              <a:t>Definição de Medidas de Sucesso </a:t>
+            </a:r>
+          </a:p>
+          <a:p>
+            <a:pPr>
+              <a:lnSpc>
+                <a:spcPct val="150000"/>
+              </a:lnSpc>
+            </a:pPr>
+            <a:r>
+              <a:rPr lang="pt-PT" sz="2000" dirty="0">
+                <a:solidFill>
+                  <a:schemeClr val="tx1"/>
+                </a:solidFill>
+              </a:rPr>
+              <a:t>Plano de Desenvolvimento </a:t>
+            </a:r>
+          </a:p>
+        </p:txBody>
+      </p:sp>
+    </p:spTree>
+    <p:extLst>
+      <p:ext uri="{BB962C8B-B14F-4D97-AF65-F5344CB8AC3E}">
+        <p14:creationId xmlns:p14="http://schemas.microsoft.com/office/powerpoint/2010/main" val="482868652"/>
+      </p:ext>
+    </p:extLst>
+  </p:cSld>
+  <p:clrMapOvr>
+    <a:masterClrMapping/>
+  </p:clrMapOvr>
+  <mc:AlternateContent xmlns:mc="http://schemas.openxmlformats.org/markup-compatibility/2006" xmlns:p14="http://schemas.microsoft.com/office/powerpoint/2010/main">
+    <mc:Choice Requires="p14">
+      <p:transition spd="med" p14:dur="700">
+        <p:fade/>
+      </p:transition>
+    </mc:Choice>
+    <mc:Fallback xmlns="">
+      <p:transition spd="med">
+        <p:fade/>
+      </p:transition>
+    </mc:Fallback>
+  </mc:AlternateContent>
+  <p:timing>
+    <p:tnLst>
+      <p:par>
+        <p:cTn id="1" dur="indefinite" restart="never" nodeType="tmRoot"/>
+      </p:par>
+    </p:tnLst>
+  </p:timing>
+</p:sld>
+</file>
+
+<file path=ppt/slides/slide4.xml><?xml version="1.0" encoding="utf-8"?>
+<p:sld xmlns:a="http://schemas.openxmlformats.org/drawingml/2006/main" xmlns:r="http://schemas.openxmlformats.org/officeDocument/2006/relationships" xmlns:p="http://schemas.openxmlformats.org/presentationml/2006/main">
+  <p:cSld>
+    <p:spTree>
+      <p:nvGrpSpPr>
+        <p:cNvPr id="1" name=""/>
+        <p:cNvGrpSpPr/>
+        <p:nvPr/>
+      </p:nvGrpSpPr>
+      <p:grpSpPr>
+        <a:xfrm>
+          <a:off x="0" y="0"/>
+          <a:ext cx="0" cy="0"/>
+          <a:chOff x="0" y="0"/>
+          <a:chExt cx="0" cy="0"/>
+        </a:xfrm>
+      </p:grpSpPr>
+      <p:sp>
+        <p:nvSpPr>
+          <p:cNvPr id="6" name="Título 1">
+            <a:extLst>
+              <a:ext uri="{FF2B5EF4-FFF2-40B4-BE49-F238E27FC236}">
+                <a16:creationId xmlns:a16="http://schemas.microsoft.com/office/drawing/2014/main" id="{76E33AE5-F7BC-4721-8718-71AB3D730002}"/>
+              </a:ext>
+            </a:extLst>
+          </p:cNvPr>
+          <p:cNvSpPr txBox="1">
+            <a:spLocks/>
+          </p:cNvSpPr>
+          <p:nvPr/>
+        </p:nvSpPr>
+        <p:spPr>
+          <a:xfrm>
+            <a:off x="283968" y="234908"/>
+            <a:ext cx="8596668" cy="1320800"/>
+          </a:xfrm>
+          <a:prstGeom prst="rect">
+            <a:avLst/>
+          </a:prstGeom>
+        </p:spPr>
+        <p:txBody>
+          <a:bodyPr/>
+          <a:lstStyle>
+            <a:lvl1pPr algn="l" defTabSz="457200" rtl="0" eaLnBrk="1" latinLnBrk="0" hangingPunct="1">
+              <a:spcBef>
+                <a:spcPct val="0"/>
+              </a:spcBef>
+              <a:buNone/>
+              <a:defRPr sz="3600" kern="1200">
+                <a:solidFill>
+                  <a:schemeClr val="accent1"/>
+                </a:solidFill>
+                <a:latin typeface="+mj-lt"/>
+                <a:ea typeface="+mj-ea"/>
+                <a:cs typeface="+mj-cs"/>
+              </a:defRPr>
+            </a:lvl1pPr>
+            <a:lvl2pPr eaLnBrk="1" hangingPunct="1">
+              <a:defRPr>
+                <a:solidFill>
+                  <a:schemeClr val="tx2"/>
+                </a:solidFill>
+              </a:defRPr>
+            </a:lvl2pPr>
+            <a:lvl3pPr eaLnBrk="1" hangingPunct="1">
+              <a:defRPr>
+                <a:solidFill>
+                  <a:schemeClr val="tx2"/>
+                </a:solidFill>
+              </a:defRPr>
+            </a:lvl3pPr>
+            <a:lvl4pPr eaLnBrk="1" hangingPunct="1">
+              <a:defRPr>
+                <a:solidFill>
+                  <a:schemeClr val="tx2"/>
+                </a:solidFill>
+              </a:defRPr>
+            </a:lvl4pPr>
+            <a:lvl5pPr eaLnBrk="1" hangingPunct="1">
+              <a:defRPr>
+                <a:solidFill>
+                  <a:schemeClr val="tx2"/>
+                </a:solidFill>
+              </a:defRPr>
+            </a:lvl5pPr>
+            <a:lvl6pPr eaLnBrk="1" hangingPunct="1">
+              <a:defRPr>
+                <a:solidFill>
+                  <a:schemeClr val="tx2"/>
+                </a:solidFill>
+              </a:defRPr>
+            </a:lvl6pPr>
+            <a:lvl7pPr eaLnBrk="1" hangingPunct="1">
+              <a:defRPr>
+                <a:solidFill>
+                  <a:schemeClr val="tx2"/>
+                </a:solidFill>
+              </a:defRPr>
+            </a:lvl7pPr>
+            <a:lvl8pPr eaLnBrk="1" hangingPunct="1">
+              <a:defRPr>
+                <a:solidFill>
+                  <a:schemeClr val="tx2"/>
+                </a:solidFill>
+              </a:defRPr>
+            </a:lvl8pPr>
+            <a:lvl9pPr eaLnBrk="1" hangingPunct="1">
+              <a:defRPr>
+                <a:solidFill>
+                  <a:schemeClr val="tx2"/>
+                </a:solidFill>
+              </a:defRPr>
+            </a:lvl9pPr>
+          </a:lstStyle>
+          <a:p>
+            <a:r>
+              <a:rPr lang="pt-PT" dirty="0" smtClean="0"/>
+              <a:t>Contextualização e Motivação</a:t>
+            </a:r>
+            <a:endParaRPr lang="pt-PT" dirty="0"/>
+          </a:p>
+        </p:txBody>
+      </p:sp>
+      <p:sp>
+        <p:nvSpPr>
+          <p:cNvPr id="4" name="CaixaDeTexto 3">
+            <a:extLst>
+              <a:ext uri="{FF2B5EF4-FFF2-40B4-BE49-F238E27FC236}">
+                <a16:creationId xmlns:a16="http://schemas.microsoft.com/office/drawing/2014/main" id="{037B5F4B-DA41-45A6-98B2-0FFDF0BF4409}"/>
+              </a:ext>
+            </a:extLst>
+          </p:cNvPr>
+          <p:cNvSpPr txBox="1"/>
+          <p:nvPr/>
+        </p:nvSpPr>
+        <p:spPr>
+          <a:xfrm>
+            <a:off x="404948" y="1400499"/>
+            <a:ext cx="8987246" cy="4524315"/>
+          </a:xfrm>
+          <a:prstGeom prst="rect">
+            <a:avLst/>
+          </a:prstGeom>
+          <a:noFill/>
+        </p:spPr>
+        <p:txBody>
+          <a:bodyPr wrap="square" rtlCol="0">
+            <a:spAutoFit/>
+          </a:bodyPr>
+          <a:lstStyle/>
+          <a:p>
+            <a:endParaRPr lang="pt-PT" sz="1600" dirty="0"/>
+          </a:p>
+          <a:p>
+            <a:pPr marL="342900" indent="-342900">
+              <a:buFont typeface="Arial" panose="020B0604020202020204" pitchFamily="34" charset="0"/>
+              <a:buChar char="•"/>
+            </a:pPr>
+            <a:r>
+              <a:rPr lang="pt-PT" sz="2000" dirty="0"/>
+              <a:t>“Bebés &amp; Companhia” possui uma cadeia de infantários espalhados pela grande </a:t>
+            </a:r>
+            <a:r>
+              <a:rPr lang="pt-PT" sz="2000" dirty="0" smtClean="0"/>
+              <a:t>Lisboa;</a:t>
+            </a:r>
+          </a:p>
+          <a:p>
+            <a:pPr marL="342900" indent="-342900">
+              <a:buFont typeface="Arial" panose="020B0604020202020204" pitchFamily="34" charset="0"/>
+              <a:buChar char="•"/>
+            </a:pPr>
+            <a:endParaRPr lang="pt-PT" sz="2000" dirty="0" smtClean="0"/>
+          </a:p>
+          <a:p>
+            <a:pPr marL="342900" indent="-342900">
+              <a:buFont typeface="Arial" panose="020B0604020202020204" pitchFamily="34" charset="0"/>
+              <a:buChar char="•"/>
+            </a:pPr>
+            <a:r>
+              <a:rPr lang="pt-PT" sz="2000" b="1" dirty="0" smtClean="0">
+                <a:solidFill>
+                  <a:schemeClr val="accent2"/>
+                </a:solidFill>
+              </a:rPr>
+              <a:t>Surge</a:t>
+            </a:r>
+            <a:r>
+              <a:rPr lang="pt-PT" sz="2000" b="1" dirty="0">
+                <a:solidFill>
+                  <a:schemeClr val="accent2"/>
+                </a:solidFill>
+              </a:rPr>
+              <a:t>, assim, a ideia de fazer um serviço ao domicílio de babysitting; </a:t>
+            </a:r>
+          </a:p>
+          <a:p>
+            <a:endParaRPr lang="pt-PT" sz="2000" dirty="0"/>
+          </a:p>
+          <a:p>
+            <a:pPr marL="342900" indent="-342900">
+              <a:buFont typeface="Arial" panose="020B0604020202020204" pitchFamily="34" charset="0"/>
+              <a:buChar char="•"/>
+            </a:pPr>
+            <a:r>
+              <a:rPr lang="pt-PT" sz="2000" dirty="0"/>
+              <a:t>É criada a plataforma “GuguDadah</a:t>
+            </a:r>
+            <a:r>
+              <a:rPr lang="pt-PT" sz="2000" dirty="0" smtClean="0"/>
+              <a:t>”;</a:t>
+            </a:r>
+          </a:p>
+          <a:p>
+            <a:pPr marL="342900" indent="-342900">
+              <a:buFont typeface="Arial" panose="020B0604020202020204" pitchFamily="34" charset="0"/>
+              <a:buChar char="•"/>
+            </a:pPr>
+            <a:endParaRPr lang="pt-PT" sz="2000" dirty="0" smtClean="0"/>
+          </a:p>
+          <a:p>
+            <a:pPr marL="342900" indent="-342900">
+              <a:buFont typeface="Arial" panose="020B0604020202020204" pitchFamily="34" charset="0"/>
+              <a:buChar char="•"/>
+            </a:pPr>
+            <a:r>
+              <a:rPr lang="pt-PT" sz="2000" dirty="0"/>
+              <a:t>Dificuldade de encontrar alguém que seja </a:t>
+            </a:r>
+            <a:r>
+              <a:rPr lang="pt-PT" sz="2000" b="1" dirty="0">
+                <a:solidFill>
+                  <a:schemeClr val="accent2"/>
+                </a:solidFill>
+              </a:rPr>
+              <a:t>responsável</a:t>
+            </a:r>
+            <a:r>
+              <a:rPr lang="pt-PT" sz="2000" dirty="0"/>
+              <a:t> para </a:t>
+            </a:r>
+            <a:r>
+              <a:rPr lang="pt-PT" sz="2000" dirty="0" smtClean="0"/>
+              <a:t>cuidar dos filhos;</a:t>
+            </a:r>
+          </a:p>
+          <a:p>
+            <a:pPr marL="342900" indent="-342900">
+              <a:buFont typeface="Arial" panose="020B0604020202020204" pitchFamily="34" charset="0"/>
+              <a:buChar char="•"/>
+            </a:pPr>
+            <a:endParaRPr lang="pt-PT" sz="2000" dirty="0"/>
+          </a:p>
+          <a:p>
+            <a:pPr marL="342900" indent="-342900">
+              <a:buFont typeface="Arial" panose="020B0604020202020204" pitchFamily="34" charset="0"/>
+              <a:buChar char="•"/>
+            </a:pPr>
+            <a:r>
+              <a:rPr lang="pt-PT" sz="2000" dirty="0"/>
+              <a:t>A </a:t>
+            </a:r>
+            <a:r>
+              <a:rPr lang="pt-PT" sz="2000" b="1" dirty="0">
+                <a:solidFill>
+                  <a:schemeClr val="accent2"/>
+                </a:solidFill>
+              </a:rPr>
+              <a:t>inexistência</a:t>
+            </a:r>
+            <a:r>
+              <a:rPr lang="pt-PT" sz="2000" dirty="0"/>
+              <a:t> de um sistema que permita a requisição de serviços de babysitting online, em Portugal;</a:t>
+            </a:r>
+          </a:p>
+          <a:p>
+            <a:pPr marL="342900" indent="-342900">
+              <a:buFont typeface="Arial" panose="020B0604020202020204" pitchFamily="34" charset="0"/>
+              <a:buChar char="•"/>
+            </a:pPr>
+            <a:endParaRPr lang="pt-PT" sz="1600" dirty="0" smtClean="0"/>
+          </a:p>
+          <a:p>
+            <a:pPr marL="342900" indent="-342900">
+              <a:buFont typeface="Arial" panose="020B0604020202020204" pitchFamily="34" charset="0"/>
+              <a:buChar char="•"/>
+            </a:pPr>
+            <a:endParaRPr lang="pt-PT" sz="1600" dirty="0"/>
+          </a:p>
+        </p:txBody>
+      </p:sp>
+    </p:spTree>
+    <p:extLst>
+      <p:ext uri="{BB962C8B-B14F-4D97-AF65-F5344CB8AC3E}">
+        <p14:creationId xmlns:p14="http://schemas.microsoft.com/office/powerpoint/2010/main" val="1370001760"/>
       </p:ext>
     </p:extLst>
   </p:cSld>
@@ -13631,11 +11243,7 @@
             </a:r>
             <a:r>
               <a:rPr lang="pt-PT" sz="2000" dirty="0" smtClean="0"/>
-              <a:t>em</a:t>
-            </a:r>
-            <a:r>
-              <a:rPr lang="pt-PT" sz="2000" dirty="0" smtClean="0"/>
-              <a:t> </a:t>
+              <a:t>em </a:t>
             </a:r>
             <a:r>
               <a:rPr lang="pt-PT" sz="2000" b="1" dirty="0" smtClean="0">

--- a/relatorio/Fase 3/LI4.pptx
+++ b/relatorio/Fase 3/LI4.pptx
@@ -5,7 +5,7 @@
     <p:sldMasterId id="2147483648" r:id="rId1"/>
   </p:sldMasterIdLst>
   <p:notesMasterIdLst>
-    <p:notesMasterId r:id="rId28"/>
+    <p:notesMasterId r:id="rId32"/>
   </p:notesMasterIdLst>
   <p:sldIdLst>
     <p:sldId id="256" r:id="rId2"/>
@@ -33,7 +33,11 @@
     <p:sldId id="351" r:id="rId24"/>
     <p:sldId id="350" r:id="rId25"/>
     <p:sldId id="352" r:id="rId26"/>
-    <p:sldId id="303" r:id="rId27"/>
+    <p:sldId id="353" r:id="rId27"/>
+    <p:sldId id="354" r:id="rId28"/>
+    <p:sldId id="355" r:id="rId29"/>
+    <p:sldId id="356" r:id="rId30"/>
+    <p:sldId id="303" r:id="rId31"/>
   </p:sldIdLst>
   <p:sldSz cx="12192000" cy="6858000"/>
   <p:notesSz cx="6858000" cy="9144000"/>
@@ -222,7 +226,7 @@
           <a:p>
             <a:fld id="{FC77EE40-E473-4F3B-ABB7-4026700F0D66}" type="datetimeFigureOut">
               <a:rPr lang="pt-PT" smtClean="0"/>
-              <a:t>07-06-2018</a:t>
+              <a:t>08-06-2018</a:t>
             </a:fld>
             <a:endParaRPr lang="pt-PT" dirty="0"/>
           </a:p>
@@ -648,6 +652,98 @@
     <p:extLst>
       <p:ext uri="{BB962C8B-B14F-4D97-AF65-F5344CB8AC3E}">
         <p14:creationId xmlns:p14="http://schemas.microsoft.com/office/powerpoint/2010/main" val="661589648"/>
+      </p:ext>
+    </p:extLst>
+  </p:cSld>
+  <p:clrMapOvr>
+    <a:masterClrMapping/>
+  </p:clrMapOvr>
+</p:notes>
+</file>
+
+<file path=ppt/notesSlides/notesSlide3.xml><?xml version="1.0" encoding="utf-8"?>
+<p:notes xmlns:a="http://schemas.openxmlformats.org/drawingml/2006/main" xmlns:r="http://schemas.openxmlformats.org/officeDocument/2006/relationships" xmlns:p="http://schemas.openxmlformats.org/presentationml/2006/main">
+  <p:cSld>
+    <p:spTree>
+      <p:nvGrpSpPr>
+        <p:cNvPr id="1" name=""/>
+        <p:cNvGrpSpPr/>
+        <p:nvPr/>
+      </p:nvGrpSpPr>
+      <p:grpSpPr>
+        <a:xfrm>
+          <a:off x="0" y="0"/>
+          <a:ext cx="0" cy="0"/>
+          <a:chOff x="0" y="0"/>
+          <a:chExt cx="0" cy="0"/>
+        </a:xfrm>
+      </p:grpSpPr>
+      <p:sp>
+        <p:nvSpPr>
+          <p:cNvPr id="2" name="Slide Image Placeholder 1"/>
+          <p:cNvSpPr>
+            <a:spLocks noGrp="1" noRot="1" noChangeAspect="1"/>
+          </p:cNvSpPr>
+          <p:nvPr>
+            <p:ph type="sldImg"/>
+          </p:nvPr>
+        </p:nvSpPr>
+        <p:spPr/>
+      </p:sp>
+      <p:sp>
+        <p:nvSpPr>
+          <p:cNvPr id="3" name="Notes Placeholder 2"/>
+          <p:cNvSpPr>
+            <a:spLocks noGrp="1"/>
+          </p:cNvSpPr>
+          <p:nvPr>
+            <p:ph type="body" idx="1"/>
+          </p:nvPr>
+        </p:nvSpPr>
+        <p:spPr/>
+        <p:txBody>
+          <a:bodyPr/>
+          <a:lstStyle/>
+          <a:p>
+            <a:r>
+              <a:rPr lang="pt-PT" dirty="0" smtClean="0"/>
+              <a:t>Foi desenvolvido o projeto</a:t>
+            </a:r>
+            <a:r>
+              <a:rPr lang="pt-PT" baseline="0" dirty="0" smtClean="0"/>
+              <a:t> em Visual Studio que, juntamente com os serviços da Microsoft Azure permitem a disponibilização do website online. O browser, utilizado em PC ou smartphone, permite cobrir uma vasta gama de dispositivos, graças à implementação dinâmica da página.</a:t>
+            </a:r>
+            <a:endParaRPr lang="pt-PT" dirty="0"/>
+          </a:p>
+        </p:txBody>
+      </p:sp>
+      <p:sp>
+        <p:nvSpPr>
+          <p:cNvPr id="4" name="Slide Number Placeholder 3"/>
+          <p:cNvSpPr>
+            <a:spLocks noGrp="1"/>
+          </p:cNvSpPr>
+          <p:nvPr>
+            <p:ph type="sldNum" sz="quarter" idx="10"/>
+          </p:nvPr>
+        </p:nvSpPr>
+        <p:spPr/>
+        <p:txBody>
+          <a:bodyPr/>
+          <a:lstStyle/>
+          <a:p>
+            <a:fld id="{F2D13AFA-C489-4F08-BBC3-E69A09335FB4}" type="slidenum">
+              <a:rPr lang="pt-PT" smtClean="0"/>
+              <a:t>27</a:t>
+            </a:fld>
+            <a:endParaRPr lang="pt-PT" dirty="0"/>
+          </a:p>
+        </p:txBody>
+      </p:sp>
+    </p:spTree>
+    <p:extLst>
+      <p:ext uri="{BB962C8B-B14F-4D97-AF65-F5344CB8AC3E}">
+        <p14:creationId xmlns:p14="http://schemas.microsoft.com/office/powerpoint/2010/main" val="2309181277"/>
       </p:ext>
     </p:extLst>
   </p:cSld>
@@ -1380,7 +1476,7 @@
             <a:fld id="{B61BEF0D-F0BB-DE4B-95CE-6DB70DBA9567}" type="datetimeFigureOut">
               <a:rPr lang="en-US" dirty="0"/>
               <a:pPr/>
-              <a:t>6/7/2018</a:t>
+              <a:t>6/8/2018</a:t>
             </a:fld>
             <a:endParaRPr lang="en-US" dirty="0"/>
           </a:p>
@@ -1628,7 +1724,7 @@
             <a:fld id="{B61BEF0D-F0BB-DE4B-95CE-6DB70DBA9567}" type="datetimeFigureOut">
               <a:rPr lang="en-US" dirty="0"/>
               <a:pPr/>
-              <a:t>6/7/2018</a:t>
+              <a:t>6/8/2018</a:t>
             </a:fld>
             <a:endParaRPr lang="en-US" dirty="0"/>
           </a:p>
@@ -1939,7 +2035,7 @@
             <a:fld id="{B61BEF0D-F0BB-DE4B-95CE-6DB70DBA9567}" type="datetimeFigureOut">
               <a:rPr lang="en-US" dirty="0"/>
               <a:pPr/>
-              <a:t>6/7/2018</a:t>
+              <a:t>6/8/2018</a:t>
             </a:fld>
             <a:endParaRPr lang="en-US" dirty="0"/>
           </a:p>
@@ -2277,7 +2373,7 @@
             <a:fld id="{B61BEF0D-F0BB-DE4B-95CE-6DB70DBA9567}" type="datetimeFigureOut">
               <a:rPr lang="en-US" dirty="0"/>
               <a:pPr/>
-              <a:t>6/7/2018</a:t>
+              <a:t>6/8/2018</a:t>
             </a:fld>
             <a:endParaRPr lang="en-US" dirty="0"/>
           </a:p>
@@ -2588,7 +2684,7 @@
             <a:fld id="{B61BEF0D-F0BB-DE4B-95CE-6DB70DBA9567}" type="datetimeFigureOut">
               <a:rPr lang="en-US" dirty="0"/>
               <a:pPr/>
-              <a:t>6/7/2018</a:t>
+              <a:t>6/8/2018</a:t>
             </a:fld>
             <a:endParaRPr lang="en-US" dirty="0"/>
           </a:p>
@@ -2978,7 +3074,7 @@
             <a:fld id="{B61BEF0D-F0BB-DE4B-95CE-6DB70DBA9567}" type="datetimeFigureOut">
               <a:rPr lang="en-US" dirty="0"/>
               <a:pPr/>
-              <a:t>6/7/2018</a:t>
+              <a:t>6/8/2018</a:t>
             </a:fld>
             <a:endParaRPr lang="en-US" dirty="0"/>
           </a:p>
@@ -3144,7 +3240,7 @@
           <a:p>
             <a:fld id="{55C6B4A9-1611-4792-9094-5F34BCA07E0B}" type="datetimeFigureOut">
               <a:rPr lang="en-US" dirty="0"/>
-              <a:t>6/7/2018</a:t>
+              <a:t>6/8/2018</a:t>
             </a:fld>
             <a:endParaRPr lang="en-US" dirty="0"/>
           </a:p>
@@ -3320,7 +3416,7 @@
             <a:fld id="{B61BEF0D-F0BB-DE4B-95CE-6DB70DBA9567}" type="datetimeFigureOut">
               <a:rPr lang="en-US" dirty="0"/>
               <a:pPr/>
-              <a:t>6/7/2018</a:t>
+              <a:t>6/8/2018</a:t>
             </a:fld>
             <a:endParaRPr lang="en-US" dirty="0"/>
           </a:p>
@@ -3493,7 +3589,7 @@
             <a:fld id="{B61BEF0D-F0BB-DE4B-95CE-6DB70DBA9567}" type="datetimeFigureOut">
               <a:rPr lang="en-US" dirty="0"/>
               <a:pPr/>
-              <a:t>6/7/2018</a:t>
+              <a:t>6/8/2018</a:t>
             </a:fld>
             <a:endParaRPr lang="en-US" dirty="0"/>
           </a:p>
@@ -3737,7 +3833,7 @@
             <a:fld id="{B61BEF0D-F0BB-DE4B-95CE-6DB70DBA9567}" type="datetimeFigureOut">
               <a:rPr lang="en-US" dirty="0"/>
               <a:pPr/>
-              <a:t>6/7/2018</a:t>
+              <a:t>6/8/2018</a:t>
             </a:fld>
             <a:endParaRPr lang="en-US" dirty="0"/>
           </a:p>
@@ -3965,7 +4061,7 @@
           <a:p>
             <a:fld id="{EB712588-04B1-427B-82EE-E8DB90309F08}" type="datetimeFigureOut">
               <a:rPr lang="en-US" dirty="0"/>
-              <a:t>6/7/2018</a:t>
+              <a:t>6/8/2018</a:t>
             </a:fld>
             <a:endParaRPr lang="en-US" dirty="0"/>
           </a:p>
@@ -4335,7 +4431,7 @@
             <a:fld id="{B61BEF0D-F0BB-DE4B-95CE-6DB70DBA9567}" type="datetimeFigureOut">
               <a:rPr lang="en-US" dirty="0"/>
               <a:pPr/>
-              <a:t>6/7/2018</a:t>
+              <a:t>6/8/2018</a:t>
             </a:fld>
             <a:endParaRPr lang="en-US" dirty="0"/>
           </a:p>
@@ -4455,7 +4551,7 @@
             <a:fld id="{B61BEF0D-F0BB-DE4B-95CE-6DB70DBA9567}" type="datetimeFigureOut">
               <a:rPr lang="en-US" dirty="0"/>
               <a:pPr/>
-              <a:t>6/7/2018</a:t>
+              <a:t>6/8/2018</a:t>
             </a:fld>
             <a:endParaRPr lang="en-US" dirty="0"/>
           </a:p>
@@ -4547,7 +4643,7 @@
             <a:fld id="{B61BEF0D-F0BB-DE4B-95CE-6DB70DBA9567}" type="datetimeFigureOut">
               <a:rPr lang="en-US" dirty="0"/>
               <a:pPr/>
-              <a:t>6/7/2018</a:t>
+              <a:t>6/8/2018</a:t>
             </a:fld>
             <a:endParaRPr lang="en-US" dirty="0"/>
           </a:p>
@@ -4798,7 +4894,7 @@
           <a:p>
             <a:fld id="{42A54C80-263E-416B-A8E0-580EDEADCBDC}" type="datetimeFigureOut">
               <a:rPr lang="en-US" dirty="0"/>
-              <a:t>6/7/2018</a:t>
+              <a:t>6/8/2018</a:t>
             </a:fld>
             <a:endParaRPr lang="en-US" dirty="0"/>
           </a:p>
@@ -5057,7 +5153,7 @@
             <a:fld id="{B61BEF0D-F0BB-DE4B-95CE-6DB70DBA9567}" type="datetimeFigureOut">
               <a:rPr lang="en-US" dirty="0"/>
               <a:pPr/>
-              <a:t>6/7/2018</a:t>
+              <a:t>6/8/2018</a:t>
             </a:fld>
             <a:endParaRPr lang="en-US" dirty="0"/>
           </a:p>
@@ -5797,7 +5893,7 @@
             <a:fld id="{B61BEF0D-F0BB-DE4B-95CE-6DB70DBA9567}" type="datetimeFigureOut">
               <a:rPr lang="en-US" dirty="0"/>
               <a:pPr/>
-              <a:t>6/7/2018</a:t>
+              <a:t>6/8/2018</a:t>
             </a:fld>
             <a:endParaRPr lang="en-US" dirty="0"/>
           </a:p>
@@ -8951,6 +9047,714 @@
       </p:grpSpPr>
       <p:sp>
         <p:nvSpPr>
+          <p:cNvPr id="2" name="Title 1"/>
+          <p:cNvSpPr>
+            <a:spLocks noGrp="1"/>
+          </p:cNvSpPr>
+          <p:nvPr>
+            <p:ph type="title"/>
+          </p:nvPr>
+        </p:nvSpPr>
+        <p:spPr/>
+        <p:txBody>
+          <a:bodyPr/>
+          <a:lstStyle/>
+          <a:p>
+            <a:r>
+              <a:rPr lang="pt-PT" dirty="0"/>
+              <a:t>Parte </a:t>
+            </a:r>
+            <a:r>
+              <a:rPr lang="pt-PT" dirty="0" smtClean="0"/>
+              <a:t>III</a:t>
+            </a:r>
+            <a:endParaRPr lang="pt-PT" dirty="0"/>
+          </a:p>
+        </p:txBody>
+      </p:sp>
+      <p:sp>
+        <p:nvSpPr>
+          <p:cNvPr id="3" name="Text Placeholder 2"/>
+          <p:cNvSpPr>
+            <a:spLocks noGrp="1"/>
+          </p:cNvSpPr>
+          <p:nvPr>
+            <p:ph type="body" idx="1"/>
+          </p:nvPr>
+        </p:nvSpPr>
+        <p:spPr/>
+        <p:txBody>
+          <a:bodyPr/>
+          <a:lstStyle/>
+          <a:p>
+            <a:r>
+              <a:rPr lang="pt-PT" dirty="0" smtClean="0"/>
+              <a:t>Implementação</a:t>
+            </a:r>
+          </a:p>
+        </p:txBody>
+      </p:sp>
+    </p:spTree>
+    <p:extLst>
+      <p:ext uri="{BB962C8B-B14F-4D97-AF65-F5344CB8AC3E}">
+        <p14:creationId xmlns:p14="http://schemas.microsoft.com/office/powerpoint/2010/main" val="774520532"/>
+      </p:ext>
+    </p:extLst>
+  </p:cSld>
+  <p:clrMapOvr>
+    <a:masterClrMapping/>
+  </p:clrMapOvr>
+  <mc:AlternateContent xmlns:mc="http://schemas.openxmlformats.org/markup-compatibility/2006" xmlns:p14="http://schemas.microsoft.com/office/powerpoint/2010/main">
+    <mc:Choice Requires="p14">
+      <p:transition spd="med" p14:dur="700">
+        <p:fade/>
+      </p:transition>
+    </mc:Choice>
+    <mc:Fallback xmlns="">
+      <p:transition spd="med">
+        <p:fade/>
+      </p:transition>
+    </mc:Fallback>
+  </mc:AlternateContent>
+  <p:timing>
+    <p:tnLst>
+      <p:par>
+        <p:cTn id="1" dur="indefinite" restart="never" nodeType="tmRoot"/>
+      </p:par>
+    </p:tnLst>
+  </p:timing>
+</p:sld>
+</file>
+
+<file path=ppt/slides/slide27.xml><?xml version="1.0" encoding="utf-8"?>
+<p:sld xmlns:a="http://schemas.openxmlformats.org/drawingml/2006/main" xmlns:r="http://schemas.openxmlformats.org/officeDocument/2006/relationships" xmlns:p="http://schemas.openxmlformats.org/presentationml/2006/main">
+  <p:cSld>
+    <p:spTree>
+      <p:nvGrpSpPr>
+        <p:cNvPr id="1" name=""/>
+        <p:cNvGrpSpPr/>
+        <p:nvPr/>
+      </p:nvGrpSpPr>
+      <p:grpSpPr>
+        <a:xfrm>
+          <a:off x="0" y="0"/>
+          <a:ext cx="0" cy="0"/>
+          <a:chOff x="0" y="0"/>
+          <a:chExt cx="0" cy="0"/>
+        </a:xfrm>
+      </p:grpSpPr>
+      <p:sp>
+        <p:nvSpPr>
+          <p:cNvPr id="4" name="Title 3"/>
+          <p:cNvSpPr>
+            <a:spLocks noGrp="1"/>
+          </p:cNvSpPr>
+          <p:nvPr>
+            <p:ph type="title"/>
+          </p:nvPr>
+        </p:nvSpPr>
+        <p:spPr>
+          <a:xfrm>
+            <a:off x="644220" y="422442"/>
+            <a:ext cx="8596668" cy="1320800"/>
+          </a:xfrm>
+        </p:spPr>
+        <p:txBody>
+          <a:bodyPr/>
+          <a:lstStyle/>
+          <a:p>
+            <a:r>
+              <a:rPr lang="pt-PT" dirty="0" smtClean="0"/>
+              <a:t>Tecnologias escolhidas</a:t>
+            </a:r>
+            <a:endParaRPr lang="pt-PT" dirty="0"/>
+          </a:p>
+        </p:txBody>
+      </p:sp>
+      <p:pic>
+        <p:nvPicPr>
+          <p:cNvPr id="1026" name="Picture 2" descr="Resultado de imagem para visual studio logo"/>
+          <p:cNvPicPr>
+            <a:picLocks noChangeAspect="1" noChangeArrowheads="1"/>
+          </p:cNvPicPr>
+          <p:nvPr/>
+        </p:nvPicPr>
+        <p:blipFill>
+          <a:blip r:embed="rId3">
+            <a:extLst>
+              <a:ext uri="{28A0092B-C50C-407E-A947-70E740481C1C}">
+                <a14:useLocalDpi xmlns:a14="http://schemas.microsoft.com/office/drawing/2010/main" val="0"/>
+              </a:ext>
+            </a:extLst>
+          </a:blip>
+          <a:srcRect/>
+          <a:stretch>
+            <a:fillRect/>
+          </a:stretch>
+        </p:blipFill>
+        <p:spPr bwMode="auto">
+          <a:xfrm>
+            <a:off x="629998" y="1172974"/>
+            <a:ext cx="2880000" cy="2977920"/>
+          </a:xfrm>
+          <a:prstGeom prst="rect">
+            <a:avLst/>
+          </a:prstGeom>
+          <a:noFill/>
+          <a:extLst>
+            <a:ext uri="{909E8E84-426E-40DD-AFC4-6F175D3DCCD1}">
+              <a14:hiddenFill xmlns:a14="http://schemas.microsoft.com/office/drawing/2010/main">
+                <a:solidFill>
+                  <a:srgbClr val="FFFFFF"/>
+                </a:solidFill>
+              </a14:hiddenFill>
+            </a:ext>
+          </a:extLst>
+        </p:spPr>
+      </p:pic>
+      <p:pic>
+        <p:nvPicPr>
+          <p:cNvPr id="1028" name="Picture 4" descr="Resultado de imagem para browser"/>
+          <p:cNvPicPr>
+            <a:picLocks noChangeAspect="1" noChangeArrowheads="1"/>
+          </p:cNvPicPr>
+          <p:nvPr/>
+        </p:nvPicPr>
+        <p:blipFill>
+          <a:blip r:embed="rId4">
+            <a:extLst>
+              <a:ext uri="{28A0092B-C50C-407E-A947-70E740481C1C}">
+                <a14:useLocalDpi xmlns:a14="http://schemas.microsoft.com/office/drawing/2010/main" val="0"/>
+              </a:ext>
+            </a:extLst>
+          </a:blip>
+          <a:srcRect/>
+          <a:stretch>
+            <a:fillRect/>
+          </a:stretch>
+        </p:blipFill>
+        <p:spPr bwMode="auto">
+          <a:xfrm>
+            <a:off x="6327775" y="2661934"/>
+            <a:ext cx="2143125" cy="2133601"/>
+          </a:xfrm>
+          <a:prstGeom prst="rect">
+            <a:avLst/>
+          </a:prstGeom>
+          <a:noFill/>
+          <a:extLst>
+            <a:ext uri="{909E8E84-426E-40DD-AFC4-6F175D3DCCD1}">
+              <a14:hiddenFill xmlns:a14="http://schemas.microsoft.com/office/drawing/2010/main">
+                <a:solidFill>
+                  <a:srgbClr val="FFFFFF"/>
+                </a:solidFill>
+              </a14:hiddenFill>
+            </a:ext>
+          </a:extLst>
+        </p:spPr>
+      </p:pic>
+      <p:sp>
+        <p:nvSpPr>
+          <p:cNvPr id="6" name="Right Arrow 5"/>
+          <p:cNvSpPr/>
+          <p:nvPr/>
+        </p:nvSpPr>
+        <p:spPr>
+          <a:xfrm>
+            <a:off x="4004091" y="3367786"/>
+            <a:ext cx="1876926" cy="721895"/>
+          </a:xfrm>
+          <a:prstGeom prst="rightArrow">
+            <a:avLst/>
+          </a:prstGeom>
+        </p:spPr>
+        <p:style>
+          <a:lnRef idx="3">
+            <a:schemeClr val="lt1"/>
+          </a:lnRef>
+          <a:fillRef idx="1">
+            <a:schemeClr val="accent1"/>
+          </a:fillRef>
+          <a:effectRef idx="1">
+            <a:schemeClr val="accent1"/>
+          </a:effectRef>
+          <a:fontRef idx="minor">
+            <a:schemeClr val="lt1"/>
+          </a:fontRef>
+        </p:style>
+        <p:txBody>
+          <a:bodyPr rtlCol="0" anchor="ctr"/>
+          <a:lstStyle/>
+          <a:p>
+            <a:pPr algn="ctr"/>
+            <a:endParaRPr lang="pt-PT"/>
+          </a:p>
+        </p:txBody>
+      </p:sp>
+      <p:pic>
+        <p:nvPicPr>
+          <p:cNvPr id="1032" name="Picture 8" descr="Resultado de imagem para azure"/>
+          <p:cNvPicPr>
+            <a:picLocks noChangeAspect="1" noChangeArrowheads="1"/>
+          </p:cNvPicPr>
+          <p:nvPr/>
+        </p:nvPicPr>
+        <p:blipFill>
+          <a:blip r:embed="rId5">
+            <a:extLst>
+              <a:ext uri="{28A0092B-C50C-407E-A947-70E740481C1C}">
+                <a14:useLocalDpi xmlns:a14="http://schemas.microsoft.com/office/drawing/2010/main" val="0"/>
+              </a:ext>
+            </a:extLst>
+          </a:blip>
+          <a:srcRect/>
+          <a:stretch>
+            <a:fillRect/>
+          </a:stretch>
+        </p:blipFill>
+        <p:spPr bwMode="auto">
+          <a:xfrm>
+            <a:off x="1008287" y="5017925"/>
+            <a:ext cx="2123421" cy="1592566"/>
+          </a:xfrm>
+          <a:prstGeom prst="rect">
+            <a:avLst/>
+          </a:prstGeom>
+          <a:noFill/>
+          <a:extLst>
+            <a:ext uri="{909E8E84-426E-40DD-AFC4-6F175D3DCCD1}">
+              <a14:hiddenFill xmlns:a14="http://schemas.microsoft.com/office/drawing/2010/main">
+                <a:solidFill>
+                  <a:srgbClr val="FFFFFF"/>
+                </a:solidFill>
+              </a14:hiddenFill>
+            </a:ext>
+          </a:extLst>
+        </p:spPr>
+      </p:pic>
+      <p:pic>
+        <p:nvPicPr>
+          <p:cNvPr id="1030" name="Picture 6" descr="Resultado de imagem para asp net"/>
+          <p:cNvPicPr>
+            <a:picLocks noChangeAspect="1" noChangeArrowheads="1"/>
+          </p:cNvPicPr>
+          <p:nvPr/>
+        </p:nvPicPr>
+        <p:blipFill>
+          <a:blip r:embed="rId6">
+            <a:extLst>
+              <a:ext uri="{28A0092B-C50C-407E-A947-70E740481C1C}">
+                <a14:useLocalDpi xmlns:a14="http://schemas.microsoft.com/office/drawing/2010/main" val="0"/>
+              </a:ext>
+            </a:extLst>
+          </a:blip>
+          <a:srcRect/>
+          <a:stretch>
+            <a:fillRect/>
+          </a:stretch>
+        </p:blipFill>
+        <p:spPr bwMode="auto">
+          <a:xfrm>
+            <a:off x="888898" y="3367786"/>
+            <a:ext cx="2362200" cy="2362200"/>
+          </a:xfrm>
+          <a:prstGeom prst="rect">
+            <a:avLst/>
+          </a:prstGeom>
+          <a:noFill/>
+          <a:extLst>
+            <a:ext uri="{909E8E84-426E-40DD-AFC4-6F175D3DCCD1}">
+              <a14:hiddenFill xmlns:a14="http://schemas.microsoft.com/office/drawing/2010/main">
+                <a:solidFill>
+                  <a:srgbClr val="FFFFFF"/>
+                </a:solidFill>
+              </a14:hiddenFill>
+            </a:ext>
+          </a:extLst>
+        </p:spPr>
+      </p:pic>
+    </p:spTree>
+    <p:extLst>
+      <p:ext uri="{BB962C8B-B14F-4D97-AF65-F5344CB8AC3E}">
+        <p14:creationId xmlns:p14="http://schemas.microsoft.com/office/powerpoint/2010/main" val="1031828773"/>
+      </p:ext>
+    </p:extLst>
+  </p:cSld>
+  <p:clrMapOvr>
+    <a:masterClrMapping/>
+  </p:clrMapOvr>
+</p:sld>
+</file>
+
+<file path=ppt/slides/slide28.xml><?xml version="1.0" encoding="utf-8"?>
+<p:sld xmlns:a="http://schemas.openxmlformats.org/drawingml/2006/main" xmlns:r="http://schemas.openxmlformats.org/officeDocument/2006/relationships" xmlns:p="http://schemas.openxmlformats.org/presentationml/2006/main">
+  <p:cSld>
+    <p:spTree>
+      <p:nvGrpSpPr>
+        <p:cNvPr id="1" name=""/>
+        <p:cNvGrpSpPr/>
+        <p:nvPr/>
+      </p:nvGrpSpPr>
+      <p:grpSpPr>
+        <a:xfrm>
+          <a:off x="0" y="0"/>
+          <a:ext cx="0" cy="0"/>
+          <a:chOff x="0" y="0"/>
+          <a:chExt cx="0" cy="0"/>
+        </a:xfrm>
+      </p:grpSpPr>
+      <p:sp>
+        <p:nvSpPr>
+          <p:cNvPr id="2" name="Title 1"/>
+          <p:cNvSpPr>
+            <a:spLocks noGrp="1"/>
+          </p:cNvSpPr>
+          <p:nvPr>
+            <p:ph type="title"/>
+          </p:nvPr>
+        </p:nvSpPr>
+        <p:spPr/>
+        <p:txBody>
+          <a:bodyPr/>
+          <a:lstStyle/>
+          <a:p>
+            <a:r>
+              <a:rPr lang="pt-PT" dirty="0" smtClean="0"/>
+              <a:t>Base de Dados e Povoamento</a:t>
+            </a:r>
+            <a:endParaRPr lang="pt-PT" dirty="0"/>
+          </a:p>
+        </p:txBody>
+      </p:sp>
+      <p:sp>
+        <p:nvSpPr>
+          <p:cNvPr id="3" name="Content Placeholder 2"/>
+          <p:cNvSpPr>
+            <a:spLocks noGrp="1"/>
+          </p:cNvSpPr>
+          <p:nvPr>
+            <p:ph idx="1"/>
+          </p:nvPr>
+        </p:nvSpPr>
+        <p:spPr/>
+        <p:txBody>
+          <a:bodyPr/>
+          <a:lstStyle/>
+          <a:p>
+            <a:r>
+              <a:rPr lang="pt-PT" dirty="0" smtClean="0"/>
+              <a:t>puntzzz</a:t>
+            </a:r>
+            <a:endParaRPr lang="pt-PT" dirty="0"/>
+          </a:p>
+        </p:txBody>
+      </p:sp>
+    </p:spTree>
+    <p:extLst>
+      <p:ext uri="{BB962C8B-B14F-4D97-AF65-F5344CB8AC3E}">
+        <p14:creationId xmlns:p14="http://schemas.microsoft.com/office/powerpoint/2010/main" val="3129537103"/>
+      </p:ext>
+    </p:extLst>
+  </p:cSld>
+  <p:clrMapOvr>
+    <a:masterClrMapping/>
+  </p:clrMapOvr>
+</p:sld>
+</file>
+
+<file path=ppt/slides/slide29.xml><?xml version="1.0" encoding="utf-8"?>
+<p:sld xmlns:a="http://schemas.openxmlformats.org/drawingml/2006/main" xmlns:r="http://schemas.openxmlformats.org/officeDocument/2006/relationships" xmlns:p="http://schemas.openxmlformats.org/presentationml/2006/main">
+  <p:cSld>
+    <p:spTree>
+      <p:nvGrpSpPr>
+        <p:cNvPr id="1" name=""/>
+        <p:cNvGrpSpPr/>
+        <p:nvPr/>
+      </p:nvGrpSpPr>
+      <p:grpSpPr>
+        <a:xfrm>
+          <a:off x="0" y="0"/>
+          <a:ext cx="0" cy="0"/>
+          <a:chOff x="0" y="0"/>
+          <a:chExt cx="0" cy="0"/>
+        </a:xfrm>
+      </p:grpSpPr>
+      <p:sp>
+        <p:nvSpPr>
+          <p:cNvPr id="2" name="Title 1"/>
+          <p:cNvSpPr>
+            <a:spLocks noGrp="1"/>
+          </p:cNvSpPr>
+          <p:nvPr>
+            <p:ph type="title"/>
+          </p:nvPr>
+        </p:nvSpPr>
+        <p:spPr/>
+        <p:txBody>
+          <a:bodyPr/>
+          <a:lstStyle/>
+          <a:p>
+            <a:r>
+              <a:rPr lang="pt-PT" dirty="0" smtClean="0"/>
+              <a:t>Agendar Trabalho</a:t>
+            </a:r>
+            <a:endParaRPr lang="pt-PT" dirty="0"/>
+          </a:p>
+        </p:txBody>
+      </p:sp>
+      <p:sp>
+        <p:nvSpPr>
+          <p:cNvPr id="3" name="Content Placeholder 2"/>
+          <p:cNvSpPr>
+            <a:spLocks noGrp="1"/>
+          </p:cNvSpPr>
+          <p:nvPr>
+            <p:ph idx="1"/>
+          </p:nvPr>
+        </p:nvSpPr>
+        <p:spPr/>
+        <p:txBody>
+          <a:bodyPr/>
+          <a:lstStyle/>
+          <a:p>
+            <a:r>
+              <a:rPr lang="pt-PT" dirty="0" smtClean="0"/>
+              <a:t>Imagens ilustrativas</a:t>
+            </a:r>
+            <a:endParaRPr lang="pt-PT" dirty="0"/>
+          </a:p>
+        </p:txBody>
+      </p:sp>
+    </p:spTree>
+    <p:extLst>
+      <p:ext uri="{BB962C8B-B14F-4D97-AF65-F5344CB8AC3E}">
+        <p14:creationId xmlns:p14="http://schemas.microsoft.com/office/powerpoint/2010/main" val="257212372"/>
+      </p:ext>
+    </p:extLst>
+  </p:cSld>
+  <p:clrMapOvr>
+    <a:masterClrMapping/>
+  </p:clrMapOvr>
+</p:sld>
+</file>
+
+<file path=ppt/slides/slide3.xml><?xml version="1.0" encoding="utf-8"?>
+<p:sld xmlns:a="http://schemas.openxmlformats.org/drawingml/2006/main" xmlns:r="http://schemas.openxmlformats.org/officeDocument/2006/relationships" xmlns:p="http://schemas.openxmlformats.org/presentationml/2006/main">
+  <p:cSld>
+    <p:spTree>
+      <p:nvGrpSpPr>
+        <p:cNvPr id="1" name=""/>
+        <p:cNvGrpSpPr/>
+        <p:nvPr/>
+      </p:nvGrpSpPr>
+      <p:grpSpPr>
+        <a:xfrm>
+          <a:off x="0" y="0"/>
+          <a:ext cx="0" cy="0"/>
+          <a:chOff x="0" y="0"/>
+          <a:chExt cx="0" cy="0"/>
+        </a:xfrm>
+      </p:grpSpPr>
+      <p:sp>
+        <p:nvSpPr>
+          <p:cNvPr id="3" name="Marcador de Posição de Conteúdo 2">
+            <a:extLst>
+              <a:ext uri="{FF2B5EF4-FFF2-40B4-BE49-F238E27FC236}">
+                <a16:creationId xmlns:a16="http://schemas.microsoft.com/office/drawing/2014/main" id="{78155F68-0F43-4FE9-A743-20F9DAFEFA50}"/>
+              </a:ext>
+            </a:extLst>
+          </p:cNvPr>
+          <p:cNvSpPr>
+            <a:spLocks noGrp="1"/>
+          </p:cNvSpPr>
+          <p:nvPr>
+            <p:ph idx="1"/>
+          </p:nvPr>
+        </p:nvSpPr>
+        <p:spPr>
+          <a:xfrm>
+            <a:off x="677334" y="706583"/>
+            <a:ext cx="8596668" cy="5334780"/>
+          </a:xfrm>
+        </p:spPr>
+        <p:txBody>
+          <a:bodyPr>
+            <a:normAutofit/>
+          </a:bodyPr>
+          <a:lstStyle/>
+          <a:p>
+            <a:pPr>
+              <a:lnSpc>
+                <a:spcPct val="150000"/>
+              </a:lnSpc>
+            </a:pPr>
+            <a:r>
+              <a:rPr lang="pt-PT" sz="2000" dirty="0">
+                <a:solidFill>
+                  <a:schemeClr val="tx1"/>
+                </a:solidFill>
+              </a:rPr>
+              <a:t>Contextualização </a:t>
+            </a:r>
+          </a:p>
+          <a:p>
+            <a:pPr>
+              <a:lnSpc>
+                <a:spcPct val="150000"/>
+              </a:lnSpc>
+            </a:pPr>
+            <a:r>
+              <a:rPr lang="pt-PT" sz="2000" dirty="0">
+                <a:solidFill>
+                  <a:schemeClr val="tx1"/>
+                </a:solidFill>
+              </a:rPr>
+              <a:t>Motivação e Objetivos</a:t>
+            </a:r>
+          </a:p>
+          <a:p>
+            <a:pPr>
+              <a:lnSpc>
+                <a:spcPct val="150000"/>
+              </a:lnSpc>
+            </a:pPr>
+            <a:r>
+              <a:rPr lang="pt-PT" sz="2000" dirty="0">
+                <a:solidFill>
+                  <a:schemeClr val="tx1"/>
+                </a:solidFill>
+              </a:rPr>
+              <a:t>Definição da Identidade do Sistema a Desenvolver </a:t>
+            </a:r>
+          </a:p>
+          <a:p>
+            <a:pPr>
+              <a:lnSpc>
+                <a:spcPct val="150000"/>
+              </a:lnSpc>
+            </a:pPr>
+            <a:r>
+              <a:rPr lang="pt-PT" sz="2000" dirty="0">
+                <a:solidFill>
+                  <a:schemeClr val="tx1"/>
+                </a:solidFill>
+              </a:rPr>
+              <a:t>Análise de Viabilidade </a:t>
+            </a:r>
+          </a:p>
+          <a:p>
+            <a:pPr>
+              <a:lnSpc>
+                <a:spcPct val="150000"/>
+              </a:lnSpc>
+            </a:pPr>
+            <a:r>
+              <a:rPr lang="pt-PT" sz="2000" dirty="0">
+                <a:solidFill>
+                  <a:schemeClr val="tx1"/>
+                </a:solidFill>
+              </a:rPr>
+              <a:t>Identificação dos Recursos Necessários </a:t>
+            </a:r>
+          </a:p>
+          <a:p>
+            <a:pPr>
+              <a:lnSpc>
+                <a:spcPct val="150000"/>
+              </a:lnSpc>
+            </a:pPr>
+            <a:r>
+              <a:rPr lang="pt-PT" sz="2000" dirty="0">
+                <a:solidFill>
+                  <a:schemeClr val="tx1"/>
+                </a:solidFill>
+              </a:rPr>
+              <a:t>Modelo de Sistema </a:t>
+            </a:r>
+          </a:p>
+          <a:p>
+            <a:pPr>
+              <a:lnSpc>
+                <a:spcPct val="150000"/>
+              </a:lnSpc>
+            </a:pPr>
+            <a:r>
+              <a:rPr lang="pt-PT" sz="2000" dirty="0">
+                <a:solidFill>
+                  <a:schemeClr val="tx1"/>
+                </a:solidFill>
+              </a:rPr>
+              <a:t>Definição de Medidas de Sucesso </a:t>
+            </a:r>
+          </a:p>
+          <a:p>
+            <a:pPr>
+              <a:lnSpc>
+                <a:spcPct val="150000"/>
+              </a:lnSpc>
+            </a:pPr>
+            <a:r>
+              <a:rPr lang="pt-PT" sz="2000" dirty="0">
+                <a:solidFill>
+                  <a:schemeClr val="tx1"/>
+                </a:solidFill>
+              </a:rPr>
+              <a:t>Plano de Desenvolvimento </a:t>
+            </a:r>
+          </a:p>
+        </p:txBody>
+      </p:sp>
+    </p:spTree>
+    <p:extLst>
+      <p:ext uri="{BB962C8B-B14F-4D97-AF65-F5344CB8AC3E}">
+        <p14:creationId xmlns:p14="http://schemas.microsoft.com/office/powerpoint/2010/main" val="482868652"/>
+      </p:ext>
+    </p:extLst>
+  </p:cSld>
+  <p:clrMapOvr>
+    <a:masterClrMapping/>
+  </p:clrMapOvr>
+  <mc:AlternateContent xmlns:mc="http://schemas.openxmlformats.org/markup-compatibility/2006" xmlns:p14="http://schemas.microsoft.com/office/powerpoint/2010/main">
+    <mc:Choice Requires="p14">
+      <p:transition spd="med" p14:dur="700">
+        <p:fade/>
+      </p:transition>
+    </mc:Choice>
+    <mc:Fallback xmlns="">
+      <p:transition spd="med">
+        <p:fade/>
+      </p:transition>
+    </mc:Fallback>
+  </mc:AlternateContent>
+  <p:timing>
+    <p:tnLst>
+      <p:par>
+        <p:cTn id="1" dur="indefinite" restart="never" nodeType="tmRoot"/>
+      </p:par>
+    </p:tnLst>
+  </p:timing>
+</p:sld>
+</file>
+
+<file path=ppt/slides/slide30.xml><?xml version="1.0" encoding="utf-8"?>
+<p:sld xmlns:a="http://schemas.openxmlformats.org/drawingml/2006/main" xmlns:r="http://schemas.openxmlformats.org/officeDocument/2006/relationships" xmlns:p="http://schemas.openxmlformats.org/presentationml/2006/main">
+  <p:cSld>
+    <p:spTree>
+      <p:nvGrpSpPr>
+        <p:cNvPr id="1" name=""/>
+        <p:cNvGrpSpPr/>
+        <p:nvPr/>
+      </p:nvGrpSpPr>
+      <p:grpSpPr>
+        <a:xfrm>
+          <a:off x="0" y="0"/>
+          <a:ext cx="0" cy="0"/>
+          <a:chOff x="0" y="0"/>
+          <a:chExt cx="0" cy="0"/>
+        </a:xfrm>
+      </p:grpSpPr>
+      <p:sp>
+        <p:nvSpPr>
           <p:cNvPr id="2" name="Título 1">
             <a:extLst>
               <a:ext uri="{FF2B5EF4-FFF2-40B4-BE49-F238E27FC236}">
@@ -9398,204 +10202,6 @@
     <p:extLst>
       <p:ext uri="{BB962C8B-B14F-4D97-AF65-F5344CB8AC3E}">
         <p14:creationId xmlns:p14="http://schemas.microsoft.com/office/powerpoint/2010/main" val="3114277076"/>
-      </p:ext>
-    </p:extLst>
-  </p:cSld>
-  <p:clrMapOvr>
-    <a:masterClrMapping/>
-  </p:clrMapOvr>
-  <mc:AlternateContent xmlns:mc="http://schemas.openxmlformats.org/markup-compatibility/2006" xmlns:p14="http://schemas.microsoft.com/office/powerpoint/2010/main">
-    <mc:Choice Requires="p14">
-      <p:transition spd="med" p14:dur="700">
-        <p:fade/>
-      </p:transition>
-    </mc:Choice>
-    <mc:Fallback xmlns="">
-      <p:transition spd="med">
-        <p:fade/>
-      </p:transition>
-    </mc:Fallback>
-  </mc:AlternateContent>
-  <p:timing>
-    <p:tnLst>
-      <p:par>
-        <p:cTn id="1" dur="indefinite" restart="never" nodeType="tmRoot"/>
-      </p:par>
-    </p:tnLst>
-  </p:timing>
-</p:sld>
-</file>
-
-<file path=ppt/slides/slide3.xml><?xml version="1.0" encoding="utf-8"?>
-<p:sld xmlns:a="http://schemas.openxmlformats.org/drawingml/2006/main" xmlns:r="http://schemas.openxmlformats.org/officeDocument/2006/relationships" xmlns:p="http://schemas.openxmlformats.org/presentationml/2006/main">
-  <p:cSld>
-    <p:spTree>
-      <p:nvGrpSpPr>
-        <p:cNvPr id="1" name=""/>
-        <p:cNvGrpSpPr/>
-        <p:nvPr/>
-      </p:nvGrpSpPr>
-      <p:grpSpPr>
-        <a:xfrm>
-          <a:off x="0" y="0"/>
-          <a:ext cx="0" cy="0"/>
-          <a:chOff x="0" y="0"/>
-          <a:chExt cx="0" cy="0"/>
-        </a:xfrm>
-      </p:grpSpPr>
-      <p:sp>
-        <p:nvSpPr>
-          <p:cNvPr id="3" name="Marcador de Posição de Conteúdo 2">
-            <a:extLst>
-              <a:ext uri="{FF2B5EF4-FFF2-40B4-BE49-F238E27FC236}">
-                <a16:creationId xmlns:a16="http://schemas.microsoft.com/office/drawing/2014/main" id="{78155F68-0F43-4FE9-A743-20F9DAFEFA50}"/>
-              </a:ext>
-            </a:extLst>
-          </p:cNvPr>
-          <p:cNvSpPr>
-            <a:spLocks noGrp="1"/>
-          </p:cNvSpPr>
-          <p:nvPr>
-            <p:ph idx="1"/>
-          </p:nvPr>
-        </p:nvSpPr>
-        <p:spPr>
-          <a:xfrm>
-            <a:off x="677334" y="706583"/>
-            <a:ext cx="8596668" cy="5334780"/>
-          </a:xfrm>
-        </p:spPr>
-        <p:txBody>
-          <a:bodyPr>
-            <a:normAutofit/>
-          </a:bodyPr>
-          <a:lstStyle/>
-          <a:p>
-            <a:pPr>
-              <a:lnSpc>
-                <a:spcPct val="150000"/>
-              </a:lnSpc>
-            </a:pPr>
-            <a:r>
-              <a:rPr lang="pt-PT" sz="2000" dirty="0">
-                <a:solidFill>
-                  <a:schemeClr val="tx1"/>
-                </a:solidFill>
-              </a:rPr>
-              <a:t>Contextualização </a:t>
-            </a:r>
-          </a:p>
-          <a:p>
-            <a:pPr>
-              <a:lnSpc>
-                <a:spcPct val="150000"/>
-              </a:lnSpc>
-            </a:pPr>
-            <a:r>
-              <a:rPr lang="pt-PT" sz="2000" dirty="0">
-                <a:solidFill>
-                  <a:schemeClr val="tx1"/>
-                </a:solidFill>
-              </a:rPr>
-              <a:t>Motivação e Objetivos</a:t>
-            </a:r>
-          </a:p>
-          <a:p>
-            <a:pPr>
-              <a:lnSpc>
-                <a:spcPct val="150000"/>
-              </a:lnSpc>
-            </a:pPr>
-            <a:r>
-              <a:rPr lang="pt-PT" sz="2000" dirty="0">
-                <a:solidFill>
-                  <a:schemeClr val="tx1"/>
-                </a:solidFill>
-              </a:rPr>
-              <a:t>Definição da Identidade do Sistema a Desenvolver </a:t>
-            </a:r>
-          </a:p>
-          <a:p>
-            <a:pPr>
-              <a:lnSpc>
-                <a:spcPct val="150000"/>
-              </a:lnSpc>
-            </a:pPr>
-            <a:r>
-              <a:rPr lang="pt-PT" sz="2000" dirty="0">
-                <a:solidFill>
-                  <a:schemeClr val="tx1"/>
-                </a:solidFill>
-              </a:rPr>
-              <a:t>Análise de Viabilidade </a:t>
-            </a:r>
-          </a:p>
-          <a:p>
-            <a:pPr>
-              <a:lnSpc>
-                <a:spcPct val="150000"/>
-              </a:lnSpc>
-            </a:pPr>
-            <a:r>
-              <a:rPr lang="pt-PT" sz="2000" dirty="0">
-                <a:solidFill>
-                  <a:schemeClr val="tx1"/>
-                </a:solidFill>
-              </a:rPr>
-              <a:t>Identificação dos Recursos Necessários </a:t>
-            </a:r>
-          </a:p>
-          <a:p>
-            <a:pPr>
-              <a:lnSpc>
-                <a:spcPct val="150000"/>
-              </a:lnSpc>
-            </a:pPr>
-            <a:r>
-              <a:rPr lang="pt-PT" sz="2000" dirty="0">
-                <a:solidFill>
-                  <a:schemeClr val="tx1"/>
-                </a:solidFill>
-              </a:rPr>
-              <a:t>Modelo de Sistema </a:t>
-            </a:r>
-          </a:p>
-          <a:p>
-            <a:pPr>
-              <a:lnSpc>
-                <a:spcPct val="150000"/>
-              </a:lnSpc>
-            </a:pPr>
-            <a:r>
-              <a:rPr lang="pt-PT" sz="2000" dirty="0">
-                <a:solidFill>
-                  <a:schemeClr val="tx1"/>
-                </a:solidFill>
-              </a:rPr>
-              <a:t>Definição de Medidas de Sucesso </a:t>
-            </a:r>
-          </a:p>
-          <a:p>
-            <a:pPr>
-              <a:lnSpc>
-                <a:spcPct val="150000"/>
-              </a:lnSpc>
-            </a:pPr>
-            <a:r>
-              <a:rPr lang="pt-PT" sz="2000" dirty="0">
-                <a:solidFill>
-                  <a:schemeClr val="tx1"/>
-                </a:solidFill>
-              </a:rPr>
-              <a:t>Plano de Desenvolvimento </a:t>
-            </a:r>
-          </a:p>
-        </p:txBody>
-      </p:sp>
-    </p:spTree>
-    <p:extLst>
-      <p:ext uri="{BB962C8B-B14F-4D97-AF65-F5344CB8AC3E}">
-        <p14:creationId xmlns:p14="http://schemas.microsoft.com/office/powerpoint/2010/main" val="482868652"/>
       </p:ext>
     </p:extLst>
   </p:cSld>

--- a/relatorio/Fase 3/LI4.pptx
+++ b/relatorio/Fase 3/LI4.pptx
@@ -2,42 +2,37 @@
 <file path=ppt/presentation.xml><?xml version="1.0" encoding="utf-8"?>
 <p:presentation xmlns:a="http://schemas.openxmlformats.org/drawingml/2006/main" xmlns:r="http://schemas.openxmlformats.org/officeDocument/2006/relationships" xmlns:p="http://schemas.openxmlformats.org/presentationml/2006/main" autoCompressPictures="0">
   <p:sldMasterIdLst>
-    <p:sldMasterId id="2147483648" r:id="rId1"/>
+    <p:sldMasterId id="2147483668" r:id="rId1"/>
   </p:sldMasterIdLst>
   <p:notesMasterIdLst>
-    <p:notesMasterId r:id="rId32"/>
+    <p:notesMasterId r:id="rId27"/>
   </p:notesMasterIdLst>
   <p:sldIdLst>
     <p:sldId id="256" r:id="rId2"/>
     <p:sldId id="307" r:id="rId3"/>
-    <p:sldId id="304" r:id="rId4"/>
-    <p:sldId id="274" r:id="rId5"/>
-    <p:sldId id="298" r:id="rId6"/>
-    <p:sldId id="264" r:id="rId7"/>
-    <p:sldId id="311" r:id="rId8"/>
-    <p:sldId id="276" r:id="rId9"/>
-    <p:sldId id="312" r:id="rId10"/>
-    <p:sldId id="302" r:id="rId11"/>
-    <p:sldId id="308" r:id="rId12"/>
-    <p:sldId id="314" r:id="rId13"/>
-    <p:sldId id="328" r:id="rId14"/>
-    <p:sldId id="331" r:id="rId15"/>
-    <p:sldId id="332" r:id="rId16"/>
-    <p:sldId id="330" r:id="rId17"/>
-    <p:sldId id="335" r:id="rId18"/>
-    <p:sldId id="334" r:id="rId19"/>
-    <p:sldId id="339" r:id="rId20"/>
-    <p:sldId id="340" r:id="rId21"/>
-    <p:sldId id="343" r:id="rId22"/>
-    <p:sldId id="345" r:id="rId23"/>
-    <p:sldId id="351" r:id="rId24"/>
-    <p:sldId id="350" r:id="rId25"/>
-    <p:sldId id="352" r:id="rId26"/>
-    <p:sldId id="353" r:id="rId27"/>
-    <p:sldId id="354" r:id="rId28"/>
-    <p:sldId id="355" r:id="rId29"/>
-    <p:sldId id="356" r:id="rId30"/>
-    <p:sldId id="303" r:id="rId31"/>
+    <p:sldId id="274" r:id="rId4"/>
+    <p:sldId id="264" r:id="rId5"/>
+    <p:sldId id="311" r:id="rId6"/>
+    <p:sldId id="314" r:id="rId7"/>
+    <p:sldId id="328" r:id="rId8"/>
+    <p:sldId id="331" r:id="rId9"/>
+    <p:sldId id="332" r:id="rId10"/>
+    <p:sldId id="330" r:id="rId11"/>
+    <p:sldId id="335" r:id="rId12"/>
+    <p:sldId id="334" r:id="rId13"/>
+    <p:sldId id="339" r:id="rId14"/>
+    <p:sldId id="340" r:id="rId15"/>
+    <p:sldId id="343" r:id="rId16"/>
+    <p:sldId id="345" r:id="rId17"/>
+    <p:sldId id="351" r:id="rId18"/>
+    <p:sldId id="350" r:id="rId19"/>
+    <p:sldId id="352" r:id="rId20"/>
+    <p:sldId id="353" r:id="rId21"/>
+    <p:sldId id="354" r:id="rId22"/>
+    <p:sldId id="355" r:id="rId23"/>
+    <p:sldId id="357" r:id="rId24"/>
+    <p:sldId id="356" r:id="rId25"/>
+    <p:sldId id="303" r:id="rId26"/>
   </p:sldIdLst>
   <p:sldSz cx="12192000" cy="6858000"/>
   <p:notesSz cx="6858000" cy="9144000"/>
@@ -226,7 +221,7 @@
           <a:p>
             <a:fld id="{FC77EE40-E473-4F3B-ABB7-4026700F0D66}" type="datetimeFigureOut">
               <a:rPr lang="pt-PT" smtClean="0"/>
-              <a:t>08-06-2018</a:t>
+              <a:t>10-06-2018</a:t>
             </a:fld>
             <a:endParaRPr lang="pt-PT" dirty="0"/>
           </a:p>
@@ -558,7 +553,7 @@
           <a:p>
             <a:fld id="{F2D13AFA-C489-4F08-BBC3-E69A09335FB4}" type="slidenum">
               <a:rPr lang="pt-PT" smtClean="0"/>
-              <a:t>4</a:t>
+              <a:t>3</a:t>
             </a:fld>
             <a:endParaRPr lang="pt-PT" dirty="0"/>
           </a:p>
@@ -596,7 +591,7 @@
       </p:grpSpPr>
       <p:sp>
         <p:nvSpPr>
-          <p:cNvPr id="2" name="Marcador de Posição da Imagem do Diapositivo 1"/>
+          <p:cNvPr id="2" name="Slide Image Placeholder 1"/>
           <p:cNvSpPr>
             <a:spLocks noGrp="1" noRot="1" noChangeAspect="1"/>
           </p:cNvSpPr>
@@ -608,7 +603,7 @@
       </p:sp>
       <p:sp>
         <p:nvSpPr>
-          <p:cNvPr id="3" name="Marcador de Posição de Notas 2"/>
+          <p:cNvPr id="3" name="Notes Placeholder 2"/>
           <p:cNvSpPr>
             <a:spLocks noGrp="1"/>
           </p:cNvSpPr>
@@ -621,13 +616,21 @@
           <a:bodyPr/>
           <a:lstStyle/>
           <a:p>
+            <a:r>
+              <a:rPr lang="pt-PT" dirty="0" smtClean="0"/>
+              <a:t>Foi desenvolvido o projeto</a:t>
+            </a:r>
+            <a:r>
+              <a:rPr lang="pt-PT" baseline="0" dirty="0" smtClean="0"/>
+              <a:t> em Visual Studio que, juntamente com os serviços da Microsoft Azure permitem a disponibilização do website online. O browser, utilizado em PC ou smartphone, permite cobrir uma vasta gama de dispositivos, graças à implementação dinâmica da página.</a:t>
+            </a:r>
             <a:endParaRPr lang="pt-PT" dirty="0"/>
           </a:p>
         </p:txBody>
       </p:sp>
       <p:sp>
         <p:nvSpPr>
-          <p:cNvPr id="4" name="Marcador de Posição do Número do Diapositivo 3"/>
+          <p:cNvPr id="4" name="Slide Number Placeholder 3"/>
           <p:cNvSpPr>
             <a:spLocks noGrp="1"/>
           </p:cNvSpPr>
@@ -642,99 +645,7 @@
           <a:p>
             <a:fld id="{F2D13AFA-C489-4F08-BBC3-E69A09335FB4}" type="slidenum">
               <a:rPr lang="pt-PT" smtClean="0"/>
-              <a:t>5</a:t>
-            </a:fld>
-            <a:endParaRPr lang="pt-PT" dirty="0"/>
-          </a:p>
-        </p:txBody>
-      </p:sp>
-    </p:spTree>
-    <p:extLst>
-      <p:ext uri="{BB962C8B-B14F-4D97-AF65-F5344CB8AC3E}">
-        <p14:creationId xmlns:p14="http://schemas.microsoft.com/office/powerpoint/2010/main" val="661589648"/>
-      </p:ext>
-    </p:extLst>
-  </p:cSld>
-  <p:clrMapOvr>
-    <a:masterClrMapping/>
-  </p:clrMapOvr>
-</p:notes>
-</file>
-
-<file path=ppt/notesSlides/notesSlide3.xml><?xml version="1.0" encoding="utf-8"?>
-<p:notes xmlns:a="http://schemas.openxmlformats.org/drawingml/2006/main" xmlns:r="http://schemas.openxmlformats.org/officeDocument/2006/relationships" xmlns:p="http://schemas.openxmlformats.org/presentationml/2006/main">
-  <p:cSld>
-    <p:spTree>
-      <p:nvGrpSpPr>
-        <p:cNvPr id="1" name=""/>
-        <p:cNvGrpSpPr/>
-        <p:nvPr/>
-      </p:nvGrpSpPr>
-      <p:grpSpPr>
-        <a:xfrm>
-          <a:off x="0" y="0"/>
-          <a:ext cx="0" cy="0"/>
-          <a:chOff x="0" y="0"/>
-          <a:chExt cx="0" cy="0"/>
-        </a:xfrm>
-      </p:grpSpPr>
-      <p:sp>
-        <p:nvSpPr>
-          <p:cNvPr id="2" name="Slide Image Placeholder 1"/>
-          <p:cNvSpPr>
-            <a:spLocks noGrp="1" noRot="1" noChangeAspect="1"/>
-          </p:cNvSpPr>
-          <p:nvPr>
-            <p:ph type="sldImg"/>
-          </p:nvPr>
-        </p:nvSpPr>
-        <p:spPr/>
-      </p:sp>
-      <p:sp>
-        <p:nvSpPr>
-          <p:cNvPr id="3" name="Notes Placeholder 2"/>
-          <p:cNvSpPr>
-            <a:spLocks noGrp="1"/>
-          </p:cNvSpPr>
-          <p:nvPr>
-            <p:ph type="body" idx="1"/>
-          </p:nvPr>
-        </p:nvSpPr>
-        <p:spPr/>
-        <p:txBody>
-          <a:bodyPr/>
-          <a:lstStyle/>
-          <a:p>
-            <a:r>
-              <a:rPr lang="pt-PT" dirty="0" smtClean="0"/>
-              <a:t>Foi desenvolvido o projeto</a:t>
-            </a:r>
-            <a:r>
-              <a:rPr lang="pt-PT" baseline="0" dirty="0" smtClean="0"/>
-              <a:t> em Visual Studio que, juntamente com os serviços da Microsoft Azure permitem a disponibilização do website online. O browser, utilizado em PC ou smartphone, permite cobrir uma vasta gama de dispositivos, graças à implementação dinâmica da página.</a:t>
-            </a:r>
-            <a:endParaRPr lang="pt-PT" dirty="0"/>
-          </a:p>
-        </p:txBody>
-      </p:sp>
-      <p:sp>
-        <p:nvSpPr>
-          <p:cNvPr id="4" name="Slide Number Placeholder 3"/>
-          <p:cNvSpPr>
-            <a:spLocks noGrp="1"/>
-          </p:cNvSpPr>
-          <p:nvPr>
-            <p:ph type="sldNum" sz="quarter" idx="10"/>
-          </p:nvPr>
-        </p:nvSpPr>
-        <p:spPr/>
-        <p:txBody>
-          <a:bodyPr/>
-          <a:lstStyle/>
-          <a:p>
-            <a:fld id="{F2D13AFA-C489-4F08-BBC3-E69A09335FB4}" type="slidenum">
-              <a:rPr lang="pt-PT" smtClean="0"/>
-              <a:t>27</a:t>
+              <a:t>21</a:t>
             </a:fld>
             <a:endParaRPr lang="pt-PT" dirty="0"/>
           </a:p>
@@ -755,7 +666,7 @@
 
 <file path=ppt/slideLayouts/slideLayout1.xml><?xml version="1.0" encoding="utf-8"?>
 <p:sldLayout xmlns:a="http://schemas.openxmlformats.org/drawingml/2006/main" xmlns:r="http://schemas.openxmlformats.org/officeDocument/2006/relationships" xmlns:p="http://schemas.openxmlformats.org/presentationml/2006/main" showMasterSp="0" type="title" preserve="1">
-  <p:cSld name="Diapositivo de Título">
+  <p:cSld name="Title Slide">
     <p:spTree>
       <p:nvGrpSpPr>
         <p:cNvPr id="1" name=""/>
@@ -772,7 +683,7 @@
       </p:grpSpPr>
       <p:grpSp>
         <p:nvGrpSpPr>
-          <p:cNvPr id="7" name="Group 6"/>
+          <p:cNvPr id="16" name="Group 15"/>
           <p:cNvGrpSpPr/>
           <p:nvPr/>
         </p:nvGrpSpPr>
@@ -784,9 +695,72 @@
             <a:chExt cx="12192000" cy="6866467"/>
           </a:xfrm>
         </p:grpSpPr>
+        <p:sp>
+          <p:nvSpPr>
+            <p:cNvPr id="15" name="Freeform 14"/>
+            <p:cNvSpPr/>
+            <p:nvPr/>
+          </p:nvSpPr>
+          <p:spPr>
+            <a:xfrm>
+              <a:off x="0" y="-7862"/>
+              <a:ext cx="863600" cy="5698067"/>
+            </a:xfrm>
+            <a:custGeom>
+              <a:avLst/>
+              <a:gdLst/>
+              <a:ahLst/>
+              <a:cxnLst/>
+              <a:rect l="l" t="t" r="r" b="b"/>
+              <a:pathLst>
+                <a:path w="863600" h="5698067">
+                  <a:moveTo>
+                    <a:pt x="0" y="8467"/>
+                  </a:moveTo>
+                  <a:lnTo>
+                    <a:pt x="863600" y="0"/>
+                  </a:lnTo>
+                  <a:lnTo>
+                    <a:pt x="863600" y="16934"/>
+                  </a:lnTo>
+                  <a:lnTo>
+                    <a:pt x="0" y="5698067"/>
+                  </a:lnTo>
+                  <a:lnTo>
+                    <a:pt x="0" y="8467"/>
+                  </a:lnTo>
+                  <a:close/>
+                </a:path>
+              </a:pathLst>
+            </a:custGeom>
+            <a:solidFill>
+              <a:schemeClr val="accent1">
+                <a:alpha val="70000"/>
+              </a:schemeClr>
+            </a:solidFill>
+            <a:ln>
+              <a:noFill/>
+            </a:ln>
+            <a:effectLst/>
+          </p:spPr>
+          <p:style>
+            <a:lnRef idx="1">
+              <a:schemeClr val="accent1"/>
+            </a:lnRef>
+            <a:fillRef idx="3">
+              <a:schemeClr val="accent1"/>
+            </a:fillRef>
+            <a:effectRef idx="2">
+              <a:schemeClr val="accent1"/>
+            </a:effectRef>
+            <a:fontRef idx="minor">
+              <a:schemeClr val="lt1"/>
+            </a:fontRef>
+          </p:style>
+        </p:sp>
         <p:cxnSp>
           <p:nvCxnSpPr>
-            <p:cNvPr id="32" name="Straight Connector 31"/>
+            <p:cNvPr id="19" name="Straight Connector 18"/>
             <p:cNvCxnSpPr/>
             <p:nvPr/>
           </p:nvCxnSpPr>
@@ -800,8 +774,8 @@
             </a:prstGeom>
             <a:ln w="9525">
               <a:solidFill>
-                <a:schemeClr val="bg1">
-                  <a:lumMod val="75000"/>
+                <a:schemeClr val="accent1">
+                  <a:alpha val="70000"/>
                 </a:schemeClr>
               </a:solidFill>
             </a:ln>
@@ -823,7 +797,7 @@
         </p:cxnSp>
         <p:cxnSp>
           <p:nvCxnSpPr>
-            <p:cNvPr id="21" name="Straight Connector 20"/>
+            <p:cNvPr id="20" name="Straight Connector 19"/>
             <p:cNvCxnSpPr/>
             <p:nvPr/>
           </p:nvCxnSpPr>
@@ -837,8 +811,8 @@
             </a:prstGeom>
             <a:ln w="9525">
               <a:solidFill>
-                <a:schemeClr val="bg1">
-                  <a:lumMod val="85000"/>
+                <a:schemeClr val="accent1">
+                  <a:alpha val="70000"/>
                 </a:schemeClr>
               </a:solidFill>
             </a:ln>
@@ -860,7 +834,7 @@
         </p:cxnSp>
         <p:sp>
           <p:nvSpPr>
-            <p:cNvPr id="24" name="Rectangle 23"/>
+            <p:cNvPr id="21" name="Rectangle 23"/>
             <p:cNvSpPr/>
             <p:nvPr/>
           </p:nvSpPr>
@@ -898,7 +872,7 @@
             </a:custGeom>
             <a:solidFill>
               <a:schemeClr val="accent1">
-                <a:alpha val="30000"/>
+                <a:alpha val="36000"/>
               </a:schemeClr>
             </a:solidFill>
             <a:ln>
@@ -923,7 +897,7 @@
         </p:sp>
         <p:sp>
           <p:nvSpPr>
-            <p:cNvPr id="26" name="Rectangle 25"/>
+            <p:cNvPr id="22" name="Rectangle 25"/>
             <p:cNvSpPr/>
             <p:nvPr/>
           </p:nvSpPr>
@@ -986,7 +960,7 @@
         </p:sp>
         <p:sp>
           <p:nvSpPr>
-            <p:cNvPr id="27" name="Isosceles Triangle 26"/>
+            <p:cNvPr id="23" name="Isosceles Triangle 22"/>
             <p:cNvSpPr/>
             <p:nvPr/>
           </p:nvSpPr>
@@ -1001,8 +975,9 @@
               </a:avLst>
             </a:prstGeom>
             <a:solidFill>
-              <a:schemeClr val="accent2">
-                <a:alpha val="72000"/>
+              <a:schemeClr val="accent1">
+                <a:lumMod val="75000"/>
+                <a:alpha val="66000"/>
               </a:schemeClr>
             </a:solidFill>
             <a:ln>
@@ -1027,7 +1002,7 @@
         </p:sp>
         <p:sp>
           <p:nvSpPr>
-            <p:cNvPr id="28" name="Rectangle 27"/>
+            <p:cNvPr id="24" name="Rectangle 27"/>
             <p:cNvSpPr/>
             <p:nvPr/>
           </p:nvSpPr>
@@ -1064,9 +1039,9 @@
               </a:pathLst>
             </a:custGeom>
             <a:solidFill>
-              <a:schemeClr val="accent2">
+              <a:schemeClr val="accent1">
                 <a:lumMod val="75000"/>
-                <a:alpha val="70000"/>
+                <a:alpha val="50000"/>
               </a:schemeClr>
             </a:solidFill>
             <a:ln>
@@ -1091,7 +1066,7 @@
         </p:sp>
         <p:sp>
           <p:nvSpPr>
-            <p:cNvPr id="29" name="Rectangle 28"/>
+            <p:cNvPr id="25" name="Rectangle 28"/>
             <p:cNvSpPr/>
             <p:nvPr/>
           </p:nvSpPr>
@@ -1128,9 +1103,7 @@
               </a:pathLst>
             </a:custGeom>
             <a:solidFill>
-              <a:schemeClr val="accent1">
-                <a:lumMod val="60000"/>
-                <a:lumOff val="40000"/>
+              <a:schemeClr val="accent2">
                 <a:alpha val="70000"/>
               </a:schemeClr>
             </a:solidFill>
@@ -1156,7 +1129,7 @@
         </p:sp>
         <p:sp>
           <p:nvSpPr>
-            <p:cNvPr id="30" name="Rectangle 29"/>
+            <p:cNvPr id="26" name="Rectangle 29"/>
             <p:cNvSpPr/>
             <p:nvPr/>
           </p:nvSpPr>
@@ -1193,48 +1166,8 @@
               </a:pathLst>
             </a:custGeom>
             <a:solidFill>
-              <a:schemeClr val="accent1">
-                <a:alpha val="65000"/>
-              </a:schemeClr>
-            </a:solidFill>
-            <a:ln>
-              <a:noFill/>
-            </a:ln>
-            <a:effectLst/>
-          </p:spPr>
-          <p:style>
-            <a:lnRef idx="1">
-              <a:schemeClr val="accent1"/>
-            </a:lnRef>
-            <a:fillRef idx="3">
-              <a:schemeClr val="accent1"/>
-            </a:fillRef>
-            <a:effectRef idx="2">
-              <a:schemeClr val="accent1"/>
-            </a:effectRef>
-            <a:fontRef idx="minor">
-              <a:schemeClr val="lt1"/>
-            </a:fontRef>
-          </p:style>
-        </p:sp>
-        <p:sp>
-          <p:nvSpPr>
-            <p:cNvPr id="31" name="Isosceles Triangle 30"/>
-            <p:cNvSpPr/>
-            <p:nvPr/>
-          </p:nvSpPr>
-          <p:spPr>
-            <a:xfrm>
-              <a:off x="10371666" y="3589867"/>
-              <a:ext cx="1817159" cy="3268133"/>
-            </a:xfrm>
-            <a:prstGeom prst="triangle">
-              <a:avLst>
-                <a:gd name="adj" fmla="val 100000"/>
-              </a:avLst>
-            </a:prstGeom>
-            <a:solidFill>
-              <a:schemeClr val="accent1">
+              <a:schemeClr val="accent2">
+                <a:lumMod val="75000"/>
                 <a:alpha val="80000"/>
               </a:schemeClr>
             </a:solidFill>
@@ -1260,14 +1193,14 @@
         </p:sp>
         <p:sp>
           <p:nvSpPr>
-            <p:cNvPr id="19" name="Isosceles Triangle 18"/>
+            <p:cNvPr id="27" name="Isosceles Triangle 26"/>
             <p:cNvSpPr/>
             <p:nvPr/>
           </p:nvSpPr>
           <p:spPr>
-            <a:xfrm rot="10800000">
-              <a:off x="0" y="0"/>
-              <a:ext cx="842596" cy="5666154"/>
+            <a:xfrm>
+              <a:off x="10371666" y="3589867"/>
+              <a:ext cx="1817159" cy="3268133"/>
             </a:xfrm>
             <a:prstGeom prst="triangle">
               <a:avLst>
@@ -1276,7 +1209,8 @@
             </a:prstGeom>
             <a:solidFill>
               <a:schemeClr val="accent1">
-                <a:alpha val="85000"/>
+                <a:lumMod val="75000"/>
+                <a:alpha val="66000"/>
               </a:schemeClr>
             </a:solidFill>
             <a:ln>
@@ -1331,8 +1265,8 @@
           </a:lstStyle>
           <a:p>
             <a:r>
-              <a:rPr lang="pt-PT"/>
-              <a:t>Clique para editar o estilo de título do Modelo Global</a:t>
+              <a:rPr lang="en-US" smtClean="0"/>
+              <a:t>Click to edit Master title style</a:t>
             </a:r>
             <a:endParaRPr lang="en-US" dirty="0"/>
           </a:p>
@@ -1451,8 +1385,8 @@
           </a:lstStyle>
           <a:p>
             <a:r>
-              <a:rPr lang="pt-PT"/>
-              <a:t>Clique para editar o estilo de subtítulo do Modelo Global</a:t>
+              <a:rPr lang="en-US" smtClean="0"/>
+              <a:t>Click to edit Master subtitle style</a:t>
             </a:r>
             <a:endParaRPr lang="en-US" dirty="0"/>
           </a:p>
@@ -1474,9 +1408,9 @@
           <a:lstStyle/>
           <a:p>
             <a:fld id="{B61BEF0D-F0BB-DE4B-95CE-6DB70DBA9567}" type="datetimeFigureOut">
-              <a:rPr lang="en-US" dirty="0"/>
+              <a:rPr lang="en-US" smtClean="0"/>
               <a:pPr/>
-              <a:t>6/8/2018</a:t>
+              <a:t>6/10/2018</a:t>
             </a:fld>
             <a:endParaRPr lang="en-US" dirty="0"/>
           </a:p>
@@ -1517,7 +1451,7 @@
           <a:lstStyle/>
           <a:p>
             <a:fld id="{D57F1E4F-1CFF-5643-939E-217C01CDF565}" type="slidenum">
-              <a:rPr lang="en-US" dirty="0"/>
+              <a:rPr lang="en-US" smtClean="0"/>
               <a:pPr/>
               <a:t>‹#›</a:t>
             </a:fld>
@@ -1526,6 +1460,11 @@
         </p:txBody>
       </p:sp>
     </p:spTree>
+    <p:extLst>
+      <p:ext uri="{BB962C8B-B14F-4D97-AF65-F5344CB8AC3E}">
+        <p14:creationId xmlns:p14="http://schemas.microsoft.com/office/powerpoint/2010/main" val="3479774911"/>
+      </p:ext>
+    </p:extLst>
   </p:cSld>
   <p:clrMapOvr>
     <a:masterClrMapping/>
@@ -1535,7 +1474,7 @@
 
 <file path=ppt/slideLayouts/slideLayout10.xml><?xml version="1.0" encoding="utf-8"?>
 <p:sldLayout xmlns:a="http://schemas.openxmlformats.org/drawingml/2006/main" xmlns:r="http://schemas.openxmlformats.org/officeDocument/2006/relationships" xmlns:p="http://schemas.openxmlformats.org/presentationml/2006/main" preserve="1">
-  <p:cSld name="Título e Legenda">
+  <p:cSld name="Title and Caption">
     <p:spTree>
       <p:nvGrpSpPr>
         <p:cNvPr id="1" name=""/>
@@ -1577,8 +1516,8 @@
           </a:lstStyle>
           <a:p>
             <a:r>
-              <a:rPr lang="pt-PT"/>
-              <a:t>Clique para editar o estilo de título do Modelo Global</a:t>
+              <a:rPr lang="en-US" smtClean="0"/>
+              <a:t>Click to edit Master title style</a:t>
             </a:r>
             <a:endParaRPr lang="en-US" dirty="0"/>
           </a:p>
@@ -1700,8 +1639,8 @@
           <a:p>
             <a:pPr lvl="0"/>
             <a:r>
-              <a:rPr lang="pt-PT"/>
-              <a:t>Editar os estilos de texto do Modelo Global</a:t>
+              <a:rPr lang="en-US" smtClean="0"/>
+              <a:t>Edit Master text styles</a:t>
             </a:r>
           </a:p>
         </p:txBody>
@@ -1722,9 +1661,9 @@
           <a:lstStyle/>
           <a:p>
             <a:fld id="{B61BEF0D-F0BB-DE4B-95CE-6DB70DBA9567}" type="datetimeFigureOut">
-              <a:rPr lang="en-US" dirty="0"/>
+              <a:rPr lang="en-US" smtClean="0"/>
               <a:pPr/>
-              <a:t>6/8/2018</a:t>
+              <a:t>6/10/2018</a:t>
             </a:fld>
             <a:endParaRPr lang="en-US" dirty="0"/>
           </a:p>
@@ -1765,7 +1704,7 @@
           <a:lstStyle/>
           <a:p>
             <a:fld id="{D57F1E4F-1CFF-5643-939E-217C01CDF565}" type="slidenum">
-              <a:rPr lang="en-US" dirty="0"/>
+              <a:rPr lang="en-US" smtClean="0"/>
               <a:pPr/>
               <a:t>‹#›</a:t>
             </a:fld>
@@ -1774,6 +1713,11 @@
         </p:txBody>
       </p:sp>
     </p:spTree>
+    <p:extLst>
+      <p:ext uri="{BB962C8B-B14F-4D97-AF65-F5344CB8AC3E}">
+        <p14:creationId xmlns:p14="http://schemas.microsoft.com/office/powerpoint/2010/main" val="1396326908"/>
+      </p:ext>
+    </p:extLst>
   </p:cSld>
   <p:clrMapOvr>
     <a:masterClrMapping/>
@@ -1783,7 +1727,7 @@
 
 <file path=ppt/slideLayouts/slideLayout11.xml><?xml version="1.0" encoding="utf-8"?>
 <p:sldLayout xmlns:a="http://schemas.openxmlformats.org/drawingml/2006/main" xmlns:r="http://schemas.openxmlformats.org/officeDocument/2006/relationships" xmlns:p="http://schemas.openxmlformats.org/presentationml/2006/main" preserve="1">
-  <p:cSld name="Citação com Legenda">
+  <p:cSld name="Quote with Caption">
     <p:spTree>
       <p:nvGrpSpPr>
         <p:cNvPr id="1" name=""/>
@@ -1825,8 +1769,8 @@
           </a:lstStyle>
           <a:p>
             <a:r>
-              <a:rPr lang="pt-PT"/>
-              <a:t>Clique para editar o estilo de título do Modelo Global</a:t>
+              <a:rPr lang="en-US" smtClean="0"/>
+              <a:t>Click to edit Master title style</a:t>
             </a:r>
             <a:endParaRPr lang="en-US" dirty="0"/>
           </a:p>
@@ -1889,8 +1833,8 @@
           <a:p>
             <a:pPr lvl="0"/>
             <a:r>
-              <a:rPr lang="pt-PT"/>
-              <a:t>Editar os estilos de texto do Modelo Global</a:t>
+              <a:rPr lang="en-US" smtClean="0"/>
+              <a:t>Edit Master text styles</a:t>
             </a:r>
           </a:p>
         </p:txBody>
@@ -2011,8 +1955,8 @@
           <a:p>
             <a:pPr lvl="0"/>
             <a:r>
-              <a:rPr lang="pt-PT"/>
-              <a:t>Editar os estilos de texto do Modelo Global</a:t>
+              <a:rPr lang="en-US" smtClean="0"/>
+              <a:t>Edit Master text styles</a:t>
             </a:r>
           </a:p>
         </p:txBody>
@@ -2033,9 +1977,9 @@
           <a:lstStyle/>
           <a:p>
             <a:fld id="{B61BEF0D-F0BB-DE4B-95CE-6DB70DBA9567}" type="datetimeFigureOut">
-              <a:rPr lang="en-US" dirty="0"/>
+              <a:rPr lang="en-US" smtClean="0"/>
               <a:pPr/>
-              <a:t>6/8/2018</a:t>
+              <a:t>6/10/2018</a:t>
             </a:fld>
             <a:endParaRPr lang="en-US" dirty="0"/>
           </a:p>
@@ -2076,7 +2020,7 @@
           <a:lstStyle/>
           <a:p>
             <a:fld id="{D57F1E4F-1CFF-5643-939E-217C01CDF565}" type="slidenum">
-              <a:rPr lang="en-US" dirty="0"/>
+              <a:rPr lang="en-US" smtClean="0"/>
               <a:pPr/>
               <a:t>‹#›</a:t>
             </a:fld>
@@ -2086,7 +2030,7 @@
       </p:sp>
       <p:sp>
         <p:nvSpPr>
-          <p:cNvPr id="20" name="TextBox 19"/>
+          <p:cNvPr id="24" name="TextBox 23"/>
           <p:cNvSpPr txBox="1"/>
           <p:nvPr/>
         </p:nvSpPr>
@@ -2127,7 +2071,7 @@
       </p:sp>
       <p:sp>
         <p:nvSpPr>
-          <p:cNvPr id="22" name="TextBox 21"/>
+          <p:cNvPr id="25" name="TextBox 24"/>
           <p:cNvSpPr txBox="1"/>
           <p:nvPr/>
         </p:nvSpPr>
@@ -2158,23 +2102,20 @@
                     <a:lumOff val="40000"/>
                   </a:schemeClr>
                 </a:solidFill>
+                <a:effectLst/>
                 <a:latin typeface="Arial"/>
               </a:rPr>
               <a:t>”</a:t>
             </a:r>
-            <a:endParaRPr lang="en-US" dirty="0">
-              <a:solidFill>
-                <a:schemeClr val="accent1">
-                  <a:lumMod val="60000"/>
-                  <a:lumOff val="40000"/>
-                </a:schemeClr>
-              </a:solidFill>
-              <a:latin typeface="Arial"/>
-            </a:endParaRPr>
           </a:p>
         </p:txBody>
       </p:sp>
     </p:spTree>
+    <p:extLst>
+      <p:ext uri="{BB962C8B-B14F-4D97-AF65-F5344CB8AC3E}">
+        <p14:creationId xmlns:p14="http://schemas.microsoft.com/office/powerpoint/2010/main" val="1527411192"/>
+      </p:ext>
+    </p:extLst>
   </p:cSld>
   <p:clrMapOvr>
     <a:masterClrMapping/>
@@ -2184,7 +2125,7 @@
 
 <file path=ppt/slideLayouts/slideLayout12.xml><?xml version="1.0" encoding="utf-8"?>
 <p:sldLayout xmlns:a="http://schemas.openxmlformats.org/drawingml/2006/main" xmlns:r="http://schemas.openxmlformats.org/officeDocument/2006/relationships" xmlns:p="http://schemas.openxmlformats.org/presentationml/2006/main" preserve="1">
-  <p:cSld name="Cartão de Nome">
+  <p:cSld name="Name Card">
     <p:spTree>
       <p:nvGrpSpPr>
         <p:cNvPr id="1" name=""/>
@@ -2226,8 +2167,8 @@
           </a:lstStyle>
           <a:p>
             <a:r>
-              <a:rPr lang="pt-PT"/>
-              <a:t>Clique para editar o estilo de título do Modelo Global</a:t>
+              <a:rPr lang="en-US" smtClean="0"/>
+              <a:t>Click to edit Master title style</a:t>
             </a:r>
             <a:endParaRPr lang="en-US" dirty="0"/>
           </a:p>
@@ -2349,8 +2290,8 @@
           <a:p>
             <a:pPr lvl="0"/>
             <a:r>
-              <a:rPr lang="pt-PT"/>
-              <a:t>Editar os estilos de texto do Modelo Global</a:t>
+              <a:rPr lang="en-US" smtClean="0"/>
+              <a:t>Edit Master text styles</a:t>
             </a:r>
           </a:p>
         </p:txBody>
@@ -2371,9 +2312,9 @@
           <a:lstStyle/>
           <a:p>
             <a:fld id="{B61BEF0D-F0BB-DE4B-95CE-6DB70DBA9567}" type="datetimeFigureOut">
-              <a:rPr lang="en-US" dirty="0"/>
+              <a:rPr lang="en-US" smtClean="0"/>
               <a:pPr/>
-              <a:t>6/8/2018</a:t>
+              <a:t>6/10/2018</a:t>
             </a:fld>
             <a:endParaRPr lang="en-US" dirty="0"/>
           </a:p>
@@ -2414,7 +2355,7 @@
           <a:lstStyle/>
           <a:p>
             <a:fld id="{D57F1E4F-1CFF-5643-939E-217C01CDF565}" type="slidenum">
-              <a:rPr lang="en-US" dirty="0"/>
+              <a:rPr lang="en-US" smtClean="0"/>
               <a:pPr/>
               <a:t>‹#›</a:t>
             </a:fld>
@@ -2423,6 +2364,11 @@
         </p:txBody>
       </p:sp>
     </p:spTree>
+    <p:extLst>
+      <p:ext uri="{BB962C8B-B14F-4D97-AF65-F5344CB8AC3E}">
+        <p14:creationId xmlns:p14="http://schemas.microsoft.com/office/powerpoint/2010/main" val="1642928452"/>
+      </p:ext>
+    </p:extLst>
   </p:cSld>
   <p:clrMapOvr>
     <a:masterClrMapping/>
@@ -2432,7 +2378,7 @@
 
 <file path=ppt/slideLayouts/slideLayout13.xml><?xml version="1.0" encoding="utf-8"?>
 <p:sldLayout xmlns:a="http://schemas.openxmlformats.org/drawingml/2006/main" xmlns:r="http://schemas.openxmlformats.org/officeDocument/2006/relationships" xmlns:p="http://schemas.openxmlformats.org/presentationml/2006/main" preserve="1">
-  <p:cSld name="Cartão de Nome com Citação">
+  <p:cSld name="Quote Name Card">
     <p:spTree>
       <p:nvGrpSpPr>
         <p:cNvPr id="1" name=""/>
@@ -2474,8 +2420,8 @@
           </a:lstStyle>
           <a:p>
             <a:r>
-              <a:rPr lang="pt-PT"/>
-              <a:t>Clique para editar o estilo de título do Modelo Global</a:t>
+              <a:rPr lang="en-US" smtClean="0"/>
+              <a:t>Click to edit Master title style</a:t>
             </a:r>
             <a:endParaRPr lang="en-US" dirty="0"/>
           </a:p>
@@ -2538,8 +2484,8 @@
           <a:p>
             <a:pPr lvl="0"/>
             <a:r>
-              <a:rPr lang="pt-PT"/>
-              <a:t>Editar os estilos de texto do Modelo Global</a:t>
+              <a:rPr lang="en-US" smtClean="0"/>
+              <a:t>Edit Master text styles</a:t>
             </a:r>
           </a:p>
         </p:txBody>
@@ -2660,8 +2606,8 @@
           <a:p>
             <a:pPr lvl="0"/>
             <a:r>
-              <a:rPr lang="pt-PT"/>
-              <a:t>Editar os estilos de texto do Modelo Global</a:t>
+              <a:rPr lang="en-US" smtClean="0"/>
+              <a:t>Edit Master text styles</a:t>
             </a:r>
           </a:p>
         </p:txBody>
@@ -2682,9 +2628,9 @@
           <a:lstStyle/>
           <a:p>
             <a:fld id="{B61BEF0D-F0BB-DE4B-95CE-6DB70DBA9567}" type="datetimeFigureOut">
-              <a:rPr lang="en-US" dirty="0"/>
+              <a:rPr lang="en-US" smtClean="0"/>
               <a:pPr/>
-              <a:t>6/8/2018</a:t>
+              <a:t>6/10/2018</a:t>
             </a:fld>
             <a:endParaRPr lang="en-US" dirty="0"/>
           </a:p>
@@ -2725,7 +2671,7 @@
           <a:lstStyle/>
           <a:p>
             <a:fld id="{D57F1E4F-1CFF-5643-939E-217C01CDF565}" type="slidenum">
-              <a:rPr lang="en-US" dirty="0"/>
+              <a:rPr lang="en-US" smtClean="0"/>
               <a:pPr/>
               <a:t>‹#›</a:t>
             </a:fld>
@@ -2816,6 +2762,11 @@
         </p:txBody>
       </p:sp>
     </p:spTree>
+    <p:extLst>
+      <p:ext uri="{BB962C8B-B14F-4D97-AF65-F5344CB8AC3E}">
+        <p14:creationId xmlns:p14="http://schemas.microsoft.com/office/powerpoint/2010/main" val="4156820338"/>
+      </p:ext>
+    </p:extLst>
   </p:cSld>
   <p:clrMapOvr>
     <a:masterClrMapping/>
@@ -2825,7 +2776,7 @@
 
 <file path=ppt/slideLayouts/slideLayout14.xml><?xml version="1.0" encoding="utf-8"?>
 <p:sldLayout xmlns:a="http://schemas.openxmlformats.org/drawingml/2006/main" xmlns:r="http://schemas.openxmlformats.org/officeDocument/2006/relationships" xmlns:p="http://schemas.openxmlformats.org/presentationml/2006/main" preserve="1">
-  <p:cSld name="Verdadeiro ou Falso">
+  <p:cSld name="True or False">
     <p:spTree>
       <p:nvGrpSpPr>
         <p:cNvPr id="1" name=""/>
@@ -2867,8 +2818,8 @@
           </a:lstStyle>
           <a:p>
             <a:r>
-              <a:rPr lang="pt-PT"/>
-              <a:t>Clique para editar o estilo de título do Modelo Global</a:t>
+              <a:rPr lang="en-US" smtClean="0"/>
+              <a:t>Click to edit Master title style</a:t>
             </a:r>
             <a:endParaRPr lang="en-US" dirty="0"/>
           </a:p>
@@ -2928,8 +2879,8 @@
           <a:p>
             <a:pPr lvl="0"/>
             <a:r>
-              <a:rPr lang="pt-PT"/>
-              <a:t>Editar os estilos de texto do Modelo Global</a:t>
+              <a:rPr lang="en-US" smtClean="0"/>
+              <a:t>Edit Master text styles</a:t>
             </a:r>
           </a:p>
         </p:txBody>
@@ -3050,8 +3001,8 @@
           <a:p>
             <a:pPr lvl="0"/>
             <a:r>
-              <a:rPr lang="pt-PT"/>
-              <a:t>Editar os estilos de texto do Modelo Global</a:t>
+              <a:rPr lang="en-US" smtClean="0"/>
+              <a:t>Edit Master text styles</a:t>
             </a:r>
           </a:p>
         </p:txBody>
@@ -3072,9 +3023,9 @@
           <a:lstStyle/>
           <a:p>
             <a:fld id="{B61BEF0D-F0BB-DE4B-95CE-6DB70DBA9567}" type="datetimeFigureOut">
-              <a:rPr lang="en-US" dirty="0"/>
+              <a:rPr lang="en-US" smtClean="0"/>
               <a:pPr/>
-              <a:t>6/8/2018</a:t>
+              <a:t>6/10/2018</a:t>
             </a:fld>
             <a:endParaRPr lang="en-US" dirty="0"/>
           </a:p>
@@ -3115,7 +3066,7 @@
           <a:lstStyle/>
           <a:p>
             <a:fld id="{D57F1E4F-1CFF-5643-939E-217C01CDF565}" type="slidenum">
-              <a:rPr lang="en-US" dirty="0"/>
+              <a:rPr lang="en-US" smtClean="0"/>
               <a:pPr/>
               <a:t>‹#›</a:t>
             </a:fld>
@@ -3124,6 +3075,11 @@
         </p:txBody>
       </p:sp>
     </p:spTree>
+    <p:extLst>
+      <p:ext uri="{BB962C8B-B14F-4D97-AF65-F5344CB8AC3E}">
+        <p14:creationId xmlns:p14="http://schemas.microsoft.com/office/powerpoint/2010/main" val="1228278605"/>
+      </p:ext>
+    </p:extLst>
   </p:cSld>
   <p:clrMapOvr>
     <a:masterClrMapping/>
@@ -3133,7 +3089,7 @@
 
 <file path=ppt/slideLayouts/slideLayout15.xml><?xml version="1.0" encoding="utf-8"?>
 <p:sldLayout xmlns:a="http://schemas.openxmlformats.org/drawingml/2006/main" xmlns:r="http://schemas.openxmlformats.org/officeDocument/2006/relationships" xmlns:p="http://schemas.openxmlformats.org/presentationml/2006/main" type="vertTx" preserve="1">
-  <p:cSld name="Título e Texto Vertical">
+  <p:cSld name="Title and Vertical Text">
     <p:spTree>
       <p:nvGrpSpPr>
         <p:cNvPr id="1" name=""/>
@@ -3164,8 +3120,8 @@
           <a:lstStyle/>
           <a:p>
             <a:r>
-              <a:rPr lang="pt-PT"/>
-              <a:t>Clique para editar o estilo de título do Modelo Global</a:t>
+              <a:rPr lang="en-US" smtClean="0"/>
+              <a:t>Click to edit Master title style</a:t>
             </a:r>
             <a:endParaRPr lang="en-US" dirty="0"/>
           </a:p>
@@ -3188,36 +3144,36 @@
           <a:p>
             <a:pPr lvl="0"/>
             <a:r>
-              <a:rPr lang="pt-PT"/>
-              <a:t>Editar os estilos de texto do Modelo Global</a:t>
+              <a:rPr lang="en-US" smtClean="0"/>
+              <a:t>Edit Master text styles</a:t>
             </a:r>
           </a:p>
           <a:p>
             <a:pPr lvl="1"/>
             <a:r>
-              <a:rPr lang="pt-PT"/>
-              <a:t>Segundo nível</a:t>
+              <a:rPr lang="en-US" smtClean="0"/>
+              <a:t>Second level</a:t>
             </a:r>
           </a:p>
           <a:p>
             <a:pPr lvl="2"/>
             <a:r>
-              <a:rPr lang="pt-PT"/>
-              <a:t>Terceiro nível</a:t>
+              <a:rPr lang="en-US" smtClean="0"/>
+              <a:t>Third level</a:t>
             </a:r>
           </a:p>
           <a:p>
             <a:pPr lvl="3"/>
             <a:r>
-              <a:rPr lang="pt-PT"/>
-              <a:t>Quarto nível</a:t>
+              <a:rPr lang="en-US" smtClean="0"/>
+              <a:t>Fourth level</a:t>
             </a:r>
           </a:p>
           <a:p>
             <a:pPr lvl="4"/>
             <a:r>
-              <a:rPr lang="pt-PT"/>
-              <a:t>Quinto nível</a:t>
+              <a:rPr lang="en-US" smtClean="0"/>
+              <a:t>Fifth level</a:t>
             </a:r>
             <a:endParaRPr lang="en-US" dirty="0"/>
           </a:p>
@@ -3238,9 +3194,10 @@
           <a:bodyPr/>
           <a:lstStyle/>
           <a:p>
-            <a:fld id="{55C6B4A9-1611-4792-9094-5F34BCA07E0B}" type="datetimeFigureOut">
-              <a:rPr lang="en-US" dirty="0"/>
-              <a:t>6/8/2018</a:t>
+            <a:fld id="{B61BEF0D-F0BB-DE4B-95CE-6DB70DBA9567}" type="datetimeFigureOut">
+              <a:rPr lang="en-US" smtClean="0"/>
+              <a:pPr/>
+              <a:t>6/10/2018</a:t>
             </a:fld>
             <a:endParaRPr lang="en-US" dirty="0"/>
           </a:p>
@@ -3280,8 +3237,9 @@
           <a:bodyPr/>
           <a:lstStyle/>
           <a:p>
-            <a:fld id="{89333C77-0158-454C-844F-B7AB9BD7DAD4}" type="slidenum">
-              <a:rPr lang="en-US" dirty="0"/>
+            <a:fld id="{D57F1E4F-1CFF-5643-939E-217C01CDF565}" type="slidenum">
+              <a:rPr lang="en-US" smtClean="0"/>
+              <a:pPr/>
               <a:t>‹#›</a:t>
             </a:fld>
             <a:endParaRPr lang="en-US" dirty="0"/>
@@ -3289,6 +3247,11 @@
         </p:txBody>
       </p:sp>
     </p:spTree>
+    <p:extLst>
+      <p:ext uri="{BB962C8B-B14F-4D97-AF65-F5344CB8AC3E}">
+        <p14:creationId xmlns:p14="http://schemas.microsoft.com/office/powerpoint/2010/main" val="2454518581"/>
+      </p:ext>
+    </p:extLst>
   </p:cSld>
   <p:clrMapOvr>
     <a:masterClrMapping/>
@@ -3298,7 +3261,7 @@
 
 <file path=ppt/slideLayouts/slideLayout16.xml><?xml version="1.0" encoding="utf-8"?>
 <p:sldLayout xmlns:a="http://schemas.openxmlformats.org/drawingml/2006/main" xmlns:r="http://schemas.openxmlformats.org/officeDocument/2006/relationships" xmlns:p="http://schemas.openxmlformats.org/presentationml/2006/main" type="vertTitleAndTx" preserve="1">
-  <p:cSld name="Título Vertical e Texto">
+  <p:cSld name="Vertical Title and Text">
     <p:spTree>
       <p:nvGrpSpPr>
         <p:cNvPr id="1" name=""/>
@@ -3334,8 +3297,8 @@
           <a:lstStyle/>
           <a:p>
             <a:r>
-              <a:rPr lang="pt-PT"/>
-              <a:t>Clique para editar o estilo de título do Modelo Global</a:t>
+              <a:rPr lang="en-US" smtClean="0"/>
+              <a:t>Click to edit Master title style</a:t>
             </a:r>
             <a:endParaRPr lang="en-US" dirty="0"/>
           </a:p>
@@ -3363,36 +3326,36 @@
           <a:p>
             <a:pPr lvl="0"/>
             <a:r>
-              <a:rPr lang="pt-PT"/>
-              <a:t>Editar os estilos de texto do Modelo Global</a:t>
+              <a:rPr lang="en-US" smtClean="0"/>
+              <a:t>Edit Master text styles</a:t>
             </a:r>
           </a:p>
           <a:p>
             <a:pPr lvl="1"/>
             <a:r>
-              <a:rPr lang="pt-PT"/>
-              <a:t>Segundo nível</a:t>
+              <a:rPr lang="en-US" smtClean="0"/>
+              <a:t>Second level</a:t>
             </a:r>
           </a:p>
           <a:p>
             <a:pPr lvl="2"/>
             <a:r>
-              <a:rPr lang="pt-PT"/>
-              <a:t>Terceiro nível</a:t>
+              <a:rPr lang="en-US" smtClean="0"/>
+              <a:t>Third level</a:t>
             </a:r>
           </a:p>
           <a:p>
             <a:pPr lvl="3"/>
             <a:r>
-              <a:rPr lang="pt-PT"/>
-              <a:t>Quarto nível</a:t>
+              <a:rPr lang="en-US" smtClean="0"/>
+              <a:t>Fourth level</a:t>
             </a:r>
           </a:p>
           <a:p>
             <a:pPr lvl="4"/>
             <a:r>
-              <a:rPr lang="pt-PT"/>
-              <a:t>Quinto nível</a:t>
+              <a:rPr lang="en-US" smtClean="0"/>
+              <a:t>Fifth level</a:t>
             </a:r>
             <a:endParaRPr lang="en-US" dirty="0"/>
           </a:p>
@@ -3414,9 +3377,9 @@
           <a:lstStyle/>
           <a:p>
             <a:fld id="{B61BEF0D-F0BB-DE4B-95CE-6DB70DBA9567}" type="datetimeFigureOut">
-              <a:rPr lang="en-US" dirty="0"/>
+              <a:rPr lang="en-US" smtClean="0"/>
               <a:pPr/>
-              <a:t>6/8/2018</a:t>
+              <a:t>6/10/2018</a:t>
             </a:fld>
             <a:endParaRPr lang="en-US" dirty="0"/>
           </a:p>
@@ -3457,7 +3420,7 @@
           <a:lstStyle/>
           <a:p>
             <a:fld id="{D57F1E4F-1CFF-5643-939E-217C01CDF565}" type="slidenum">
-              <a:rPr lang="en-US" dirty="0"/>
+              <a:rPr lang="en-US" smtClean="0"/>
               <a:pPr/>
               <a:t>‹#›</a:t>
             </a:fld>
@@ -3466,6 +3429,11 @@
         </p:txBody>
       </p:sp>
     </p:spTree>
+    <p:extLst>
+      <p:ext uri="{BB962C8B-B14F-4D97-AF65-F5344CB8AC3E}">
+        <p14:creationId xmlns:p14="http://schemas.microsoft.com/office/powerpoint/2010/main" val="3481519182"/>
+      </p:ext>
+    </p:extLst>
   </p:cSld>
   <p:clrMapOvr>
     <a:masterClrMapping/>
@@ -3475,7 +3443,7 @@
 
 <file path=ppt/slideLayouts/slideLayout2.xml><?xml version="1.0" encoding="utf-8"?>
 <p:sldLayout xmlns:a="http://schemas.openxmlformats.org/drawingml/2006/main" xmlns:r="http://schemas.openxmlformats.org/officeDocument/2006/relationships" xmlns:p="http://schemas.openxmlformats.org/presentationml/2006/main" type="obj" preserve="1">
-  <p:cSld name="Título e Objeto">
+  <p:cSld name="Title and Content">
     <p:spTree>
       <p:nvGrpSpPr>
         <p:cNvPr id="1" name=""/>
@@ -3502,70 +3470,12 @@
         </p:nvSpPr>
         <p:spPr/>
         <p:txBody>
-          <a:bodyPr>
-            <a:normAutofit/>
-          </a:bodyPr>
-          <a:lstStyle>
-            <a:lvl1pPr>
-              <a:defRPr sz="3600"/>
-            </a:lvl1pPr>
-          </a:lstStyle>
-          <a:p>
-            <a:r>
-              <a:rPr lang="pt-PT"/>
-              <a:t>Clique para editar o estilo de título do Modelo Global</a:t>
-            </a:r>
-            <a:endParaRPr lang="en-US" dirty="0"/>
-          </a:p>
-        </p:txBody>
-      </p:sp>
-      <p:sp>
-        <p:nvSpPr>
-          <p:cNvPr id="3" name="Content Placeholder 2"/>
-          <p:cNvSpPr>
-            <a:spLocks noGrp="1"/>
-          </p:cNvSpPr>
-          <p:nvPr>
-            <p:ph idx="1"/>
-          </p:nvPr>
-        </p:nvSpPr>
-        <p:spPr/>
-        <p:txBody>
           <a:bodyPr/>
           <a:lstStyle/>
           <a:p>
-            <a:pPr lvl="0"/>
-            <a:r>
-              <a:rPr lang="pt-PT"/>
-              <a:t>Editar os estilos de texto do Modelo Global</a:t>
-            </a:r>
-          </a:p>
-          <a:p>
-            <a:pPr lvl="1"/>
-            <a:r>
-              <a:rPr lang="pt-PT"/>
-              <a:t>Segundo nível</a:t>
-            </a:r>
-          </a:p>
-          <a:p>
-            <a:pPr lvl="2"/>
-            <a:r>
-              <a:rPr lang="pt-PT"/>
-              <a:t>Terceiro nível</a:t>
-            </a:r>
-          </a:p>
-          <a:p>
-            <a:pPr lvl="3"/>
-            <a:r>
-              <a:rPr lang="pt-PT"/>
-              <a:t>Quarto nível</a:t>
-            </a:r>
-          </a:p>
-          <a:p>
-            <a:pPr lvl="4"/>
-            <a:r>
-              <a:rPr lang="pt-PT"/>
-              <a:t>Quinto nível</a:t>
+            <a:r>
+              <a:rPr lang="en-US" smtClean="0"/>
+              <a:t>Click to edit Master title style</a:t>
             </a:r>
             <a:endParaRPr lang="en-US" dirty="0"/>
           </a:p>
@@ -3573,12 +3483,12 @@
       </p:sp>
       <p:sp>
         <p:nvSpPr>
-          <p:cNvPr id="4" name="Date Placeholder 3"/>
-          <p:cNvSpPr>
-            <a:spLocks noGrp="1"/>
-          </p:cNvSpPr>
-          <p:nvPr>
-            <p:ph type="dt" sz="half" idx="10"/>
+          <p:cNvPr id="3" name="Content Placeholder 2"/>
+          <p:cNvSpPr>
+            <a:spLocks noGrp="1"/>
+          </p:cNvSpPr>
+          <p:nvPr>
+            <p:ph idx="1"/>
           </p:nvPr>
         </p:nvSpPr>
         <p:spPr/>
@@ -3586,10 +3496,62 @@
           <a:bodyPr/>
           <a:lstStyle/>
           <a:p>
+            <a:pPr lvl="0"/>
+            <a:r>
+              <a:rPr lang="en-US" smtClean="0"/>
+              <a:t>Edit Master text styles</a:t>
+            </a:r>
+          </a:p>
+          <a:p>
+            <a:pPr lvl="1"/>
+            <a:r>
+              <a:rPr lang="en-US" smtClean="0"/>
+              <a:t>Second level</a:t>
+            </a:r>
+          </a:p>
+          <a:p>
+            <a:pPr lvl="2"/>
+            <a:r>
+              <a:rPr lang="en-US" smtClean="0"/>
+              <a:t>Third level</a:t>
+            </a:r>
+          </a:p>
+          <a:p>
+            <a:pPr lvl="3"/>
+            <a:r>
+              <a:rPr lang="en-US" smtClean="0"/>
+              <a:t>Fourth level</a:t>
+            </a:r>
+          </a:p>
+          <a:p>
+            <a:pPr lvl="4"/>
+            <a:r>
+              <a:rPr lang="en-US" smtClean="0"/>
+              <a:t>Fifth level</a:t>
+            </a:r>
+            <a:endParaRPr lang="en-US" dirty="0"/>
+          </a:p>
+        </p:txBody>
+      </p:sp>
+      <p:sp>
+        <p:nvSpPr>
+          <p:cNvPr id="4" name="Date Placeholder 3"/>
+          <p:cNvSpPr>
+            <a:spLocks noGrp="1"/>
+          </p:cNvSpPr>
+          <p:nvPr>
+            <p:ph type="dt" sz="half" idx="10"/>
+          </p:nvPr>
+        </p:nvSpPr>
+        <p:spPr/>
+        <p:txBody>
+          <a:bodyPr/>
+          <a:lstStyle/>
+          <a:p>
             <a:fld id="{B61BEF0D-F0BB-DE4B-95CE-6DB70DBA9567}" type="datetimeFigureOut">
-              <a:rPr lang="en-US" dirty="0"/>
+              <a:rPr lang="en-US" smtClean="0"/>
               <a:pPr/>
-              <a:t>6/8/2018</a:t>
+              <a:t>6/10/2018</a:t>
             </a:fld>
             <a:endParaRPr lang="en-US" dirty="0"/>
           </a:p>
@@ -3630,7 +3592,7 @@
           <a:lstStyle/>
           <a:p>
             <a:fld id="{D57F1E4F-1CFF-5643-939E-217C01CDF565}" type="slidenum">
-              <a:rPr lang="en-US" dirty="0"/>
+              <a:rPr lang="en-US" smtClean="0"/>
               <a:pPr/>
               <a:t>‹#›</a:t>
             </a:fld>
@@ -3639,6 +3601,11 @@
         </p:txBody>
       </p:sp>
     </p:spTree>
+    <p:extLst>
+      <p:ext uri="{BB962C8B-B14F-4D97-AF65-F5344CB8AC3E}">
+        <p14:creationId xmlns:p14="http://schemas.microsoft.com/office/powerpoint/2010/main" val="549853866"/>
+      </p:ext>
+    </p:extLst>
   </p:cSld>
   <p:clrMapOvr>
     <a:masterClrMapping/>
@@ -3648,7 +3615,7 @@
 
 <file path=ppt/slideLayouts/slideLayout3.xml><?xml version="1.0" encoding="utf-8"?>
 <p:sldLayout xmlns:a="http://schemas.openxmlformats.org/drawingml/2006/main" xmlns:r="http://schemas.openxmlformats.org/officeDocument/2006/relationships" xmlns:p="http://schemas.openxmlformats.org/presentationml/2006/main" type="secHead" preserve="1">
-  <p:cSld name="Cabeçalho da Secção">
+  <p:cSld name="Section Header">
     <p:spTree>
       <p:nvGrpSpPr>
         <p:cNvPr id="1" name=""/>
@@ -3688,8 +3655,8 @@
           </a:lstStyle>
           <a:p>
             <a:r>
-              <a:rPr lang="pt-PT"/>
-              <a:t>Clique para editar o estilo de título do Modelo Global</a:t>
+              <a:rPr lang="en-US" smtClean="0"/>
+              <a:t>Click to edit Master title style</a:t>
             </a:r>
             <a:endParaRPr lang="en-US" dirty="0"/>
           </a:p>
@@ -3809,8 +3776,8 @@
           <a:p>
             <a:pPr lvl="0"/>
             <a:r>
-              <a:rPr lang="pt-PT"/>
-              <a:t>Editar os estilos de texto do Modelo Global</a:t>
+              <a:rPr lang="en-US" smtClean="0"/>
+              <a:t>Edit Master text styles</a:t>
             </a:r>
           </a:p>
         </p:txBody>
@@ -3831,9 +3798,9 @@
           <a:lstStyle/>
           <a:p>
             <a:fld id="{B61BEF0D-F0BB-DE4B-95CE-6DB70DBA9567}" type="datetimeFigureOut">
-              <a:rPr lang="en-US" dirty="0"/>
+              <a:rPr lang="en-US" smtClean="0"/>
               <a:pPr/>
-              <a:t>6/8/2018</a:t>
+              <a:t>6/10/2018</a:t>
             </a:fld>
             <a:endParaRPr lang="en-US" dirty="0"/>
           </a:p>
@@ -3874,7 +3841,7 @@
           <a:lstStyle/>
           <a:p>
             <a:fld id="{D57F1E4F-1CFF-5643-939E-217C01CDF565}" type="slidenum">
-              <a:rPr lang="en-US" dirty="0"/>
+              <a:rPr lang="en-US" smtClean="0"/>
               <a:pPr/>
               <a:t>‹#›</a:t>
             </a:fld>
@@ -3883,6 +3850,11 @@
         </p:txBody>
       </p:sp>
     </p:spTree>
+    <p:extLst>
+      <p:ext uri="{BB962C8B-B14F-4D97-AF65-F5344CB8AC3E}">
+        <p14:creationId xmlns:p14="http://schemas.microsoft.com/office/powerpoint/2010/main" val="3575721101"/>
+      </p:ext>
+    </p:extLst>
   </p:cSld>
   <p:clrMapOvr>
     <a:masterClrMapping/>
@@ -3892,7 +3864,7 @@
 
 <file path=ppt/slideLayouts/slideLayout4.xml><?xml version="1.0" encoding="utf-8"?>
 <p:sldLayout xmlns:a="http://schemas.openxmlformats.org/drawingml/2006/main" xmlns:r="http://schemas.openxmlformats.org/officeDocument/2006/relationships" xmlns:p="http://schemas.openxmlformats.org/presentationml/2006/main" type="twoObj" preserve="1">
-  <p:cSld name="Conteúdo Duplo">
+  <p:cSld name="Two Content">
     <p:spTree>
       <p:nvGrpSpPr>
         <p:cNvPr id="1" name=""/>
@@ -3923,8 +3895,8 @@
           <a:lstStyle/>
           <a:p>
             <a:r>
-              <a:rPr lang="pt-PT"/>
-              <a:t>Clique para editar o estilo de título do Modelo Global</a:t>
+              <a:rPr lang="en-US" smtClean="0"/>
+              <a:t>Click to edit Master title style</a:t>
             </a:r>
             <a:endParaRPr lang="en-US" dirty="0"/>
           </a:p>
@@ -3952,36 +3924,36 @@
           <a:p>
             <a:pPr lvl="0"/>
             <a:r>
-              <a:rPr lang="pt-PT"/>
-              <a:t>Editar os estilos de texto do Modelo Global</a:t>
+              <a:rPr lang="en-US" smtClean="0"/>
+              <a:t>Edit Master text styles</a:t>
             </a:r>
           </a:p>
           <a:p>
             <a:pPr lvl="1"/>
             <a:r>
-              <a:rPr lang="pt-PT"/>
-              <a:t>Segundo nível</a:t>
+              <a:rPr lang="en-US" smtClean="0"/>
+              <a:t>Second level</a:t>
             </a:r>
           </a:p>
           <a:p>
             <a:pPr lvl="2"/>
             <a:r>
-              <a:rPr lang="pt-PT"/>
-              <a:t>Terceiro nível</a:t>
+              <a:rPr lang="en-US" smtClean="0"/>
+              <a:t>Third level</a:t>
             </a:r>
           </a:p>
           <a:p>
             <a:pPr lvl="3"/>
             <a:r>
-              <a:rPr lang="pt-PT"/>
-              <a:t>Quarto nível</a:t>
+              <a:rPr lang="en-US" smtClean="0"/>
+              <a:t>Fourth level</a:t>
             </a:r>
           </a:p>
           <a:p>
             <a:pPr lvl="4"/>
             <a:r>
-              <a:rPr lang="pt-PT"/>
-              <a:t>Quinto nível</a:t>
+              <a:rPr lang="en-US" smtClean="0"/>
+              <a:t>Fifth level</a:t>
             </a:r>
             <a:endParaRPr lang="en-US" dirty="0"/>
           </a:p>
@@ -4009,36 +3981,36 @@
           <a:p>
             <a:pPr lvl="0"/>
             <a:r>
-              <a:rPr lang="pt-PT"/>
-              <a:t>Editar os estilos de texto do Modelo Global</a:t>
+              <a:rPr lang="en-US" smtClean="0"/>
+              <a:t>Edit Master text styles</a:t>
             </a:r>
           </a:p>
           <a:p>
             <a:pPr lvl="1"/>
             <a:r>
-              <a:rPr lang="pt-PT"/>
-              <a:t>Segundo nível</a:t>
+              <a:rPr lang="en-US" smtClean="0"/>
+              <a:t>Second level</a:t>
             </a:r>
           </a:p>
           <a:p>
             <a:pPr lvl="2"/>
             <a:r>
-              <a:rPr lang="pt-PT"/>
-              <a:t>Terceiro nível</a:t>
+              <a:rPr lang="en-US" smtClean="0"/>
+              <a:t>Third level</a:t>
             </a:r>
           </a:p>
           <a:p>
             <a:pPr lvl="3"/>
             <a:r>
-              <a:rPr lang="pt-PT"/>
-              <a:t>Quarto nível</a:t>
+              <a:rPr lang="en-US" smtClean="0"/>
+              <a:t>Fourth level</a:t>
             </a:r>
           </a:p>
           <a:p>
             <a:pPr lvl="4"/>
             <a:r>
-              <a:rPr lang="pt-PT"/>
-              <a:t>Quinto nível</a:t>
+              <a:rPr lang="en-US" smtClean="0"/>
+              <a:t>Fifth level</a:t>
             </a:r>
             <a:endParaRPr lang="en-US" dirty="0"/>
           </a:p>
@@ -4059,9 +4031,10 @@
           <a:bodyPr/>
           <a:lstStyle/>
           <a:p>
-            <a:fld id="{EB712588-04B1-427B-82EE-E8DB90309F08}" type="datetimeFigureOut">
-              <a:rPr lang="en-US" dirty="0"/>
-              <a:t>6/8/2018</a:t>
+            <a:fld id="{B61BEF0D-F0BB-DE4B-95CE-6DB70DBA9567}" type="datetimeFigureOut">
+              <a:rPr lang="en-US" smtClean="0"/>
+              <a:pPr/>
+              <a:t>6/10/2018</a:t>
             </a:fld>
             <a:endParaRPr lang="en-US" dirty="0"/>
           </a:p>
@@ -4101,8 +4074,9 @@
           <a:bodyPr/>
           <a:lstStyle/>
           <a:p>
-            <a:fld id="{6FF9F0C5-380F-41C2-899A-BAC0F0927E16}" type="slidenum">
-              <a:rPr lang="en-US" dirty="0"/>
+            <a:fld id="{D57F1E4F-1CFF-5643-939E-217C01CDF565}" type="slidenum">
+              <a:rPr lang="en-US" smtClean="0"/>
+              <a:pPr/>
               <a:t>‹#›</a:t>
             </a:fld>
             <a:endParaRPr lang="en-US" dirty="0"/>
@@ -4110,6 +4084,11 @@
         </p:txBody>
       </p:sp>
     </p:spTree>
+    <p:extLst>
+      <p:ext uri="{BB962C8B-B14F-4D97-AF65-F5344CB8AC3E}">
+        <p14:creationId xmlns:p14="http://schemas.microsoft.com/office/powerpoint/2010/main" val="3649624826"/>
+      </p:ext>
+    </p:extLst>
   </p:cSld>
   <p:clrMapOvr>
     <a:masterClrMapping/>
@@ -4119,7 +4098,7 @@
 
 <file path=ppt/slideLayouts/slideLayout5.xml><?xml version="1.0" encoding="utf-8"?>
 <p:sldLayout xmlns:a="http://schemas.openxmlformats.org/drawingml/2006/main" xmlns:r="http://schemas.openxmlformats.org/officeDocument/2006/relationships" xmlns:p="http://schemas.openxmlformats.org/presentationml/2006/main" type="twoTxTwoObj" preserve="1">
-  <p:cSld name="Comparação">
+  <p:cSld name="Comparison">
     <p:spTree>
       <p:nvGrpSpPr>
         <p:cNvPr id="1" name=""/>
@@ -4154,8 +4133,8 @@
           </a:lstStyle>
           <a:p>
             <a:r>
-              <a:rPr lang="pt-PT"/>
-              <a:t>Clique para editar o estilo de título do Modelo Global</a:t>
+              <a:rPr lang="en-US" smtClean="0"/>
+              <a:t>Click to edit Master title style</a:t>
             </a:r>
             <a:endParaRPr lang="en-US" dirty="0"/>
           </a:p>
@@ -4222,8 +4201,8 @@
           <a:p>
             <a:pPr lvl="0"/>
             <a:r>
-              <a:rPr lang="pt-PT"/>
-              <a:t>Editar os estilos de texto do Modelo Global</a:t>
+              <a:rPr lang="en-US" smtClean="0"/>
+              <a:t>Edit Master text styles</a:t>
             </a:r>
           </a:p>
         </p:txBody>
@@ -4252,36 +4231,36 @@
           <a:p>
             <a:pPr lvl="0"/>
             <a:r>
-              <a:rPr lang="pt-PT"/>
-              <a:t>Editar os estilos de texto do Modelo Global</a:t>
+              <a:rPr lang="en-US" smtClean="0"/>
+              <a:t>Edit Master text styles</a:t>
             </a:r>
           </a:p>
           <a:p>
             <a:pPr lvl="1"/>
             <a:r>
-              <a:rPr lang="pt-PT"/>
-              <a:t>Segundo nível</a:t>
+              <a:rPr lang="en-US" smtClean="0"/>
+              <a:t>Second level</a:t>
             </a:r>
           </a:p>
           <a:p>
             <a:pPr lvl="2"/>
             <a:r>
-              <a:rPr lang="pt-PT"/>
-              <a:t>Terceiro nível</a:t>
+              <a:rPr lang="en-US" smtClean="0"/>
+              <a:t>Third level</a:t>
             </a:r>
           </a:p>
           <a:p>
             <a:pPr lvl="3"/>
             <a:r>
-              <a:rPr lang="pt-PT"/>
-              <a:t>Quarto nível</a:t>
+              <a:rPr lang="en-US" smtClean="0"/>
+              <a:t>Fourth level</a:t>
             </a:r>
           </a:p>
           <a:p>
             <a:pPr lvl="4"/>
             <a:r>
-              <a:rPr lang="pt-PT"/>
-              <a:t>Quinto nível</a:t>
+              <a:rPr lang="en-US" smtClean="0"/>
+              <a:t>Fifth level</a:t>
             </a:r>
             <a:endParaRPr lang="en-US" dirty="0"/>
           </a:p>
@@ -4348,8 +4327,8 @@
           <a:p>
             <a:pPr lvl="0"/>
             <a:r>
-              <a:rPr lang="pt-PT"/>
-              <a:t>Editar os estilos de texto do Modelo Global</a:t>
+              <a:rPr lang="en-US" smtClean="0"/>
+              <a:t>Edit Master text styles</a:t>
             </a:r>
           </a:p>
         </p:txBody>
@@ -4378,36 +4357,36 @@
           <a:p>
             <a:pPr lvl="0"/>
             <a:r>
-              <a:rPr lang="pt-PT"/>
-              <a:t>Editar os estilos de texto do Modelo Global</a:t>
+              <a:rPr lang="en-US" smtClean="0"/>
+              <a:t>Edit Master text styles</a:t>
             </a:r>
           </a:p>
           <a:p>
             <a:pPr lvl="1"/>
             <a:r>
-              <a:rPr lang="pt-PT"/>
-              <a:t>Segundo nível</a:t>
+              <a:rPr lang="en-US" smtClean="0"/>
+              <a:t>Second level</a:t>
             </a:r>
           </a:p>
           <a:p>
             <a:pPr lvl="2"/>
             <a:r>
-              <a:rPr lang="pt-PT"/>
-              <a:t>Terceiro nível</a:t>
+              <a:rPr lang="en-US" smtClean="0"/>
+              <a:t>Third level</a:t>
             </a:r>
           </a:p>
           <a:p>
             <a:pPr lvl="3"/>
             <a:r>
-              <a:rPr lang="pt-PT"/>
-              <a:t>Quarto nível</a:t>
+              <a:rPr lang="en-US" smtClean="0"/>
+              <a:t>Fourth level</a:t>
             </a:r>
           </a:p>
           <a:p>
             <a:pPr lvl="4"/>
             <a:r>
-              <a:rPr lang="pt-PT"/>
-              <a:t>Quinto nível</a:t>
+              <a:rPr lang="en-US" smtClean="0"/>
+              <a:t>Fifth level</a:t>
             </a:r>
             <a:endParaRPr lang="en-US" dirty="0"/>
           </a:p>
@@ -4429,9 +4408,9 @@
           <a:lstStyle/>
           <a:p>
             <a:fld id="{B61BEF0D-F0BB-DE4B-95CE-6DB70DBA9567}" type="datetimeFigureOut">
-              <a:rPr lang="en-US" dirty="0"/>
+              <a:rPr lang="en-US" smtClean="0"/>
               <a:pPr/>
-              <a:t>6/8/2018</a:t>
+              <a:t>6/10/2018</a:t>
             </a:fld>
             <a:endParaRPr lang="en-US" dirty="0"/>
           </a:p>
@@ -4472,7 +4451,7 @@
           <a:lstStyle/>
           <a:p>
             <a:fld id="{D57F1E4F-1CFF-5643-939E-217C01CDF565}" type="slidenum">
-              <a:rPr lang="en-US" dirty="0"/>
+              <a:rPr lang="en-US" smtClean="0"/>
               <a:pPr/>
               <a:t>‹#›</a:t>
             </a:fld>
@@ -4481,6 +4460,11 @@
         </p:txBody>
       </p:sp>
     </p:spTree>
+    <p:extLst>
+      <p:ext uri="{BB962C8B-B14F-4D97-AF65-F5344CB8AC3E}">
+        <p14:creationId xmlns:p14="http://schemas.microsoft.com/office/powerpoint/2010/main" val="761423255"/>
+      </p:ext>
+    </p:extLst>
   </p:cSld>
   <p:clrMapOvr>
     <a:masterClrMapping/>
@@ -4490,7 +4474,7 @@
 
 <file path=ppt/slideLayouts/slideLayout6.xml><?xml version="1.0" encoding="utf-8"?>
 <p:sldLayout xmlns:a="http://schemas.openxmlformats.org/drawingml/2006/main" xmlns:r="http://schemas.openxmlformats.org/officeDocument/2006/relationships" xmlns:p="http://schemas.openxmlformats.org/presentationml/2006/main" type="titleOnly" preserve="1">
-  <p:cSld name="Só Título">
+  <p:cSld name="Title Only">
     <p:spTree>
       <p:nvGrpSpPr>
         <p:cNvPr id="1" name=""/>
@@ -4526,8 +4510,8 @@
           <a:lstStyle/>
           <a:p>
             <a:r>
-              <a:rPr lang="pt-PT"/>
-              <a:t>Clique para editar o estilo de título do Modelo Global</a:t>
+              <a:rPr lang="en-US" smtClean="0"/>
+              <a:t>Click to edit Master title style</a:t>
             </a:r>
             <a:endParaRPr lang="en-US" dirty="0"/>
           </a:p>
@@ -4549,9 +4533,9 @@
           <a:lstStyle/>
           <a:p>
             <a:fld id="{B61BEF0D-F0BB-DE4B-95CE-6DB70DBA9567}" type="datetimeFigureOut">
-              <a:rPr lang="en-US" dirty="0"/>
+              <a:rPr lang="en-US" smtClean="0"/>
               <a:pPr/>
-              <a:t>6/8/2018</a:t>
+              <a:t>6/10/2018</a:t>
             </a:fld>
             <a:endParaRPr lang="en-US" dirty="0"/>
           </a:p>
@@ -4592,7 +4576,7 @@
           <a:lstStyle/>
           <a:p>
             <a:fld id="{D57F1E4F-1CFF-5643-939E-217C01CDF565}" type="slidenum">
-              <a:rPr lang="en-US" dirty="0"/>
+              <a:rPr lang="en-US" smtClean="0"/>
               <a:pPr/>
               <a:t>‹#›</a:t>
             </a:fld>
@@ -4601,6 +4585,11 @@
         </p:txBody>
       </p:sp>
     </p:spTree>
+    <p:extLst>
+      <p:ext uri="{BB962C8B-B14F-4D97-AF65-F5344CB8AC3E}">
+        <p14:creationId xmlns:p14="http://schemas.microsoft.com/office/powerpoint/2010/main" val="1542243698"/>
+      </p:ext>
+    </p:extLst>
   </p:cSld>
   <p:clrMapOvr>
     <a:masterClrMapping/>
@@ -4610,7 +4599,7 @@
 
 <file path=ppt/slideLayouts/slideLayout7.xml><?xml version="1.0" encoding="utf-8"?>
 <p:sldLayout xmlns:a="http://schemas.openxmlformats.org/drawingml/2006/main" xmlns:r="http://schemas.openxmlformats.org/officeDocument/2006/relationships" xmlns:p="http://schemas.openxmlformats.org/presentationml/2006/main" type="blank" preserve="1">
-  <p:cSld name="Em branco">
+  <p:cSld name="Blank">
     <p:spTree>
       <p:nvGrpSpPr>
         <p:cNvPr id="1" name=""/>
@@ -4641,9 +4630,9 @@
           <a:lstStyle/>
           <a:p>
             <a:fld id="{B61BEF0D-F0BB-DE4B-95CE-6DB70DBA9567}" type="datetimeFigureOut">
-              <a:rPr lang="en-US" dirty="0"/>
+              <a:rPr lang="en-US" smtClean="0"/>
               <a:pPr/>
-              <a:t>6/8/2018</a:t>
+              <a:t>6/10/2018</a:t>
             </a:fld>
             <a:endParaRPr lang="en-US" dirty="0"/>
           </a:p>
@@ -4684,7 +4673,7 @@
           <a:lstStyle/>
           <a:p>
             <a:fld id="{D57F1E4F-1CFF-5643-939E-217C01CDF565}" type="slidenum">
-              <a:rPr lang="en-US" dirty="0"/>
+              <a:rPr lang="en-US" smtClean="0"/>
               <a:pPr/>
               <a:t>‹#›</a:t>
             </a:fld>
@@ -4693,6 +4682,11 @@
         </p:txBody>
       </p:sp>
     </p:spTree>
+    <p:extLst>
+      <p:ext uri="{BB962C8B-B14F-4D97-AF65-F5344CB8AC3E}">
+        <p14:creationId xmlns:p14="http://schemas.microsoft.com/office/powerpoint/2010/main" val="1533747054"/>
+      </p:ext>
+    </p:extLst>
   </p:cSld>
   <p:clrMapOvr>
     <a:masterClrMapping/>
@@ -4702,7 +4696,7 @@
 
 <file path=ppt/slideLayouts/slideLayout8.xml><?xml version="1.0" encoding="utf-8"?>
 <p:sldLayout xmlns:a="http://schemas.openxmlformats.org/drawingml/2006/main" xmlns:r="http://schemas.openxmlformats.org/officeDocument/2006/relationships" xmlns:p="http://schemas.openxmlformats.org/presentationml/2006/main" type="objTx" preserve="1">
-  <p:cSld name="Conteúdo com Legenda">
+  <p:cSld name="Content with Caption">
     <p:spTree>
       <p:nvGrpSpPr>
         <p:cNvPr id="1" name=""/>
@@ -4744,8 +4738,8 @@
           </a:lstStyle>
           <a:p>
             <a:r>
-              <a:rPr lang="pt-PT"/>
-              <a:t>Clique para editar o estilo de título do Modelo Global</a:t>
+              <a:rPr lang="en-US" smtClean="0"/>
+              <a:t>Click to edit Master title style</a:t>
             </a:r>
             <a:endParaRPr lang="en-US" dirty="0"/>
           </a:p>
@@ -4775,36 +4769,36 @@
           <a:p>
             <a:pPr lvl="0"/>
             <a:r>
-              <a:rPr lang="pt-PT"/>
-              <a:t>Editar os estilos de texto do Modelo Global</a:t>
+              <a:rPr lang="en-US" smtClean="0"/>
+              <a:t>Edit Master text styles</a:t>
             </a:r>
           </a:p>
           <a:p>
             <a:pPr lvl="1"/>
             <a:r>
-              <a:rPr lang="pt-PT"/>
-              <a:t>Segundo nível</a:t>
+              <a:rPr lang="en-US" smtClean="0"/>
+              <a:t>Second level</a:t>
             </a:r>
           </a:p>
           <a:p>
             <a:pPr lvl="2"/>
             <a:r>
-              <a:rPr lang="pt-PT"/>
-              <a:t>Terceiro nível</a:t>
+              <a:rPr lang="en-US" smtClean="0"/>
+              <a:t>Third level</a:t>
             </a:r>
           </a:p>
           <a:p>
             <a:pPr lvl="3"/>
             <a:r>
-              <a:rPr lang="pt-PT"/>
-              <a:t>Quarto nível</a:t>
+              <a:rPr lang="en-US" smtClean="0"/>
+              <a:t>Fourth level</a:t>
             </a:r>
           </a:p>
           <a:p>
             <a:pPr lvl="4"/>
             <a:r>
-              <a:rPr lang="pt-PT"/>
-              <a:t>Quinto nível</a:t>
+              <a:rPr lang="en-US" smtClean="0"/>
+              <a:t>Fifth level</a:t>
             </a:r>
             <a:endParaRPr lang="en-US" dirty="0"/>
           </a:p>
@@ -4871,8 +4865,8 @@
           <a:p>
             <a:pPr lvl="0"/>
             <a:r>
-              <a:rPr lang="pt-PT"/>
-              <a:t>Editar os estilos de texto do Modelo Global</a:t>
+              <a:rPr lang="en-US" smtClean="0"/>
+              <a:t>Edit Master text styles</a:t>
             </a:r>
           </a:p>
         </p:txBody>
@@ -4892,9 +4886,10 @@
           <a:bodyPr/>
           <a:lstStyle/>
           <a:p>
-            <a:fld id="{42A54C80-263E-416B-A8E0-580EDEADCBDC}" type="datetimeFigureOut">
-              <a:rPr lang="en-US" dirty="0"/>
-              <a:t>6/8/2018</a:t>
+            <a:fld id="{B61BEF0D-F0BB-DE4B-95CE-6DB70DBA9567}" type="datetimeFigureOut">
+              <a:rPr lang="en-US" smtClean="0"/>
+              <a:pPr/>
+              <a:t>6/10/2018</a:t>
             </a:fld>
             <a:endParaRPr lang="en-US" dirty="0"/>
           </a:p>
@@ -4934,8 +4929,9 @@
           <a:bodyPr/>
           <a:lstStyle/>
           <a:p>
-            <a:fld id="{519954A3-9DFD-4C44-94BA-B95130A3BA1C}" type="slidenum">
-              <a:rPr lang="en-US" dirty="0"/>
+            <a:fld id="{D57F1E4F-1CFF-5643-939E-217C01CDF565}" type="slidenum">
+              <a:rPr lang="en-US" smtClean="0"/>
+              <a:pPr/>
               <a:t>‹#›</a:t>
             </a:fld>
             <a:endParaRPr lang="en-US" dirty="0"/>
@@ -4943,6 +4939,11 @@
         </p:txBody>
       </p:sp>
     </p:spTree>
+    <p:extLst>
+      <p:ext uri="{BB962C8B-B14F-4D97-AF65-F5344CB8AC3E}">
+        <p14:creationId xmlns:p14="http://schemas.microsoft.com/office/powerpoint/2010/main" val="3938954975"/>
+      </p:ext>
+    </p:extLst>
   </p:cSld>
   <p:clrMapOvr>
     <a:masterClrMapping/>
@@ -4952,7 +4953,7 @@
 
 <file path=ppt/slideLayouts/slideLayout9.xml><?xml version="1.0" encoding="utf-8"?>
 <p:sldLayout xmlns:a="http://schemas.openxmlformats.org/drawingml/2006/main" xmlns:r="http://schemas.openxmlformats.org/officeDocument/2006/relationships" xmlns:p="http://schemas.openxmlformats.org/presentationml/2006/main" type="picTx" preserve="1">
-  <p:cSld name="Imagem com Legenda">
+  <p:cSld name="Picture with Caption">
     <p:spTree>
       <p:nvGrpSpPr>
         <p:cNvPr id="1" name=""/>
@@ -4994,8 +4995,8 @@
           </a:lstStyle>
           <a:p>
             <a:r>
-              <a:rPr lang="pt-PT"/>
-              <a:t>Clique para editar o estilo de título do Modelo Global</a:t>
+              <a:rPr lang="en-US" smtClean="0"/>
+              <a:t>Click to edit Master title style</a:t>
             </a:r>
             <a:endParaRPr lang="en-US" dirty="0"/>
           </a:p>
@@ -5061,8 +5062,8 @@
           </a:lstStyle>
           <a:p>
             <a:r>
-              <a:rPr lang="pt-PT" dirty="0"/>
-              <a:t>Clique no ícone para adicionar uma imagem</a:t>
+              <a:rPr lang="en-US" smtClean="0"/>
+              <a:t>Click icon to add picture</a:t>
             </a:r>
             <a:endParaRPr lang="en-US" dirty="0"/>
           </a:p>
@@ -5129,20 +5130,20 @@
           <a:p>
             <a:pPr lvl="0"/>
             <a:r>
-              <a:rPr lang="pt-PT"/>
-              <a:t>Editar os estilos de texto do Modelo Global</a:t>
-            </a:r>
-          </a:p>
-        </p:txBody>
-      </p:sp>
-      <p:sp>
-        <p:nvSpPr>
-          <p:cNvPr id="5" name="Date Placeholder 4"/>
-          <p:cNvSpPr>
-            <a:spLocks noGrp="1"/>
-          </p:cNvSpPr>
-          <p:nvPr>
-            <p:ph type="dt" sz="half" idx="10"/>
+              <a:rPr lang="en-US" smtClean="0"/>
+              <a:t>Edit Master text styles</a:t>
+            </a:r>
+          </a:p>
+        </p:txBody>
+      </p:sp>
+      <p:sp>
+        <p:nvSpPr>
+          <p:cNvPr id="6" name="Footer Placeholder 5"/>
+          <p:cNvSpPr>
+            <a:spLocks noGrp="1"/>
+          </p:cNvSpPr>
+          <p:nvPr>
+            <p:ph type="ftr" sz="quarter" idx="11"/>
           </p:nvPr>
         </p:nvSpPr>
         <p:spPr/>
@@ -5150,23 +5151,18 @@
           <a:bodyPr/>
           <a:lstStyle/>
           <a:p>
-            <a:fld id="{B61BEF0D-F0BB-DE4B-95CE-6DB70DBA9567}" type="datetimeFigureOut">
-              <a:rPr lang="en-US" dirty="0"/>
-              <a:pPr/>
-              <a:t>6/8/2018</a:t>
-            </a:fld>
             <a:endParaRPr lang="en-US" dirty="0"/>
           </a:p>
         </p:txBody>
       </p:sp>
       <p:sp>
         <p:nvSpPr>
-          <p:cNvPr id="6" name="Footer Placeholder 5"/>
-          <p:cNvSpPr>
-            <a:spLocks noGrp="1"/>
-          </p:cNvSpPr>
-          <p:nvPr>
-            <p:ph type="ftr" sz="quarter" idx="11"/>
+          <p:cNvPr id="7" name="Slide Number Placeholder 6"/>
+          <p:cNvSpPr>
+            <a:spLocks noGrp="1"/>
+          </p:cNvSpPr>
+          <p:nvPr>
+            <p:ph type="sldNum" sz="quarter" idx="12"/>
           </p:nvPr>
         </p:nvSpPr>
         <p:spPr/>
@@ -5174,27 +5170,8 @@
           <a:bodyPr/>
           <a:lstStyle/>
           <a:p>
-            <a:endParaRPr lang="en-US" dirty="0"/>
-          </a:p>
-        </p:txBody>
-      </p:sp>
-      <p:sp>
-        <p:nvSpPr>
-          <p:cNvPr id="7" name="Slide Number Placeholder 6"/>
-          <p:cNvSpPr>
-            <a:spLocks noGrp="1"/>
-          </p:cNvSpPr>
-          <p:nvPr>
-            <p:ph type="sldNum" sz="quarter" idx="12"/>
-          </p:nvPr>
-        </p:nvSpPr>
-        <p:spPr/>
-        <p:txBody>
-          <a:bodyPr/>
-          <a:lstStyle/>
-          <a:p>
             <a:fld id="{D57F1E4F-1CFF-5643-939E-217C01CDF565}" type="slidenum">
-              <a:rPr lang="en-US" dirty="0"/>
+              <a:rPr lang="en-US" smtClean="0"/>
               <a:pPr/>
               <a:t>‹#›</a:t>
             </a:fld>
@@ -5202,7 +5179,36 @@
           </a:p>
         </p:txBody>
       </p:sp>
+      <p:sp>
+        <p:nvSpPr>
+          <p:cNvPr id="5" name="Date Placeholder 4"/>
+          <p:cNvSpPr>
+            <a:spLocks noGrp="1"/>
+          </p:cNvSpPr>
+          <p:nvPr>
+            <p:ph type="dt" sz="half" idx="10"/>
+          </p:nvPr>
+        </p:nvSpPr>
+        <p:spPr/>
+        <p:txBody>
+          <a:bodyPr/>
+          <a:lstStyle/>
+          <a:p>
+            <a:fld id="{B61BEF0D-F0BB-DE4B-95CE-6DB70DBA9567}" type="datetimeFigureOut">
+              <a:rPr lang="en-US" smtClean="0"/>
+              <a:pPr/>
+              <a:t>6/10/2018</a:t>
+            </a:fld>
+            <a:endParaRPr lang="en-US" dirty="0"/>
+          </a:p>
+        </p:txBody>
+      </p:sp>
     </p:spTree>
+    <p:extLst>
+      <p:ext uri="{BB962C8B-B14F-4D97-AF65-F5344CB8AC3E}">
+        <p14:creationId xmlns:p14="http://schemas.microsoft.com/office/powerpoint/2010/main" val="2098272323"/>
+      </p:ext>
+    </p:extLst>
   </p:cSld>
   <p:clrMapOvr>
     <a:masterClrMapping/>
@@ -5234,7 +5240,7 @@
       </p:grpSpPr>
       <p:grpSp>
         <p:nvGrpSpPr>
-          <p:cNvPr id="7" name="Group 6"/>
+          <p:cNvPr id="44" name="Group 43"/>
           <p:cNvGrpSpPr/>
           <p:nvPr/>
         </p:nvGrpSpPr>
@@ -5262,8 +5268,8 @@
             </a:prstGeom>
             <a:ln w="9525">
               <a:solidFill>
-                <a:schemeClr val="bg1">
-                  <a:lumMod val="75000"/>
+                <a:schemeClr val="accent1">
+                  <a:alpha val="70000"/>
                 </a:schemeClr>
               </a:solidFill>
             </a:ln>
@@ -5299,8 +5305,8 @@
             </a:prstGeom>
             <a:ln w="9525">
               <a:solidFill>
-                <a:schemeClr val="bg1">
-                  <a:lumMod val="85000"/>
+                <a:schemeClr val="accent1">
+                  <a:alpha val="70000"/>
                 </a:schemeClr>
               </a:solidFill>
             </a:ln>
@@ -5360,7 +5366,7 @@
             </a:custGeom>
             <a:solidFill>
               <a:schemeClr val="accent1">
-                <a:alpha val="30000"/>
+                <a:alpha val="36000"/>
               </a:schemeClr>
             </a:solidFill>
             <a:ln>
@@ -5463,8 +5469,9 @@
               </a:avLst>
             </a:prstGeom>
             <a:solidFill>
-              <a:schemeClr val="accent2">
-                <a:alpha val="72000"/>
+              <a:schemeClr val="accent1">
+                <a:lumMod val="75000"/>
+                <a:alpha val="66000"/>
               </a:schemeClr>
             </a:solidFill>
             <a:ln>
@@ -5526,9 +5533,9 @@
               </a:pathLst>
             </a:custGeom>
             <a:solidFill>
-              <a:schemeClr val="accent2">
+              <a:schemeClr val="accent1">
                 <a:lumMod val="75000"/>
-                <a:alpha val="70000"/>
+                <a:alpha val="50000"/>
               </a:schemeClr>
             </a:solidFill>
             <a:ln>
@@ -5590,9 +5597,7 @@
               </a:pathLst>
             </a:custGeom>
             <a:solidFill>
-              <a:schemeClr val="accent1">
-                <a:lumMod val="60000"/>
-                <a:lumOff val="40000"/>
+              <a:schemeClr val="accent2">
                 <a:alpha val="70000"/>
               </a:schemeClr>
             </a:solidFill>
@@ -5655,8 +5660,9 @@
               </a:pathLst>
             </a:custGeom>
             <a:solidFill>
-              <a:schemeClr val="accent1">
-                <a:alpha val="65000"/>
+              <a:schemeClr val="accent2">
+                <a:lumMod val="75000"/>
+                <a:alpha val="80000"/>
               </a:schemeClr>
             </a:solidFill>
             <a:ln>
@@ -5697,7 +5703,8 @@
             </a:prstGeom>
             <a:solidFill>
               <a:schemeClr val="accent1">
-                <a:alpha val="80000"/>
+                <a:lumMod val="75000"/>
+                <a:alpha val="66000"/>
               </a:schemeClr>
             </a:solidFill>
             <a:ln>
@@ -5722,7 +5729,7 @@
         </p:sp>
         <p:sp>
           <p:nvSpPr>
-            <p:cNvPr id="29" name="Isosceles Triangle 28"/>
+            <p:cNvPr id="19" name="Isosceles Triangle 18"/>
             <p:cNvSpPr/>
             <p:nvPr/>
           </p:nvSpPr>
@@ -5738,7 +5745,7 @@
             </a:prstGeom>
             <a:solidFill>
               <a:schemeClr val="accent1">
-                <a:alpha val="85000"/>
+                <a:alpha val="70000"/>
               </a:schemeClr>
             </a:solidFill>
             <a:ln>
@@ -5788,8 +5795,8 @@
           <a:lstStyle/>
           <a:p>
             <a:r>
-              <a:rPr lang="pt-PT"/>
-              <a:t>Clique para editar o estilo de título do Modelo Global</a:t>
+              <a:rPr lang="en-US" smtClean="0"/>
+              <a:t>Click to edit Master title style</a:t>
             </a:r>
             <a:endParaRPr lang="en-US" dirty="0"/>
           </a:p>
@@ -5822,36 +5829,36 @@
           <a:p>
             <a:pPr lvl="0"/>
             <a:r>
-              <a:rPr lang="pt-PT"/>
-              <a:t>Editar os estilos de texto do Modelo Global</a:t>
+              <a:rPr lang="en-US" smtClean="0"/>
+              <a:t>Edit Master text styles</a:t>
             </a:r>
           </a:p>
           <a:p>
             <a:pPr lvl="1"/>
             <a:r>
-              <a:rPr lang="pt-PT"/>
-              <a:t>Segundo nível</a:t>
+              <a:rPr lang="en-US" smtClean="0"/>
+              <a:t>Second level</a:t>
             </a:r>
           </a:p>
           <a:p>
             <a:pPr lvl="2"/>
             <a:r>
-              <a:rPr lang="pt-PT"/>
-              <a:t>Terceiro nível</a:t>
+              <a:rPr lang="en-US" smtClean="0"/>
+              <a:t>Third level</a:t>
             </a:r>
           </a:p>
           <a:p>
             <a:pPr lvl="3"/>
             <a:r>
-              <a:rPr lang="pt-PT"/>
-              <a:t>Quarto nível</a:t>
+              <a:rPr lang="en-US" smtClean="0"/>
+              <a:t>Fourth level</a:t>
             </a:r>
           </a:p>
           <a:p>
             <a:pPr lvl="4"/>
             <a:r>
-              <a:rPr lang="pt-PT"/>
-              <a:t>Quinto nível</a:t>
+              <a:rPr lang="en-US" smtClean="0"/>
+              <a:t>Fifth level</a:t>
             </a:r>
             <a:endParaRPr lang="en-US" dirty="0"/>
           </a:p>
@@ -5891,9 +5898,9 @@
           </a:lstStyle>
           <a:p>
             <a:fld id="{B61BEF0D-F0BB-DE4B-95CE-6DB70DBA9567}" type="datetimeFigureOut">
-              <a:rPr lang="en-US" dirty="0"/>
+              <a:rPr lang="en-US" smtClean="0"/>
               <a:pPr/>
-              <a:t>6/8/2018</a:t>
+              <a:t>6/10/2018</a:t>
             </a:fld>
             <a:endParaRPr lang="en-US" dirty="0"/>
           </a:p>
@@ -5968,7 +5975,7 @@
           </a:lstStyle>
           <a:p>
             <a:fld id="{D57F1E4F-1CFF-5643-939E-217C01CDF565}" type="slidenum">
-              <a:rPr lang="en-US" dirty="0"/>
+              <a:rPr lang="en-US" smtClean="0"/>
               <a:pPr/>
               <a:t>‹#›</a:t>
             </a:fld>
@@ -5977,25 +5984,30 @@
         </p:txBody>
       </p:sp>
     </p:spTree>
+    <p:extLst>
+      <p:ext uri="{BB962C8B-B14F-4D97-AF65-F5344CB8AC3E}">
+        <p14:creationId xmlns:p14="http://schemas.microsoft.com/office/powerpoint/2010/main" val="3283469966"/>
+      </p:ext>
+    </p:extLst>
   </p:cSld>
   <p:clrMap bg1="lt1" tx1="dk1" bg2="lt2" tx2="dk2" accent1="accent1" accent2="accent2" accent3="accent3" accent4="accent4" accent5="accent5" accent6="accent6" hlink="hlink" folHlink="folHlink"/>
   <p:sldLayoutIdLst>
-    <p:sldLayoutId id="2147483649" r:id="rId1"/>
-    <p:sldLayoutId id="2147483650" r:id="rId2"/>
-    <p:sldLayoutId id="2147483651" r:id="rId3"/>
-    <p:sldLayoutId id="2147483665" r:id="rId4"/>
-    <p:sldLayoutId id="2147483653" r:id="rId5"/>
-    <p:sldLayoutId id="2147483654" r:id="rId6"/>
-    <p:sldLayoutId id="2147483655" r:id="rId7"/>
-    <p:sldLayoutId id="2147483666" r:id="rId8"/>
-    <p:sldLayoutId id="2147483657" r:id="rId9"/>
-    <p:sldLayoutId id="2147483660" r:id="rId10"/>
-    <p:sldLayoutId id="2147483661" r:id="rId11"/>
-    <p:sldLayoutId id="2147483662" r:id="rId12"/>
-    <p:sldLayoutId id="2147483663" r:id="rId13"/>
-    <p:sldLayoutId id="2147483664" r:id="rId14"/>
-    <p:sldLayoutId id="2147483667" r:id="rId15"/>
-    <p:sldLayoutId id="2147483659" r:id="rId16"/>
+    <p:sldLayoutId id="2147483669" r:id="rId1"/>
+    <p:sldLayoutId id="2147483670" r:id="rId2"/>
+    <p:sldLayoutId id="2147483671" r:id="rId3"/>
+    <p:sldLayoutId id="2147483672" r:id="rId4"/>
+    <p:sldLayoutId id="2147483673" r:id="rId5"/>
+    <p:sldLayoutId id="2147483674" r:id="rId6"/>
+    <p:sldLayoutId id="2147483675" r:id="rId7"/>
+    <p:sldLayoutId id="2147483676" r:id="rId8"/>
+    <p:sldLayoutId id="2147483677" r:id="rId9"/>
+    <p:sldLayoutId id="2147483678" r:id="rId10"/>
+    <p:sldLayoutId id="2147483679" r:id="rId11"/>
+    <p:sldLayoutId id="2147483680" r:id="rId12"/>
+    <p:sldLayoutId id="2147483681" r:id="rId13"/>
+    <p:sldLayoutId id="2147483682" r:id="rId14"/>
+    <p:sldLayoutId id="2147483683" r:id="rId15"/>
+    <p:sldLayoutId id="2147483684" r:id="rId16"/>
   </p:sldLayoutIdLst>
   <p:txStyles>
     <p:titleStyle>
@@ -6431,7 +6443,7 @@
         </p:nvSpPr>
         <p:spPr>
           <a:xfrm>
-            <a:off x="1769576" y="5118456"/>
+            <a:off x="0" y="4940351"/>
             <a:ext cx="7766936" cy="1646302"/>
           </a:xfrm>
         </p:spPr>
@@ -6439,10 +6451,11 @@
           <a:bodyPr/>
           <a:lstStyle/>
           <a:p>
+            <a:pPr algn="l"/>
             <a:r>
               <a:rPr lang="pt-PT" sz="11500" b="1" dirty="0">
                 <a:solidFill>
-                  <a:srgbClr val="92D050"/>
+                  <a:schemeClr val="accent2"/>
                 </a:solidFill>
                 <a:effectLst>
                   <a:outerShdw blurRad="38100" dist="38100" dir="2700000" algn="tl">
@@ -6613,8 +6626,8 @@
         </p:nvSpPr>
         <p:spPr>
           <a:xfrm>
-            <a:off x="2847703" y="2302349"/>
-            <a:ext cx="4821926" cy="1200329"/>
+            <a:off x="0" y="2302349"/>
+            <a:ext cx="12192000" cy="1815882"/>
           </a:xfrm>
           <a:prstGeom prst="rect">
             <a:avLst/>
@@ -6629,7 +6642,12 @@
           <a:p>
             <a:pPr algn="ctr"/>
             <a:r>
-              <a:rPr lang="pt-PT" dirty="0">
+              <a:rPr lang="pt-PT" sz="7200" b="1" dirty="0" smtClean="0">
+                <a:solidFill>
+                  <a:schemeClr val="bg1">
+                    <a:lumMod val="50000"/>
+                  </a:schemeClr>
+                </a:solidFill>
                 <a:effectLst>
                   <a:outerShdw blurRad="38100" dist="38100" dir="2700000" algn="tl">
                     <a:srgbClr val="000000">
@@ -6638,10 +6656,10 @@
                   </a:outerShdw>
                 </a:effectLst>
               </a:rPr>
-              <a:t>			        </a:t>
-            </a:r>
-            <a:r>
-              <a:rPr lang="pt-PT" sz="5400" b="1" dirty="0">
+              <a:t>”</a:t>
+            </a:r>
+            <a:r>
+              <a:rPr lang="pt-PT" sz="7200" b="1" dirty="0">
                 <a:solidFill>
                   <a:schemeClr val="bg1">
                     <a:lumMod val="50000"/>
@@ -6655,8 +6673,59 @@
                   </a:outerShdw>
                 </a:effectLst>
               </a:rPr>
-              <a:t>”GuguDadah”</a:t>
-            </a:r>
+              <a:t>GuguDadah</a:t>
+            </a:r>
+            <a:r>
+              <a:rPr lang="pt-PT" sz="7200" b="1" dirty="0" smtClean="0">
+                <a:solidFill>
+                  <a:schemeClr val="bg1">
+                    <a:lumMod val="50000"/>
+                  </a:schemeClr>
+                </a:solidFill>
+                <a:effectLst>
+                  <a:outerShdw blurRad="38100" dist="38100" dir="2700000" algn="tl">
+                    <a:srgbClr val="000000">
+                      <a:alpha val="43137"/>
+                    </a:srgbClr>
+                  </a:outerShdw>
+                </a:effectLst>
+              </a:rPr>
+              <a:t>”</a:t>
+            </a:r>
+          </a:p>
+          <a:p>
+            <a:pPr algn="ctr"/>
+            <a:r>
+              <a:rPr lang="pt-PT" sz="4000" b="1" dirty="0" smtClean="0">
+                <a:solidFill>
+                  <a:schemeClr val="bg1">
+                    <a:lumMod val="50000"/>
+                  </a:schemeClr>
+                </a:solidFill>
+                <a:effectLst>
+                  <a:outerShdw blurRad="38100" dist="38100" dir="2700000" algn="tl">
+                    <a:srgbClr val="000000">
+                      <a:alpha val="43137"/>
+                    </a:srgbClr>
+                  </a:outerShdw>
+                </a:effectLst>
+              </a:rPr>
+              <a:t>Babysitting de confiança</a:t>
+            </a:r>
+            <a:endParaRPr lang="pt-PT" sz="4000" b="1" dirty="0">
+              <a:solidFill>
+                <a:schemeClr val="bg1">
+                  <a:lumMod val="50000"/>
+                </a:schemeClr>
+              </a:solidFill>
+              <a:effectLst>
+                <a:outerShdw blurRad="38100" dist="38100" dir="2700000" algn="tl">
+                  <a:srgbClr val="000000">
+                    <a:alpha val="43137"/>
+                  </a:srgbClr>
+                </a:outerShdw>
+              </a:effectLst>
+            </a:endParaRPr>
           </a:p>
         </p:txBody>
       </p:sp>
@@ -6674,8 +6743,8 @@
         </p:nvSpPr>
         <p:spPr>
           <a:xfrm>
-            <a:off x="5604592" y="6395426"/>
-            <a:ext cx="3931920" cy="369332"/>
+            <a:off x="106903" y="6331959"/>
+            <a:ext cx="3931920" cy="400110"/>
           </a:xfrm>
           <a:prstGeom prst="rect">
             <a:avLst/>
@@ -6688,9 +6757,8 @@
           </a:bodyPr>
           <a:lstStyle/>
           <a:p>
-            <a:pPr algn="r"/>
-            <a:r>
-              <a:rPr lang="pt-PT" dirty="0">
+            <a:r>
+              <a:rPr lang="pt-PT" sz="2000" dirty="0">
                 <a:solidFill>
                   <a:schemeClr val="tx1">
                     <a:lumMod val="65000"/>
@@ -6717,8 +6785,8 @@
         </p:nvSpPr>
         <p:spPr>
           <a:xfrm>
-            <a:off x="3125621" y="3502678"/>
-            <a:ext cx="4266090" cy="1169551"/>
+            <a:off x="2933318" y="5100815"/>
+            <a:ext cx="4266090" cy="1631216"/>
           </a:xfrm>
           <a:prstGeom prst="rect">
             <a:avLst/>
@@ -6731,9 +6799,8 @@
           </a:bodyPr>
           <a:lstStyle/>
           <a:p>
-            <a:pPr algn="r"/>
-            <a:r>
-              <a:rPr lang="pt-PT" sz="1400" dirty="0">
+            <a:r>
+              <a:rPr lang="pt-PT" sz="2000" dirty="0">
                 <a:solidFill>
                   <a:schemeClr val="bg1">
                     <a:lumMod val="50000"/>
@@ -6744,9 +6811,8 @@
             </a:r>
           </a:p>
           <a:p>
-            <a:pPr algn="r"/>
-            <a:r>
-              <a:rPr lang="pt-PT" sz="1400" dirty="0">
+            <a:r>
+              <a:rPr lang="pt-PT" sz="2000" dirty="0">
                 <a:solidFill>
                   <a:schemeClr val="bg1">
                     <a:lumMod val="50000"/>
@@ -6757,9 +6823,8 @@
             </a:r>
           </a:p>
           <a:p>
-            <a:pPr algn="r"/>
-            <a:r>
-              <a:rPr lang="pt-PT" sz="1400" dirty="0">
+            <a:r>
+              <a:rPr lang="pt-PT" sz="2000" dirty="0">
                 <a:solidFill>
                   <a:schemeClr val="bg1">
                     <a:lumMod val="50000"/>
@@ -6770,9 +6835,8 @@
             </a:r>
           </a:p>
           <a:p>
-            <a:pPr algn="r"/>
-            <a:r>
-              <a:rPr lang="pt-PT" sz="1400" dirty="0">
+            <a:r>
+              <a:rPr lang="pt-PT" sz="2000" dirty="0">
                 <a:solidFill>
                   <a:schemeClr val="bg1">
                     <a:lumMod val="50000"/>
@@ -6783,77 +6847,29 @@
             </a:r>
           </a:p>
           <a:p>
-            <a:pPr algn="r"/>
-            <a:r>
-              <a:rPr lang="pt-PT" sz="1400" dirty="0">
+            <a:r>
+              <a:rPr lang="pt-PT" sz="2000" dirty="0" smtClean="0">
                 <a:solidFill>
                   <a:schemeClr val="bg1">
                     <a:lumMod val="50000"/>
                   </a:schemeClr>
                 </a:solidFill>
               </a:rPr>
-              <a:t>Vítor Castro</a:t>
-            </a:r>
-          </a:p>
-        </p:txBody>
-      </p:sp>
-      <p:pic>
-        <p:nvPicPr>
-          <p:cNvPr id="9" name="Picture 1" descr="logo">
-            <a:extLst>
-              <a:ext uri="{FF2B5EF4-FFF2-40B4-BE49-F238E27FC236}">
-                <a16:creationId xmlns:a16="http://schemas.microsoft.com/office/drawing/2014/main" id="{6A4C25DF-6080-4353-8A32-211555DA08D1}"/>
-              </a:ext>
-            </a:extLst>
-          </p:cNvPr>
-          <p:cNvPicPr>
-            <a:picLocks noChangeAspect="1" noChangeArrowheads="1"/>
-          </p:cNvPicPr>
-          <p:nvPr/>
-        </p:nvPicPr>
-        <p:blipFill>
-          <a:blip r:embed="rId3">
-            <a:clrChange>
-              <a:clrFrom>
-                <a:srgbClr val="FFFFFF"/>
-              </a:clrFrom>
-              <a:clrTo>
-                <a:srgbClr val="FFFFFF">
-                  <a:alpha val="0"/>
-                </a:srgbClr>
-              </a:clrTo>
-            </a:clrChange>
-            <a:extLst>
-              <a:ext uri="{28A0092B-C50C-407E-A947-70E740481C1C}">
-                <a14:useLocalDpi xmlns:a14="http://schemas.microsoft.com/office/drawing/2010/main" val="0"/>
-              </a:ext>
-            </a:extLst>
-          </a:blip>
-          <a:srcRect/>
-          <a:stretch>
-            <a:fillRect/>
-          </a:stretch>
-        </p:blipFill>
-        <p:spPr bwMode="auto">
-          <a:xfrm>
-            <a:off x="-606743" y="5116263"/>
-            <a:ext cx="3080293" cy="1973313"/>
-          </a:xfrm>
-          <a:prstGeom prst="rect">
-            <a:avLst/>
-          </a:prstGeom>
-          <a:noFill/>
-          <a:extLst>
-            <a:ext uri="{909E8E84-426E-40DD-AFC4-6F175D3DCCD1}">
-              <a14:hiddenFill xmlns:a14="http://schemas.microsoft.com/office/drawing/2010/main">
-                <a:solidFill>
-                  <a:srgbClr val="FFFFFF"/>
-                </a:solidFill>
-              </a14:hiddenFill>
-            </a:ext>
-          </a:extLst>
-        </p:spPr>
-      </p:pic>
+              <a:t>Vitor </a:t>
+            </a:r>
+            <a:r>
+              <a:rPr lang="pt-PT" sz="2000" dirty="0">
+                <a:solidFill>
+                  <a:schemeClr val="bg1">
+                    <a:lumMod val="50000"/>
+                  </a:schemeClr>
+                </a:solidFill>
+              </a:rPr>
+              <a:t>Castro</a:t>
+            </a:r>
+          </a:p>
+        </p:txBody>
+      </p:sp>
     </p:spTree>
     <p:extLst>
       <p:ext uri="{BB962C8B-B14F-4D97-AF65-F5344CB8AC3E}">
@@ -6887,813 +6903,6 @@
 </file>
 
 <file path=ppt/slides/slide10.xml><?xml version="1.0" encoding="utf-8"?>
-<p:sld xmlns:a="http://schemas.openxmlformats.org/drawingml/2006/main" xmlns:r="http://schemas.openxmlformats.org/officeDocument/2006/relationships" xmlns:p="http://schemas.openxmlformats.org/presentationml/2006/main">
-  <p:cSld>
-    <p:spTree>
-      <p:nvGrpSpPr>
-        <p:cNvPr id="1" name=""/>
-        <p:cNvGrpSpPr/>
-        <p:nvPr/>
-      </p:nvGrpSpPr>
-      <p:grpSpPr>
-        <a:xfrm>
-          <a:off x="0" y="0"/>
-          <a:ext cx="0" cy="0"/>
-          <a:chOff x="0" y="0"/>
-          <a:chExt cx="0" cy="0"/>
-        </a:xfrm>
-      </p:grpSpPr>
-      <p:sp>
-        <p:nvSpPr>
-          <p:cNvPr id="4" name="Título 1">
-            <a:extLst>
-              <a:ext uri="{FF2B5EF4-FFF2-40B4-BE49-F238E27FC236}">
-                <a16:creationId xmlns:a16="http://schemas.microsoft.com/office/drawing/2014/main" id="{1E728113-7368-4B09-B890-E3D514368119}"/>
-              </a:ext>
-            </a:extLst>
-          </p:cNvPr>
-          <p:cNvSpPr txBox="1">
-            <a:spLocks/>
-          </p:cNvSpPr>
-          <p:nvPr/>
-        </p:nvSpPr>
-        <p:spPr>
-          <a:xfrm>
-            <a:off x="283967" y="234908"/>
-            <a:ext cx="9147416" cy="1320800"/>
-          </a:xfrm>
-          <a:prstGeom prst="rect">
-            <a:avLst/>
-          </a:prstGeom>
-        </p:spPr>
-        <p:txBody>
-          <a:bodyPr/>
-          <a:lstStyle>
-            <a:lvl1pPr algn="l" defTabSz="457200" rtl="0" eaLnBrk="1" latinLnBrk="0" hangingPunct="1">
-              <a:spcBef>
-                <a:spcPct val="0"/>
-              </a:spcBef>
-              <a:buNone/>
-              <a:defRPr sz="3600" kern="1200">
-                <a:solidFill>
-                  <a:schemeClr val="accent1"/>
-                </a:solidFill>
-                <a:latin typeface="+mj-lt"/>
-                <a:ea typeface="+mj-ea"/>
-                <a:cs typeface="+mj-cs"/>
-              </a:defRPr>
-            </a:lvl1pPr>
-            <a:lvl2pPr eaLnBrk="1" hangingPunct="1">
-              <a:defRPr>
-                <a:solidFill>
-                  <a:schemeClr val="tx2"/>
-                </a:solidFill>
-              </a:defRPr>
-            </a:lvl2pPr>
-            <a:lvl3pPr eaLnBrk="1" hangingPunct="1">
-              <a:defRPr>
-                <a:solidFill>
-                  <a:schemeClr val="tx2"/>
-                </a:solidFill>
-              </a:defRPr>
-            </a:lvl3pPr>
-            <a:lvl4pPr eaLnBrk="1" hangingPunct="1">
-              <a:defRPr>
-                <a:solidFill>
-                  <a:schemeClr val="tx2"/>
-                </a:solidFill>
-              </a:defRPr>
-            </a:lvl4pPr>
-            <a:lvl5pPr eaLnBrk="1" hangingPunct="1">
-              <a:defRPr>
-                <a:solidFill>
-                  <a:schemeClr val="tx2"/>
-                </a:solidFill>
-              </a:defRPr>
-            </a:lvl5pPr>
-            <a:lvl6pPr eaLnBrk="1" hangingPunct="1">
-              <a:defRPr>
-                <a:solidFill>
-                  <a:schemeClr val="tx2"/>
-                </a:solidFill>
-              </a:defRPr>
-            </a:lvl6pPr>
-            <a:lvl7pPr eaLnBrk="1" hangingPunct="1">
-              <a:defRPr>
-                <a:solidFill>
-                  <a:schemeClr val="tx2"/>
-                </a:solidFill>
-              </a:defRPr>
-            </a:lvl7pPr>
-            <a:lvl8pPr eaLnBrk="1" hangingPunct="1">
-              <a:defRPr>
-                <a:solidFill>
-                  <a:schemeClr val="tx2"/>
-                </a:solidFill>
-              </a:defRPr>
-            </a:lvl8pPr>
-            <a:lvl9pPr eaLnBrk="1" hangingPunct="1">
-              <a:defRPr>
-                <a:solidFill>
-                  <a:schemeClr val="tx2"/>
-                </a:solidFill>
-              </a:defRPr>
-            </a:lvl9pPr>
-          </a:lstStyle>
-          <a:p>
-            <a:r>
-              <a:rPr lang="pt-PT" dirty="0"/>
-              <a:t>Plano de Desenvolvimento</a:t>
-            </a:r>
-          </a:p>
-          <a:p>
-            <a:r>
-              <a:rPr lang="pt-PT" dirty="0"/>
-              <a:t>	</a:t>
-            </a:r>
-            <a:r>
-              <a:rPr lang="pt-PT" sz="2000" dirty="0"/>
-              <a:t>- implementação</a:t>
-            </a:r>
-            <a:endParaRPr lang="pt-PT" dirty="0"/>
-          </a:p>
-        </p:txBody>
-      </p:sp>
-      <p:pic>
-        <p:nvPicPr>
-          <p:cNvPr id="3074" name="Picture 2" descr="GANTTimplementacao">
-            <a:extLst>
-              <a:ext uri="{FF2B5EF4-FFF2-40B4-BE49-F238E27FC236}">
-                <a16:creationId xmlns:a16="http://schemas.microsoft.com/office/drawing/2014/main" id="{6124E7D5-6570-4EB7-83C9-CAE3E16F181E}"/>
-              </a:ext>
-            </a:extLst>
-          </p:cNvPr>
-          <p:cNvPicPr>
-            <a:picLocks noChangeAspect="1" noChangeArrowheads="1"/>
-          </p:cNvPicPr>
-          <p:nvPr/>
-        </p:nvPicPr>
-        <p:blipFill>
-          <a:blip r:embed="rId2">
-            <a:extLst>
-              <a:ext uri="{28A0092B-C50C-407E-A947-70E740481C1C}">
-                <a14:useLocalDpi xmlns:a14="http://schemas.microsoft.com/office/drawing/2010/main" val="0"/>
-              </a:ext>
-            </a:extLst>
-          </a:blip>
-          <a:srcRect/>
-          <a:stretch>
-            <a:fillRect/>
-          </a:stretch>
-        </p:blipFill>
-        <p:spPr bwMode="auto">
-          <a:xfrm>
-            <a:off x="283966" y="2340914"/>
-            <a:ext cx="9452991" cy="2137779"/>
-          </a:xfrm>
-          <a:prstGeom prst="rect">
-            <a:avLst/>
-          </a:prstGeom>
-          <a:noFill/>
-          <a:ln>
-            <a:noFill/>
-          </a:ln>
-          <a:extLst>
-            <a:ext uri="{909E8E84-426E-40DD-AFC4-6F175D3DCCD1}">
-              <a14:hiddenFill xmlns:a14="http://schemas.microsoft.com/office/drawing/2010/main">
-                <a:solidFill>
-                  <a:srgbClr val="FFFFFF"/>
-                </a:solidFill>
-              </a14:hiddenFill>
-            </a:ext>
-            <a:ext uri="{91240B29-F687-4F45-9708-019B960494DF}">
-              <a14:hiddenLine xmlns:a14="http://schemas.microsoft.com/office/drawing/2010/main" w="9525">
-                <a:solidFill>
-                  <a:srgbClr val="000000"/>
-                </a:solidFill>
-                <a:miter lim="800000"/>
-                <a:headEnd/>
-                <a:tailEnd/>
-              </a14:hiddenLine>
-            </a:ext>
-          </a:extLst>
-        </p:spPr>
-      </p:pic>
-    </p:spTree>
-    <p:extLst>
-      <p:ext uri="{BB962C8B-B14F-4D97-AF65-F5344CB8AC3E}">
-        <p14:creationId xmlns:p14="http://schemas.microsoft.com/office/powerpoint/2010/main" val="3255039064"/>
-      </p:ext>
-    </p:extLst>
-  </p:cSld>
-  <p:clrMapOvr>
-    <a:masterClrMapping/>
-  </p:clrMapOvr>
-  <mc:AlternateContent xmlns:mc="http://schemas.openxmlformats.org/markup-compatibility/2006" xmlns:p14="http://schemas.microsoft.com/office/powerpoint/2010/main">
-    <mc:Choice Requires="p14">
-      <p:transition spd="med" p14:dur="700">
-        <p:fade/>
-      </p:transition>
-    </mc:Choice>
-    <mc:Fallback xmlns="">
-      <p:transition spd="med">
-        <p:fade/>
-      </p:transition>
-    </mc:Fallback>
-  </mc:AlternateContent>
-  <p:timing>
-    <p:tnLst>
-      <p:par>
-        <p:cTn id="1" dur="indefinite" restart="never" nodeType="tmRoot"/>
-      </p:par>
-    </p:tnLst>
-  </p:timing>
-</p:sld>
-</file>
-
-<file path=ppt/slides/slide11.xml><?xml version="1.0" encoding="utf-8"?>
-<p:sld xmlns:a="http://schemas.openxmlformats.org/drawingml/2006/main" xmlns:r="http://schemas.openxmlformats.org/officeDocument/2006/relationships" xmlns:p="http://schemas.openxmlformats.org/presentationml/2006/main">
-  <p:cSld>
-    <p:spTree>
-      <p:nvGrpSpPr>
-        <p:cNvPr id="1" name=""/>
-        <p:cNvGrpSpPr/>
-        <p:nvPr/>
-      </p:nvGrpSpPr>
-      <p:grpSpPr>
-        <a:xfrm>
-          <a:off x="0" y="0"/>
-          <a:ext cx="0" cy="0"/>
-          <a:chOff x="0" y="0"/>
-          <a:chExt cx="0" cy="0"/>
-        </a:xfrm>
-      </p:grpSpPr>
-      <p:sp>
-        <p:nvSpPr>
-          <p:cNvPr id="2" name="Title 1"/>
-          <p:cNvSpPr>
-            <a:spLocks noGrp="1"/>
-          </p:cNvSpPr>
-          <p:nvPr>
-            <p:ph type="title"/>
-          </p:nvPr>
-        </p:nvSpPr>
-        <p:spPr/>
-        <p:txBody>
-          <a:bodyPr/>
-          <a:lstStyle/>
-          <a:p>
-            <a:r>
-              <a:rPr lang="pt-PT" dirty="0"/>
-              <a:t>Parte II</a:t>
-            </a:r>
-          </a:p>
-        </p:txBody>
-      </p:sp>
-      <p:sp>
-        <p:nvSpPr>
-          <p:cNvPr id="3" name="Text Placeholder 2"/>
-          <p:cNvSpPr>
-            <a:spLocks noGrp="1"/>
-          </p:cNvSpPr>
-          <p:nvPr>
-            <p:ph type="body" idx="1"/>
-          </p:nvPr>
-        </p:nvSpPr>
-        <p:spPr/>
-        <p:txBody>
-          <a:bodyPr/>
-          <a:lstStyle/>
-          <a:p>
-            <a:r>
-              <a:rPr lang="pt-PT" dirty="0"/>
-              <a:t>Especificação</a:t>
-            </a:r>
-          </a:p>
-        </p:txBody>
-      </p:sp>
-    </p:spTree>
-    <p:extLst>
-      <p:ext uri="{BB962C8B-B14F-4D97-AF65-F5344CB8AC3E}">
-        <p14:creationId xmlns:p14="http://schemas.microsoft.com/office/powerpoint/2010/main" val="1871161917"/>
-      </p:ext>
-    </p:extLst>
-  </p:cSld>
-  <p:clrMapOvr>
-    <a:masterClrMapping/>
-  </p:clrMapOvr>
-  <mc:AlternateContent xmlns:mc="http://schemas.openxmlformats.org/markup-compatibility/2006" xmlns:p14="http://schemas.microsoft.com/office/powerpoint/2010/main">
-    <mc:Choice Requires="p14">
-      <p:transition spd="med" p14:dur="700">
-        <p:fade/>
-      </p:transition>
-    </mc:Choice>
-    <mc:Fallback xmlns="">
-      <p:transition spd="med">
-        <p:fade/>
-      </p:transition>
-    </mc:Fallback>
-  </mc:AlternateContent>
-  <p:timing>
-    <p:tnLst>
-      <p:par>
-        <p:cTn id="1" dur="indefinite" restart="never" nodeType="tmRoot"/>
-      </p:par>
-    </p:tnLst>
-  </p:timing>
-</p:sld>
-</file>
-
-<file path=ppt/slides/slide12.xml><?xml version="1.0" encoding="utf-8"?>
-<p:sld xmlns:a="http://schemas.openxmlformats.org/drawingml/2006/main" xmlns:r="http://schemas.openxmlformats.org/officeDocument/2006/relationships" xmlns:p="http://schemas.openxmlformats.org/presentationml/2006/main">
-  <p:cSld>
-    <p:spTree>
-      <p:nvGrpSpPr>
-        <p:cNvPr id="1" name=""/>
-        <p:cNvGrpSpPr/>
-        <p:nvPr/>
-      </p:nvGrpSpPr>
-      <p:grpSpPr>
-        <a:xfrm>
-          <a:off x="0" y="0"/>
-          <a:ext cx="0" cy="0"/>
-          <a:chOff x="0" y="0"/>
-          <a:chExt cx="0" cy="0"/>
-        </a:xfrm>
-      </p:grpSpPr>
-      <p:sp>
-        <p:nvSpPr>
-          <p:cNvPr id="4" name="Title 3"/>
-          <p:cNvSpPr>
-            <a:spLocks noGrp="1"/>
-          </p:cNvSpPr>
-          <p:nvPr>
-            <p:ph type="title"/>
-          </p:nvPr>
-        </p:nvSpPr>
-        <p:spPr/>
-        <p:txBody>
-          <a:bodyPr/>
-          <a:lstStyle/>
-          <a:p>
-            <a:r>
-              <a:rPr lang="pt-PT" dirty="0"/>
-              <a:t>Requisitos do utilizador e de sistema funcionais - Cliente</a:t>
-            </a:r>
-          </a:p>
-        </p:txBody>
-      </p:sp>
-      <p:pic>
-        <p:nvPicPr>
-          <p:cNvPr id="2" name="Picture 1"/>
-          <p:cNvPicPr>
-            <a:picLocks noChangeAspect="1"/>
-          </p:cNvPicPr>
-          <p:nvPr/>
-        </p:nvPicPr>
-        <p:blipFill>
-          <a:blip r:embed="rId2"/>
-          <a:stretch>
-            <a:fillRect/>
-          </a:stretch>
-        </p:blipFill>
-        <p:spPr>
-          <a:xfrm>
-            <a:off x="677334" y="1780494"/>
-            <a:ext cx="7560225" cy="4913534"/>
-          </a:xfrm>
-          <a:prstGeom prst="rect">
-            <a:avLst/>
-          </a:prstGeom>
-        </p:spPr>
-      </p:pic>
-    </p:spTree>
-    <p:extLst>
-      <p:ext uri="{BB962C8B-B14F-4D97-AF65-F5344CB8AC3E}">
-        <p14:creationId xmlns:p14="http://schemas.microsoft.com/office/powerpoint/2010/main" val="3233725358"/>
-      </p:ext>
-    </p:extLst>
-  </p:cSld>
-  <p:clrMapOvr>
-    <a:masterClrMapping/>
-  </p:clrMapOvr>
-  <mc:AlternateContent xmlns:mc="http://schemas.openxmlformats.org/markup-compatibility/2006" xmlns:p14="http://schemas.microsoft.com/office/powerpoint/2010/main">
-    <mc:Choice Requires="p14">
-      <p:transition spd="med" p14:dur="700">
-        <p:fade/>
-      </p:transition>
-    </mc:Choice>
-    <mc:Fallback xmlns="">
-      <p:transition spd="med">
-        <p:fade/>
-      </p:transition>
-    </mc:Fallback>
-  </mc:AlternateContent>
-  <p:timing>
-    <p:tnLst>
-      <p:par>
-        <p:cTn id="1" dur="indefinite" restart="never" nodeType="tmRoot"/>
-      </p:par>
-    </p:tnLst>
-  </p:timing>
-</p:sld>
-</file>
-
-<file path=ppt/slides/slide13.xml><?xml version="1.0" encoding="utf-8"?>
-<p:sld xmlns:a="http://schemas.openxmlformats.org/drawingml/2006/main" xmlns:r="http://schemas.openxmlformats.org/officeDocument/2006/relationships" xmlns:p="http://schemas.openxmlformats.org/presentationml/2006/main">
-  <p:cSld>
-    <p:spTree>
-      <p:nvGrpSpPr>
-        <p:cNvPr id="1" name=""/>
-        <p:cNvGrpSpPr/>
-        <p:nvPr/>
-      </p:nvGrpSpPr>
-      <p:grpSpPr>
-        <a:xfrm>
-          <a:off x="0" y="0"/>
-          <a:ext cx="0" cy="0"/>
-          <a:chOff x="0" y="0"/>
-          <a:chExt cx="0" cy="0"/>
-        </a:xfrm>
-      </p:grpSpPr>
-      <p:sp>
-        <p:nvSpPr>
-          <p:cNvPr id="4" name="Title 3"/>
-          <p:cNvSpPr>
-            <a:spLocks noGrp="1"/>
-          </p:cNvSpPr>
-          <p:nvPr>
-            <p:ph type="title"/>
-          </p:nvPr>
-        </p:nvSpPr>
-        <p:spPr/>
-        <p:txBody>
-          <a:bodyPr/>
-          <a:lstStyle/>
-          <a:p>
-            <a:r>
-              <a:rPr lang="pt-PT" dirty="0"/>
-              <a:t>Requisitos de </a:t>
-            </a:r>
-            <a:r>
-              <a:rPr lang="pt-PT" dirty="0" smtClean="0"/>
-              <a:t>sistema </a:t>
-            </a:r>
-            <a:r>
-              <a:rPr lang="pt-PT" dirty="0"/>
-              <a:t>não-funcionais</a:t>
-            </a:r>
-          </a:p>
-        </p:txBody>
-      </p:sp>
-      <p:sp>
-        <p:nvSpPr>
-          <p:cNvPr id="2" name="Content Placeholder 1"/>
-          <p:cNvSpPr>
-            <a:spLocks noGrp="1"/>
-          </p:cNvSpPr>
-          <p:nvPr>
-            <p:ph idx="1"/>
-          </p:nvPr>
-        </p:nvSpPr>
-        <p:spPr/>
-        <p:txBody>
-          <a:bodyPr>
-            <a:normAutofit/>
-          </a:bodyPr>
-          <a:lstStyle/>
-          <a:p>
-            <a:pPr algn="just"/>
-            <a:r>
-              <a:rPr lang="pt-PT" sz="2800" dirty="0"/>
-              <a:t>Organizacionais</a:t>
-            </a:r>
-          </a:p>
-          <a:p>
-            <a:pPr lvl="1" algn="just"/>
-            <a:r>
-              <a:rPr lang="pt-PT" sz="2400" dirty="0"/>
-              <a:t>O utilizador deve autenticar-se com o seu username e a password respetiva;</a:t>
-            </a:r>
-          </a:p>
-          <a:p>
-            <a:pPr lvl="1" algn="just"/>
-            <a:r>
-              <a:rPr lang="pt-PT" sz="2400" dirty="0"/>
-              <a:t>A linguagem de programação a utilizar será C# em cooperação com a framework ASP.NET;</a:t>
-            </a:r>
-          </a:p>
-          <a:p>
-            <a:pPr lvl="1" algn="just"/>
-            <a:r>
-              <a:rPr lang="pt-PT" sz="2400" dirty="0"/>
-              <a:t>O SGBD a usar deve ser o SQL Server;</a:t>
-            </a:r>
-          </a:p>
-          <a:p>
-            <a:pPr lvl="1" algn="just"/>
-            <a:r>
-              <a:rPr lang="pt-PT" sz="2400" dirty="0"/>
-              <a:t>A aplicação será desenvolvida para web;</a:t>
-            </a:r>
-          </a:p>
-        </p:txBody>
-      </p:sp>
-    </p:spTree>
-    <p:extLst>
-      <p:ext uri="{BB962C8B-B14F-4D97-AF65-F5344CB8AC3E}">
-        <p14:creationId xmlns:p14="http://schemas.microsoft.com/office/powerpoint/2010/main" val="1620922798"/>
-      </p:ext>
-    </p:extLst>
-  </p:cSld>
-  <p:clrMapOvr>
-    <a:masterClrMapping/>
-  </p:clrMapOvr>
-  <mc:AlternateContent xmlns:mc="http://schemas.openxmlformats.org/markup-compatibility/2006" xmlns:p14="http://schemas.microsoft.com/office/powerpoint/2010/main">
-    <mc:Choice Requires="p14">
-      <p:transition spd="med" p14:dur="700">
-        <p:fade/>
-      </p:transition>
-    </mc:Choice>
-    <mc:Fallback xmlns="">
-      <p:transition spd="med">
-        <p:fade/>
-      </p:transition>
-    </mc:Fallback>
-  </mc:AlternateContent>
-  <p:timing>
-    <p:tnLst>
-      <p:par>
-        <p:cTn id="1" dur="indefinite" restart="never" nodeType="tmRoot"/>
-      </p:par>
-    </p:tnLst>
-  </p:timing>
-</p:sld>
-</file>
-
-<file path=ppt/slides/slide14.xml><?xml version="1.0" encoding="utf-8"?>
-<p:sld xmlns:a="http://schemas.openxmlformats.org/drawingml/2006/main" xmlns:r="http://schemas.openxmlformats.org/officeDocument/2006/relationships" xmlns:p="http://schemas.openxmlformats.org/presentationml/2006/main">
-  <p:cSld>
-    <p:spTree>
-      <p:nvGrpSpPr>
-        <p:cNvPr id="1" name=""/>
-        <p:cNvGrpSpPr/>
-        <p:nvPr/>
-      </p:nvGrpSpPr>
-      <p:grpSpPr>
-        <a:xfrm>
-          <a:off x="0" y="0"/>
-          <a:ext cx="0" cy="0"/>
-          <a:chOff x="0" y="0"/>
-          <a:chExt cx="0" cy="0"/>
-        </a:xfrm>
-      </p:grpSpPr>
-      <p:sp>
-        <p:nvSpPr>
-          <p:cNvPr id="4" name="Title 3"/>
-          <p:cNvSpPr>
-            <a:spLocks noGrp="1"/>
-          </p:cNvSpPr>
-          <p:nvPr>
-            <p:ph type="title"/>
-          </p:nvPr>
-        </p:nvSpPr>
-        <p:spPr/>
-        <p:txBody>
-          <a:bodyPr/>
-          <a:lstStyle/>
-          <a:p>
-            <a:r>
-              <a:rPr lang="pt-PT" dirty="0"/>
-              <a:t>Requisitos de </a:t>
-            </a:r>
-            <a:r>
-              <a:rPr lang="pt-PT" dirty="0" smtClean="0"/>
-              <a:t>sistema </a:t>
-            </a:r>
-            <a:r>
-              <a:rPr lang="pt-PT" dirty="0"/>
-              <a:t>não-funcionais</a:t>
-            </a:r>
-          </a:p>
-        </p:txBody>
-      </p:sp>
-      <p:sp>
-        <p:nvSpPr>
-          <p:cNvPr id="2" name="Content Placeholder 1"/>
-          <p:cNvSpPr>
-            <a:spLocks noGrp="1"/>
-          </p:cNvSpPr>
-          <p:nvPr>
-            <p:ph idx="1"/>
-          </p:nvPr>
-        </p:nvSpPr>
-        <p:spPr/>
-        <p:txBody>
-          <a:bodyPr>
-            <a:normAutofit/>
-          </a:bodyPr>
-          <a:lstStyle/>
-          <a:p>
-            <a:pPr algn="just"/>
-            <a:r>
-              <a:rPr lang="pt-PT" sz="2800" dirty="0"/>
-              <a:t>Externos</a:t>
-            </a:r>
-          </a:p>
-          <a:p>
-            <a:pPr lvl="1" algn="just"/>
-            <a:r>
-              <a:rPr lang="pt-PT" sz="2400" dirty="0"/>
-              <a:t>O sistema deve recorrer a uma API de mapas para representar a localização do trabalho ou até mesmo para representar a sua própria localização;</a:t>
-            </a:r>
-          </a:p>
-          <a:p>
-            <a:pPr lvl="1" algn="just"/>
-            <a:r>
-              <a:rPr lang="pt-PT" sz="2400" dirty="0"/>
-              <a:t>O sistema não deve apresentar aos utilizadores dados privados acerca dos restantes utilizadores, sendo que, cada utilizador só pode ver os seus dados e aqueles que são públicos; </a:t>
-            </a:r>
-          </a:p>
-        </p:txBody>
-      </p:sp>
-    </p:spTree>
-    <p:extLst>
-      <p:ext uri="{BB962C8B-B14F-4D97-AF65-F5344CB8AC3E}">
-        <p14:creationId xmlns:p14="http://schemas.microsoft.com/office/powerpoint/2010/main" val="374380089"/>
-      </p:ext>
-    </p:extLst>
-  </p:cSld>
-  <p:clrMapOvr>
-    <a:masterClrMapping/>
-  </p:clrMapOvr>
-  <mc:AlternateContent xmlns:mc="http://schemas.openxmlformats.org/markup-compatibility/2006" xmlns:p14="http://schemas.microsoft.com/office/powerpoint/2010/main">
-    <mc:Choice Requires="p14">
-      <p:transition spd="med" p14:dur="700">
-        <p:fade/>
-      </p:transition>
-    </mc:Choice>
-    <mc:Fallback xmlns="">
-      <p:transition spd="med">
-        <p:fade/>
-      </p:transition>
-    </mc:Fallback>
-  </mc:AlternateContent>
-  <p:timing>
-    <p:tnLst>
-      <p:par>
-        <p:cTn id="1" dur="indefinite" restart="never" nodeType="tmRoot"/>
-      </p:par>
-    </p:tnLst>
-  </p:timing>
-</p:sld>
-</file>
-
-<file path=ppt/slides/slide15.xml><?xml version="1.0" encoding="utf-8"?>
-<p:sld xmlns:a="http://schemas.openxmlformats.org/drawingml/2006/main" xmlns:r="http://schemas.openxmlformats.org/officeDocument/2006/relationships" xmlns:p="http://schemas.openxmlformats.org/presentationml/2006/main">
-  <p:cSld>
-    <p:spTree>
-      <p:nvGrpSpPr>
-        <p:cNvPr id="1" name=""/>
-        <p:cNvGrpSpPr/>
-        <p:nvPr/>
-      </p:nvGrpSpPr>
-      <p:grpSpPr>
-        <a:xfrm>
-          <a:off x="0" y="0"/>
-          <a:ext cx="0" cy="0"/>
-          <a:chOff x="0" y="0"/>
-          <a:chExt cx="0" cy="0"/>
-        </a:xfrm>
-      </p:grpSpPr>
-      <p:sp>
-        <p:nvSpPr>
-          <p:cNvPr id="4" name="Title 3"/>
-          <p:cNvSpPr>
-            <a:spLocks noGrp="1"/>
-          </p:cNvSpPr>
-          <p:nvPr>
-            <p:ph type="title"/>
-          </p:nvPr>
-        </p:nvSpPr>
-        <p:spPr/>
-        <p:txBody>
-          <a:bodyPr/>
-          <a:lstStyle/>
-          <a:p>
-            <a:r>
-              <a:rPr lang="pt-PT" dirty="0"/>
-              <a:t>Requisitos de </a:t>
-            </a:r>
-            <a:r>
-              <a:rPr lang="pt-PT" dirty="0" smtClean="0"/>
-              <a:t>sistema </a:t>
-            </a:r>
-            <a:r>
-              <a:rPr lang="pt-PT" dirty="0"/>
-              <a:t>não-funcionais</a:t>
-            </a:r>
-          </a:p>
-        </p:txBody>
-      </p:sp>
-      <p:sp>
-        <p:nvSpPr>
-          <p:cNvPr id="2" name="Content Placeholder 1"/>
-          <p:cNvSpPr>
-            <a:spLocks noGrp="1"/>
-          </p:cNvSpPr>
-          <p:nvPr>
-            <p:ph idx="1"/>
-          </p:nvPr>
-        </p:nvSpPr>
-        <p:spPr>
-          <a:xfrm>
-            <a:off x="677334" y="2160589"/>
-            <a:ext cx="8596668" cy="4352178"/>
-          </a:xfrm>
-        </p:spPr>
-        <p:txBody>
-          <a:bodyPr>
-            <a:normAutofit fontScale="92500"/>
-          </a:bodyPr>
-          <a:lstStyle/>
-          <a:p>
-            <a:pPr algn="just"/>
-            <a:r>
-              <a:rPr lang="pt-PT" sz="2800" dirty="0"/>
-              <a:t>Produto</a:t>
-            </a:r>
-          </a:p>
-          <a:p>
-            <a:pPr lvl="1" algn="just"/>
-            <a:r>
-              <a:rPr lang="pt-PT" sz="2400" dirty="0"/>
-              <a:t>O sistema deve estar disponível 24h por dia. No pior dos casos, espera-se uma disponibilidade média superior a 99%;</a:t>
-            </a:r>
-          </a:p>
-          <a:p>
-            <a:pPr lvl="1" algn="just"/>
-            <a:r>
-              <a:rPr lang="pt-PT" sz="2400" dirty="0"/>
-              <a:t>O sistema deve ser de fácil uso;</a:t>
-            </a:r>
-          </a:p>
-          <a:p>
-            <a:pPr lvl="1" algn="just"/>
-            <a:r>
-              <a:rPr lang="pt-PT" sz="2400" dirty="0"/>
-              <a:t>O sistema deve ser produzido de modo a ser executado em todos os browsers;</a:t>
-            </a:r>
-          </a:p>
-          <a:p>
-            <a:pPr lvl="1" algn="just"/>
-            <a:r>
-              <a:rPr lang="pt-PT" sz="2400" dirty="0"/>
-              <a:t>O sistema deve suportar o registo de 1000 utilizadores, no espaço de 1 ano;</a:t>
-            </a:r>
-          </a:p>
-          <a:p>
-            <a:pPr lvl="1" algn="just"/>
-            <a:r>
-              <a:rPr lang="pt-PT" sz="2400" dirty="0"/>
-              <a:t>O nível de satisfação dos utilizadores com a aplicação deverá ser elevado.</a:t>
-            </a:r>
-          </a:p>
-        </p:txBody>
-      </p:sp>
-    </p:spTree>
-    <p:extLst>
-      <p:ext uri="{BB962C8B-B14F-4D97-AF65-F5344CB8AC3E}">
-        <p14:creationId xmlns:p14="http://schemas.microsoft.com/office/powerpoint/2010/main" val="206296111"/>
-      </p:ext>
-    </p:extLst>
-  </p:cSld>
-  <p:clrMapOvr>
-    <a:masterClrMapping/>
-  </p:clrMapOvr>
-  <mc:AlternateContent xmlns:mc="http://schemas.openxmlformats.org/markup-compatibility/2006" xmlns:p14="http://schemas.microsoft.com/office/powerpoint/2010/main">
-    <mc:Choice Requires="p14">
-      <p:transition spd="med" p14:dur="700">
-        <p:fade/>
-      </p:transition>
-    </mc:Choice>
-    <mc:Fallback xmlns="">
-      <p:transition spd="med">
-        <p:fade/>
-      </p:transition>
-    </mc:Fallback>
-  </mc:AlternateContent>
-  <p:timing>
-    <p:tnLst>
-      <p:par>
-        <p:cTn id="1" dur="indefinite" restart="never" nodeType="tmRoot"/>
-      </p:par>
-    </p:tnLst>
-  </p:timing>
-</p:sld>
-</file>
-
-<file path=ppt/slides/slide16.xml><?xml version="1.0" encoding="utf-8"?>
 <p:sld xmlns:a="http://schemas.openxmlformats.org/drawingml/2006/main" xmlns:r="http://schemas.openxmlformats.org/officeDocument/2006/relationships" xmlns:p="http://schemas.openxmlformats.org/presentationml/2006/main">
   <p:cSld>
     <p:spTree>
@@ -7798,7 +7007,7 @@
 </p:sld>
 </file>
 
-<file path=ppt/slides/slide17.xml><?xml version="1.0" encoding="utf-8"?>
+<file path=ppt/slides/slide11.xml><?xml version="1.0" encoding="utf-8"?>
 <p:sld xmlns:a="http://schemas.openxmlformats.org/drawingml/2006/main" xmlns:r="http://schemas.openxmlformats.org/officeDocument/2006/relationships" xmlns:p="http://schemas.openxmlformats.org/presentationml/2006/main">
   <p:cSld>
     <p:spTree>
@@ -7867,13 +7076,40 @@
               </a:ext>
             </a:extLst>
           </a:blip>
-          <a:srcRect b="36953"/>
           <a:stretch/>
         </p:blipFill>
         <p:spPr>
           <a:xfrm>
-            <a:off x="677334" y="1750041"/>
-            <a:ext cx="4806178" cy="4706743"/>
+            <a:off x="1519977" y="2160588"/>
+            <a:ext cx="2498833" cy="3881437"/>
+          </a:xfrm>
+        </p:spPr>
+      </p:pic>
+      <p:pic>
+        <p:nvPicPr>
+          <p:cNvPr id="6" name="Content Placeholder 5"/>
+          <p:cNvPicPr>
+            <a:picLocks noGrp="1" noChangeAspect="1"/>
+          </p:cNvPicPr>
+          <p:nvPr>
+            <p:ph sz="half" idx="2"/>
+          </p:nvPr>
+        </p:nvPicPr>
+        <p:blipFill rotWithShape="1">
+          <a:blip r:embed="rId2">
+            <a:extLst>
+              <a:ext uri="{28A0092B-C50C-407E-A947-70E740481C1C}">
+                <a14:useLocalDpi xmlns:a14="http://schemas.microsoft.com/office/drawing/2010/main" val="0"/>
+              </a:ext>
+            </a:extLst>
+          </a:blip>
+          <a:srcRect t="58915" b="841"/>
+          <a:stretch/>
+        </p:blipFill>
+        <p:spPr>
+          <a:xfrm>
+            <a:off x="5913772" y="1824684"/>
+            <a:ext cx="5469575" cy="3419118"/>
           </a:xfrm>
         </p:spPr>
       </p:pic>
@@ -7904,34 +7140,6 @@
           <a:prstGeom prst="rect">
             <a:avLst/>
           </a:prstGeom>
-        </p:spPr>
-      </p:pic>
-      <p:pic>
-        <p:nvPicPr>
-          <p:cNvPr id="6" name="Content Placeholder 5"/>
-          <p:cNvPicPr>
-            <a:picLocks noGrp="1" noChangeAspect="1"/>
-          </p:cNvPicPr>
-          <p:nvPr>
-            <p:ph sz="half" idx="2"/>
-          </p:nvPr>
-        </p:nvPicPr>
-        <p:blipFill rotWithShape="1">
-          <a:blip r:embed="rId2">
-            <a:extLst>
-              <a:ext uri="{28A0092B-C50C-407E-A947-70E740481C1C}">
-                <a14:useLocalDpi xmlns:a14="http://schemas.microsoft.com/office/drawing/2010/main" val="0"/>
-              </a:ext>
-            </a:extLst>
-          </a:blip>
-          <a:srcRect t="58915" b="841"/>
-          <a:stretch/>
-        </p:blipFill>
-        <p:spPr>
-          <a:xfrm>
-            <a:off x="5913772" y="1824684"/>
-            <a:ext cx="5469575" cy="3419118"/>
-          </a:xfrm>
         </p:spPr>
       </p:pic>
     </p:spTree>
@@ -7966,7 +7174,7 @@
 </p:sld>
 </file>
 
-<file path=ppt/slides/slide18.xml><?xml version="1.0" encoding="utf-8"?>
+<file path=ppt/slides/slide12.xml><?xml version="1.0" encoding="utf-8"?>
 <p:sld xmlns:a="http://schemas.openxmlformats.org/drawingml/2006/main" xmlns:r="http://schemas.openxmlformats.org/officeDocument/2006/relationships" xmlns:p="http://schemas.openxmlformats.org/presentationml/2006/main">
   <p:cSld>
     <p:spTree>
@@ -8134,7 +7342,7 @@
 </p:sld>
 </file>
 
-<file path=ppt/slides/slide19.xml><?xml version="1.0" encoding="utf-8"?>
+<file path=ppt/slides/slide13.xml><?xml version="1.0" encoding="utf-8"?>
 <p:sld xmlns:a="http://schemas.openxmlformats.org/drawingml/2006/main" xmlns:r="http://schemas.openxmlformats.org/officeDocument/2006/relationships" xmlns:p="http://schemas.openxmlformats.org/presentationml/2006/main">
   <p:cSld>
     <p:spTree>
@@ -8239,7 +7447,7 @@
 </p:sld>
 </file>
 
-<file path=ppt/slides/slide2.xml><?xml version="1.0" encoding="utf-8"?>
+<file path=ppt/slides/slide14.xml><?xml version="1.0" encoding="utf-8"?>
 <p:sld xmlns:a="http://schemas.openxmlformats.org/drawingml/2006/main" xmlns:r="http://schemas.openxmlformats.org/officeDocument/2006/relationships" xmlns:p="http://schemas.openxmlformats.org/presentationml/2006/main">
   <p:cSld>
     <p:spTree>
@@ -8266,99 +7474,6 @@
             <p:ph type="title"/>
           </p:nvPr>
         </p:nvSpPr>
-        <p:spPr/>
-        <p:txBody>
-          <a:bodyPr/>
-          <a:lstStyle/>
-          <a:p>
-            <a:r>
-              <a:rPr lang="pt-PT" dirty="0"/>
-              <a:t>Parte I</a:t>
-            </a:r>
-          </a:p>
-        </p:txBody>
-      </p:sp>
-      <p:sp>
-        <p:nvSpPr>
-          <p:cNvPr id="3" name="Text Placeholder 2"/>
-          <p:cNvSpPr>
-            <a:spLocks noGrp="1"/>
-          </p:cNvSpPr>
-          <p:nvPr>
-            <p:ph type="body" idx="1"/>
-          </p:nvPr>
-        </p:nvSpPr>
-        <p:spPr/>
-        <p:txBody>
-          <a:bodyPr/>
-          <a:lstStyle/>
-          <a:p>
-            <a:r>
-              <a:rPr lang="pt-PT" dirty="0"/>
-              <a:t>Fundamentação</a:t>
-            </a:r>
-          </a:p>
-        </p:txBody>
-      </p:sp>
-    </p:spTree>
-    <p:extLst>
-      <p:ext uri="{BB962C8B-B14F-4D97-AF65-F5344CB8AC3E}">
-        <p14:creationId xmlns:p14="http://schemas.microsoft.com/office/powerpoint/2010/main" val="2134899933"/>
-      </p:ext>
-    </p:extLst>
-  </p:cSld>
-  <p:clrMapOvr>
-    <a:masterClrMapping/>
-  </p:clrMapOvr>
-  <mc:AlternateContent xmlns:mc="http://schemas.openxmlformats.org/markup-compatibility/2006" xmlns:p14="http://schemas.microsoft.com/office/powerpoint/2010/main">
-    <mc:Choice Requires="p14">
-      <p:transition spd="med" p14:dur="700">
-        <p:fade/>
-      </p:transition>
-    </mc:Choice>
-    <mc:Fallback xmlns="">
-      <p:transition spd="med">
-        <p:fade/>
-      </p:transition>
-    </mc:Fallback>
-  </mc:AlternateContent>
-  <p:timing>
-    <p:tnLst>
-      <p:par>
-        <p:cTn id="1" dur="indefinite" restart="never" nodeType="tmRoot"/>
-      </p:par>
-    </p:tnLst>
-  </p:timing>
-</p:sld>
-</file>
-
-<file path=ppt/slides/slide20.xml><?xml version="1.0" encoding="utf-8"?>
-<p:sld xmlns:a="http://schemas.openxmlformats.org/drawingml/2006/main" xmlns:r="http://schemas.openxmlformats.org/officeDocument/2006/relationships" xmlns:p="http://schemas.openxmlformats.org/presentationml/2006/main">
-  <p:cSld>
-    <p:spTree>
-      <p:nvGrpSpPr>
-        <p:cNvPr id="1" name=""/>
-        <p:cNvGrpSpPr/>
-        <p:nvPr/>
-      </p:nvGrpSpPr>
-      <p:grpSpPr>
-        <a:xfrm>
-          <a:off x="0" y="0"/>
-          <a:ext cx="0" cy="0"/>
-          <a:chOff x="0" y="0"/>
-          <a:chExt cx="0" cy="0"/>
-        </a:xfrm>
-      </p:grpSpPr>
-      <p:sp>
-        <p:nvSpPr>
-          <p:cNvPr id="2" name="Title 1"/>
-          <p:cNvSpPr>
-            <a:spLocks noGrp="1"/>
-          </p:cNvSpPr>
-          <p:nvPr>
-            <p:ph type="title"/>
-          </p:nvPr>
-        </p:nvSpPr>
         <p:spPr>
           <a:xfrm>
             <a:off x="677334" y="273698"/>
@@ -8407,8 +7522,8 @@
         </p:blipFill>
         <p:spPr>
           <a:xfrm>
-            <a:off x="677334" y="2220686"/>
-            <a:ext cx="10831168" cy="3903329"/>
+            <a:off x="677863" y="3347562"/>
+            <a:ext cx="4183062" cy="1507489"/>
           </a:xfrm>
         </p:spPr>
       </p:pic>
@@ -8444,7 +7559,7 @@
 </p:sld>
 </file>
 
-<file path=ppt/slides/slide21.xml><?xml version="1.0" encoding="utf-8"?>
+<file path=ppt/slides/slide15.xml><?xml version="1.0" encoding="utf-8"?>
 <p:sld xmlns:a="http://schemas.openxmlformats.org/drawingml/2006/main" xmlns:r="http://schemas.openxmlformats.org/officeDocument/2006/relationships" xmlns:p="http://schemas.openxmlformats.org/presentationml/2006/main">
   <p:cSld>
     <p:spTree>
@@ -8548,7 +7663,7 @@
 </p:sld>
 </file>
 
-<file path=ppt/slides/slide22.xml><?xml version="1.0" encoding="utf-8"?>
+<file path=ppt/slides/slide16.xml><?xml version="1.0" encoding="utf-8"?>
 <p:sld xmlns:a="http://schemas.openxmlformats.org/drawingml/2006/main" xmlns:r="http://schemas.openxmlformats.org/officeDocument/2006/relationships" xmlns:p="http://schemas.openxmlformats.org/presentationml/2006/main">
   <p:cSld>
     <p:spTree>
@@ -8653,7 +7768,7 @@
 </p:sld>
 </file>
 
-<file path=ppt/slides/slide23.xml><?xml version="1.0" encoding="utf-8"?>
+<file path=ppt/slides/slide17.xml><?xml version="1.0" encoding="utf-8"?>
 <p:sld xmlns:a="http://schemas.openxmlformats.org/drawingml/2006/main" xmlns:r="http://schemas.openxmlformats.org/officeDocument/2006/relationships" xmlns:p="http://schemas.openxmlformats.org/presentationml/2006/main">
   <p:cSld>
     <p:spTree>
@@ -8788,7 +7903,7 @@
 </p:sld>
 </file>
 
-<file path=ppt/slides/slide24.xml><?xml version="1.0" encoding="utf-8"?>
+<file path=ppt/slides/slide18.xml><?xml version="1.0" encoding="utf-8"?>
 <p:sld xmlns:a="http://schemas.openxmlformats.org/drawingml/2006/main" xmlns:r="http://schemas.openxmlformats.org/officeDocument/2006/relationships" xmlns:p="http://schemas.openxmlformats.org/presentationml/2006/main">
   <p:cSld>
     <p:spTree>
@@ -8923,7 +8038,7 @@
 </p:sld>
 </file>
 
-<file path=ppt/slides/slide25.xml><?xml version="1.0" encoding="utf-8"?>
+<file path=ppt/slides/slide19.xml><?xml version="1.0" encoding="utf-8"?>
 <p:sld xmlns:a="http://schemas.openxmlformats.org/drawingml/2006/main" xmlns:r="http://schemas.openxmlformats.org/officeDocument/2006/relationships" xmlns:p="http://schemas.openxmlformats.org/presentationml/2006/main">
   <p:cSld>
     <p:spTree>
@@ -9028,7 +8143,110 @@
 </p:sld>
 </file>
 
-<file path=ppt/slides/slide26.xml><?xml version="1.0" encoding="utf-8"?>
+<file path=ppt/slides/slide2.xml><?xml version="1.0" encoding="utf-8"?>
+<p:sld xmlns:a="http://schemas.openxmlformats.org/drawingml/2006/main" xmlns:r="http://schemas.openxmlformats.org/officeDocument/2006/relationships" xmlns:p="http://schemas.openxmlformats.org/presentationml/2006/main">
+  <p:cSld>
+    <p:spTree>
+      <p:nvGrpSpPr>
+        <p:cNvPr id="1" name=""/>
+        <p:cNvGrpSpPr/>
+        <p:nvPr/>
+      </p:nvGrpSpPr>
+      <p:grpSpPr>
+        <a:xfrm>
+          <a:off x="0" y="0"/>
+          <a:ext cx="0" cy="0"/>
+          <a:chOff x="0" y="0"/>
+          <a:chExt cx="0" cy="0"/>
+        </a:xfrm>
+      </p:grpSpPr>
+      <p:sp>
+        <p:nvSpPr>
+          <p:cNvPr id="2" name="Title 1"/>
+          <p:cNvSpPr>
+            <a:spLocks noGrp="1"/>
+          </p:cNvSpPr>
+          <p:nvPr>
+            <p:ph type="title"/>
+          </p:nvPr>
+        </p:nvSpPr>
+        <p:spPr/>
+        <p:txBody>
+          <a:bodyPr>
+            <a:normAutofit/>
+          </a:bodyPr>
+          <a:lstStyle/>
+          <a:p>
+            <a:r>
+              <a:rPr lang="pt-PT" sz="5400" dirty="0"/>
+              <a:t>Parte </a:t>
+            </a:r>
+            <a:r>
+              <a:rPr lang="pt-PT" sz="5400" dirty="0" smtClean="0"/>
+              <a:t>III</a:t>
+            </a:r>
+            <a:endParaRPr lang="pt-PT" sz="5400" dirty="0"/>
+          </a:p>
+        </p:txBody>
+      </p:sp>
+      <p:sp>
+        <p:nvSpPr>
+          <p:cNvPr id="3" name="Text Placeholder 2"/>
+          <p:cNvSpPr>
+            <a:spLocks noGrp="1"/>
+          </p:cNvSpPr>
+          <p:nvPr>
+            <p:ph type="body" idx="1"/>
+          </p:nvPr>
+        </p:nvSpPr>
+        <p:spPr/>
+        <p:txBody>
+          <a:bodyPr>
+            <a:normAutofit/>
+          </a:bodyPr>
+          <a:lstStyle/>
+          <a:p>
+            <a:r>
+              <a:rPr lang="pt-PT" sz="3200" dirty="0" smtClean="0"/>
+              <a:t>Implementação</a:t>
+            </a:r>
+            <a:endParaRPr lang="pt-PT" sz="3200" dirty="0"/>
+          </a:p>
+        </p:txBody>
+      </p:sp>
+    </p:spTree>
+    <p:extLst>
+      <p:ext uri="{BB962C8B-B14F-4D97-AF65-F5344CB8AC3E}">
+        <p14:creationId xmlns:p14="http://schemas.microsoft.com/office/powerpoint/2010/main" val="2134899933"/>
+      </p:ext>
+    </p:extLst>
+  </p:cSld>
+  <p:clrMapOvr>
+    <a:masterClrMapping/>
+  </p:clrMapOvr>
+  <mc:AlternateContent xmlns:mc="http://schemas.openxmlformats.org/markup-compatibility/2006" xmlns:p14="http://schemas.microsoft.com/office/powerpoint/2010/main">
+    <mc:Choice Requires="p14">
+      <p:transition spd="med" p14:dur="700">
+        <p:fade/>
+      </p:transition>
+    </mc:Choice>
+    <mc:Fallback xmlns="">
+      <p:transition spd="med">
+        <p:fade/>
+      </p:transition>
+    </mc:Fallback>
+  </mc:AlternateContent>
+  <p:timing>
+    <p:tnLst>
+      <p:par>
+        <p:cTn id="1" dur="indefinite" restart="never" nodeType="tmRoot"/>
+      </p:par>
+    </p:tnLst>
+  </p:timing>
+</p:sld>
+</file>
+
+<file path=ppt/slides/slide20.xml><?xml version="1.0" encoding="utf-8"?>
 <p:sld xmlns:a="http://schemas.openxmlformats.org/drawingml/2006/main" xmlns:r="http://schemas.openxmlformats.org/officeDocument/2006/relationships" xmlns:p="http://schemas.openxmlformats.org/presentationml/2006/main">
   <p:cSld>
     <p:spTree>
@@ -9126,7 +8344,7 @@
 </p:sld>
 </file>
 
-<file path=ppt/slides/slide27.xml><?xml version="1.0" encoding="utf-8"?>
+<file path=ppt/slides/slide21.xml><?xml version="1.0" encoding="utf-8"?>
 <p:sld xmlns:a="http://schemas.openxmlformats.org/drawingml/2006/main" xmlns:r="http://schemas.openxmlformats.org/officeDocument/2006/relationships" xmlns:p="http://schemas.openxmlformats.org/presentationml/2006/main">
   <p:cSld>
     <p:spTree>
@@ -9386,7 +8604,7 @@
 </p:sld>
 </file>
 
-<file path=ppt/slides/slide28.xml><?xml version="1.0" encoding="utf-8"?>
+<file path=ppt/slides/slide22.xml><?xml version="1.0" encoding="utf-8"?>
 <p:sld xmlns:a="http://schemas.openxmlformats.org/drawingml/2006/main" xmlns:r="http://schemas.openxmlformats.org/officeDocument/2006/relationships" xmlns:p="http://schemas.openxmlformats.org/presentationml/2006/main">
   <p:cSld>
     <p:spTree>
@@ -9426,26 +8644,195 @@
           </a:p>
         </p:txBody>
       </p:sp>
-      <p:sp>
-        <p:nvSpPr>
-          <p:cNvPr id="3" name="Content Placeholder 2"/>
-          <p:cNvSpPr>
-            <a:spLocks noGrp="1"/>
-          </p:cNvSpPr>
-          <p:nvPr>
-            <p:ph idx="1"/>
-          </p:nvPr>
-        </p:nvSpPr>
-        <p:spPr/>
-        <p:txBody>
-          <a:bodyPr/>
+      <p:pic>
+        <p:nvPicPr>
+          <p:cNvPr id="1027" name="Imagem 21"/>
+          <p:cNvPicPr>
+            <a:picLocks noChangeAspect="1" noChangeArrowheads="1"/>
+          </p:cNvPicPr>
+          <p:nvPr/>
+        </p:nvPicPr>
+        <p:blipFill>
+          <a:blip r:embed="rId2">
+            <a:extLst>
+              <a:ext uri="{28A0092B-C50C-407E-A947-70E740481C1C}">
+                <a14:useLocalDpi xmlns:a14="http://schemas.microsoft.com/office/drawing/2010/main" val="0"/>
+              </a:ext>
+            </a:extLst>
+          </a:blip>
+          <a:srcRect/>
+          <a:stretch>
+            <a:fillRect/>
+          </a:stretch>
+        </p:blipFill>
+        <p:spPr bwMode="auto">
+          <a:xfrm>
+            <a:off x="677334" y="1473905"/>
+            <a:ext cx="3815644" cy="5022412"/>
+          </a:xfrm>
+          <a:prstGeom prst="rect">
+            <a:avLst/>
+          </a:prstGeom>
+          <a:noFill/>
+          <a:ln>
+            <a:noFill/>
+          </a:ln>
+          <a:extLst>
+            <a:ext uri="{909E8E84-426E-40DD-AFC4-6F175D3DCCD1}">
+              <a14:hiddenFill xmlns:a14="http://schemas.microsoft.com/office/drawing/2010/main">
+                <a:solidFill>
+                  <a:srgbClr val="FFFFFF"/>
+                </a:solidFill>
+              </a14:hiddenFill>
+            </a:ext>
+            <a:ext uri="{91240B29-F687-4F45-9708-019B960494DF}">
+              <a14:hiddenLine xmlns:a14="http://schemas.microsoft.com/office/drawing/2010/main" w="9525">
+                <a:solidFill>
+                  <a:srgbClr val="000000"/>
+                </a:solidFill>
+                <a:miter lim="800000"/>
+                <a:headEnd/>
+                <a:tailEnd/>
+              </a14:hiddenLine>
+            </a:ext>
+          </a:extLst>
+        </p:spPr>
+      </p:pic>
+      <p:pic>
+        <p:nvPicPr>
+          <p:cNvPr id="1028" name="Picture 4" descr="professional"/>
+          <p:cNvPicPr>
+            <a:picLocks noChangeAspect="1" noChangeArrowheads="1"/>
+          </p:cNvPicPr>
+          <p:nvPr/>
+        </p:nvPicPr>
+        <p:blipFill rotWithShape="1">
+          <a:blip r:embed="rId3">
+            <a:extLst>
+              <a:ext uri="{28A0092B-C50C-407E-A947-70E740481C1C}">
+                <a14:useLocalDpi xmlns:a14="http://schemas.microsoft.com/office/drawing/2010/main" val="0"/>
+              </a:ext>
+            </a:extLst>
+          </a:blip>
+          <a:srcRect r="39902" b="68532"/>
+          <a:stretch/>
+        </p:blipFill>
+        <p:spPr bwMode="auto">
+          <a:xfrm>
+            <a:off x="4492978" y="1809530"/>
+            <a:ext cx="4799261" cy="4351162"/>
+          </a:xfrm>
+          <a:prstGeom prst="rect">
+            <a:avLst/>
+          </a:prstGeom>
+          <a:noFill/>
+          <a:ln>
+            <a:noFill/>
+          </a:ln>
+          <a:extLst>
+            <a:ext uri="{909E8E84-426E-40DD-AFC4-6F175D3DCCD1}">
+              <a14:hiddenFill xmlns:a14="http://schemas.microsoft.com/office/drawing/2010/main">
+                <a:solidFill>
+                  <a:srgbClr val="FFFFFF"/>
+                </a:solidFill>
+              </a14:hiddenFill>
+            </a:ext>
+            <a:ext uri="{91240B29-F687-4F45-9708-019B960494DF}">
+              <a14:hiddenLine xmlns:a14="http://schemas.microsoft.com/office/drawing/2010/main" w="9525">
+                <a:solidFill>
+                  <a:srgbClr val="000000"/>
+                </a:solidFill>
+                <a:miter lim="800000"/>
+                <a:headEnd/>
+                <a:tailEnd/>
+              </a14:hiddenLine>
+            </a:ext>
+          </a:extLst>
+        </p:spPr>
+      </p:pic>
+      <p:sp>
+        <p:nvSpPr>
+          <p:cNvPr id="7" name="Right Arrow 6"/>
+          <p:cNvSpPr/>
+          <p:nvPr/>
+        </p:nvSpPr>
+        <p:spPr>
+          <a:xfrm rot="1258784">
+            <a:off x="3898060" y="2548291"/>
+            <a:ext cx="1783289" cy="416413"/>
+          </a:xfrm>
+          <a:prstGeom prst="rightArrow">
+            <a:avLst>
+              <a:gd name="adj1" fmla="val 45000"/>
+              <a:gd name="adj2" fmla="val 50000"/>
+            </a:avLst>
+          </a:prstGeom>
+        </p:spPr>
+        <p:style>
+          <a:lnRef idx="2">
+            <a:schemeClr val="accent1">
+              <a:shade val="50000"/>
+            </a:schemeClr>
+          </a:lnRef>
+          <a:fillRef idx="1">
+            <a:schemeClr val="accent1"/>
+          </a:fillRef>
+          <a:effectRef idx="0">
+            <a:schemeClr val="accent1"/>
+          </a:effectRef>
+          <a:fontRef idx="minor">
+            <a:schemeClr val="lt1"/>
+          </a:fontRef>
+        </p:style>
+        <p:txBody>
+          <a:bodyPr rtlCol="0" anchor="ctr"/>
           <a:lstStyle/>
           <a:p>
-            <a:r>
-              <a:rPr lang="pt-PT" dirty="0" smtClean="0"/>
-              <a:t>puntzzz</a:t>
-            </a:r>
-            <a:endParaRPr lang="pt-PT" dirty="0"/>
+            <a:pPr algn="ctr"/>
+            <a:endParaRPr lang="pt-PT"/>
+          </a:p>
+        </p:txBody>
+      </p:sp>
+      <p:sp>
+        <p:nvSpPr>
+          <p:cNvPr id="12" name="Right Arrow 11"/>
+          <p:cNvSpPr/>
+          <p:nvPr/>
+        </p:nvSpPr>
+        <p:spPr>
+          <a:xfrm rot="3188788">
+            <a:off x="3527595" y="3491075"/>
+            <a:ext cx="2524217" cy="477884"/>
+          </a:xfrm>
+          <a:prstGeom prst="rightArrow">
+            <a:avLst>
+              <a:gd name="adj1" fmla="val 45000"/>
+              <a:gd name="adj2" fmla="val 50000"/>
+            </a:avLst>
+          </a:prstGeom>
+        </p:spPr>
+        <p:style>
+          <a:lnRef idx="2">
+            <a:schemeClr val="accent1">
+              <a:shade val="50000"/>
+            </a:schemeClr>
+          </a:lnRef>
+          <a:fillRef idx="1">
+            <a:schemeClr val="accent1"/>
+          </a:fillRef>
+          <a:effectRef idx="0">
+            <a:schemeClr val="accent1"/>
+          </a:effectRef>
+          <a:fontRef idx="minor">
+            <a:schemeClr val="lt1"/>
+          </a:fontRef>
+        </p:style>
+        <p:txBody>
+          <a:bodyPr rtlCol="0" anchor="ctr"/>
+          <a:lstStyle/>
+          <a:p>
+            <a:pPr algn="ctr"/>
+            <a:endParaRPr lang="pt-PT"/>
           </a:p>
         </p:txBody>
       </p:sp>
@@ -9462,7 +8849,7 @@
 </p:sld>
 </file>
 
-<file path=ppt/slides/slide29.xml><?xml version="1.0" encoding="utf-8"?>
+<file path=ppt/slides/slide23.xml><?xml version="1.0" encoding="utf-8"?>
 <p:sld xmlns:a="http://schemas.openxmlformats.org/drawingml/2006/main" xmlns:r="http://schemas.openxmlformats.org/officeDocument/2006/relationships" xmlns:p="http://schemas.openxmlformats.org/presentationml/2006/main">
   <p:cSld>
     <p:spTree>
@@ -9496,39 +8883,39 @@
           <a:p>
             <a:r>
               <a:rPr lang="pt-PT" dirty="0" smtClean="0"/>
-              <a:t>Agendar Trabalho</a:t>
+              <a:t>Base de Dados e Povoamento</a:t>
             </a:r>
             <a:endParaRPr lang="pt-PT" dirty="0"/>
           </a:p>
         </p:txBody>
       </p:sp>
-      <p:sp>
-        <p:nvSpPr>
-          <p:cNvPr id="3" name="Content Placeholder 2"/>
-          <p:cNvSpPr>
-            <a:spLocks noGrp="1"/>
-          </p:cNvSpPr>
-          <p:nvPr>
-            <p:ph idx="1"/>
-          </p:nvPr>
-        </p:nvSpPr>
-        <p:spPr/>
-        <p:txBody>
-          <a:bodyPr/>
-          <a:lstStyle/>
-          <a:p>
-            <a:r>
-              <a:rPr lang="pt-PT" dirty="0" smtClean="0"/>
-              <a:t>Imagens ilustrativas</a:t>
-            </a:r>
-            <a:endParaRPr lang="pt-PT" dirty="0"/>
-          </a:p>
-        </p:txBody>
-      </p:sp>
+      <p:pic>
+        <p:nvPicPr>
+          <p:cNvPr id="3" name="Picture 2"/>
+          <p:cNvPicPr>
+            <a:picLocks noChangeAspect="1"/>
+          </p:cNvPicPr>
+          <p:nvPr/>
+        </p:nvPicPr>
+        <p:blipFill rotWithShape="1">
+          <a:blip r:embed="rId2"/>
+          <a:srcRect r="28175"/>
+          <a:stretch/>
+        </p:blipFill>
+        <p:spPr>
+          <a:xfrm>
+            <a:off x="677333" y="1512711"/>
+            <a:ext cx="10397067" cy="4978400"/>
+          </a:xfrm>
+          <a:prstGeom prst="rect">
+            <a:avLst/>
+          </a:prstGeom>
+        </p:spPr>
+      </p:pic>
     </p:spTree>
     <p:extLst>
       <p:ext uri="{BB962C8B-B14F-4D97-AF65-F5344CB8AC3E}">
-        <p14:creationId xmlns:p14="http://schemas.microsoft.com/office/powerpoint/2010/main" val="257212372"/>
+        <p14:creationId xmlns:p14="http://schemas.microsoft.com/office/powerpoint/2010/main" val="1979842429"/>
       </p:ext>
     </p:extLst>
   </p:cSld>
@@ -9538,7 +8925,7 @@
 </p:sld>
 </file>
 
-<file path=ppt/slides/slide3.xml><?xml version="1.0" encoding="utf-8"?>
+<file path=ppt/slides/slide24.xml><?xml version="1.0" encoding="utf-8"?>
 <p:sld xmlns:a="http://schemas.openxmlformats.org/drawingml/2006/main" xmlns:r="http://schemas.openxmlformats.org/officeDocument/2006/relationships" xmlns:p="http://schemas.openxmlformats.org/presentationml/2006/main">
   <p:cSld>
     <p:spTree>
@@ -9557,13 +8944,30 @@
       </p:grpSpPr>
       <p:sp>
         <p:nvSpPr>
-          <p:cNvPr id="3" name="Marcador de Posição de Conteúdo 2">
-            <a:extLst>
-              <a:ext uri="{FF2B5EF4-FFF2-40B4-BE49-F238E27FC236}">
-                <a16:creationId xmlns:a16="http://schemas.microsoft.com/office/drawing/2014/main" id="{78155F68-0F43-4FE9-A743-20F9DAFEFA50}"/>
-              </a:ext>
-            </a:extLst>
-          </p:cNvPr>
+          <p:cNvPr id="2" name="Title 1"/>
+          <p:cNvSpPr>
+            <a:spLocks noGrp="1"/>
+          </p:cNvSpPr>
+          <p:nvPr>
+            <p:ph type="title"/>
+          </p:nvPr>
+        </p:nvSpPr>
+        <p:spPr/>
+        <p:txBody>
+          <a:bodyPr/>
+          <a:lstStyle/>
+          <a:p>
+            <a:r>
+              <a:rPr lang="pt-PT" dirty="0" smtClean="0"/>
+              <a:t>Agendar Trabalho</a:t>
+            </a:r>
+            <a:endParaRPr lang="pt-PT" dirty="0"/>
+          </a:p>
+        </p:txBody>
+      </p:sp>
+      <p:sp>
+        <p:nvSpPr>
+          <p:cNvPr id="3" name="Content Placeholder 2"/>
           <p:cNvSpPr>
             <a:spLocks noGrp="1"/>
           </p:cNvSpPr>
@@ -9571,172 +8975,33 @@
             <p:ph idx="1"/>
           </p:nvPr>
         </p:nvSpPr>
-        <p:spPr>
-          <a:xfrm>
-            <a:off x="677334" y="706583"/>
-            <a:ext cx="8596668" cy="5334780"/>
-          </a:xfrm>
-        </p:spPr>
-        <p:txBody>
-          <a:bodyPr>
-            <a:normAutofit/>
-          </a:bodyPr>
+        <p:spPr/>
+        <p:txBody>
+          <a:bodyPr/>
           <a:lstStyle/>
           <a:p>
-            <a:pPr>
-              <a:lnSpc>
-                <a:spcPct val="150000"/>
-              </a:lnSpc>
-            </a:pPr>
-            <a:r>
-              <a:rPr lang="pt-PT" sz="2000" dirty="0">
-                <a:solidFill>
-                  <a:schemeClr val="tx1"/>
-                </a:solidFill>
-              </a:rPr>
-              <a:t>Contextualização </a:t>
-            </a:r>
-          </a:p>
-          <a:p>
-            <a:pPr>
-              <a:lnSpc>
-                <a:spcPct val="150000"/>
-              </a:lnSpc>
-            </a:pPr>
-            <a:r>
-              <a:rPr lang="pt-PT" sz="2000" dirty="0">
-                <a:solidFill>
-                  <a:schemeClr val="tx1"/>
-                </a:solidFill>
-              </a:rPr>
-              <a:t>Motivação e Objetivos</a:t>
-            </a:r>
-          </a:p>
-          <a:p>
-            <a:pPr>
-              <a:lnSpc>
-                <a:spcPct val="150000"/>
-              </a:lnSpc>
-            </a:pPr>
-            <a:r>
-              <a:rPr lang="pt-PT" sz="2000" dirty="0">
-                <a:solidFill>
-                  <a:schemeClr val="tx1"/>
-                </a:solidFill>
-              </a:rPr>
-              <a:t>Definição da Identidade do Sistema a Desenvolver </a:t>
-            </a:r>
-          </a:p>
-          <a:p>
-            <a:pPr>
-              <a:lnSpc>
-                <a:spcPct val="150000"/>
-              </a:lnSpc>
-            </a:pPr>
-            <a:r>
-              <a:rPr lang="pt-PT" sz="2000" dirty="0">
-                <a:solidFill>
-                  <a:schemeClr val="tx1"/>
-                </a:solidFill>
-              </a:rPr>
-              <a:t>Análise de Viabilidade </a:t>
-            </a:r>
-          </a:p>
-          <a:p>
-            <a:pPr>
-              <a:lnSpc>
-                <a:spcPct val="150000"/>
-              </a:lnSpc>
-            </a:pPr>
-            <a:r>
-              <a:rPr lang="pt-PT" sz="2000" dirty="0">
-                <a:solidFill>
-                  <a:schemeClr val="tx1"/>
-                </a:solidFill>
-              </a:rPr>
-              <a:t>Identificação dos Recursos Necessários </a:t>
-            </a:r>
-          </a:p>
-          <a:p>
-            <a:pPr>
-              <a:lnSpc>
-                <a:spcPct val="150000"/>
-              </a:lnSpc>
-            </a:pPr>
-            <a:r>
-              <a:rPr lang="pt-PT" sz="2000" dirty="0">
-                <a:solidFill>
-                  <a:schemeClr val="tx1"/>
-                </a:solidFill>
-              </a:rPr>
-              <a:t>Modelo de Sistema </a:t>
-            </a:r>
-          </a:p>
-          <a:p>
-            <a:pPr>
-              <a:lnSpc>
-                <a:spcPct val="150000"/>
-              </a:lnSpc>
-            </a:pPr>
-            <a:r>
-              <a:rPr lang="pt-PT" sz="2000" dirty="0">
-                <a:solidFill>
-                  <a:schemeClr val="tx1"/>
-                </a:solidFill>
-              </a:rPr>
-              <a:t>Definição de Medidas de Sucesso </a:t>
-            </a:r>
-          </a:p>
-          <a:p>
-            <a:pPr>
-              <a:lnSpc>
-                <a:spcPct val="150000"/>
-              </a:lnSpc>
-            </a:pPr>
-            <a:r>
-              <a:rPr lang="pt-PT" sz="2000" dirty="0">
-                <a:solidFill>
-                  <a:schemeClr val="tx1"/>
-                </a:solidFill>
-              </a:rPr>
-              <a:t>Plano de Desenvolvimento </a:t>
-            </a:r>
+            <a:r>
+              <a:rPr lang="pt-PT" dirty="0" smtClean="0"/>
+              <a:t>Imagens ilustrativas</a:t>
+            </a:r>
+            <a:endParaRPr lang="pt-PT" dirty="0"/>
           </a:p>
         </p:txBody>
       </p:sp>
     </p:spTree>
     <p:extLst>
       <p:ext uri="{BB962C8B-B14F-4D97-AF65-F5344CB8AC3E}">
-        <p14:creationId xmlns:p14="http://schemas.microsoft.com/office/powerpoint/2010/main" val="482868652"/>
+        <p14:creationId xmlns:p14="http://schemas.microsoft.com/office/powerpoint/2010/main" val="257212372"/>
       </p:ext>
     </p:extLst>
   </p:cSld>
   <p:clrMapOvr>
     <a:masterClrMapping/>
   </p:clrMapOvr>
-  <mc:AlternateContent xmlns:mc="http://schemas.openxmlformats.org/markup-compatibility/2006" xmlns:p14="http://schemas.microsoft.com/office/powerpoint/2010/main">
-    <mc:Choice Requires="p14">
-      <p:transition spd="med" p14:dur="700">
-        <p:fade/>
-      </p:transition>
-    </mc:Choice>
-    <mc:Fallback xmlns="">
-      <p:transition spd="med">
-        <p:fade/>
-      </p:transition>
-    </mc:Fallback>
-  </mc:AlternateContent>
-  <p:timing>
-    <p:tnLst>
-      <p:par>
-        <p:cTn id="1" dur="indefinite" restart="never" nodeType="tmRoot"/>
-      </p:par>
-    </p:tnLst>
-  </p:timing>
 </p:sld>
 </file>
 
-<file path=ppt/slides/slide30.xml><?xml version="1.0" encoding="utf-8"?>
+<file path=ppt/slides/slide25.xml><?xml version="1.0" encoding="utf-8"?>
 <p:sld xmlns:a="http://schemas.openxmlformats.org/drawingml/2006/main" xmlns:r="http://schemas.openxmlformats.org/officeDocument/2006/relationships" xmlns:p="http://schemas.openxmlformats.org/presentationml/2006/main">
   <p:cSld>
     <p:spTree>
@@ -10230,7 +9495,7 @@
 </p:sld>
 </file>
 
-<file path=ppt/slides/slide4.xml><?xml version="1.0" encoding="utf-8"?>
+<file path=ppt/slides/slide3.xml><?xml version="1.0" encoding="utf-8"?>
 <p:sld xmlns:a="http://schemas.openxmlformats.org/drawingml/2006/main" xmlns:r="http://schemas.openxmlformats.org/officeDocument/2006/relationships" xmlns:p="http://schemas.openxmlformats.org/presentationml/2006/main">
   <p:cSld>
     <p:spTree>
@@ -10347,7 +9612,7 @@
           <a:p>
             <a:r>
               <a:rPr lang="pt-PT" dirty="0" smtClean="0"/>
-              <a:t>Contextualização e Motivação</a:t>
+              <a:t>Contextualização, Motivação e Objetivos</a:t>
             </a:r>
             <a:endParaRPr lang="pt-PT" dirty="0"/>
           </a:p>
@@ -10368,7 +9633,7 @@
         <p:spPr>
           <a:xfrm>
             <a:off x="404948" y="1400499"/>
-            <a:ext cx="8987246" cy="4524315"/>
+            <a:ext cx="8987246" cy="5232202"/>
           </a:xfrm>
           <a:prstGeom prst="rect">
             <a:avLst/>
@@ -10381,86 +9646,121 @@
           </a:bodyPr>
           <a:lstStyle/>
           <a:p>
-            <a:endParaRPr lang="pt-PT" sz="1600" dirty="0"/>
-          </a:p>
-          <a:p>
-            <a:pPr marL="342900" indent="-342900">
+            <a:pPr algn="just"/>
+            <a:endParaRPr lang="pt-PT" dirty="0"/>
+          </a:p>
+          <a:p>
+            <a:pPr marL="342900" indent="-342900" algn="just">
               <a:buFont typeface="Arial" panose="020B0604020202020204" pitchFamily="34" charset="0"/>
               <a:buChar char="•"/>
             </a:pPr>
             <a:r>
-              <a:rPr lang="pt-PT" sz="2000" dirty="0"/>
-              <a:t>“Bebés &amp; Companhia” possui uma cadeia de infantários espalhados pela grande </a:t>
-            </a:r>
-            <a:r>
-              <a:rPr lang="pt-PT" sz="2000" dirty="0" smtClean="0"/>
-              <a:t>Lisboa;</a:t>
-            </a:r>
-          </a:p>
-          <a:p>
-            <a:pPr marL="342900" indent="-342900">
+              <a:rPr lang="pt-PT" sz="2400" dirty="0"/>
+              <a:t>“</a:t>
+            </a:r>
+            <a:r>
+              <a:rPr lang="pt-PT" sz="2400" b="1" dirty="0">
+                <a:solidFill>
+                  <a:schemeClr val="accent2"/>
+                </a:solidFill>
+              </a:rPr>
+              <a:t>Bebés &amp; Companhia</a:t>
+            </a:r>
+            <a:r>
+              <a:rPr lang="pt-PT" sz="2400" dirty="0"/>
+              <a:t>” </a:t>
+            </a:r>
+            <a:r>
+              <a:rPr lang="pt-PT" sz="2400" dirty="0" smtClean="0"/>
+              <a:t>é </a:t>
+            </a:r>
+            <a:r>
+              <a:rPr lang="pt-PT" sz="2400" dirty="0"/>
+              <a:t>uma cadeia de </a:t>
+            </a:r>
+            <a:r>
+              <a:rPr lang="pt-PT" sz="2400" dirty="0" smtClean="0"/>
+              <a:t>infantários;</a:t>
+            </a:r>
+            <a:endParaRPr lang="pt-PT" sz="2400" dirty="0" smtClean="0"/>
+          </a:p>
+          <a:p>
+            <a:pPr marL="342900" indent="-342900" algn="just">
               <a:buFont typeface="Arial" panose="020B0604020202020204" pitchFamily="34" charset="0"/>
               <a:buChar char="•"/>
             </a:pPr>
-            <a:endParaRPr lang="pt-PT" sz="2000" dirty="0" smtClean="0"/>
-          </a:p>
-          <a:p>
-            <a:pPr marL="342900" indent="-342900">
+            <a:endParaRPr lang="pt-PT" sz="2400" dirty="0" smtClean="0"/>
+          </a:p>
+          <a:p>
+            <a:pPr marL="342900" indent="-342900" algn="just">
               <a:buFont typeface="Arial" panose="020B0604020202020204" pitchFamily="34" charset="0"/>
               <a:buChar char="•"/>
             </a:pPr>
             <a:r>
-              <a:rPr lang="pt-PT" sz="2000" b="1" dirty="0" smtClean="0">
+              <a:rPr lang="pt-PT" sz="2400" dirty="0"/>
+              <a:t>Surge</a:t>
+            </a:r>
+            <a:r>
+              <a:rPr lang="pt-PT" sz="2400" dirty="0"/>
+              <a:t>, assim, a ideia de fazer um </a:t>
+            </a:r>
+            <a:r>
+              <a:rPr lang="pt-PT" sz="2400" b="1" dirty="0">
                 <a:solidFill>
                   <a:schemeClr val="accent2"/>
                 </a:solidFill>
               </a:rPr>
-              <a:t>Surge</a:t>
-            </a:r>
-            <a:r>
-              <a:rPr lang="pt-PT" sz="2000" b="1" dirty="0">
-                <a:solidFill>
-                  <a:schemeClr val="accent2"/>
-                </a:solidFill>
-              </a:rPr>
-              <a:t>, assim, a ideia de fazer um serviço ao domicílio de babysitting; </a:t>
-            </a:r>
-          </a:p>
-          <a:p>
-            <a:endParaRPr lang="pt-PT" sz="2000" dirty="0"/>
-          </a:p>
-          <a:p>
-            <a:pPr marL="342900" indent="-342900">
+              <a:t>serviço ao domicílio de babysitting</a:t>
+            </a:r>
+            <a:r>
+              <a:rPr lang="pt-PT" sz="2400" b="1" dirty="0"/>
+              <a:t>; </a:t>
+            </a:r>
+          </a:p>
+          <a:p>
+            <a:pPr algn="just"/>
+            <a:endParaRPr lang="pt-PT" sz="2400" dirty="0"/>
+          </a:p>
+          <a:p>
+            <a:pPr marL="342900" indent="-342900" algn="just">
               <a:buFont typeface="Arial" panose="020B0604020202020204" pitchFamily="34" charset="0"/>
               <a:buChar char="•"/>
             </a:pPr>
             <a:r>
-              <a:rPr lang="pt-PT" sz="2000" dirty="0"/>
-              <a:t>É criada a plataforma “GuguDadah</a:t>
-            </a:r>
-            <a:r>
-              <a:rPr lang="pt-PT" sz="2000" dirty="0" smtClean="0"/>
+              <a:rPr lang="pt-PT" sz="2400" dirty="0"/>
+              <a:t>É criada a plataforma “</a:t>
+            </a:r>
+            <a:r>
+              <a:rPr lang="pt-PT" sz="2400" b="1" dirty="0">
+                <a:solidFill>
+                  <a:schemeClr val="accent2"/>
+                </a:solidFill>
+              </a:rPr>
+              <a:t>GuguDadah</a:t>
+            </a:r>
+            <a:r>
+              <a:rPr lang="pt-PT" sz="2400" dirty="0" smtClean="0"/>
               <a:t>”;</a:t>
             </a:r>
           </a:p>
           <a:p>
-            <a:pPr marL="342900" indent="-342900">
+            <a:pPr marL="342900" indent="-342900" algn="just">
               <a:buFont typeface="Arial" panose="020B0604020202020204" pitchFamily="34" charset="0"/>
               <a:buChar char="•"/>
             </a:pPr>
-            <a:endParaRPr lang="pt-PT" sz="2000" dirty="0" smtClean="0"/>
-          </a:p>
-          <a:p>
-            <a:pPr marL="342900" indent="-342900">
+            <a:endParaRPr lang="pt-PT" sz="2400" dirty="0" smtClean="0"/>
+          </a:p>
+          <a:p>
+            <a:pPr marL="342900" indent="-342900" algn="just">
               <a:buFont typeface="Arial" panose="020B0604020202020204" pitchFamily="34" charset="0"/>
               <a:buChar char="•"/>
             </a:pPr>
             <a:r>
-              <a:rPr lang="pt-PT" sz="2000" dirty="0"/>
+              <a:rPr lang="pt-PT" sz="2400" dirty="0"/>
               <a:t>Dificuldade de encontrar alguém que seja </a:t>
             </a:r>
             <a:r>
-              <a:rPr lang="pt-PT" sz="2000" b="1" dirty="0">
+              <a:rPr lang="pt-PT" sz="2400" b="1" dirty="0">
                 <a:solidFill>
                   <a:schemeClr val="accent2"/>
                 </a:solidFill>
@@ -10468,13 +9768,55 @@
               <a:t>responsável</a:t>
             </a:r>
             <a:r>
-              <a:rPr lang="pt-PT" sz="2000" dirty="0"/>
+              <a:rPr lang="pt-PT" sz="2400" dirty="0"/>
               <a:t> para </a:t>
             </a:r>
             <a:r>
-              <a:rPr lang="pt-PT" sz="2000" dirty="0" smtClean="0"/>
-              <a:t>cuidar dos filhos;</a:t>
-            </a:r>
+              <a:rPr lang="pt-PT" sz="2400" dirty="0" smtClean="0"/>
+              <a:t>cuidar dos filhos</a:t>
+            </a:r>
+            <a:r>
+              <a:rPr lang="pt-PT" sz="2400" dirty="0" smtClean="0"/>
+              <a:t>;</a:t>
+            </a:r>
+          </a:p>
+          <a:p>
+            <a:pPr marL="342900" indent="-342900" algn="just">
+              <a:buFont typeface="Arial" panose="020B0604020202020204" pitchFamily="34" charset="0"/>
+              <a:buChar char="•"/>
+            </a:pPr>
+            <a:endParaRPr lang="pt-PT" sz="2400" dirty="0" smtClean="0"/>
+          </a:p>
+          <a:p>
+            <a:pPr marL="342900" indent="-342900" algn="just">
+              <a:buFont typeface="Arial" panose="020B0604020202020204" pitchFamily="34" charset="0"/>
+              <a:buChar char="•"/>
+            </a:pPr>
+            <a:r>
+              <a:rPr lang="pt-PT" sz="2400" dirty="0" smtClean="0"/>
+              <a:t>Possibilidade </a:t>
+            </a:r>
+            <a:r>
+              <a:rPr lang="pt-PT" sz="2400" dirty="0"/>
+              <a:t>do cliente </a:t>
+            </a:r>
+            <a:r>
+              <a:rPr lang="pt-PT" sz="2400" b="1" dirty="0">
+                <a:solidFill>
+                  <a:schemeClr val="accent2"/>
+                </a:solidFill>
+              </a:rPr>
+              <a:t>avaliar</a:t>
+            </a:r>
+            <a:r>
+              <a:rPr lang="pt-PT" sz="2400" dirty="0"/>
+              <a:t> determinado </a:t>
+            </a:r>
+            <a:r>
+              <a:rPr lang="pt-PT" sz="2400" dirty="0" smtClean="0"/>
+              <a:t>babysitter.</a:t>
+            </a:r>
+            <a:endParaRPr lang="pt-PT" sz="2400" dirty="0"/>
           </a:p>
           <a:p>
             <a:pPr marL="342900" indent="-342900">
@@ -10482,28 +9824,6 @@
               <a:buChar char="•"/>
             </a:pPr>
             <a:endParaRPr lang="pt-PT" sz="2000" dirty="0"/>
-          </a:p>
-          <a:p>
-            <a:pPr marL="342900" indent="-342900">
-              <a:buFont typeface="Arial" panose="020B0604020202020204" pitchFamily="34" charset="0"/>
-              <a:buChar char="•"/>
-            </a:pPr>
-            <a:r>
-              <a:rPr lang="pt-PT" sz="2000" dirty="0"/>
-              <a:t>A </a:t>
-            </a:r>
-            <a:r>
-              <a:rPr lang="pt-PT" sz="2000" b="1" dirty="0">
-                <a:solidFill>
-                  <a:schemeClr val="accent2"/>
-                </a:solidFill>
-              </a:rPr>
-              <a:t>inexistência</a:t>
-            </a:r>
-            <a:r>
-              <a:rPr lang="pt-PT" sz="2000" dirty="0"/>
-              <a:t> de um sistema que permita a requisição de serviços de babysitting online, em Portugal;</a:t>
-            </a:r>
           </a:p>
           <a:p>
             <a:pPr marL="342900" indent="-342900">
@@ -10553,299 +9873,7 @@
 </p:sld>
 </file>
 
-<file path=ppt/slides/slide5.xml><?xml version="1.0" encoding="utf-8"?>
-<p:sld xmlns:a="http://schemas.openxmlformats.org/drawingml/2006/main" xmlns:r="http://schemas.openxmlformats.org/officeDocument/2006/relationships" xmlns:p="http://schemas.openxmlformats.org/presentationml/2006/main">
-  <p:cSld>
-    <p:spTree>
-      <p:nvGrpSpPr>
-        <p:cNvPr id="1" name=""/>
-        <p:cNvGrpSpPr/>
-        <p:nvPr/>
-      </p:nvGrpSpPr>
-      <p:grpSpPr>
-        <a:xfrm>
-          <a:off x="0" y="0"/>
-          <a:ext cx="0" cy="0"/>
-          <a:chOff x="0" y="0"/>
-          <a:chExt cx="0" cy="0"/>
-        </a:xfrm>
-      </p:grpSpPr>
-      <p:sp>
-        <p:nvSpPr>
-          <p:cNvPr id="2" name="Título 1">
-            <a:extLst>
-              <a:ext uri="{FF2B5EF4-FFF2-40B4-BE49-F238E27FC236}">
-                <a16:creationId xmlns:a16="http://schemas.microsoft.com/office/drawing/2014/main" id="{910D7B0C-8942-4CE3-AA50-CD602EEF81E3}"/>
-              </a:ext>
-            </a:extLst>
-          </p:cNvPr>
-          <p:cNvSpPr txBox="1">
-            <a:spLocks/>
-          </p:cNvSpPr>
-          <p:nvPr/>
-        </p:nvSpPr>
-        <p:spPr>
-          <a:xfrm>
-            <a:off x="283968" y="234908"/>
-            <a:ext cx="8596668" cy="1320800"/>
-          </a:xfrm>
-          <a:prstGeom prst="rect">
-            <a:avLst/>
-          </a:prstGeom>
-        </p:spPr>
-        <p:txBody>
-          <a:bodyPr/>
-          <a:lstStyle>
-            <a:lvl1pPr algn="l" defTabSz="457200" rtl="0" eaLnBrk="1" latinLnBrk="0" hangingPunct="1">
-              <a:spcBef>
-                <a:spcPct val="0"/>
-              </a:spcBef>
-              <a:buNone/>
-              <a:defRPr sz="3600" kern="1200">
-                <a:solidFill>
-                  <a:schemeClr val="accent1"/>
-                </a:solidFill>
-                <a:latin typeface="+mj-lt"/>
-                <a:ea typeface="+mj-ea"/>
-                <a:cs typeface="+mj-cs"/>
-              </a:defRPr>
-            </a:lvl1pPr>
-            <a:lvl2pPr eaLnBrk="1" hangingPunct="1">
-              <a:defRPr>
-                <a:solidFill>
-                  <a:schemeClr val="tx2"/>
-                </a:solidFill>
-              </a:defRPr>
-            </a:lvl2pPr>
-            <a:lvl3pPr eaLnBrk="1" hangingPunct="1">
-              <a:defRPr>
-                <a:solidFill>
-                  <a:schemeClr val="tx2"/>
-                </a:solidFill>
-              </a:defRPr>
-            </a:lvl3pPr>
-            <a:lvl4pPr eaLnBrk="1" hangingPunct="1">
-              <a:defRPr>
-                <a:solidFill>
-                  <a:schemeClr val="tx2"/>
-                </a:solidFill>
-              </a:defRPr>
-            </a:lvl4pPr>
-            <a:lvl5pPr eaLnBrk="1" hangingPunct="1">
-              <a:defRPr>
-                <a:solidFill>
-                  <a:schemeClr val="tx2"/>
-                </a:solidFill>
-              </a:defRPr>
-            </a:lvl5pPr>
-            <a:lvl6pPr eaLnBrk="1" hangingPunct="1">
-              <a:defRPr>
-                <a:solidFill>
-                  <a:schemeClr val="tx2"/>
-                </a:solidFill>
-              </a:defRPr>
-            </a:lvl6pPr>
-            <a:lvl7pPr eaLnBrk="1" hangingPunct="1">
-              <a:defRPr>
-                <a:solidFill>
-                  <a:schemeClr val="tx2"/>
-                </a:solidFill>
-              </a:defRPr>
-            </a:lvl7pPr>
-            <a:lvl8pPr eaLnBrk="1" hangingPunct="1">
-              <a:defRPr>
-                <a:solidFill>
-                  <a:schemeClr val="tx2"/>
-                </a:solidFill>
-              </a:defRPr>
-            </a:lvl8pPr>
-            <a:lvl9pPr eaLnBrk="1" hangingPunct="1">
-              <a:defRPr>
-                <a:solidFill>
-                  <a:schemeClr val="tx2"/>
-                </a:solidFill>
-              </a:defRPr>
-            </a:lvl9pPr>
-          </a:lstStyle>
-          <a:p>
-            <a:r>
-              <a:rPr lang="pt-PT" dirty="0"/>
-              <a:t>Objetivos</a:t>
-            </a:r>
-          </a:p>
-        </p:txBody>
-      </p:sp>
-      <p:sp>
-        <p:nvSpPr>
-          <p:cNvPr id="4" name="CaixaDeTexto 3">
-            <a:extLst>
-              <a:ext uri="{FF2B5EF4-FFF2-40B4-BE49-F238E27FC236}">
-                <a16:creationId xmlns:a16="http://schemas.microsoft.com/office/drawing/2014/main" id="{A4574B50-E5E4-4456-97F2-7E2227DFA573}"/>
-              </a:ext>
-            </a:extLst>
-          </p:cNvPr>
-          <p:cNvSpPr txBox="1"/>
-          <p:nvPr/>
-        </p:nvSpPr>
-        <p:spPr>
-          <a:xfrm>
-            <a:off x="572507" y="1555708"/>
-            <a:ext cx="7849004" cy="4154984"/>
-          </a:xfrm>
-          <a:prstGeom prst="rect">
-            <a:avLst/>
-          </a:prstGeom>
-          <a:noFill/>
-        </p:spPr>
-        <p:txBody>
-          <a:bodyPr wrap="square" rtlCol="0">
-            <a:spAutoFit/>
-          </a:bodyPr>
-          <a:lstStyle/>
-          <a:p>
-            <a:pPr marL="342900" indent="-342900" algn="just">
-              <a:buFont typeface="Arial" panose="020B0604020202020204" pitchFamily="34" charset="0"/>
-              <a:buChar char="•"/>
-            </a:pPr>
-            <a:r>
-              <a:rPr lang="pt-PT" sz="2400" dirty="0"/>
-              <a:t>Disponibilizar uma interface </a:t>
-            </a:r>
-            <a:r>
-              <a:rPr lang="pt-PT" sz="2400" b="1" dirty="0">
-                <a:solidFill>
-                  <a:schemeClr val="accent2"/>
-                </a:solidFill>
-              </a:rPr>
-              <a:t>intuitiva</a:t>
-            </a:r>
-            <a:r>
-              <a:rPr lang="pt-PT" sz="2400" dirty="0"/>
-              <a:t> que facilite a requisição de serviços de babysitting;</a:t>
-            </a:r>
-          </a:p>
-          <a:p>
-            <a:pPr marL="342900" indent="-342900" algn="just">
-              <a:buFont typeface="Arial" panose="020B0604020202020204" pitchFamily="34" charset="0"/>
-              <a:buChar char="•"/>
-            </a:pPr>
-            <a:endParaRPr lang="pt-PT" sz="2400" b="1" dirty="0">
-              <a:solidFill>
-                <a:schemeClr val="accent2"/>
-              </a:solidFill>
-            </a:endParaRPr>
-          </a:p>
-          <a:p>
-            <a:pPr marL="342900" indent="-342900" algn="just">
-              <a:buFont typeface="Arial" panose="020B0604020202020204" pitchFamily="34" charset="0"/>
-              <a:buChar char="•"/>
-            </a:pPr>
-            <a:r>
-              <a:rPr lang="pt-PT" sz="2400" b="1" dirty="0">
-                <a:solidFill>
-                  <a:schemeClr val="accent2"/>
-                </a:solidFill>
-              </a:rPr>
-              <a:t>Localização</a:t>
-            </a:r>
-            <a:r>
-              <a:rPr lang="pt-PT" sz="2400" dirty="0"/>
-              <a:t> geográfica;</a:t>
-            </a:r>
-          </a:p>
-          <a:p>
-            <a:pPr marL="342900" indent="-342900" algn="just">
-              <a:buFont typeface="Arial" panose="020B0604020202020204" pitchFamily="34" charset="0"/>
-              <a:buChar char="•"/>
-            </a:pPr>
-            <a:endParaRPr lang="pt-PT" sz="2400" dirty="0"/>
-          </a:p>
-          <a:p>
-            <a:pPr marL="342900" indent="-342900" algn="just">
-              <a:buFont typeface="Arial" panose="020B0604020202020204" pitchFamily="34" charset="0"/>
-              <a:buChar char="•"/>
-            </a:pPr>
-            <a:r>
-              <a:rPr lang="pt-PT" sz="2400" dirty="0"/>
-              <a:t>Possibilidade do cliente </a:t>
-            </a:r>
-            <a:r>
-              <a:rPr lang="pt-PT" sz="2400" b="1" dirty="0">
-                <a:solidFill>
-                  <a:schemeClr val="accent2"/>
-                </a:solidFill>
-              </a:rPr>
-              <a:t>avaliar</a:t>
-            </a:r>
-            <a:r>
-              <a:rPr lang="pt-PT" sz="2400" dirty="0"/>
-              <a:t> determinado babysitter;</a:t>
-            </a:r>
-          </a:p>
-          <a:p>
-            <a:pPr marL="342900" indent="-342900" algn="just">
-              <a:buFont typeface="Arial" panose="020B0604020202020204" pitchFamily="34" charset="0"/>
-              <a:buChar char="•"/>
-            </a:pPr>
-            <a:endParaRPr lang="pt-PT" sz="2400" dirty="0"/>
-          </a:p>
-          <a:p>
-            <a:pPr marL="342900" indent="-342900" algn="just">
-              <a:buFont typeface="Arial" panose="020B0604020202020204" pitchFamily="34" charset="0"/>
-              <a:buChar char="•"/>
-            </a:pPr>
-            <a:r>
-              <a:rPr lang="pt-PT" sz="2400" b="1" dirty="0">
-                <a:solidFill>
-                  <a:schemeClr val="accent2"/>
-                </a:solidFill>
-              </a:rPr>
-              <a:t>Simplificar</a:t>
-            </a:r>
-            <a:r>
-              <a:rPr lang="pt-PT" sz="2400" dirty="0"/>
-              <a:t> a deslocação dos funcionários da empresa;</a:t>
-            </a:r>
-          </a:p>
-          <a:p>
-            <a:pPr algn="just"/>
-            <a:endParaRPr lang="pt-PT" sz="2400" dirty="0"/>
-          </a:p>
-        </p:txBody>
-      </p:sp>
-    </p:spTree>
-    <p:extLst>
-      <p:ext uri="{BB962C8B-B14F-4D97-AF65-F5344CB8AC3E}">
-        <p14:creationId xmlns:p14="http://schemas.microsoft.com/office/powerpoint/2010/main" val="3912113154"/>
-      </p:ext>
-    </p:extLst>
-  </p:cSld>
-  <p:clrMapOvr>
-    <a:masterClrMapping/>
-  </p:clrMapOvr>
-  <mc:AlternateContent xmlns:mc="http://schemas.openxmlformats.org/markup-compatibility/2006" xmlns:p14="http://schemas.microsoft.com/office/powerpoint/2010/main">
-    <mc:Choice Requires="p14">
-      <p:transition spd="med" p14:dur="700">
-        <p:fade/>
-      </p:transition>
-    </mc:Choice>
-    <mc:Fallback xmlns="">
-      <p:transition spd="med">
-        <p:fade/>
-      </p:transition>
-    </mc:Fallback>
-  </mc:AlternateContent>
-  <p:timing>
-    <p:tnLst>
-      <p:par>
-        <p:cTn id="1" dur="indefinite" restart="never" nodeType="tmRoot"/>
-      </p:par>
-    </p:tnLst>
-  </p:timing>
-</p:sld>
-</file>
-
-<file path=ppt/slides/slide6.xml><?xml version="1.0" encoding="utf-8"?>
+<file path=ppt/slides/slide4.xml><?xml version="1.0" encoding="utf-8"?>
 <p:sld xmlns:a="http://schemas.openxmlformats.org/drawingml/2006/main" xmlns:r="http://schemas.openxmlformats.org/officeDocument/2006/relationships" xmlns:p="http://schemas.openxmlformats.org/presentationml/2006/main">
   <p:cSld>
     <p:spTree>
@@ -11632,6 +10660,555 @@
 </p:sld>
 </file>
 
+<file path=ppt/slides/slide5.xml><?xml version="1.0" encoding="utf-8"?>
+<p:sld xmlns:a="http://schemas.openxmlformats.org/drawingml/2006/main" xmlns:r="http://schemas.openxmlformats.org/officeDocument/2006/relationships" xmlns:p="http://schemas.openxmlformats.org/presentationml/2006/main">
+  <p:cSld>
+    <p:spTree>
+      <p:nvGrpSpPr>
+        <p:cNvPr id="1" name=""/>
+        <p:cNvGrpSpPr/>
+        <p:nvPr/>
+      </p:nvGrpSpPr>
+      <p:grpSpPr>
+        <a:xfrm>
+          <a:off x="0" y="0"/>
+          <a:ext cx="0" cy="0"/>
+          <a:chOff x="0" y="0"/>
+          <a:chExt cx="0" cy="0"/>
+        </a:xfrm>
+      </p:grpSpPr>
+      <p:sp>
+        <p:nvSpPr>
+          <p:cNvPr id="6" name="Título 1">
+            <a:extLst>
+              <a:ext uri="{FF2B5EF4-FFF2-40B4-BE49-F238E27FC236}">
+                <a16:creationId xmlns:a16="http://schemas.microsoft.com/office/drawing/2014/main" id="{6312B0E3-8AB8-4FDB-ABB6-4C51F617C274}"/>
+              </a:ext>
+            </a:extLst>
+          </p:cNvPr>
+          <p:cNvSpPr txBox="1">
+            <a:spLocks/>
+          </p:cNvSpPr>
+          <p:nvPr/>
+        </p:nvSpPr>
+        <p:spPr>
+          <a:xfrm>
+            <a:off x="283967" y="234908"/>
+            <a:ext cx="9147416" cy="1320800"/>
+          </a:xfrm>
+          <a:prstGeom prst="rect">
+            <a:avLst/>
+          </a:prstGeom>
+        </p:spPr>
+        <p:txBody>
+          <a:bodyPr/>
+          <a:lstStyle>
+            <a:lvl1pPr algn="l" defTabSz="457200" rtl="0" eaLnBrk="1" latinLnBrk="0" hangingPunct="1">
+              <a:spcBef>
+                <a:spcPct val="0"/>
+              </a:spcBef>
+              <a:buNone/>
+              <a:defRPr sz="3600" kern="1200">
+                <a:solidFill>
+                  <a:schemeClr val="accent1"/>
+                </a:solidFill>
+                <a:latin typeface="+mj-lt"/>
+                <a:ea typeface="+mj-ea"/>
+                <a:cs typeface="+mj-cs"/>
+              </a:defRPr>
+            </a:lvl1pPr>
+            <a:lvl2pPr eaLnBrk="1" hangingPunct="1">
+              <a:defRPr>
+                <a:solidFill>
+                  <a:schemeClr val="tx2"/>
+                </a:solidFill>
+              </a:defRPr>
+            </a:lvl2pPr>
+            <a:lvl3pPr eaLnBrk="1" hangingPunct="1">
+              <a:defRPr>
+                <a:solidFill>
+                  <a:schemeClr val="tx2"/>
+                </a:solidFill>
+              </a:defRPr>
+            </a:lvl3pPr>
+            <a:lvl4pPr eaLnBrk="1" hangingPunct="1">
+              <a:defRPr>
+                <a:solidFill>
+                  <a:schemeClr val="tx2"/>
+                </a:solidFill>
+              </a:defRPr>
+            </a:lvl4pPr>
+            <a:lvl5pPr eaLnBrk="1" hangingPunct="1">
+              <a:defRPr>
+                <a:solidFill>
+                  <a:schemeClr val="tx2"/>
+                </a:solidFill>
+              </a:defRPr>
+            </a:lvl5pPr>
+            <a:lvl6pPr eaLnBrk="1" hangingPunct="1">
+              <a:defRPr>
+                <a:solidFill>
+                  <a:schemeClr val="tx2"/>
+                </a:solidFill>
+              </a:defRPr>
+            </a:lvl6pPr>
+            <a:lvl7pPr eaLnBrk="1" hangingPunct="1">
+              <a:defRPr>
+                <a:solidFill>
+                  <a:schemeClr val="tx2"/>
+                </a:solidFill>
+              </a:defRPr>
+            </a:lvl7pPr>
+            <a:lvl8pPr eaLnBrk="1" hangingPunct="1">
+              <a:defRPr>
+                <a:solidFill>
+                  <a:schemeClr val="tx2"/>
+                </a:solidFill>
+              </a:defRPr>
+            </a:lvl8pPr>
+            <a:lvl9pPr eaLnBrk="1" hangingPunct="1">
+              <a:defRPr>
+                <a:solidFill>
+                  <a:schemeClr val="tx2"/>
+                </a:solidFill>
+              </a:defRPr>
+            </a:lvl9pPr>
+          </a:lstStyle>
+          <a:p>
+            <a:r>
+              <a:rPr lang="pt-PT" dirty="0" smtClean="0"/>
+              <a:t>Medidas </a:t>
+            </a:r>
+            <a:r>
+              <a:rPr lang="pt-PT" dirty="0"/>
+              <a:t>de Sucesso</a:t>
+            </a:r>
+          </a:p>
+        </p:txBody>
+      </p:sp>
+      <p:sp>
+        <p:nvSpPr>
+          <p:cNvPr id="3" name="CaixaDeTexto 2">
+            <a:extLst>
+              <a:ext uri="{FF2B5EF4-FFF2-40B4-BE49-F238E27FC236}">
+                <a16:creationId xmlns:a16="http://schemas.microsoft.com/office/drawing/2014/main" id="{5CEAC276-E573-427B-ADBC-CD1A66F0D157}"/>
+              </a:ext>
+            </a:extLst>
+          </p:cNvPr>
+          <p:cNvSpPr txBox="1"/>
+          <p:nvPr/>
+        </p:nvSpPr>
+        <p:spPr>
+          <a:xfrm>
+            <a:off x="891822" y="1237963"/>
+            <a:ext cx="7620000" cy="4708981"/>
+          </a:xfrm>
+          <a:prstGeom prst="rect">
+            <a:avLst/>
+          </a:prstGeom>
+          <a:noFill/>
+        </p:spPr>
+        <p:txBody>
+          <a:bodyPr wrap="square" rtlCol="0">
+            <a:spAutoFit/>
+          </a:bodyPr>
+          <a:lstStyle/>
+          <a:p>
+            <a:pPr marL="285750" lvl="0" indent="-285750" algn="just">
+              <a:buFont typeface="Arial" panose="020B0604020202020204" pitchFamily="34" charset="0"/>
+              <a:buChar char="•"/>
+            </a:pPr>
+            <a:r>
+              <a:rPr lang="pt-PT" sz="2000" b="1" dirty="0">
+                <a:solidFill>
+                  <a:schemeClr val="accent2"/>
+                </a:solidFill>
+              </a:rPr>
+              <a:t>F</a:t>
+            </a:r>
+            <a:r>
+              <a:rPr lang="pt-PT" sz="2000" b="1" dirty="0" smtClean="0">
+                <a:solidFill>
+                  <a:schemeClr val="accent2"/>
+                </a:solidFill>
+              </a:rPr>
+              <a:t>ácil </a:t>
+            </a:r>
+            <a:r>
+              <a:rPr lang="pt-PT" sz="2000" b="1" dirty="0">
+                <a:solidFill>
+                  <a:schemeClr val="accent2"/>
+                </a:solidFill>
+              </a:rPr>
+              <a:t>utilização</a:t>
+            </a:r>
+            <a:r>
+              <a:rPr lang="pt-PT" sz="2000" dirty="0"/>
+              <a:t>;</a:t>
+            </a:r>
+          </a:p>
+          <a:p>
+            <a:pPr marL="285750" lvl="0" indent="-285750" algn="just">
+              <a:buFont typeface="Arial" panose="020B0604020202020204" pitchFamily="34" charset="0"/>
+              <a:buChar char="•"/>
+            </a:pPr>
+            <a:endParaRPr lang="pt-PT" sz="2000" dirty="0"/>
+          </a:p>
+          <a:p>
+            <a:pPr marL="285750" lvl="0" indent="-285750" algn="just">
+              <a:buFont typeface="Arial" panose="020B0604020202020204" pitchFamily="34" charset="0"/>
+              <a:buChar char="•"/>
+            </a:pPr>
+            <a:r>
+              <a:rPr lang="pt-PT" sz="2000" b="1" dirty="0" smtClean="0">
+                <a:solidFill>
+                  <a:schemeClr val="accent2"/>
+                </a:solidFill>
+              </a:rPr>
+              <a:t>1000 </a:t>
+            </a:r>
+            <a:r>
+              <a:rPr lang="pt-PT" sz="2000" b="1" dirty="0">
+                <a:solidFill>
+                  <a:schemeClr val="accent2"/>
+                </a:solidFill>
+              </a:rPr>
+              <a:t>usos </a:t>
+            </a:r>
+            <a:r>
+              <a:rPr lang="pt-PT" sz="2000" dirty="0" smtClean="0"/>
+              <a:t>em </a:t>
+            </a:r>
+            <a:r>
+              <a:rPr lang="pt-PT" sz="2000" b="1" dirty="0" smtClean="0">
+                <a:solidFill>
+                  <a:schemeClr val="accent2"/>
+                </a:solidFill>
+              </a:rPr>
+              <a:t>365 </a:t>
+            </a:r>
+            <a:r>
+              <a:rPr lang="pt-PT" sz="2000" b="1" dirty="0">
+                <a:solidFill>
+                  <a:schemeClr val="accent2"/>
+                </a:solidFill>
+              </a:rPr>
+              <a:t>dias</a:t>
+            </a:r>
+            <a:r>
+              <a:rPr lang="pt-PT" sz="2000" dirty="0"/>
+              <a:t>;</a:t>
+            </a:r>
+          </a:p>
+          <a:p>
+            <a:pPr lvl="0" algn="just"/>
+            <a:endParaRPr lang="pt-PT" sz="2000" dirty="0"/>
+          </a:p>
+          <a:p>
+            <a:pPr marL="285750" lvl="0" indent="-285750" algn="just">
+              <a:buFont typeface="Arial" panose="020B0604020202020204" pitchFamily="34" charset="0"/>
+              <a:buChar char="•"/>
+            </a:pPr>
+            <a:r>
+              <a:rPr lang="pt-PT" sz="2000" b="1" dirty="0" smtClean="0">
+                <a:solidFill>
+                  <a:schemeClr val="accent2"/>
+                </a:solidFill>
+              </a:rPr>
+              <a:t>Utilização frequente</a:t>
+            </a:r>
+            <a:r>
+              <a:rPr lang="pt-PT" sz="2000" b="1" dirty="0" smtClean="0"/>
+              <a:t>;</a:t>
+            </a:r>
+          </a:p>
+          <a:p>
+            <a:pPr marL="285750" lvl="0" indent="-285750" algn="just">
+              <a:buFont typeface="Arial" panose="020B0604020202020204" pitchFamily="34" charset="0"/>
+              <a:buChar char="•"/>
+            </a:pPr>
+            <a:endParaRPr lang="pt-PT" sz="2000" b="1" dirty="0" smtClean="0">
+              <a:solidFill>
+                <a:schemeClr val="accent2"/>
+              </a:solidFill>
+            </a:endParaRPr>
+          </a:p>
+          <a:p>
+            <a:pPr marL="285750" lvl="0" indent="-285750" algn="just">
+              <a:buFont typeface="Arial" panose="020B0604020202020204" pitchFamily="34" charset="0"/>
+              <a:buChar char="•"/>
+            </a:pPr>
+            <a:r>
+              <a:rPr lang="pt-PT" sz="2000" b="1" dirty="0" smtClean="0">
+                <a:solidFill>
+                  <a:schemeClr val="accent2"/>
+                </a:solidFill>
+              </a:rPr>
+              <a:t>Crescimento consecutivo</a:t>
+            </a:r>
+            <a:r>
+              <a:rPr lang="pt-PT" sz="2000" b="1" dirty="0" smtClean="0"/>
+              <a:t>;</a:t>
+            </a:r>
+          </a:p>
+          <a:p>
+            <a:pPr marL="285750" lvl="0" indent="-285750" algn="just">
+              <a:buFont typeface="Arial" panose="020B0604020202020204" pitchFamily="34" charset="0"/>
+              <a:buChar char="•"/>
+            </a:pPr>
+            <a:endParaRPr lang="pt-PT" sz="2000" dirty="0"/>
+          </a:p>
+          <a:p>
+            <a:pPr marL="285750" lvl="0" indent="-285750" algn="just">
+              <a:buFont typeface="Arial" panose="020B0604020202020204" pitchFamily="34" charset="0"/>
+              <a:buChar char="•"/>
+            </a:pPr>
+            <a:r>
+              <a:rPr lang="pt-PT" sz="2000" dirty="0"/>
+              <a:t>O </a:t>
+            </a:r>
+            <a:r>
+              <a:rPr lang="pt-PT" sz="2000" b="1" dirty="0">
+                <a:solidFill>
+                  <a:schemeClr val="accent2"/>
+                </a:solidFill>
+              </a:rPr>
+              <a:t>nível de satisfação </a:t>
+            </a:r>
+            <a:r>
+              <a:rPr lang="pt-PT" sz="2000" dirty="0"/>
+              <a:t>dos utilizadores do </a:t>
+            </a:r>
+            <a:r>
+              <a:rPr lang="pt-PT" sz="2000" dirty="0" smtClean="0"/>
+              <a:t>infantário deve </a:t>
+            </a:r>
+            <a:r>
+              <a:rPr lang="pt-PT" sz="2000" dirty="0"/>
+              <a:t>subir, pelo menos, </a:t>
+            </a:r>
+            <a:r>
+              <a:rPr lang="pt-PT" sz="2000" b="1" dirty="0">
+                <a:solidFill>
+                  <a:schemeClr val="accent2"/>
+                </a:solidFill>
+              </a:rPr>
+              <a:t>3 pontos percentuais</a:t>
+            </a:r>
+            <a:r>
+              <a:rPr lang="pt-PT" sz="2000" dirty="0"/>
+              <a:t>;</a:t>
+            </a:r>
+          </a:p>
+          <a:p>
+            <a:pPr marL="285750" lvl="0" indent="-285750" algn="just">
+              <a:buFont typeface="Arial" panose="020B0604020202020204" pitchFamily="34" charset="0"/>
+              <a:buChar char="•"/>
+            </a:pPr>
+            <a:endParaRPr lang="pt-PT" sz="2000" dirty="0"/>
+          </a:p>
+          <a:p>
+            <a:pPr marL="285750" lvl="0" indent="-285750" algn="just">
+              <a:buFont typeface="Arial" panose="020B0604020202020204" pitchFamily="34" charset="0"/>
+              <a:buChar char="•"/>
+            </a:pPr>
+            <a:r>
+              <a:rPr lang="pt-PT" sz="2000" dirty="0"/>
+              <a:t>O </a:t>
+            </a:r>
+            <a:r>
+              <a:rPr lang="pt-PT" sz="2000" b="1" dirty="0">
+                <a:solidFill>
+                  <a:schemeClr val="accent2"/>
+                </a:solidFill>
+              </a:rPr>
+              <a:t>número de utilizadores </a:t>
+            </a:r>
+            <a:r>
+              <a:rPr lang="pt-PT" sz="2000" dirty="0"/>
+              <a:t>do infantário deve </a:t>
+            </a:r>
+            <a:r>
+              <a:rPr lang="pt-PT" sz="2000" b="1" dirty="0">
+                <a:solidFill>
+                  <a:schemeClr val="accent2"/>
+                </a:solidFill>
+              </a:rPr>
+              <a:t>subir 5 pontos percentuais</a:t>
+            </a:r>
+            <a:r>
+              <a:rPr lang="pt-PT" sz="2000" dirty="0"/>
+              <a:t>, um ano após a </a:t>
+            </a:r>
+            <a:r>
+              <a:rPr lang="pt-PT" sz="2000" dirty="0" smtClean="0"/>
+              <a:t>implementação;</a:t>
+            </a:r>
+            <a:endParaRPr lang="pt-PT" sz="2000" dirty="0"/>
+          </a:p>
+          <a:p>
+            <a:pPr marL="285750" lvl="0" indent="-285750" algn="just">
+              <a:buFont typeface="Arial" panose="020B0604020202020204" pitchFamily="34" charset="0"/>
+              <a:buChar char="•"/>
+            </a:pPr>
+            <a:endParaRPr lang="pt-PT" sz="2000" b="1" dirty="0">
+              <a:solidFill>
+                <a:schemeClr val="accent2"/>
+              </a:solidFill>
+            </a:endParaRPr>
+          </a:p>
+          <a:p>
+            <a:pPr marL="285750" lvl="0" indent="-285750" algn="just">
+              <a:buFont typeface="Arial" panose="020B0604020202020204" pitchFamily="34" charset="0"/>
+              <a:buChar char="•"/>
+            </a:pPr>
+            <a:r>
+              <a:rPr lang="pt-PT" sz="2000" b="1" dirty="0" smtClean="0">
+                <a:solidFill>
+                  <a:schemeClr val="accent2"/>
+                </a:solidFill>
+              </a:rPr>
+              <a:t>99% de disponibilidade</a:t>
+            </a:r>
+            <a:r>
+              <a:rPr lang="pt-PT" sz="2000" b="1" dirty="0" smtClean="0"/>
+              <a:t>.</a:t>
+            </a:r>
+            <a:endParaRPr lang="pt-PT" sz="2000" b="1" dirty="0">
+              <a:solidFill>
+                <a:schemeClr val="accent2"/>
+              </a:solidFill>
+            </a:endParaRPr>
+          </a:p>
+        </p:txBody>
+      </p:sp>
+    </p:spTree>
+    <p:extLst>
+      <p:ext uri="{BB962C8B-B14F-4D97-AF65-F5344CB8AC3E}">
+        <p14:creationId xmlns:p14="http://schemas.microsoft.com/office/powerpoint/2010/main" val="3257683210"/>
+      </p:ext>
+    </p:extLst>
+  </p:cSld>
+  <p:clrMapOvr>
+    <a:masterClrMapping/>
+  </p:clrMapOvr>
+  <mc:AlternateContent xmlns:mc="http://schemas.openxmlformats.org/markup-compatibility/2006" xmlns:p14="http://schemas.microsoft.com/office/powerpoint/2010/main">
+    <mc:Choice Requires="p14">
+      <p:transition spd="med" p14:dur="700">
+        <p:fade/>
+      </p:transition>
+    </mc:Choice>
+    <mc:Fallback xmlns="">
+      <p:transition spd="med">
+        <p:fade/>
+      </p:transition>
+    </mc:Fallback>
+  </mc:AlternateContent>
+  <p:timing>
+    <p:tnLst>
+      <p:par>
+        <p:cTn id="1" dur="indefinite" restart="never" nodeType="tmRoot"/>
+      </p:par>
+    </p:tnLst>
+  </p:timing>
+</p:sld>
+</file>
+
+<file path=ppt/slides/slide6.xml><?xml version="1.0" encoding="utf-8"?>
+<p:sld xmlns:a="http://schemas.openxmlformats.org/drawingml/2006/main" xmlns:r="http://schemas.openxmlformats.org/officeDocument/2006/relationships" xmlns:p="http://schemas.openxmlformats.org/presentationml/2006/main">
+  <p:cSld>
+    <p:spTree>
+      <p:nvGrpSpPr>
+        <p:cNvPr id="1" name=""/>
+        <p:cNvGrpSpPr/>
+        <p:nvPr/>
+      </p:nvGrpSpPr>
+      <p:grpSpPr>
+        <a:xfrm>
+          <a:off x="0" y="0"/>
+          <a:ext cx="0" cy="0"/>
+          <a:chOff x="0" y="0"/>
+          <a:chExt cx="0" cy="0"/>
+        </a:xfrm>
+      </p:grpSpPr>
+      <p:sp>
+        <p:nvSpPr>
+          <p:cNvPr id="4" name="Title 3"/>
+          <p:cNvSpPr>
+            <a:spLocks noGrp="1"/>
+          </p:cNvSpPr>
+          <p:nvPr>
+            <p:ph type="title"/>
+          </p:nvPr>
+        </p:nvSpPr>
+        <p:spPr/>
+        <p:txBody>
+          <a:bodyPr/>
+          <a:lstStyle/>
+          <a:p>
+            <a:r>
+              <a:rPr lang="pt-PT" dirty="0"/>
+              <a:t>Requisitos do utilizador e de sistema funcionais - Cliente</a:t>
+            </a:r>
+          </a:p>
+        </p:txBody>
+      </p:sp>
+      <p:pic>
+        <p:nvPicPr>
+          <p:cNvPr id="2" name="Picture 1"/>
+          <p:cNvPicPr>
+            <a:picLocks noChangeAspect="1"/>
+          </p:cNvPicPr>
+          <p:nvPr/>
+        </p:nvPicPr>
+        <p:blipFill>
+          <a:blip r:embed="rId2"/>
+          <a:stretch>
+            <a:fillRect/>
+          </a:stretch>
+        </p:blipFill>
+        <p:spPr>
+          <a:xfrm>
+            <a:off x="677334" y="1780494"/>
+            <a:ext cx="7560225" cy="4913534"/>
+          </a:xfrm>
+          <a:prstGeom prst="rect">
+            <a:avLst/>
+          </a:prstGeom>
+        </p:spPr>
+      </p:pic>
+    </p:spTree>
+    <p:extLst>
+      <p:ext uri="{BB962C8B-B14F-4D97-AF65-F5344CB8AC3E}">
+        <p14:creationId xmlns:p14="http://schemas.microsoft.com/office/powerpoint/2010/main" val="3233725358"/>
+      </p:ext>
+    </p:extLst>
+  </p:cSld>
+  <p:clrMapOvr>
+    <a:masterClrMapping/>
+  </p:clrMapOvr>
+  <mc:AlternateContent xmlns:mc="http://schemas.openxmlformats.org/markup-compatibility/2006" xmlns:p14="http://schemas.microsoft.com/office/powerpoint/2010/main">
+    <mc:Choice Requires="p14">
+      <p:transition spd="med" p14:dur="700">
+        <p:fade/>
+      </p:transition>
+    </mc:Choice>
+    <mc:Fallback xmlns="">
+      <p:transition spd="med">
+        <p:fade/>
+      </p:transition>
+    </mc:Fallback>
+  </mc:AlternateContent>
+  <p:timing>
+    <p:tnLst>
+      <p:par>
+        <p:cTn id="1" dur="indefinite" restart="never" nodeType="tmRoot"/>
+      </p:par>
+    </p:tnLst>
+  </p:timing>
+</p:sld>
+</file>
+
 <file path=ppt/slides/slide7.xml><?xml version="1.0" encoding="utf-8"?>
 <p:sld xmlns:a="http://schemas.openxmlformats.org/drawingml/2006/main" xmlns:r="http://schemas.openxmlformats.org/officeDocument/2006/relationships" xmlns:p="http://schemas.openxmlformats.org/presentationml/2006/main">
   <p:cSld>
@@ -11651,413 +11228,91 @@
       </p:grpSpPr>
       <p:sp>
         <p:nvSpPr>
-          <p:cNvPr id="6" name="Título 1">
-            <a:extLst>
-              <a:ext uri="{FF2B5EF4-FFF2-40B4-BE49-F238E27FC236}">
-                <a16:creationId xmlns:a16="http://schemas.microsoft.com/office/drawing/2014/main" id="{6312B0E3-8AB8-4FDB-ABB6-4C51F617C274}"/>
-              </a:ext>
-            </a:extLst>
-          </p:cNvPr>
-          <p:cNvSpPr txBox="1">
-            <a:spLocks/>
-          </p:cNvSpPr>
-          <p:nvPr/>
-        </p:nvSpPr>
-        <p:spPr>
-          <a:xfrm>
-            <a:off x="283967" y="234908"/>
-            <a:ext cx="9147416" cy="1320800"/>
-          </a:xfrm>
-          <a:prstGeom prst="rect">
-            <a:avLst/>
-          </a:prstGeom>
-        </p:spPr>
+          <p:cNvPr id="4" name="Title 3"/>
+          <p:cNvSpPr>
+            <a:spLocks noGrp="1"/>
+          </p:cNvSpPr>
+          <p:nvPr>
+            <p:ph type="title"/>
+          </p:nvPr>
+        </p:nvSpPr>
+        <p:spPr/>
         <p:txBody>
           <a:bodyPr/>
-          <a:lstStyle>
-            <a:lvl1pPr algn="l" defTabSz="457200" rtl="0" eaLnBrk="1" latinLnBrk="0" hangingPunct="1">
-              <a:spcBef>
-                <a:spcPct val="0"/>
-              </a:spcBef>
-              <a:buNone/>
-              <a:defRPr sz="3600" kern="1200">
-                <a:solidFill>
-                  <a:schemeClr val="accent1"/>
-                </a:solidFill>
-                <a:latin typeface="+mj-lt"/>
-                <a:ea typeface="+mj-ea"/>
-                <a:cs typeface="+mj-cs"/>
-              </a:defRPr>
-            </a:lvl1pPr>
-            <a:lvl2pPr eaLnBrk="1" hangingPunct="1">
-              <a:defRPr>
-                <a:solidFill>
-                  <a:schemeClr val="tx2"/>
-                </a:solidFill>
-              </a:defRPr>
-            </a:lvl2pPr>
-            <a:lvl3pPr eaLnBrk="1" hangingPunct="1">
-              <a:defRPr>
-                <a:solidFill>
-                  <a:schemeClr val="tx2"/>
-                </a:solidFill>
-              </a:defRPr>
-            </a:lvl3pPr>
-            <a:lvl4pPr eaLnBrk="1" hangingPunct="1">
-              <a:defRPr>
-                <a:solidFill>
-                  <a:schemeClr val="tx2"/>
-                </a:solidFill>
-              </a:defRPr>
-            </a:lvl4pPr>
-            <a:lvl5pPr eaLnBrk="1" hangingPunct="1">
-              <a:defRPr>
-                <a:solidFill>
-                  <a:schemeClr val="tx2"/>
-                </a:solidFill>
-              </a:defRPr>
-            </a:lvl5pPr>
-            <a:lvl6pPr eaLnBrk="1" hangingPunct="1">
-              <a:defRPr>
-                <a:solidFill>
-                  <a:schemeClr val="tx2"/>
-                </a:solidFill>
-              </a:defRPr>
-            </a:lvl6pPr>
-            <a:lvl7pPr eaLnBrk="1" hangingPunct="1">
-              <a:defRPr>
-                <a:solidFill>
-                  <a:schemeClr val="tx2"/>
-                </a:solidFill>
-              </a:defRPr>
-            </a:lvl7pPr>
-            <a:lvl8pPr eaLnBrk="1" hangingPunct="1">
-              <a:defRPr>
-                <a:solidFill>
-                  <a:schemeClr val="tx2"/>
-                </a:solidFill>
-              </a:defRPr>
-            </a:lvl8pPr>
-            <a:lvl9pPr eaLnBrk="1" hangingPunct="1">
-              <a:defRPr>
-                <a:solidFill>
-                  <a:schemeClr val="tx2"/>
-                </a:solidFill>
-              </a:defRPr>
-            </a:lvl9pPr>
-          </a:lstStyle>
-          <a:p>
+          <a:lstStyle/>
+          <a:p>
+            <a:r>
+              <a:rPr lang="pt-PT" dirty="0"/>
+              <a:t>Requisitos de </a:t>
+            </a:r>
             <a:r>
               <a:rPr lang="pt-PT" dirty="0" smtClean="0"/>
-              <a:t>Medidas </a:t>
+              <a:t>sistema </a:t>
             </a:r>
             <a:r>
               <a:rPr lang="pt-PT" dirty="0"/>
-              <a:t>de Sucesso</a:t>
-            </a:r>
-          </a:p>
-        </p:txBody>
-      </p:sp>
-      <p:sp>
-        <p:nvSpPr>
-          <p:cNvPr id="3" name="CaixaDeTexto 2">
-            <a:extLst>
-              <a:ext uri="{FF2B5EF4-FFF2-40B4-BE49-F238E27FC236}">
-                <a16:creationId xmlns:a16="http://schemas.microsoft.com/office/drawing/2014/main" id="{5CEAC276-E573-427B-ADBC-CD1A66F0D157}"/>
-              </a:ext>
-            </a:extLst>
-          </p:cNvPr>
-          <p:cNvSpPr txBox="1"/>
-          <p:nvPr/>
-        </p:nvSpPr>
-        <p:spPr>
-          <a:xfrm>
-            <a:off x="891822" y="1237963"/>
-            <a:ext cx="7620000" cy="4708981"/>
-          </a:xfrm>
-          <a:prstGeom prst="rect">
-            <a:avLst/>
-          </a:prstGeom>
-          <a:noFill/>
-        </p:spPr>
-        <p:txBody>
-          <a:bodyPr wrap="square" rtlCol="0">
-            <a:spAutoFit/>
+              <a:t>não-funcionais</a:t>
+            </a:r>
+          </a:p>
+        </p:txBody>
+      </p:sp>
+      <p:sp>
+        <p:nvSpPr>
+          <p:cNvPr id="2" name="Content Placeholder 1"/>
+          <p:cNvSpPr>
+            <a:spLocks noGrp="1"/>
+          </p:cNvSpPr>
+          <p:nvPr>
+            <p:ph idx="1"/>
+          </p:nvPr>
+        </p:nvSpPr>
+        <p:spPr/>
+        <p:txBody>
+          <a:bodyPr>
+            <a:normAutofit/>
           </a:bodyPr>
           <a:lstStyle/>
           <a:p>
-            <a:pPr marL="285750" lvl="0" indent="-285750" algn="just">
-              <a:buFont typeface="Arial" panose="020B0604020202020204" pitchFamily="34" charset="0"/>
-              <a:buChar char="•"/>
-            </a:pPr>
-            <a:r>
-              <a:rPr lang="pt-PT" sz="2000" b="1" dirty="0">
-                <a:solidFill>
-                  <a:schemeClr val="accent2"/>
-                </a:solidFill>
-              </a:rPr>
-              <a:t>F</a:t>
-            </a:r>
-            <a:r>
-              <a:rPr lang="pt-PT" sz="2000" b="1" dirty="0" smtClean="0">
-                <a:solidFill>
-                  <a:schemeClr val="accent2"/>
-                </a:solidFill>
-              </a:rPr>
-              <a:t>ácil </a:t>
-            </a:r>
-            <a:r>
-              <a:rPr lang="pt-PT" sz="2000" b="1" dirty="0">
-                <a:solidFill>
-                  <a:schemeClr val="accent2"/>
-                </a:solidFill>
-              </a:rPr>
-              <a:t>utilização</a:t>
-            </a:r>
-            <a:r>
-              <a:rPr lang="pt-PT" sz="2000" dirty="0"/>
-              <a:t>;</a:t>
-            </a:r>
-          </a:p>
-          <a:p>
-            <a:pPr marL="285750" lvl="0" indent="-285750" algn="just">
-              <a:buFont typeface="Arial" panose="020B0604020202020204" pitchFamily="34" charset="0"/>
-              <a:buChar char="•"/>
-            </a:pPr>
-            <a:endParaRPr lang="pt-PT" sz="2000" dirty="0"/>
-          </a:p>
-          <a:p>
-            <a:pPr marL="285750" lvl="0" indent="-285750" algn="just">
-              <a:buFont typeface="Arial" panose="020B0604020202020204" pitchFamily="34" charset="0"/>
-              <a:buChar char="•"/>
-            </a:pPr>
-            <a:r>
-              <a:rPr lang="pt-PT" sz="2000" b="1" dirty="0" smtClean="0">
-                <a:solidFill>
-                  <a:schemeClr val="accent2"/>
-                </a:solidFill>
-              </a:rPr>
-              <a:t>1000 </a:t>
-            </a:r>
-            <a:r>
-              <a:rPr lang="pt-PT" sz="2000" b="1" dirty="0">
-                <a:solidFill>
-                  <a:schemeClr val="accent2"/>
-                </a:solidFill>
-              </a:rPr>
-              <a:t>usos </a:t>
-            </a:r>
-            <a:r>
-              <a:rPr lang="pt-PT" sz="2000" dirty="0" smtClean="0"/>
-              <a:t>em </a:t>
-            </a:r>
-            <a:r>
-              <a:rPr lang="pt-PT" sz="2000" b="1" dirty="0" smtClean="0">
-                <a:solidFill>
-                  <a:schemeClr val="accent2"/>
-                </a:solidFill>
-              </a:rPr>
-              <a:t>365 </a:t>
-            </a:r>
-            <a:r>
-              <a:rPr lang="pt-PT" sz="2000" b="1" dirty="0">
-                <a:solidFill>
-                  <a:schemeClr val="accent2"/>
-                </a:solidFill>
-              </a:rPr>
-              <a:t>dias</a:t>
-            </a:r>
-            <a:r>
-              <a:rPr lang="pt-PT" sz="2000" dirty="0"/>
-              <a:t>;</a:t>
-            </a:r>
-          </a:p>
-          <a:p>
-            <a:pPr lvl="0" algn="just"/>
-            <a:endParaRPr lang="pt-PT" sz="2000" dirty="0"/>
-          </a:p>
-          <a:p>
-            <a:pPr marL="285750" lvl="0" indent="-285750" algn="just">
-              <a:buFont typeface="Arial" panose="020B0604020202020204" pitchFamily="34" charset="0"/>
-              <a:buChar char="•"/>
-            </a:pPr>
-            <a:r>
-              <a:rPr lang="pt-PT" sz="2000" b="1" dirty="0" smtClean="0">
-                <a:solidFill>
-                  <a:schemeClr val="accent2"/>
-                </a:solidFill>
-              </a:rPr>
-              <a:t>Utilização frequente</a:t>
-            </a:r>
-            <a:r>
-              <a:rPr lang="pt-PT" sz="2000" b="1" dirty="0" smtClean="0"/>
-              <a:t>;</a:t>
-            </a:r>
-          </a:p>
-          <a:p>
-            <a:pPr marL="285750" lvl="0" indent="-285750" algn="just">
-              <a:buFont typeface="Arial" panose="020B0604020202020204" pitchFamily="34" charset="0"/>
-              <a:buChar char="•"/>
-            </a:pPr>
-            <a:endParaRPr lang="pt-PT" sz="2000" b="1" dirty="0" smtClean="0">
-              <a:solidFill>
-                <a:schemeClr val="accent2"/>
-              </a:solidFill>
-            </a:endParaRPr>
-          </a:p>
-          <a:p>
-            <a:pPr marL="285750" lvl="0" indent="-285750" algn="just">
-              <a:buFont typeface="Arial" panose="020B0604020202020204" pitchFamily="34" charset="0"/>
-              <a:buChar char="•"/>
-            </a:pPr>
-            <a:r>
-              <a:rPr lang="pt-PT" sz="2000" b="1" dirty="0" smtClean="0">
-                <a:solidFill>
-                  <a:schemeClr val="accent2"/>
-                </a:solidFill>
-              </a:rPr>
-              <a:t>Crescimento consecutivo</a:t>
-            </a:r>
-            <a:r>
-              <a:rPr lang="pt-PT" sz="2000" b="1" dirty="0" smtClean="0"/>
-              <a:t>;</a:t>
-            </a:r>
-          </a:p>
-          <a:p>
-            <a:pPr marL="285750" lvl="0" indent="-285750" algn="just">
-              <a:buFont typeface="Arial" panose="020B0604020202020204" pitchFamily="34" charset="0"/>
-              <a:buChar char="•"/>
-            </a:pPr>
-            <a:endParaRPr lang="pt-PT" sz="2000" dirty="0"/>
-          </a:p>
-          <a:p>
-            <a:pPr marL="285750" lvl="0" indent="-285750" algn="just">
-              <a:buFont typeface="Arial" panose="020B0604020202020204" pitchFamily="34" charset="0"/>
-              <a:buChar char="•"/>
-            </a:pPr>
-            <a:r>
-              <a:rPr lang="pt-PT" sz="2000" dirty="0"/>
-              <a:t>O </a:t>
-            </a:r>
-            <a:r>
-              <a:rPr lang="pt-PT" sz="2000" b="1" dirty="0">
-                <a:solidFill>
-                  <a:schemeClr val="accent2"/>
-                </a:solidFill>
-              </a:rPr>
-              <a:t>nível de satisfação </a:t>
-            </a:r>
-            <a:r>
-              <a:rPr lang="pt-PT" sz="2000" dirty="0"/>
-              <a:t>dos utilizadores do </a:t>
-            </a:r>
-            <a:r>
-              <a:rPr lang="pt-PT" sz="2000" dirty="0" smtClean="0"/>
-              <a:t>infantário deve </a:t>
-            </a:r>
-            <a:r>
-              <a:rPr lang="pt-PT" sz="2000" dirty="0"/>
-              <a:t>subir, pelo menos, </a:t>
-            </a:r>
-            <a:r>
-              <a:rPr lang="pt-PT" sz="2000" b="1" dirty="0">
-                <a:solidFill>
-                  <a:schemeClr val="accent2"/>
-                </a:solidFill>
-              </a:rPr>
-              <a:t>3 pontos percentuais</a:t>
-            </a:r>
-            <a:r>
-              <a:rPr lang="pt-PT" sz="2000" dirty="0"/>
-              <a:t>;</a:t>
-            </a:r>
-          </a:p>
-          <a:p>
-            <a:pPr marL="285750" lvl="0" indent="-285750" algn="just">
-              <a:buFont typeface="Arial" panose="020B0604020202020204" pitchFamily="34" charset="0"/>
-              <a:buChar char="•"/>
-            </a:pPr>
-            <a:endParaRPr lang="pt-PT" sz="2000" dirty="0"/>
-          </a:p>
-          <a:p>
-            <a:pPr marL="285750" lvl="0" indent="-285750" algn="just">
-              <a:buFont typeface="Arial" panose="020B0604020202020204" pitchFamily="34" charset="0"/>
-              <a:buChar char="•"/>
-            </a:pPr>
-            <a:r>
-              <a:rPr lang="pt-PT" sz="2000" dirty="0"/>
-              <a:t>O </a:t>
-            </a:r>
-            <a:r>
-              <a:rPr lang="pt-PT" sz="2000" b="1" dirty="0">
-                <a:solidFill>
-                  <a:schemeClr val="accent2"/>
-                </a:solidFill>
-              </a:rPr>
-              <a:t>número de utilizadores </a:t>
-            </a:r>
-            <a:r>
-              <a:rPr lang="pt-PT" sz="2000" dirty="0"/>
-              <a:t>do infantário deve </a:t>
-            </a:r>
-            <a:r>
-              <a:rPr lang="pt-PT" sz="2000" b="1" dirty="0">
-                <a:solidFill>
-                  <a:schemeClr val="accent2"/>
-                </a:solidFill>
-              </a:rPr>
-              <a:t>subir 5 pontos percentuais</a:t>
-            </a:r>
-            <a:r>
-              <a:rPr lang="pt-PT" sz="2000" dirty="0"/>
-              <a:t>, um ano após a </a:t>
-            </a:r>
-            <a:r>
-              <a:rPr lang="pt-PT" sz="2000" dirty="0" smtClean="0"/>
-              <a:t>implementação;</a:t>
-            </a:r>
-            <a:endParaRPr lang="pt-PT" sz="2000" dirty="0"/>
-          </a:p>
-          <a:p>
-            <a:pPr marL="285750" lvl="0" indent="-285750" algn="just">
-              <a:buFont typeface="Arial" panose="020B0604020202020204" pitchFamily="34" charset="0"/>
-              <a:buChar char="•"/>
-            </a:pPr>
-            <a:endParaRPr lang="pt-PT" sz="2000" b="1" dirty="0">
-              <a:solidFill>
-                <a:schemeClr val="accent2"/>
-              </a:solidFill>
-            </a:endParaRPr>
-          </a:p>
-          <a:p>
-            <a:pPr marL="285750" lvl="0" indent="-285750" algn="just">
-              <a:buFont typeface="Arial" panose="020B0604020202020204" pitchFamily="34" charset="0"/>
-              <a:buChar char="•"/>
-            </a:pPr>
-            <a:r>
-              <a:rPr lang="pt-PT" sz="2000" b="1" dirty="0" smtClean="0">
-                <a:solidFill>
-                  <a:schemeClr val="accent2"/>
-                </a:solidFill>
-              </a:rPr>
-              <a:t>99% de disponibilidade</a:t>
-            </a:r>
-            <a:r>
-              <a:rPr lang="pt-PT" sz="2000" b="1" dirty="0" smtClean="0"/>
-              <a:t>.</a:t>
-            </a:r>
-            <a:endParaRPr lang="pt-PT" sz="2000" b="1" dirty="0">
-              <a:solidFill>
-                <a:schemeClr val="accent2"/>
-              </a:solidFill>
-            </a:endParaRPr>
+            <a:pPr algn="just"/>
+            <a:r>
+              <a:rPr lang="pt-PT" sz="2800" dirty="0"/>
+              <a:t>Organizacionais</a:t>
+            </a:r>
+          </a:p>
+          <a:p>
+            <a:pPr lvl="1" algn="just"/>
+            <a:r>
+              <a:rPr lang="pt-PT" sz="2400" dirty="0"/>
+              <a:t>O utilizador deve autenticar-se com o seu username e a password respetiva;</a:t>
+            </a:r>
+          </a:p>
+          <a:p>
+            <a:pPr lvl="1" algn="just"/>
+            <a:r>
+              <a:rPr lang="pt-PT" sz="2400" dirty="0"/>
+              <a:t>A linguagem de programação a utilizar será C# em cooperação com a framework ASP.NET;</a:t>
+            </a:r>
+          </a:p>
+          <a:p>
+            <a:pPr lvl="1" algn="just"/>
+            <a:r>
+              <a:rPr lang="pt-PT" sz="2400" dirty="0"/>
+              <a:t>O SGBD a usar deve ser o SQL Server;</a:t>
+            </a:r>
+          </a:p>
+          <a:p>
+            <a:pPr lvl="1" algn="just"/>
+            <a:r>
+              <a:rPr lang="pt-PT" sz="2400" dirty="0"/>
+              <a:t>A aplicação será desenvolvida para web;</a:t>
+            </a:r>
           </a:p>
         </p:txBody>
       </p:sp>
     </p:spTree>
     <p:extLst>
       <p:ext uri="{BB962C8B-B14F-4D97-AF65-F5344CB8AC3E}">
-        <p14:creationId xmlns:p14="http://schemas.microsoft.com/office/powerpoint/2010/main" val="3257683210"/>
+        <p14:creationId xmlns:p14="http://schemas.microsoft.com/office/powerpoint/2010/main" val="1620922798"/>
       </p:ext>
     </p:extLst>
   </p:cSld>
@@ -12105,184 +11360,77 @@
       </p:grpSpPr>
       <p:sp>
         <p:nvSpPr>
-          <p:cNvPr id="6" name="Título 1">
-            <a:extLst>
-              <a:ext uri="{FF2B5EF4-FFF2-40B4-BE49-F238E27FC236}">
-                <a16:creationId xmlns:a16="http://schemas.microsoft.com/office/drawing/2014/main" id="{6312B0E3-8AB8-4FDB-ABB6-4C51F617C274}"/>
-              </a:ext>
-            </a:extLst>
-          </p:cNvPr>
-          <p:cNvSpPr txBox="1">
-            <a:spLocks/>
-          </p:cNvSpPr>
-          <p:nvPr/>
-        </p:nvSpPr>
-        <p:spPr>
-          <a:xfrm>
-            <a:off x="283967" y="234908"/>
-            <a:ext cx="9147416" cy="1320800"/>
-          </a:xfrm>
-          <a:prstGeom prst="rect">
-            <a:avLst/>
-          </a:prstGeom>
-        </p:spPr>
+          <p:cNvPr id="4" name="Title 3"/>
+          <p:cNvSpPr>
+            <a:spLocks noGrp="1"/>
+          </p:cNvSpPr>
+          <p:nvPr>
+            <p:ph type="title"/>
+          </p:nvPr>
+        </p:nvSpPr>
+        <p:spPr/>
         <p:txBody>
           <a:bodyPr/>
-          <a:lstStyle>
-            <a:lvl1pPr algn="l" defTabSz="457200" rtl="0" eaLnBrk="1" latinLnBrk="0" hangingPunct="1">
-              <a:spcBef>
-                <a:spcPct val="0"/>
-              </a:spcBef>
-              <a:buNone/>
-              <a:defRPr sz="3600" kern="1200">
-                <a:solidFill>
-                  <a:schemeClr val="accent1"/>
-                </a:solidFill>
-                <a:latin typeface="+mj-lt"/>
-                <a:ea typeface="+mj-ea"/>
-                <a:cs typeface="+mj-cs"/>
-              </a:defRPr>
-            </a:lvl1pPr>
-            <a:lvl2pPr eaLnBrk="1" hangingPunct="1">
-              <a:defRPr>
-                <a:solidFill>
-                  <a:schemeClr val="tx2"/>
-                </a:solidFill>
-              </a:defRPr>
-            </a:lvl2pPr>
-            <a:lvl3pPr eaLnBrk="1" hangingPunct="1">
-              <a:defRPr>
-                <a:solidFill>
-                  <a:schemeClr val="tx2"/>
-                </a:solidFill>
-              </a:defRPr>
-            </a:lvl3pPr>
-            <a:lvl4pPr eaLnBrk="1" hangingPunct="1">
-              <a:defRPr>
-                <a:solidFill>
-                  <a:schemeClr val="tx2"/>
-                </a:solidFill>
-              </a:defRPr>
-            </a:lvl4pPr>
-            <a:lvl5pPr eaLnBrk="1" hangingPunct="1">
-              <a:defRPr>
-                <a:solidFill>
-                  <a:schemeClr val="tx2"/>
-                </a:solidFill>
-              </a:defRPr>
-            </a:lvl5pPr>
-            <a:lvl6pPr eaLnBrk="1" hangingPunct="1">
-              <a:defRPr>
-                <a:solidFill>
-                  <a:schemeClr val="tx2"/>
-                </a:solidFill>
-              </a:defRPr>
-            </a:lvl6pPr>
-            <a:lvl7pPr eaLnBrk="1" hangingPunct="1">
-              <a:defRPr>
-                <a:solidFill>
-                  <a:schemeClr val="tx2"/>
-                </a:solidFill>
-              </a:defRPr>
-            </a:lvl7pPr>
-            <a:lvl8pPr eaLnBrk="1" hangingPunct="1">
-              <a:defRPr>
-                <a:solidFill>
-                  <a:schemeClr val="tx2"/>
-                </a:solidFill>
-              </a:defRPr>
-            </a:lvl8pPr>
-            <a:lvl9pPr eaLnBrk="1" hangingPunct="1">
-              <a:defRPr>
-                <a:solidFill>
-                  <a:schemeClr val="tx2"/>
-                </a:solidFill>
-              </a:defRPr>
-            </a:lvl9pPr>
-          </a:lstStyle>
+          <a:lstStyle/>
           <a:p>
             <a:r>
               <a:rPr lang="pt-PT" dirty="0"/>
-              <a:t>Plano de Desenvolvimento</a:t>
-            </a:r>
-          </a:p>
-          <a:p>
+              <a:t>Requisitos de </a:t>
+            </a:r>
+            <a:r>
+              <a:rPr lang="pt-PT" dirty="0" smtClean="0"/>
+              <a:t>sistema </a:t>
+            </a:r>
             <a:r>
               <a:rPr lang="pt-PT" dirty="0"/>
-              <a:t>	</a:t>
-            </a:r>
-            <a:r>
-              <a:rPr lang="pt-PT" sz="2000" dirty="0"/>
-              <a:t>- fundamentação</a:t>
-            </a:r>
-            <a:endParaRPr lang="pt-PT" dirty="0"/>
-          </a:p>
-        </p:txBody>
-      </p:sp>
-      <p:pic>
-        <p:nvPicPr>
-          <p:cNvPr id="1026" name="Picture 2" descr="GANTTfundamentacao">
-            <a:extLst>
-              <a:ext uri="{FF2B5EF4-FFF2-40B4-BE49-F238E27FC236}">
-                <a16:creationId xmlns:a16="http://schemas.microsoft.com/office/drawing/2014/main" id="{831ADF82-97B5-4994-9A65-B3AB2B1FACEC}"/>
-              </a:ext>
-            </a:extLst>
-          </p:cNvPr>
-          <p:cNvPicPr>
-            <a:picLocks noChangeAspect="1" noChangeArrowheads="1"/>
-          </p:cNvPicPr>
-          <p:nvPr/>
-        </p:nvPicPr>
-        <p:blipFill>
-          <a:blip r:embed="rId2">
-            <a:extLst>
-              <a:ext uri="{28A0092B-C50C-407E-A947-70E740481C1C}">
-                <a14:useLocalDpi xmlns:a14="http://schemas.microsoft.com/office/drawing/2010/main" val="0"/>
-              </a:ext>
-            </a:extLst>
-          </a:blip>
-          <a:srcRect r="35512"/>
-          <a:stretch>
-            <a:fillRect/>
-          </a:stretch>
-        </p:blipFill>
-        <p:spPr bwMode="auto">
-          <a:xfrm>
-            <a:off x="563038" y="1723658"/>
-            <a:ext cx="8868345" cy="4527852"/>
-          </a:xfrm>
-          <a:prstGeom prst="rect">
-            <a:avLst/>
-          </a:prstGeom>
-          <a:noFill/>
-          <a:ln>
-            <a:noFill/>
-          </a:ln>
-          <a:extLst>
-            <a:ext uri="{909E8E84-426E-40DD-AFC4-6F175D3DCCD1}">
-              <a14:hiddenFill xmlns:a14="http://schemas.microsoft.com/office/drawing/2010/main">
-                <a:solidFill>
-                  <a:srgbClr val="FFFFFF"/>
-                </a:solidFill>
-              </a14:hiddenFill>
-            </a:ext>
-            <a:ext uri="{91240B29-F687-4F45-9708-019B960494DF}">
-              <a14:hiddenLine xmlns:a14="http://schemas.microsoft.com/office/drawing/2010/main" w="9525">
-                <a:solidFill>
-                  <a:srgbClr val="000000"/>
-                </a:solidFill>
-                <a:miter lim="800000"/>
-                <a:headEnd/>
-                <a:tailEnd/>
-              </a14:hiddenLine>
-            </a:ext>
-          </a:extLst>
-        </p:spPr>
-      </p:pic>
+              <a:t>não-funcionais</a:t>
+            </a:r>
+          </a:p>
+        </p:txBody>
+      </p:sp>
+      <p:sp>
+        <p:nvSpPr>
+          <p:cNvPr id="2" name="Content Placeholder 1"/>
+          <p:cNvSpPr>
+            <a:spLocks noGrp="1"/>
+          </p:cNvSpPr>
+          <p:nvPr>
+            <p:ph idx="1"/>
+          </p:nvPr>
+        </p:nvSpPr>
+        <p:spPr/>
+        <p:txBody>
+          <a:bodyPr>
+            <a:normAutofit/>
+          </a:bodyPr>
+          <a:lstStyle/>
+          <a:p>
+            <a:pPr algn="just"/>
+            <a:r>
+              <a:rPr lang="pt-PT" sz="2800" dirty="0"/>
+              <a:t>Externos</a:t>
+            </a:r>
+          </a:p>
+          <a:p>
+            <a:pPr lvl="1" algn="just"/>
+            <a:r>
+              <a:rPr lang="pt-PT" sz="2400" dirty="0"/>
+              <a:t>O sistema deve recorrer a uma API de mapas para representar a localização do trabalho ou até mesmo para representar a sua própria localização;</a:t>
+            </a:r>
+          </a:p>
+          <a:p>
+            <a:pPr lvl="1" algn="just"/>
+            <a:r>
+              <a:rPr lang="pt-PT" sz="2400" dirty="0"/>
+              <a:t>O sistema não deve apresentar aos utilizadores dados privados acerca dos restantes utilizadores, sendo que, cada utilizador só pode ver os seus dados e aqueles que são públicos; </a:t>
+            </a:r>
+          </a:p>
+        </p:txBody>
+      </p:sp>
     </p:spTree>
     <p:extLst>
       <p:ext uri="{BB962C8B-B14F-4D97-AF65-F5344CB8AC3E}">
-        <p14:creationId xmlns:p14="http://schemas.microsoft.com/office/powerpoint/2010/main" val="4262679757"/>
+        <p14:creationId xmlns:p14="http://schemas.microsoft.com/office/powerpoint/2010/main" val="374380089"/>
       </p:ext>
     </p:extLst>
   </p:cSld>
@@ -12330,148 +11478,103 @@
       </p:grpSpPr>
       <p:sp>
         <p:nvSpPr>
-          <p:cNvPr id="4" name="Título 1">
-            <a:extLst>
-              <a:ext uri="{FF2B5EF4-FFF2-40B4-BE49-F238E27FC236}">
-                <a16:creationId xmlns:a16="http://schemas.microsoft.com/office/drawing/2014/main" id="{CBE2B00B-37FC-4561-9D76-9D44D2DF8A52}"/>
-              </a:ext>
-            </a:extLst>
-          </p:cNvPr>
-          <p:cNvSpPr txBox="1">
-            <a:spLocks/>
-          </p:cNvSpPr>
-          <p:nvPr/>
+          <p:cNvPr id="4" name="Title 3"/>
+          <p:cNvSpPr>
+            <a:spLocks noGrp="1"/>
+          </p:cNvSpPr>
+          <p:nvPr>
+            <p:ph type="title"/>
+          </p:nvPr>
+        </p:nvSpPr>
+        <p:spPr/>
+        <p:txBody>
+          <a:bodyPr/>
+          <a:lstStyle/>
+          <a:p>
+            <a:r>
+              <a:rPr lang="pt-PT" dirty="0"/>
+              <a:t>Requisitos de </a:t>
+            </a:r>
+            <a:r>
+              <a:rPr lang="pt-PT" dirty="0" smtClean="0"/>
+              <a:t>sistema </a:t>
+            </a:r>
+            <a:r>
+              <a:rPr lang="pt-PT" dirty="0"/>
+              <a:t>não-funcionais</a:t>
+            </a:r>
+          </a:p>
+        </p:txBody>
+      </p:sp>
+      <p:sp>
+        <p:nvSpPr>
+          <p:cNvPr id="2" name="Content Placeholder 1"/>
+          <p:cNvSpPr>
+            <a:spLocks noGrp="1"/>
+          </p:cNvSpPr>
+          <p:nvPr>
+            <p:ph idx="1"/>
+          </p:nvPr>
         </p:nvSpPr>
         <p:spPr>
           <a:xfrm>
-            <a:off x="283967" y="234908"/>
-            <a:ext cx="9147416" cy="1320800"/>
+            <a:off x="677334" y="2160589"/>
+            <a:ext cx="8596668" cy="4352178"/>
           </a:xfrm>
-          <a:prstGeom prst="rect">
-            <a:avLst/>
-          </a:prstGeom>
         </p:spPr>
         <p:txBody>
-          <a:bodyPr/>
-          <a:lstStyle>
-            <a:lvl1pPr algn="l" defTabSz="457200" rtl="0" eaLnBrk="1" latinLnBrk="0" hangingPunct="1">
-              <a:spcBef>
-                <a:spcPct val="0"/>
-              </a:spcBef>
-              <a:buNone/>
-              <a:defRPr sz="3600" kern="1200">
-                <a:solidFill>
-                  <a:schemeClr val="accent1"/>
-                </a:solidFill>
-                <a:latin typeface="+mj-lt"/>
-                <a:ea typeface="+mj-ea"/>
-                <a:cs typeface="+mj-cs"/>
-              </a:defRPr>
-            </a:lvl1pPr>
-            <a:lvl2pPr eaLnBrk="1" hangingPunct="1">
-              <a:defRPr>
-                <a:solidFill>
-                  <a:schemeClr val="tx2"/>
-                </a:solidFill>
-              </a:defRPr>
-            </a:lvl2pPr>
-            <a:lvl3pPr eaLnBrk="1" hangingPunct="1">
-              <a:defRPr>
-                <a:solidFill>
-                  <a:schemeClr val="tx2"/>
-                </a:solidFill>
-              </a:defRPr>
-            </a:lvl3pPr>
-            <a:lvl4pPr eaLnBrk="1" hangingPunct="1">
-              <a:defRPr>
-                <a:solidFill>
-                  <a:schemeClr val="tx2"/>
-                </a:solidFill>
-              </a:defRPr>
-            </a:lvl4pPr>
-            <a:lvl5pPr eaLnBrk="1" hangingPunct="1">
-              <a:defRPr>
-                <a:solidFill>
-                  <a:schemeClr val="tx2"/>
-                </a:solidFill>
-              </a:defRPr>
-            </a:lvl5pPr>
-            <a:lvl6pPr eaLnBrk="1" hangingPunct="1">
-              <a:defRPr>
-                <a:solidFill>
-                  <a:schemeClr val="tx2"/>
-                </a:solidFill>
-              </a:defRPr>
-            </a:lvl6pPr>
-            <a:lvl7pPr eaLnBrk="1" hangingPunct="1">
-              <a:defRPr>
-                <a:solidFill>
-                  <a:schemeClr val="tx2"/>
-                </a:solidFill>
-              </a:defRPr>
-            </a:lvl7pPr>
-            <a:lvl8pPr eaLnBrk="1" hangingPunct="1">
-              <a:defRPr>
-                <a:solidFill>
-                  <a:schemeClr val="tx2"/>
-                </a:solidFill>
-              </a:defRPr>
-            </a:lvl8pPr>
-            <a:lvl9pPr eaLnBrk="1" hangingPunct="1">
-              <a:defRPr>
-                <a:solidFill>
-                  <a:schemeClr val="tx2"/>
-                </a:solidFill>
-              </a:defRPr>
-            </a:lvl9pPr>
-          </a:lstStyle>
-          <a:p>
-            <a:r>
-              <a:rPr lang="pt-PT" dirty="0"/>
-              <a:t>Plano de Desenvolvimento</a:t>
-            </a:r>
-          </a:p>
-          <a:p>
-            <a:r>
-              <a:rPr lang="pt-PT" dirty="0"/>
-              <a:t>	</a:t>
-            </a:r>
-            <a:r>
-              <a:rPr lang="pt-PT" sz="2000" dirty="0"/>
-              <a:t>- especificação</a:t>
-            </a:r>
-            <a:endParaRPr lang="pt-PT" dirty="0"/>
-          </a:p>
-        </p:txBody>
-      </p:sp>
-      <p:pic>
-        <p:nvPicPr>
-          <p:cNvPr id="3" name="Picture 2"/>
-          <p:cNvPicPr>
-            <a:picLocks noChangeAspect="1"/>
-          </p:cNvPicPr>
-          <p:nvPr/>
-        </p:nvPicPr>
-        <p:blipFill>
-          <a:blip r:embed="rId2"/>
-          <a:stretch>
-            <a:fillRect/>
-          </a:stretch>
-        </p:blipFill>
-        <p:spPr>
-          <a:xfrm>
-            <a:off x="283967" y="1555708"/>
-            <a:ext cx="11258550" cy="4248150"/>
-          </a:xfrm>
-          <a:prstGeom prst="rect">
-            <a:avLst/>
-          </a:prstGeom>
-        </p:spPr>
-      </p:pic>
+          <a:bodyPr>
+            <a:normAutofit fontScale="92500"/>
+          </a:bodyPr>
+          <a:lstStyle/>
+          <a:p>
+            <a:pPr algn="just"/>
+            <a:r>
+              <a:rPr lang="pt-PT" sz="2800" dirty="0"/>
+              <a:t>Produto</a:t>
+            </a:r>
+          </a:p>
+          <a:p>
+            <a:pPr lvl="1" algn="just"/>
+            <a:r>
+              <a:rPr lang="pt-PT" sz="2400" dirty="0"/>
+              <a:t>O sistema deve estar disponível 24h por dia. No pior dos casos, espera-se uma disponibilidade média superior a 99%;</a:t>
+            </a:r>
+          </a:p>
+          <a:p>
+            <a:pPr lvl="1" algn="just"/>
+            <a:r>
+              <a:rPr lang="pt-PT" sz="2400" dirty="0"/>
+              <a:t>O sistema deve ser de fácil uso;</a:t>
+            </a:r>
+          </a:p>
+          <a:p>
+            <a:pPr lvl="1" algn="just"/>
+            <a:r>
+              <a:rPr lang="pt-PT" sz="2400" dirty="0"/>
+              <a:t>O sistema deve ser produzido de modo a ser executado em todos os browsers;</a:t>
+            </a:r>
+          </a:p>
+          <a:p>
+            <a:pPr lvl="1" algn="just"/>
+            <a:r>
+              <a:rPr lang="pt-PT" sz="2400" dirty="0"/>
+              <a:t>O sistema deve suportar o registo de 1000 utilizadores, no espaço de 1 ano;</a:t>
+            </a:r>
+          </a:p>
+          <a:p>
+            <a:pPr lvl="1" algn="just"/>
+            <a:r>
+              <a:rPr lang="pt-PT" sz="2400" dirty="0"/>
+              <a:t>O nível de satisfação dos utilizadores com a aplicação deverá ser elevado.</a:t>
+            </a:r>
+          </a:p>
+        </p:txBody>
+      </p:sp>
     </p:spTree>
     <p:extLst>
       <p:ext uri="{BB962C8B-B14F-4D97-AF65-F5344CB8AC3E}">
-        <p14:creationId xmlns:p14="http://schemas.microsoft.com/office/powerpoint/2010/main" val="104346832"/>
+        <p14:creationId xmlns:p14="http://schemas.microsoft.com/office/powerpoint/2010/main" val="206296111"/>
       </p:ext>
     </p:extLst>
   </p:cSld>
@@ -12501,7 +11604,7 @@
 </file>
 
 <file path=ppt/theme/theme1.xml><?xml version="1.0" encoding="utf-8"?>
-<a:theme xmlns:a="http://schemas.openxmlformats.org/drawingml/2006/main" name="Faceta">
+<a:theme xmlns:a="http://schemas.openxmlformats.org/drawingml/2006/main" name="Facet">
   <a:themeElements>
     <a:clrScheme name="Facet">
       <a:dk1>
@@ -12517,28 +11620,28 @@
         <a:srgbClr val="EBEBEB"/>
       </a:lt2>
       <a:accent1>
-        <a:srgbClr val="90C226"/>
+        <a:srgbClr val="5FCBEF"/>
       </a:accent1>
       <a:accent2>
-        <a:srgbClr val="54A021"/>
+        <a:srgbClr val="2E83C3"/>
       </a:accent2>
       <a:accent3>
-        <a:srgbClr val="E6B91E"/>
+        <a:srgbClr val="42D0A2"/>
       </a:accent3>
       <a:accent4>
-        <a:srgbClr val="E76618"/>
+        <a:srgbClr val="2E946B"/>
       </a:accent4>
       <a:accent5>
-        <a:srgbClr val="C42F1A"/>
+        <a:srgbClr val="42B051"/>
       </a:accent5>
       <a:accent6>
-        <a:srgbClr val="918655"/>
+        <a:srgbClr val="96D141"/>
       </a:accent6>
       <a:hlink>
-        <a:srgbClr val="99CA3C"/>
+        <a:srgbClr val="3FCDE7"/>
       </a:hlink>
       <a:folHlink>
-        <a:srgbClr val="B9D181"/>
+        <a:srgbClr val="A9D3E1"/>
       </a:folHlink>
     </a:clrScheme>
     <a:fontScheme name="Facet">
@@ -12751,7 +11854,7 @@
   <a:extraClrSchemeLst/>
   <a:extLst>
     <a:ext uri="{05A4C25C-085E-4340-85A3-A5531E510DB2}">
-      <thm15:themeFamily xmlns:thm15="http://schemas.microsoft.com/office/thememl/2012/main" name="Facet" id="{C0C680CD-088A-49FC-A102-D699147F32B2}" vid="{CFBC31BA-B70F-4F30-BCAA-4F3011E16C4D}"/>
+      <thm15:themeFamily xmlns:thm15="http://schemas.microsoft.com/office/thememl/2012/main" name="Facet" id="{C0C680CD-088A-49FC-A102-D699147F32B2}" vid="{0B5AB586-D108-4FC1-8368-649FE654B894}"/>
     </a:ext>
   </a:extLst>
 </a:theme>

--- a/relatorio/Fase 3/LI4.pptx
+++ b/relatorio/Fase 3/LI4.pptx
@@ -5,34 +5,30 @@
     <p:sldMasterId id="2147483668" r:id="rId1"/>
   </p:sldMasterIdLst>
   <p:notesMasterIdLst>
-    <p:notesMasterId r:id="rId27"/>
+    <p:notesMasterId r:id="rId23"/>
   </p:notesMasterIdLst>
   <p:sldIdLst>
     <p:sldId id="256" r:id="rId2"/>
     <p:sldId id="307" r:id="rId3"/>
     <p:sldId id="274" r:id="rId4"/>
     <p:sldId id="264" r:id="rId5"/>
-    <p:sldId id="311" r:id="rId6"/>
-    <p:sldId id="314" r:id="rId7"/>
-    <p:sldId id="328" r:id="rId8"/>
-    <p:sldId id="331" r:id="rId9"/>
-    <p:sldId id="332" r:id="rId10"/>
-    <p:sldId id="330" r:id="rId11"/>
-    <p:sldId id="335" r:id="rId12"/>
-    <p:sldId id="334" r:id="rId13"/>
-    <p:sldId id="339" r:id="rId14"/>
-    <p:sldId id="340" r:id="rId15"/>
-    <p:sldId id="343" r:id="rId16"/>
-    <p:sldId id="345" r:id="rId17"/>
-    <p:sldId id="351" r:id="rId18"/>
-    <p:sldId id="350" r:id="rId19"/>
-    <p:sldId id="352" r:id="rId20"/>
-    <p:sldId id="353" r:id="rId21"/>
-    <p:sldId id="354" r:id="rId22"/>
-    <p:sldId id="355" r:id="rId23"/>
-    <p:sldId id="357" r:id="rId24"/>
-    <p:sldId id="356" r:id="rId25"/>
-    <p:sldId id="303" r:id="rId26"/>
+    <p:sldId id="314" r:id="rId6"/>
+    <p:sldId id="328" r:id="rId7"/>
+    <p:sldId id="331" r:id="rId8"/>
+    <p:sldId id="330" r:id="rId9"/>
+    <p:sldId id="334" r:id="rId10"/>
+    <p:sldId id="340" r:id="rId11"/>
+    <p:sldId id="354" r:id="rId12"/>
+    <p:sldId id="355" r:id="rId13"/>
+    <p:sldId id="357" r:id="rId14"/>
+    <p:sldId id="359" r:id="rId15"/>
+    <p:sldId id="356" r:id="rId16"/>
+    <p:sldId id="362" r:id="rId17"/>
+    <p:sldId id="360" r:id="rId18"/>
+    <p:sldId id="363" r:id="rId19"/>
+    <p:sldId id="361" r:id="rId20"/>
+    <p:sldId id="364" r:id="rId21"/>
+    <p:sldId id="303" r:id="rId22"/>
   </p:sldIdLst>
   <p:sldSz cx="12192000" cy="6858000"/>
   <p:notesSz cx="6858000" cy="9144000"/>
@@ -645,7 +641,7 @@
           <a:p>
             <a:fld id="{F2D13AFA-C489-4F08-BBC3-E69A09335FB4}" type="slidenum">
               <a:rPr lang="pt-PT" smtClean="0"/>
-              <a:t>21</a:t>
+              <a:t>11</a:t>
             </a:fld>
             <a:endParaRPr lang="pt-PT" dirty="0"/>
           </a:p>
@@ -6921,7 +6917,7 @@
       </p:grpSpPr>
       <p:sp>
         <p:nvSpPr>
-          <p:cNvPr id="4" name="Title 3"/>
+          <p:cNvPr id="2" name="Title 1"/>
           <p:cNvSpPr>
             <a:spLocks noGrp="1"/>
           </p:cNvSpPr>
@@ -6931,7 +6927,7 @@
         </p:nvSpPr>
         <p:spPr>
           <a:xfrm>
-            <a:off x="0" y="0"/>
+            <a:off x="677334" y="273698"/>
             <a:ext cx="8596668" cy="1320800"/>
           </a:xfrm>
         </p:spPr>
@@ -6941,20 +6937,46 @@
           <a:p>
             <a:r>
               <a:rPr lang="pt-PT" dirty="0"/>
-              <a:t>Diagrama de Use Cases</a:t>
-            </a:r>
+              <a:t>Diagrama de Máquinas de Estado</a:t>
+            </a:r>
+            <a:br>
+              <a:rPr lang="pt-PT" dirty="0"/>
+            </a:br>
+            <a:r>
+              <a:rPr lang="pt-PT" dirty="0"/>
+              <a:t>“Agendar Trabalho”</a:t>
+            </a:r>
+          </a:p>
+        </p:txBody>
+      </p:sp>
+      <p:sp>
+        <p:nvSpPr>
+          <p:cNvPr id="3" name="Content Placeholder 2"/>
+          <p:cNvSpPr>
+            <a:spLocks noGrp="1"/>
+          </p:cNvSpPr>
+          <p:nvPr>
+            <p:ph sz="half" idx="1"/>
+          </p:nvPr>
+        </p:nvSpPr>
+        <p:spPr/>
+        <p:txBody>
+          <a:bodyPr/>
+          <a:lstStyle/>
+          <a:p>
+            <a:endParaRPr lang="pt-PT"/>
           </a:p>
         </p:txBody>
       </p:sp>
       <p:pic>
         <p:nvPicPr>
-          <p:cNvPr id="2" name="Picture 1"/>
+          <p:cNvPr id="2050" name="Picture 2"/>
           <p:cNvPicPr>
-            <a:picLocks noChangeAspect="1"/>
+            <a:picLocks noChangeAspect="1" noChangeArrowheads="1"/>
           </p:cNvPicPr>
           <p:nvPr/>
         </p:nvPicPr>
-        <p:blipFill rotWithShape="1">
+        <p:blipFill>
           <a:blip r:embed="rId2">
             <a:extLst>
               <a:ext uri="{28A0092B-C50C-407E-A947-70E740481C1C}">
@@ -6962,23 +6984,48 @@
               </a:ext>
             </a:extLst>
           </a:blip>
-          <a:srcRect l="-337" b="58384"/>
-          <a:stretch/>
+          <a:srcRect/>
+          <a:stretch>
+            <a:fillRect/>
+          </a:stretch>
         </p:blipFill>
-        <p:spPr>
+        <p:spPr bwMode="auto">
           <a:xfrm>
-            <a:off x="564445" y="978088"/>
-            <a:ext cx="8429403" cy="5117911"/>
+            <a:off x="677335" y="1801283"/>
+            <a:ext cx="10919422" cy="3888317"/>
           </a:xfrm>
           <a:prstGeom prst="rect">
             <a:avLst/>
           </a:prstGeom>
+          <a:noFill/>
+          <a:ln>
+            <a:noFill/>
+          </a:ln>
+          <a:extLst>
+            <a:ext uri="{909E8E84-426E-40DD-AFC4-6F175D3DCCD1}">
+              <a14:hiddenFill xmlns:a14="http://schemas.microsoft.com/office/drawing/2010/main">
+                <a:solidFill>
+                  <a:srgbClr val="FFFFFF"/>
+                </a:solidFill>
+              </a14:hiddenFill>
+            </a:ext>
+            <a:ext uri="{91240B29-F687-4F45-9708-019B960494DF}">
+              <a14:hiddenLine xmlns:a14="http://schemas.microsoft.com/office/drawing/2010/main" w="9525">
+                <a:solidFill>
+                  <a:srgbClr val="000000"/>
+                </a:solidFill>
+                <a:miter lim="800000"/>
+                <a:headEnd/>
+                <a:tailEnd/>
+              </a14:hiddenLine>
+            </a:ext>
+          </a:extLst>
         </p:spPr>
       </p:pic>
     </p:spTree>
     <p:extLst>
       <p:ext uri="{BB962C8B-B14F-4D97-AF65-F5344CB8AC3E}">
-        <p14:creationId xmlns:p14="http://schemas.microsoft.com/office/powerpoint/2010/main" val="358780655"/>
+        <p14:creationId xmlns:p14="http://schemas.microsoft.com/office/powerpoint/2010/main" val="1201757989"/>
       </p:ext>
     </p:extLst>
   </p:cSld>
@@ -7026,7 +7073,7 @@
       </p:grpSpPr>
       <p:sp>
         <p:nvSpPr>
-          <p:cNvPr id="2" name="Title 1"/>
+          <p:cNvPr id="4" name="Title 3"/>
           <p:cNvSpPr>
             <a:spLocks noGrp="1"/>
           </p:cNvSpPr>
@@ -7036,7 +7083,7 @@
         </p:nvSpPr>
         <p:spPr>
           <a:xfrm>
-            <a:off x="677334" y="273698"/>
+            <a:off x="644220" y="422442"/>
             <a:ext cx="8596668" cy="1320800"/>
           </a:xfrm>
         </p:spPr>
@@ -7045,83 +7092,22 @@
           <a:lstStyle/>
           <a:p>
             <a:r>
-              <a:rPr lang="pt-PT" dirty="0"/>
-              <a:t>Especificação do Use Case</a:t>
-            </a:r>
-            <a:br>
-              <a:rPr lang="pt-PT" dirty="0"/>
-            </a:br>
-            <a:r>
-              <a:rPr lang="pt-PT" dirty="0"/>
-              <a:t>“Agendar trabalho”</a:t>
-            </a:r>
+              <a:rPr lang="pt-PT" dirty="0" smtClean="0"/>
+              <a:t>Tecnologias escolhidas</a:t>
+            </a:r>
+            <a:endParaRPr lang="pt-PT" dirty="0"/>
           </a:p>
         </p:txBody>
       </p:sp>
       <p:pic>
         <p:nvPicPr>
-          <p:cNvPr id="3" name="Content Placeholder 2"/>
+          <p:cNvPr id="1026" name="Picture 2" descr="Resultado de imagem para visual studio logo"/>
           <p:cNvPicPr>
-            <a:picLocks noGrp="1" noChangeAspect="1"/>
-          </p:cNvPicPr>
-          <p:nvPr>
-            <p:ph sz="half" idx="1"/>
-          </p:nvPr>
-        </p:nvPicPr>
-        <p:blipFill rotWithShape="1">
-          <a:blip r:embed="rId2">
-            <a:extLst>
-              <a:ext uri="{28A0092B-C50C-407E-A947-70E740481C1C}">
-                <a14:useLocalDpi xmlns:a14="http://schemas.microsoft.com/office/drawing/2010/main" val="0"/>
-              </a:ext>
-            </a:extLst>
-          </a:blip>
-          <a:stretch/>
-        </p:blipFill>
-        <p:spPr>
-          <a:xfrm>
-            <a:off x="1519977" y="2160588"/>
-            <a:ext cx="2498833" cy="3881437"/>
-          </a:xfrm>
-        </p:spPr>
-      </p:pic>
-      <p:pic>
-        <p:nvPicPr>
-          <p:cNvPr id="6" name="Content Placeholder 5"/>
-          <p:cNvPicPr>
-            <a:picLocks noGrp="1" noChangeAspect="1"/>
-          </p:cNvPicPr>
-          <p:nvPr>
-            <p:ph sz="half" idx="2"/>
-          </p:nvPr>
-        </p:nvPicPr>
-        <p:blipFill rotWithShape="1">
-          <a:blip r:embed="rId2">
-            <a:extLst>
-              <a:ext uri="{28A0092B-C50C-407E-A947-70E740481C1C}">
-                <a14:useLocalDpi xmlns:a14="http://schemas.microsoft.com/office/drawing/2010/main" val="0"/>
-              </a:ext>
-            </a:extLst>
-          </a:blip>
-          <a:srcRect t="58915" b="841"/>
-          <a:stretch/>
-        </p:blipFill>
-        <p:spPr>
-          <a:xfrm>
-            <a:off x="5913772" y="1824684"/>
-            <a:ext cx="5469575" cy="3419118"/>
-          </a:xfrm>
-        </p:spPr>
-      </p:pic>
-      <p:pic>
-        <p:nvPicPr>
-          <p:cNvPr id="7" name="Picture 6"/>
-          <p:cNvPicPr>
-            <a:picLocks noChangeAspect="1"/>
+            <a:picLocks noChangeAspect="1" noChangeArrowheads="1"/>
           </p:cNvPicPr>
           <p:nvPr/>
         </p:nvPicPr>
-        <p:blipFill rotWithShape="1">
+        <p:blipFill>
           <a:blip r:embed="rId3">
             <a:extLst>
               <a:ext uri="{28A0092B-C50C-407E-A947-70E740481C1C}">
@@ -7129,36 +7115,209 @@
               </a:ext>
             </a:extLst>
           </a:blip>
-          <a:srcRect t="36156"/>
-          <a:stretch/>
+          <a:srcRect/>
+          <a:stretch>
+            <a:fillRect/>
+          </a:stretch>
         </p:blipFill>
-        <p:spPr>
+        <p:spPr bwMode="auto">
           <a:xfrm>
-            <a:off x="5913772" y="5240609"/>
-            <a:ext cx="5469575" cy="961251"/>
+            <a:off x="629998" y="1172974"/>
+            <a:ext cx="2880000" cy="2977920"/>
           </a:xfrm>
           <a:prstGeom prst="rect">
             <a:avLst/>
           </a:prstGeom>
+          <a:noFill/>
+          <a:extLst>
+            <a:ext uri="{909E8E84-426E-40DD-AFC4-6F175D3DCCD1}">
+              <a14:hiddenFill xmlns:a14="http://schemas.microsoft.com/office/drawing/2010/main">
+                <a:solidFill>
+                  <a:srgbClr val="FFFFFF"/>
+                </a:solidFill>
+              </a14:hiddenFill>
+            </a:ext>
+          </a:extLst>
+        </p:spPr>
+      </p:pic>
+      <p:pic>
+        <p:nvPicPr>
+          <p:cNvPr id="1028" name="Picture 4" descr="Resultado de imagem para browser"/>
+          <p:cNvPicPr>
+            <a:picLocks noChangeAspect="1" noChangeArrowheads="1"/>
+          </p:cNvPicPr>
+          <p:nvPr/>
+        </p:nvPicPr>
+        <p:blipFill>
+          <a:blip r:embed="rId4">
+            <a:extLst>
+              <a:ext uri="{28A0092B-C50C-407E-A947-70E740481C1C}">
+                <a14:useLocalDpi xmlns:a14="http://schemas.microsoft.com/office/drawing/2010/main" val="0"/>
+              </a:ext>
+            </a:extLst>
+          </a:blip>
+          <a:srcRect/>
+          <a:stretch>
+            <a:fillRect/>
+          </a:stretch>
+        </p:blipFill>
+        <p:spPr bwMode="auto">
+          <a:xfrm>
+            <a:off x="6327775" y="2661934"/>
+            <a:ext cx="2143125" cy="2133601"/>
+          </a:xfrm>
+          <a:prstGeom prst="rect">
+            <a:avLst/>
+          </a:prstGeom>
+          <a:noFill/>
+          <a:extLst>
+            <a:ext uri="{909E8E84-426E-40DD-AFC4-6F175D3DCCD1}">
+              <a14:hiddenFill xmlns:a14="http://schemas.microsoft.com/office/drawing/2010/main">
+                <a:solidFill>
+                  <a:srgbClr val="FFFFFF"/>
+                </a:solidFill>
+              </a14:hiddenFill>
+            </a:ext>
+          </a:extLst>
+        </p:spPr>
+      </p:pic>
+      <p:sp>
+        <p:nvSpPr>
+          <p:cNvPr id="6" name="Right Arrow 5"/>
+          <p:cNvSpPr/>
+          <p:nvPr/>
+        </p:nvSpPr>
+        <p:spPr>
+          <a:xfrm>
+            <a:off x="4004091" y="3367786"/>
+            <a:ext cx="1876926" cy="721895"/>
+          </a:xfrm>
+          <a:prstGeom prst="rightArrow">
+            <a:avLst/>
+          </a:prstGeom>
+        </p:spPr>
+        <p:style>
+          <a:lnRef idx="3">
+            <a:schemeClr val="lt1"/>
+          </a:lnRef>
+          <a:fillRef idx="1">
+            <a:schemeClr val="accent1"/>
+          </a:fillRef>
+          <a:effectRef idx="1">
+            <a:schemeClr val="accent1"/>
+          </a:effectRef>
+          <a:fontRef idx="minor">
+            <a:schemeClr val="lt1"/>
+          </a:fontRef>
+        </p:style>
+        <p:txBody>
+          <a:bodyPr rtlCol="0" anchor="ctr"/>
+          <a:lstStyle/>
+          <a:p>
+            <a:pPr algn="ctr"/>
+            <a:endParaRPr lang="pt-PT"/>
+          </a:p>
+        </p:txBody>
+      </p:sp>
+      <p:pic>
+        <p:nvPicPr>
+          <p:cNvPr id="1032" name="Picture 8" descr="Resultado de imagem para azure"/>
+          <p:cNvPicPr>
+            <a:picLocks noChangeAspect="1" noChangeArrowheads="1"/>
+          </p:cNvPicPr>
+          <p:nvPr/>
+        </p:nvPicPr>
+        <p:blipFill>
+          <a:blip r:embed="rId5">
+            <a:extLst>
+              <a:ext uri="{28A0092B-C50C-407E-A947-70E740481C1C}">
+                <a14:useLocalDpi xmlns:a14="http://schemas.microsoft.com/office/drawing/2010/main" val="0"/>
+              </a:ext>
+            </a:extLst>
+          </a:blip>
+          <a:srcRect/>
+          <a:stretch>
+            <a:fillRect/>
+          </a:stretch>
+        </p:blipFill>
+        <p:spPr bwMode="auto">
+          <a:xfrm>
+            <a:off x="1008287" y="5017925"/>
+            <a:ext cx="2123421" cy="1592566"/>
+          </a:xfrm>
+          <a:prstGeom prst="rect">
+            <a:avLst/>
+          </a:prstGeom>
+          <a:noFill/>
+          <a:extLst>
+            <a:ext uri="{909E8E84-426E-40DD-AFC4-6F175D3DCCD1}">
+              <a14:hiddenFill xmlns:a14="http://schemas.microsoft.com/office/drawing/2010/main">
+                <a:solidFill>
+                  <a:srgbClr val="FFFFFF"/>
+                </a:solidFill>
+              </a14:hiddenFill>
+            </a:ext>
+          </a:extLst>
+        </p:spPr>
+      </p:pic>
+      <p:pic>
+        <p:nvPicPr>
+          <p:cNvPr id="1030" name="Picture 6" descr="Resultado de imagem para asp net"/>
+          <p:cNvPicPr>
+            <a:picLocks noChangeAspect="1" noChangeArrowheads="1"/>
+          </p:cNvPicPr>
+          <p:nvPr/>
+        </p:nvPicPr>
+        <p:blipFill>
+          <a:blip r:embed="rId6">
+            <a:extLst>
+              <a:ext uri="{28A0092B-C50C-407E-A947-70E740481C1C}">
+                <a14:useLocalDpi xmlns:a14="http://schemas.microsoft.com/office/drawing/2010/main" val="0"/>
+              </a:ext>
+            </a:extLst>
+          </a:blip>
+          <a:srcRect/>
+          <a:stretch>
+            <a:fillRect/>
+          </a:stretch>
+        </p:blipFill>
+        <p:spPr bwMode="auto">
+          <a:xfrm>
+            <a:off x="888898" y="3367786"/>
+            <a:ext cx="2362200" cy="2362200"/>
+          </a:xfrm>
+          <a:prstGeom prst="rect">
+            <a:avLst/>
+          </a:prstGeom>
+          <a:noFill/>
+          <a:extLst>
+            <a:ext uri="{909E8E84-426E-40DD-AFC4-6F175D3DCCD1}">
+              <a14:hiddenFill xmlns:a14="http://schemas.microsoft.com/office/drawing/2010/main">
+                <a:solidFill>
+                  <a:srgbClr val="FFFFFF"/>
+                </a:solidFill>
+              </a14:hiddenFill>
+            </a:ext>
+          </a:extLst>
         </p:spPr>
       </p:pic>
     </p:spTree>
     <p:extLst>
       <p:ext uri="{BB962C8B-B14F-4D97-AF65-F5344CB8AC3E}">
-        <p14:creationId xmlns:p14="http://schemas.microsoft.com/office/powerpoint/2010/main" val="3916033345"/>
+        <p14:creationId xmlns:p14="http://schemas.microsoft.com/office/powerpoint/2010/main" val="1031828773"/>
       </p:ext>
     </p:extLst>
   </p:cSld>
   <p:clrMapOvr>
     <a:masterClrMapping/>
   </p:clrMapOvr>
-  <mc:AlternateContent xmlns:mc="http://schemas.openxmlformats.org/markup-compatibility/2006" xmlns:p14="http://schemas.microsoft.com/office/powerpoint/2010/main">
-    <mc:Choice Requires="p14">
+  <mc:AlternateContent xmlns:mc="http://schemas.openxmlformats.org/markup-compatibility/2006">
+    <mc:Choice xmlns:p14="http://schemas.microsoft.com/office/powerpoint/2010/main" Requires="p14">
       <p:transition spd="med" p14:dur="700">
         <p:fade/>
       </p:transition>
     </mc:Choice>
-    <mc:Fallback xmlns="">
+    <mc:Fallback>
       <p:transition spd="med">
         <p:fade/>
       </p:transition>
@@ -7167,7 +7326,332 @@
   <p:timing>
     <p:tnLst>
       <p:par>
-        <p:cTn id="1" dur="indefinite" restart="never" nodeType="tmRoot"/>
+        <p:cTn id="1" dur="indefinite" restart="never" nodeType="tmRoot">
+          <p:childTnLst>
+            <p:seq concurrent="1" nextAc="seek">
+              <p:cTn id="2" dur="indefinite" nodeType="mainSeq">
+                <p:childTnLst>
+                  <p:par>
+                    <p:cTn id="3" fill="hold">
+                      <p:stCondLst>
+                        <p:cond delay="indefinite"/>
+                        <p:cond evt="onBegin" delay="0">
+                          <p:tn val="2"/>
+                        </p:cond>
+                      </p:stCondLst>
+                      <p:childTnLst>
+                        <p:par>
+                          <p:cTn id="4" fill="hold">
+                            <p:stCondLst>
+                              <p:cond delay="0"/>
+                            </p:stCondLst>
+                            <p:childTnLst>
+                              <p:par>
+                                <p:cTn id="5" presetID="2" presetClass="entr" presetSubtype="4" fill="hold" nodeType="withEffect">
+                                  <p:stCondLst>
+                                    <p:cond delay="0"/>
+                                  </p:stCondLst>
+                                  <p:childTnLst>
+                                    <p:set>
+                                      <p:cBhvr>
+                                        <p:cTn id="6" dur="1" fill="hold">
+                                          <p:stCondLst>
+                                            <p:cond delay="0"/>
+                                          </p:stCondLst>
+                                        </p:cTn>
+                                        <p:tgtEl>
+                                          <p:spTgt spid="1026"/>
+                                        </p:tgtEl>
+                                        <p:attrNameLst>
+                                          <p:attrName>style.visibility</p:attrName>
+                                        </p:attrNameLst>
+                                      </p:cBhvr>
+                                      <p:to>
+                                        <p:strVal val="visible"/>
+                                      </p:to>
+                                    </p:set>
+                                    <p:anim calcmode="lin" valueType="num">
+                                      <p:cBhvr additive="base">
+                                        <p:cTn id="7" dur="1500" fill="hold"/>
+                                        <p:tgtEl>
+                                          <p:spTgt spid="1026"/>
+                                        </p:tgtEl>
+                                        <p:attrNameLst>
+                                          <p:attrName>ppt_x</p:attrName>
+                                        </p:attrNameLst>
+                                      </p:cBhvr>
+                                      <p:tavLst>
+                                        <p:tav tm="0">
+                                          <p:val>
+                                            <p:strVal val="#ppt_x"/>
+                                          </p:val>
+                                        </p:tav>
+                                        <p:tav tm="100000">
+                                          <p:val>
+                                            <p:strVal val="#ppt_x"/>
+                                          </p:val>
+                                        </p:tav>
+                                      </p:tavLst>
+                                    </p:anim>
+                                    <p:anim calcmode="lin" valueType="num">
+                                      <p:cBhvr additive="base">
+                                        <p:cTn id="8" dur="1500" fill="hold"/>
+                                        <p:tgtEl>
+                                          <p:spTgt spid="1026"/>
+                                        </p:tgtEl>
+                                        <p:attrNameLst>
+                                          <p:attrName>ppt_y</p:attrName>
+                                        </p:attrNameLst>
+                                      </p:cBhvr>
+                                      <p:tavLst>
+                                        <p:tav tm="0">
+                                          <p:val>
+                                            <p:strVal val="1+#ppt_h/2"/>
+                                          </p:val>
+                                        </p:tav>
+                                        <p:tav tm="100000">
+                                          <p:val>
+                                            <p:strVal val="#ppt_y"/>
+                                          </p:val>
+                                        </p:tav>
+                                      </p:tavLst>
+                                    </p:anim>
+                                  </p:childTnLst>
+                                </p:cTn>
+                              </p:par>
+                            </p:childTnLst>
+                          </p:cTn>
+                        </p:par>
+                        <p:par>
+                          <p:cTn id="9" fill="hold">
+                            <p:stCondLst>
+                              <p:cond delay="1500"/>
+                            </p:stCondLst>
+                            <p:childTnLst>
+                              <p:par>
+                                <p:cTn id="10" presetID="2" presetClass="entr" presetSubtype="4" fill="hold" nodeType="afterEffect">
+                                  <p:stCondLst>
+                                    <p:cond delay="0"/>
+                                  </p:stCondLst>
+                                  <p:childTnLst>
+                                    <p:set>
+                                      <p:cBhvr>
+                                        <p:cTn id="11" dur="1" fill="hold">
+                                          <p:stCondLst>
+                                            <p:cond delay="0"/>
+                                          </p:stCondLst>
+                                        </p:cTn>
+                                        <p:tgtEl>
+                                          <p:spTgt spid="1030"/>
+                                        </p:tgtEl>
+                                        <p:attrNameLst>
+                                          <p:attrName>style.visibility</p:attrName>
+                                        </p:attrNameLst>
+                                      </p:cBhvr>
+                                      <p:to>
+                                        <p:strVal val="visible"/>
+                                      </p:to>
+                                    </p:set>
+                                    <p:anim calcmode="lin" valueType="num">
+                                      <p:cBhvr additive="base">
+                                        <p:cTn id="12" dur="1500" fill="hold"/>
+                                        <p:tgtEl>
+                                          <p:spTgt spid="1030"/>
+                                        </p:tgtEl>
+                                        <p:attrNameLst>
+                                          <p:attrName>ppt_x</p:attrName>
+                                        </p:attrNameLst>
+                                      </p:cBhvr>
+                                      <p:tavLst>
+                                        <p:tav tm="0">
+                                          <p:val>
+                                            <p:strVal val="#ppt_x"/>
+                                          </p:val>
+                                        </p:tav>
+                                        <p:tav tm="100000">
+                                          <p:val>
+                                            <p:strVal val="#ppt_x"/>
+                                          </p:val>
+                                        </p:tav>
+                                      </p:tavLst>
+                                    </p:anim>
+                                    <p:anim calcmode="lin" valueType="num">
+                                      <p:cBhvr additive="base">
+                                        <p:cTn id="13" dur="1500" fill="hold"/>
+                                        <p:tgtEl>
+                                          <p:spTgt spid="1030"/>
+                                        </p:tgtEl>
+                                        <p:attrNameLst>
+                                          <p:attrName>ppt_y</p:attrName>
+                                        </p:attrNameLst>
+                                      </p:cBhvr>
+                                      <p:tavLst>
+                                        <p:tav tm="0">
+                                          <p:val>
+                                            <p:strVal val="1+#ppt_h/2"/>
+                                          </p:val>
+                                        </p:tav>
+                                        <p:tav tm="100000">
+                                          <p:val>
+                                            <p:strVal val="#ppt_y"/>
+                                          </p:val>
+                                        </p:tav>
+                                      </p:tavLst>
+                                    </p:anim>
+                                  </p:childTnLst>
+                                </p:cTn>
+                              </p:par>
+                            </p:childTnLst>
+                          </p:cTn>
+                        </p:par>
+                        <p:par>
+                          <p:cTn id="14" fill="hold">
+                            <p:stCondLst>
+                              <p:cond delay="3000"/>
+                            </p:stCondLst>
+                            <p:childTnLst>
+                              <p:par>
+                                <p:cTn id="15" presetID="2" presetClass="entr" presetSubtype="4" fill="hold" nodeType="afterEffect">
+                                  <p:stCondLst>
+                                    <p:cond delay="0"/>
+                                  </p:stCondLst>
+                                  <p:childTnLst>
+                                    <p:set>
+                                      <p:cBhvr>
+                                        <p:cTn id="16" dur="1" fill="hold">
+                                          <p:stCondLst>
+                                            <p:cond delay="0"/>
+                                          </p:stCondLst>
+                                        </p:cTn>
+                                        <p:tgtEl>
+                                          <p:spTgt spid="1032"/>
+                                        </p:tgtEl>
+                                        <p:attrNameLst>
+                                          <p:attrName>style.visibility</p:attrName>
+                                        </p:attrNameLst>
+                                      </p:cBhvr>
+                                      <p:to>
+                                        <p:strVal val="visible"/>
+                                      </p:to>
+                                    </p:set>
+                                    <p:anim calcmode="lin" valueType="num">
+                                      <p:cBhvr additive="base">
+                                        <p:cTn id="17" dur="1750" fill="hold"/>
+                                        <p:tgtEl>
+                                          <p:spTgt spid="1032"/>
+                                        </p:tgtEl>
+                                        <p:attrNameLst>
+                                          <p:attrName>ppt_x</p:attrName>
+                                        </p:attrNameLst>
+                                      </p:cBhvr>
+                                      <p:tavLst>
+                                        <p:tav tm="0">
+                                          <p:val>
+                                            <p:strVal val="#ppt_x"/>
+                                          </p:val>
+                                        </p:tav>
+                                        <p:tav tm="100000">
+                                          <p:val>
+                                            <p:strVal val="#ppt_x"/>
+                                          </p:val>
+                                        </p:tav>
+                                      </p:tavLst>
+                                    </p:anim>
+                                    <p:anim calcmode="lin" valueType="num">
+                                      <p:cBhvr additive="base">
+                                        <p:cTn id="18" dur="1750" fill="hold"/>
+                                        <p:tgtEl>
+                                          <p:spTgt spid="1032"/>
+                                        </p:tgtEl>
+                                        <p:attrNameLst>
+                                          <p:attrName>ppt_y</p:attrName>
+                                        </p:attrNameLst>
+                                      </p:cBhvr>
+                                      <p:tavLst>
+                                        <p:tav tm="0">
+                                          <p:val>
+                                            <p:strVal val="1+#ppt_h/2"/>
+                                          </p:val>
+                                        </p:tav>
+                                        <p:tav tm="100000">
+                                          <p:val>
+                                            <p:strVal val="#ppt_y"/>
+                                          </p:val>
+                                        </p:tav>
+                                      </p:tavLst>
+                                    </p:anim>
+                                  </p:childTnLst>
+                                </p:cTn>
+                              </p:par>
+                            </p:childTnLst>
+                          </p:cTn>
+                        </p:par>
+                        <p:par>
+                          <p:cTn id="19" fill="hold">
+                            <p:stCondLst>
+                              <p:cond delay="4750"/>
+                            </p:stCondLst>
+                            <p:childTnLst>
+                              <p:par>
+                                <p:cTn id="20" presetID="22" presetClass="entr" presetSubtype="4" fill="hold" nodeType="afterEffect">
+                                  <p:stCondLst>
+                                    <p:cond delay="0"/>
+                                  </p:stCondLst>
+                                  <p:childTnLst>
+                                    <p:set>
+                                      <p:cBhvr>
+                                        <p:cTn id="21" dur="1" fill="hold">
+                                          <p:stCondLst>
+                                            <p:cond delay="0"/>
+                                          </p:stCondLst>
+                                        </p:cTn>
+                                        <p:tgtEl>
+                                          <p:spTgt spid="1028"/>
+                                        </p:tgtEl>
+                                        <p:attrNameLst>
+                                          <p:attrName>style.visibility</p:attrName>
+                                        </p:attrNameLst>
+                                      </p:cBhvr>
+                                      <p:to>
+                                        <p:strVal val="visible"/>
+                                      </p:to>
+                                    </p:set>
+                                    <p:animEffect transition="in" filter="wipe(down)">
+                                      <p:cBhvr>
+                                        <p:cTn id="22" dur="3000"/>
+                                        <p:tgtEl>
+                                          <p:spTgt spid="1028"/>
+                                        </p:tgtEl>
+                                      </p:cBhvr>
+                                    </p:animEffect>
+                                  </p:childTnLst>
+                                </p:cTn>
+                              </p:par>
+                            </p:childTnLst>
+                          </p:cTn>
+                        </p:par>
+                      </p:childTnLst>
+                    </p:cTn>
+                  </p:par>
+                </p:childTnLst>
+              </p:cTn>
+              <p:prevCondLst>
+                <p:cond evt="onPrev" delay="0">
+                  <p:tgtEl>
+                    <p:sldTgt/>
+                  </p:tgtEl>
+                </p:cond>
+              </p:prevCondLst>
+              <p:nextCondLst>
+                <p:cond evt="onNext" delay="0">
+                  <p:tgtEl>
+                    <p:sldTgt/>
+                  </p:tgtEl>
+                </p:cond>
+              </p:nextCondLst>
+            </p:seq>
+          </p:childTnLst>
+        </p:cTn>
       </p:par>
     </p:tnLst>
   </p:timing>
@@ -7201,132 +7685,228 @@
             <p:ph type="title"/>
           </p:nvPr>
         </p:nvSpPr>
-        <p:spPr>
-          <a:xfrm>
-            <a:off x="677334" y="273698"/>
-            <a:ext cx="8596668" cy="1320800"/>
-          </a:xfrm>
-        </p:spPr>
+        <p:spPr/>
         <p:txBody>
           <a:bodyPr/>
           <a:lstStyle/>
           <a:p>
             <a:r>
-              <a:rPr lang="pt-PT" dirty="0"/>
-              <a:t>Diagrama de Sequência de Sistema</a:t>
-            </a:r>
-            <a:br>
-              <a:rPr lang="pt-PT" dirty="0"/>
-            </a:br>
-            <a:r>
-              <a:rPr lang="pt-PT" dirty="0"/>
-              <a:t>“Agendar trabalho”</a:t>
-            </a:r>
-          </a:p>
-        </p:txBody>
-      </p:sp>
-      <p:sp>
-        <p:nvSpPr>
-          <p:cNvPr id="4" name="Content Placeholder 3"/>
-          <p:cNvSpPr>
-            <a:spLocks noGrp="1"/>
-          </p:cNvSpPr>
-          <p:nvPr>
-            <p:ph sz="half" idx="1"/>
-          </p:nvPr>
-        </p:nvSpPr>
-        <p:spPr/>
-        <p:txBody>
-          <a:bodyPr/>
-          <a:lstStyle/>
-          <a:p>
-            <a:endParaRPr lang="pt-PT" dirty="0"/>
-          </a:p>
-        </p:txBody>
-      </p:sp>
-      <p:sp>
-        <p:nvSpPr>
-          <p:cNvPr id="5" name="Content Placeholder 4"/>
-          <p:cNvSpPr>
-            <a:spLocks noGrp="1"/>
-          </p:cNvSpPr>
-          <p:nvPr>
-            <p:ph sz="half" idx="2"/>
-          </p:nvPr>
-        </p:nvSpPr>
-        <p:spPr/>
-        <p:txBody>
-          <a:bodyPr/>
-          <a:lstStyle/>
-          <a:p>
+              <a:rPr lang="pt-PT" dirty="0" smtClean="0"/>
+              <a:t>Base de Dados e Povoamento</a:t>
+            </a:r>
             <a:endParaRPr lang="pt-PT" dirty="0"/>
           </a:p>
         </p:txBody>
       </p:sp>
       <p:pic>
         <p:nvPicPr>
-          <p:cNvPr id="3" name="Picture 2"/>
+          <p:cNvPr id="1027" name="Imagem 21"/>
           <p:cNvPicPr>
-            <a:picLocks noChangeAspect="1"/>
+            <a:picLocks noChangeAspect="1" noChangeArrowheads="1"/>
+          </p:cNvPicPr>
+          <p:nvPr/>
+        </p:nvPicPr>
+        <p:blipFill>
+          <a:blip r:embed="rId2">
+            <a:extLst>
+              <a:ext uri="{28A0092B-C50C-407E-A947-70E740481C1C}">
+                <a14:useLocalDpi xmlns:a14="http://schemas.microsoft.com/office/drawing/2010/main" val="0"/>
+              </a:ext>
+            </a:extLst>
+          </a:blip>
+          <a:srcRect/>
+          <a:stretch>
+            <a:fillRect/>
+          </a:stretch>
+        </p:blipFill>
+        <p:spPr bwMode="auto">
+          <a:xfrm>
+            <a:off x="677334" y="1473905"/>
+            <a:ext cx="3815644" cy="5022412"/>
+          </a:xfrm>
+          <a:prstGeom prst="rect">
+            <a:avLst/>
+          </a:prstGeom>
+          <a:noFill/>
+          <a:ln>
+            <a:noFill/>
+          </a:ln>
+          <a:extLst>
+            <a:ext uri="{909E8E84-426E-40DD-AFC4-6F175D3DCCD1}">
+              <a14:hiddenFill xmlns:a14="http://schemas.microsoft.com/office/drawing/2010/main">
+                <a:solidFill>
+                  <a:srgbClr val="FFFFFF"/>
+                </a:solidFill>
+              </a14:hiddenFill>
+            </a:ext>
+            <a:ext uri="{91240B29-F687-4F45-9708-019B960494DF}">
+              <a14:hiddenLine xmlns:a14="http://schemas.microsoft.com/office/drawing/2010/main" w="9525">
+                <a:solidFill>
+                  <a:srgbClr val="000000"/>
+                </a:solidFill>
+                <a:miter lim="800000"/>
+                <a:headEnd/>
+                <a:tailEnd/>
+              </a14:hiddenLine>
+            </a:ext>
+          </a:extLst>
+        </p:spPr>
+      </p:pic>
+      <p:pic>
+        <p:nvPicPr>
+          <p:cNvPr id="1028" name="Picture 4" descr="professional"/>
+          <p:cNvPicPr>
+            <a:picLocks noChangeAspect="1" noChangeArrowheads="1"/>
           </p:cNvPicPr>
           <p:nvPr/>
         </p:nvPicPr>
         <p:blipFill rotWithShape="1">
-          <a:blip r:embed="rId2"/>
-          <a:srcRect t="1196"/>
+          <a:blip r:embed="rId3">
+            <a:extLst>
+              <a:ext uri="{28A0092B-C50C-407E-A947-70E740481C1C}">
+                <a14:useLocalDpi xmlns:a14="http://schemas.microsoft.com/office/drawing/2010/main" val="0"/>
+              </a:ext>
+            </a:extLst>
+          </a:blip>
+          <a:srcRect r="39902" b="68532"/>
           <a:stretch/>
         </p:blipFill>
-        <p:spPr>
+        <p:spPr bwMode="auto">
           <a:xfrm>
-            <a:off x="0" y="1530220"/>
-            <a:ext cx="5779537" cy="5327780"/>
+            <a:off x="4492978" y="1809530"/>
+            <a:ext cx="4799261" cy="4351162"/>
           </a:xfrm>
           <a:prstGeom prst="rect">
             <a:avLst/>
           </a:prstGeom>
+          <a:noFill/>
+          <a:ln>
+            <a:noFill/>
+          </a:ln>
+          <a:extLst>
+            <a:ext uri="{909E8E84-426E-40DD-AFC4-6F175D3DCCD1}">
+              <a14:hiddenFill xmlns:a14="http://schemas.microsoft.com/office/drawing/2010/main">
+                <a:solidFill>
+                  <a:srgbClr val="FFFFFF"/>
+                </a:solidFill>
+              </a14:hiddenFill>
+            </a:ext>
+            <a:ext uri="{91240B29-F687-4F45-9708-019B960494DF}">
+              <a14:hiddenLine xmlns:a14="http://schemas.microsoft.com/office/drawing/2010/main" w="9525">
+                <a:solidFill>
+                  <a:srgbClr val="000000"/>
+                </a:solidFill>
+                <a:miter lim="800000"/>
+                <a:headEnd/>
+                <a:tailEnd/>
+              </a14:hiddenLine>
+            </a:ext>
+          </a:extLst>
         </p:spPr>
       </p:pic>
-      <p:pic>
-        <p:nvPicPr>
-          <p:cNvPr id="6" name="Picture 5"/>
-          <p:cNvPicPr>
-            <a:picLocks noChangeAspect="1"/>
-          </p:cNvPicPr>
+      <p:sp>
+        <p:nvSpPr>
+          <p:cNvPr id="7" name="Right Arrow 6"/>
+          <p:cNvSpPr/>
           <p:nvPr/>
-        </p:nvPicPr>
-        <p:blipFill>
-          <a:blip r:embed="rId3"/>
-          <a:stretch>
-            <a:fillRect/>
-          </a:stretch>
-        </p:blipFill>
+        </p:nvSpPr>
         <p:spPr>
-          <a:xfrm>
-            <a:off x="6217979" y="1594498"/>
-            <a:ext cx="5974021" cy="5279883"/>
+          <a:xfrm rot="1258784">
+            <a:off x="3898060" y="2548291"/>
+            <a:ext cx="1783289" cy="416413"/>
           </a:xfrm>
-          <a:prstGeom prst="rect">
-            <a:avLst/>
+          <a:prstGeom prst="rightArrow">
+            <a:avLst>
+              <a:gd name="adj1" fmla="val 45000"/>
+              <a:gd name="adj2" fmla="val 50000"/>
+            </a:avLst>
           </a:prstGeom>
         </p:spPr>
-      </p:pic>
+        <p:style>
+          <a:lnRef idx="2">
+            <a:schemeClr val="accent1">
+              <a:shade val="50000"/>
+            </a:schemeClr>
+          </a:lnRef>
+          <a:fillRef idx="1">
+            <a:schemeClr val="accent1"/>
+          </a:fillRef>
+          <a:effectRef idx="0">
+            <a:schemeClr val="accent1"/>
+          </a:effectRef>
+          <a:fontRef idx="minor">
+            <a:schemeClr val="lt1"/>
+          </a:fontRef>
+        </p:style>
+        <p:txBody>
+          <a:bodyPr rtlCol="0" anchor="ctr"/>
+          <a:lstStyle/>
+          <a:p>
+            <a:pPr algn="ctr"/>
+            <a:endParaRPr lang="pt-PT"/>
+          </a:p>
+        </p:txBody>
+      </p:sp>
+      <p:sp>
+        <p:nvSpPr>
+          <p:cNvPr id="12" name="Right Arrow 11"/>
+          <p:cNvSpPr/>
+          <p:nvPr/>
+        </p:nvSpPr>
+        <p:spPr>
+          <a:xfrm rot="3188788">
+            <a:off x="3527595" y="3491075"/>
+            <a:ext cx="2524217" cy="477884"/>
+          </a:xfrm>
+          <a:prstGeom prst="rightArrow">
+            <a:avLst>
+              <a:gd name="adj1" fmla="val 45000"/>
+              <a:gd name="adj2" fmla="val 50000"/>
+            </a:avLst>
+          </a:prstGeom>
+        </p:spPr>
+        <p:style>
+          <a:lnRef idx="2">
+            <a:schemeClr val="accent1">
+              <a:shade val="50000"/>
+            </a:schemeClr>
+          </a:lnRef>
+          <a:fillRef idx="1">
+            <a:schemeClr val="accent1"/>
+          </a:fillRef>
+          <a:effectRef idx="0">
+            <a:schemeClr val="accent1"/>
+          </a:effectRef>
+          <a:fontRef idx="minor">
+            <a:schemeClr val="lt1"/>
+          </a:fontRef>
+        </p:style>
+        <p:txBody>
+          <a:bodyPr rtlCol="0" anchor="ctr"/>
+          <a:lstStyle/>
+          <a:p>
+            <a:pPr algn="ctr"/>
+            <a:endParaRPr lang="pt-PT"/>
+          </a:p>
+        </p:txBody>
+      </p:sp>
     </p:spTree>
     <p:extLst>
       <p:ext uri="{BB962C8B-B14F-4D97-AF65-F5344CB8AC3E}">
-        <p14:creationId xmlns:p14="http://schemas.microsoft.com/office/powerpoint/2010/main" val="2998013"/>
+        <p14:creationId xmlns:p14="http://schemas.microsoft.com/office/powerpoint/2010/main" val="3129537103"/>
       </p:ext>
     </p:extLst>
   </p:cSld>
   <p:clrMapOvr>
     <a:masterClrMapping/>
   </p:clrMapOvr>
-  <mc:AlternateContent xmlns:mc="http://schemas.openxmlformats.org/markup-compatibility/2006" xmlns:p14="http://schemas.microsoft.com/office/powerpoint/2010/main">
-    <mc:Choice Requires="p14">
+  <mc:AlternateContent xmlns:mc="http://schemas.openxmlformats.org/markup-compatibility/2006">
+    <mc:Choice xmlns:p14="http://schemas.microsoft.com/office/powerpoint/2010/main" Requires="p14">
       <p:transition spd="med" p14:dur="700">
         <p:fade/>
       </p:transition>
     </mc:Choice>
-    <mc:Fallback xmlns="">
+    <mc:Fallback>
       <p:transition spd="med">
         <p:fade/>
       </p:transition>
@@ -7335,9 +7915,136 @@
   <p:timing>
     <p:tnLst>
       <p:par>
-        <p:cTn id="1" dur="indefinite" restart="never" nodeType="tmRoot"/>
+        <p:cTn id="1" dur="indefinite" restart="never" nodeType="tmRoot">
+          <p:childTnLst>
+            <p:seq concurrent="1" nextAc="seek">
+              <p:cTn id="2" dur="indefinite" nodeType="mainSeq">
+                <p:childTnLst>
+                  <p:par>
+                    <p:cTn id="3" fill="hold">
+                      <p:stCondLst>
+                        <p:cond delay="indefinite"/>
+                        <p:cond evt="onBegin" delay="0">
+                          <p:tn val="2"/>
+                        </p:cond>
+                      </p:stCondLst>
+                      <p:childTnLst>
+                        <p:par>
+                          <p:cTn id="4" fill="hold">
+                            <p:stCondLst>
+                              <p:cond delay="0"/>
+                            </p:stCondLst>
+                            <p:childTnLst>
+                              <p:par>
+                                <p:cTn id="5" presetID="10" presetClass="entr" presetSubtype="0" fill="hold" grpId="0" nodeType="withEffect">
+                                  <p:stCondLst>
+                                    <p:cond delay="0"/>
+                                  </p:stCondLst>
+                                  <p:childTnLst>
+                                    <p:set>
+                                      <p:cBhvr>
+                                        <p:cTn id="6" dur="1" fill="hold">
+                                          <p:stCondLst>
+                                            <p:cond delay="0"/>
+                                          </p:stCondLst>
+                                        </p:cTn>
+                                        <p:tgtEl>
+                                          <p:spTgt spid="7"/>
+                                        </p:tgtEl>
+                                        <p:attrNameLst>
+                                          <p:attrName>style.visibility</p:attrName>
+                                        </p:attrNameLst>
+                                      </p:cBhvr>
+                                      <p:to>
+                                        <p:strVal val="visible"/>
+                                      </p:to>
+                                    </p:set>
+                                    <p:animEffect transition="in" filter="fade">
+                                      <p:cBhvr>
+                                        <p:cTn id="7" dur="1000"/>
+                                        <p:tgtEl>
+                                          <p:spTgt spid="7"/>
+                                        </p:tgtEl>
+                                      </p:cBhvr>
+                                    </p:animEffect>
+                                  </p:childTnLst>
+                                </p:cTn>
+                              </p:par>
+                            </p:childTnLst>
+                          </p:cTn>
+                        </p:par>
+                        <p:par>
+                          <p:cTn id="8" fill="hold">
+                            <p:stCondLst>
+                              <p:cond delay="1000"/>
+                            </p:stCondLst>
+                            <p:childTnLst>
+                              <p:par>
+                                <p:cTn id="9" presetID="10" presetClass="entr" presetSubtype="0" fill="hold" grpId="0" nodeType="afterEffect">
+                                  <p:stCondLst>
+                                    <p:cond delay="0"/>
+                                  </p:stCondLst>
+                                  <p:childTnLst>
+                                    <p:set>
+                                      <p:cBhvr>
+                                        <p:cTn id="10" dur="1" fill="hold">
+                                          <p:stCondLst>
+                                            <p:cond delay="0"/>
+                                          </p:stCondLst>
+                                        </p:cTn>
+                                        <p:tgtEl>
+                                          <p:spTgt spid="12"/>
+                                        </p:tgtEl>
+                                        <p:attrNameLst>
+                                          <p:attrName>style.visibility</p:attrName>
+                                        </p:attrNameLst>
+                                      </p:cBhvr>
+                                      <p:to>
+                                        <p:strVal val="visible"/>
+                                      </p:to>
+                                    </p:set>
+                                    <p:animEffect transition="in" filter="fade">
+                                      <p:cBhvr>
+                                        <p:cTn id="11" dur="1000"/>
+                                        <p:tgtEl>
+                                          <p:spTgt spid="12"/>
+                                        </p:tgtEl>
+                                      </p:cBhvr>
+                                    </p:animEffect>
+                                  </p:childTnLst>
+                                </p:cTn>
+                              </p:par>
+                            </p:childTnLst>
+                          </p:cTn>
+                        </p:par>
+                      </p:childTnLst>
+                    </p:cTn>
+                  </p:par>
+                </p:childTnLst>
+              </p:cTn>
+              <p:prevCondLst>
+                <p:cond evt="onPrev" delay="0">
+                  <p:tgtEl>
+                    <p:sldTgt/>
+                  </p:tgtEl>
+                </p:cond>
+              </p:prevCondLst>
+              <p:nextCondLst>
+                <p:cond evt="onNext" delay="0">
+                  <p:tgtEl>
+                    <p:sldTgt/>
+                  </p:tgtEl>
+                </p:cond>
+              </p:nextCondLst>
+            </p:seq>
+          </p:childTnLst>
+        </p:cTn>
       </p:par>
     </p:tnLst>
+    <p:bldLst>
+      <p:bldP spid="7" grpId="0" animBg="1"/>
+      <p:bldP spid="12" grpId="0" animBg="1"/>
+    </p:bldLst>
   </p:timing>
 </p:sld>
 </file>
@@ -7369,69 +8076,59 @@
             <p:ph type="title"/>
           </p:nvPr>
         </p:nvSpPr>
-        <p:spPr>
-          <a:xfrm>
-            <a:off x="677334" y="273698"/>
-            <a:ext cx="8596668" cy="1320800"/>
-          </a:xfrm>
-        </p:spPr>
+        <p:spPr/>
         <p:txBody>
           <a:bodyPr/>
           <a:lstStyle/>
           <a:p>
             <a:r>
-              <a:rPr lang="pt-PT" dirty="0"/>
-              <a:t>Diagrama de Máquinas de Estado</a:t>
-            </a:r>
+              <a:rPr lang="pt-PT" dirty="0" smtClean="0"/>
+              <a:t>Base de Dados e Povoamento</a:t>
+            </a:r>
+            <a:endParaRPr lang="pt-PT" dirty="0"/>
           </a:p>
         </p:txBody>
       </p:sp>
       <p:pic>
         <p:nvPicPr>
-          <p:cNvPr id="3" name="Content Placeholder 2"/>
+          <p:cNvPr id="3" name="Picture 2"/>
           <p:cNvPicPr>
-            <a:picLocks noGrp="1" noChangeAspect="1"/>
+            <a:picLocks noChangeAspect="1"/>
           </p:cNvPicPr>
-          <p:nvPr>
-            <p:ph sz="half" idx="1"/>
-          </p:nvPr>
+          <p:nvPr/>
         </p:nvPicPr>
-        <p:blipFill>
-          <a:blip r:embed="rId2">
-            <a:extLst>
-              <a:ext uri="{28A0092B-C50C-407E-A947-70E740481C1C}">
-                <a14:useLocalDpi xmlns:a14="http://schemas.microsoft.com/office/drawing/2010/main" val="0"/>
-              </a:ext>
-            </a:extLst>
-          </a:blip>
-          <a:stretch>
-            <a:fillRect/>
-          </a:stretch>
+        <p:blipFill rotWithShape="1">
+          <a:blip r:embed="rId2"/>
+          <a:srcRect r="28175"/>
+          <a:stretch/>
         </p:blipFill>
         <p:spPr>
           <a:xfrm>
-            <a:off x="429207" y="1314580"/>
-            <a:ext cx="11382061" cy="5076890"/>
+            <a:off x="677333" y="1512711"/>
+            <a:ext cx="10397067" cy="4978400"/>
           </a:xfrm>
+          <a:prstGeom prst="rect">
+            <a:avLst/>
+          </a:prstGeom>
         </p:spPr>
       </p:pic>
     </p:spTree>
     <p:extLst>
       <p:ext uri="{BB962C8B-B14F-4D97-AF65-F5344CB8AC3E}">
-        <p14:creationId xmlns:p14="http://schemas.microsoft.com/office/powerpoint/2010/main" val="3238737404"/>
+        <p14:creationId xmlns:p14="http://schemas.microsoft.com/office/powerpoint/2010/main" val="1979842429"/>
       </p:ext>
     </p:extLst>
   </p:cSld>
   <p:clrMapOvr>
     <a:masterClrMapping/>
   </p:clrMapOvr>
-  <mc:AlternateContent xmlns:mc="http://schemas.openxmlformats.org/markup-compatibility/2006" xmlns:p14="http://schemas.microsoft.com/office/powerpoint/2010/main">
-    <mc:Choice Requires="p14">
+  <mc:AlternateContent xmlns:mc="http://schemas.openxmlformats.org/markup-compatibility/2006">
+    <mc:Choice xmlns:p14="http://schemas.microsoft.com/office/powerpoint/2010/main" Requires="p14">
       <p:transition spd="med" p14:dur="700">
         <p:fade/>
       </p:transition>
     </mc:Choice>
-    <mc:Fallback xmlns="">
+    <mc:Fallback>
       <p:transition spd="med">
         <p:fade/>
       </p:transition>
@@ -7476,7 +8173,7 @@
         </p:nvSpPr>
         <p:spPr>
           <a:xfrm>
-            <a:off x="677334" y="273698"/>
+            <a:off x="225778" y="0"/>
             <a:ext cx="8596668" cy="1320800"/>
           </a:xfrm>
         </p:spPr>
@@ -7485,19 +8182,67 @@
           <a:lstStyle/>
           <a:p>
             <a:r>
-              <a:rPr lang="pt-PT" dirty="0"/>
-              <a:t>Diagrama de Máquinas de Estado</a:t>
-            </a:r>
-            <a:br>
-              <a:rPr lang="pt-PT" dirty="0"/>
-            </a:br>
-            <a:r>
-              <a:rPr lang="pt-PT" dirty="0"/>
-              <a:t>“Agendar Trabalho”</a:t>
-            </a:r>
-          </a:p>
-        </p:txBody>
-      </p:sp>
+              <a:rPr lang="pt-PT" dirty="0" smtClean="0"/>
+              <a:t>Agendar Trabalho</a:t>
+            </a:r>
+            <a:endParaRPr lang="pt-PT" dirty="0"/>
+          </a:p>
+        </p:txBody>
+      </p:sp>
+      <p:pic>
+        <p:nvPicPr>
+          <p:cNvPr id="4098" name="Picture 2"/>
+          <p:cNvPicPr>
+            <a:picLocks noChangeAspect="1" noChangeArrowheads="1"/>
+          </p:cNvPicPr>
+          <p:nvPr/>
+        </p:nvPicPr>
+        <p:blipFill>
+          <a:blip r:embed="rId2">
+            <a:extLst>
+              <a:ext uri="{28A0092B-C50C-407E-A947-70E740481C1C}">
+                <a14:useLocalDpi xmlns:a14="http://schemas.microsoft.com/office/drawing/2010/main" val="0"/>
+              </a:ext>
+            </a:extLst>
+          </a:blip>
+          <a:srcRect/>
+          <a:stretch>
+            <a:fillRect/>
+          </a:stretch>
+        </p:blipFill>
+        <p:spPr bwMode="auto">
+          <a:xfrm>
+            <a:off x="225778" y="1320800"/>
+            <a:ext cx="5825066" cy="3330233"/>
+          </a:xfrm>
+          <a:prstGeom prst="rect">
+            <a:avLst/>
+          </a:prstGeom>
+          <a:noFill/>
+          <a:ln>
+            <a:noFill/>
+          </a:ln>
+          <a:extLst>
+            <a:ext uri="{909E8E84-426E-40DD-AFC4-6F175D3DCCD1}">
+              <a14:hiddenFill xmlns:a14="http://schemas.microsoft.com/office/drawing/2010/main">
+                <a:solidFill>
+                  <a:srgbClr val="FFFFFF"/>
+                </a:solidFill>
+              </a14:hiddenFill>
+            </a:ext>
+            <a:ext uri="{91240B29-F687-4F45-9708-019B960494DF}">
+              <a14:hiddenLine xmlns:a14="http://schemas.microsoft.com/office/drawing/2010/main" w="9525">
+                <a:solidFill>
+                  <a:srgbClr val="000000"/>
+                </a:solidFill>
+                <a:miter lim="800000"/>
+                <a:headEnd/>
+                <a:tailEnd/>
+              </a14:hiddenLine>
+            </a:ext>
+          </a:extLst>
+        </p:spPr>
+      </p:pic>
       <p:pic>
         <p:nvPicPr>
           <p:cNvPr id="5" name="Content Placeholder 4"/>
@@ -7509,7 +8254,7 @@
           </p:nvPr>
         </p:nvPicPr>
         <p:blipFill>
-          <a:blip r:embed="rId2">
+          <a:blip r:embed="rId3">
             <a:extLst>
               <a:ext uri="{28A0092B-C50C-407E-A947-70E740481C1C}">
                 <a14:useLocalDpi xmlns:a14="http://schemas.microsoft.com/office/drawing/2010/main" val="0"/>
@@ -7522,28 +8267,28 @@
         </p:blipFill>
         <p:spPr>
           <a:xfrm>
-            <a:off x="677863" y="3347562"/>
-            <a:ext cx="4183062" cy="1507489"/>
+            <a:off x="6458825" y="660400"/>
+            <a:ext cx="4727242" cy="5802711"/>
           </a:xfrm>
         </p:spPr>
       </p:pic>
     </p:spTree>
     <p:extLst>
       <p:ext uri="{BB962C8B-B14F-4D97-AF65-F5344CB8AC3E}">
-        <p14:creationId xmlns:p14="http://schemas.microsoft.com/office/powerpoint/2010/main" val="1201757989"/>
+        <p14:creationId xmlns:p14="http://schemas.microsoft.com/office/powerpoint/2010/main" val="4035155627"/>
       </p:ext>
     </p:extLst>
   </p:cSld>
   <p:clrMapOvr>
     <a:masterClrMapping/>
   </p:clrMapOvr>
-  <mc:AlternateContent xmlns:mc="http://schemas.openxmlformats.org/markup-compatibility/2006" xmlns:p14="http://schemas.microsoft.com/office/powerpoint/2010/main">
-    <mc:Choice Requires="p14">
+  <mc:AlternateContent xmlns:mc="http://schemas.openxmlformats.org/markup-compatibility/2006">
+    <mc:Choice xmlns:p14="http://schemas.microsoft.com/office/powerpoint/2010/main" Requires="p14">
       <p:transition spd="med" p14:dur="700">
         <p:fade/>
       </p:transition>
     </mc:Choice>
-    <mc:Fallback xmlns="">
+    <mc:Fallback>
       <p:transition spd="med">
         <p:fade/>
       </p:transition>
@@ -7552,7 +8297,124 @@
   <p:timing>
     <p:tnLst>
       <p:par>
-        <p:cTn id="1" dur="indefinite" restart="never" nodeType="tmRoot"/>
+        <p:cTn id="1" dur="indefinite" restart="never" nodeType="tmRoot">
+          <p:childTnLst>
+            <p:seq concurrent="1" nextAc="seek">
+              <p:cTn id="2" dur="indefinite" nodeType="mainSeq">
+                <p:childTnLst>
+                  <p:par>
+                    <p:cTn id="3" fill="hold">
+                      <p:stCondLst>
+                        <p:cond delay="indefinite"/>
+                        <p:cond evt="onBegin" delay="0">
+                          <p:tn val="2"/>
+                        </p:cond>
+                      </p:stCondLst>
+                      <p:childTnLst>
+                        <p:par>
+                          <p:cTn id="4" fill="hold">
+                            <p:stCondLst>
+                              <p:cond delay="0"/>
+                            </p:stCondLst>
+                            <p:childTnLst>
+                              <p:par>
+                                <p:cTn id="5" presetID="2" presetClass="entr" presetSubtype="4" fill="hold" nodeType="withEffect">
+                                  <p:stCondLst>
+                                    <p:cond delay="0"/>
+                                  </p:stCondLst>
+                                  <p:childTnLst>
+                                    <p:set>
+                                      <p:cBhvr>
+                                        <p:cTn id="6" dur="1" fill="hold">
+                                          <p:stCondLst>
+                                            <p:cond delay="0"/>
+                                          </p:stCondLst>
+                                        </p:cTn>
+                                        <p:tgtEl>
+                                          <p:spTgt spid="5"/>
+                                        </p:tgtEl>
+                                        <p:attrNameLst>
+                                          <p:attrName>style.visibility</p:attrName>
+                                        </p:attrNameLst>
+                                      </p:cBhvr>
+                                      <p:to>
+                                        <p:strVal val="visible"/>
+                                      </p:to>
+                                    </p:set>
+                                    <p:anim calcmode="lin" valueType="num">
+                                      <p:cBhvr additive="base">
+                                        <p:cTn id="7" dur="1500" fill="hold"/>
+                                        <p:tgtEl>
+                                          <p:spTgt spid="5"/>
+                                        </p:tgtEl>
+                                        <p:attrNameLst>
+                                          <p:attrName>ppt_x</p:attrName>
+                                        </p:attrNameLst>
+                                      </p:cBhvr>
+                                      <p:tavLst>
+                                        <p:tav tm="0">
+                                          <p:val>
+                                            <p:strVal val="#ppt_x"/>
+                                          </p:val>
+                                        </p:tav>
+                                        <p:tav tm="100000">
+                                          <p:val>
+                                            <p:strVal val="#ppt_x"/>
+                                          </p:val>
+                                        </p:tav>
+                                      </p:tavLst>
+                                    </p:anim>
+                                    <p:anim calcmode="lin" valueType="num">
+                                      <p:cBhvr additive="base">
+                                        <p:cTn id="8" dur="1500" fill="hold"/>
+                                        <p:tgtEl>
+                                          <p:spTgt spid="5"/>
+                                        </p:tgtEl>
+                                        <p:attrNameLst>
+                                          <p:attrName>ppt_y</p:attrName>
+                                        </p:attrNameLst>
+                                      </p:cBhvr>
+                                      <p:tavLst>
+                                        <p:tav tm="0">
+                                          <p:val>
+                                            <p:strVal val="1+#ppt_h/2"/>
+                                          </p:val>
+                                        </p:tav>
+                                        <p:tav tm="100000">
+                                          <p:val>
+                                            <p:strVal val="#ppt_y"/>
+                                          </p:val>
+                                        </p:tav>
+                                      </p:tavLst>
+                                    </p:anim>
+                                  </p:childTnLst>
+                                </p:cTn>
+                              </p:par>
+                            </p:childTnLst>
+                          </p:cTn>
+                        </p:par>
+                      </p:childTnLst>
+                    </p:cTn>
+                  </p:par>
+                </p:childTnLst>
+              </p:cTn>
+              <p:prevCondLst>
+                <p:cond evt="onPrev" delay="0">
+                  <p:tgtEl>
+                    <p:sldTgt/>
+                  </p:tgtEl>
+                </p:cond>
+              </p:prevCondLst>
+              <p:nextCondLst>
+                <p:cond evt="onNext" delay="0">
+                  <p:tgtEl>
+                    <p:sldTgt/>
+                  </p:tgtEl>
+                </p:cond>
+              </p:nextCondLst>
+            </p:seq>
+          </p:childTnLst>
+        </p:cTn>
       </p:par>
     </p:tnLst>
   </p:timing>
@@ -7588,7 +8450,7 @@
         </p:nvSpPr>
         <p:spPr>
           <a:xfrm>
-            <a:off x="677334" y="273698"/>
+            <a:off x="225778" y="0"/>
             <a:ext cx="8596668" cy="1320800"/>
           </a:xfrm>
         </p:spPr>
@@ -7597,23 +8459,26 @@
           <a:lstStyle/>
           <a:p>
             <a:r>
-              <a:rPr lang="pt-PT" dirty="0"/>
-              <a:t>Diagrama de Atividade</a:t>
-            </a:r>
+              <a:rPr lang="pt-PT" dirty="0" smtClean="0"/>
+              <a:t>Agendar </a:t>
+            </a:r>
+            <a:r>
+              <a:rPr lang="pt-PT" dirty="0" smtClean="0"/>
+              <a:t>Trabalho</a:t>
+            </a:r>
+            <a:endParaRPr lang="pt-PT" dirty="0"/>
           </a:p>
         </p:txBody>
       </p:sp>
       <p:pic>
         <p:nvPicPr>
-          <p:cNvPr id="4" name="Content Placeholder 3"/>
+          <p:cNvPr id="3074" name="Picture 2"/>
           <p:cNvPicPr>
-            <a:picLocks noGrp="1" noChangeAspect="1"/>
+            <a:picLocks noChangeAspect="1" noChangeArrowheads="1"/>
           </p:cNvPicPr>
-          <p:nvPr>
-            <p:ph sz="half" idx="1"/>
-          </p:nvPr>
+          <p:nvPr/>
         </p:nvPicPr>
-        <p:blipFill rotWithShape="1">
+        <p:blipFill>
           <a:blip r:embed="rId2">
             <a:extLst>
               <a:ext uri="{28A0092B-C50C-407E-A947-70E740481C1C}">
@@ -7621,33 +8486,91 @@
               </a:ext>
             </a:extLst>
           </a:blip>
-          <a:srcRect b="8179"/>
-          <a:stretch/>
+          <a:srcRect/>
+          <a:stretch>
+            <a:fillRect/>
+          </a:stretch>
+        </p:blipFill>
+        <p:spPr bwMode="auto">
+          <a:xfrm>
+            <a:off x="225778" y="829733"/>
+            <a:ext cx="5746044" cy="5844123"/>
+          </a:xfrm>
+          <a:prstGeom prst="rect">
+            <a:avLst/>
+          </a:prstGeom>
+          <a:noFill/>
+          <a:ln>
+            <a:noFill/>
+          </a:ln>
+          <a:extLst>
+            <a:ext uri="{909E8E84-426E-40DD-AFC4-6F175D3DCCD1}">
+              <a14:hiddenFill xmlns:a14="http://schemas.microsoft.com/office/drawing/2010/main">
+                <a:solidFill>
+                  <a:srgbClr val="FFFFFF"/>
+                </a:solidFill>
+              </a14:hiddenFill>
+            </a:ext>
+            <a:ext uri="{91240B29-F687-4F45-9708-019B960494DF}">
+              <a14:hiddenLine xmlns:a14="http://schemas.microsoft.com/office/drawing/2010/main" w="9525">
+                <a:solidFill>
+                  <a:srgbClr val="000000"/>
+                </a:solidFill>
+                <a:miter lim="800000"/>
+                <a:headEnd/>
+                <a:tailEnd/>
+              </a14:hiddenLine>
+            </a:ext>
+          </a:extLst>
+        </p:spPr>
+      </p:pic>
+      <p:pic>
+        <p:nvPicPr>
+          <p:cNvPr id="5" name="Picture 4"/>
+          <p:cNvPicPr>
+            <a:picLocks noChangeAspect="1"/>
+          </p:cNvPicPr>
+          <p:nvPr/>
+        </p:nvPicPr>
+        <p:blipFill>
+          <a:blip r:embed="rId3">
+            <a:extLst>
+              <a:ext uri="{28A0092B-C50C-407E-A947-70E740481C1C}">
+                <a14:useLocalDpi xmlns:a14="http://schemas.microsoft.com/office/drawing/2010/main" val="0"/>
+              </a:ext>
+            </a:extLst>
+          </a:blip>
+          <a:stretch>
+            <a:fillRect/>
+          </a:stretch>
         </p:blipFill>
         <p:spPr>
           <a:xfrm>
-            <a:off x="1751905" y="1044587"/>
-            <a:ext cx="6447526" cy="5813413"/>
+            <a:off x="6187201" y="829733"/>
+            <a:ext cx="4299646" cy="5831632"/>
           </a:xfrm>
+          <a:prstGeom prst="rect">
+            <a:avLst/>
+          </a:prstGeom>
         </p:spPr>
       </p:pic>
     </p:spTree>
     <p:extLst>
       <p:ext uri="{BB962C8B-B14F-4D97-AF65-F5344CB8AC3E}">
-        <p14:creationId xmlns:p14="http://schemas.microsoft.com/office/powerpoint/2010/main" val="153814074"/>
+        <p14:creationId xmlns:p14="http://schemas.microsoft.com/office/powerpoint/2010/main" val="257212372"/>
       </p:ext>
     </p:extLst>
   </p:cSld>
   <p:clrMapOvr>
     <a:masterClrMapping/>
   </p:clrMapOvr>
-  <mc:AlternateContent xmlns:mc="http://schemas.openxmlformats.org/markup-compatibility/2006" xmlns:p14="http://schemas.microsoft.com/office/powerpoint/2010/main">
-    <mc:Choice Requires="p14">
+  <mc:AlternateContent xmlns:mc="http://schemas.openxmlformats.org/markup-compatibility/2006">
+    <mc:Choice xmlns:p14="http://schemas.microsoft.com/office/powerpoint/2010/main" Requires="p14">
       <p:transition spd="med" p14:dur="700">
         <p:fade/>
       </p:transition>
     </mc:Choice>
-    <mc:Fallback xmlns="">
+    <mc:Fallback>
       <p:transition spd="med">
         <p:fade/>
       </p:transition>
@@ -7656,7 +8579,124 @@
   <p:timing>
     <p:tnLst>
       <p:par>
-        <p:cTn id="1" dur="indefinite" restart="never" nodeType="tmRoot"/>
+        <p:cTn id="1" dur="indefinite" restart="never" nodeType="tmRoot">
+          <p:childTnLst>
+            <p:seq concurrent="1" nextAc="seek">
+              <p:cTn id="2" dur="indefinite" nodeType="mainSeq">
+                <p:childTnLst>
+                  <p:par>
+                    <p:cTn id="3" fill="hold">
+                      <p:stCondLst>
+                        <p:cond delay="indefinite"/>
+                        <p:cond evt="onBegin" delay="0">
+                          <p:tn val="2"/>
+                        </p:cond>
+                      </p:stCondLst>
+                      <p:childTnLst>
+                        <p:par>
+                          <p:cTn id="4" fill="hold">
+                            <p:stCondLst>
+                              <p:cond delay="0"/>
+                            </p:stCondLst>
+                            <p:childTnLst>
+                              <p:par>
+                                <p:cTn id="5" presetID="2" presetClass="entr" presetSubtype="4" fill="hold" nodeType="withEffect">
+                                  <p:stCondLst>
+                                    <p:cond delay="0"/>
+                                  </p:stCondLst>
+                                  <p:childTnLst>
+                                    <p:set>
+                                      <p:cBhvr>
+                                        <p:cTn id="6" dur="1" fill="hold">
+                                          <p:stCondLst>
+                                            <p:cond delay="0"/>
+                                          </p:stCondLst>
+                                        </p:cTn>
+                                        <p:tgtEl>
+                                          <p:spTgt spid="5"/>
+                                        </p:tgtEl>
+                                        <p:attrNameLst>
+                                          <p:attrName>style.visibility</p:attrName>
+                                        </p:attrNameLst>
+                                      </p:cBhvr>
+                                      <p:to>
+                                        <p:strVal val="visible"/>
+                                      </p:to>
+                                    </p:set>
+                                    <p:anim calcmode="lin" valueType="num">
+                                      <p:cBhvr additive="base">
+                                        <p:cTn id="7" dur="1500" fill="hold"/>
+                                        <p:tgtEl>
+                                          <p:spTgt spid="5"/>
+                                        </p:tgtEl>
+                                        <p:attrNameLst>
+                                          <p:attrName>ppt_x</p:attrName>
+                                        </p:attrNameLst>
+                                      </p:cBhvr>
+                                      <p:tavLst>
+                                        <p:tav tm="0">
+                                          <p:val>
+                                            <p:strVal val="#ppt_x"/>
+                                          </p:val>
+                                        </p:tav>
+                                        <p:tav tm="100000">
+                                          <p:val>
+                                            <p:strVal val="#ppt_x"/>
+                                          </p:val>
+                                        </p:tav>
+                                      </p:tavLst>
+                                    </p:anim>
+                                    <p:anim calcmode="lin" valueType="num">
+                                      <p:cBhvr additive="base">
+                                        <p:cTn id="8" dur="1500" fill="hold"/>
+                                        <p:tgtEl>
+                                          <p:spTgt spid="5"/>
+                                        </p:tgtEl>
+                                        <p:attrNameLst>
+                                          <p:attrName>ppt_y</p:attrName>
+                                        </p:attrNameLst>
+                                      </p:cBhvr>
+                                      <p:tavLst>
+                                        <p:tav tm="0">
+                                          <p:val>
+                                            <p:strVal val="1+#ppt_h/2"/>
+                                          </p:val>
+                                        </p:tav>
+                                        <p:tav tm="100000">
+                                          <p:val>
+                                            <p:strVal val="#ppt_y"/>
+                                          </p:val>
+                                        </p:tav>
+                                      </p:tavLst>
+                                    </p:anim>
+                                  </p:childTnLst>
+                                </p:cTn>
+                              </p:par>
+                            </p:childTnLst>
+                          </p:cTn>
+                        </p:par>
+                      </p:childTnLst>
+                    </p:cTn>
+                  </p:par>
+                </p:childTnLst>
+              </p:cTn>
+              <p:prevCondLst>
+                <p:cond evt="onPrev" delay="0">
+                  <p:tgtEl>
+                    <p:sldTgt/>
+                  </p:tgtEl>
+                </p:cond>
+              </p:prevCondLst>
+              <p:nextCondLst>
+                <p:cond evt="onNext" delay="0">
+                  <p:tgtEl>
+                    <p:sldTgt/>
+                  </p:tgtEl>
+                </p:cond>
+              </p:nextCondLst>
+            </p:seq>
+          </p:childTnLst>
+        </p:cTn>
       </p:par>
     </p:tnLst>
   </p:timing>
@@ -7692,7 +8732,7 @@
         </p:nvSpPr>
         <p:spPr>
           <a:xfrm>
-            <a:off x="677334" y="273698"/>
+            <a:off x="225778" y="0"/>
             <a:ext cx="8596668" cy="1320800"/>
           </a:xfrm>
         </p:spPr>
@@ -7701,21 +8741,24 @@
           <a:lstStyle/>
           <a:p>
             <a:r>
-              <a:rPr lang="pt-PT" dirty="0"/>
-              <a:t>Modelo Conceptual</a:t>
-            </a:r>
+              <a:rPr lang="pt-PT" dirty="0" smtClean="0"/>
+              <a:t>Agendar </a:t>
+            </a:r>
+            <a:r>
+              <a:rPr lang="pt-PT" dirty="0" smtClean="0"/>
+              <a:t>Trabalho</a:t>
+            </a:r>
+            <a:endParaRPr lang="pt-PT" dirty="0"/>
           </a:p>
         </p:txBody>
       </p:sp>
       <p:pic>
         <p:nvPicPr>
-          <p:cNvPr id="4" name="Content Placeholder 3"/>
+          <p:cNvPr id="3074" name="Picture 2"/>
           <p:cNvPicPr>
-            <a:picLocks noGrp="1" noChangeAspect="1"/>
+            <a:picLocks noChangeAspect="1" noChangeArrowheads="1"/>
           </p:cNvPicPr>
-          <p:nvPr>
-            <p:ph sz="half" idx="1"/>
-          </p:nvPr>
+          <p:nvPr/>
         </p:nvPicPr>
         <p:blipFill>
           <a:blip r:embed="rId2">
@@ -7725,34 +8768,140 @@
               </a:ext>
             </a:extLst>
           </a:blip>
+          <a:srcRect/>
           <a:stretch>
             <a:fillRect/>
           </a:stretch>
         </p:blipFill>
+        <p:spPr bwMode="auto">
+          <a:xfrm>
+            <a:off x="225778" y="829733"/>
+            <a:ext cx="5746044" cy="5844123"/>
+          </a:xfrm>
+          <a:prstGeom prst="rect">
+            <a:avLst/>
+          </a:prstGeom>
+          <a:noFill/>
+          <a:ln>
+            <a:noFill/>
+          </a:ln>
+          <a:extLst>
+            <a:ext uri="{909E8E84-426E-40DD-AFC4-6F175D3DCCD1}">
+              <a14:hiddenFill xmlns:a14="http://schemas.microsoft.com/office/drawing/2010/main">
+                <a:solidFill>
+                  <a:srgbClr val="FFFFFF"/>
+                </a:solidFill>
+              </a14:hiddenFill>
+            </a:ext>
+            <a:ext uri="{91240B29-F687-4F45-9708-019B960494DF}">
+              <a14:hiddenLine xmlns:a14="http://schemas.microsoft.com/office/drawing/2010/main" w="9525">
+                <a:solidFill>
+                  <a:srgbClr val="000000"/>
+                </a:solidFill>
+                <a:miter lim="800000"/>
+                <a:headEnd/>
+                <a:tailEnd/>
+              </a14:hiddenLine>
+            </a:ext>
+          </a:extLst>
+        </p:spPr>
+      </p:pic>
+      <p:sp>
+        <p:nvSpPr>
+          <p:cNvPr id="6" name="TextBox 5"/>
+          <p:cNvSpPr txBox="1"/>
+          <p:nvPr/>
+        </p:nvSpPr>
         <p:spPr>
           <a:xfrm>
-            <a:off x="761441" y="1103402"/>
-            <a:ext cx="8428453" cy="5754598"/>
+            <a:off x="6187201" y="1852723"/>
+            <a:ext cx="5463643" cy="4154984"/>
           </a:xfrm>
+          <a:prstGeom prst="rect">
+            <a:avLst/>
+          </a:prstGeom>
         </p:spPr>
-      </p:pic>
+        <p:style>
+          <a:lnRef idx="2">
+            <a:schemeClr val="accent2"/>
+          </a:lnRef>
+          <a:fillRef idx="1">
+            <a:schemeClr val="lt1"/>
+          </a:fillRef>
+          <a:effectRef idx="0">
+            <a:schemeClr val="accent2"/>
+          </a:effectRef>
+          <a:fontRef idx="minor">
+            <a:schemeClr val="dk1"/>
+          </a:fontRef>
+        </p:style>
+        <p:txBody>
+          <a:bodyPr wrap="square" rtlCol="0">
+            <a:spAutoFit/>
+          </a:bodyPr>
+          <a:lstStyle/>
+          <a:p>
+            <a:pPr marL="342900" indent="-342900" algn="just">
+              <a:buFont typeface="Wingdings" panose="05000000000000000000" pitchFamily="2" charset="2"/>
+              <a:buChar char="ü"/>
+            </a:pPr>
+            <a:r>
+              <a:rPr lang="pt-PT" sz="2400" dirty="0" smtClean="0"/>
+              <a:t>	O </a:t>
+            </a:r>
+            <a:r>
+              <a:rPr lang="pt-PT" sz="2400" dirty="0"/>
+              <a:t>sistema deve permitir selecionar as datas em que o serviço irá ser realizado, assim como a hora desejada para o mesmo ser realizado</a:t>
+            </a:r>
+            <a:r>
+              <a:rPr lang="pt-PT" sz="2400" dirty="0" smtClean="0"/>
+              <a:t>.</a:t>
+            </a:r>
+          </a:p>
+          <a:p>
+            <a:pPr marL="342900" indent="-342900" algn="just">
+              <a:buFont typeface="Wingdings" panose="05000000000000000000" pitchFamily="2" charset="2"/>
+              <a:buChar char="ü"/>
+            </a:pPr>
+            <a:endParaRPr lang="pt-PT" sz="2400" dirty="0" smtClean="0"/>
+          </a:p>
+          <a:p>
+            <a:pPr marL="342900" indent="-342900" algn="just">
+              <a:buFont typeface="Wingdings" panose="05000000000000000000" pitchFamily="2" charset="2"/>
+              <a:buChar char="ü"/>
+            </a:pPr>
+            <a:r>
+              <a:rPr lang="pt-PT" sz="2400" dirty="0"/>
+              <a:t>	</a:t>
+            </a:r>
+            <a:r>
+              <a:rPr lang="pt-PT" sz="2400" dirty="0" smtClean="0"/>
+              <a:t>Deverá </a:t>
+            </a:r>
+            <a:r>
+              <a:rPr lang="pt-PT" sz="2400" dirty="0"/>
+              <a:t>autorizar a inserção de serviços complementares por parte do utilizador, para especificar algumas exigências do mesmo no que toca ao serviço.</a:t>
+            </a:r>
+          </a:p>
+        </p:txBody>
+      </p:sp>
     </p:spTree>
     <p:extLst>
       <p:ext uri="{BB962C8B-B14F-4D97-AF65-F5344CB8AC3E}">
-        <p14:creationId xmlns:p14="http://schemas.microsoft.com/office/powerpoint/2010/main" val="640155074"/>
+        <p14:creationId xmlns:p14="http://schemas.microsoft.com/office/powerpoint/2010/main" val="3345751961"/>
       </p:ext>
     </p:extLst>
   </p:cSld>
   <p:clrMapOvr>
     <a:masterClrMapping/>
   </p:clrMapOvr>
-  <mc:AlternateContent xmlns:mc="http://schemas.openxmlformats.org/markup-compatibility/2006" xmlns:p14="http://schemas.microsoft.com/office/powerpoint/2010/main">
-    <mc:Choice Requires="p14">
+  <mc:AlternateContent xmlns:mc="http://schemas.openxmlformats.org/markup-compatibility/2006">
+    <mc:Choice xmlns:p14="http://schemas.microsoft.com/office/powerpoint/2010/main" Requires="p14">
       <p:transition spd="med" p14:dur="700">
         <p:fade/>
       </p:transition>
     </mc:Choice>
-    <mc:Fallback xmlns="">
+    <mc:Fallback>
       <p:transition spd="med">
         <p:fade/>
       </p:transition>
@@ -7761,9 +8910,91 @@
   <p:timing>
     <p:tnLst>
       <p:par>
-        <p:cTn id="1" dur="indefinite" restart="never" nodeType="tmRoot"/>
+        <p:cTn id="1" dur="indefinite" restart="never" nodeType="tmRoot">
+          <p:childTnLst>
+            <p:seq concurrent="1" nextAc="seek">
+              <p:cTn id="2" dur="indefinite" nodeType="mainSeq">
+                <p:childTnLst>
+                  <p:par>
+                    <p:cTn id="3" fill="hold">
+                      <p:stCondLst>
+                        <p:cond delay="indefinite"/>
+                        <p:cond evt="onBegin" delay="0">
+                          <p:tn val="2"/>
+                        </p:cond>
+                      </p:stCondLst>
+                      <p:childTnLst>
+                        <p:par>
+                          <p:cTn id="4" fill="hold">
+                            <p:stCondLst>
+                              <p:cond delay="0"/>
+                            </p:stCondLst>
+                            <p:childTnLst>
+                              <p:par>
+                                <p:cTn id="5" presetID="10" presetClass="entr" presetSubtype="0" fill="hold" grpId="0" nodeType="withEffect">
+                                  <p:stCondLst>
+                                    <p:cond delay="0"/>
+                                  </p:stCondLst>
+                                  <p:childTnLst>
+                                    <p:set>
+                                      <p:cBhvr>
+                                        <p:cTn id="6" dur="1" fill="hold">
+                                          <p:stCondLst>
+                                            <p:cond delay="0"/>
+                                          </p:stCondLst>
+                                        </p:cTn>
+                                        <p:tgtEl>
+                                          <p:spTgt spid="6"/>
+                                        </p:tgtEl>
+                                        <p:attrNameLst>
+                                          <p:attrName>style.visibility</p:attrName>
+                                        </p:attrNameLst>
+                                      </p:cBhvr>
+                                      <p:to>
+                                        <p:strVal val="visible"/>
+                                      </p:to>
+                                    </p:set>
+                                    <p:animEffect transition="in" filter="fade">
+                                      <p:cBhvr>
+                                        <p:cTn id="7" dur="1500"/>
+                                        <p:tgtEl>
+                                          <p:spTgt spid="6"/>
+                                        </p:tgtEl>
+                                      </p:cBhvr>
+                                    </p:animEffect>
+                                  </p:childTnLst>
+                                </p:cTn>
+                              </p:par>
+                            </p:childTnLst>
+                          </p:cTn>
+                        </p:par>
+                      </p:childTnLst>
+                    </p:cTn>
+                  </p:par>
+                </p:childTnLst>
+              </p:cTn>
+              <p:prevCondLst>
+                <p:cond evt="onPrev" delay="0">
+                  <p:tgtEl>
+                    <p:sldTgt/>
+                  </p:tgtEl>
+                </p:cond>
+              </p:prevCondLst>
+              <p:nextCondLst>
+                <p:cond evt="onNext" delay="0">
+                  <p:tgtEl>
+                    <p:sldTgt/>
+                  </p:tgtEl>
+                </p:cond>
+              </p:nextCondLst>
+            </p:seq>
+          </p:childTnLst>
+        </p:cTn>
       </p:par>
     </p:tnLst>
+    <p:bldLst>
+      <p:bldP spid="6" grpId="0" animBg="1"/>
+    </p:bldLst>
   </p:timing>
 </p:sld>
 </file>
@@ -7797,7 +9028,7 @@
         </p:nvSpPr>
         <p:spPr>
           <a:xfrm>
-            <a:off x="677334" y="273698"/>
+            <a:off x="225778" y="0"/>
             <a:ext cx="8596668" cy="1320800"/>
           </a:xfrm>
         </p:spPr>
@@ -7806,15 +9037,20 @@
           <a:lstStyle/>
           <a:p>
             <a:r>
-              <a:rPr lang="pt-PT" dirty="0"/>
-              <a:t>Mockups “Agendar Trabalho”</a:t>
-            </a:r>
+              <a:rPr lang="pt-PT" dirty="0" smtClean="0"/>
+              <a:t>Agendar </a:t>
+            </a:r>
+            <a:r>
+              <a:rPr lang="pt-PT" dirty="0" smtClean="0"/>
+              <a:t>Trabalho</a:t>
+            </a:r>
+            <a:endParaRPr lang="pt-PT" dirty="0"/>
           </a:p>
         </p:txBody>
       </p:sp>
       <p:pic>
         <p:nvPicPr>
-          <p:cNvPr id="5" name="Content Placeholder 4"/>
+          <p:cNvPr id="6" name="Content Placeholder 6"/>
           <p:cNvPicPr>
             <a:picLocks noGrp="1" noChangeAspect="1"/>
           </p:cNvPicPr>
@@ -7822,7 +9058,7 @@
             <p:ph sz="half" idx="1"/>
           </p:nvPr>
         </p:nvPicPr>
-        <p:blipFill>
+        <p:blipFill rotWithShape="1">
           <a:blip r:embed="rId2">
             <a:extLst>
               <a:ext uri="{28A0092B-C50C-407E-A947-70E740481C1C}">
@@ -7830,22 +9066,37 @@
               </a:ext>
             </a:extLst>
           </a:blip>
-          <a:stretch>
-            <a:fillRect/>
-          </a:stretch>
+          <a:srcRect l="14505" t="12539" r="12688" b="26146"/>
+          <a:stretch/>
         </p:blipFill>
         <p:spPr>
           <a:xfrm>
-            <a:off x="677334" y="934098"/>
-            <a:ext cx="4727242" cy="5802711"/>
+            <a:off x="7552268" y="1020763"/>
+            <a:ext cx="4397058" cy="5255860"/>
           </a:xfrm>
+          <a:prstGeom prst="rect">
+            <a:avLst/>
+          </a:prstGeom>
+          <a:ln w="28575" cap="sq">
+            <a:solidFill>
+              <a:srgbClr val="000000"/>
+            </a:solidFill>
+            <a:miter lim="800000"/>
+          </a:ln>
+          <a:effectLst>
+            <a:outerShdw blurRad="57150" dist="50800" dir="2700000" algn="tl" rotWithShape="0">
+              <a:srgbClr val="000000">
+                <a:alpha val="40000"/>
+              </a:srgbClr>
+            </a:outerShdw>
+          </a:effectLst>
         </p:spPr>
       </p:pic>
       <p:pic>
         <p:nvPicPr>
-          <p:cNvPr id="3" name="Picture 2"/>
+          <p:cNvPr id="5122" name="Picture 2"/>
           <p:cNvPicPr>
-            <a:picLocks noChangeAspect="1"/>
+            <a:picLocks noChangeAspect="1" noChangeArrowheads="1"/>
           </p:cNvPicPr>
           <p:nvPr/>
         </p:nvPicPr>
@@ -7857,37 +9108,61 @@
               </a:ext>
             </a:extLst>
           </a:blip>
+          <a:srcRect/>
           <a:stretch>
             <a:fillRect/>
           </a:stretch>
         </p:blipFill>
-        <p:spPr>
+        <p:spPr bwMode="auto">
           <a:xfrm>
-            <a:off x="5771810" y="905177"/>
-            <a:ext cx="4299646" cy="5831632"/>
+            <a:off x="225778" y="1020763"/>
+            <a:ext cx="7166328" cy="5255859"/>
           </a:xfrm>
           <a:prstGeom prst="rect">
             <a:avLst/>
           </a:prstGeom>
+          <a:noFill/>
+          <a:ln>
+            <a:noFill/>
+          </a:ln>
+          <a:extLst>
+            <a:ext uri="{909E8E84-426E-40DD-AFC4-6F175D3DCCD1}">
+              <a14:hiddenFill xmlns:a14="http://schemas.microsoft.com/office/drawing/2010/main">
+                <a:solidFill>
+                  <a:srgbClr val="FFFFFF"/>
+                </a:solidFill>
+              </a14:hiddenFill>
+            </a:ext>
+            <a:ext uri="{91240B29-F687-4F45-9708-019B960494DF}">
+              <a14:hiddenLine xmlns:a14="http://schemas.microsoft.com/office/drawing/2010/main" w="9525">
+                <a:solidFill>
+                  <a:srgbClr val="000000"/>
+                </a:solidFill>
+                <a:miter lim="800000"/>
+                <a:headEnd/>
+                <a:tailEnd/>
+              </a14:hiddenLine>
+            </a:ext>
+          </a:extLst>
         </p:spPr>
       </p:pic>
     </p:spTree>
     <p:extLst>
       <p:ext uri="{BB962C8B-B14F-4D97-AF65-F5344CB8AC3E}">
-        <p14:creationId xmlns:p14="http://schemas.microsoft.com/office/powerpoint/2010/main" val="3333725702"/>
+        <p14:creationId xmlns:p14="http://schemas.microsoft.com/office/powerpoint/2010/main" val="3771544228"/>
       </p:ext>
     </p:extLst>
   </p:cSld>
   <p:clrMapOvr>
     <a:masterClrMapping/>
   </p:clrMapOvr>
-  <mc:AlternateContent xmlns:mc="http://schemas.openxmlformats.org/markup-compatibility/2006" xmlns:p14="http://schemas.microsoft.com/office/powerpoint/2010/main">
-    <mc:Choice Requires="p14">
+  <mc:AlternateContent xmlns:mc="http://schemas.openxmlformats.org/markup-compatibility/2006">
+    <mc:Choice xmlns:p14="http://schemas.microsoft.com/office/powerpoint/2010/main" Requires="p14">
       <p:transition spd="med" p14:dur="700">
         <p:fade/>
       </p:transition>
     </mc:Choice>
-    <mc:Fallback xmlns="">
+    <mc:Fallback>
       <p:transition spd="med">
         <p:fade/>
       </p:transition>
@@ -7896,7 +9171,124 @@
   <p:timing>
     <p:tnLst>
       <p:par>
-        <p:cTn id="1" dur="indefinite" restart="never" nodeType="tmRoot"/>
+        <p:cTn id="1" dur="indefinite" restart="never" nodeType="tmRoot">
+          <p:childTnLst>
+            <p:seq concurrent="1" nextAc="seek">
+              <p:cTn id="2" dur="indefinite" nodeType="mainSeq">
+                <p:childTnLst>
+                  <p:par>
+                    <p:cTn id="3" fill="hold">
+                      <p:stCondLst>
+                        <p:cond delay="indefinite"/>
+                        <p:cond evt="onBegin" delay="0">
+                          <p:tn val="2"/>
+                        </p:cond>
+                      </p:stCondLst>
+                      <p:childTnLst>
+                        <p:par>
+                          <p:cTn id="4" fill="hold">
+                            <p:stCondLst>
+                              <p:cond delay="0"/>
+                            </p:stCondLst>
+                            <p:childTnLst>
+                              <p:par>
+                                <p:cTn id="5" presetID="2" presetClass="entr" presetSubtype="4" fill="hold" nodeType="withEffect">
+                                  <p:stCondLst>
+                                    <p:cond delay="0"/>
+                                  </p:stCondLst>
+                                  <p:childTnLst>
+                                    <p:set>
+                                      <p:cBhvr>
+                                        <p:cTn id="6" dur="1" fill="hold">
+                                          <p:stCondLst>
+                                            <p:cond delay="0"/>
+                                          </p:stCondLst>
+                                        </p:cTn>
+                                        <p:tgtEl>
+                                          <p:spTgt spid="6"/>
+                                        </p:tgtEl>
+                                        <p:attrNameLst>
+                                          <p:attrName>style.visibility</p:attrName>
+                                        </p:attrNameLst>
+                                      </p:cBhvr>
+                                      <p:to>
+                                        <p:strVal val="visible"/>
+                                      </p:to>
+                                    </p:set>
+                                    <p:anim calcmode="lin" valueType="num">
+                                      <p:cBhvr additive="base">
+                                        <p:cTn id="7" dur="1500" fill="hold"/>
+                                        <p:tgtEl>
+                                          <p:spTgt spid="6"/>
+                                        </p:tgtEl>
+                                        <p:attrNameLst>
+                                          <p:attrName>ppt_x</p:attrName>
+                                        </p:attrNameLst>
+                                      </p:cBhvr>
+                                      <p:tavLst>
+                                        <p:tav tm="0">
+                                          <p:val>
+                                            <p:strVal val="#ppt_x"/>
+                                          </p:val>
+                                        </p:tav>
+                                        <p:tav tm="100000">
+                                          <p:val>
+                                            <p:strVal val="#ppt_x"/>
+                                          </p:val>
+                                        </p:tav>
+                                      </p:tavLst>
+                                    </p:anim>
+                                    <p:anim calcmode="lin" valueType="num">
+                                      <p:cBhvr additive="base">
+                                        <p:cTn id="8" dur="1500" fill="hold"/>
+                                        <p:tgtEl>
+                                          <p:spTgt spid="6"/>
+                                        </p:tgtEl>
+                                        <p:attrNameLst>
+                                          <p:attrName>ppt_y</p:attrName>
+                                        </p:attrNameLst>
+                                      </p:cBhvr>
+                                      <p:tavLst>
+                                        <p:tav tm="0">
+                                          <p:val>
+                                            <p:strVal val="1+#ppt_h/2"/>
+                                          </p:val>
+                                        </p:tav>
+                                        <p:tav tm="100000">
+                                          <p:val>
+                                            <p:strVal val="#ppt_y"/>
+                                          </p:val>
+                                        </p:tav>
+                                      </p:tavLst>
+                                    </p:anim>
+                                  </p:childTnLst>
+                                </p:cTn>
+                              </p:par>
+                            </p:childTnLst>
+                          </p:cTn>
+                        </p:par>
+                      </p:childTnLst>
+                    </p:cTn>
+                  </p:par>
+                </p:childTnLst>
+              </p:cTn>
+              <p:prevCondLst>
+                <p:cond evt="onPrev" delay="0">
+                  <p:tgtEl>
+                    <p:sldTgt/>
+                  </p:tgtEl>
+                </p:cond>
+              </p:prevCondLst>
+              <p:nextCondLst>
+                <p:cond evt="onNext" delay="0">
+                  <p:tgtEl>
+                    <p:sldTgt/>
+                  </p:tgtEl>
+                </p:cond>
+              </p:nextCondLst>
+            </p:seq>
+          </p:childTnLst>
+        </p:cTn>
       </p:par>
     </p:tnLst>
   </p:timing>
@@ -7932,7 +9324,7 @@
         </p:nvSpPr>
         <p:spPr>
           <a:xfrm>
-            <a:off x="677334" y="273698"/>
+            <a:off x="225778" y="0"/>
             <a:ext cx="8596668" cy="1320800"/>
           </a:xfrm>
         </p:spPr>
@@ -7941,21 +9333,24 @@
           <a:lstStyle/>
           <a:p>
             <a:r>
-              <a:rPr lang="pt-PT" dirty="0"/>
-              <a:t>Mockups “Agendar Trabalho”</a:t>
-            </a:r>
+              <a:rPr lang="pt-PT" dirty="0" smtClean="0"/>
+              <a:t>Agendar </a:t>
+            </a:r>
+            <a:r>
+              <a:rPr lang="pt-PT" dirty="0" smtClean="0"/>
+              <a:t>Trabalho</a:t>
+            </a:r>
+            <a:endParaRPr lang="pt-PT" dirty="0"/>
           </a:p>
         </p:txBody>
       </p:sp>
       <p:pic>
         <p:nvPicPr>
-          <p:cNvPr id="7" name="Content Placeholder 6"/>
+          <p:cNvPr id="5122" name="Picture 2"/>
           <p:cNvPicPr>
-            <a:picLocks noGrp="1" noChangeAspect="1"/>
+            <a:picLocks noChangeAspect="1" noChangeArrowheads="1"/>
           </p:cNvPicPr>
-          <p:nvPr>
-            <p:ph sz="half" idx="1"/>
-          </p:nvPr>
+          <p:nvPr/>
         </p:nvPicPr>
         <p:blipFill>
           <a:blip r:embed="rId2">
@@ -7965,64 +9360,152 @@
               </a:ext>
             </a:extLst>
           </a:blip>
+          <a:srcRect/>
           <a:stretch>
             <a:fillRect/>
           </a:stretch>
         </p:blipFill>
+        <p:spPr bwMode="auto">
+          <a:xfrm>
+            <a:off x="225778" y="1020763"/>
+            <a:ext cx="7166328" cy="5255859"/>
+          </a:xfrm>
+          <a:prstGeom prst="rect">
+            <a:avLst/>
+          </a:prstGeom>
+          <a:noFill/>
+          <a:ln>
+            <a:noFill/>
+          </a:ln>
+          <a:extLst>
+            <a:ext uri="{909E8E84-426E-40DD-AFC4-6F175D3DCCD1}">
+              <a14:hiddenFill xmlns:a14="http://schemas.microsoft.com/office/drawing/2010/main">
+                <a:solidFill>
+                  <a:srgbClr val="FFFFFF"/>
+                </a:solidFill>
+              </a14:hiddenFill>
+            </a:ext>
+            <a:ext uri="{91240B29-F687-4F45-9708-019B960494DF}">
+              <a14:hiddenLine xmlns:a14="http://schemas.microsoft.com/office/drawing/2010/main" w="9525">
+                <a:solidFill>
+                  <a:srgbClr val="000000"/>
+                </a:solidFill>
+                <a:miter lim="800000"/>
+                <a:headEnd/>
+                <a:tailEnd/>
+              </a14:hiddenLine>
+            </a:ext>
+          </a:extLst>
+        </p:spPr>
+      </p:pic>
+      <p:sp>
+        <p:nvSpPr>
+          <p:cNvPr id="7" name="TextBox 6"/>
+          <p:cNvSpPr txBox="1"/>
+          <p:nvPr/>
+        </p:nvSpPr>
         <p:spPr>
           <a:xfrm>
-            <a:off x="677333" y="1131930"/>
-            <a:ext cx="3969311" cy="5633863"/>
-          </a:xfrm>
-        </p:spPr>
-      </p:pic>
-      <p:pic>
-        <p:nvPicPr>
-          <p:cNvPr id="8" name="Picture 7"/>
-          <p:cNvPicPr>
-            <a:picLocks noChangeAspect="1"/>
-          </p:cNvPicPr>
-          <p:nvPr/>
-        </p:nvPicPr>
-        <p:blipFill>
-          <a:blip r:embed="rId3">
-            <a:extLst>
-              <a:ext uri="{28A0092B-C50C-407E-A947-70E740481C1C}">
-                <a14:useLocalDpi xmlns:a14="http://schemas.microsoft.com/office/drawing/2010/main" val="0"/>
-              </a:ext>
-            </a:extLst>
-          </a:blip>
-          <a:stretch>
-            <a:fillRect/>
-          </a:stretch>
-        </p:blipFill>
-        <p:spPr>
-          <a:xfrm>
-            <a:off x="4975668" y="1594498"/>
-            <a:ext cx="5272508" cy="4777727"/>
+            <a:off x="7552268" y="2263697"/>
+            <a:ext cx="4397058" cy="2769989"/>
           </a:xfrm>
           <a:prstGeom prst="rect">
             <a:avLst/>
           </a:prstGeom>
         </p:spPr>
-      </p:pic>
+        <p:style>
+          <a:lnRef idx="2">
+            <a:schemeClr val="accent2"/>
+          </a:lnRef>
+          <a:fillRef idx="1">
+            <a:schemeClr val="lt1"/>
+          </a:fillRef>
+          <a:effectRef idx="0">
+            <a:schemeClr val="accent2"/>
+          </a:effectRef>
+          <a:fontRef idx="minor">
+            <a:schemeClr val="dk1"/>
+          </a:fontRef>
+        </p:style>
+        <p:txBody>
+          <a:bodyPr wrap="square" rtlCol="0">
+            <a:spAutoFit/>
+          </a:bodyPr>
+          <a:lstStyle/>
+          <a:p>
+            <a:pPr marL="342900" indent="-342900" algn="just">
+              <a:buFont typeface="Wingdings" panose="05000000000000000000" pitchFamily="2" charset="2"/>
+              <a:buChar char="ü"/>
+            </a:pPr>
+            <a:r>
+              <a:rPr lang="pt-PT" sz="2400" dirty="0" smtClean="0"/>
+              <a:t>	</a:t>
+            </a:r>
+            <a:r>
+              <a:rPr lang="pt-PT" dirty="0"/>
+              <a:t>O sistema deve permitir ao utilizador selecionar o profissional que pretende</a:t>
+            </a:r>
+            <a:r>
+              <a:rPr lang="pt-PT" dirty="0" smtClean="0"/>
+              <a:t>.</a:t>
+            </a:r>
+          </a:p>
+          <a:p>
+            <a:pPr marL="342900" indent="-342900" algn="just">
+              <a:buFont typeface="Wingdings" panose="05000000000000000000" pitchFamily="2" charset="2"/>
+              <a:buChar char="ü"/>
+            </a:pPr>
+            <a:endParaRPr lang="pt-PT" sz="2400" dirty="0"/>
+          </a:p>
+          <a:p>
+            <a:pPr marL="342900" indent="-342900" algn="just">
+              <a:buFont typeface="Wingdings" panose="05000000000000000000" pitchFamily="2" charset="2"/>
+              <a:buChar char="ü"/>
+            </a:pPr>
+            <a:r>
+              <a:rPr lang="pt-PT" dirty="0"/>
+              <a:t>O sistema deverá permitir que seja mandada uma proposta de serviço devidamente especificada ao profissional, que, posteriormente, poderá aceitar ou recusar.</a:t>
+            </a:r>
+            <a:endParaRPr lang="pt-PT" sz="2400" dirty="0"/>
+          </a:p>
+        </p:txBody>
+      </p:sp>
+      <p:sp>
+        <p:nvSpPr>
+          <p:cNvPr id="3" name="Content Placeholder 2"/>
+          <p:cNvSpPr>
+            <a:spLocks noGrp="1"/>
+          </p:cNvSpPr>
+          <p:nvPr>
+            <p:ph idx="1"/>
+          </p:nvPr>
+        </p:nvSpPr>
+        <p:spPr/>
+        <p:txBody>
+          <a:bodyPr/>
+          <a:lstStyle/>
+          <a:p>
+            <a:endParaRPr lang="pt-PT"/>
+          </a:p>
+        </p:txBody>
+      </p:sp>
     </p:spTree>
     <p:extLst>
       <p:ext uri="{BB962C8B-B14F-4D97-AF65-F5344CB8AC3E}">
-        <p14:creationId xmlns:p14="http://schemas.microsoft.com/office/powerpoint/2010/main" val="3941461251"/>
+        <p14:creationId xmlns:p14="http://schemas.microsoft.com/office/powerpoint/2010/main" val="1933975194"/>
       </p:ext>
     </p:extLst>
   </p:cSld>
   <p:clrMapOvr>
     <a:masterClrMapping/>
   </p:clrMapOvr>
-  <mc:AlternateContent xmlns:mc="http://schemas.openxmlformats.org/markup-compatibility/2006" xmlns:p14="http://schemas.microsoft.com/office/powerpoint/2010/main">
-    <mc:Choice Requires="p14">
+  <mc:AlternateContent xmlns:mc="http://schemas.openxmlformats.org/markup-compatibility/2006">
+    <mc:Choice xmlns:p14="http://schemas.microsoft.com/office/powerpoint/2010/main" Requires="p14">
       <p:transition spd="med" p14:dur="700">
         <p:fade/>
       </p:transition>
     </mc:Choice>
-    <mc:Fallback xmlns="">
+    <mc:Fallback>
       <p:transition spd="med">
         <p:fade/>
       </p:transition>
@@ -8031,9 +9514,91 @@
   <p:timing>
     <p:tnLst>
       <p:par>
-        <p:cTn id="1" dur="indefinite" restart="never" nodeType="tmRoot"/>
+        <p:cTn id="1" dur="indefinite" restart="never" nodeType="tmRoot">
+          <p:childTnLst>
+            <p:seq concurrent="1" nextAc="seek">
+              <p:cTn id="2" dur="indefinite" nodeType="mainSeq">
+                <p:childTnLst>
+                  <p:par>
+                    <p:cTn id="3" fill="hold">
+                      <p:stCondLst>
+                        <p:cond delay="indefinite"/>
+                        <p:cond evt="onBegin" delay="0">
+                          <p:tn val="2"/>
+                        </p:cond>
+                      </p:stCondLst>
+                      <p:childTnLst>
+                        <p:par>
+                          <p:cTn id="4" fill="hold">
+                            <p:stCondLst>
+                              <p:cond delay="0"/>
+                            </p:stCondLst>
+                            <p:childTnLst>
+                              <p:par>
+                                <p:cTn id="5" presetID="10" presetClass="entr" presetSubtype="0" fill="hold" grpId="0" nodeType="withEffect">
+                                  <p:stCondLst>
+                                    <p:cond delay="0"/>
+                                  </p:stCondLst>
+                                  <p:childTnLst>
+                                    <p:set>
+                                      <p:cBhvr>
+                                        <p:cTn id="6" dur="1" fill="hold">
+                                          <p:stCondLst>
+                                            <p:cond delay="0"/>
+                                          </p:stCondLst>
+                                        </p:cTn>
+                                        <p:tgtEl>
+                                          <p:spTgt spid="7"/>
+                                        </p:tgtEl>
+                                        <p:attrNameLst>
+                                          <p:attrName>style.visibility</p:attrName>
+                                        </p:attrNameLst>
+                                      </p:cBhvr>
+                                      <p:to>
+                                        <p:strVal val="visible"/>
+                                      </p:to>
+                                    </p:set>
+                                    <p:animEffect transition="in" filter="fade">
+                                      <p:cBhvr>
+                                        <p:cTn id="7" dur="1500"/>
+                                        <p:tgtEl>
+                                          <p:spTgt spid="7"/>
+                                        </p:tgtEl>
+                                      </p:cBhvr>
+                                    </p:animEffect>
+                                  </p:childTnLst>
+                                </p:cTn>
+                              </p:par>
+                            </p:childTnLst>
+                          </p:cTn>
+                        </p:par>
+                      </p:childTnLst>
+                    </p:cTn>
+                  </p:par>
+                </p:childTnLst>
+              </p:cTn>
+              <p:prevCondLst>
+                <p:cond evt="onPrev" delay="0">
+                  <p:tgtEl>
+                    <p:sldTgt/>
+                  </p:tgtEl>
+                </p:cond>
+              </p:prevCondLst>
+              <p:nextCondLst>
+                <p:cond evt="onNext" delay="0">
+                  <p:tgtEl>
+                    <p:sldTgt/>
+                  </p:tgtEl>
+                </p:cond>
+              </p:nextCondLst>
+            </p:seq>
+          </p:childTnLst>
+        </p:cTn>
       </p:par>
     </p:tnLst>
+    <p:bldLst>
+      <p:bldP spid="7" grpId="0" animBg="1"/>
+    </p:bldLst>
   </p:timing>
 </p:sld>
 </file>
@@ -8067,7 +9632,7 @@
         </p:nvSpPr>
         <p:spPr>
           <a:xfrm>
-            <a:off x="677334" y="273698"/>
+            <a:off x="225778" y="0"/>
             <a:ext cx="8596668" cy="1320800"/>
           </a:xfrm>
         </p:spPr>
@@ -8076,24 +9641,81 @@
           <a:lstStyle/>
           <a:p>
             <a:r>
-              <a:rPr lang="pt-PT" dirty="0"/>
-              <a:t>Mockups “Agendar Trabalho”</a:t>
-            </a:r>
+              <a:rPr lang="pt-PT" dirty="0" smtClean="0"/>
+              <a:t>Agendar </a:t>
+            </a:r>
+            <a:r>
+              <a:rPr lang="pt-PT" dirty="0" smtClean="0"/>
+              <a:t>Trabalho</a:t>
+            </a:r>
+            <a:endParaRPr lang="pt-PT" dirty="0"/>
           </a:p>
         </p:txBody>
       </p:sp>
       <p:pic>
         <p:nvPicPr>
-          <p:cNvPr id="4" name="Content Placeholder 3"/>
+          <p:cNvPr id="6146" name="Picture 2"/>
           <p:cNvPicPr>
-            <a:picLocks noGrp="1" noChangeAspect="1"/>
+            <a:picLocks noChangeAspect="1" noChangeArrowheads="1"/>
           </p:cNvPicPr>
-          <p:nvPr>
-            <p:ph sz="half" idx="1"/>
-          </p:nvPr>
+          <p:nvPr/>
         </p:nvPicPr>
         <p:blipFill>
           <a:blip r:embed="rId2">
+            <a:extLst>
+              <a:ext uri="{28A0092B-C50C-407E-A947-70E740481C1C}">
+                <a14:useLocalDpi xmlns:a14="http://schemas.microsoft.com/office/drawing/2010/main" val="0"/>
+              </a:ext>
+            </a:extLst>
+          </a:blip>
+          <a:srcRect/>
+          <a:stretch>
+            <a:fillRect/>
+          </a:stretch>
+        </p:blipFill>
+        <p:spPr bwMode="auto">
+          <a:xfrm>
+            <a:off x="225778" y="919162"/>
+            <a:ext cx="7953716" cy="3370615"/>
+          </a:xfrm>
+          <a:prstGeom prst="rect">
+            <a:avLst/>
+          </a:prstGeom>
+          <a:noFill/>
+          <a:ln>
+            <a:noFill/>
+          </a:ln>
+          <a:extLst>
+            <a:ext uri="{909E8E84-426E-40DD-AFC4-6F175D3DCCD1}">
+              <a14:hiddenFill xmlns:a14="http://schemas.microsoft.com/office/drawing/2010/main">
+                <a:solidFill>
+                  <a:srgbClr val="FFFFFF"/>
+                </a:solidFill>
+              </a14:hiddenFill>
+            </a:ext>
+            <a:ext uri="{91240B29-F687-4F45-9708-019B960494DF}">
+              <a14:hiddenLine xmlns:a14="http://schemas.microsoft.com/office/drawing/2010/main" w="9525">
+                <a:solidFill>
+                  <a:srgbClr val="000000"/>
+                </a:solidFill>
+                <a:miter lim="800000"/>
+                <a:headEnd/>
+                <a:tailEnd/>
+              </a14:hiddenLine>
+            </a:ext>
+          </a:extLst>
+        </p:spPr>
+      </p:pic>
+      <p:pic>
+        <p:nvPicPr>
+          <p:cNvPr id="7" name="Picture 6"/>
+          <p:cNvPicPr>
+            <a:picLocks noChangeAspect="1"/>
+          </p:cNvPicPr>
+          <p:nvPr/>
+        </p:nvPicPr>
+        <p:blipFill>
+          <a:blip r:embed="rId3">
             <a:extLst>
               <a:ext uri="{28A0092B-C50C-407E-A947-70E740481C1C}">
                 <a14:useLocalDpi xmlns:a14="http://schemas.microsoft.com/office/drawing/2010/main" val="0"/>
@@ -8106,28 +9728,31 @@
         </p:blipFill>
         <p:spPr>
           <a:xfrm>
-            <a:off x="1759371" y="934098"/>
-            <a:ext cx="6432593" cy="5828947"/>
+            <a:off x="5946512" y="1639654"/>
+            <a:ext cx="5272508" cy="4777727"/>
           </a:xfrm>
+          <a:prstGeom prst="rect">
+            <a:avLst/>
+          </a:prstGeom>
         </p:spPr>
       </p:pic>
     </p:spTree>
     <p:extLst>
       <p:ext uri="{BB962C8B-B14F-4D97-AF65-F5344CB8AC3E}">
-        <p14:creationId xmlns:p14="http://schemas.microsoft.com/office/powerpoint/2010/main" val="1103540693"/>
+        <p14:creationId xmlns:p14="http://schemas.microsoft.com/office/powerpoint/2010/main" val="686999958"/>
       </p:ext>
     </p:extLst>
   </p:cSld>
   <p:clrMapOvr>
     <a:masterClrMapping/>
   </p:clrMapOvr>
-  <mc:AlternateContent xmlns:mc="http://schemas.openxmlformats.org/markup-compatibility/2006" xmlns:p14="http://schemas.microsoft.com/office/powerpoint/2010/main">
-    <mc:Choice Requires="p14">
+  <mc:AlternateContent xmlns:mc="http://schemas.openxmlformats.org/markup-compatibility/2006">
+    <mc:Choice xmlns:p14="http://schemas.microsoft.com/office/powerpoint/2010/main" Requires="p14">
       <p:transition spd="med" p14:dur="700">
         <p:fade/>
       </p:transition>
     </mc:Choice>
-    <mc:Fallback xmlns="">
+    <mc:Fallback>
       <p:transition spd="med">
         <p:fade/>
       </p:transition>
@@ -8136,7 +9761,124 @@
   <p:timing>
     <p:tnLst>
       <p:par>
-        <p:cTn id="1" dur="indefinite" restart="never" nodeType="tmRoot"/>
+        <p:cTn id="1" dur="indefinite" restart="never" nodeType="tmRoot">
+          <p:childTnLst>
+            <p:seq concurrent="1" nextAc="seek">
+              <p:cTn id="2" dur="indefinite" nodeType="mainSeq">
+                <p:childTnLst>
+                  <p:par>
+                    <p:cTn id="3" fill="hold">
+                      <p:stCondLst>
+                        <p:cond delay="indefinite"/>
+                        <p:cond evt="onBegin" delay="0">
+                          <p:tn val="2"/>
+                        </p:cond>
+                      </p:stCondLst>
+                      <p:childTnLst>
+                        <p:par>
+                          <p:cTn id="4" fill="hold">
+                            <p:stCondLst>
+                              <p:cond delay="0"/>
+                            </p:stCondLst>
+                            <p:childTnLst>
+                              <p:par>
+                                <p:cTn id="5" presetID="2" presetClass="entr" presetSubtype="4" fill="hold" nodeType="withEffect">
+                                  <p:stCondLst>
+                                    <p:cond delay="0"/>
+                                  </p:stCondLst>
+                                  <p:childTnLst>
+                                    <p:set>
+                                      <p:cBhvr>
+                                        <p:cTn id="6" dur="1" fill="hold">
+                                          <p:stCondLst>
+                                            <p:cond delay="0"/>
+                                          </p:stCondLst>
+                                        </p:cTn>
+                                        <p:tgtEl>
+                                          <p:spTgt spid="7"/>
+                                        </p:tgtEl>
+                                        <p:attrNameLst>
+                                          <p:attrName>style.visibility</p:attrName>
+                                        </p:attrNameLst>
+                                      </p:cBhvr>
+                                      <p:to>
+                                        <p:strVal val="visible"/>
+                                      </p:to>
+                                    </p:set>
+                                    <p:anim calcmode="lin" valueType="num">
+                                      <p:cBhvr additive="base">
+                                        <p:cTn id="7" dur="1500" fill="hold"/>
+                                        <p:tgtEl>
+                                          <p:spTgt spid="7"/>
+                                        </p:tgtEl>
+                                        <p:attrNameLst>
+                                          <p:attrName>ppt_x</p:attrName>
+                                        </p:attrNameLst>
+                                      </p:cBhvr>
+                                      <p:tavLst>
+                                        <p:tav tm="0">
+                                          <p:val>
+                                            <p:strVal val="#ppt_x"/>
+                                          </p:val>
+                                        </p:tav>
+                                        <p:tav tm="100000">
+                                          <p:val>
+                                            <p:strVal val="#ppt_x"/>
+                                          </p:val>
+                                        </p:tav>
+                                      </p:tavLst>
+                                    </p:anim>
+                                    <p:anim calcmode="lin" valueType="num">
+                                      <p:cBhvr additive="base">
+                                        <p:cTn id="8" dur="1500" fill="hold"/>
+                                        <p:tgtEl>
+                                          <p:spTgt spid="7"/>
+                                        </p:tgtEl>
+                                        <p:attrNameLst>
+                                          <p:attrName>ppt_y</p:attrName>
+                                        </p:attrNameLst>
+                                      </p:cBhvr>
+                                      <p:tavLst>
+                                        <p:tav tm="0">
+                                          <p:val>
+                                            <p:strVal val="1+#ppt_h/2"/>
+                                          </p:val>
+                                        </p:tav>
+                                        <p:tav tm="100000">
+                                          <p:val>
+                                            <p:strVal val="#ppt_y"/>
+                                          </p:val>
+                                        </p:tav>
+                                      </p:tavLst>
+                                    </p:anim>
+                                  </p:childTnLst>
+                                </p:cTn>
+                              </p:par>
+                            </p:childTnLst>
+                          </p:cTn>
+                        </p:par>
+                      </p:childTnLst>
+                    </p:cTn>
+                  </p:par>
+                </p:childTnLst>
+              </p:cTn>
+              <p:prevCondLst>
+                <p:cond evt="onPrev" delay="0">
+                  <p:tgtEl>
+                    <p:sldTgt/>
+                  </p:tgtEl>
+                </p:cond>
+              </p:prevCondLst>
+              <p:nextCondLst>
+                <p:cond evt="onNext" delay="0">
+                  <p:tgtEl>
+                    <p:sldTgt/>
+                  </p:tgtEl>
+                </p:cond>
+              </p:nextCondLst>
+            </p:seq>
+          </p:childTnLst>
+        </p:cTn>
       </p:par>
     </p:tnLst>
   </p:timing>
@@ -8273,62 +10015,146 @@
             <p:ph type="title"/>
           </p:nvPr>
         </p:nvSpPr>
-        <p:spPr/>
+        <p:spPr>
+          <a:xfrm>
+            <a:off x="225778" y="0"/>
+            <a:ext cx="8596668" cy="1320800"/>
+          </a:xfrm>
+        </p:spPr>
         <p:txBody>
           <a:bodyPr/>
           <a:lstStyle/>
           <a:p>
             <a:r>
-              <a:rPr lang="pt-PT" dirty="0"/>
-              <a:t>Parte </a:t>
-            </a:r>
-            <a:r>
               <a:rPr lang="pt-PT" dirty="0" smtClean="0"/>
-              <a:t>III</a:t>
+              <a:t>Agendar </a:t>
+            </a:r>
+            <a:r>
+              <a:rPr lang="pt-PT" dirty="0" smtClean="0"/>
+              <a:t>Trabalho</a:t>
             </a:r>
             <a:endParaRPr lang="pt-PT" dirty="0"/>
           </a:p>
         </p:txBody>
       </p:sp>
-      <p:sp>
-        <p:nvSpPr>
-          <p:cNvPr id="3" name="Text Placeholder 2"/>
-          <p:cNvSpPr>
-            <a:spLocks noGrp="1"/>
-          </p:cNvSpPr>
-          <p:nvPr>
-            <p:ph type="body" idx="1"/>
-          </p:nvPr>
-        </p:nvSpPr>
-        <p:spPr/>
-        <p:txBody>
-          <a:bodyPr/>
+      <p:pic>
+        <p:nvPicPr>
+          <p:cNvPr id="6146" name="Picture 2"/>
+          <p:cNvPicPr>
+            <a:picLocks noChangeAspect="1" noChangeArrowheads="1"/>
+          </p:cNvPicPr>
+          <p:nvPr/>
+        </p:nvPicPr>
+        <p:blipFill>
+          <a:blip r:embed="rId2">
+            <a:extLst>
+              <a:ext uri="{28A0092B-C50C-407E-A947-70E740481C1C}">
+                <a14:useLocalDpi xmlns:a14="http://schemas.microsoft.com/office/drawing/2010/main" val="0"/>
+              </a:ext>
+            </a:extLst>
+          </a:blip>
+          <a:srcRect/>
+          <a:stretch>
+            <a:fillRect/>
+          </a:stretch>
+        </p:blipFill>
+        <p:spPr bwMode="auto">
+          <a:xfrm>
+            <a:off x="225778" y="919162"/>
+            <a:ext cx="7953716" cy="3370615"/>
+          </a:xfrm>
+          <a:prstGeom prst="rect">
+            <a:avLst/>
+          </a:prstGeom>
+          <a:noFill/>
+          <a:ln>
+            <a:noFill/>
+          </a:ln>
+          <a:extLst>
+            <a:ext uri="{909E8E84-426E-40DD-AFC4-6F175D3DCCD1}">
+              <a14:hiddenFill xmlns:a14="http://schemas.microsoft.com/office/drawing/2010/main">
+                <a:solidFill>
+                  <a:srgbClr val="FFFFFF"/>
+                </a:solidFill>
+              </a14:hiddenFill>
+            </a:ext>
+            <a:ext uri="{91240B29-F687-4F45-9708-019B960494DF}">
+              <a14:hiddenLine xmlns:a14="http://schemas.microsoft.com/office/drawing/2010/main" w="9525">
+                <a:solidFill>
+                  <a:srgbClr val="000000"/>
+                </a:solidFill>
+                <a:miter lim="800000"/>
+                <a:headEnd/>
+                <a:tailEnd/>
+              </a14:hiddenLine>
+            </a:ext>
+          </a:extLst>
+        </p:spPr>
+      </p:pic>
+      <p:sp>
+        <p:nvSpPr>
+          <p:cNvPr id="9" name="TextBox 8"/>
+          <p:cNvSpPr txBox="1"/>
+          <p:nvPr/>
+        </p:nvSpPr>
+        <p:spPr>
+          <a:xfrm>
+            <a:off x="5980965" y="2904782"/>
+            <a:ext cx="4397058" cy="1631216"/>
+          </a:xfrm>
+          <a:prstGeom prst="rect">
+            <a:avLst/>
+          </a:prstGeom>
+        </p:spPr>
+        <p:style>
+          <a:lnRef idx="2">
+            <a:schemeClr val="accent2"/>
+          </a:lnRef>
+          <a:fillRef idx="1">
+            <a:schemeClr val="lt1"/>
+          </a:fillRef>
+          <a:effectRef idx="0">
+            <a:schemeClr val="accent2"/>
+          </a:effectRef>
+          <a:fontRef idx="minor">
+            <a:schemeClr val="dk1"/>
+          </a:fontRef>
+        </p:style>
+        <p:txBody>
+          <a:bodyPr wrap="square" rtlCol="0">
+            <a:spAutoFit/>
+          </a:bodyPr>
           <a:lstStyle/>
           <a:p>
-            <a:r>
-              <a:rPr lang="pt-PT" dirty="0" smtClean="0"/>
-              <a:t>Implementação</a:t>
-            </a:r>
+            <a:pPr marL="342900" indent="-342900" algn="just">
+              <a:buFont typeface="Wingdings" panose="05000000000000000000" pitchFamily="2" charset="2"/>
+              <a:buChar char="ü"/>
+            </a:pPr>
+            <a:r>
+              <a:rPr lang="pt-PT" sz="2000" dirty="0"/>
+              <a:t>O sistema deve permitir ao utilizador verificar o custo do agendamento, antes de finalizar a operação, que será debitado depois do profissional aceitar.</a:t>
+            </a:r>
+            <a:endParaRPr lang="pt-PT" sz="2800" dirty="0"/>
           </a:p>
         </p:txBody>
       </p:sp>
     </p:spTree>
     <p:extLst>
       <p:ext uri="{BB962C8B-B14F-4D97-AF65-F5344CB8AC3E}">
-        <p14:creationId xmlns:p14="http://schemas.microsoft.com/office/powerpoint/2010/main" val="774520532"/>
+        <p14:creationId xmlns:p14="http://schemas.microsoft.com/office/powerpoint/2010/main" val="2854676877"/>
       </p:ext>
     </p:extLst>
   </p:cSld>
   <p:clrMapOvr>
     <a:masterClrMapping/>
   </p:clrMapOvr>
-  <mc:AlternateContent xmlns:mc="http://schemas.openxmlformats.org/markup-compatibility/2006" xmlns:p14="http://schemas.microsoft.com/office/powerpoint/2010/main">
-    <mc:Choice Requires="p14">
+  <mc:AlternateContent xmlns:mc="http://schemas.openxmlformats.org/markup-compatibility/2006">
+    <mc:Choice xmlns:p14="http://schemas.microsoft.com/office/powerpoint/2010/main" Requires="p14">
       <p:transition spd="med" p14:dur="700">
         <p:fade/>
       </p:transition>
     </mc:Choice>
-    <mc:Fallback xmlns="">
+    <mc:Fallback>
       <p:transition spd="med">
         <p:fade/>
       </p:transition>
@@ -8337,9 +10163,91 @@
   <p:timing>
     <p:tnLst>
       <p:par>
-        <p:cTn id="1" dur="indefinite" restart="never" nodeType="tmRoot"/>
+        <p:cTn id="1" dur="indefinite" restart="never" nodeType="tmRoot">
+          <p:childTnLst>
+            <p:seq concurrent="1" nextAc="seek">
+              <p:cTn id="2" dur="indefinite" nodeType="mainSeq">
+                <p:childTnLst>
+                  <p:par>
+                    <p:cTn id="3" fill="hold">
+                      <p:stCondLst>
+                        <p:cond delay="indefinite"/>
+                        <p:cond evt="onBegin" delay="0">
+                          <p:tn val="2"/>
+                        </p:cond>
+                      </p:stCondLst>
+                      <p:childTnLst>
+                        <p:par>
+                          <p:cTn id="4" fill="hold">
+                            <p:stCondLst>
+                              <p:cond delay="0"/>
+                            </p:stCondLst>
+                            <p:childTnLst>
+                              <p:par>
+                                <p:cTn id="5" presetID="10" presetClass="entr" presetSubtype="0" fill="hold" grpId="0" nodeType="withEffect">
+                                  <p:stCondLst>
+                                    <p:cond delay="0"/>
+                                  </p:stCondLst>
+                                  <p:childTnLst>
+                                    <p:set>
+                                      <p:cBhvr>
+                                        <p:cTn id="6" dur="1" fill="hold">
+                                          <p:stCondLst>
+                                            <p:cond delay="0"/>
+                                          </p:stCondLst>
+                                        </p:cTn>
+                                        <p:tgtEl>
+                                          <p:spTgt spid="9"/>
+                                        </p:tgtEl>
+                                        <p:attrNameLst>
+                                          <p:attrName>style.visibility</p:attrName>
+                                        </p:attrNameLst>
+                                      </p:cBhvr>
+                                      <p:to>
+                                        <p:strVal val="visible"/>
+                                      </p:to>
+                                    </p:set>
+                                    <p:animEffect transition="in" filter="fade">
+                                      <p:cBhvr>
+                                        <p:cTn id="7" dur="1500"/>
+                                        <p:tgtEl>
+                                          <p:spTgt spid="9"/>
+                                        </p:tgtEl>
+                                      </p:cBhvr>
+                                    </p:animEffect>
+                                  </p:childTnLst>
+                                </p:cTn>
+                              </p:par>
+                            </p:childTnLst>
+                          </p:cTn>
+                        </p:par>
+                      </p:childTnLst>
+                    </p:cTn>
+                  </p:par>
+                </p:childTnLst>
+              </p:cTn>
+              <p:prevCondLst>
+                <p:cond evt="onPrev" delay="0">
+                  <p:tgtEl>
+                    <p:sldTgt/>
+                  </p:tgtEl>
+                </p:cond>
+              </p:prevCondLst>
+              <p:nextCondLst>
+                <p:cond evt="onNext" delay="0">
+                  <p:tgtEl>
+                    <p:sldTgt/>
+                  </p:tgtEl>
+                </p:cond>
+              </p:nextCondLst>
+            </p:seq>
+          </p:childTnLst>
+        </p:cTn>
       </p:par>
     </p:tnLst>
+    <p:bldLst>
+      <p:bldP spid="9" grpId="0" animBg="1"/>
+    </p:bldLst>
   </p:timing>
 </p:sld>
 </file>
@@ -8363,663 +10271,6 @@
       </p:grpSpPr>
       <p:sp>
         <p:nvSpPr>
-          <p:cNvPr id="4" name="Title 3"/>
-          <p:cNvSpPr>
-            <a:spLocks noGrp="1"/>
-          </p:cNvSpPr>
-          <p:nvPr>
-            <p:ph type="title"/>
-          </p:nvPr>
-        </p:nvSpPr>
-        <p:spPr>
-          <a:xfrm>
-            <a:off x="644220" y="422442"/>
-            <a:ext cx="8596668" cy="1320800"/>
-          </a:xfrm>
-        </p:spPr>
-        <p:txBody>
-          <a:bodyPr/>
-          <a:lstStyle/>
-          <a:p>
-            <a:r>
-              <a:rPr lang="pt-PT" dirty="0" smtClean="0"/>
-              <a:t>Tecnologias escolhidas</a:t>
-            </a:r>
-            <a:endParaRPr lang="pt-PT" dirty="0"/>
-          </a:p>
-        </p:txBody>
-      </p:sp>
-      <p:pic>
-        <p:nvPicPr>
-          <p:cNvPr id="1026" name="Picture 2" descr="Resultado de imagem para visual studio logo"/>
-          <p:cNvPicPr>
-            <a:picLocks noChangeAspect="1" noChangeArrowheads="1"/>
-          </p:cNvPicPr>
-          <p:nvPr/>
-        </p:nvPicPr>
-        <p:blipFill>
-          <a:blip r:embed="rId3">
-            <a:extLst>
-              <a:ext uri="{28A0092B-C50C-407E-A947-70E740481C1C}">
-                <a14:useLocalDpi xmlns:a14="http://schemas.microsoft.com/office/drawing/2010/main" val="0"/>
-              </a:ext>
-            </a:extLst>
-          </a:blip>
-          <a:srcRect/>
-          <a:stretch>
-            <a:fillRect/>
-          </a:stretch>
-        </p:blipFill>
-        <p:spPr bwMode="auto">
-          <a:xfrm>
-            <a:off x="629998" y="1172974"/>
-            <a:ext cx="2880000" cy="2977920"/>
-          </a:xfrm>
-          <a:prstGeom prst="rect">
-            <a:avLst/>
-          </a:prstGeom>
-          <a:noFill/>
-          <a:extLst>
-            <a:ext uri="{909E8E84-426E-40DD-AFC4-6F175D3DCCD1}">
-              <a14:hiddenFill xmlns:a14="http://schemas.microsoft.com/office/drawing/2010/main">
-                <a:solidFill>
-                  <a:srgbClr val="FFFFFF"/>
-                </a:solidFill>
-              </a14:hiddenFill>
-            </a:ext>
-          </a:extLst>
-        </p:spPr>
-      </p:pic>
-      <p:pic>
-        <p:nvPicPr>
-          <p:cNvPr id="1028" name="Picture 4" descr="Resultado de imagem para browser"/>
-          <p:cNvPicPr>
-            <a:picLocks noChangeAspect="1" noChangeArrowheads="1"/>
-          </p:cNvPicPr>
-          <p:nvPr/>
-        </p:nvPicPr>
-        <p:blipFill>
-          <a:blip r:embed="rId4">
-            <a:extLst>
-              <a:ext uri="{28A0092B-C50C-407E-A947-70E740481C1C}">
-                <a14:useLocalDpi xmlns:a14="http://schemas.microsoft.com/office/drawing/2010/main" val="0"/>
-              </a:ext>
-            </a:extLst>
-          </a:blip>
-          <a:srcRect/>
-          <a:stretch>
-            <a:fillRect/>
-          </a:stretch>
-        </p:blipFill>
-        <p:spPr bwMode="auto">
-          <a:xfrm>
-            <a:off x="6327775" y="2661934"/>
-            <a:ext cx="2143125" cy="2133601"/>
-          </a:xfrm>
-          <a:prstGeom prst="rect">
-            <a:avLst/>
-          </a:prstGeom>
-          <a:noFill/>
-          <a:extLst>
-            <a:ext uri="{909E8E84-426E-40DD-AFC4-6F175D3DCCD1}">
-              <a14:hiddenFill xmlns:a14="http://schemas.microsoft.com/office/drawing/2010/main">
-                <a:solidFill>
-                  <a:srgbClr val="FFFFFF"/>
-                </a:solidFill>
-              </a14:hiddenFill>
-            </a:ext>
-          </a:extLst>
-        </p:spPr>
-      </p:pic>
-      <p:sp>
-        <p:nvSpPr>
-          <p:cNvPr id="6" name="Right Arrow 5"/>
-          <p:cNvSpPr/>
-          <p:nvPr/>
-        </p:nvSpPr>
-        <p:spPr>
-          <a:xfrm>
-            <a:off x="4004091" y="3367786"/>
-            <a:ext cx="1876926" cy="721895"/>
-          </a:xfrm>
-          <a:prstGeom prst="rightArrow">
-            <a:avLst/>
-          </a:prstGeom>
-        </p:spPr>
-        <p:style>
-          <a:lnRef idx="3">
-            <a:schemeClr val="lt1"/>
-          </a:lnRef>
-          <a:fillRef idx="1">
-            <a:schemeClr val="accent1"/>
-          </a:fillRef>
-          <a:effectRef idx="1">
-            <a:schemeClr val="accent1"/>
-          </a:effectRef>
-          <a:fontRef idx="minor">
-            <a:schemeClr val="lt1"/>
-          </a:fontRef>
-        </p:style>
-        <p:txBody>
-          <a:bodyPr rtlCol="0" anchor="ctr"/>
-          <a:lstStyle/>
-          <a:p>
-            <a:pPr algn="ctr"/>
-            <a:endParaRPr lang="pt-PT"/>
-          </a:p>
-        </p:txBody>
-      </p:sp>
-      <p:pic>
-        <p:nvPicPr>
-          <p:cNvPr id="1032" name="Picture 8" descr="Resultado de imagem para azure"/>
-          <p:cNvPicPr>
-            <a:picLocks noChangeAspect="1" noChangeArrowheads="1"/>
-          </p:cNvPicPr>
-          <p:nvPr/>
-        </p:nvPicPr>
-        <p:blipFill>
-          <a:blip r:embed="rId5">
-            <a:extLst>
-              <a:ext uri="{28A0092B-C50C-407E-A947-70E740481C1C}">
-                <a14:useLocalDpi xmlns:a14="http://schemas.microsoft.com/office/drawing/2010/main" val="0"/>
-              </a:ext>
-            </a:extLst>
-          </a:blip>
-          <a:srcRect/>
-          <a:stretch>
-            <a:fillRect/>
-          </a:stretch>
-        </p:blipFill>
-        <p:spPr bwMode="auto">
-          <a:xfrm>
-            <a:off x="1008287" y="5017925"/>
-            <a:ext cx="2123421" cy="1592566"/>
-          </a:xfrm>
-          <a:prstGeom prst="rect">
-            <a:avLst/>
-          </a:prstGeom>
-          <a:noFill/>
-          <a:extLst>
-            <a:ext uri="{909E8E84-426E-40DD-AFC4-6F175D3DCCD1}">
-              <a14:hiddenFill xmlns:a14="http://schemas.microsoft.com/office/drawing/2010/main">
-                <a:solidFill>
-                  <a:srgbClr val="FFFFFF"/>
-                </a:solidFill>
-              </a14:hiddenFill>
-            </a:ext>
-          </a:extLst>
-        </p:spPr>
-      </p:pic>
-      <p:pic>
-        <p:nvPicPr>
-          <p:cNvPr id="1030" name="Picture 6" descr="Resultado de imagem para asp net"/>
-          <p:cNvPicPr>
-            <a:picLocks noChangeAspect="1" noChangeArrowheads="1"/>
-          </p:cNvPicPr>
-          <p:nvPr/>
-        </p:nvPicPr>
-        <p:blipFill>
-          <a:blip r:embed="rId6">
-            <a:extLst>
-              <a:ext uri="{28A0092B-C50C-407E-A947-70E740481C1C}">
-                <a14:useLocalDpi xmlns:a14="http://schemas.microsoft.com/office/drawing/2010/main" val="0"/>
-              </a:ext>
-            </a:extLst>
-          </a:blip>
-          <a:srcRect/>
-          <a:stretch>
-            <a:fillRect/>
-          </a:stretch>
-        </p:blipFill>
-        <p:spPr bwMode="auto">
-          <a:xfrm>
-            <a:off x="888898" y="3367786"/>
-            <a:ext cx="2362200" cy="2362200"/>
-          </a:xfrm>
-          <a:prstGeom prst="rect">
-            <a:avLst/>
-          </a:prstGeom>
-          <a:noFill/>
-          <a:extLst>
-            <a:ext uri="{909E8E84-426E-40DD-AFC4-6F175D3DCCD1}">
-              <a14:hiddenFill xmlns:a14="http://schemas.microsoft.com/office/drawing/2010/main">
-                <a:solidFill>
-                  <a:srgbClr val="FFFFFF"/>
-                </a:solidFill>
-              </a14:hiddenFill>
-            </a:ext>
-          </a:extLst>
-        </p:spPr>
-      </p:pic>
-    </p:spTree>
-    <p:extLst>
-      <p:ext uri="{BB962C8B-B14F-4D97-AF65-F5344CB8AC3E}">
-        <p14:creationId xmlns:p14="http://schemas.microsoft.com/office/powerpoint/2010/main" val="1031828773"/>
-      </p:ext>
-    </p:extLst>
-  </p:cSld>
-  <p:clrMapOvr>
-    <a:masterClrMapping/>
-  </p:clrMapOvr>
-</p:sld>
-</file>
-
-<file path=ppt/slides/slide22.xml><?xml version="1.0" encoding="utf-8"?>
-<p:sld xmlns:a="http://schemas.openxmlformats.org/drawingml/2006/main" xmlns:r="http://schemas.openxmlformats.org/officeDocument/2006/relationships" xmlns:p="http://schemas.openxmlformats.org/presentationml/2006/main">
-  <p:cSld>
-    <p:spTree>
-      <p:nvGrpSpPr>
-        <p:cNvPr id="1" name=""/>
-        <p:cNvGrpSpPr/>
-        <p:nvPr/>
-      </p:nvGrpSpPr>
-      <p:grpSpPr>
-        <a:xfrm>
-          <a:off x="0" y="0"/>
-          <a:ext cx="0" cy="0"/>
-          <a:chOff x="0" y="0"/>
-          <a:chExt cx="0" cy="0"/>
-        </a:xfrm>
-      </p:grpSpPr>
-      <p:sp>
-        <p:nvSpPr>
-          <p:cNvPr id="2" name="Title 1"/>
-          <p:cNvSpPr>
-            <a:spLocks noGrp="1"/>
-          </p:cNvSpPr>
-          <p:nvPr>
-            <p:ph type="title"/>
-          </p:nvPr>
-        </p:nvSpPr>
-        <p:spPr/>
-        <p:txBody>
-          <a:bodyPr/>
-          <a:lstStyle/>
-          <a:p>
-            <a:r>
-              <a:rPr lang="pt-PT" dirty="0" smtClean="0"/>
-              <a:t>Base de Dados e Povoamento</a:t>
-            </a:r>
-            <a:endParaRPr lang="pt-PT" dirty="0"/>
-          </a:p>
-        </p:txBody>
-      </p:sp>
-      <p:pic>
-        <p:nvPicPr>
-          <p:cNvPr id="1027" name="Imagem 21"/>
-          <p:cNvPicPr>
-            <a:picLocks noChangeAspect="1" noChangeArrowheads="1"/>
-          </p:cNvPicPr>
-          <p:nvPr/>
-        </p:nvPicPr>
-        <p:blipFill>
-          <a:blip r:embed="rId2">
-            <a:extLst>
-              <a:ext uri="{28A0092B-C50C-407E-A947-70E740481C1C}">
-                <a14:useLocalDpi xmlns:a14="http://schemas.microsoft.com/office/drawing/2010/main" val="0"/>
-              </a:ext>
-            </a:extLst>
-          </a:blip>
-          <a:srcRect/>
-          <a:stretch>
-            <a:fillRect/>
-          </a:stretch>
-        </p:blipFill>
-        <p:spPr bwMode="auto">
-          <a:xfrm>
-            <a:off x="677334" y="1473905"/>
-            <a:ext cx="3815644" cy="5022412"/>
-          </a:xfrm>
-          <a:prstGeom prst="rect">
-            <a:avLst/>
-          </a:prstGeom>
-          <a:noFill/>
-          <a:ln>
-            <a:noFill/>
-          </a:ln>
-          <a:extLst>
-            <a:ext uri="{909E8E84-426E-40DD-AFC4-6F175D3DCCD1}">
-              <a14:hiddenFill xmlns:a14="http://schemas.microsoft.com/office/drawing/2010/main">
-                <a:solidFill>
-                  <a:srgbClr val="FFFFFF"/>
-                </a:solidFill>
-              </a14:hiddenFill>
-            </a:ext>
-            <a:ext uri="{91240B29-F687-4F45-9708-019B960494DF}">
-              <a14:hiddenLine xmlns:a14="http://schemas.microsoft.com/office/drawing/2010/main" w="9525">
-                <a:solidFill>
-                  <a:srgbClr val="000000"/>
-                </a:solidFill>
-                <a:miter lim="800000"/>
-                <a:headEnd/>
-                <a:tailEnd/>
-              </a14:hiddenLine>
-            </a:ext>
-          </a:extLst>
-        </p:spPr>
-      </p:pic>
-      <p:pic>
-        <p:nvPicPr>
-          <p:cNvPr id="1028" name="Picture 4" descr="professional"/>
-          <p:cNvPicPr>
-            <a:picLocks noChangeAspect="1" noChangeArrowheads="1"/>
-          </p:cNvPicPr>
-          <p:nvPr/>
-        </p:nvPicPr>
-        <p:blipFill rotWithShape="1">
-          <a:blip r:embed="rId3">
-            <a:extLst>
-              <a:ext uri="{28A0092B-C50C-407E-A947-70E740481C1C}">
-                <a14:useLocalDpi xmlns:a14="http://schemas.microsoft.com/office/drawing/2010/main" val="0"/>
-              </a:ext>
-            </a:extLst>
-          </a:blip>
-          <a:srcRect r="39902" b="68532"/>
-          <a:stretch/>
-        </p:blipFill>
-        <p:spPr bwMode="auto">
-          <a:xfrm>
-            <a:off x="4492978" y="1809530"/>
-            <a:ext cx="4799261" cy="4351162"/>
-          </a:xfrm>
-          <a:prstGeom prst="rect">
-            <a:avLst/>
-          </a:prstGeom>
-          <a:noFill/>
-          <a:ln>
-            <a:noFill/>
-          </a:ln>
-          <a:extLst>
-            <a:ext uri="{909E8E84-426E-40DD-AFC4-6F175D3DCCD1}">
-              <a14:hiddenFill xmlns:a14="http://schemas.microsoft.com/office/drawing/2010/main">
-                <a:solidFill>
-                  <a:srgbClr val="FFFFFF"/>
-                </a:solidFill>
-              </a14:hiddenFill>
-            </a:ext>
-            <a:ext uri="{91240B29-F687-4F45-9708-019B960494DF}">
-              <a14:hiddenLine xmlns:a14="http://schemas.microsoft.com/office/drawing/2010/main" w="9525">
-                <a:solidFill>
-                  <a:srgbClr val="000000"/>
-                </a:solidFill>
-                <a:miter lim="800000"/>
-                <a:headEnd/>
-                <a:tailEnd/>
-              </a14:hiddenLine>
-            </a:ext>
-          </a:extLst>
-        </p:spPr>
-      </p:pic>
-      <p:sp>
-        <p:nvSpPr>
-          <p:cNvPr id="7" name="Right Arrow 6"/>
-          <p:cNvSpPr/>
-          <p:nvPr/>
-        </p:nvSpPr>
-        <p:spPr>
-          <a:xfrm rot="1258784">
-            <a:off x="3898060" y="2548291"/>
-            <a:ext cx="1783289" cy="416413"/>
-          </a:xfrm>
-          <a:prstGeom prst="rightArrow">
-            <a:avLst>
-              <a:gd name="adj1" fmla="val 45000"/>
-              <a:gd name="adj2" fmla="val 50000"/>
-            </a:avLst>
-          </a:prstGeom>
-        </p:spPr>
-        <p:style>
-          <a:lnRef idx="2">
-            <a:schemeClr val="accent1">
-              <a:shade val="50000"/>
-            </a:schemeClr>
-          </a:lnRef>
-          <a:fillRef idx="1">
-            <a:schemeClr val="accent1"/>
-          </a:fillRef>
-          <a:effectRef idx="0">
-            <a:schemeClr val="accent1"/>
-          </a:effectRef>
-          <a:fontRef idx="minor">
-            <a:schemeClr val="lt1"/>
-          </a:fontRef>
-        </p:style>
-        <p:txBody>
-          <a:bodyPr rtlCol="0" anchor="ctr"/>
-          <a:lstStyle/>
-          <a:p>
-            <a:pPr algn="ctr"/>
-            <a:endParaRPr lang="pt-PT"/>
-          </a:p>
-        </p:txBody>
-      </p:sp>
-      <p:sp>
-        <p:nvSpPr>
-          <p:cNvPr id="12" name="Right Arrow 11"/>
-          <p:cNvSpPr/>
-          <p:nvPr/>
-        </p:nvSpPr>
-        <p:spPr>
-          <a:xfrm rot="3188788">
-            <a:off x="3527595" y="3491075"/>
-            <a:ext cx="2524217" cy="477884"/>
-          </a:xfrm>
-          <a:prstGeom prst="rightArrow">
-            <a:avLst>
-              <a:gd name="adj1" fmla="val 45000"/>
-              <a:gd name="adj2" fmla="val 50000"/>
-            </a:avLst>
-          </a:prstGeom>
-        </p:spPr>
-        <p:style>
-          <a:lnRef idx="2">
-            <a:schemeClr val="accent1">
-              <a:shade val="50000"/>
-            </a:schemeClr>
-          </a:lnRef>
-          <a:fillRef idx="1">
-            <a:schemeClr val="accent1"/>
-          </a:fillRef>
-          <a:effectRef idx="0">
-            <a:schemeClr val="accent1"/>
-          </a:effectRef>
-          <a:fontRef idx="minor">
-            <a:schemeClr val="lt1"/>
-          </a:fontRef>
-        </p:style>
-        <p:txBody>
-          <a:bodyPr rtlCol="0" anchor="ctr"/>
-          <a:lstStyle/>
-          <a:p>
-            <a:pPr algn="ctr"/>
-            <a:endParaRPr lang="pt-PT"/>
-          </a:p>
-        </p:txBody>
-      </p:sp>
-    </p:spTree>
-    <p:extLst>
-      <p:ext uri="{BB962C8B-B14F-4D97-AF65-F5344CB8AC3E}">
-        <p14:creationId xmlns:p14="http://schemas.microsoft.com/office/powerpoint/2010/main" val="3129537103"/>
-      </p:ext>
-    </p:extLst>
-  </p:cSld>
-  <p:clrMapOvr>
-    <a:masterClrMapping/>
-  </p:clrMapOvr>
-</p:sld>
-</file>
-
-<file path=ppt/slides/slide23.xml><?xml version="1.0" encoding="utf-8"?>
-<p:sld xmlns:a="http://schemas.openxmlformats.org/drawingml/2006/main" xmlns:r="http://schemas.openxmlformats.org/officeDocument/2006/relationships" xmlns:p="http://schemas.openxmlformats.org/presentationml/2006/main">
-  <p:cSld>
-    <p:spTree>
-      <p:nvGrpSpPr>
-        <p:cNvPr id="1" name=""/>
-        <p:cNvGrpSpPr/>
-        <p:nvPr/>
-      </p:nvGrpSpPr>
-      <p:grpSpPr>
-        <a:xfrm>
-          <a:off x="0" y="0"/>
-          <a:ext cx="0" cy="0"/>
-          <a:chOff x="0" y="0"/>
-          <a:chExt cx="0" cy="0"/>
-        </a:xfrm>
-      </p:grpSpPr>
-      <p:sp>
-        <p:nvSpPr>
-          <p:cNvPr id="2" name="Title 1"/>
-          <p:cNvSpPr>
-            <a:spLocks noGrp="1"/>
-          </p:cNvSpPr>
-          <p:nvPr>
-            <p:ph type="title"/>
-          </p:nvPr>
-        </p:nvSpPr>
-        <p:spPr/>
-        <p:txBody>
-          <a:bodyPr/>
-          <a:lstStyle/>
-          <a:p>
-            <a:r>
-              <a:rPr lang="pt-PT" dirty="0" smtClean="0"/>
-              <a:t>Base de Dados e Povoamento</a:t>
-            </a:r>
-            <a:endParaRPr lang="pt-PT" dirty="0"/>
-          </a:p>
-        </p:txBody>
-      </p:sp>
-      <p:pic>
-        <p:nvPicPr>
-          <p:cNvPr id="3" name="Picture 2"/>
-          <p:cNvPicPr>
-            <a:picLocks noChangeAspect="1"/>
-          </p:cNvPicPr>
-          <p:nvPr/>
-        </p:nvPicPr>
-        <p:blipFill rotWithShape="1">
-          <a:blip r:embed="rId2"/>
-          <a:srcRect r="28175"/>
-          <a:stretch/>
-        </p:blipFill>
-        <p:spPr>
-          <a:xfrm>
-            <a:off x="677333" y="1512711"/>
-            <a:ext cx="10397067" cy="4978400"/>
-          </a:xfrm>
-          <a:prstGeom prst="rect">
-            <a:avLst/>
-          </a:prstGeom>
-        </p:spPr>
-      </p:pic>
-    </p:spTree>
-    <p:extLst>
-      <p:ext uri="{BB962C8B-B14F-4D97-AF65-F5344CB8AC3E}">
-        <p14:creationId xmlns:p14="http://schemas.microsoft.com/office/powerpoint/2010/main" val="1979842429"/>
-      </p:ext>
-    </p:extLst>
-  </p:cSld>
-  <p:clrMapOvr>
-    <a:masterClrMapping/>
-  </p:clrMapOvr>
-</p:sld>
-</file>
-
-<file path=ppt/slides/slide24.xml><?xml version="1.0" encoding="utf-8"?>
-<p:sld xmlns:a="http://schemas.openxmlformats.org/drawingml/2006/main" xmlns:r="http://schemas.openxmlformats.org/officeDocument/2006/relationships" xmlns:p="http://schemas.openxmlformats.org/presentationml/2006/main">
-  <p:cSld>
-    <p:spTree>
-      <p:nvGrpSpPr>
-        <p:cNvPr id="1" name=""/>
-        <p:cNvGrpSpPr/>
-        <p:nvPr/>
-      </p:nvGrpSpPr>
-      <p:grpSpPr>
-        <a:xfrm>
-          <a:off x="0" y="0"/>
-          <a:ext cx="0" cy="0"/>
-          <a:chOff x="0" y="0"/>
-          <a:chExt cx="0" cy="0"/>
-        </a:xfrm>
-      </p:grpSpPr>
-      <p:sp>
-        <p:nvSpPr>
-          <p:cNvPr id="2" name="Title 1"/>
-          <p:cNvSpPr>
-            <a:spLocks noGrp="1"/>
-          </p:cNvSpPr>
-          <p:nvPr>
-            <p:ph type="title"/>
-          </p:nvPr>
-        </p:nvSpPr>
-        <p:spPr/>
-        <p:txBody>
-          <a:bodyPr/>
-          <a:lstStyle/>
-          <a:p>
-            <a:r>
-              <a:rPr lang="pt-PT" dirty="0" smtClean="0"/>
-              <a:t>Agendar Trabalho</a:t>
-            </a:r>
-            <a:endParaRPr lang="pt-PT" dirty="0"/>
-          </a:p>
-        </p:txBody>
-      </p:sp>
-      <p:sp>
-        <p:nvSpPr>
-          <p:cNvPr id="3" name="Content Placeholder 2"/>
-          <p:cNvSpPr>
-            <a:spLocks noGrp="1"/>
-          </p:cNvSpPr>
-          <p:nvPr>
-            <p:ph idx="1"/>
-          </p:nvPr>
-        </p:nvSpPr>
-        <p:spPr/>
-        <p:txBody>
-          <a:bodyPr/>
-          <a:lstStyle/>
-          <a:p>
-            <a:r>
-              <a:rPr lang="pt-PT" dirty="0" smtClean="0"/>
-              <a:t>Imagens ilustrativas</a:t>
-            </a:r>
-            <a:endParaRPr lang="pt-PT" dirty="0"/>
-          </a:p>
-        </p:txBody>
-      </p:sp>
-    </p:spTree>
-    <p:extLst>
-      <p:ext uri="{BB962C8B-B14F-4D97-AF65-F5344CB8AC3E}">
-        <p14:creationId xmlns:p14="http://schemas.microsoft.com/office/powerpoint/2010/main" val="257212372"/>
-      </p:ext>
-    </p:extLst>
-  </p:cSld>
-  <p:clrMapOvr>
-    <a:masterClrMapping/>
-  </p:clrMapOvr>
-</p:sld>
-</file>
-
-<file path=ppt/slides/slide25.xml><?xml version="1.0" encoding="utf-8"?>
-<p:sld xmlns:a="http://schemas.openxmlformats.org/drawingml/2006/main" xmlns:r="http://schemas.openxmlformats.org/officeDocument/2006/relationships" xmlns:p="http://schemas.openxmlformats.org/presentationml/2006/main">
-  <p:cSld>
-    <p:spTree>
-      <p:nvGrpSpPr>
-        <p:cNvPr id="1" name=""/>
-        <p:cNvGrpSpPr/>
-        <p:nvPr/>
-      </p:nvGrpSpPr>
-      <p:grpSpPr>
-        <a:xfrm>
-          <a:off x="0" y="0"/>
-          <a:ext cx="0" cy="0"/>
-          <a:chOff x="0" y="0"/>
-          <a:chExt cx="0" cy="0"/>
-        </a:xfrm>
-      </p:grpSpPr>
-      <p:sp>
-        <p:nvSpPr>
           <p:cNvPr id="2" name="Título 1">
             <a:extLst>
               <a:ext uri="{FF2B5EF4-FFF2-40B4-BE49-F238E27FC236}">
@@ -9047,7 +10298,7 @@
             <a:r>
               <a:rPr lang="pt-PT" sz="11500" b="1" dirty="0">
                 <a:solidFill>
-                  <a:srgbClr val="92D050"/>
+                  <a:schemeClr val="accent2"/>
                 </a:solidFill>
                 <a:effectLst>
                   <a:outerShdw blurRad="38100" dist="38100" dir="2700000" algn="tl">
@@ -9632,8 +10883,8 @@
         </p:nvSpPr>
         <p:spPr>
           <a:xfrm>
-            <a:off x="404948" y="1400499"/>
-            <a:ext cx="8987246" cy="5232202"/>
+            <a:off x="404948" y="895308"/>
+            <a:ext cx="8987246" cy="5970865"/>
           </a:xfrm>
           <a:prstGeom prst="rect">
             <a:avLst/>
@@ -9779,6 +11030,32 @@
               <a:rPr lang="pt-PT" sz="2400" dirty="0" smtClean="0"/>
               <a:t>;</a:t>
             </a:r>
+          </a:p>
+          <a:p>
+            <a:pPr marL="342900" indent="-342900" algn="just">
+              <a:buFont typeface="Arial" panose="020B0604020202020204" pitchFamily="34" charset="0"/>
+              <a:buChar char="•"/>
+            </a:pPr>
+            <a:endParaRPr lang="pt-PT" sz="2400" dirty="0" smtClean="0"/>
+          </a:p>
+          <a:p>
+            <a:pPr marL="342900" indent="-342900" algn="just">
+              <a:buFont typeface="Arial" panose="020B0604020202020204" pitchFamily="34" charset="0"/>
+              <a:buChar char="•"/>
+            </a:pPr>
+            <a:r>
+              <a:rPr lang="pt-PT" sz="2400" b="1" dirty="0">
+                <a:solidFill>
+                  <a:schemeClr val="accent2"/>
+                </a:solidFill>
+              </a:rPr>
+              <a:t>Aumento da satisfação </a:t>
+            </a:r>
+            <a:r>
+              <a:rPr lang="pt-PT" sz="2400" dirty="0" smtClean="0"/>
+              <a:t>e dos utentes do infantário;</a:t>
+            </a:r>
+            <a:endParaRPr lang="pt-PT" sz="2400" dirty="0"/>
           </a:p>
           <a:p>
             <a:pPr marL="342900" indent="-342900" algn="just">
@@ -10010,14 +11287,14 @@
           <p:nvPr>
             <p:extLst>
               <p:ext uri="{D42A27DB-BD31-4B8C-83A1-F6EECF244321}">
-                <p14:modId xmlns:p14="http://schemas.microsoft.com/office/powerpoint/2010/main" val="2470793087"/>
+                <p14:modId xmlns:p14="http://schemas.microsoft.com/office/powerpoint/2010/main" val="3156790654"/>
               </p:ext>
             </p:extLst>
           </p:nvPr>
         </p:nvGraphicFramePr>
         <p:xfrm>
-          <a:off x="1117490" y="1945259"/>
-          <a:ext cx="7130040" cy="3385112"/>
+          <a:off x="406400" y="1555707"/>
+          <a:ext cx="8229600" cy="4167366"/>
         </p:xfrm>
         <a:graphic>
           <a:graphicData uri="http://schemas.openxmlformats.org/drawingml/2006/table">
@@ -10026,14 +11303,14 @@
                 <a:tableStyleId>{5C22544A-7EE6-4342-B048-85BDC9FD1C3A}</a:tableStyleId>
               </a:tblPr>
               <a:tblGrid>
-                <a:gridCol w="2549075">
+                <a:gridCol w="2942181">
                   <a:extLst>
                     <a:ext uri="{9D8B030D-6E8A-4147-A177-3AD203B41FA5}">
                       <a16:colId xmlns:a16="http://schemas.microsoft.com/office/drawing/2014/main" val="1803879799"/>
                     </a:ext>
                   </a:extLst>
                 </a:gridCol>
-                <a:gridCol w="4580965">
+                <a:gridCol w="5287419">
                   <a:extLst>
                     <a:ext uri="{9D8B030D-6E8A-4147-A177-3AD203B41FA5}">
                       <a16:colId xmlns:a16="http://schemas.microsoft.com/office/drawing/2014/main" val="46737013"/>
@@ -10041,7 +11318,7 @@
                   </a:extLst>
                 </a:gridCol>
               </a:tblGrid>
-              <a:tr h="217751">
+              <a:tr h="265620">
                 <a:tc>
                   <a:txBody>
                     <a:bodyPr/>
@@ -10056,12 +11333,12 @@
                         </a:spcAft>
                       </a:pPr>
                       <a:r>
-                        <a:rPr lang="pt-PT" sz="1000" dirty="0">
+                        <a:rPr lang="pt-PT" sz="1600" dirty="0">
                           <a:effectLst/>
                         </a:rPr>
                         <a:t>Nome:</a:t>
                       </a:r>
-                      <a:endParaRPr lang="pt-PT" sz="1000" dirty="0">
+                      <a:endParaRPr lang="pt-PT" sz="1600" dirty="0">
                         <a:effectLst/>
                         <a:latin typeface="Arial" panose="020B0604020202020204" pitchFamily="34" charset="0"/>
                         <a:ea typeface="Times New Roman" panose="02020603050405020304" pitchFamily="18" charset="0"/>
@@ -10085,12 +11362,12 @@
                         </a:spcAft>
                       </a:pPr>
                       <a:r>
-                        <a:rPr lang="pt-PT" sz="1000" dirty="0">
+                        <a:rPr lang="pt-PT" sz="1600" dirty="0">
                           <a:effectLst/>
                         </a:rPr>
                         <a:t>GuguDadah</a:t>
                       </a:r>
-                      <a:endParaRPr lang="pt-PT" sz="1000" dirty="0">
+                      <a:endParaRPr lang="pt-PT" sz="1600" dirty="0">
                         <a:effectLst/>
                         <a:latin typeface="Arial" panose="020B0604020202020204" pitchFamily="34" charset="0"/>
                         <a:ea typeface="Times New Roman" panose="02020603050405020304" pitchFamily="18" charset="0"/>
@@ -10106,7 +11383,7 @@
                   </a:ext>
                 </a:extLst>
               </a:tr>
-              <a:tr h="217751">
+              <a:tr h="265620">
                 <a:tc>
                   <a:txBody>
                     <a:bodyPr/>
@@ -10121,12 +11398,12 @@
                         </a:spcAft>
                       </a:pPr>
                       <a:r>
-                        <a:rPr lang="pt-PT" sz="1000" dirty="0">
+                        <a:rPr lang="pt-PT" sz="1600" dirty="0">
                           <a:effectLst/>
                         </a:rPr>
                         <a:t>Slogan:</a:t>
                       </a:r>
-                      <a:endParaRPr lang="pt-PT" sz="1000" dirty="0">
+                      <a:endParaRPr lang="pt-PT" sz="1600" dirty="0">
                         <a:effectLst/>
                         <a:latin typeface="Arial" panose="020B0604020202020204" pitchFamily="34" charset="0"/>
                         <a:ea typeface="Times New Roman" panose="02020603050405020304" pitchFamily="18" charset="0"/>
@@ -10150,12 +11427,12 @@
                         </a:spcAft>
                       </a:pPr>
                       <a:r>
-                        <a:rPr lang="pt-PT" sz="1000" dirty="0">
+                        <a:rPr lang="pt-PT" sz="1600" dirty="0">
                           <a:effectLst/>
                         </a:rPr>
                         <a:t>De Pais, Para pais</a:t>
                       </a:r>
-                      <a:endParaRPr lang="pt-PT" sz="1000" dirty="0">
+                      <a:endParaRPr lang="pt-PT" sz="1600" dirty="0">
                         <a:effectLst/>
                         <a:latin typeface="Arial" panose="020B0604020202020204" pitchFamily="34" charset="0"/>
                         <a:ea typeface="Times New Roman" panose="02020603050405020304" pitchFamily="18" charset="0"/>
@@ -10171,7 +11448,7 @@
                   </a:ext>
                 </a:extLst>
               </a:tr>
-              <a:tr h="217751">
+              <a:tr h="265620">
                 <a:tc>
                   <a:txBody>
                     <a:bodyPr/>
@@ -10186,12 +11463,12 @@
                         </a:spcAft>
                       </a:pPr>
                       <a:r>
-                        <a:rPr lang="pt-PT" sz="1000" dirty="0">
+                        <a:rPr lang="pt-PT" sz="1600" dirty="0">
                           <a:effectLst/>
                         </a:rPr>
                         <a:t>Categoria:</a:t>
                       </a:r>
-                      <a:endParaRPr lang="pt-PT" sz="1000" dirty="0">
+                      <a:endParaRPr lang="pt-PT" sz="1600" dirty="0">
                         <a:effectLst/>
                         <a:latin typeface="Arial" panose="020B0604020202020204" pitchFamily="34" charset="0"/>
                         <a:ea typeface="Times New Roman" panose="02020603050405020304" pitchFamily="18" charset="0"/>
@@ -10215,12 +11492,12 @@
                         </a:spcAft>
                       </a:pPr>
                       <a:r>
-                        <a:rPr lang="pt-PT" sz="1000" dirty="0">
+                        <a:rPr lang="pt-PT" sz="1600" dirty="0">
                           <a:effectLst/>
                         </a:rPr>
                         <a:t>Babysitting</a:t>
                       </a:r>
-                      <a:endParaRPr lang="pt-PT" sz="1000" dirty="0">
+                      <a:endParaRPr lang="pt-PT" sz="1600" dirty="0">
                         <a:effectLst/>
                         <a:latin typeface="Arial" panose="020B0604020202020204" pitchFamily="34" charset="0"/>
                         <a:ea typeface="Times New Roman" panose="02020603050405020304" pitchFamily="18" charset="0"/>
@@ -10236,7 +11513,7 @@
                   </a:ext>
                 </a:extLst>
               </a:tr>
-              <a:tr h="217751">
+              <a:tr h="265620">
                 <a:tc rowSpan="4">
                   <a:txBody>
                     <a:bodyPr/>
@@ -10251,12 +11528,12 @@
                         </a:spcAft>
                       </a:pPr>
                       <a:r>
-                        <a:rPr lang="pt-PT" sz="1000" dirty="0">
+                        <a:rPr lang="pt-PT" sz="1600" dirty="0">
                           <a:effectLst/>
                         </a:rPr>
                         <a:t>Características:</a:t>
                       </a:r>
-                      <a:endParaRPr lang="pt-PT" sz="1000" dirty="0">
+                      <a:endParaRPr lang="pt-PT" sz="1600" dirty="0">
                         <a:effectLst/>
                         <a:latin typeface="Arial" panose="020B0604020202020204" pitchFamily="34" charset="0"/>
                         <a:ea typeface="Times New Roman" panose="02020603050405020304" pitchFamily="18" charset="0"/>
@@ -10280,12 +11557,12 @@
                         </a:spcAft>
                       </a:pPr>
                       <a:r>
-                        <a:rPr lang="pt-PT" sz="1000" dirty="0">
+                        <a:rPr lang="pt-PT" sz="1600" dirty="0">
                           <a:effectLst/>
                         </a:rPr>
                         <a:t>Implementação de descontos em serviços</a:t>
                       </a:r>
-                      <a:endParaRPr lang="pt-PT" sz="1000" dirty="0">
+                      <a:endParaRPr lang="pt-PT" sz="1600" dirty="0">
                         <a:effectLst/>
                         <a:latin typeface="Arial" panose="020B0604020202020204" pitchFamily="34" charset="0"/>
                         <a:ea typeface="Times New Roman" panose="02020603050405020304" pitchFamily="18" charset="0"/>
@@ -10301,7 +11578,7 @@
                   </a:ext>
                 </a:extLst>
               </a:tr>
-              <a:tr h="217751">
+              <a:tr h="265620">
                 <a:tc vMerge="1">
                   <a:txBody>
                     <a:bodyPr/>
@@ -10326,12 +11603,12 @@
                         </a:spcAft>
                       </a:pPr>
                       <a:r>
-                        <a:rPr lang="pt-PT" sz="1000" dirty="0">
+                        <a:rPr lang="pt-PT" sz="1600" dirty="0">
                           <a:effectLst/>
                         </a:rPr>
                         <a:t>Reserva/Requerimento de profissionais para serviço</a:t>
                       </a:r>
-                      <a:endParaRPr lang="pt-PT" sz="1000" dirty="0">
+                      <a:endParaRPr lang="pt-PT" sz="1600" dirty="0">
                         <a:effectLst/>
                         <a:latin typeface="Arial" panose="020B0604020202020204" pitchFamily="34" charset="0"/>
                         <a:ea typeface="Times New Roman" panose="02020603050405020304" pitchFamily="18" charset="0"/>
@@ -10347,7 +11624,7 @@
                   </a:ext>
                 </a:extLst>
               </a:tr>
-              <a:tr h="217751">
+              <a:tr h="265620">
                 <a:tc vMerge="1">
                   <a:txBody>
                     <a:bodyPr/>
@@ -10372,12 +11649,12 @@
                         </a:spcAft>
                       </a:pPr>
                       <a:r>
-                        <a:rPr lang="pt-PT" sz="1000" dirty="0">
+                        <a:rPr lang="pt-PT" sz="1600" dirty="0">
                           <a:effectLst/>
                         </a:rPr>
                         <a:t>Avaliação dos profissionais</a:t>
                       </a:r>
-                      <a:endParaRPr lang="pt-PT" sz="1000" dirty="0">
+                      <a:endParaRPr lang="pt-PT" sz="1600" dirty="0">
                         <a:effectLst/>
                         <a:latin typeface="Arial" panose="020B0604020202020204" pitchFamily="34" charset="0"/>
                         <a:ea typeface="Times New Roman" panose="02020603050405020304" pitchFamily="18" charset="0"/>
@@ -10393,7 +11670,7 @@
                   </a:ext>
                 </a:extLst>
               </a:tr>
-              <a:tr h="217751">
+              <a:tr h="265620">
                 <a:tc vMerge="1">
                   <a:txBody>
                     <a:bodyPr/>
@@ -10418,12 +11695,12 @@
                         </a:spcAft>
                       </a:pPr>
                       <a:r>
-                        <a:rPr lang="pt-PT" sz="1000" dirty="0">
+                        <a:rPr lang="pt-PT" sz="1600" dirty="0">
                           <a:effectLst/>
                         </a:rPr>
                         <a:t>Navegação GPS</a:t>
                       </a:r>
-                      <a:endParaRPr lang="pt-PT" sz="1000" dirty="0">
+                      <a:endParaRPr lang="pt-PT" sz="1600" dirty="0">
                         <a:effectLst/>
                         <a:latin typeface="Arial" panose="020B0604020202020204" pitchFamily="34" charset="0"/>
                         <a:ea typeface="Times New Roman" panose="02020603050405020304" pitchFamily="18" charset="0"/>
@@ -10439,7 +11716,7 @@
                   </a:ext>
                 </a:extLst>
               </a:tr>
-              <a:tr h="217751">
+              <a:tr h="265620">
                 <a:tc>
                   <a:txBody>
                     <a:bodyPr/>
@@ -10454,12 +11731,12 @@
                         </a:spcAft>
                       </a:pPr>
                       <a:r>
-                        <a:rPr lang="pt-PT" sz="1000" dirty="0">
+                        <a:rPr lang="pt-PT" sz="1600" dirty="0">
                           <a:effectLst/>
                         </a:rPr>
                         <a:t>Faixa Etária:</a:t>
                       </a:r>
-                      <a:endParaRPr lang="pt-PT" sz="1000" dirty="0">
+                      <a:endParaRPr lang="pt-PT" sz="1600" dirty="0">
                         <a:effectLst/>
                         <a:latin typeface="Arial" panose="020B0604020202020204" pitchFamily="34" charset="0"/>
                         <a:ea typeface="Times New Roman" panose="02020603050405020304" pitchFamily="18" charset="0"/>
@@ -10483,12 +11760,12 @@
                         </a:spcAft>
                       </a:pPr>
                       <a:r>
-                        <a:rPr lang="pt-PT" sz="1000" dirty="0">
+                        <a:rPr lang="pt-PT" sz="1600" dirty="0">
                           <a:effectLst/>
                         </a:rPr>
                         <a:t>20-50</a:t>
                       </a:r>
-                      <a:endParaRPr lang="pt-PT" sz="1000" dirty="0">
+                      <a:endParaRPr lang="pt-PT" sz="1600" dirty="0">
                         <a:effectLst/>
                         <a:latin typeface="Arial" panose="020B0604020202020204" pitchFamily="34" charset="0"/>
                         <a:ea typeface="Times New Roman" panose="02020603050405020304" pitchFamily="18" charset="0"/>
@@ -10504,7 +11781,7 @@
                   </a:ext>
                 </a:extLst>
               </a:tr>
-              <a:tr h="1556312">
+              <a:tr h="1241286">
                 <a:tc>
                   <a:txBody>
                     <a:bodyPr/>
@@ -10519,12 +11796,12 @@
                         </a:spcAft>
                       </a:pPr>
                       <a:r>
-                        <a:rPr lang="pt-PT" sz="1000" dirty="0">
+                        <a:rPr lang="pt-PT" sz="1600" dirty="0">
                           <a:effectLst/>
                         </a:rPr>
                         <a:t>Logótipo:</a:t>
                       </a:r>
-                      <a:endParaRPr lang="pt-PT" sz="1000" dirty="0">
+                      <a:endParaRPr lang="pt-PT" sz="1600" dirty="0">
                         <a:effectLst/>
                         <a:latin typeface="Arial" panose="020B0604020202020204" pitchFamily="34" charset="0"/>
                         <a:ea typeface="Times New Roman" panose="02020603050405020304" pitchFamily="18" charset="0"/>
@@ -10547,7 +11824,7 @@
                           <a:spcPts val="0"/>
                         </a:spcAft>
                       </a:pPr>
-                      <a:endParaRPr lang="pt-PT" sz="1000" dirty="0">
+                      <a:endParaRPr lang="pt-PT" sz="1600" dirty="0">
                         <a:effectLst/>
                         <a:latin typeface="Arial" panose="020B0604020202020204" pitchFamily="34" charset="0"/>
                         <a:ea typeface="Times New Roman" panose="02020603050405020304" pitchFamily="18" charset="0"/>
@@ -10575,7 +11852,7 @@
         </p:nvSpPr>
         <p:spPr>
           <a:xfrm>
-            <a:off x="3824858" y="4305462"/>
+            <a:off x="3824858" y="4698516"/>
             <a:ext cx="4178963" cy="672512"/>
           </a:xfrm>
           <a:prstGeom prst="rect">
@@ -10600,7 +11877,7 @@
       </p:sp>
       <p:pic>
         <p:nvPicPr>
-          <p:cNvPr id="6" name="Content Placeholder 5"/>
+          <p:cNvPr id="9" name="Content Placeholder 5"/>
           <p:cNvPicPr>
             <a:picLocks noChangeAspect="1"/>
           </p:cNvPicPr>
@@ -10620,7 +11897,7 @@
         </p:blipFill>
         <p:spPr>
           <a:xfrm>
-            <a:off x="3759451" y="4294936"/>
+            <a:off x="3759451" y="4698517"/>
             <a:ext cx="4244370" cy="683038"/>
           </a:xfrm>
           <a:prstGeom prst="rect">
@@ -10679,413 +11956,59 @@
       </p:grpSpPr>
       <p:sp>
         <p:nvSpPr>
-          <p:cNvPr id="6" name="Título 1">
-            <a:extLst>
-              <a:ext uri="{FF2B5EF4-FFF2-40B4-BE49-F238E27FC236}">
-                <a16:creationId xmlns:a16="http://schemas.microsoft.com/office/drawing/2014/main" id="{6312B0E3-8AB8-4FDB-ABB6-4C51F617C274}"/>
-              </a:ext>
-            </a:extLst>
-          </p:cNvPr>
-          <p:cNvSpPr txBox="1">
-            <a:spLocks/>
+          <p:cNvPr id="4" name="Title 3"/>
+          <p:cNvSpPr>
+            <a:spLocks noGrp="1"/>
           </p:cNvSpPr>
-          <p:nvPr/>
+          <p:nvPr>
+            <p:ph type="title"/>
+          </p:nvPr>
         </p:nvSpPr>
         <p:spPr>
           <a:xfrm>
-            <a:off x="283967" y="234908"/>
-            <a:ext cx="9147416" cy="1320800"/>
+            <a:off x="677334" y="0"/>
+            <a:ext cx="8596668" cy="1320800"/>
+          </a:xfrm>
+        </p:spPr>
+        <p:txBody>
+          <a:bodyPr/>
+          <a:lstStyle/>
+          <a:p>
+            <a:r>
+              <a:rPr lang="pt-PT" dirty="0"/>
+              <a:t>Requisitos do utilizador e de sistema funcionais - Cliente</a:t>
+            </a:r>
+          </a:p>
+        </p:txBody>
+      </p:sp>
+      <p:pic>
+        <p:nvPicPr>
+          <p:cNvPr id="2" name="Picture 1"/>
+          <p:cNvPicPr>
+            <a:picLocks noChangeAspect="1"/>
+          </p:cNvPicPr>
+          <p:nvPr/>
+        </p:nvPicPr>
+        <p:blipFill>
+          <a:blip r:embed="rId2"/>
+          <a:stretch>
+            <a:fillRect/>
+          </a:stretch>
+        </p:blipFill>
+        <p:spPr>
+          <a:xfrm>
+            <a:off x="478024" y="1219200"/>
+            <a:ext cx="8474065" cy="5507456"/>
           </a:xfrm>
           <a:prstGeom prst="rect">
             <a:avLst/>
           </a:prstGeom>
         </p:spPr>
-        <p:txBody>
-          <a:bodyPr/>
-          <a:lstStyle>
-            <a:lvl1pPr algn="l" defTabSz="457200" rtl="0" eaLnBrk="1" latinLnBrk="0" hangingPunct="1">
-              <a:spcBef>
-                <a:spcPct val="0"/>
-              </a:spcBef>
-              <a:buNone/>
-              <a:defRPr sz="3600" kern="1200">
-                <a:solidFill>
-                  <a:schemeClr val="accent1"/>
-                </a:solidFill>
-                <a:latin typeface="+mj-lt"/>
-                <a:ea typeface="+mj-ea"/>
-                <a:cs typeface="+mj-cs"/>
-              </a:defRPr>
-            </a:lvl1pPr>
-            <a:lvl2pPr eaLnBrk="1" hangingPunct="1">
-              <a:defRPr>
-                <a:solidFill>
-                  <a:schemeClr val="tx2"/>
-                </a:solidFill>
-              </a:defRPr>
-            </a:lvl2pPr>
-            <a:lvl3pPr eaLnBrk="1" hangingPunct="1">
-              <a:defRPr>
-                <a:solidFill>
-                  <a:schemeClr val="tx2"/>
-                </a:solidFill>
-              </a:defRPr>
-            </a:lvl3pPr>
-            <a:lvl4pPr eaLnBrk="1" hangingPunct="1">
-              <a:defRPr>
-                <a:solidFill>
-                  <a:schemeClr val="tx2"/>
-                </a:solidFill>
-              </a:defRPr>
-            </a:lvl4pPr>
-            <a:lvl5pPr eaLnBrk="1" hangingPunct="1">
-              <a:defRPr>
-                <a:solidFill>
-                  <a:schemeClr val="tx2"/>
-                </a:solidFill>
-              </a:defRPr>
-            </a:lvl5pPr>
-            <a:lvl6pPr eaLnBrk="1" hangingPunct="1">
-              <a:defRPr>
-                <a:solidFill>
-                  <a:schemeClr val="tx2"/>
-                </a:solidFill>
-              </a:defRPr>
-            </a:lvl6pPr>
-            <a:lvl7pPr eaLnBrk="1" hangingPunct="1">
-              <a:defRPr>
-                <a:solidFill>
-                  <a:schemeClr val="tx2"/>
-                </a:solidFill>
-              </a:defRPr>
-            </a:lvl7pPr>
-            <a:lvl8pPr eaLnBrk="1" hangingPunct="1">
-              <a:defRPr>
-                <a:solidFill>
-                  <a:schemeClr val="tx2"/>
-                </a:solidFill>
-              </a:defRPr>
-            </a:lvl8pPr>
-            <a:lvl9pPr eaLnBrk="1" hangingPunct="1">
-              <a:defRPr>
-                <a:solidFill>
-                  <a:schemeClr val="tx2"/>
-                </a:solidFill>
-              </a:defRPr>
-            </a:lvl9pPr>
-          </a:lstStyle>
-          <a:p>
-            <a:r>
-              <a:rPr lang="pt-PT" dirty="0" smtClean="0"/>
-              <a:t>Medidas </a:t>
-            </a:r>
-            <a:r>
-              <a:rPr lang="pt-PT" dirty="0"/>
-              <a:t>de Sucesso</a:t>
-            </a:r>
-          </a:p>
-        </p:txBody>
-      </p:sp>
-      <p:sp>
-        <p:nvSpPr>
-          <p:cNvPr id="3" name="CaixaDeTexto 2">
-            <a:extLst>
-              <a:ext uri="{FF2B5EF4-FFF2-40B4-BE49-F238E27FC236}">
-                <a16:creationId xmlns:a16="http://schemas.microsoft.com/office/drawing/2014/main" id="{5CEAC276-E573-427B-ADBC-CD1A66F0D157}"/>
-              </a:ext>
-            </a:extLst>
-          </p:cNvPr>
-          <p:cNvSpPr txBox="1"/>
-          <p:nvPr/>
-        </p:nvSpPr>
-        <p:spPr>
-          <a:xfrm>
-            <a:off x="891822" y="1237963"/>
-            <a:ext cx="7620000" cy="4708981"/>
-          </a:xfrm>
-          <a:prstGeom prst="rect">
-            <a:avLst/>
-          </a:prstGeom>
-          <a:noFill/>
-        </p:spPr>
-        <p:txBody>
-          <a:bodyPr wrap="square" rtlCol="0">
-            <a:spAutoFit/>
-          </a:bodyPr>
-          <a:lstStyle/>
-          <a:p>
-            <a:pPr marL="285750" lvl="0" indent="-285750" algn="just">
-              <a:buFont typeface="Arial" panose="020B0604020202020204" pitchFamily="34" charset="0"/>
-              <a:buChar char="•"/>
-            </a:pPr>
-            <a:r>
-              <a:rPr lang="pt-PT" sz="2000" b="1" dirty="0">
-                <a:solidFill>
-                  <a:schemeClr val="accent2"/>
-                </a:solidFill>
-              </a:rPr>
-              <a:t>F</a:t>
-            </a:r>
-            <a:r>
-              <a:rPr lang="pt-PT" sz="2000" b="1" dirty="0" smtClean="0">
-                <a:solidFill>
-                  <a:schemeClr val="accent2"/>
-                </a:solidFill>
-              </a:rPr>
-              <a:t>ácil </a:t>
-            </a:r>
-            <a:r>
-              <a:rPr lang="pt-PT" sz="2000" b="1" dirty="0">
-                <a:solidFill>
-                  <a:schemeClr val="accent2"/>
-                </a:solidFill>
-              </a:rPr>
-              <a:t>utilização</a:t>
-            </a:r>
-            <a:r>
-              <a:rPr lang="pt-PT" sz="2000" dirty="0"/>
-              <a:t>;</a:t>
-            </a:r>
-          </a:p>
-          <a:p>
-            <a:pPr marL="285750" lvl="0" indent="-285750" algn="just">
-              <a:buFont typeface="Arial" panose="020B0604020202020204" pitchFamily="34" charset="0"/>
-              <a:buChar char="•"/>
-            </a:pPr>
-            <a:endParaRPr lang="pt-PT" sz="2000" dirty="0"/>
-          </a:p>
-          <a:p>
-            <a:pPr marL="285750" lvl="0" indent="-285750" algn="just">
-              <a:buFont typeface="Arial" panose="020B0604020202020204" pitchFamily="34" charset="0"/>
-              <a:buChar char="•"/>
-            </a:pPr>
-            <a:r>
-              <a:rPr lang="pt-PT" sz="2000" b="1" dirty="0" smtClean="0">
-                <a:solidFill>
-                  <a:schemeClr val="accent2"/>
-                </a:solidFill>
-              </a:rPr>
-              <a:t>1000 </a:t>
-            </a:r>
-            <a:r>
-              <a:rPr lang="pt-PT" sz="2000" b="1" dirty="0">
-                <a:solidFill>
-                  <a:schemeClr val="accent2"/>
-                </a:solidFill>
-              </a:rPr>
-              <a:t>usos </a:t>
-            </a:r>
-            <a:r>
-              <a:rPr lang="pt-PT" sz="2000" dirty="0" smtClean="0"/>
-              <a:t>em </a:t>
-            </a:r>
-            <a:r>
-              <a:rPr lang="pt-PT" sz="2000" b="1" dirty="0" smtClean="0">
-                <a:solidFill>
-                  <a:schemeClr val="accent2"/>
-                </a:solidFill>
-              </a:rPr>
-              <a:t>365 </a:t>
-            </a:r>
-            <a:r>
-              <a:rPr lang="pt-PT" sz="2000" b="1" dirty="0">
-                <a:solidFill>
-                  <a:schemeClr val="accent2"/>
-                </a:solidFill>
-              </a:rPr>
-              <a:t>dias</a:t>
-            </a:r>
-            <a:r>
-              <a:rPr lang="pt-PT" sz="2000" dirty="0"/>
-              <a:t>;</a:t>
-            </a:r>
-          </a:p>
-          <a:p>
-            <a:pPr lvl="0" algn="just"/>
-            <a:endParaRPr lang="pt-PT" sz="2000" dirty="0"/>
-          </a:p>
-          <a:p>
-            <a:pPr marL="285750" lvl="0" indent="-285750" algn="just">
-              <a:buFont typeface="Arial" panose="020B0604020202020204" pitchFamily="34" charset="0"/>
-              <a:buChar char="•"/>
-            </a:pPr>
-            <a:r>
-              <a:rPr lang="pt-PT" sz="2000" b="1" dirty="0" smtClean="0">
-                <a:solidFill>
-                  <a:schemeClr val="accent2"/>
-                </a:solidFill>
-              </a:rPr>
-              <a:t>Utilização frequente</a:t>
-            </a:r>
-            <a:r>
-              <a:rPr lang="pt-PT" sz="2000" b="1" dirty="0" smtClean="0"/>
-              <a:t>;</a:t>
-            </a:r>
-          </a:p>
-          <a:p>
-            <a:pPr marL="285750" lvl="0" indent="-285750" algn="just">
-              <a:buFont typeface="Arial" panose="020B0604020202020204" pitchFamily="34" charset="0"/>
-              <a:buChar char="•"/>
-            </a:pPr>
-            <a:endParaRPr lang="pt-PT" sz="2000" b="1" dirty="0" smtClean="0">
-              <a:solidFill>
-                <a:schemeClr val="accent2"/>
-              </a:solidFill>
-            </a:endParaRPr>
-          </a:p>
-          <a:p>
-            <a:pPr marL="285750" lvl="0" indent="-285750" algn="just">
-              <a:buFont typeface="Arial" panose="020B0604020202020204" pitchFamily="34" charset="0"/>
-              <a:buChar char="•"/>
-            </a:pPr>
-            <a:r>
-              <a:rPr lang="pt-PT" sz="2000" b="1" dirty="0" smtClean="0">
-                <a:solidFill>
-                  <a:schemeClr val="accent2"/>
-                </a:solidFill>
-              </a:rPr>
-              <a:t>Crescimento consecutivo</a:t>
-            </a:r>
-            <a:r>
-              <a:rPr lang="pt-PT" sz="2000" b="1" dirty="0" smtClean="0"/>
-              <a:t>;</a:t>
-            </a:r>
-          </a:p>
-          <a:p>
-            <a:pPr marL="285750" lvl="0" indent="-285750" algn="just">
-              <a:buFont typeface="Arial" panose="020B0604020202020204" pitchFamily="34" charset="0"/>
-              <a:buChar char="•"/>
-            </a:pPr>
-            <a:endParaRPr lang="pt-PT" sz="2000" dirty="0"/>
-          </a:p>
-          <a:p>
-            <a:pPr marL="285750" lvl="0" indent="-285750" algn="just">
-              <a:buFont typeface="Arial" panose="020B0604020202020204" pitchFamily="34" charset="0"/>
-              <a:buChar char="•"/>
-            </a:pPr>
-            <a:r>
-              <a:rPr lang="pt-PT" sz="2000" dirty="0"/>
-              <a:t>O </a:t>
-            </a:r>
-            <a:r>
-              <a:rPr lang="pt-PT" sz="2000" b="1" dirty="0">
-                <a:solidFill>
-                  <a:schemeClr val="accent2"/>
-                </a:solidFill>
-              </a:rPr>
-              <a:t>nível de satisfação </a:t>
-            </a:r>
-            <a:r>
-              <a:rPr lang="pt-PT" sz="2000" dirty="0"/>
-              <a:t>dos utilizadores do </a:t>
-            </a:r>
-            <a:r>
-              <a:rPr lang="pt-PT" sz="2000" dirty="0" smtClean="0"/>
-              <a:t>infantário deve </a:t>
-            </a:r>
-            <a:r>
-              <a:rPr lang="pt-PT" sz="2000" dirty="0"/>
-              <a:t>subir, pelo menos, </a:t>
-            </a:r>
-            <a:r>
-              <a:rPr lang="pt-PT" sz="2000" b="1" dirty="0">
-                <a:solidFill>
-                  <a:schemeClr val="accent2"/>
-                </a:solidFill>
-              </a:rPr>
-              <a:t>3 pontos percentuais</a:t>
-            </a:r>
-            <a:r>
-              <a:rPr lang="pt-PT" sz="2000" dirty="0"/>
-              <a:t>;</a:t>
-            </a:r>
-          </a:p>
-          <a:p>
-            <a:pPr marL="285750" lvl="0" indent="-285750" algn="just">
-              <a:buFont typeface="Arial" panose="020B0604020202020204" pitchFamily="34" charset="0"/>
-              <a:buChar char="•"/>
-            </a:pPr>
-            <a:endParaRPr lang="pt-PT" sz="2000" dirty="0"/>
-          </a:p>
-          <a:p>
-            <a:pPr marL="285750" lvl="0" indent="-285750" algn="just">
-              <a:buFont typeface="Arial" panose="020B0604020202020204" pitchFamily="34" charset="0"/>
-              <a:buChar char="•"/>
-            </a:pPr>
-            <a:r>
-              <a:rPr lang="pt-PT" sz="2000" dirty="0"/>
-              <a:t>O </a:t>
-            </a:r>
-            <a:r>
-              <a:rPr lang="pt-PT" sz="2000" b="1" dirty="0">
-                <a:solidFill>
-                  <a:schemeClr val="accent2"/>
-                </a:solidFill>
-              </a:rPr>
-              <a:t>número de utilizadores </a:t>
-            </a:r>
-            <a:r>
-              <a:rPr lang="pt-PT" sz="2000" dirty="0"/>
-              <a:t>do infantário deve </a:t>
-            </a:r>
-            <a:r>
-              <a:rPr lang="pt-PT" sz="2000" b="1" dirty="0">
-                <a:solidFill>
-                  <a:schemeClr val="accent2"/>
-                </a:solidFill>
-              </a:rPr>
-              <a:t>subir 5 pontos percentuais</a:t>
-            </a:r>
-            <a:r>
-              <a:rPr lang="pt-PT" sz="2000" dirty="0"/>
-              <a:t>, um ano após a </a:t>
-            </a:r>
-            <a:r>
-              <a:rPr lang="pt-PT" sz="2000" dirty="0" smtClean="0"/>
-              <a:t>implementação;</a:t>
-            </a:r>
-            <a:endParaRPr lang="pt-PT" sz="2000" dirty="0"/>
-          </a:p>
-          <a:p>
-            <a:pPr marL="285750" lvl="0" indent="-285750" algn="just">
-              <a:buFont typeface="Arial" panose="020B0604020202020204" pitchFamily="34" charset="0"/>
-              <a:buChar char="•"/>
-            </a:pPr>
-            <a:endParaRPr lang="pt-PT" sz="2000" b="1" dirty="0">
-              <a:solidFill>
-                <a:schemeClr val="accent2"/>
-              </a:solidFill>
-            </a:endParaRPr>
-          </a:p>
-          <a:p>
-            <a:pPr marL="285750" lvl="0" indent="-285750" algn="just">
-              <a:buFont typeface="Arial" panose="020B0604020202020204" pitchFamily="34" charset="0"/>
-              <a:buChar char="•"/>
-            </a:pPr>
-            <a:r>
-              <a:rPr lang="pt-PT" sz="2000" b="1" dirty="0" smtClean="0">
-                <a:solidFill>
-                  <a:schemeClr val="accent2"/>
-                </a:solidFill>
-              </a:rPr>
-              <a:t>99% de disponibilidade</a:t>
-            </a:r>
-            <a:r>
-              <a:rPr lang="pt-PT" sz="2000" b="1" dirty="0" smtClean="0"/>
-              <a:t>.</a:t>
-            </a:r>
-            <a:endParaRPr lang="pt-PT" sz="2000" b="1" dirty="0">
-              <a:solidFill>
-                <a:schemeClr val="accent2"/>
-              </a:solidFill>
-            </a:endParaRPr>
-          </a:p>
-        </p:txBody>
-      </p:sp>
+      </p:pic>
     </p:spTree>
     <p:extLst>
       <p:ext uri="{BB962C8B-B14F-4D97-AF65-F5344CB8AC3E}">
-        <p14:creationId xmlns:p14="http://schemas.microsoft.com/office/powerpoint/2010/main" val="3257683210"/>
+        <p14:creationId xmlns:p14="http://schemas.microsoft.com/office/powerpoint/2010/main" val="3233725358"/>
       </p:ext>
     </p:extLst>
   </p:cSld>
@@ -11148,39 +12071,76 @@
           <a:p>
             <a:r>
               <a:rPr lang="pt-PT" dirty="0"/>
-              <a:t>Requisitos do utilizador e de sistema funcionais - Cliente</a:t>
-            </a:r>
-          </a:p>
-        </p:txBody>
-      </p:sp>
-      <p:pic>
-        <p:nvPicPr>
-          <p:cNvPr id="2" name="Picture 1"/>
-          <p:cNvPicPr>
-            <a:picLocks noChangeAspect="1"/>
-          </p:cNvPicPr>
-          <p:nvPr/>
-        </p:nvPicPr>
-        <p:blipFill>
-          <a:blip r:embed="rId2"/>
-          <a:stretch>
-            <a:fillRect/>
-          </a:stretch>
-        </p:blipFill>
-        <p:spPr>
-          <a:xfrm>
-            <a:off x="677334" y="1780494"/>
-            <a:ext cx="7560225" cy="4913534"/>
-          </a:xfrm>
-          <a:prstGeom prst="rect">
-            <a:avLst/>
-          </a:prstGeom>
-        </p:spPr>
-      </p:pic>
+              <a:t>Requisitos de </a:t>
+            </a:r>
+            <a:r>
+              <a:rPr lang="pt-PT" dirty="0" smtClean="0"/>
+              <a:t>sistema </a:t>
+            </a:r>
+            <a:r>
+              <a:rPr lang="pt-PT" dirty="0"/>
+              <a:t>não-funcionais</a:t>
+            </a:r>
+          </a:p>
+        </p:txBody>
+      </p:sp>
+      <p:sp>
+        <p:nvSpPr>
+          <p:cNvPr id="2" name="Content Placeholder 1"/>
+          <p:cNvSpPr>
+            <a:spLocks noGrp="1"/>
+          </p:cNvSpPr>
+          <p:nvPr>
+            <p:ph idx="1"/>
+          </p:nvPr>
+        </p:nvSpPr>
+        <p:spPr/>
+        <p:txBody>
+          <a:bodyPr>
+            <a:normAutofit/>
+          </a:bodyPr>
+          <a:lstStyle/>
+          <a:p>
+            <a:pPr algn="just"/>
+            <a:r>
+              <a:rPr lang="pt-PT" sz="2800" dirty="0"/>
+              <a:t>Organizacionais</a:t>
+            </a:r>
+          </a:p>
+          <a:p>
+            <a:pPr lvl="1" algn="just"/>
+            <a:r>
+              <a:rPr lang="pt-PT" sz="2400" dirty="0"/>
+              <a:t>O utilizador deve autenticar-se com o seu username e a password respetiva;</a:t>
+            </a:r>
+          </a:p>
+          <a:p>
+            <a:pPr lvl="1" algn="just"/>
+            <a:r>
+              <a:rPr lang="pt-PT" sz="2400" dirty="0"/>
+              <a:t>A linguagem de programação a utilizar será C# em cooperação com a framework ASP.NET;</a:t>
+            </a:r>
+          </a:p>
+          <a:p>
+            <a:pPr lvl="1" algn="just"/>
+            <a:r>
+              <a:rPr lang="pt-PT" sz="2400" dirty="0"/>
+              <a:t>O SGBD a usar deve ser o SQL Server;</a:t>
+            </a:r>
+          </a:p>
+          <a:p>
+            <a:pPr lvl="1" algn="just"/>
+            <a:r>
+              <a:rPr lang="pt-PT" sz="2400" dirty="0"/>
+              <a:t>A aplicação será desenvolvida para web;</a:t>
+            </a:r>
+          </a:p>
+        </p:txBody>
+      </p:sp>
     </p:spTree>
     <p:extLst>
       <p:ext uri="{BB962C8B-B14F-4D97-AF65-F5344CB8AC3E}">
-        <p14:creationId xmlns:p14="http://schemas.microsoft.com/office/powerpoint/2010/main" val="3233725358"/>
+        <p14:creationId xmlns:p14="http://schemas.microsoft.com/office/powerpoint/2010/main" val="1620922798"/>
       </p:ext>
     </p:extLst>
   </p:cSld>
@@ -11276,35 +12236,21 @@
             <a:pPr algn="just"/>
             <a:r>
               <a:rPr lang="pt-PT" sz="2800" dirty="0"/>
-              <a:t>Organizacionais</a:t>
+              <a:t>Externos</a:t>
             </a:r>
           </a:p>
           <a:p>
             <a:pPr lvl="1" algn="just"/>
             <a:r>
               <a:rPr lang="pt-PT" sz="2400" dirty="0"/>
-              <a:t>O utilizador deve autenticar-se com o seu username e a password respetiva;</a:t>
+              <a:t>O sistema deve recorrer a uma API de mapas para representar a localização do trabalho ou até mesmo para representar a sua própria localização;</a:t>
             </a:r>
           </a:p>
           <a:p>
             <a:pPr lvl="1" algn="just"/>
             <a:r>
               <a:rPr lang="pt-PT" sz="2400" dirty="0"/>
-              <a:t>A linguagem de programação a utilizar será C# em cooperação com a framework ASP.NET;</a:t>
-            </a:r>
-          </a:p>
-          <a:p>
-            <a:pPr lvl="1" algn="just"/>
-            <a:r>
-              <a:rPr lang="pt-PT" sz="2400" dirty="0"/>
-              <a:t>O SGBD a usar deve ser o SQL Server;</a:t>
-            </a:r>
-          </a:p>
-          <a:p>
-            <a:pPr lvl="1" algn="just"/>
-            <a:r>
-              <a:rPr lang="pt-PT" sz="2400" dirty="0"/>
-              <a:t>A aplicação será desenvolvida para web;</a:t>
+              <a:t>O sistema não deve apresentar aos utilizadores dados privados acerca dos restantes utilizadores, sendo que, cada utilizador só pode ver os seus dados e aqueles que são públicos; </a:t>
             </a:r>
           </a:p>
         </p:txBody>
@@ -11312,7 +12258,7 @@
     </p:spTree>
     <p:extLst>
       <p:ext uri="{BB962C8B-B14F-4D97-AF65-F5344CB8AC3E}">
-        <p14:creationId xmlns:p14="http://schemas.microsoft.com/office/powerpoint/2010/main" val="1620922798"/>
+        <p14:creationId xmlns:p14="http://schemas.microsoft.com/office/powerpoint/2010/main" val="374380089"/>
       </p:ext>
     </p:extLst>
   </p:cSld>
@@ -11368,69 +12314,99 @@
             <p:ph type="title"/>
           </p:nvPr>
         </p:nvSpPr>
-        <p:spPr/>
+        <p:spPr>
+          <a:xfrm>
+            <a:off x="248356" y="214489"/>
+            <a:ext cx="8596668" cy="1320800"/>
+          </a:xfrm>
+        </p:spPr>
         <p:txBody>
           <a:bodyPr/>
           <a:lstStyle/>
           <a:p>
             <a:r>
               <a:rPr lang="pt-PT" dirty="0"/>
-              <a:t>Requisitos de </a:t>
-            </a:r>
-            <a:r>
-              <a:rPr lang="pt-PT" dirty="0" smtClean="0"/>
-              <a:t>sistema </a:t>
-            </a:r>
-            <a:r>
-              <a:rPr lang="pt-PT" dirty="0"/>
-              <a:t>não-funcionais</a:t>
-            </a:r>
-          </a:p>
-        </p:txBody>
-      </p:sp>
-      <p:sp>
-        <p:nvSpPr>
-          <p:cNvPr id="2" name="Content Placeholder 1"/>
-          <p:cNvSpPr>
-            <a:spLocks noGrp="1"/>
-          </p:cNvSpPr>
-          <p:nvPr>
-            <p:ph idx="1"/>
-          </p:nvPr>
-        </p:nvSpPr>
-        <p:spPr/>
-        <p:txBody>
-          <a:bodyPr>
-            <a:normAutofit/>
-          </a:bodyPr>
+              <a:t>Diagrama de Use Cases</a:t>
+            </a:r>
+          </a:p>
+        </p:txBody>
+      </p:sp>
+      <p:pic>
+        <p:nvPicPr>
+          <p:cNvPr id="2" name="Picture 1"/>
+          <p:cNvPicPr>
+            <a:picLocks noChangeAspect="1"/>
+          </p:cNvPicPr>
+          <p:nvPr/>
+        </p:nvPicPr>
+        <p:blipFill rotWithShape="1">
+          <a:blip r:embed="rId2">
+            <a:extLst>
+              <a:ext uri="{28A0092B-C50C-407E-A947-70E740481C1C}">
+                <a14:useLocalDpi xmlns:a14="http://schemas.microsoft.com/office/drawing/2010/main" val="0"/>
+              </a:ext>
+            </a:extLst>
+          </a:blip>
+          <a:srcRect l="-337" b="58384"/>
+          <a:stretch/>
+        </p:blipFill>
+        <p:spPr>
+          <a:xfrm>
+            <a:off x="564445" y="978088"/>
+            <a:ext cx="8429403" cy="5117911"/>
+          </a:xfrm>
+          <a:prstGeom prst="rect">
+            <a:avLst/>
+          </a:prstGeom>
+        </p:spPr>
+      </p:pic>
+      <p:sp>
+        <p:nvSpPr>
+          <p:cNvPr id="3" name="Right Arrow 2"/>
+          <p:cNvSpPr/>
+          <p:nvPr/>
+        </p:nvSpPr>
+        <p:spPr>
+          <a:xfrm>
+            <a:off x="248356" y="1535289"/>
+            <a:ext cx="1907822" cy="598311"/>
+          </a:xfrm>
+          <a:prstGeom prst="rightArrow">
+            <a:avLst>
+              <a:gd name="adj1" fmla="val 31132"/>
+              <a:gd name="adj2" fmla="val 48113"/>
+            </a:avLst>
+          </a:prstGeom>
+        </p:spPr>
+        <p:style>
+          <a:lnRef idx="2">
+            <a:schemeClr val="accent1">
+              <a:shade val="50000"/>
+            </a:schemeClr>
+          </a:lnRef>
+          <a:fillRef idx="1">
+            <a:schemeClr val="accent1"/>
+          </a:fillRef>
+          <a:effectRef idx="0">
+            <a:schemeClr val="accent1"/>
+          </a:effectRef>
+          <a:fontRef idx="minor">
+            <a:schemeClr val="lt1"/>
+          </a:fontRef>
+        </p:style>
+        <p:txBody>
+          <a:bodyPr rtlCol="0" anchor="ctr"/>
           <a:lstStyle/>
           <a:p>
-            <a:pPr algn="just"/>
-            <a:r>
-              <a:rPr lang="pt-PT" sz="2800" dirty="0"/>
-              <a:t>Externos</a:t>
-            </a:r>
-          </a:p>
-          <a:p>
-            <a:pPr lvl="1" algn="just"/>
-            <a:r>
-              <a:rPr lang="pt-PT" sz="2400" dirty="0"/>
-              <a:t>O sistema deve recorrer a uma API de mapas para representar a localização do trabalho ou até mesmo para representar a sua própria localização;</a:t>
-            </a:r>
-          </a:p>
-          <a:p>
-            <a:pPr lvl="1" algn="just"/>
-            <a:r>
-              <a:rPr lang="pt-PT" sz="2400" dirty="0"/>
-              <a:t>O sistema não deve apresentar aos utilizadores dados privados acerca dos restantes utilizadores, sendo que, cada utilizador só pode ver os seus dados e aqueles que são públicos; </a:t>
-            </a:r>
+            <a:pPr algn="ctr"/>
+            <a:endParaRPr lang="pt-PT"/>
           </a:p>
         </p:txBody>
       </p:sp>
     </p:spTree>
     <p:extLst>
       <p:ext uri="{BB962C8B-B14F-4D97-AF65-F5344CB8AC3E}">
-        <p14:creationId xmlns:p14="http://schemas.microsoft.com/office/powerpoint/2010/main" val="374380089"/>
+        <p14:creationId xmlns:p14="http://schemas.microsoft.com/office/powerpoint/2010/main" val="358780655"/>
       </p:ext>
     </p:extLst>
   </p:cSld>
@@ -11452,9 +12428,137 @@
   <p:timing>
     <p:tnLst>
       <p:par>
-        <p:cTn id="1" dur="indefinite" restart="never" nodeType="tmRoot"/>
+        <p:cTn id="1" dur="indefinite" restart="never" nodeType="tmRoot">
+          <p:childTnLst>
+            <p:seq concurrent="1" nextAc="seek">
+              <p:cTn id="2" dur="indefinite" nodeType="mainSeq">
+                <p:childTnLst>
+                  <p:par>
+                    <p:cTn id="3" fill="hold">
+                      <p:stCondLst>
+                        <p:cond delay="indefinite"/>
+                        <p:cond evt="onBegin" delay="0">
+                          <p:tn val="2"/>
+                        </p:cond>
+                      </p:stCondLst>
+                      <p:childTnLst>
+                        <p:par>
+                          <p:cTn id="4" fill="hold">
+                            <p:stCondLst>
+                              <p:cond delay="0"/>
+                            </p:stCondLst>
+                            <p:childTnLst>
+                              <p:par>
+                                <p:cTn id="5" presetID="42" presetClass="entr" presetSubtype="0" fill="hold" grpId="0" nodeType="withEffect">
+                                  <p:stCondLst>
+                                    <p:cond delay="0"/>
+                                  </p:stCondLst>
+                                  <p:childTnLst>
+                                    <p:set>
+                                      <p:cBhvr>
+                                        <p:cTn id="6" dur="1" fill="hold">
+                                          <p:stCondLst>
+                                            <p:cond delay="0"/>
+                                          </p:stCondLst>
+                                        </p:cTn>
+                                        <p:tgtEl>
+                                          <p:spTgt spid="3"/>
+                                        </p:tgtEl>
+                                        <p:attrNameLst>
+                                          <p:attrName>style.visibility</p:attrName>
+                                        </p:attrNameLst>
+                                      </p:cBhvr>
+                                      <p:to>
+                                        <p:strVal val="visible"/>
+                                      </p:to>
+                                    </p:set>
+                                    <p:animEffect transition="in" filter="fade">
+                                      <p:cBhvr>
+                                        <p:cTn id="7" dur="1500"/>
+                                        <p:tgtEl>
+                                          <p:spTgt spid="3"/>
+                                        </p:tgtEl>
+                                      </p:cBhvr>
+                                    </p:animEffect>
+                                    <p:anim calcmode="lin" valueType="num">
+                                      <p:cBhvr>
+                                        <p:cTn id="8" dur="1500" fill="hold"/>
+                                        <p:tgtEl>
+                                          <p:spTgt spid="3"/>
+                                        </p:tgtEl>
+                                        <p:attrNameLst>
+                                          <p:attrName>ppt_x</p:attrName>
+                                        </p:attrNameLst>
+                                      </p:cBhvr>
+                                      <p:tavLst>
+                                        <p:tav tm="0">
+                                          <p:val>
+                                            <p:strVal val="#ppt_x"/>
+                                          </p:val>
+                                        </p:tav>
+                                        <p:tav tm="100000">
+                                          <p:val>
+                                            <p:strVal val="#ppt_x"/>
+                                          </p:val>
+                                        </p:tav>
+                                      </p:tavLst>
+                                    </p:anim>
+                                    <p:anim calcmode="lin" valueType="num">
+                                      <p:cBhvr>
+                                        <p:cTn id="9" dur="1500" fill="hold"/>
+                                        <p:tgtEl>
+                                          <p:spTgt spid="3"/>
+                                        </p:tgtEl>
+                                        <p:attrNameLst>
+                                          <p:attrName>ppt_y</p:attrName>
+                                        </p:attrNameLst>
+                                      </p:cBhvr>
+                                      <p:tavLst>
+                                        <p:tav tm="0">
+                                          <p:val>
+                                            <p:strVal val="#ppt_y+.1"/>
+                                          </p:val>
+                                        </p:tav>
+                                        <p:tav tm="100000">
+                                          <p:val>
+                                            <p:strVal val="#ppt_y"/>
+                                          </p:val>
+                                        </p:tav>
+                                      </p:tavLst>
+                                    </p:anim>
+                                  </p:childTnLst>
+                                </p:cTn>
+                              </p:par>
+                            </p:childTnLst>
+                          </p:cTn>
+                        </p:par>
+                      </p:childTnLst>
+                    </p:cTn>
+                  </p:par>
+                </p:childTnLst>
+              </p:cTn>
+              <p:prevCondLst>
+                <p:cond evt="onPrev" delay="0">
+                  <p:tgtEl>
+                    <p:sldTgt/>
+                  </p:tgtEl>
+                </p:cond>
+              </p:prevCondLst>
+              <p:nextCondLst>
+                <p:cond evt="onNext" delay="0">
+                  <p:tgtEl>
+                    <p:sldTgt/>
+                  </p:tgtEl>
+                </p:cond>
+              </p:nextCondLst>
+            </p:seq>
+          </p:childTnLst>
+        </p:cTn>
       </p:par>
     </p:tnLst>
+    <p:bldLst>
+      <p:bldP spid="3" grpId="0" animBg="1"/>
+    </p:bldLst>
   </p:timing>
 </p:sld>
 </file>
@@ -11478,7 +12582,7 @@
       </p:grpSpPr>
       <p:sp>
         <p:nvSpPr>
-          <p:cNvPr id="4" name="Title 3"/>
+          <p:cNvPr id="2" name="Title 1"/>
           <p:cNvSpPr>
             <a:spLocks noGrp="1"/>
           </p:cNvSpPr>
@@ -11486,95 +12590,119 @@
             <p:ph type="title"/>
           </p:nvPr>
         </p:nvSpPr>
-        <p:spPr/>
+        <p:spPr>
+          <a:xfrm>
+            <a:off x="677334" y="273698"/>
+            <a:ext cx="8596668" cy="1320800"/>
+          </a:xfrm>
+        </p:spPr>
         <p:txBody>
           <a:bodyPr/>
           <a:lstStyle/>
           <a:p>
             <a:r>
               <a:rPr lang="pt-PT" dirty="0"/>
-              <a:t>Requisitos de </a:t>
-            </a:r>
-            <a:r>
-              <a:rPr lang="pt-PT" dirty="0" smtClean="0"/>
-              <a:t>sistema </a:t>
-            </a:r>
-            <a:r>
+              <a:t>Diagrama de Sequência de Sistema</a:t>
+            </a:r>
+            <a:br>
               <a:rPr lang="pt-PT" dirty="0"/>
-              <a:t>não-funcionais</a:t>
-            </a:r>
-          </a:p>
-        </p:txBody>
-      </p:sp>
-      <p:sp>
-        <p:nvSpPr>
-          <p:cNvPr id="2" name="Content Placeholder 1"/>
+            </a:br>
+            <a:r>
+              <a:rPr lang="pt-PT" dirty="0"/>
+              <a:t>“Agendar trabalho”</a:t>
+            </a:r>
+          </a:p>
+        </p:txBody>
+      </p:sp>
+      <p:sp>
+        <p:nvSpPr>
+          <p:cNvPr id="4" name="Content Placeholder 3"/>
           <p:cNvSpPr>
             <a:spLocks noGrp="1"/>
           </p:cNvSpPr>
           <p:nvPr>
-            <p:ph idx="1"/>
-          </p:nvPr>
-        </p:nvSpPr>
+            <p:ph sz="half" idx="1"/>
+          </p:nvPr>
+        </p:nvSpPr>
+        <p:spPr/>
+        <p:txBody>
+          <a:bodyPr/>
+          <a:lstStyle/>
+          <a:p>
+            <a:endParaRPr lang="pt-PT" dirty="0"/>
+          </a:p>
+        </p:txBody>
+      </p:sp>
+      <p:sp>
+        <p:nvSpPr>
+          <p:cNvPr id="5" name="Content Placeholder 4"/>
+          <p:cNvSpPr>
+            <a:spLocks noGrp="1"/>
+          </p:cNvSpPr>
+          <p:nvPr>
+            <p:ph sz="half" idx="2"/>
+          </p:nvPr>
+        </p:nvSpPr>
+        <p:spPr/>
+        <p:txBody>
+          <a:bodyPr/>
+          <a:lstStyle/>
+          <a:p>
+            <a:endParaRPr lang="pt-PT" dirty="0"/>
+          </a:p>
+        </p:txBody>
+      </p:sp>
+      <p:pic>
+        <p:nvPicPr>
+          <p:cNvPr id="3" name="Picture 2"/>
+          <p:cNvPicPr>
+            <a:picLocks noChangeAspect="1"/>
+          </p:cNvPicPr>
+          <p:nvPr/>
+        </p:nvPicPr>
+        <p:blipFill rotWithShape="1">
+          <a:blip r:embed="rId2"/>
+          <a:srcRect t="1196"/>
+          <a:stretch/>
+        </p:blipFill>
         <p:spPr>
           <a:xfrm>
-            <a:off x="677334" y="2160589"/>
-            <a:ext cx="8596668" cy="4352178"/>
+            <a:off x="0" y="1530220"/>
+            <a:ext cx="5779537" cy="5327780"/>
           </a:xfrm>
+          <a:prstGeom prst="rect">
+            <a:avLst/>
+          </a:prstGeom>
         </p:spPr>
-        <p:txBody>
-          <a:bodyPr>
-            <a:normAutofit fontScale="92500"/>
-          </a:bodyPr>
-          <a:lstStyle/>
-          <a:p>
-            <a:pPr algn="just"/>
-            <a:r>
-              <a:rPr lang="pt-PT" sz="2800" dirty="0"/>
-              <a:t>Produto</a:t>
-            </a:r>
-          </a:p>
-          <a:p>
-            <a:pPr lvl="1" algn="just"/>
-            <a:r>
-              <a:rPr lang="pt-PT" sz="2400" dirty="0"/>
-              <a:t>O sistema deve estar disponível 24h por dia. No pior dos casos, espera-se uma disponibilidade média superior a 99%;</a:t>
-            </a:r>
-          </a:p>
-          <a:p>
-            <a:pPr lvl="1" algn="just"/>
-            <a:r>
-              <a:rPr lang="pt-PT" sz="2400" dirty="0"/>
-              <a:t>O sistema deve ser de fácil uso;</a:t>
-            </a:r>
-          </a:p>
-          <a:p>
-            <a:pPr lvl="1" algn="just"/>
-            <a:r>
-              <a:rPr lang="pt-PT" sz="2400" dirty="0"/>
-              <a:t>O sistema deve ser produzido de modo a ser executado em todos os browsers;</a:t>
-            </a:r>
-          </a:p>
-          <a:p>
-            <a:pPr lvl="1" algn="just"/>
-            <a:r>
-              <a:rPr lang="pt-PT" sz="2400" dirty="0"/>
-              <a:t>O sistema deve suportar o registo de 1000 utilizadores, no espaço de 1 ano;</a:t>
-            </a:r>
-          </a:p>
-          <a:p>
-            <a:pPr lvl="1" algn="just"/>
-            <a:r>
-              <a:rPr lang="pt-PT" sz="2400" dirty="0"/>
-              <a:t>O nível de satisfação dos utilizadores com a aplicação deverá ser elevado.</a:t>
-            </a:r>
-          </a:p>
-        </p:txBody>
-      </p:sp>
+      </p:pic>
+      <p:pic>
+        <p:nvPicPr>
+          <p:cNvPr id="6" name="Picture 5"/>
+          <p:cNvPicPr>
+            <a:picLocks noChangeAspect="1"/>
+          </p:cNvPicPr>
+          <p:nvPr/>
+        </p:nvPicPr>
+        <p:blipFill>
+          <a:blip r:embed="rId3"/>
+          <a:stretch>
+            <a:fillRect/>
+          </a:stretch>
+        </p:blipFill>
+        <p:spPr>
+          <a:xfrm>
+            <a:off x="6217979" y="1594498"/>
+            <a:ext cx="5974021" cy="5279883"/>
+          </a:xfrm>
+          <a:prstGeom prst="rect">
+            <a:avLst/>
+          </a:prstGeom>
+        </p:spPr>
+      </p:pic>
     </p:spTree>
     <p:extLst>
       <p:ext uri="{BB962C8B-B14F-4D97-AF65-F5344CB8AC3E}">
-        <p14:creationId xmlns:p14="http://schemas.microsoft.com/office/powerpoint/2010/main" val="206296111"/>
+        <p14:creationId xmlns:p14="http://schemas.microsoft.com/office/powerpoint/2010/main" val="2998013"/>
       </p:ext>
     </p:extLst>
   </p:cSld>

--- a/relatorio/Fase 3/LI4.pptx
+++ b/relatorio/Fase 3/LI4.pptx
@@ -5,7 +5,7 @@
     <p:sldMasterId id="2147483668" r:id="rId1"/>
   </p:sldMasterIdLst>
   <p:notesMasterIdLst>
-    <p:notesMasterId r:id="rId23"/>
+    <p:notesMasterId r:id="rId26"/>
   </p:notesMasterIdLst>
   <p:sldIdLst>
     <p:sldId id="256" r:id="rId2"/>
@@ -23,12 +23,15 @@
     <p:sldId id="357" r:id="rId14"/>
     <p:sldId id="359" r:id="rId15"/>
     <p:sldId id="356" r:id="rId16"/>
-    <p:sldId id="362" r:id="rId17"/>
-    <p:sldId id="360" r:id="rId18"/>
-    <p:sldId id="363" r:id="rId19"/>
-    <p:sldId id="361" r:id="rId20"/>
-    <p:sldId id="364" r:id="rId21"/>
-    <p:sldId id="303" r:id="rId22"/>
+    <p:sldId id="365" r:id="rId17"/>
+    <p:sldId id="362" r:id="rId18"/>
+    <p:sldId id="360" r:id="rId19"/>
+    <p:sldId id="366" r:id="rId20"/>
+    <p:sldId id="363" r:id="rId21"/>
+    <p:sldId id="361" r:id="rId22"/>
+    <p:sldId id="367" r:id="rId23"/>
+    <p:sldId id="364" r:id="rId24"/>
+    <p:sldId id="303" r:id="rId25"/>
   </p:sldIdLst>
   <p:sldSz cx="12192000" cy="6858000"/>
   <p:notesSz cx="6858000" cy="9144000"/>
@@ -217,7 +220,7 @@
           <a:p>
             <a:fld id="{FC77EE40-E473-4F3B-ABB7-4026700F0D66}" type="datetimeFigureOut">
               <a:rPr lang="pt-PT" smtClean="0"/>
-              <a:t>10-06-2018</a:t>
+              <a:t>11-06-2018</a:t>
             </a:fld>
             <a:endParaRPr lang="pt-PT" dirty="0"/>
           </a:p>
@@ -1406,7 +1409,7 @@
             <a:fld id="{B61BEF0D-F0BB-DE4B-95CE-6DB70DBA9567}" type="datetimeFigureOut">
               <a:rPr lang="en-US" smtClean="0"/>
               <a:pPr/>
-              <a:t>6/10/2018</a:t>
+              <a:t>6/11/2018</a:t>
             </a:fld>
             <a:endParaRPr lang="en-US" dirty="0"/>
           </a:p>
@@ -1659,7 +1662,7 @@
             <a:fld id="{B61BEF0D-F0BB-DE4B-95CE-6DB70DBA9567}" type="datetimeFigureOut">
               <a:rPr lang="en-US" smtClean="0"/>
               <a:pPr/>
-              <a:t>6/10/2018</a:t>
+              <a:t>6/11/2018</a:t>
             </a:fld>
             <a:endParaRPr lang="en-US" dirty="0"/>
           </a:p>
@@ -1975,7 +1978,7 @@
             <a:fld id="{B61BEF0D-F0BB-DE4B-95CE-6DB70DBA9567}" type="datetimeFigureOut">
               <a:rPr lang="en-US" smtClean="0"/>
               <a:pPr/>
-              <a:t>6/10/2018</a:t>
+              <a:t>6/11/2018</a:t>
             </a:fld>
             <a:endParaRPr lang="en-US" dirty="0"/>
           </a:p>
@@ -2310,7 +2313,7 @@
             <a:fld id="{B61BEF0D-F0BB-DE4B-95CE-6DB70DBA9567}" type="datetimeFigureOut">
               <a:rPr lang="en-US" smtClean="0"/>
               <a:pPr/>
-              <a:t>6/10/2018</a:t>
+              <a:t>6/11/2018</a:t>
             </a:fld>
             <a:endParaRPr lang="en-US" dirty="0"/>
           </a:p>
@@ -2626,7 +2629,7 @@
             <a:fld id="{B61BEF0D-F0BB-DE4B-95CE-6DB70DBA9567}" type="datetimeFigureOut">
               <a:rPr lang="en-US" smtClean="0"/>
               <a:pPr/>
-              <a:t>6/10/2018</a:t>
+              <a:t>6/11/2018</a:t>
             </a:fld>
             <a:endParaRPr lang="en-US" dirty="0"/>
           </a:p>
@@ -3021,7 +3024,7 @@
             <a:fld id="{B61BEF0D-F0BB-DE4B-95CE-6DB70DBA9567}" type="datetimeFigureOut">
               <a:rPr lang="en-US" smtClean="0"/>
               <a:pPr/>
-              <a:t>6/10/2018</a:t>
+              <a:t>6/11/2018</a:t>
             </a:fld>
             <a:endParaRPr lang="en-US" dirty="0"/>
           </a:p>
@@ -3193,7 +3196,7 @@
             <a:fld id="{B61BEF0D-F0BB-DE4B-95CE-6DB70DBA9567}" type="datetimeFigureOut">
               <a:rPr lang="en-US" smtClean="0"/>
               <a:pPr/>
-              <a:t>6/10/2018</a:t>
+              <a:t>6/11/2018</a:t>
             </a:fld>
             <a:endParaRPr lang="en-US" dirty="0"/>
           </a:p>
@@ -3375,7 +3378,7 @@
             <a:fld id="{B61BEF0D-F0BB-DE4B-95CE-6DB70DBA9567}" type="datetimeFigureOut">
               <a:rPr lang="en-US" smtClean="0"/>
               <a:pPr/>
-              <a:t>6/10/2018</a:t>
+              <a:t>6/11/2018</a:t>
             </a:fld>
             <a:endParaRPr lang="en-US" dirty="0"/>
           </a:p>
@@ -3547,7 +3550,7 @@
             <a:fld id="{B61BEF0D-F0BB-DE4B-95CE-6DB70DBA9567}" type="datetimeFigureOut">
               <a:rPr lang="en-US" smtClean="0"/>
               <a:pPr/>
-              <a:t>6/10/2018</a:t>
+              <a:t>6/11/2018</a:t>
             </a:fld>
             <a:endParaRPr lang="en-US" dirty="0"/>
           </a:p>
@@ -3796,7 +3799,7 @@
             <a:fld id="{B61BEF0D-F0BB-DE4B-95CE-6DB70DBA9567}" type="datetimeFigureOut">
               <a:rPr lang="en-US" smtClean="0"/>
               <a:pPr/>
-              <a:t>6/10/2018</a:t>
+              <a:t>6/11/2018</a:t>
             </a:fld>
             <a:endParaRPr lang="en-US" dirty="0"/>
           </a:p>
@@ -4030,7 +4033,7 @@
             <a:fld id="{B61BEF0D-F0BB-DE4B-95CE-6DB70DBA9567}" type="datetimeFigureOut">
               <a:rPr lang="en-US" smtClean="0"/>
               <a:pPr/>
-              <a:t>6/10/2018</a:t>
+              <a:t>6/11/2018</a:t>
             </a:fld>
             <a:endParaRPr lang="en-US" dirty="0"/>
           </a:p>
@@ -4406,7 +4409,7 @@
             <a:fld id="{B61BEF0D-F0BB-DE4B-95CE-6DB70DBA9567}" type="datetimeFigureOut">
               <a:rPr lang="en-US" smtClean="0"/>
               <a:pPr/>
-              <a:t>6/10/2018</a:t>
+              <a:t>6/11/2018</a:t>
             </a:fld>
             <a:endParaRPr lang="en-US" dirty="0"/>
           </a:p>
@@ -4531,7 +4534,7 @@
             <a:fld id="{B61BEF0D-F0BB-DE4B-95CE-6DB70DBA9567}" type="datetimeFigureOut">
               <a:rPr lang="en-US" smtClean="0"/>
               <a:pPr/>
-              <a:t>6/10/2018</a:t>
+              <a:t>6/11/2018</a:t>
             </a:fld>
             <a:endParaRPr lang="en-US" dirty="0"/>
           </a:p>
@@ -4628,7 +4631,7 @@
             <a:fld id="{B61BEF0D-F0BB-DE4B-95CE-6DB70DBA9567}" type="datetimeFigureOut">
               <a:rPr lang="en-US" smtClean="0"/>
               <a:pPr/>
-              <a:t>6/10/2018</a:t>
+              <a:t>6/11/2018</a:t>
             </a:fld>
             <a:endParaRPr lang="en-US" dirty="0"/>
           </a:p>
@@ -4885,7 +4888,7 @@
             <a:fld id="{B61BEF0D-F0BB-DE4B-95CE-6DB70DBA9567}" type="datetimeFigureOut">
               <a:rPr lang="en-US" smtClean="0"/>
               <a:pPr/>
-              <a:t>6/10/2018</a:t>
+              <a:t>6/11/2018</a:t>
             </a:fld>
             <a:endParaRPr lang="en-US" dirty="0"/>
           </a:p>
@@ -5193,7 +5196,7 @@
             <a:fld id="{B61BEF0D-F0BB-DE4B-95CE-6DB70DBA9567}" type="datetimeFigureOut">
               <a:rPr lang="en-US" smtClean="0"/>
               <a:pPr/>
-              <a:t>6/10/2018</a:t>
+              <a:t>6/11/2018</a:t>
             </a:fld>
             <a:endParaRPr lang="en-US" dirty="0"/>
           </a:p>
@@ -5896,7 +5899,7 @@
             <a:fld id="{B61BEF0D-F0BB-DE4B-95CE-6DB70DBA9567}" type="datetimeFigureOut">
               <a:rPr lang="en-US" smtClean="0"/>
               <a:pPr/>
-              <a:t>6/10/2018</a:t>
+              <a:t>6/11/2018</a:t>
             </a:fld>
             <a:endParaRPr lang="en-US" dirty="0"/>
           </a:p>
@@ -7311,13 +7314,13 @@
   <p:clrMapOvr>
     <a:masterClrMapping/>
   </p:clrMapOvr>
-  <mc:AlternateContent xmlns:mc="http://schemas.openxmlformats.org/markup-compatibility/2006">
-    <mc:Choice xmlns:p14="http://schemas.microsoft.com/office/powerpoint/2010/main" Requires="p14">
+  <mc:AlternateContent xmlns:mc="http://schemas.openxmlformats.org/markup-compatibility/2006" xmlns:p14="http://schemas.microsoft.com/office/powerpoint/2010/main">
+    <mc:Choice Requires="p14">
       <p:transition spd="med" p14:dur="700">
         <p:fade/>
       </p:transition>
     </mc:Choice>
-    <mc:Fallback>
+    <mc:Fallback xmlns="">
       <p:transition spd="med">
         <p:fade/>
       </p:transition>
@@ -7900,13 +7903,13 @@
   <p:clrMapOvr>
     <a:masterClrMapping/>
   </p:clrMapOvr>
-  <mc:AlternateContent xmlns:mc="http://schemas.openxmlformats.org/markup-compatibility/2006">
-    <mc:Choice xmlns:p14="http://schemas.microsoft.com/office/powerpoint/2010/main" Requires="p14">
+  <mc:AlternateContent xmlns:mc="http://schemas.openxmlformats.org/markup-compatibility/2006" xmlns:p14="http://schemas.microsoft.com/office/powerpoint/2010/main">
+    <mc:Choice Requires="p14">
       <p:transition spd="med" p14:dur="700">
         <p:fade/>
       </p:transition>
     </mc:Choice>
-    <mc:Fallback>
+    <mc:Fallback xmlns="">
       <p:transition spd="med">
         <p:fade/>
       </p:transition>
@@ -8122,13 +8125,13 @@
   <p:clrMapOvr>
     <a:masterClrMapping/>
   </p:clrMapOvr>
-  <mc:AlternateContent xmlns:mc="http://schemas.openxmlformats.org/markup-compatibility/2006">
-    <mc:Choice xmlns:p14="http://schemas.microsoft.com/office/powerpoint/2010/main" Requires="p14">
+  <mc:AlternateContent xmlns:mc="http://schemas.openxmlformats.org/markup-compatibility/2006" xmlns:p14="http://schemas.microsoft.com/office/powerpoint/2010/main">
+    <mc:Choice Requires="p14">
       <p:transition spd="med" p14:dur="700">
         <p:fade/>
       </p:transition>
     </mc:Choice>
-    <mc:Fallback>
+    <mc:Fallback xmlns="">
       <p:transition spd="med">
         <p:fade/>
       </p:transition>
@@ -8282,13 +8285,13 @@
   <p:clrMapOvr>
     <a:masterClrMapping/>
   </p:clrMapOvr>
-  <mc:AlternateContent xmlns:mc="http://schemas.openxmlformats.org/markup-compatibility/2006">
-    <mc:Choice xmlns:p14="http://schemas.microsoft.com/office/powerpoint/2010/main" Requires="p14">
+  <mc:AlternateContent xmlns:mc="http://schemas.openxmlformats.org/markup-compatibility/2006" xmlns:p14="http://schemas.microsoft.com/office/powerpoint/2010/main">
+    <mc:Choice Requires="p14">
       <p:transition spd="med" p14:dur="700">
         <p:fade/>
       </p:transition>
     </mc:Choice>
-    <mc:Fallback>
+    <mc:Fallback xmlns="">
       <p:transition spd="med">
         <p:fade/>
       </p:transition>
@@ -8460,11 +8463,7 @@
           <a:p>
             <a:r>
               <a:rPr lang="pt-PT" dirty="0" smtClean="0"/>
-              <a:t>Agendar </a:t>
-            </a:r>
-            <a:r>
-              <a:rPr lang="pt-PT" dirty="0" smtClean="0"/>
-              <a:t>Trabalho</a:t>
+              <a:t>Agendar Trabalho</a:t>
             </a:r>
             <a:endParaRPr lang="pt-PT" dirty="0"/>
           </a:p>
@@ -8564,13 +8563,13 @@
   <p:clrMapOvr>
     <a:masterClrMapping/>
   </p:clrMapOvr>
-  <mc:AlternateContent xmlns:mc="http://schemas.openxmlformats.org/markup-compatibility/2006">
-    <mc:Choice xmlns:p14="http://schemas.microsoft.com/office/powerpoint/2010/main" Requires="p14">
+  <mc:AlternateContent xmlns:mc="http://schemas.openxmlformats.org/markup-compatibility/2006" xmlns:p14="http://schemas.microsoft.com/office/powerpoint/2010/main">
+    <mc:Choice Requires="p14">
       <p:transition spd="med" p14:dur="700">
         <p:fade/>
       </p:transition>
     </mc:Choice>
-    <mc:Fallback>
+    <mc:Fallback xmlns="">
       <p:transition spd="med">
         <p:fade/>
       </p:transition>
@@ -8742,11 +8741,7 @@
           <a:p>
             <a:r>
               <a:rPr lang="pt-PT" dirty="0" smtClean="0"/>
-              <a:t>Agendar </a:t>
-            </a:r>
-            <a:r>
-              <a:rPr lang="pt-PT" dirty="0" smtClean="0"/>
-              <a:t>Trabalho</a:t>
+              <a:t>Agendar Trabalho</a:t>
             </a:r>
             <a:endParaRPr lang="pt-PT" dirty="0"/>
           </a:p>
@@ -8806,6 +8801,160 @@
           </a:extLst>
         </p:spPr>
       </p:pic>
+      <p:pic>
+        <p:nvPicPr>
+          <p:cNvPr id="6" name="Picture 5"/>
+          <p:cNvPicPr>
+            <a:picLocks noChangeAspect="1"/>
+          </p:cNvPicPr>
+          <p:nvPr/>
+        </p:nvPicPr>
+        <p:blipFill rotWithShape="1">
+          <a:blip r:embed="rId3"/>
+          <a:srcRect l="4192" t="1196" r="17984" b="53410"/>
+          <a:stretch/>
+        </p:blipFill>
+        <p:spPr>
+          <a:xfrm>
+            <a:off x="5971822" y="2167568"/>
+            <a:ext cx="5822061" cy="3168451"/>
+          </a:xfrm>
+          <a:prstGeom prst="rect">
+            <a:avLst/>
+          </a:prstGeom>
+        </p:spPr>
+      </p:pic>
+    </p:spTree>
+    <p:extLst>
+      <p:ext uri="{BB962C8B-B14F-4D97-AF65-F5344CB8AC3E}">
+        <p14:creationId xmlns:p14="http://schemas.microsoft.com/office/powerpoint/2010/main" val="3908793210"/>
+      </p:ext>
+    </p:extLst>
+  </p:cSld>
+  <p:clrMapOvr>
+    <a:masterClrMapping/>
+  </p:clrMapOvr>
+  <mc:AlternateContent xmlns:mc="http://schemas.openxmlformats.org/markup-compatibility/2006" xmlns:p14="http://schemas.microsoft.com/office/powerpoint/2010/main">
+    <mc:Choice Requires="p14">
+      <p:transition spd="med" p14:dur="700">
+        <p:fade/>
+      </p:transition>
+    </mc:Choice>
+    <mc:Fallback xmlns="">
+      <p:transition spd="med">
+        <p:fade/>
+      </p:transition>
+    </mc:Fallback>
+  </mc:AlternateContent>
+  <p:timing>
+    <p:tnLst>
+      <p:par>
+        <p:cTn id="1" dur="indefinite" restart="never" nodeType="tmRoot"/>
+      </p:par>
+    </p:tnLst>
+  </p:timing>
+</p:sld>
+</file>
+
+<file path=ppt/slides/slide17.xml><?xml version="1.0" encoding="utf-8"?>
+<p:sld xmlns:a="http://schemas.openxmlformats.org/drawingml/2006/main" xmlns:r="http://schemas.openxmlformats.org/officeDocument/2006/relationships" xmlns:p="http://schemas.openxmlformats.org/presentationml/2006/main">
+  <p:cSld>
+    <p:spTree>
+      <p:nvGrpSpPr>
+        <p:cNvPr id="1" name=""/>
+        <p:cNvGrpSpPr/>
+        <p:nvPr/>
+      </p:nvGrpSpPr>
+      <p:grpSpPr>
+        <a:xfrm>
+          <a:off x="0" y="0"/>
+          <a:ext cx="0" cy="0"/>
+          <a:chOff x="0" y="0"/>
+          <a:chExt cx="0" cy="0"/>
+        </a:xfrm>
+      </p:grpSpPr>
+      <p:sp>
+        <p:nvSpPr>
+          <p:cNvPr id="2" name="Title 1"/>
+          <p:cNvSpPr>
+            <a:spLocks noGrp="1"/>
+          </p:cNvSpPr>
+          <p:nvPr>
+            <p:ph type="title"/>
+          </p:nvPr>
+        </p:nvSpPr>
+        <p:spPr>
+          <a:xfrm>
+            <a:off x="225778" y="0"/>
+            <a:ext cx="8596668" cy="1320800"/>
+          </a:xfrm>
+        </p:spPr>
+        <p:txBody>
+          <a:bodyPr/>
+          <a:lstStyle/>
+          <a:p>
+            <a:r>
+              <a:rPr lang="pt-PT" dirty="0" smtClean="0"/>
+              <a:t>Agendar Trabalho</a:t>
+            </a:r>
+            <a:endParaRPr lang="pt-PT" dirty="0"/>
+          </a:p>
+        </p:txBody>
+      </p:sp>
+      <p:pic>
+        <p:nvPicPr>
+          <p:cNvPr id="3074" name="Picture 2"/>
+          <p:cNvPicPr>
+            <a:picLocks noChangeAspect="1" noChangeArrowheads="1"/>
+          </p:cNvPicPr>
+          <p:nvPr/>
+        </p:nvPicPr>
+        <p:blipFill>
+          <a:blip r:embed="rId2">
+            <a:extLst>
+              <a:ext uri="{28A0092B-C50C-407E-A947-70E740481C1C}">
+                <a14:useLocalDpi xmlns:a14="http://schemas.microsoft.com/office/drawing/2010/main" val="0"/>
+              </a:ext>
+            </a:extLst>
+          </a:blip>
+          <a:srcRect/>
+          <a:stretch>
+            <a:fillRect/>
+          </a:stretch>
+        </p:blipFill>
+        <p:spPr bwMode="auto">
+          <a:xfrm>
+            <a:off x="225778" y="829733"/>
+            <a:ext cx="5746044" cy="5844123"/>
+          </a:xfrm>
+          <a:prstGeom prst="rect">
+            <a:avLst/>
+          </a:prstGeom>
+          <a:noFill/>
+          <a:ln>
+            <a:noFill/>
+          </a:ln>
+          <a:extLst>
+            <a:ext uri="{909E8E84-426E-40DD-AFC4-6F175D3DCCD1}">
+              <a14:hiddenFill xmlns:a14="http://schemas.microsoft.com/office/drawing/2010/main">
+                <a:solidFill>
+                  <a:srgbClr val="FFFFFF"/>
+                </a:solidFill>
+              </a14:hiddenFill>
+            </a:ext>
+            <a:ext uri="{91240B29-F687-4F45-9708-019B960494DF}">
+              <a14:hiddenLine xmlns:a14="http://schemas.microsoft.com/office/drawing/2010/main" w="9525">
+                <a:solidFill>
+                  <a:srgbClr val="000000"/>
+                </a:solidFill>
+                <a:miter lim="800000"/>
+                <a:headEnd/>
+                <a:tailEnd/>
+              </a14:hiddenLine>
+            </a:ext>
+          </a:extLst>
+        </p:spPr>
+      </p:pic>
       <p:sp>
         <p:nvSpPr>
           <p:cNvPr id="6" name="TextBox 5"/>
@@ -8895,13 +9044,13 @@
   <p:clrMapOvr>
     <a:masterClrMapping/>
   </p:clrMapOvr>
-  <mc:AlternateContent xmlns:mc="http://schemas.openxmlformats.org/markup-compatibility/2006">
-    <mc:Choice xmlns:p14="http://schemas.microsoft.com/office/powerpoint/2010/main" Requires="p14">
+  <mc:AlternateContent xmlns:mc="http://schemas.openxmlformats.org/markup-compatibility/2006" xmlns:p14="http://schemas.microsoft.com/office/powerpoint/2010/main">
+    <mc:Choice Requires="p14">
       <p:transition spd="med" p14:dur="700">
         <p:fade/>
       </p:transition>
     </mc:Choice>
-    <mc:Fallback>
+    <mc:Fallback xmlns="">
       <p:transition spd="med">
         <p:fade/>
       </p:transition>
@@ -8999,7 +9148,7 @@
 </p:sld>
 </file>
 
-<file path=ppt/slides/slide17.xml><?xml version="1.0" encoding="utf-8"?>
+<file path=ppt/slides/slide18.xml><?xml version="1.0" encoding="utf-8"?>
 <p:sld xmlns:a="http://schemas.openxmlformats.org/drawingml/2006/main" xmlns:r="http://schemas.openxmlformats.org/officeDocument/2006/relationships" xmlns:p="http://schemas.openxmlformats.org/presentationml/2006/main">
   <p:cSld>
     <p:spTree>
@@ -9038,11 +9187,7 @@
           <a:p>
             <a:r>
               <a:rPr lang="pt-PT" dirty="0" smtClean="0"/>
-              <a:t>Agendar </a:t>
-            </a:r>
-            <a:r>
-              <a:rPr lang="pt-PT" dirty="0" smtClean="0"/>
-              <a:t>Trabalho</a:t>
+              <a:t>Agendar Trabalho</a:t>
             </a:r>
             <a:endParaRPr lang="pt-PT" dirty="0"/>
           </a:p>
@@ -9156,13 +9301,13 @@
   <p:clrMapOvr>
     <a:masterClrMapping/>
   </p:clrMapOvr>
-  <mc:AlternateContent xmlns:mc="http://schemas.openxmlformats.org/markup-compatibility/2006">
-    <mc:Choice xmlns:p14="http://schemas.microsoft.com/office/powerpoint/2010/main" Requires="p14">
+  <mc:AlternateContent xmlns:mc="http://schemas.openxmlformats.org/markup-compatibility/2006" xmlns:p14="http://schemas.microsoft.com/office/powerpoint/2010/main">
+    <mc:Choice Requires="p14">
       <p:transition spd="med" p14:dur="700">
         <p:fade/>
       </p:transition>
     </mc:Choice>
-    <mc:Fallback>
+    <mc:Fallback xmlns="">
       <p:transition spd="med">
         <p:fade/>
       </p:transition>
@@ -9295,7 +9440,7 @@
 </p:sld>
 </file>
 
-<file path=ppt/slides/slide18.xml><?xml version="1.0" encoding="utf-8"?>
+<file path=ppt/slides/slide19.xml><?xml version="1.0" encoding="utf-8"?>
 <p:sld xmlns:a="http://schemas.openxmlformats.org/drawingml/2006/main" xmlns:r="http://schemas.openxmlformats.org/officeDocument/2006/relationships" xmlns:p="http://schemas.openxmlformats.org/presentationml/2006/main">
   <p:cSld>
     <p:spTree>
@@ -9334,11 +9479,7 @@
           <a:p>
             <a:r>
               <a:rPr lang="pt-PT" dirty="0" smtClean="0"/>
-              <a:t>Agendar </a:t>
-            </a:r>
-            <a:r>
-              <a:rPr lang="pt-PT" dirty="0" smtClean="0"/>
-              <a:t>Trabalho</a:t>
+              <a:t>Agendar Trabalho</a:t>
             </a:r>
             <a:endParaRPr lang="pt-PT" dirty="0"/>
           </a:p>
@@ -9400,6 +9541,297 @@
       </p:pic>
       <p:sp>
         <p:nvSpPr>
+          <p:cNvPr id="5" name="Content Placeholder 4"/>
+          <p:cNvSpPr>
+            <a:spLocks noGrp="1"/>
+          </p:cNvSpPr>
+          <p:nvPr>
+            <p:ph idx="1"/>
+          </p:nvPr>
+        </p:nvSpPr>
+        <p:spPr/>
+        <p:txBody>
+          <a:bodyPr/>
+          <a:lstStyle/>
+          <a:p>
+            <a:endParaRPr lang="pt-PT"/>
+          </a:p>
+        </p:txBody>
+      </p:sp>
+      <p:pic>
+        <p:nvPicPr>
+          <p:cNvPr id="8" name="Picture 7"/>
+          <p:cNvPicPr>
+            <a:picLocks noChangeAspect="1"/>
+          </p:cNvPicPr>
+          <p:nvPr/>
+        </p:nvPicPr>
+        <p:blipFill>
+          <a:blip r:embed="rId3"/>
+          <a:stretch>
+            <a:fillRect/>
+          </a:stretch>
+        </p:blipFill>
+        <p:spPr>
+          <a:xfrm>
+            <a:off x="4069910" y="1422906"/>
+            <a:ext cx="7547504" cy="4275513"/>
+          </a:xfrm>
+          <a:prstGeom prst="rect">
+            <a:avLst/>
+          </a:prstGeom>
+          <a:ln w="38100" cap="sq">
+            <a:solidFill>
+              <a:srgbClr val="000000"/>
+            </a:solidFill>
+            <a:prstDash val="solid"/>
+            <a:miter lim="800000"/>
+          </a:ln>
+          <a:effectLst>
+            <a:outerShdw blurRad="50800" dist="38100" dir="2700000" algn="tl" rotWithShape="0">
+              <a:srgbClr val="000000">
+                <a:alpha val="43000"/>
+              </a:srgbClr>
+            </a:outerShdw>
+          </a:effectLst>
+        </p:spPr>
+      </p:pic>
+    </p:spTree>
+    <p:extLst>
+      <p:ext uri="{BB962C8B-B14F-4D97-AF65-F5344CB8AC3E}">
+        <p14:creationId xmlns:p14="http://schemas.microsoft.com/office/powerpoint/2010/main" val="3334868265"/>
+      </p:ext>
+    </p:extLst>
+  </p:cSld>
+  <p:clrMapOvr>
+    <a:masterClrMapping/>
+  </p:clrMapOvr>
+  <mc:AlternateContent xmlns:mc="http://schemas.openxmlformats.org/markup-compatibility/2006" xmlns:p14="http://schemas.microsoft.com/office/powerpoint/2010/main">
+    <mc:Choice Requires="p14">
+      <p:transition spd="med" p14:dur="700">
+        <p:fade/>
+      </p:transition>
+    </mc:Choice>
+    <mc:Fallback xmlns="">
+      <p:transition spd="med">
+        <p:fade/>
+      </p:transition>
+    </mc:Fallback>
+  </mc:AlternateContent>
+  <p:timing>
+    <p:tnLst>
+      <p:par>
+        <p:cTn id="1" dur="indefinite" restart="never" nodeType="tmRoot"/>
+      </p:par>
+    </p:tnLst>
+  </p:timing>
+</p:sld>
+</file>
+
+<file path=ppt/slides/slide2.xml><?xml version="1.0" encoding="utf-8"?>
+<p:sld xmlns:a="http://schemas.openxmlformats.org/drawingml/2006/main" xmlns:r="http://schemas.openxmlformats.org/officeDocument/2006/relationships" xmlns:p="http://schemas.openxmlformats.org/presentationml/2006/main">
+  <p:cSld>
+    <p:spTree>
+      <p:nvGrpSpPr>
+        <p:cNvPr id="1" name=""/>
+        <p:cNvGrpSpPr/>
+        <p:nvPr/>
+      </p:nvGrpSpPr>
+      <p:grpSpPr>
+        <a:xfrm>
+          <a:off x="0" y="0"/>
+          <a:ext cx="0" cy="0"/>
+          <a:chOff x="0" y="0"/>
+          <a:chExt cx="0" cy="0"/>
+        </a:xfrm>
+      </p:grpSpPr>
+      <p:sp>
+        <p:nvSpPr>
+          <p:cNvPr id="2" name="Title 1"/>
+          <p:cNvSpPr>
+            <a:spLocks noGrp="1"/>
+          </p:cNvSpPr>
+          <p:nvPr>
+            <p:ph type="title"/>
+          </p:nvPr>
+        </p:nvSpPr>
+        <p:spPr/>
+        <p:txBody>
+          <a:bodyPr>
+            <a:normAutofit/>
+          </a:bodyPr>
+          <a:lstStyle/>
+          <a:p>
+            <a:r>
+              <a:rPr lang="pt-PT" sz="5400" dirty="0"/>
+              <a:t>Parte </a:t>
+            </a:r>
+            <a:r>
+              <a:rPr lang="pt-PT" sz="5400" dirty="0" smtClean="0"/>
+              <a:t>III</a:t>
+            </a:r>
+            <a:endParaRPr lang="pt-PT" sz="5400" dirty="0"/>
+          </a:p>
+        </p:txBody>
+      </p:sp>
+      <p:sp>
+        <p:nvSpPr>
+          <p:cNvPr id="3" name="Text Placeholder 2"/>
+          <p:cNvSpPr>
+            <a:spLocks noGrp="1"/>
+          </p:cNvSpPr>
+          <p:nvPr>
+            <p:ph type="body" idx="1"/>
+          </p:nvPr>
+        </p:nvSpPr>
+        <p:spPr/>
+        <p:txBody>
+          <a:bodyPr>
+            <a:normAutofit/>
+          </a:bodyPr>
+          <a:lstStyle/>
+          <a:p>
+            <a:r>
+              <a:rPr lang="pt-PT" sz="3200" dirty="0" smtClean="0"/>
+              <a:t>Implementação</a:t>
+            </a:r>
+            <a:endParaRPr lang="pt-PT" sz="3200" dirty="0"/>
+          </a:p>
+        </p:txBody>
+      </p:sp>
+    </p:spTree>
+    <p:extLst>
+      <p:ext uri="{BB962C8B-B14F-4D97-AF65-F5344CB8AC3E}">
+        <p14:creationId xmlns:p14="http://schemas.microsoft.com/office/powerpoint/2010/main" val="2134899933"/>
+      </p:ext>
+    </p:extLst>
+  </p:cSld>
+  <p:clrMapOvr>
+    <a:masterClrMapping/>
+  </p:clrMapOvr>
+  <mc:AlternateContent xmlns:mc="http://schemas.openxmlformats.org/markup-compatibility/2006" xmlns:p14="http://schemas.microsoft.com/office/powerpoint/2010/main">
+    <mc:Choice Requires="p14">
+      <p:transition spd="med" p14:dur="700">
+        <p:fade/>
+      </p:transition>
+    </mc:Choice>
+    <mc:Fallback xmlns="">
+      <p:transition spd="med">
+        <p:fade/>
+      </p:transition>
+    </mc:Fallback>
+  </mc:AlternateContent>
+  <p:timing>
+    <p:tnLst>
+      <p:par>
+        <p:cTn id="1" dur="indefinite" restart="never" nodeType="tmRoot"/>
+      </p:par>
+    </p:tnLst>
+  </p:timing>
+</p:sld>
+</file>
+
+<file path=ppt/slides/slide20.xml><?xml version="1.0" encoding="utf-8"?>
+<p:sld xmlns:a="http://schemas.openxmlformats.org/drawingml/2006/main" xmlns:r="http://schemas.openxmlformats.org/officeDocument/2006/relationships" xmlns:p="http://schemas.openxmlformats.org/presentationml/2006/main">
+  <p:cSld>
+    <p:spTree>
+      <p:nvGrpSpPr>
+        <p:cNvPr id="1" name=""/>
+        <p:cNvGrpSpPr/>
+        <p:nvPr/>
+      </p:nvGrpSpPr>
+      <p:grpSpPr>
+        <a:xfrm>
+          <a:off x="0" y="0"/>
+          <a:ext cx="0" cy="0"/>
+          <a:chOff x="0" y="0"/>
+          <a:chExt cx="0" cy="0"/>
+        </a:xfrm>
+      </p:grpSpPr>
+      <p:sp>
+        <p:nvSpPr>
+          <p:cNvPr id="2" name="Title 1"/>
+          <p:cNvSpPr>
+            <a:spLocks noGrp="1"/>
+          </p:cNvSpPr>
+          <p:nvPr>
+            <p:ph type="title"/>
+          </p:nvPr>
+        </p:nvSpPr>
+        <p:spPr>
+          <a:xfrm>
+            <a:off x="225778" y="0"/>
+            <a:ext cx="8596668" cy="1320800"/>
+          </a:xfrm>
+        </p:spPr>
+        <p:txBody>
+          <a:bodyPr/>
+          <a:lstStyle/>
+          <a:p>
+            <a:r>
+              <a:rPr lang="pt-PT" dirty="0" smtClean="0"/>
+              <a:t>Agendar Trabalho</a:t>
+            </a:r>
+            <a:endParaRPr lang="pt-PT" dirty="0"/>
+          </a:p>
+        </p:txBody>
+      </p:sp>
+      <p:pic>
+        <p:nvPicPr>
+          <p:cNvPr id="5122" name="Picture 2"/>
+          <p:cNvPicPr>
+            <a:picLocks noChangeAspect="1" noChangeArrowheads="1"/>
+          </p:cNvPicPr>
+          <p:nvPr/>
+        </p:nvPicPr>
+        <p:blipFill>
+          <a:blip r:embed="rId2">
+            <a:extLst>
+              <a:ext uri="{28A0092B-C50C-407E-A947-70E740481C1C}">
+                <a14:useLocalDpi xmlns:a14="http://schemas.microsoft.com/office/drawing/2010/main" val="0"/>
+              </a:ext>
+            </a:extLst>
+          </a:blip>
+          <a:srcRect/>
+          <a:stretch>
+            <a:fillRect/>
+          </a:stretch>
+        </p:blipFill>
+        <p:spPr bwMode="auto">
+          <a:xfrm>
+            <a:off x="225778" y="1020763"/>
+            <a:ext cx="7166328" cy="5255859"/>
+          </a:xfrm>
+          <a:prstGeom prst="rect">
+            <a:avLst/>
+          </a:prstGeom>
+          <a:noFill/>
+          <a:ln>
+            <a:noFill/>
+          </a:ln>
+          <a:extLst>
+            <a:ext uri="{909E8E84-426E-40DD-AFC4-6F175D3DCCD1}">
+              <a14:hiddenFill xmlns:a14="http://schemas.microsoft.com/office/drawing/2010/main">
+                <a:solidFill>
+                  <a:srgbClr val="FFFFFF"/>
+                </a:solidFill>
+              </a14:hiddenFill>
+            </a:ext>
+            <a:ext uri="{91240B29-F687-4F45-9708-019B960494DF}">
+              <a14:hiddenLine xmlns:a14="http://schemas.microsoft.com/office/drawing/2010/main" w="9525">
+                <a:solidFill>
+                  <a:srgbClr val="000000"/>
+                </a:solidFill>
+                <a:miter lim="800000"/>
+                <a:headEnd/>
+                <a:tailEnd/>
+              </a14:hiddenLine>
+            </a:ext>
+          </a:extLst>
+        </p:spPr>
+      </p:pic>
+      <p:sp>
+        <p:nvSpPr>
           <p:cNvPr id="7" name="TextBox 6"/>
           <p:cNvSpPr txBox="1"/>
           <p:nvPr/>
@@ -9499,13 +9931,13 @@
   <p:clrMapOvr>
     <a:masterClrMapping/>
   </p:clrMapOvr>
-  <mc:AlternateContent xmlns:mc="http://schemas.openxmlformats.org/markup-compatibility/2006">
-    <mc:Choice xmlns:p14="http://schemas.microsoft.com/office/powerpoint/2010/main" Requires="p14">
+  <mc:AlternateContent xmlns:mc="http://schemas.openxmlformats.org/markup-compatibility/2006" xmlns:p14="http://schemas.microsoft.com/office/powerpoint/2010/main">
+    <mc:Choice Requires="p14">
       <p:transition spd="med" p14:dur="700">
         <p:fade/>
       </p:transition>
     </mc:Choice>
-    <mc:Fallback>
+    <mc:Fallback xmlns="">
       <p:transition spd="med">
         <p:fade/>
       </p:transition>
@@ -9603,7 +10035,7 @@
 </p:sld>
 </file>
 
-<file path=ppt/slides/slide19.xml><?xml version="1.0" encoding="utf-8"?>
+<file path=ppt/slides/slide21.xml><?xml version="1.0" encoding="utf-8"?>
 <p:sld xmlns:a="http://schemas.openxmlformats.org/drawingml/2006/main" xmlns:r="http://schemas.openxmlformats.org/officeDocument/2006/relationships" xmlns:p="http://schemas.openxmlformats.org/presentationml/2006/main">
   <p:cSld>
     <p:spTree>
@@ -9642,11 +10074,7 @@
           <a:p>
             <a:r>
               <a:rPr lang="pt-PT" dirty="0" smtClean="0"/>
-              <a:t>Agendar </a:t>
-            </a:r>
-            <a:r>
-              <a:rPr lang="pt-PT" dirty="0" smtClean="0"/>
-              <a:t>Trabalho</a:t>
+              <a:t>Agendar Trabalho</a:t>
             </a:r>
             <a:endParaRPr lang="pt-PT" dirty="0"/>
           </a:p>
@@ -9746,13 +10174,13 @@
   <p:clrMapOvr>
     <a:masterClrMapping/>
   </p:clrMapOvr>
-  <mc:AlternateContent xmlns:mc="http://schemas.openxmlformats.org/markup-compatibility/2006">
-    <mc:Choice xmlns:p14="http://schemas.microsoft.com/office/powerpoint/2010/main" Requires="p14">
+  <mc:AlternateContent xmlns:mc="http://schemas.openxmlformats.org/markup-compatibility/2006" xmlns:p14="http://schemas.microsoft.com/office/powerpoint/2010/main">
+    <mc:Choice Requires="p14">
       <p:transition spd="med" p14:dur="700">
         <p:fade/>
       </p:transition>
     </mc:Choice>
-    <mc:Fallback>
+    <mc:Fallback xmlns="">
       <p:transition spd="med">
         <p:fade/>
       </p:transition>
@@ -9885,7 +10313,7 @@
 </p:sld>
 </file>
 
-<file path=ppt/slides/slide2.xml><?xml version="1.0" encoding="utf-8"?>
+<file path=ppt/slides/slide22.xml><?xml version="1.0" encoding="utf-8"?>
 <p:sld xmlns:a="http://schemas.openxmlformats.org/drawingml/2006/main" xmlns:r="http://schemas.openxmlformats.org/officeDocument/2006/relationships" xmlns:p="http://schemas.openxmlformats.org/presentationml/2006/main">
   <p:cSld>
     <p:spTree>
@@ -9912,109 +10340,6 @@
             <p:ph type="title"/>
           </p:nvPr>
         </p:nvSpPr>
-        <p:spPr/>
-        <p:txBody>
-          <a:bodyPr>
-            <a:normAutofit/>
-          </a:bodyPr>
-          <a:lstStyle/>
-          <a:p>
-            <a:r>
-              <a:rPr lang="pt-PT" sz="5400" dirty="0"/>
-              <a:t>Parte </a:t>
-            </a:r>
-            <a:r>
-              <a:rPr lang="pt-PT" sz="5400" dirty="0" smtClean="0"/>
-              <a:t>III</a:t>
-            </a:r>
-            <a:endParaRPr lang="pt-PT" sz="5400" dirty="0"/>
-          </a:p>
-        </p:txBody>
-      </p:sp>
-      <p:sp>
-        <p:nvSpPr>
-          <p:cNvPr id="3" name="Text Placeholder 2"/>
-          <p:cNvSpPr>
-            <a:spLocks noGrp="1"/>
-          </p:cNvSpPr>
-          <p:nvPr>
-            <p:ph type="body" idx="1"/>
-          </p:nvPr>
-        </p:nvSpPr>
-        <p:spPr/>
-        <p:txBody>
-          <a:bodyPr>
-            <a:normAutofit/>
-          </a:bodyPr>
-          <a:lstStyle/>
-          <a:p>
-            <a:r>
-              <a:rPr lang="pt-PT" sz="3200" dirty="0" smtClean="0"/>
-              <a:t>Implementação</a:t>
-            </a:r>
-            <a:endParaRPr lang="pt-PT" sz="3200" dirty="0"/>
-          </a:p>
-        </p:txBody>
-      </p:sp>
-    </p:spTree>
-    <p:extLst>
-      <p:ext uri="{BB962C8B-B14F-4D97-AF65-F5344CB8AC3E}">
-        <p14:creationId xmlns:p14="http://schemas.microsoft.com/office/powerpoint/2010/main" val="2134899933"/>
-      </p:ext>
-    </p:extLst>
-  </p:cSld>
-  <p:clrMapOvr>
-    <a:masterClrMapping/>
-  </p:clrMapOvr>
-  <mc:AlternateContent xmlns:mc="http://schemas.openxmlformats.org/markup-compatibility/2006" xmlns:p14="http://schemas.microsoft.com/office/powerpoint/2010/main">
-    <mc:Choice Requires="p14">
-      <p:transition spd="med" p14:dur="700">
-        <p:fade/>
-      </p:transition>
-    </mc:Choice>
-    <mc:Fallback xmlns="">
-      <p:transition spd="med">
-        <p:fade/>
-      </p:transition>
-    </mc:Fallback>
-  </mc:AlternateContent>
-  <p:timing>
-    <p:tnLst>
-      <p:par>
-        <p:cTn id="1" dur="indefinite" restart="never" nodeType="tmRoot"/>
-      </p:par>
-    </p:tnLst>
-  </p:timing>
-</p:sld>
-</file>
-
-<file path=ppt/slides/slide20.xml><?xml version="1.0" encoding="utf-8"?>
-<p:sld xmlns:a="http://schemas.openxmlformats.org/drawingml/2006/main" xmlns:r="http://schemas.openxmlformats.org/officeDocument/2006/relationships" xmlns:p="http://schemas.openxmlformats.org/presentationml/2006/main">
-  <p:cSld>
-    <p:spTree>
-      <p:nvGrpSpPr>
-        <p:cNvPr id="1" name=""/>
-        <p:cNvGrpSpPr/>
-        <p:nvPr/>
-      </p:nvGrpSpPr>
-      <p:grpSpPr>
-        <a:xfrm>
-          <a:off x="0" y="0"/>
-          <a:ext cx="0" cy="0"/>
-          <a:chOff x="0" y="0"/>
-          <a:chExt cx="0" cy="0"/>
-        </a:xfrm>
-      </p:grpSpPr>
-      <p:sp>
-        <p:nvSpPr>
-          <p:cNvPr id="2" name="Title 1"/>
-          <p:cNvSpPr>
-            <a:spLocks noGrp="1"/>
-          </p:cNvSpPr>
-          <p:nvPr>
-            <p:ph type="title"/>
-          </p:nvPr>
-        </p:nvSpPr>
         <p:spPr>
           <a:xfrm>
             <a:off x="225778" y="0"/>
@@ -10027,11 +10352,7 @@
           <a:p>
             <a:r>
               <a:rPr lang="pt-PT" dirty="0" smtClean="0"/>
-              <a:t>Agendar </a:t>
-            </a:r>
-            <a:r>
-              <a:rPr lang="pt-PT" dirty="0" smtClean="0"/>
-              <a:t>Trabalho</a:t>
+              <a:t>Agendar Trabalho</a:t>
             </a:r>
             <a:endParaRPr lang="pt-PT" dirty="0"/>
           </a:p>
@@ -10091,6 +10412,174 @@
           </a:extLst>
         </p:spPr>
       </p:pic>
+      <p:pic>
+        <p:nvPicPr>
+          <p:cNvPr id="6" name="Picture 5"/>
+          <p:cNvPicPr>
+            <a:picLocks noChangeAspect="1"/>
+          </p:cNvPicPr>
+          <p:nvPr/>
+        </p:nvPicPr>
+        <p:blipFill rotWithShape="1">
+          <a:blip r:embed="rId3"/>
+          <a:srcRect t="18977"/>
+          <a:stretch/>
+        </p:blipFill>
+        <p:spPr>
+          <a:xfrm>
+            <a:off x="4445090" y="1320800"/>
+            <a:ext cx="6967963" cy="4989689"/>
+          </a:xfrm>
+          <a:prstGeom prst="rect">
+            <a:avLst/>
+          </a:prstGeom>
+          <a:ln w="38100" cap="sq">
+            <a:solidFill>
+              <a:srgbClr val="000000"/>
+            </a:solidFill>
+            <a:prstDash val="solid"/>
+            <a:miter lim="800000"/>
+          </a:ln>
+          <a:effectLst>
+            <a:outerShdw blurRad="50800" dist="38100" dir="2700000" algn="tl" rotWithShape="0">
+              <a:srgbClr val="000000">
+                <a:alpha val="43000"/>
+              </a:srgbClr>
+            </a:outerShdw>
+          </a:effectLst>
+        </p:spPr>
+      </p:pic>
+    </p:spTree>
+    <p:extLst>
+      <p:ext uri="{BB962C8B-B14F-4D97-AF65-F5344CB8AC3E}">
+        <p14:creationId xmlns:p14="http://schemas.microsoft.com/office/powerpoint/2010/main" val="2375975398"/>
+      </p:ext>
+    </p:extLst>
+  </p:cSld>
+  <p:clrMapOvr>
+    <a:masterClrMapping/>
+  </p:clrMapOvr>
+  <mc:AlternateContent xmlns:mc="http://schemas.openxmlformats.org/markup-compatibility/2006" xmlns:p14="http://schemas.microsoft.com/office/powerpoint/2010/main">
+    <mc:Choice Requires="p14">
+      <p:transition spd="med" p14:dur="700">
+        <p:fade/>
+      </p:transition>
+    </mc:Choice>
+    <mc:Fallback xmlns="">
+      <p:transition spd="med">
+        <p:fade/>
+      </p:transition>
+    </mc:Fallback>
+  </mc:AlternateContent>
+  <p:timing>
+    <p:tnLst>
+      <p:par>
+        <p:cTn id="1" dur="indefinite" restart="never" nodeType="tmRoot"/>
+      </p:par>
+    </p:tnLst>
+  </p:timing>
+</p:sld>
+</file>
+
+<file path=ppt/slides/slide23.xml><?xml version="1.0" encoding="utf-8"?>
+<p:sld xmlns:a="http://schemas.openxmlformats.org/drawingml/2006/main" xmlns:r="http://schemas.openxmlformats.org/officeDocument/2006/relationships" xmlns:p="http://schemas.openxmlformats.org/presentationml/2006/main">
+  <p:cSld>
+    <p:spTree>
+      <p:nvGrpSpPr>
+        <p:cNvPr id="1" name=""/>
+        <p:cNvGrpSpPr/>
+        <p:nvPr/>
+      </p:nvGrpSpPr>
+      <p:grpSpPr>
+        <a:xfrm>
+          <a:off x="0" y="0"/>
+          <a:ext cx="0" cy="0"/>
+          <a:chOff x="0" y="0"/>
+          <a:chExt cx="0" cy="0"/>
+        </a:xfrm>
+      </p:grpSpPr>
+      <p:sp>
+        <p:nvSpPr>
+          <p:cNvPr id="2" name="Title 1"/>
+          <p:cNvSpPr>
+            <a:spLocks noGrp="1"/>
+          </p:cNvSpPr>
+          <p:nvPr>
+            <p:ph type="title"/>
+          </p:nvPr>
+        </p:nvSpPr>
+        <p:spPr>
+          <a:xfrm>
+            <a:off x="225778" y="0"/>
+            <a:ext cx="8596668" cy="1320800"/>
+          </a:xfrm>
+        </p:spPr>
+        <p:txBody>
+          <a:bodyPr/>
+          <a:lstStyle/>
+          <a:p>
+            <a:r>
+              <a:rPr lang="pt-PT" dirty="0" smtClean="0"/>
+              <a:t>Agendar Trabalho</a:t>
+            </a:r>
+            <a:endParaRPr lang="pt-PT" dirty="0"/>
+          </a:p>
+        </p:txBody>
+      </p:sp>
+      <p:pic>
+        <p:nvPicPr>
+          <p:cNvPr id="6146" name="Picture 2"/>
+          <p:cNvPicPr>
+            <a:picLocks noChangeAspect="1" noChangeArrowheads="1"/>
+          </p:cNvPicPr>
+          <p:nvPr/>
+        </p:nvPicPr>
+        <p:blipFill>
+          <a:blip r:embed="rId2">
+            <a:extLst>
+              <a:ext uri="{28A0092B-C50C-407E-A947-70E740481C1C}">
+                <a14:useLocalDpi xmlns:a14="http://schemas.microsoft.com/office/drawing/2010/main" val="0"/>
+              </a:ext>
+            </a:extLst>
+          </a:blip>
+          <a:srcRect/>
+          <a:stretch>
+            <a:fillRect/>
+          </a:stretch>
+        </p:blipFill>
+        <p:spPr bwMode="auto">
+          <a:xfrm>
+            <a:off x="225778" y="919162"/>
+            <a:ext cx="7953716" cy="3370615"/>
+          </a:xfrm>
+          <a:prstGeom prst="rect">
+            <a:avLst/>
+          </a:prstGeom>
+          <a:noFill/>
+          <a:ln>
+            <a:noFill/>
+          </a:ln>
+          <a:extLst>
+            <a:ext uri="{909E8E84-426E-40DD-AFC4-6F175D3DCCD1}">
+              <a14:hiddenFill xmlns:a14="http://schemas.microsoft.com/office/drawing/2010/main">
+                <a:solidFill>
+                  <a:srgbClr val="FFFFFF"/>
+                </a:solidFill>
+              </a14:hiddenFill>
+            </a:ext>
+            <a:ext uri="{91240B29-F687-4F45-9708-019B960494DF}">
+              <a14:hiddenLine xmlns:a14="http://schemas.microsoft.com/office/drawing/2010/main" w="9525">
+                <a:solidFill>
+                  <a:srgbClr val="000000"/>
+                </a:solidFill>
+                <a:miter lim="800000"/>
+                <a:headEnd/>
+                <a:tailEnd/>
+              </a14:hiddenLine>
+            </a:ext>
+          </a:extLst>
+        </p:spPr>
+      </p:pic>
       <p:sp>
         <p:nvSpPr>
           <p:cNvPr id="9" name="TextBox 8"/>
@@ -10148,13 +10637,13 @@
   <p:clrMapOvr>
     <a:masterClrMapping/>
   </p:clrMapOvr>
-  <mc:AlternateContent xmlns:mc="http://schemas.openxmlformats.org/markup-compatibility/2006">
-    <mc:Choice xmlns:p14="http://schemas.microsoft.com/office/powerpoint/2010/main" Requires="p14">
+  <mc:AlternateContent xmlns:mc="http://schemas.openxmlformats.org/markup-compatibility/2006" xmlns:p14="http://schemas.microsoft.com/office/powerpoint/2010/main">
+    <mc:Choice Requires="p14">
       <p:transition spd="med" p14:dur="700">
         <p:fade/>
       </p:transition>
     </mc:Choice>
-    <mc:Fallback>
+    <mc:Fallback xmlns="">
       <p:transition spd="med">
         <p:fade/>
       </p:transition>
@@ -10252,7 +10741,7 @@
 </p:sld>
 </file>
 
-<file path=ppt/slides/slide21.xml><?xml version="1.0" encoding="utf-8"?>
+<file path=ppt/slides/slide24.xml><?xml version="1.0" encoding="utf-8"?>
 <p:sld xmlns:a="http://schemas.openxmlformats.org/drawingml/2006/main" xmlns:r="http://schemas.openxmlformats.org/officeDocument/2006/relationships" xmlns:p="http://schemas.openxmlformats.org/presentationml/2006/main">
   <p:cSld>
     <p:spTree>
@@ -10933,7 +11422,6 @@
               <a:rPr lang="pt-PT" sz="2400" dirty="0" smtClean="0"/>
               <a:t>infantários;</a:t>
             </a:r>
-            <a:endParaRPr lang="pt-PT" sz="2400" dirty="0" smtClean="0"/>
           </a:p>
           <a:p>
             <a:pPr marL="342900" indent="-342900" algn="just">
@@ -10949,11 +11437,7 @@
             </a:pPr>
             <a:r>
               <a:rPr lang="pt-PT" sz="2400" dirty="0"/>
-              <a:t>Surge</a:t>
-            </a:r>
-            <a:r>
-              <a:rPr lang="pt-PT" sz="2400" dirty="0"/>
-              <a:t>, assim, a ideia de fazer um </a:t>
+              <a:t>Surge, assim, a ideia de fazer um </a:t>
             </a:r>
             <a:r>
               <a:rPr lang="pt-PT" sz="2400" b="1" dirty="0">
@@ -11024,11 +11508,7 @@
             </a:r>
             <a:r>
               <a:rPr lang="pt-PT" sz="2400" dirty="0" smtClean="0"/>
-              <a:t>cuidar dos filhos</a:t>
-            </a:r>
-            <a:r>
-              <a:rPr lang="pt-PT" sz="2400" dirty="0" smtClean="0"/>
-              <a:t>;</a:t>
+              <a:t>cuidar dos filhos;</a:t>
             </a:r>
           </a:p>
           <a:p>

--- a/relatorio/Fase 3/LI4.pptx
+++ b/relatorio/Fase 3/LI4.pptx
@@ -7703,60 +7703,6 @@
       </p:sp>
       <p:pic>
         <p:nvPicPr>
-          <p:cNvPr id="1027" name="Imagem 21"/>
-          <p:cNvPicPr>
-            <a:picLocks noChangeAspect="1" noChangeArrowheads="1"/>
-          </p:cNvPicPr>
-          <p:nvPr/>
-        </p:nvPicPr>
-        <p:blipFill>
-          <a:blip r:embed="rId2">
-            <a:extLst>
-              <a:ext uri="{28A0092B-C50C-407E-A947-70E740481C1C}">
-                <a14:useLocalDpi xmlns:a14="http://schemas.microsoft.com/office/drawing/2010/main" val="0"/>
-              </a:ext>
-            </a:extLst>
-          </a:blip>
-          <a:srcRect/>
-          <a:stretch>
-            <a:fillRect/>
-          </a:stretch>
-        </p:blipFill>
-        <p:spPr bwMode="auto">
-          <a:xfrm>
-            <a:off x="677334" y="1473905"/>
-            <a:ext cx="3815644" cy="5022412"/>
-          </a:xfrm>
-          <a:prstGeom prst="rect">
-            <a:avLst/>
-          </a:prstGeom>
-          <a:noFill/>
-          <a:ln>
-            <a:noFill/>
-          </a:ln>
-          <a:extLst>
-            <a:ext uri="{909E8E84-426E-40DD-AFC4-6F175D3DCCD1}">
-              <a14:hiddenFill xmlns:a14="http://schemas.microsoft.com/office/drawing/2010/main">
-                <a:solidFill>
-                  <a:srgbClr val="FFFFFF"/>
-                </a:solidFill>
-              </a14:hiddenFill>
-            </a:ext>
-            <a:ext uri="{91240B29-F687-4F45-9708-019B960494DF}">
-              <a14:hiddenLine xmlns:a14="http://schemas.microsoft.com/office/drawing/2010/main" w="9525">
-                <a:solidFill>
-                  <a:srgbClr val="000000"/>
-                </a:solidFill>
-                <a:miter lim="800000"/>
-                <a:headEnd/>
-                <a:tailEnd/>
-              </a14:hiddenLine>
-            </a:ext>
-          </a:extLst>
-        </p:spPr>
-      </p:pic>
-      <p:pic>
-        <p:nvPicPr>
           <p:cNvPr id="1028" name="Picture 4" descr="professional"/>
           <p:cNvPicPr>
             <a:picLocks noChangeAspect="1" noChangeArrowheads="1"/>
@@ -7764,7 +7710,7 @@
           <p:nvPr/>
         </p:nvPicPr>
         <p:blipFill rotWithShape="1">
-          <a:blip r:embed="rId3">
+          <a:blip r:embed="rId2">
             <a:extLst>
               <a:ext uri="{28A0092B-C50C-407E-A947-70E740481C1C}">
                 <a14:useLocalDpi xmlns:a14="http://schemas.microsoft.com/office/drawing/2010/main" val="0"/>
@@ -7814,13 +7760,13 @@
           <p:nvPr/>
         </p:nvSpPr>
         <p:spPr>
-          <a:xfrm rot="1258784">
-            <a:off x="3898060" y="2548291"/>
-            <a:ext cx="1783289" cy="416413"/>
+          <a:xfrm rot="1771334">
+            <a:off x="4385974" y="2433251"/>
+            <a:ext cx="1296280" cy="416413"/>
           </a:xfrm>
           <a:prstGeom prst="rightArrow">
             <a:avLst>
-              <a:gd name="adj1" fmla="val 45000"/>
+              <a:gd name="adj1" fmla="val 44923"/>
               <a:gd name="adj2" fmla="val 50000"/>
             </a:avLst>
           </a:prstGeom>
@@ -7850,6 +7796,35 @@
           </a:p>
         </p:txBody>
       </p:sp>
+      <p:pic>
+        <p:nvPicPr>
+          <p:cNvPr id="3" name="Picture 2"/>
+          <p:cNvPicPr>
+            <a:picLocks noChangeAspect="1"/>
+          </p:cNvPicPr>
+          <p:nvPr/>
+        </p:nvPicPr>
+        <p:blipFill rotWithShape="1">
+          <a:blip r:embed="rId3">
+            <a:extLst>
+              <a:ext uri="{28A0092B-C50C-407E-A947-70E740481C1C}">
+                <a14:useLocalDpi xmlns:a14="http://schemas.microsoft.com/office/drawing/2010/main" val="0"/>
+              </a:ext>
+            </a:extLst>
+          </a:blip>
+          <a:srcRect l="71672" t="18685" r="3778" b="22336"/>
+          <a:stretch/>
+        </p:blipFill>
+        <p:spPr>
+          <a:xfrm>
+            <a:off x="745067" y="1809530"/>
+            <a:ext cx="3680178" cy="2664960"/>
+          </a:xfrm>
+          <a:prstGeom prst="rect">
+            <a:avLst/>
+          </a:prstGeom>
+        </p:spPr>
+      </p:pic>
       <p:sp>
         <p:nvSpPr>
           <p:cNvPr id="12" name="Right Arrow 11"/>
@@ -7857,9 +7832,9 @@
           <p:nvPr/>
         </p:nvSpPr>
         <p:spPr>
-          <a:xfrm rot="3188788">
-            <a:off x="3527595" y="3491075"/>
-            <a:ext cx="2524217" cy="477884"/>
+          <a:xfrm rot="3382350">
+            <a:off x="3613877" y="3406468"/>
+            <a:ext cx="2723582" cy="477884"/>
           </a:xfrm>
           <a:prstGeom prst="rightArrow">
             <a:avLst>

--- a/relatorio/Fase 3/LI4.pptx
+++ b/relatorio/Fase 3/LI4.pptx
@@ -506,7 +506,7 @@
       </p:grpSpPr>
       <p:sp>
         <p:nvSpPr>
-          <p:cNvPr id="2" name="Marcador de Posição da Imagem do Diapositivo 1"/>
+          <p:cNvPr id="2" name="Slide Image Placeholder 1"/>
           <p:cNvSpPr>
             <a:spLocks noGrp="1" noRot="1" noChangeAspect="1"/>
           </p:cNvSpPr>
@@ -518,7 +518,7 @@
       </p:sp>
       <p:sp>
         <p:nvSpPr>
-          <p:cNvPr id="3" name="Marcador de Posição de Notas 2"/>
+          <p:cNvPr id="3" name="Notes Placeholder 2"/>
           <p:cNvSpPr>
             <a:spLocks noGrp="1"/>
           </p:cNvSpPr>
@@ -531,13 +531,21 @@
           <a:bodyPr/>
           <a:lstStyle/>
           <a:p>
+            <a:r>
+              <a:rPr lang="pt-PT" dirty="0" smtClean="0"/>
+              <a:t>O</a:t>
+            </a:r>
+            <a:r>
+              <a:rPr lang="pt-PT" baseline="0" dirty="0" smtClean="0"/>
+              <a:t> trabalho chama-se GUGUDADAH, e promete ser uma plataforma de agendamento de babysitting online.</a:t>
+            </a:r>
             <a:endParaRPr lang="pt-PT" dirty="0"/>
           </a:p>
         </p:txBody>
       </p:sp>
       <p:sp>
         <p:nvSpPr>
-          <p:cNvPr id="4" name="Marcador de Posição do Número do Diapositivo 3"/>
+          <p:cNvPr id="4" name="Slide Number Placeholder 3"/>
           <p:cNvSpPr>
             <a:spLocks noGrp="1"/>
           </p:cNvSpPr>
@@ -552,7 +560,7 @@
           <a:p>
             <a:fld id="{F2D13AFA-C489-4F08-BBC3-E69A09335FB4}" type="slidenum">
               <a:rPr lang="pt-PT" smtClean="0"/>
-              <a:t>3</a:t>
+              <a:t>1</a:t>
             </a:fld>
             <a:endParaRPr lang="pt-PT" dirty="0"/>
           </a:p>
@@ -561,7 +569,1022 @@
     </p:spTree>
     <p:extLst>
       <p:ext uri="{BB962C8B-B14F-4D97-AF65-F5344CB8AC3E}">
-        <p14:creationId xmlns:p14="http://schemas.microsoft.com/office/powerpoint/2010/main" val="765790856"/>
+        <p14:creationId xmlns:p14="http://schemas.microsoft.com/office/powerpoint/2010/main" val="242251449"/>
+      </p:ext>
+    </p:extLst>
+  </p:cSld>
+  <p:clrMapOvr>
+    <a:masterClrMapping/>
+  </p:clrMapOvr>
+</p:notes>
+</file>
+
+<file path=ppt/notesSlides/notesSlide10.xml><?xml version="1.0" encoding="utf-8"?>
+<p:notes xmlns:a="http://schemas.openxmlformats.org/drawingml/2006/main" xmlns:r="http://schemas.openxmlformats.org/officeDocument/2006/relationships" xmlns:p="http://schemas.openxmlformats.org/presentationml/2006/main">
+  <p:cSld>
+    <p:spTree>
+      <p:nvGrpSpPr>
+        <p:cNvPr id="1" name=""/>
+        <p:cNvGrpSpPr/>
+        <p:nvPr/>
+      </p:nvGrpSpPr>
+      <p:grpSpPr>
+        <a:xfrm>
+          <a:off x="0" y="0"/>
+          <a:ext cx="0" cy="0"/>
+          <a:chOff x="0" y="0"/>
+          <a:chExt cx="0" cy="0"/>
+        </a:xfrm>
+      </p:grpSpPr>
+      <p:sp>
+        <p:nvSpPr>
+          <p:cNvPr id="2" name="Slide Image Placeholder 1"/>
+          <p:cNvSpPr>
+            <a:spLocks noGrp="1" noRot="1" noChangeAspect="1"/>
+          </p:cNvSpPr>
+          <p:nvPr>
+            <p:ph type="sldImg"/>
+          </p:nvPr>
+        </p:nvSpPr>
+        <p:spPr/>
+      </p:sp>
+      <p:sp>
+        <p:nvSpPr>
+          <p:cNvPr id="3" name="Notes Placeholder 2"/>
+          <p:cNvSpPr>
+            <a:spLocks noGrp="1"/>
+          </p:cNvSpPr>
+          <p:nvPr>
+            <p:ph type="body" idx="1"/>
+          </p:nvPr>
+        </p:nvSpPr>
+        <p:spPr/>
+        <p:txBody>
+          <a:bodyPr/>
+          <a:lstStyle/>
+          <a:p>
+            <a:r>
+              <a:rPr lang="pt-PT" dirty="0" smtClean="0"/>
+              <a:t>EXPLICAR</a:t>
+            </a:r>
+            <a:r>
+              <a:rPr lang="pt-PT" baseline="0" dirty="0" smtClean="0"/>
+              <a:t> </a:t>
+            </a:r>
+            <a:r>
+              <a:rPr lang="pt-PT" dirty="0" smtClean="0"/>
+              <a:t>como funciona um AGENDAMENTO.</a:t>
+            </a:r>
+            <a:r>
+              <a:rPr lang="pt-PT" baseline="0" dirty="0" smtClean="0"/>
+              <a:t> Cliente carrega em agendar, nova página mete informações, seleciona babysitter, seleciona tipo de pagamento, aceita ou não trabalho.</a:t>
+            </a:r>
+            <a:endParaRPr lang="pt-PT" dirty="0"/>
+          </a:p>
+        </p:txBody>
+      </p:sp>
+      <p:sp>
+        <p:nvSpPr>
+          <p:cNvPr id="4" name="Slide Number Placeholder 3"/>
+          <p:cNvSpPr>
+            <a:spLocks noGrp="1"/>
+          </p:cNvSpPr>
+          <p:nvPr>
+            <p:ph type="sldNum" sz="quarter" idx="10"/>
+          </p:nvPr>
+        </p:nvSpPr>
+        <p:spPr/>
+        <p:txBody>
+          <a:bodyPr/>
+          <a:lstStyle/>
+          <a:p>
+            <a:fld id="{F2D13AFA-C489-4F08-BBC3-E69A09335FB4}" type="slidenum">
+              <a:rPr lang="pt-PT" smtClean="0"/>
+              <a:t>10</a:t>
+            </a:fld>
+            <a:endParaRPr lang="pt-PT" dirty="0"/>
+          </a:p>
+        </p:txBody>
+      </p:sp>
+    </p:spTree>
+    <p:extLst>
+      <p:ext uri="{BB962C8B-B14F-4D97-AF65-F5344CB8AC3E}">
+        <p14:creationId xmlns:p14="http://schemas.microsoft.com/office/powerpoint/2010/main" val="349038128"/>
+      </p:ext>
+    </p:extLst>
+  </p:cSld>
+  <p:clrMapOvr>
+    <a:masterClrMapping/>
+  </p:clrMapOvr>
+</p:notes>
+</file>
+
+<file path=ppt/notesSlides/notesSlide11.xml><?xml version="1.0" encoding="utf-8"?>
+<p:notes xmlns:a="http://schemas.openxmlformats.org/drawingml/2006/main" xmlns:r="http://schemas.openxmlformats.org/officeDocument/2006/relationships" xmlns:p="http://schemas.openxmlformats.org/presentationml/2006/main">
+  <p:cSld>
+    <p:spTree>
+      <p:nvGrpSpPr>
+        <p:cNvPr id="1" name=""/>
+        <p:cNvGrpSpPr/>
+        <p:nvPr/>
+      </p:nvGrpSpPr>
+      <p:grpSpPr>
+        <a:xfrm>
+          <a:off x="0" y="0"/>
+          <a:ext cx="0" cy="0"/>
+          <a:chOff x="0" y="0"/>
+          <a:chExt cx="0" cy="0"/>
+        </a:xfrm>
+      </p:grpSpPr>
+      <p:sp>
+        <p:nvSpPr>
+          <p:cNvPr id="2" name="Slide Image Placeholder 1"/>
+          <p:cNvSpPr>
+            <a:spLocks noGrp="1" noRot="1" noChangeAspect="1"/>
+          </p:cNvSpPr>
+          <p:nvPr>
+            <p:ph type="sldImg"/>
+          </p:nvPr>
+        </p:nvSpPr>
+        <p:spPr/>
+      </p:sp>
+      <p:sp>
+        <p:nvSpPr>
+          <p:cNvPr id="3" name="Notes Placeholder 2"/>
+          <p:cNvSpPr>
+            <a:spLocks noGrp="1"/>
+          </p:cNvSpPr>
+          <p:nvPr>
+            <p:ph type="body" idx="1"/>
+          </p:nvPr>
+        </p:nvSpPr>
+        <p:spPr/>
+        <p:txBody>
+          <a:bodyPr/>
+          <a:lstStyle/>
+          <a:p>
+            <a:r>
+              <a:rPr lang="pt-PT" dirty="0" smtClean="0"/>
+              <a:t>Foi desenvolvido o projeto</a:t>
+            </a:r>
+            <a:r>
+              <a:rPr lang="pt-PT" baseline="0" dirty="0" smtClean="0"/>
+              <a:t> em </a:t>
+            </a:r>
+            <a:r>
+              <a:rPr lang="pt-PT" baseline="0" dirty="0" smtClean="0"/>
+              <a:t>VISUAL STUDIO (devido às numerosas extensões que oferece) que</a:t>
+            </a:r>
+            <a:r>
+              <a:rPr lang="pt-PT" baseline="0" dirty="0" smtClean="0"/>
+              <a:t>, juntamente com os serviços da Microsoft </a:t>
+            </a:r>
+            <a:r>
+              <a:rPr lang="pt-PT" baseline="0" dirty="0" smtClean="0"/>
+              <a:t>AZURE permitem o DEPLOYMENT do </a:t>
+            </a:r>
+            <a:r>
+              <a:rPr lang="pt-PT" baseline="0" dirty="0" smtClean="0"/>
+              <a:t>website online. O browser, utilizado em PC ou smartphone, permite cobrir uma vasta gama de dispositivos, graças à implementação dinâmica da página.</a:t>
+            </a:r>
+            <a:endParaRPr lang="pt-PT" dirty="0"/>
+          </a:p>
+        </p:txBody>
+      </p:sp>
+      <p:sp>
+        <p:nvSpPr>
+          <p:cNvPr id="4" name="Slide Number Placeholder 3"/>
+          <p:cNvSpPr>
+            <a:spLocks noGrp="1"/>
+          </p:cNvSpPr>
+          <p:nvPr>
+            <p:ph type="sldNum" sz="quarter" idx="10"/>
+          </p:nvPr>
+        </p:nvSpPr>
+        <p:spPr/>
+        <p:txBody>
+          <a:bodyPr/>
+          <a:lstStyle/>
+          <a:p>
+            <a:fld id="{F2D13AFA-C489-4F08-BBC3-E69A09335FB4}" type="slidenum">
+              <a:rPr lang="pt-PT" smtClean="0"/>
+              <a:t>11</a:t>
+            </a:fld>
+            <a:endParaRPr lang="pt-PT" dirty="0"/>
+          </a:p>
+        </p:txBody>
+      </p:sp>
+    </p:spTree>
+    <p:extLst>
+      <p:ext uri="{BB962C8B-B14F-4D97-AF65-F5344CB8AC3E}">
+        <p14:creationId xmlns:p14="http://schemas.microsoft.com/office/powerpoint/2010/main" val="2309181277"/>
+      </p:ext>
+    </p:extLst>
+  </p:cSld>
+  <p:clrMapOvr>
+    <a:masterClrMapping/>
+  </p:clrMapOvr>
+</p:notes>
+</file>
+
+<file path=ppt/notesSlides/notesSlide12.xml><?xml version="1.0" encoding="utf-8"?>
+<p:notes xmlns:a="http://schemas.openxmlformats.org/drawingml/2006/main" xmlns:r="http://schemas.openxmlformats.org/officeDocument/2006/relationships" xmlns:p="http://schemas.openxmlformats.org/presentationml/2006/main">
+  <p:cSld>
+    <p:spTree>
+      <p:nvGrpSpPr>
+        <p:cNvPr id="1" name=""/>
+        <p:cNvGrpSpPr/>
+        <p:nvPr/>
+      </p:nvGrpSpPr>
+      <p:grpSpPr>
+        <a:xfrm>
+          <a:off x="0" y="0"/>
+          <a:ext cx="0" cy="0"/>
+          <a:chOff x="0" y="0"/>
+          <a:chExt cx="0" cy="0"/>
+        </a:xfrm>
+      </p:grpSpPr>
+      <p:sp>
+        <p:nvSpPr>
+          <p:cNvPr id="2" name="Slide Image Placeholder 1"/>
+          <p:cNvSpPr>
+            <a:spLocks noGrp="1" noRot="1" noChangeAspect="1"/>
+          </p:cNvSpPr>
+          <p:nvPr>
+            <p:ph type="sldImg"/>
+          </p:nvPr>
+        </p:nvSpPr>
+        <p:spPr/>
+      </p:sp>
+      <p:sp>
+        <p:nvSpPr>
+          <p:cNvPr id="3" name="Notes Placeholder 2"/>
+          <p:cNvSpPr>
+            <a:spLocks noGrp="1"/>
+          </p:cNvSpPr>
+          <p:nvPr>
+            <p:ph type="body" idx="1"/>
+          </p:nvPr>
+        </p:nvSpPr>
+        <p:spPr/>
+        <p:txBody>
+          <a:bodyPr/>
+          <a:lstStyle/>
+          <a:p>
+            <a:r>
+              <a:rPr lang="pt-PT" dirty="0" smtClean="0"/>
+              <a:t>Neste slide mostramos como passamos o modelo lógico</a:t>
+            </a:r>
+            <a:r>
+              <a:rPr lang="pt-PT" baseline="0" dirty="0" smtClean="0"/>
+              <a:t> para físico no programa. Basicamente, uma CLASSE É uma TABELA. Dentro de cada classe representamos todos os ATRIBUTOS. Depois de feita a representação, usamos a ENTITY FRAMEWORK para passar as CLASSES PARA TABLES.</a:t>
+            </a:r>
+            <a:endParaRPr lang="pt-PT" dirty="0"/>
+          </a:p>
+        </p:txBody>
+      </p:sp>
+      <p:sp>
+        <p:nvSpPr>
+          <p:cNvPr id="4" name="Slide Number Placeholder 3"/>
+          <p:cNvSpPr>
+            <a:spLocks noGrp="1"/>
+          </p:cNvSpPr>
+          <p:nvPr>
+            <p:ph type="sldNum" sz="quarter" idx="10"/>
+          </p:nvPr>
+        </p:nvSpPr>
+        <p:spPr/>
+        <p:txBody>
+          <a:bodyPr/>
+          <a:lstStyle/>
+          <a:p>
+            <a:fld id="{F2D13AFA-C489-4F08-BBC3-E69A09335FB4}" type="slidenum">
+              <a:rPr lang="pt-PT" smtClean="0"/>
+              <a:t>12</a:t>
+            </a:fld>
+            <a:endParaRPr lang="pt-PT" dirty="0"/>
+          </a:p>
+        </p:txBody>
+      </p:sp>
+    </p:spTree>
+    <p:extLst>
+      <p:ext uri="{BB962C8B-B14F-4D97-AF65-F5344CB8AC3E}">
+        <p14:creationId xmlns:p14="http://schemas.microsoft.com/office/powerpoint/2010/main" val="1600702728"/>
+      </p:ext>
+    </p:extLst>
+  </p:cSld>
+  <p:clrMapOvr>
+    <a:masterClrMapping/>
+  </p:clrMapOvr>
+</p:notes>
+</file>
+
+<file path=ppt/notesSlides/notesSlide13.xml><?xml version="1.0" encoding="utf-8"?>
+<p:notes xmlns:a="http://schemas.openxmlformats.org/drawingml/2006/main" xmlns:r="http://schemas.openxmlformats.org/officeDocument/2006/relationships" xmlns:p="http://schemas.openxmlformats.org/presentationml/2006/main">
+  <p:cSld>
+    <p:spTree>
+      <p:nvGrpSpPr>
+        <p:cNvPr id="1" name=""/>
+        <p:cNvGrpSpPr/>
+        <p:nvPr/>
+      </p:nvGrpSpPr>
+      <p:grpSpPr>
+        <a:xfrm>
+          <a:off x="0" y="0"/>
+          <a:ext cx="0" cy="0"/>
+          <a:chOff x="0" y="0"/>
+          <a:chExt cx="0" cy="0"/>
+        </a:xfrm>
+      </p:grpSpPr>
+      <p:sp>
+        <p:nvSpPr>
+          <p:cNvPr id="2" name="Slide Image Placeholder 1"/>
+          <p:cNvSpPr>
+            <a:spLocks noGrp="1" noRot="1" noChangeAspect="1"/>
+          </p:cNvSpPr>
+          <p:nvPr>
+            <p:ph type="sldImg"/>
+          </p:nvPr>
+        </p:nvSpPr>
+        <p:spPr/>
+      </p:sp>
+      <p:sp>
+        <p:nvSpPr>
+          <p:cNvPr id="3" name="Notes Placeholder 2"/>
+          <p:cNvSpPr>
+            <a:spLocks noGrp="1"/>
+          </p:cNvSpPr>
+          <p:nvPr>
+            <p:ph type="body" idx="1"/>
+          </p:nvPr>
+        </p:nvSpPr>
+        <p:spPr/>
+        <p:txBody>
+          <a:bodyPr/>
+          <a:lstStyle/>
+          <a:p>
+            <a:r>
+              <a:rPr lang="pt-PT" dirty="0" smtClean="0"/>
+              <a:t>O povoamento</a:t>
+            </a:r>
+            <a:r>
+              <a:rPr lang="pt-PT" baseline="0" dirty="0" smtClean="0"/>
+              <a:t> foi feito através da plataforma, de forma a testar a mesma. O resultadom, com 5 prestadores de serviço, é o mostrado.</a:t>
+            </a:r>
+            <a:endParaRPr lang="pt-PT" dirty="0"/>
+          </a:p>
+        </p:txBody>
+      </p:sp>
+      <p:sp>
+        <p:nvSpPr>
+          <p:cNvPr id="4" name="Slide Number Placeholder 3"/>
+          <p:cNvSpPr>
+            <a:spLocks noGrp="1"/>
+          </p:cNvSpPr>
+          <p:nvPr>
+            <p:ph type="sldNum" sz="quarter" idx="10"/>
+          </p:nvPr>
+        </p:nvSpPr>
+        <p:spPr/>
+        <p:txBody>
+          <a:bodyPr/>
+          <a:lstStyle/>
+          <a:p>
+            <a:fld id="{F2D13AFA-C489-4F08-BBC3-E69A09335FB4}" type="slidenum">
+              <a:rPr lang="pt-PT" smtClean="0"/>
+              <a:t>13</a:t>
+            </a:fld>
+            <a:endParaRPr lang="pt-PT" dirty="0"/>
+          </a:p>
+        </p:txBody>
+      </p:sp>
+    </p:spTree>
+    <p:extLst>
+      <p:ext uri="{BB962C8B-B14F-4D97-AF65-F5344CB8AC3E}">
+        <p14:creationId xmlns:p14="http://schemas.microsoft.com/office/powerpoint/2010/main" val="303782792"/>
+      </p:ext>
+    </p:extLst>
+  </p:cSld>
+  <p:clrMapOvr>
+    <a:masterClrMapping/>
+  </p:clrMapOvr>
+</p:notes>
+</file>
+
+<file path=ppt/notesSlides/notesSlide14.xml><?xml version="1.0" encoding="utf-8"?>
+<p:notes xmlns:a="http://schemas.openxmlformats.org/drawingml/2006/main" xmlns:r="http://schemas.openxmlformats.org/officeDocument/2006/relationships" xmlns:p="http://schemas.openxmlformats.org/presentationml/2006/main">
+  <p:cSld>
+    <p:spTree>
+      <p:nvGrpSpPr>
+        <p:cNvPr id="1" name=""/>
+        <p:cNvGrpSpPr/>
+        <p:nvPr/>
+      </p:nvGrpSpPr>
+      <p:grpSpPr>
+        <a:xfrm>
+          <a:off x="0" y="0"/>
+          <a:ext cx="0" cy="0"/>
+          <a:chOff x="0" y="0"/>
+          <a:chExt cx="0" cy="0"/>
+        </a:xfrm>
+      </p:grpSpPr>
+      <p:sp>
+        <p:nvSpPr>
+          <p:cNvPr id="2" name="Slide Image Placeholder 1"/>
+          <p:cNvSpPr>
+            <a:spLocks noGrp="1" noRot="1" noChangeAspect="1"/>
+          </p:cNvSpPr>
+          <p:nvPr>
+            <p:ph type="sldImg"/>
+          </p:nvPr>
+        </p:nvSpPr>
+        <p:spPr/>
+      </p:sp>
+      <p:sp>
+        <p:nvSpPr>
+          <p:cNvPr id="3" name="Notes Placeholder 2"/>
+          <p:cNvSpPr>
+            <a:spLocks noGrp="1"/>
+          </p:cNvSpPr>
+          <p:nvPr>
+            <p:ph type="body" idx="1"/>
+          </p:nvPr>
+        </p:nvSpPr>
+        <p:spPr/>
+        <p:txBody>
+          <a:bodyPr/>
+          <a:lstStyle/>
+          <a:p>
+            <a:r>
+              <a:rPr lang="pt-PT" dirty="0" smtClean="0"/>
+              <a:t>COMPARAÇÃO</a:t>
+            </a:r>
+            <a:r>
+              <a:rPr lang="pt-PT" baseline="0" dirty="0" smtClean="0"/>
+              <a:t> com MOCKUP</a:t>
+            </a:r>
+            <a:endParaRPr lang="pt-PT" dirty="0"/>
+          </a:p>
+        </p:txBody>
+      </p:sp>
+      <p:sp>
+        <p:nvSpPr>
+          <p:cNvPr id="4" name="Slide Number Placeholder 3"/>
+          <p:cNvSpPr>
+            <a:spLocks noGrp="1"/>
+          </p:cNvSpPr>
+          <p:nvPr>
+            <p:ph type="sldNum" sz="quarter" idx="10"/>
+          </p:nvPr>
+        </p:nvSpPr>
+        <p:spPr/>
+        <p:txBody>
+          <a:bodyPr/>
+          <a:lstStyle/>
+          <a:p>
+            <a:fld id="{F2D13AFA-C489-4F08-BBC3-E69A09335FB4}" type="slidenum">
+              <a:rPr lang="pt-PT" smtClean="0"/>
+              <a:t>14</a:t>
+            </a:fld>
+            <a:endParaRPr lang="pt-PT" dirty="0"/>
+          </a:p>
+        </p:txBody>
+      </p:sp>
+    </p:spTree>
+    <p:extLst>
+      <p:ext uri="{BB962C8B-B14F-4D97-AF65-F5344CB8AC3E}">
+        <p14:creationId xmlns:p14="http://schemas.microsoft.com/office/powerpoint/2010/main" val="352068581"/>
+      </p:ext>
+    </p:extLst>
+  </p:cSld>
+  <p:clrMapOvr>
+    <a:masterClrMapping/>
+  </p:clrMapOvr>
+</p:notes>
+</file>
+
+<file path=ppt/notesSlides/notesSlide15.xml><?xml version="1.0" encoding="utf-8"?>
+<p:notes xmlns:a="http://schemas.openxmlformats.org/drawingml/2006/main" xmlns:r="http://schemas.openxmlformats.org/officeDocument/2006/relationships" xmlns:p="http://schemas.openxmlformats.org/presentationml/2006/main">
+  <p:cSld>
+    <p:spTree>
+      <p:nvGrpSpPr>
+        <p:cNvPr id="1" name=""/>
+        <p:cNvGrpSpPr/>
+        <p:nvPr/>
+      </p:nvGrpSpPr>
+      <p:grpSpPr>
+        <a:xfrm>
+          <a:off x="0" y="0"/>
+          <a:ext cx="0" cy="0"/>
+          <a:chOff x="0" y="0"/>
+          <a:chExt cx="0" cy="0"/>
+        </a:xfrm>
+      </p:grpSpPr>
+      <p:sp>
+        <p:nvSpPr>
+          <p:cNvPr id="2" name="Slide Image Placeholder 1"/>
+          <p:cNvSpPr>
+            <a:spLocks noGrp="1" noRot="1" noChangeAspect="1"/>
+          </p:cNvSpPr>
+          <p:nvPr>
+            <p:ph type="sldImg"/>
+          </p:nvPr>
+        </p:nvSpPr>
+        <p:spPr/>
+      </p:sp>
+      <p:sp>
+        <p:nvSpPr>
+          <p:cNvPr id="3" name="Notes Placeholder 2"/>
+          <p:cNvSpPr>
+            <a:spLocks noGrp="1"/>
+          </p:cNvSpPr>
+          <p:nvPr>
+            <p:ph type="body" idx="1"/>
+          </p:nvPr>
+        </p:nvSpPr>
+        <p:spPr/>
+        <p:txBody>
+          <a:bodyPr/>
+          <a:lstStyle/>
+          <a:p>
+            <a:pPr marL="0" marR="0" lvl="0" indent="0" algn="l" defTabSz="914400" rtl="0" eaLnBrk="1" fontAlgn="auto" latinLnBrk="0" hangingPunct="1">
+              <a:lnSpc>
+                <a:spcPct val="100000"/>
+              </a:lnSpc>
+              <a:spcBef>
+                <a:spcPts val="0"/>
+              </a:spcBef>
+              <a:spcAft>
+                <a:spcPts val="0"/>
+              </a:spcAft>
+              <a:buClrTx/>
+              <a:buSzTx/>
+              <a:buFontTx/>
+              <a:buNone/>
+              <a:tabLst/>
+              <a:defRPr/>
+            </a:pPr>
+            <a:r>
+              <a:rPr lang="pt-PT" dirty="0" smtClean="0"/>
+              <a:t>COMPARAÇÃO</a:t>
+            </a:r>
+            <a:r>
+              <a:rPr lang="pt-PT" baseline="0" dirty="0" smtClean="0"/>
+              <a:t> com MOCKUP</a:t>
+            </a:r>
+            <a:endParaRPr lang="pt-PT" dirty="0" smtClean="0"/>
+          </a:p>
+        </p:txBody>
+      </p:sp>
+      <p:sp>
+        <p:nvSpPr>
+          <p:cNvPr id="4" name="Slide Number Placeholder 3"/>
+          <p:cNvSpPr>
+            <a:spLocks noGrp="1"/>
+          </p:cNvSpPr>
+          <p:nvPr>
+            <p:ph type="sldNum" sz="quarter" idx="10"/>
+          </p:nvPr>
+        </p:nvSpPr>
+        <p:spPr/>
+        <p:txBody>
+          <a:bodyPr/>
+          <a:lstStyle/>
+          <a:p>
+            <a:fld id="{F2D13AFA-C489-4F08-BBC3-E69A09335FB4}" type="slidenum">
+              <a:rPr lang="pt-PT" smtClean="0"/>
+              <a:t>15</a:t>
+            </a:fld>
+            <a:endParaRPr lang="pt-PT" dirty="0"/>
+          </a:p>
+        </p:txBody>
+      </p:sp>
+    </p:spTree>
+    <p:extLst>
+      <p:ext uri="{BB962C8B-B14F-4D97-AF65-F5344CB8AC3E}">
+        <p14:creationId xmlns:p14="http://schemas.microsoft.com/office/powerpoint/2010/main" val="3030642828"/>
+      </p:ext>
+    </p:extLst>
+  </p:cSld>
+  <p:clrMapOvr>
+    <a:masterClrMapping/>
+  </p:clrMapOvr>
+</p:notes>
+</file>
+
+<file path=ppt/notesSlides/notesSlide16.xml><?xml version="1.0" encoding="utf-8"?>
+<p:notes xmlns:a="http://schemas.openxmlformats.org/drawingml/2006/main" xmlns:r="http://schemas.openxmlformats.org/officeDocument/2006/relationships" xmlns:p="http://schemas.openxmlformats.org/presentationml/2006/main">
+  <p:cSld>
+    <p:spTree>
+      <p:nvGrpSpPr>
+        <p:cNvPr id="1" name=""/>
+        <p:cNvGrpSpPr/>
+        <p:nvPr/>
+      </p:nvGrpSpPr>
+      <p:grpSpPr>
+        <a:xfrm>
+          <a:off x="0" y="0"/>
+          <a:ext cx="0" cy="0"/>
+          <a:chOff x="0" y="0"/>
+          <a:chExt cx="0" cy="0"/>
+        </a:xfrm>
+      </p:grpSpPr>
+      <p:sp>
+        <p:nvSpPr>
+          <p:cNvPr id="2" name="Slide Image Placeholder 1"/>
+          <p:cNvSpPr>
+            <a:spLocks noGrp="1" noRot="1" noChangeAspect="1"/>
+          </p:cNvSpPr>
+          <p:nvPr>
+            <p:ph type="sldImg"/>
+          </p:nvPr>
+        </p:nvSpPr>
+        <p:spPr/>
+      </p:sp>
+      <p:sp>
+        <p:nvSpPr>
+          <p:cNvPr id="3" name="Notes Placeholder 2"/>
+          <p:cNvSpPr>
+            <a:spLocks noGrp="1"/>
+          </p:cNvSpPr>
+          <p:nvPr>
+            <p:ph type="body" idx="1"/>
+          </p:nvPr>
+        </p:nvSpPr>
+        <p:spPr/>
+        <p:txBody>
+          <a:bodyPr/>
+          <a:lstStyle/>
+          <a:p>
+            <a:r>
+              <a:rPr lang="pt-PT" dirty="0" smtClean="0"/>
+              <a:t>COMPARAÇÃO</a:t>
+            </a:r>
+            <a:r>
+              <a:rPr lang="pt-PT" baseline="0" dirty="0" smtClean="0"/>
+              <a:t> com DIAGRAMA DE SEQUÊNCIA</a:t>
+            </a:r>
+            <a:endParaRPr lang="pt-PT" dirty="0"/>
+          </a:p>
+        </p:txBody>
+      </p:sp>
+      <p:sp>
+        <p:nvSpPr>
+          <p:cNvPr id="4" name="Slide Number Placeholder 3"/>
+          <p:cNvSpPr>
+            <a:spLocks noGrp="1"/>
+          </p:cNvSpPr>
+          <p:nvPr>
+            <p:ph type="sldNum" sz="quarter" idx="10"/>
+          </p:nvPr>
+        </p:nvSpPr>
+        <p:spPr/>
+        <p:txBody>
+          <a:bodyPr/>
+          <a:lstStyle/>
+          <a:p>
+            <a:fld id="{F2D13AFA-C489-4F08-BBC3-E69A09335FB4}" type="slidenum">
+              <a:rPr lang="pt-PT" smtClean="0"/>
+              <a:t>16</a:t>
+            </a:fld>
+            <a:endParaRPr lang="pt-PT" dirty="0"/>
+          </a:p>
+        </p:txBody>
+      </p:sp>
+    </p:spTree>
+    <p:extLst>
+      <p:ext uri="{BB962C8B-B14F-4D97-AF65-F5344CB8AC3E}">
+        <p14:creationId xmlns:p14="http://schemas.microsoft.com/office/powerpoint/2010/main" val="2345940582"/>
+      </p:ext>
+    </p:extLst>
+  </p:cSld>
+  <p:clrMapOvr>
+    <a:masterClrMapping/>
+  </p:clrMapOvr>
+</p:notes>
+</file>
+
+<file path=ppt/notesSlides/notesSlide17.xml><?xml version="1.0" encoding="utf-8"?>
+<p:notes xmlns:a="http://schemas.openxmlformats.org/drawingml/2006/main" xmlns:r="http://schemas.openxmlformats.org/officeDocument/2006/relationships" xmlns:p="http://schemas.openxmlformats.org/presentationml/2006/main">
+  <p:cSld>
+    <p:spTree>
+      <p:nvGrpSpPr>
+        <p:cNvPr id="1" name=""/>
+        <p:cNvGrpSpPr/>
+        <p:nvPr/>
+      </p:nvGrpSpPr>
+      <p:grpSpPr>
+        <a:xfrm>
+          <a:off x="0" y="0"/>
+          <a:ext cx="0" cy="0"/>
+          <a:chOff x="0" y="0"/>
+          <a:chExt cx="0" cy="0"/>
+        </a:xfrm>
+      </p:grpSpPr>
+      <p:sp>
+        <p:nvSpPr>
+          <p:cNvPr id="2" name="Slide Image Placeholder 1"/>
+          <p:cNvSpPr>
+            <a:spLocks noGrp="1" noRot="1" noChangeAspect="1"/>
+          </p:cNvSpPr>
+          <p:nvPr>
+            <p:ph type="sldImg"/>
+          </p:nvPr>
+        </p:nvSpPr>
+        <p:spPr/>
+      </p:sp>
+      <p:sp>
+        <p:nvSpPr>
+          <p:cNvPr id="3" name="Notes Placeholder 2"/>
+          <p:cNvSpPr>
+            <a:spLocks noGrp="1"/>
+          </p:cNvSpPr>
+          <p:nvPr>
+            <p:ph type="body" idx="1"/>
+          </p:nvPr>
+        </p:nvSpPr>
+        <p:spPr/>
+        <p:txBody>
+          <a:bodyPr/>
+          <a:lstStyle/>
+          <a:p>
+            <a:pPr marL="0" marR="0" lvl="0" indent="0" algn="l" defTabSz="914400" rtl="0" eaLnBrk="1" fontAlgn="auto" latinLnBrk="0" hangingPunct="1">
+              <a:lnSpc>
+                <a:spcPct val="100000"/>
+              </a:lnSpc>
+              <a:spcBef>
+                <a:spcPts val="0"/>
+              </a:spcBef>
+              <a:spcAft>
+                <a:spcPts val="0"/>
+              </a:spcAft>
+              <a:buClrTx/>
+              <a:buSzTx/>
+              <a:buFontTx/>
+              <a:buNone/>
+              <a:tabLst/>
+              <a:defRPr/>
+            </a:pPr>
+            <a:r>
+              <a:rPr lang="pt-PT" dirty="0" smtClean="0"/>
+              <a:t>COMPARAÇÃO</a:t>
+            </a:r>
+            <a:r>
+              <a:rPr lang="pt-PT" baseline="0" dirty="0" smtClean="0"/>
+              <a:t> com REQUISITOS</a:t>
+            </a:r>
+            <a:endParaRPr lang="pt-PT" dirty="0" smtClean="0"/>
+          </a:p>
+          <a:p>
+            <a:endParaRPr lang="pt-PT" dirty="0"/>
+          </a:p>
+        </p:txBody>
+      </p:sp>
+      <p:sp>
+        <p:nvSpPr>
+          <p:cNvPr id="4" name="Slide Number Placeholder 3"/>
+          <p:cNvSpPr>
+            <a:spLocks noGrp="1"/>
+          </p:cNvSpPr>
+          <p:nvPr>
+            <p:ph type="sldNum" sz="quarter" idx="10"/>
+          </p:nvPr>
+        </p:nvSpPr>
+        <p:spPr/>
+        <p:txBody>
+          <a:bodyPr/>
+          <a:lstStyle/>
+          <a:p>
+            <a:fld id="{F2D13AFA-C489-4F08-BBC3-E69A09335FB4}" type="slidenum">
+              <a:rPr lang="pt-PT" smtClean="0"/>
+              <a:t>17</a:t>
+            </a:fld>
+            <a:endParaRPr lang="pt-PT" dirty="0"/>
+          </a:p>
+        </p:txBody>
+      </p:sp>
+    </p:spTree>
+    <p:extLst>
+      <p:ext uri="{BB962C8B-B14F-4D97-AF65-F5344CB8AC3E}">
+        <p14:creationId xmlns:p14="http://schemas.microsoft.com/office/powerpoint/2010/main" val="4129305994"/>
+      </p:ext>
+    </p:extLst>
+  </p:cSld>
+  <p:clrMapOvr>
+    <a:masterClrMapping/>
+  </p:clrMapOvr>
+</p:notes>
+</file>
+
+<file path=ppt/notesSlides/notesSlide18.xml><?xml version="1.0" encoding="utf-8"?>
+<p:notes xmlns:a="http://schemas.openxmlformats.org/drawingml/2006/main" xmlns:r="http://schemas.openxmlformats.org/officeDocument/2006/relationships" xmlns:p="http://schemas.openxmlformats.org/presentationml/2006/main">
+  <p:cSld>
+    <p:spTree>
+      <p:nvGrpSpPr>
+        <p:cNvPr id="1" name=""/>
+        <p:cNvGrpSpPr/>
+        <p:nvPr/>
+      </p:nvGrpSpPr>
+      <p:grpSpPr>
+        <a:xfrm>
+          <a:off x="0" y="0"/>
+          <a:ext cx="0" cy="0"/>
+          <a:chOff x="0" y="0"/>
+          <a:chExt cx="0" cy="0"/>
+        </a:xfrm>
+      </p:grpSpPr>
+      <p:sp>
+        <p:nvSpPr>
+          <p:cNvPr id="2" name="Slide Image Placeholder 1"/>
+          <p:cNvSpPr>
+            <a:spLocks noGrp="1" noRot="1" noChangeAspect="1"/>
+          </p:cNvSpPr>
+          <p:nvPr>
+            <p:ph type="sldImg"/>
+          </p:nvPr>
+        </p:nvSpPr>
+        <p:spPr/>
+      </p:sp>
+      <p:sp>
+        <p:nvSpPr>
+          <p:cNvPr id="3" name="Notes Placeholder 2"/>
+          <p:cNvSpPr>
+            <a:spLocks noGrp="1"/>
+          </p:cNvSpPr>
+          <p:nvPr>
+            <p:ph type="body" idx="1"/>
+          </p:nvPr>
+        </p:nvSpPr>
+        <p:spPr/>
+        <p:txBody>
+          <a:bodyPr/>
+          <a:lstStyle/>
+          <a:p>
+            <a:pPr marL="0" marR="0" lvl="0" indent="0" algn="l" defTabSz="914400" rtl="0" eaLnBrk="1" fontAlgn="auto" latinLnBrk="0" hangingPunct="1">
+              <a:lnSpc>
+                <a:spcPct val="100000"/>
+              </a:lnSpc>
+              <a:spcBef>
+                <a:spcPts val="0"/>
+              </a:spcBef>
+              <a:spcAft>
+                <a:spcPts val="0"/>
+              </a:spcAft>
+              <a:buClrTx/>
+              <a:buSzTx/>
+              <a:buFontTx/>
+              <a:buNone/>
+              <a:tabLst/>
+              <a:defRPr/>
+            </a:pPr>
+            <a:r>
+              <a:rPr lang="pt-PT" dirty="0" smtClean="0"/>
+              <a:t>COMPARAÇÃO</a:t>
+            </a:r>
+            <a:r>
+              <a:rPr lang="pt-PT" baseline="0" dirty="0" smtClean="0"/>
+              <a:t> com MOCKUP</a:t>
+            </a:r>
+            <a:endParaRPr lang="pt-PT" dirty="0" smtClean="0"/>
+          </a:p>
+        </p:txBody>
+      </p:sp>
+      <p:sp>
+        <p:nvSpPr>
+          <p:cNvPr id="4" name="Slide Number Placeholder 3"/>
+          <p:cNvSpPr>
+            <a:spLocks noGrp="1"/>
+          </p:cNvSpPr>
+          <p:nvPr>
+            <p:ph type="sldNum" sz="quarter" idx="10"/>
+          </p:nvPr>
+        </p:nvSpPr>
+        <p:spPr/>
+        <p:txBody>
+          <a:bodyPr/>
+          <a:lstStyle/>
+          <a:p>
+            <a:fld id="{F2D13AFA-C489-4F08-BBC3-E69A09335FB4}" type="slidenum">
+              <a:rPr lang="pt-PT" smtClean="0"/>
+              <a:t>18</a:t>
+            </a:fld>
+            <a:endParaRPr lang="pt-PT" dirty="0"/>
+          </a:p>
+        </p:txBody>
+      </p:sp>
+    </p:spTree>
+    <p:extLst>
+      <p:ext uri="{BB962C8B-B14F-4D97-AF65-F5344CB8AC3E}">
+        <p14:creationId xmlns:p14="http://schemas.microsoft.com/office/powerpoint/2010/main" val="29180096"/>
+      </p:ext>
+    </p:extLst>
+  </p:cSld>
+  <p:clrMapOvr>
+    <a:masterClrMapping/>
+  </p:clrMapOvr>
+</p:notes>
+</file>
+
+<file path=ppt/notesSlides/notesSlide19.xml><?xml version="1.0" encoding="utf-8"?>
+<p:notes xmlns:a="http://schemas.openxmlformats.org/drawingml/2006/main" xmlns:r="http://schemas.openxmlformats.org/officeDocument/2006/relationships" xmlns:p="http://schemas.openxmlformats.org/presentationml/2006/main">
+  <p:cSld>
+    <p:spTree>
+      <p:nvGrpSpPr>
+        <p:cNvPr id="1" name=""/>
+        <p:cNvGrpSpPr/>
+        <p:nvPr/>
+      </p:nvGrpSpPr>
+      <p:grpSpPr>
+        <a:xfrm>
+          <a:off x="0" y="0"/>
+          <a:ext cx="0" cy="0"/>
+          <a:chOff x="0" y="0"/>
+          <a:chExt cx="0" cy="0"/>
+        </a:xfrm>
+      </p:grpSpPr>
+      <p:sp>
+        <p:nvSpPr>
+          <p:cNvPr id="2" name="Slide Image Placeholder 1"/>
+          <p:cNvSpPr>
+            <a:spLocks noGrp="1" noRot="1" noChangeAspect="1"/>
+          </p:cNvSpPr>
+          <p:nvPr>
+            <p:ph type="sldImg"/>
+          </p:nvPr>
+        </p:nvSpPr>
+        <p:spPr/>
+      </p:sp>
+      <p:sp>
+        <p:nvSpPr>
+          <p:cNvPr id="3" name="Notes Placeholder 2"/>
+          <p:cNvSpPr>
+            <a:spLocks noGrp="1"/>
+          </p:cNvSpPr>
+          <p:nvPr>
+            <p:ph type="body" idx="1"/>
+          </p:nvPr>
+        </p:nvSpPr>
+        <p:spPr/>
+        <p:txBody>
+          <a:bodyPr/>
+          <a:lstStyle/>
+          <a:p>
+            <a:pPr marL="0" marR="0" lvl="0" indent="0" algn="l" defTabSz="914400" rtl="0" eaLnBrk="1" fontAlgn="auto" latinLnBrk="0" hangingPunct="1">
+              <a:lnSpc>
+                <a:spcPct val="100000"/>
+              </a:lnSpc>
+              <a:spcBef>
+                <a:spcPts val="0"/>
+              </a:spcBef>
+              <a:spcAft>
+                <a:spcPts val="0"/>
+              </a:spcAft>
+              <a:buClrTx/>
+              <a:buSzTx/>
+              <a:buFontTx/>
+              <a:buNone/>
+              <a:tabLst/>
+              <a:defRPr/>
+            </a:pPr>
+            <a:r>
+              <a:rPr lang="pt-PT" dirty="0" smtClean="0"/>
+              <a:t>COMPARAÇÃO</a:t>
+            </a:r>
+            <a:r>
+              <a:rPr lang="pt-PT" baseline="0" dirty="0" smtClean="0"/>
+              <a:t> com DIAGRAMA DE SEQUÊNCIA</a:t>
+            </a:r>
+            <a:endParaRPr lang="pt-PT" dirty="0" smtClean="0"/>
+          </a:p>
+        </p:txBody>
+      </p:sp>
+      <p:sp>
+        <p:nvSpPr>
+          <p:cNvPr id="4" name="Slide Number Placeholder 3"/>
+          <p:cNvSpPr>
+            <a:spLocks noGrp="1"/>
+          </p:cNvSpPr>
+          <p:nvPr>
+            <p:ph type="sldNum" sz="quarter" idx="10"/>
+          </p:nvPr>
+        </p:nvSpPr>
+        <p:spPr/>
+        <p:txBody>
+          <a:bodyPr/>
+          <a:lstStyle/>
+          <a:p>
+            <a:fld id="{F2D13AFA-C489-4F08-BBC3-E69A09335FB4}" type="slidenum">
+              <a:rPr lang="pt-PT" smtClean="0"/>
+              <a:t>19</a:t>
+            </a:fld>
+            <a:endParaRPr lang="pt-PT" dirty="0"/>
+          </a:p>
+        </p:txBody>
+      </p:sp>
+    </p:spTree>
+    <p:extLst>
+      <p:ext uri="{BB962C8B-B14F-4D97-AF65-F5344CB8AC3E}">
+        <p14:creationId xmlns:p14="http://schemas.microsoft.com/office/powerpoint/2010/main" val="2027909311"/>
       </p:ext>
     </p:extLst>
   </p:cSld>
@@ -617,13 +1640,12 @@
           <a:p>
             <a:r>
               <a:rPr lang="pt-PT" dirty="0" smtClean="0"/>
-              <a:t>Foi desenvolvido o projeto</a:t>
+              <a:t>Nesta parte, apresentamos a implementação. Faremos uma comparação entre o produto</a:t>
             </a:r>
             <a:r>
               <a:rPr lang="pt-PT" baseline="0" dirty="0" smtClean="0"/>
-              <a:t> em Visual Studio que, juntamente com os serviços da Microsoft Azure permitem a disponibilização do website online. O browser, utilizado em PC ou smartphone, permite cobrir uma vasta gama de dispositivos, graças à implementação dinâmica da página.</a:t>
-            </a:r>
-            <a:endParaRPr lang="pt-PT" dirty="0"/>
+              <a:t> final e os diagramas elaborados.</a:t>
+            </a:r>
           </a:p>
         </p:txBody>
       </p:sp>
@@ -644,7 +1666,7 @@
           <a:p>
             <a:fld id="{F2D13AFA-C489-4F08-BBC3-E69A09335FB4}" type="slidenum">
               <a:rPr lang="pt-PT" smtClean="0"/>
-              <a:t>11</a:t>
+              <a:t>2</a:t>
             </a:fld>
             <a:endParaRPr lang="pt-PT" dirty="0"/>
           </a:p>
@@ -653,7 +1675,1087 @@
     </p:spTree>
     <p:extLst>
       <p:ext uri="{BB962C8B-B14F-4D97-AF65-F5344CB8AC3E}">
-        <p14:creationId xmlns:p14="http://schemas.microsoft.com/office/powerpoint/2010/main" val="2309181277"/>
+        <p14:creationId xmlns:p14="http://schemas.microsoft.com/office/powerpoint/2010/main" val="130616508"/>
+      </p:ext>
+    </p:extLst>
+  </p:cSld>
+  <p:clrMapOvr>
+    <a:masterClrMapping/>
+  </p:clrMapOvr>
+</p:notes>
+</file>
+
+<file path=ppt/notesSlides/notesSlide20.xml><?xml version="1.0" encoding="utf-8"?>
+<p:notes xmlns:a="http://schemas.openxmlformats.org/drawingml/2006/main" xmlns:r="http://schemas.openxmlformats.org/officeDocument/2006/relationships" xmlns:p="http://schemas.openxmlformats.org/presentationml/2006/main">
+  <p:cSld>
+    <p:spTree>
+      <p:nvGrpSpPr>
+        <p:cNvPr id="1" name=""/>
+        <p:cNvGrpSpPr/>
+        <p:nvPr/>
+      </p:nvGrpSpPr>
+      <p:grpSpPr>
+        <a:xfrm>
+          <a:off x="0" y="0"/>
+          <a:ext cx="0" cy="0"/>
+          <a:chOff x="0" y="0"/>
+          <a:chExt cx="0" cy="0"/>
+        </a:xfrm>
+      </p:grpSpPr>
+      <p:sp>
+        <p:nvSpPr>
+          <p:cNvPr id="2" name="Slide Image Placeholder 1"/>
+          <p:cNvSpPr>
+            <a:spLocks noGrp="1" noRot="1" noChangeAspect="1"/>
+          </p:cNvSpPr>
+          <p:nvPr>
+            <p:ph type="sldImg"/>
+          </p:nvPr>
+        </p:nvSpPr>
+        <p:spPr/>
+      </p:sp>
+      <p:sp>
+        <p:nvSpPr>
+          <p:cNvPr id="3" name="Notes Placeholder 2"/>
+          <p:cNvSpPr>
+            <a:spLocks noGrp="1"/>
+          </p:cNvSpPr>
+          <p:nvPr>
+            <p:ph type="body" idx="1"/>
+          </p:nvPr>
+        </p:nvSpPr>
+        <p:spPr/>
+        <p:txBody>
+          <a:bodyPr/>
+          <a:lstStyle/>
+          <a:p>
+            <a:pPr marL="0" marR="0" lvl="0" indent="0" algn="l" defTabSz="914400" rtl="0" eaLnBrk="1" fontAlgn="auto" latinLnBrk="0" hangingPunct="1">
+              <a:lnSpc>
+                <a:spcPct val="100000"/>
+              </a:lnSpc>
+              <a:spcBef>
+                <a:spcPts val="0"/>
+              </a:spcBef>
+              <a:spcAft>
+                <a:spcPts val="0"/>
+              </a:spcAft>
+              <a:buClrTx/>
+              <a:buSzTx/>
+              <a:buFontTx/>
+              <a:buNone/>
+              <a:tabLst/>
+              <a:defRPr/>
+            </a:pPr>
+            <a:r>
+              <a:rPr lang="pt-PT" dirty="0" smtClean="0"/>
+              <a:t>COMPARAÇÃO</a:t>
+            </a:r>
+            <a:r>
+              <a:rPr lang="pt-PT" baseline="0" dirty="0" smtClean="0"/>
+              <a:t> com REQUISITOS</a:t>
+            </a:r>
+            <a:endParaRPr lang="pt-PT" dirty="0" smtClean="0"/>
+          </a:p>
+        </p:txBody>
+      </p:sp>
+      <p:sp>
+        <p:nvSpPr>
+          <p:cNvPr id="4" name="Slide Number Placeholder 3"/>
+          <p:cNvSpPr>
+            <a:spLocks noGrp="1"/>
+          </p:cNvSpPr>
+          <p:nvPr>
+            <p:ph type="sldNum" sz="quarter" idx="10"/>
+          </p:nvPr>
+        </p:nvSpPr>
+        <p:spPr/>
+        <p:txBody>
+          <a:bodyPr/>
+          <a:lstStyle/>
+          <a:p>
+            <a:fld id="{F2D13AFA-C489-4F08-BBC3-E69A09335FB4}" type="slidenum">
+              <a:rPr lang="pt-PT" smtClean="0"/>
+              <a:t>20</a:t>
+            </a:fld>
+            <a:endParaRPr lang="pt-PT" dirty="0"/>
+          </a:p>
+        </p:txBody>
+      </p:sp>
+    </p:spTree>
+    <p:extLst>
+      <p:ext uri="{BB962C8B-B14F-4D97-AF65-F5344CB8AC3E}">
+        <p14:creationId xmlns:p14="http://schemas.microsoft.com/office/powerpoint/2010/main" val="1800523113"/>
+      </p:ext>
+    </p:extLst>
+  </p:cSld>
+  <p:clrMapOvr>
+    <a:masterClrMapping/>
+  </p:clrMapOvr>
+</p:notes>
+</file>
+
+<file path=ppt/notesSlides/notesSlide21.xml><?xml version="1.0" encoding="utf-8"?>
+<p:notes xmlns:a="http://schemas.openxmlformats.org/drawingml/2006/main" xmlns:r="http://schemas.openxmlformats.org/officeDocument/2006/relationships" xmlns:p="http://schemas.openxmlformats.org/presentationml/2006/main">
+  <p:cSld>
+    <p:spTree>
+      <p:nvGrpSpPr>
+        <p:cNvPr id="1" name=""/>
+        <p:cNvGrpSpPr/>
+        <p:nvPr/>
+      </p:nvGrpSpPr>
+      <p:grpSpPr>
+        <a:xfrm>
+          <a:off x="0" y="0"/>
+          <a:ext cx="0" cy="0"/>
+          <a:chOff x="0" y="0"/>
+          <a:chExt cx="0" cy="0"/>
+        </a:xfrm>
+      </p:grpSpPr>
+      <p:sp>
+        <p:nvSpPr>
+          <p:cNvPr id="2" name="Slide Image Placeholder 1"/>
+          <p:cNvSpPr>
+            <a:spLocks noGrp="1" noRot="1" noChangeAspect="1"/>
+          </p:cNvSpPr>
+          <p:nvPr>
+            <p:ph type="sldImg"/>
+          </p:nvPr>
+        </p:nvSpPr>
+        <p:spPr/>
+      </p:sp>
+      <p:sp>
+        <p:nvSpPr>
+          <p:cNvPr id="3" name="Notes Placeholder 2"/>
+          <p:cNvSpPr>
+            <a:spLocks noGrp="1"/>
+          </p:cNvSpPr>
+          <p:nvPr>
+            <p:ph type="body" idx="1"/>
+          </p:nvPr>
+        </p:nvSpPr>
+        <p:spPr/>
+        <p:txBody>
+          <a:bodyPr/>
+          <a:lstStyle/>
+          <a:p>
+            <a:pPr marL="0" marR="0" lvl="0" indent="0" algn="l" defTabSz="914400" rtl="0" eaLnBrk="1" fontAlgn="auto" latinLnBrk="0" hangingPunct="1">
+              <a:lnSpc>
+                <a:spcPct val="100000"/>
+              </a:lnSpc>
+              <a:spcBef>
+                <a:spcPts val="0"/>
+              </a:spcBef>
+              <a:spcAft>
+                <a:spcPts val="0"/>
+              </a:spcAft>
+              <a:buClrTx/>
+              <a:buSzTx/>
+              <a:buFontTx/>
+              <a:buNone/>
+              <a:tabLst/>
+              <a:defRPr/>
+            </a:pPr>
+            <a:r>
+              <a:rPr lang="pt-PT" dirty="0" smtClean="0"/>
+              <a:t>COMPARAÇÃO</a:t>
+            </a:r>
+            <a:r>
+              <a:rPr lang="pt-PT" baseline="0" dirty="0" smtClean="0"/>
+              <a:t> com MOCKUP</a:t>
+            </a:r>
+            <a:endParaRPr lang="pt-PT" dirty="0" smtClean="0"/>
+          </a:p>
+        </p:txBody>
+      </p:sp>
+      <p:sp>
+        <p:nvSpPr>
+          <p:cNvPr id="4" name="Slide Number Placeholder 3"/>
+          <p:cNvSpPr>
+            <a:spLocks noGrp="1"/>
+          </p:cNvSpPr>
+          <p:nvPr>
+            <p:ph type="sldNum" sz="quarter" idx="10"/>
+          </p:nvPr>
+        </p:nvSpPr>
+        <p:spPr/>
+        <p:txBody>
+          <a:bodyPr/>
+          <a:lstStyle/>
+          <a:p>
+            <a:fld id="{F2D13AFA-C489-4F08-BBC3-E69A09335FB4}" type="slidenum">
+              <a:rPr lang="pt-PT" smtClean="0"/>
+              <a:t>21</a:t>
+            </a:fld>
+            <a:endParaRPr lang="pt-PT" dirty="0"/>
+          </a:p>
+        </p:txBody>
+      </p:sp>
+    </p:spTree>
+    <p:extLst>
+      <p:ext uri="{BB962C8B-B14F-4D97-AF65-F5344CB8AC3E}">
+        <p14:creationId xmlns:p14="http://schemas.microsoft.com/office/powerpoint/2010/main" val="3284937816"/>
+      </p:ext>
+    </p:extLst>
+  </p:cSld>
+  <p:clrMapOvr>
+    <a:masterClrMapping/>
+  </p:clrMapOvr>
+</p:notes>
+</file>
+
+<file path=ppt/notesSlides/notesSlide22.xml><?xml version="1.0" encoding="utf-8"?>
+<p:notes xmlns:a="http://schemas.openxmlformats.org/drawingml/2006/main" xmlns:r="http://schemas.openxmlformats.org/officeDocument/2006/relationships" xmlns:p="http://schemas.openxmlformats.org/presentationml/2006/main">
+  <p:cSld>
+    <p:spTree>
+      <p:nvGrpSpPr>
+        <p:cNvPr id="1" name=""/>
+        <p:cNvGrpSpPr/>
+        <p:nvPr/>
+      </p:nvGrpSpPr>
+      <p:grpSpPr>
+        <a:xfrm>
+          <a:off x="0" y="0"/>
+          <a:ext cx="0" cy="0"/>
+          <a:chOff x="0" y="0"/>
+          <a:chExt cx="0" cy="0"/>
+        </a:xfrm>
+      </p:grpSpPr>
+      <p:sp>
+        <p:nvSpPr>
+          <p:cNvPr id="2" name="Slide Image Placeholder 1"/>
+          <p:cNvSpPr>
+            <a:spLocks noGrp="1" noRot="1" noChangeAspect="1"/>
+          </p:cNvSpPr>
+          <p:nvPr>
+            <p:ph type="sldImg"/>
+          </p:nvPr>
+        </p:nvSpPr>
+        <p:spPr/>
+      </p:sp>
+      <p:sp>
+        <p:nvSpPr>
+          <p:cNvPr id="3" name="Notes Placeholder 2"/>
+          <p:cNvSpPr>
+            <a:spLocks noGrp="1"/>
+          </p:cNvSpPr>
+          <p:nvPr>
+            <p:ph type="body" idx="1"/>
+          </p:nvPr>
+        </p:nvSpPr>
+        <p:spPr/>
+        <p:txBody>
+          <a:bodyPr/>
+          <a:lstStyle/>
+          <a:p>
+            <a:pPr marL="0" marR="0" lvl="0" indent="0" algn="l" defTabSz="914400" rtl="0" eaLnBrk="1" fontAlgn="auto" latinLnBrk="0" hangingPunct="1">
+              <a:lnSpc>
+                <a:spcPct val="100000"/>
+              </a:lnSpc>
+              <a:spcBef>
+                <a:spcPts val="0"/>
+              </a:spcBef>
+              <a:spcAft>
+                <a:spcPts val="0"/>
+              </a:spcAft>
+              <a:buClrTx/>
+              <a:buSzTx/>
+              <a:buFontTx/>
+              <a:buNone/>
+              <a:tabLst/>
+              <a:defRPr/>
+            </a:pPr>
+            <a:r>
+              <a:rPr lang="pt-PT" dirty="0" smtClean="0"/>
+              <a:t>COMPARAÇÃO</a:t>
+            </a:r>
+            <a:r>
+              <a:rPr lang="pt-PT" baseline="0" dirty="0" smtClean="0"/>
+              <a:t> com DIAGRAMA DE SEQUÊNCIA</a:t>
+            </a:r>
+            <a:endParaRPr lang="pt-PT" dirty="0" smtClean="0"/>
+          </a:p>
+        </p:txBody>
+      </p:sp>
+      <p:sp>
+        <p:nvSpPr>
+          <p:cNvPr id="4" name="Slide Number Placeholder 3"/>
+          <p:cNvSpPr>
+            <a:spLocks noGrp="1"/>
+          </p:cNvSpPr>
+          <p:nvPr>
+            <p:ph type="sldNum" sz="quarter" idx="10"/>
+          </p:nvPr>
+        </p:nvSpPr>
+        <p:spPr/>
+        <p:txBody>
+          <a:bodyPr/>
+          <a:lstStyle/>
+          <a:p>
+            <a:fld id="{F2D13AFA-C489-4F08-BBC3-E69A09335FB4}" type="slidenum">
+              <a:rPr lang="pt-PT" smtClean="0"/>
+              <a:t>22</a:t>
+            </a:fld>
+            <a:endParaRPr lang="pt-PT" dirty="0"/>
+          </a:p>
+        </p:txBody>
+      </p:sp>
+    </p:spTree>
+    <p:extLst>
+      <p:ext uri="{BB962C8B-B14F-4D97-AF65-F5344CB8AC3E}">
+        <p14:creationId xmlns:p14="http://schemas.microsoft.com/office/powerpoint/2010/main" val="3241863948"/>
+      </p:ext>
+    </p:extLst>
+  </p:cSld>
+  <p:clrMapOvr>
+    <a:masterClrMapping/>
+  </p:clrMapOvr>
+</p:notes>
+</file>
+
+<file path=ppt/notesSlides/notesSlide23.xml><?xml version="1.0" encoding="utf-8"?>
+<p:notes xmlns:a="http://schemas.openxmlformats.org/drawingml/2006/main" xmlns:r="http://schemas.openxmlformats.org/officeDocument/2006/relationships" xmlns:p="http://schemas.openxmlformats.org/presentationml/2006/main">
+  <p:cSld>
+    <p:spTree>
+      <p:nvGrpSpPr>
+        <p:cNvPr id="1" name=""/>
+        <p:cNvGrpSpPr/>
+        <p:nvPr/>
+      </p:nvGrpSpPr>
+      <p:grpSpPr>
+        <a:xfrm>
+          <a:off x="0" y="0"/>
+          <a:ext cx="0" cy="0"/>
+          <a:chOff x="0" y="0"/>
+          <a:chExt cx="0" cy="0"/>
+        </a:xfrm>
+      </p:grpSpPr>
+      <p:sp>
+        <p:nvSpPr>
+          <p:cNvPr id="2" name="Slide Image Placeholder 1"/>
+          <p:cNvSpPr>
+            <a:spLocks noGrp="1" noRot="1" noChangeAspect="1"/>
+          </p:cNvSpPr>
+          <p:nvPr>
+            <p:ph type="sldImg"/>
+          </p:nvPr>
+        </p:nvSpPr>
+        <p:spPr/>
+      </p:sp>
+      <p:sp>
+        <p:nvSpPr>
+          <p:cNvPr id="3" name="Notes Placeholder 2"/>
+          <p:cNvSpPr>
+            <a:spLocks noGrp="1"/>
+          </p:cNvSpPr>
+          <p:nvPr>
+            <p:ph type="body" idx="1"/>
+          </p:nvPr>
+        </p:nvSpPr>
+        <p:spPr/>
+        <p:txBody>
+          <a:bodyPr/>
+          <a:lstStyle/>
+          <a:p>
+            <a:pPr marL="0" marR="0" lvl="0" indent="0" algn="l" defTabSz="914400" rtl="0" eaLnBrk="1" fontAlgn="auto" latinLnBrk="0" hangingPunct="1">
+              <a:lnSpc>
+                <a:spcPct val="100000"/>
+              </a:lnSpc>
+              <a:spcBef>
+                <a:spcPts val="0"/>
+              </a:spcBef>
+              <a:spcAft>
+                <a:spcPts val="0"/>
+              </a:spcAft>
+              <a:buClrTx/>
+              <a:buSzTx/>
+              <a:buFontTx/>
+              <a:buNone/>
+              <a:tabLst/>
+              <a:defRPr/>
+            </a:pPr>
+            <a:r>
+              <a:rPr lang="pt-PT" smtClean="0"/>
+              <a:t>COMPARAÇÃO</a:t>
+            </a:r>
+            <a:r>
+              <a:rPr lang="pt-PT" baseline="0" smtClean="0"/>
+              <a:t> com REQUISITOS</a:t>
+            </a:r>
+            <a:endParaRPr lang="pt-PT" smtClean="0"/>
+          </a:p>
+        </p:txBody>
+      </p:sp>
+      <p:sp>
+        <p:nvSpPr>
+          <p:cNvPr id="4" name="Slide Number Placeholder 3"/>
+          <p:cNvSpPr>
+            <a:spLocks noGrp="1"/>
+          </p:cNvSpPr>
+          <p:nvPr>
+            <p:ph type="sldNum" sz="quarter" idx="10"/>
+          </p:nvPr>
+        </p:nvSpPr>
+        <p:spPr/>
+        <p:txBody>
+          <a:bodyPr/>
+          <a:lstStyle/>
+          <a:p>
+            <a:fld id="{F2D13AFA-C489-4F08-BBC3-E69A09335FB4}" type="slidenum">
+              <a:rPr lang="pt-PT" smtClean="0"/>
+              <a:t>23</a:t>
+            </a:fld>
+            <a:endParaRPr lang="pt-PT" dirty="0"/>
+          </a:p>
+        </p:txBody>
+      </p:sp>
+    </p:spTree>
+    <p:extLst>
+      <p:ext uri="{BB962C8B-B14F-4D97-AF65-F5344CB8AC3E}">
+        <p14:creationId xmlns:p14="http://schemas.microsoft.com/office/powerpoint/2010/main" val="1396758912"/>
+      </p:ext>
+    </p:extLst>
+  </p:cSld>
+  <p:clrMapOvr>
+    <a:masterClrMapping/>
+  </p:clrMapOvr>
+</p:notes>
+</file>
+
+<file path=ppt/notesSlides/notesSlide3.xml><?xml version="1.0" encoding="utf-8"?>
+<p:notes xmlns:a="http://schemas.openxmlformats.org/drawingml/2006/main" xmlns:r="http://schemas.openxmlformats.org/officeDocument/2006/relationships" xmlns:p="http://schemas.openxmlformats.org/presentationml/2006/main">
+  <p:cSld>
+    <p:spTree>
+      <p:nvGrpSpPr>
+        <p:cNvPr id="1" name=""/>
+        <p:cNvGrpSpPr/>
+        <p:nvPr/>
+      </p:nvGrpSpPr>
+      <p:grpSpPr>
+        <a:xfrm>
+          <a:off x="0" y="0"/>
+          <a:ext cx="0" cy="0"/>
+          <a:chOff x="0" y="0"/>
+          <a:chExt cx="0" cy="0"/>
+        </a:xfrm>
+      </p:grpSpPr>
+      <p:sp>
+        <p:nvSpPr>
+          <p:cNvPr id="2" name="Marcador de Posição da Imagem do Diapositivo 1"/>
+          <p:cNvSpPr>
+            <a:spLocks noGrp="1" noRot="1" noChangeAspect="1"/>
+          </p:cNvSpPr>
+          <p:nvPr>
+            <p:ph type="sldImg"/>
+          </p:nvPr>
+        </p:nvSpPr>
+        <p:spPr/>
+      </p:sp>
+      <p:sp>
+        <p:nvSpPr>
+          <p:cNvPr id="3" name="Marcador de Posição de Notas 2"/>
+          <p:cNvSpPr>
+            <a:spLocks noGrp="1"/>
+          </p:cNvSpPr>
+          <p:nvPr>
+            <p:ph type="body" idx="1"/>
+          </p:nvPr>
+        </p:nvSpPr>
+        <p:spPr/>
+        <p:txBody>
+          <a:bodyPr/>
+          <a:lstStyle/>
+          <a:p>
+            <a:r>
+              <a:rPr lang="pt-PT" dirty="0" smtClean="0"/>
+              <a:t>Faz-se uma breve CONTEXTUALIZAÇÃO,</a:t>
+            </a:r>
+            <a:r>
+              <a:rPr lang="pt-PT" baseline="0" dirty="0" smtClean="0"/>
+              <a:t> de forma a que percebamos qual o motivo e objetivos para este projeto.</a:t>
+            </a:r>
+            <a:endParaRPr lang="pt-PT" dirty="0"/>
+          </a:p>
+        </p:txBody>
+      </p:sp>
+      <p:sp>
+        <p:nvSpPr>
+          <p:cNvPr id="4" name="Marcador de Posição do Número do Diapositivo 3"/>
+          <p:cNvSpPr>
+            <a:spLocks noGrp="1"/>
+          </p:cNvSpPr>
+          <p:nvPr>
+            <p:ph type="sldNum" sz="quarter" idx="10"/>
+          </p:nvPr>
+        </p:nvSpPr>
+        <p:spPr/>
+        <p:txBody>
+          <a:bodyPr/>
+          <a:lstStyle/>
+          <a:p>
+            <a:fld id="{F2D13AFA-C489-4F08-BBC3-E69A09335FB4}" type="slidenum">
+              <a:rPr lang="pt-PT" smtClean="0"/>
+              <a:t>3</a:t>
+            </a:fld>
+            <a:endParaRPr lang="pt-PT" dirty="0"/>
+          </a:p>
+        </p:txBody>
+      </p:sp>
+    </p:spTree>
+    <p:extLst>
+      <p:ext uri="{BB962C8B-B14F-4D97-AF65-F5344CB8AC3E}">
+        <p14:creationId xmlns:p14="http://schemas.microsoft.com/office/powerpoint/2010/main" val="765790856"/>
+      </p:ext>
+    </p:extLst>
+  </p:cSld>
+  <p:clrMapOvr>
+    <a:masterClrMapping/>
+  </p:clrMapOvr>
+</p:notes>
+</file>
+
+<file path=ppt/notesSlides/notesSlide4.xml><?xml version="1.0" encoding="utf-8"?>
+<p:notes xmlns:a="http://schemas.openxmlformats.org/drawingml/2006/main" xmlns:r="http://schemas.openxmlformats.org/officeDocument/2006/relationships" xmlns:p="http://schemas.openxmlformats.org/presentationml/2006/main">
+  <p:cSld>
+    <p:spTree>
+      <p:nvGrpSpPr>
+        <p:cNvPr id="1" name=""/>
+        <p:cNvGrpSpPr/>
+        <p:nvPr/>
+      </p:nvGrpSpPr>
+      <p:grpSpPr>
+        <a:xfrm>
+          <a:off x="0" y="0"/>
+          <a:ext cx="0" cy="0"/>
+          <a:chOff x="0" y="0"/>
+          <a:chExt cx="0" cy="0"/>
+        </a:xfrm>
+      </p:grpSpPr>
+      <p:sp>
+        <p:nvSpPr>
+          <p:cNvPr id="2" name="Slide Image Placeholder 1"/>
+          <p:cNvSpPr>
+            <a:spLocks noGrp="1" noRot="1" noChangeAspect="1"/>
+          </p:cNvSpPr>
+          <p:nvPr>
+            <p:ph type="sldImg"/>
+          </p:nvPr>
+        </p:nvSpPr>
+        <p:spPr/>
+      </p:sp>
+      <p:sp>
+        <p:nvSpPr>
+          <p:cNvPr id="3" name="Notes Placeholder 2"/>
+          <p:cNvSpPr>
+            <a:spLocks noGrp="1"/>
+          </p:cNvSpPr>
+          <p:nvPr>
+            <p:ph type="body" idx="1"/>
+          </p:nvPr>
+        </p:nvSpPr>
+        <p:spPr/>
+        <p:txBody>
+          <a:bodyPr/>
+          <a:lstStyle/>
+          <a:p>
+            <a:r>
+              <a:rPr lang="pt-PT" dirty="0" smtClean="0"/>
+              <a:t>Foi estabelecida a entidade do projeto. Destacam-se as</a:t>
+            </a:r>
+            <a:r>
+              <a:rPr lang="pt-PT" baseline="0" dirty="0" smtClean="0"/>
+              <a:t> CARACTERÍSTICAS da tabela.</a:t>
+            </a:r>
+            <a:endParaRPr lang="pt-PT" dirty="0"/>
+          </a:p>
+        </p:txBody>
+      </p:sp>
+      <p:sp>
+        <p:nvSpPr>
+          <p:cNvPr id="4" name="Slide Number Placeholder 3"/>
+          <p:cNvSpPr>
+            <a:spLocks noGrp="1"/>
+          </p:cNvSpPr>
+          <p:nvPr>
+            <p:ph type="sldNum" sz="quarter" idx="10"/>
+          </p:nvPr>
+        </p:nvSpPr>
+        <p:spPr/>
+        <p:txBody>
+          <a:bodyPr/>
+          <a:lstStyle/>
+          <a:p>
+            <a:fld id="{F2D13AFA-C489-4F08-BBC3-E69A09335FB4}" type="slidenum">
+              <a:rPr lang="pt-PT" smtClean="0"/>
+              <a:t>4</a:t>
+            </a:fld>
+            <a:endParaRPr lang="pt-PT" dirty="0"/>
+          </a:p>
+        </p:txBody>
+      </p:sp>
+    </p:spTree>
+    <p:extLst>
+      <p:ext uri="{BB962C8B-B14F-4D97-AF65-F5344CB8AC3E}">
+        <p14:creationId xmlns:p14="http://schemas.microsoft.com/office/powerpoint/2010/main" val="171239961"/>
+      </p:ext>
+    </p:extLst>
+  </p:cSld>
+  <p:clrMapOvr>
+    <a:masterClrMapping/>
+  </p:clrMapOvr>
+</p:notes>
+</file>
+
+<file path=ppt/notesSlides/notesSlide5.xml><?xml version="1.0" encoding="utf-8"?>
+<p:notes xmlns:a="http://schemas.openxmlformats.org/drawingml/2006/main" xmlns:r="http://schemas.openxmlformats.org/officeDocument/2006/relationships" xmlns:p="http://schemas.openxmlformats.org/presentationml/2006/main">
+  <p:cSld>
+    <p:spTree>
+      <p:nvGrpSpPr>
+        <p:cNvPr id="1" name=""/>
+        <p:cNvGrpSpPr/>
+        <p:nvPr/>
+      </p:nvGrpSpPr>
+      <p:grpSpPr>
+        <a:xfrm>
+          <a:off x="0" y="0"/>
+          <a:ext cx="0" cy="0"/>
+          <a:chOff x="0" y="0"/>
+          <a:chExt cx="0" cy="0"/>
+        </a:xfrm>
+      </p:grpSpPr>
+      <p:sp>
+        <p:nvSpPr>
+          <p:cNvPr id="2" name="Slide Image Placeholder 1"/>
+          <p:cNvSpPr>
+            <a:spLocks noGrp="1" noRot="1" noChangeAspect="1"/>
+          </p:cNvSpPr>
+          <p:nvPr>
+            <p:ph type="sldImg"/>
+          </p:nvPr>
+        </p:nvSpPr>
+        <p:spPr/>
+      </p:sp>
+      <p:sp>
+        <p:nvSpPr>
+          <p:cNvPr id="3" name="Notes Placeholder 2"/>
+          <p:cNvSpPr>
+            <a:spLocks noGrp="1"/>
+          </p:cNvSpPr>
+          <p:nvPr>
+            <p:ph type="body" idx="1"/>
+          </p:nvPr>
+        </p:nvSpPr>
+        <p:spPr/>
+        <p:txBody>
+          <a:bodyPr/>
+          <a:lstStyle/>
+          <a:p>
+            <a:r>
+              <a:rPr lang="pt-PT" dirty="0" smtClean="0"/>
+              <a:t>Serve apenas para apresentar o AGENDAR TRABALHO. Não vamos ler os pontos, mas apenas dizer que está aqui</a:t>
+            </a:r>
+            <a:r>
+              <a:rPr lang="pt-PT" baseline="0" dirty="0" smtClean="0"/>
+              <a:t> a tabela e foi nela que nos baseamos na implementação, como seria de esperar. Vamos fazer a COMPARAÇÃO dos pontos aqui apresentados com o trabalho real.</a:t>
+            </a:r>
+            <a:endParaRPr lang="pt-PT" dirty="0"/>
+          </a:p>
+        </p:txBody>
+      </p:sp>
+      <p:sp>
+        <p:nvSpPr>
+          <p:cNvPr id="4" name="Slide Number Placeholder 3"/>
+          <p:cNvSpPr>
+            <a:spLocks noGrp="1"/>
+          </p:cNvSpPr>
+          <p:nvPr>
+            <p:ph type="sldNum" sz="quarter" idx="10"/>
+          </p:nvPr>
+        </p:nvSpPr>
+        <p:spPr/>
+        <p:txBody>
+          <a:bodyPr/>
+          <a:lstStyle/>
+          <a:p>
+            <a:fld id="{F2D13AFA-C489-4F08-BBC3-E69A09335FB4}" type="slidenum">
+              <a:rPr lang="pt-PT" smtClean="0"/>
+              <a:t>5</a:t>
+            </a:fld>
+            <a:endParaRPr lang="pt-PT" dirty="0"/>
+          </a:p>
+        </p:txBody>
+      </p:sp>
+    </p:spTree>
+    <p:extLst>
+      <p:ext uri="{BB962C8B-B14F-4D97-AF65-F5344CB8AC3E}">
+        <p14:creationId xmlns:p14="http://schemas.microsoft.com/office/powerpoint/2010/main" val="3096416098"/>
+      </p:ext>
+    </p:extLst>
+  </p:cSld>
+  <p:clrMapOvr>
+    <a:masterClrMapping/>
+  </p:clrMapOvr>
+</p:notes>
+</file>
+
+<file path=ppt/notesSlides/notesSlide6.xml><?xml version="1.0" encoding="utf-8"?>
+<p:notes xmlns:a="http://schemas.openxmlformats.org/drawingml/2006/main" xmlns:r="http://schemas.openxmlformats.org/officeDocument/2006/relationships" xmlns:p="http://schemas.openxmlformats.org/presentationml/2006/main">
+  <p:cSld>
+    <p:spTree>
+      <p:nvGrpSpPr>
+        <p:cNvPr id="1" name=""/>
+        <p:cNvGrpSpPr/>
+        <p:nvPr/>
+      </p:nvGrpSpPr>
+      <p:grpSpPr>
+        <a:xfrm>
+          <a:off x="0" y="0"/>
+          <a:ext cx="0" cy="0"/>
+          <a:chOff x="0" y="0"/>
+          <a:chExt cx="0" cy="0"/>
+        </a:xfrm>
+      </p:grpSpPr>
+      <p:sp>
+        <p:nvSpPr>
+          <p:cNvPr id="2" name="Slide Image Placeholder 1"/>
+          <p:cNvSpPr>
+            <a:spLocks noGrp="1" noRot="1" noChangeAspect="1"/>
+          </p:cNvSpPr>
+          <p:nvPr>
+            <p:ph type="sldImg"/>
+          </p:nvPr>
+        </p:nvSpPr>
+        <p:spPr/>
+      </p:sp>
+      <p:sp>
+        <p:nvSpPr>
+          <p:cNvPr id="3" name="Notes Placeholder 2"/>
+          <p:cNvSpPr>
+            <a:spLocks noGrp="1"/>
+          </p:cNvSpPr>
+          <p:nvPr>
+            <p:ph type="body" idx="1"/>
+          </p:nvPr>
+        </p:nvSpPr>
+        <p:spPr/>
+        <p:txBody>
+          <a:bodyPr/>
+          <a:lstStyle/>
+          <a:p>
+            <a:r>
+              <a:rPr lang="pt-PT" dirty="0" smtClean="0"/>
+              <a:t>Falar</a:t>
+            </a:r>
+            <a:r>
+              <a:rPr lang="pt-PT" baseline="0" dirty="0" smtClean="0"/>
+              <a:t> que foram CUMPRIDOS os requisitos, quanto à utilização das tecnologias C#, ASP.NET, SQL SERVER. Falar que vamos desenvolver a aplicação para web.</a:t>
+            </a:r>
+            <a:endParaRPr lang="pt-PT" dirty="0"/>
+          </a:p>
+        </p:txBody>
+      </p:sp>
+      <p:sp>
+        <p:nvSpPr>
+          <p:cNvPr id="4" name="Slide Number Placeholder 3"/>
+          <p:cNvSpPr>
+            <a:spLocks noGrp="1"/>
+          </p:cNvSpPr>
+          <p:nvPr>
+            <p:ph type="sldNum" sz="quarter" idx="10"/>
+          </p:nvPr>
+        </p:nvSpPr>
+        <p:spPr/>
+        <p:txBody>
+          <a:bodyPr/>
+          <a:lstStyle/>
+          <a:p>
+            <a:fld id="{F2D13AFA-C489-4F08-BBC3-E69A09335FB4}" type="slidenum">
+              <a:rPr lang="pt-PT" smtClean="0"/>
+              <a:t>6</a:t>
+            </a:fld>
+            <a:endParaRPr lang="pt-PT" dirty="0"/>
+          </a:p>
+        </p:txBody>
+      </p:sp>
+    </p:spTree>
+    <p:extLst>
+      <p:ext uri="{BB962C8B-B14F-4D97-AF65-F5344CB8AC3E}">
+        <p14:creationId xmlns:p14="http://schemas.microsoft.com/office/powerpoint/2010/main" val="4001946490"/>
+      </p:ext>
+    </p:extLst>
+  </p:cSld>
+  <p:clrMapOvr>
+    <a:masterClrMapping/>
+  </p:clrMapOvr>
+</p:notes>
+</file>
+
+<file path=ppt/notesSlides/notesSlide7.xml><?xml version="1.0" encoding="utf-8"?>
+<p:notes xmlns:a="http://schemas.openxmlformats.org/drawingml/2006/main" xmlns:r="http://schemas.openxmlformats.org/officeDocument/2006/relationships" xmlns:p="http://schemas.openxmlformats.org/presentationml/2006/main">
+  <p:cSld>
+    <p:spTree>
+      <p:nvGrpSpPr>
+        <p:cNvPr id="1" name=""/>
+        <p:cNvGrpSpPr/>
+        <p:nvPr/>
+      </p:nvGrpSpPr>
+      <p:grpSpPr>
+        <a:xfrm>
+          <a:off x="0" y="0"/>
+          <a:ext cx="0" cy="0"/>
+          <a:chOff x="0" y="0"/>
+          <a:chExt cx="0" cy="0"/>
+        </a:xfrm>
+      </p:grpSpPr>
+      <p:sp>
+        <p:nvSpPr>
+          <p:cNvPr id="2" name="Slide Image Placeholder 1"/>
+          <p:cNvSpPr>
+            <a:spLocks noGrp="1" noRot="1" noChangeAspect="1"/>
+          </p:cNvSpPr>
+          <p:nvPr>
+            <p:ph type="sldImg"/>
+          </p:nvPr>
+        </p:nvSpPr>
+        <p:spPr/>
+      </p:sp>
+      <p:sp>
+        <p:nvSpPr>
+          <p:cNvPr id="3" name="Notes Placeholder 2"/>
+          <p:cNvSpPr>
+            <a:spLocks noGrp="1"/>
+          </p:cNvSpPr>
+          <p:nvPr>
+            <p:ph type="body" idx="1"/>
+          </p:nvPr>
+        </p:nvSpPr>
+        <p:spPr/>
+        <p:txBody>
+          <a:bodyPr/>
+          <a:lstStyle/>
+          <a:p>
+            <a:r>
+              <a:rPr lang="pt-PT" dirty="0" smtClean="0"/>
+              <a:t>Recorrer</a:t>
+            </a:r>
+            <a:r>
+              <a:rPr lang="pt-PT" baseline="0" dirty="0" smtClean="0"/>
+              <a:t> a API de MAPAS.</a:t>
+            </a:r>
+            <a:endParaRPr lang="pt-PT" dirty="0"/>
+          </a:p>
+        </p:txBody>
+      </p:sp>
+      <p:sp>
+        <p:nvSpPr>
+          <p:cNvPr id="4" name="Slide Number Placeholder 3"/>
+          <p:cNvSpPr>
+            <a:spLocks noGrp="1"/>
+          </p:cNvSpPr>
+          <p:nvPr>
+            <p:ph type="sldNum" sz="quarter" idx="10"/>
+          </p:nvPr>
+        </p:nvSpPr>
+        <p:spPr/>
+        <p:txBody>
+          <a:bodyPr/>
+          <a:lstStyle/>
+          <a:p>
+            <a:fld id="{F2D13AFA-C489-4F08-BBC3-E69A09335FB4}" type="slidenum">
+              <a:rPr lang="pt-PT" smtClean="0"/>
+              <a:t>7</a:t>
+            </a:fld>
+            <a:endParaRPr lang="pt-PT" dirty="0"/>
+          </a:p>
+        </p:txBody>
+      </p:sp>
+    </p:spTree>
+    <p:extLst>
+      <p:ext uri="{BB962C8B-B14F-4D97-AF65-F5344CB8AC3E}">
+        <p14:creationId xmlns:p14="http://schemas.microsoft.com/office/powerpoint/2010/main" val="2168824807"/>
+      </p:ext>
+    </p:extLst>
+  </p:cSld>
+  <p:clrMapOvr>
+    <a:masterClrMapping/>
+  </p:clrMapOvr>
+</p:notes>
+</file>
+
+<file path=ppt/notesSlides/notesSlide8.xml><?xml version="1.0" encoding="utf-8"?>
+<p:notes xmlns:a="http://schemas.openxmlformats.org/drawingml/2006/main" xmlns:r="http://schemas.openxmlformats.org/officeDocument/2006/relationships" xmlns:p="http://schemas.openxmlformats.org/presentationml/2006/main">
+  <p:cSld>
+    <p:spTree>
+      <p:nvGrpSpPr>
+        <p:cNvPr id="1" name=""/>
+        <p:cNvGrpSpPr/>
+        <p:nvPr/>
+      </p:nvGrpSpPr>
+      <p:grpSpPr>
+        <a:xfrm>
+          <a:off x="0" y="0"/>
+          <a:ext cx="0" cy="0"/>
+          <a:chOff x="0" y="0"/>
+          <a:chExt cx="0" cy="0"/>
+        </a:xfrm>
+      </p:grpSpPr>
+      <p:sp>
+        <p:nvSpPr>
+          <p:cNvPr id="2" name="Slide Image Placeholder 1"/>
+          <p:cNvSpPr>
+            <a:spLocks noGrp="1" noRot="1" noChangeAspect="1"/>
+          </p:cNvSpPr>
+          <p:nvPr>
+            <p:ph type="sldImg"/>
+          </p:nvPr>
+        </p:nvSpPr>
+        <p:spPr/>
+      </p:sp>
+      <p:sp>
+        <p:nvSpPr>
+          <p:cNvPr id="3" name="Notes Placeholder 2"/>
+          <p:cNvSpPr>
+            <a:spLocks noGrp="1"/>
+          </p:cNvSpPr>
+          <p:nvPr>
+            <p:ph type="body" idx="1"/>
+          </p:nvPr>
+        </p:nvSpPr>
+        <p:spPr/>
+        <p:txBody>
+          <a:bodyPr/>
+          <a:lstStyle/>
+          <a:p>
+            <a:r>
+              <a:rPr lang="pt-PT" dirty="0" smtClean="0"/>
+              <a:t>Falar que vamos</a:t>
+            </a:r>
+            <a:r>
+              <a:rPr lang="pt-PT" baseline="0" dirty="0" smtClean="0"/>
+              <a:t> APRESENTAR o USE CASE “Agendar Trabalho”. É nele que nos vamos basear para as comparações.</a:t>
+            </a:r>
+            <a:endParaRPr lang="pt-PT" dirty="0"/>
+          </a:p>
+        </p:txBody>
+      </p:sp>
+      <p:sp>
+        <p:nvSpPr>
+          <p:cNvPr id="4" name="Slide Number Placeholder 3"/>
+          <p:cNvSpPr>
+            <a:spLocks noGrp="1"/>
+          </p:cNvSpPr>
+          <p:nvPr>
+            <p:ph type="sldNum" sz="quarter" idx="10"/>
+          </p:nvPr>
+        </p:nvSpPr>
+        <p:spPr/>
+        <p:txBody>
+          <a:bodyPr/>
+          <a:lstStyle/>
+          <a:p>
+            <a:fld id="{F2D13AFA-C489-4F08-BBC3-E69A09335FB4}" type="slidenum">
+              <a:rPr lang="pt-PT" smtClean="0"/>
+              <a:t>8</a:t>
+            </a:fld>
+            <a:endParaRPr lang="pt-PT" dirty="0"/>
+          </a:p>
+        </p:txBody>
+      </p:sp>
+    </p:spTree>
+    <p:extLst>
+      <p:ext uri="{BB962C8B-B14F-4D97-AF65-F5344CB8AC3E}">
+        <p14:creationId xmlns:p14="http://schemas.microsoft.com/office/powerpoint/2010/main" val="4244841019"/>
+      </p:ext>
+    </p:extLst>
+  </p:cSld>
+  <p:clrMapOvr>
+    <a:masterClrMapping/>
+  </p:clrMapOvr>
+</p:notes>
+</file>
+
+<file path=ppt/notesSlides/notesSlide9.xml><?xml version="1.0" encoding="utf-8"?>
+<p:notes xmlns:a="http://schemas.openxmlformats.org/drawingml/2006/main" xmlns:r="http://schemas.openxmlformats.org/officeDocument/2006/relationships" xmlns:p="http://schemas.openxmlformats.org/presentationml/2006/main">
+  <p:cSld>
+    <p:spTree>
+      <p:nvGrpSpPr>
+        <p:cNvPr id="1" name=""/>
+        <p:cNvGrpSpPr/>
+        <p:nvPr/>
+      </p:nvGrpSpPr>
+      <p:grpSpPr>
+        <a:xfrm>
+          <a:off x="0" y="0"/>
+          <a:ext cx="0" cy="0"/>
+          <a:chOff x="0" y="0"/>
+          <a:chExt cx="0" cy="0"/>
+        </a:xfrm>
+      </p:grpSpPr>
+      <p:sp>
+        <p:nvSpPr>
+          <p:cNvPr id="2" name="Slide Image Placeholder 1"/>
+          <p:cNvSpPr>
+            <a:spLocks noGrp="1" noRot="1" noChangeAspect="1"/>
+          </p:cNvSpPr>
+          <p:nvPr>
+            <p:ph type="sldImg"/>
+          </p:nvPr>
+        </p:nvSpPr>
+        <p:spPr/>
+      </p:sp>
+      <p:sp>
+        <p:nvSpPr>
+          <p:cNvPr id="3" name="Notes Placeholder 2"/>
+          <p:cNvSpPr>
+            <a:spLocks noGrp="1"/>
+          </p:cNvSpPr>
+          <p:nvPr>
+            <p:ph type="body" idx="1"/>
+          </p:nvPr>
+        </p:nvSpPr>
+        <p:spPr/>
+        <p:txBody>
+          <a:bodyPr/>
+          <a:lstStyle/>
+          <a:p>
+            <a:r>
+              <a:rPr lang="pt-PT" dirty="0" smtClean="0"/>
+              <a:t>Da mesma forma, este</a:t>
+            </a:r>
+            <a:r>
+              <a:rPr lang="pt-PT" baseline="0" dirty="0" smtClean="0"/>
+              <a:t> diagrama serve apenas para dizer que nos baseamos também nele para fazer o trabalho e vamos fazer COMPARAÇÃO mais à frente.</a:t>
+            </a:r>
+            <a:endParaRPr lang="pt-PT" dirty="0"/>
+          </a:p>
+        </p:txBody>
+      </p:sp>
+      <p:sp>
+        <p:nvSpPr>
+          <p:cNvPr id="4" name="Slide Number Placeholder 3"/>
+          <p:cNvSpPr>
+            <a:spLocks noGrp="1"/>
+          </p:cNvSpPr>
+          <p:nvPr>
+            <p:ph type="sldNum" sz="quarter" idx="10"/>
+          </p:nvPr>
+        </p:nvSpPr>
+        <p:spPr/>
+        <p:txBody>
+          <a:bodyPr/>
+          <a:lstStyle/>
+          <a:p>
+            <a:fld id="{F2D13AFA-C489-4F08-BBC3-E69A09335FB4}" type="slidenum">
+              <a:rPr lang="pt-PT" smtClean="0"/>
+              <a:t>9</a:t>
+            </a:fld>
+            <a:endParaRPr lang="pt-PT" dirty="0"/>
+          </a:p>
+        </p:txBody>
+      </p:sp>
+    </p:spTree>
+    <p:extLst>
+      <p:ext uri="{BB962C8B-B14F-4D97-AF65-F5344CB8AC3E}">
+        <p14:creationId xmlns:p14="http://schemas.microsoft.com/office/powerpoint/2010/main" val="843364314"/>
       </p:ext>
     </p:extLst>
   </p:cSld>
@@ -6515,7 +8617,7 @@
           <p:nvPr/>
         </p:nvPicPr>
         <p:blipFill>
-          <a:blip r:embed="rId2" cstate="screen">
+          <a:blip r:embed="rId3" cstate="screen">
             <a:extLst>
               <a:ext uri="{28A0092B-C50C-407E-A947-70E740481C1C}">
                 <a14:useLocalDpi xmlns:a14="http://schemas.microsoft.com/office/drawing/2010/main"/>
@@ -6980,7 +9082,7 @@
           <p:nvPr/>
         </p:nvPicPr>
         <p:blipFill>
-          <a:blip r:embed="rId2">
+          <a:blip r:embed="rId3">
             <a:extLst>
               <a:ext uri="{28A0092B-C50C-407E-A947-70E740481C1C}">
                 <a14:useLocalDpi xmlns:a14="http://schemas.microsoft.com/office/drawing/2010/main" val="0"/>
@@ -7710,7 +9812,7 @@
           <p:nvPr/>
         </p:nvPicPr>
         <p:blipFill rotWithShape="1">
-          <a:blip r:embed="rId2">
+          <a:blip r:embed="rId3">
             <a:extLst>
               <a:ext uri="{28A0092B-C50C-407E-A947-70E740481C1C}">
                 <a14:useLocalDpi xmlns:a14="http://schemas.microsoft.com/office/drawing/2010/main" val="0"/>
@@ -7805,7 +9907,7 @@
           <p:nvPr/>
         </p:nvPicPr>
         <p:blipFill rotWithShape="1">
-          <a:blip r:embed="rId3">
+          <a:blip r:embed="rId4">
             <a:extLst>
               <a:ext uri="{28A0092B-C50C-407E-A947-70E740481C1C}">
                 <a14:useLocalDpi xmlns:a14="http://schemas.microsoft.com/office/drawing/2010/main" val="0"/>
@@ -8076,7 +10178,7 @@
           <p:nvPr/>
         </p:nvPicPr>
         <p:blipFill rotWithShape="1">
-          <a:blip r:embed="rId2"/>
+          <a:blip r:embed="rId3"/>
           <a:srcRect r="28175"/>
           <a:stretch/>
         </p:blipFill>
@@ -8176,7 +10278,7 @@
           <p:nvPr/>
         </p:nvPicPr>
         <p:blipFill>
-          <a:blip r:embed="rId2">
+          <a:blip r:embed="rId3">
             <a:extLst>
               <a:ext uri="{28A0092B-C50C-407E-A947-70E740481C1C}">
                 <a14:useLocalDpi xmlns:a14="http://schemas.microsoft.com/office/drawing/2010/main" val="0"/>
@@ -8232,7 +10334,7 @@
           </p:nvPr>
         </p:nvPicPr>
         <p:blipFill>
-          <a:blip r:embed="rId3">
+          <a:blip r:embed="rId4">
             <a:extLst>
               <a:ext uri="{28A0092B-C50C-407E-A947-70E740481C1C}">
                 <a14:useLocalDpi xmlns:a14="http://schemas.microsoft.com/office/drawing/2010/main" val="0"/>
@@ -8453,7 +10555,7 @@
           <p:nvPr/>
         </p:nvPicPr>
         <p:blipFill>
-          <a:blip r:embed="rId2">
+          <a:blip r:embed="rId3">
             <a:extLst>
               <a:ext uri="{28A0092B-C50C-407E-A947-70E740481C1C}">
                 <a14:useLocalDpi xmlns:a14="http://schemas.microsoft.com/office/drawing/2010/main" val="0"/>
@@ -8507,7 +10609,7 @@
           <p:nvPr/>
         </p:nvPicPr>
         <p:blipFill>
-          <a:blip r:embed="rId3">
+          <a:blip r:embed="rId4">
             <a:extLst>
               <a:ext uri="{28A0092B-C50C-407E-A947-70E740481C1C}">
                 <a14:useLocalDpi xmlns:a14="http://schemas.microsoft.com/office/drawing/2010/main" val="0"/>
@@ -8731,7 +10833,7 @@
           <p:nvPr/>
         </p:nvPicPr>
         <p:blipFill>
-          <a:blip r:embed="rId2">
+          <a:blip r:embed="rId3">
             <a:extLst>
               <a:ext uri="{28A0092B-C50C-407E-A947-70E740481C1C}">
                 <a14:useLocalDpi xmlns:a14="http://schemas.microsoft.com/office/drawing/2010/main" val="0"/>
@@ -8785,7 +10887,7 @@
           <p:nvPr/>
         </p:nvPicPr>
         <p:blipFill rotWithShape="1">
-          <a:blip r:embed="rId3"/>
+          <a:blip r:embed="rId4"/>
           <a:srcRect l="4192" t="1196" r="17984" b="53410"/>
           <a:stretch/>
         </p:blipFill>
@@ -8885,7 +10987,7 @@
           <p:nvPr/>
         </p:nvPicPr>
         <p:blipFill>
-          <a:blip r:embed="rId2">
+          <a:blip r:embed="rId3">
             <a:extLst>
               <a:ext uri="{28A0092B-C50C-407E-A947-70E740481C1C}">
                 <a14:useLocalDpi xmlns:a14="http://schemas.microsoft.com/office/drawing/2010/main" val="0"/>
@@ -9179,7 +11281,7 @@
           </p:nvPr>
         </p:nvPicPr>
         <p:blipFill rotWithShape="1">
-          <a:blip r:embed="rId2">
+          <a:blip r:embed="rId3">
             <a:extLst>
               <a:ext uri="{28A0092B-C50C-407E-A947-70E740481C1C}">
                 <a14:useLocalDpi xmlns:a14="http://schemas.microsoft.com/office/drawing/2010/main" val="0"/>
@@ -9221,7 +11323,7 @@
           <p:nvPr/>
         </p:nvPicPr>
         <p:blipFill>
-          <a:blip r:embed="rId3">
+          <a:blip r:embed="rId4">
             <a:extLst>
               <a:ext uri="{28A0092B-C50C-407E-A947-70E740481C1C}">
                 <a14:useLocalDpi xmlns:a14="http://schemas.microsoft.com/office/drawing/2010/main" val="0"/>
@@ -9469,7 +11571,7 @@
           <p:nvPr/>
         </p:nvPicPr>
         <p:blipFill>
-          <a:blip r:embed="rId2">
+          <a:blip r:embed="rId3">
             <a:extLst>
               <a:ext uri="{28A0092B-C50C-407E-A947-70E740481C1C}">
                 <a14:useLocalDpi xmlns:a14="http://schemas.microsoft.com/office/drawing/2010/main" val="0"/>
@@ -9542,7 +11644,7 @@
           <p:nvPr/>
         </p:nvPicPr>
         <p:blipFill>
-          <a:blip r:embed="rId3"/>
+          <a:blip r:embed="rId4"/>
           <a:stretch>
             <a:fillRect/>
           </a:stretch>
@@ -9760,7 +11862,7 @@
           <p:nvPr/>
         </p:nvPicPr>
         <p:blipFill>
-          <a:blip r:embed="rId2">
+          <a:blip r:embed="rId3">
             <a:extLst>
               <a:ext uri="{28A0092B-C50C-407E-A947-70E740481C1C}">
                 <a14:useLocalDpi xmlns:a14="http://schemas.microsoft.com/office/drawing/2010/main" val="0"/>
@@ -10064,7 +12166,7 @@
           <p:nvPr/>
         </p:nvPicPr>
         <p:blipFill>
-          <a:blip r:embed="rId2">
+          <a:blip r:embed="rId3">
             <a:extLst>
               <a:ext uri="{28A0092B-C50C-407E-A947-70E740481C1C}">
                 <a14:useLocalDpi xmlns:a14="http://schemas.microsoft.com/office/drawing/2010/main" val="0"/>
@@ -10118,7 +12220,7 @@
           <p:nvPr/>
         </p:nvPicPr>
         <p:blipFill>
-          <a:blip r:embed="rId3">
+          <a:blip r:embed="rId4">
             <a:extLst>
               <a:ext uri="{28A0092B-C50C-407E-A947-70E740481C1C}">
                 <a14:useLocalDpi xmlns:a14="http://schemas.microsoft.com/office/drawing/2010/main" val="0"/>
@@ -10342,7 +12444,7 @@
           <p:nvPr/>
         </p:nvPicPr>
         <p:blipFill>
-          <a:blip r:embed="rId2">
+          <a:blip r:embed="rId3">
             <a:extLst>
               <a:ext uri="{28A0092B-C50C-407E-A947-70E740481C1C}">
                 <a14:useLocalDpi xmlns:a14="http://schemas.microsoft.com/office/drawing/2010/main" val="0"/>
@@ -10396,7 +12498,7 @@
           <p:nvPr/>
         </p:nvPicPr>
         <p:blipFill rotWithShape="1">
-          <a:blip r:embed="rId3"/>
+          <a:blip r:embed="rId4"/>
           <a:srcRect t="18977"/>
           <a:stretch/>
         </p:blipFill>
@@ -10510,7 +12612,7 @@
           <p:nvPr/>
         </p:nvPicPr>
         <p:blipFill>
-          <a:blip r:embed="rId2">
+          <a:blip r:embed="rId3">
             <a:extLst>
               <a:ext uri="{28A0092B-C50C-407E-A947-70E740481C1C}">
                 <a14:useLocalDpi xmlns:a14="http://schemas.microsoft.com/office/drawing/2010/main" val="0"/>
@@ -12339,7 +14441,7 @@
           <p:nvPr/>
         </p:nvPicPr>
         <p:blipFill>
-          <a:blip r:embed="rId2">
+          <a:blip r:embed="rId3">
             <a:extLst>
               <a:ext uri="{28A0092B-C50C-407E-A947-70E740481C1C}">
                 <a14:useLocalDpi xmlns:a14="http://schemas.microsoft.com/office/drawing/2010/main" val="0"/>
@@ -12445,7 +14547,7 @@
           <p:nvPr/>
         </p:nvPicPr>
         <p:blipFill>
-          <a:blip r:embed="rId2"/>
+          <a:blip r:embed="rId3"/>
           <a:stretch>
             <a:fillRect/>
           </a:stretch>
@@ -12795,7 +14897,7 @@
           <p:nvPr/>
         </p:nvPicPr>
         <p:blipFill rotWithShape="1">
-          <a:blip r:embed="rId2">
+          <a:blip r:embed="rId3">
             <a:extLst>
               <a:ext uri="{28A0092B-C50C-407E-A947-70E740481C1C}">
                 <a14:useLocalDpi xmlns:a14="http://schemas.microsoft.com/office/drawing/2010/main" val="0"/>
@@ -13116,7 +15218,7 @@
           <p:nvPr/>
         </p:nvPicPr>
         <p:blipFill rotWithShape="1">
-          <a:blip r:embed="rId2"/>
+          <a:blip r:embed="rId3"/>
           <a:srcRect t="1196"/>
           <a:stretch/>
         </p:blipFill>
@@ -13139,7 +15241,7 @@
           <p:nvPr/>
         </p:nvPicPr>
         <p:blipFill>
-          <a:blip r:embed="rId3"/>
+          <a:blip r:embed="rId4"/>
           <a:stretch>
             <a:fillRect/>
           </a:stretch>

--- a/relatorio/Fase 3/LI4.pptx
+++ b/relatorio/Fase 3/LI4.pptx
@@ -220,7 +220,7 @@
           <a:p>
             <a:fld id="{FC77EE40-E473-4F3B-ABB7-4026700F0D66}" type="datetimeFigureOut">
               <a:rPr lang="pt-PT" smtClean="0"/>
-              <a:t>11-06-2018</a:t>
+              <a:t>11/06/2018</a:t>
             </a:fld>
             <a:endParaRPr lang="pt-PT" dirty="0"/>
           </a:p>
@@ -378,7 +378,7 @@
           <a:p>
             <a:fld id="{F2D13AFA-C489-4F08-BBC3-E69A09335FB4}" type="slidenum">
               <a:rPr lang="pt-PT" smtClean="0"/>
-              <a:t>‹#›</a:t>
+              <a:t>‹nº›</a:t>
             </a:fld>
             <a:endParaRPr lang="pt-PT" dirty="0"/>
           </a:p>
@@ -532,11 +532,11 @@
           <a:lstStyle/>
           <a:p>
             <a:r>
-              <a:rPr lang="pt-PT" dirty="0" smtClean="0"/>
+              <a:rPr lang="pt-PT" dirty="0"/>
               <a:t>O</a:t>
             </a:r>
             <a:r>
-              <a:rPr lang="pt-PT" baseline="0" dirty="0" smtClean="0"/>
+              <a:rPr lang="pt-PT" baseline="0" dirty="0"/>
               <a:t> trabalho chama-se GUGUDADAH, e promete ser uma plataforma de agendamento de babysitting online.</a:t>
             </a:r>
             <a:endParaRPr lang="pt-PT" dirty="0"/>
@@ -624,19 +624,19 @@
           <a:lstStyle/>
           <a:p>
             <a:r>
-              <a:rPr lang="pt-PT" dirty="0" smtClean="0"/>
+              <a:rPr lang="pt-PT" dirty="0"/>
               <a:t>EXPLICAR</a:t>
             </a:r>
             <a:r>
-              <a:rPr lang="pt-PT" baseline="0" dirty="0" smtClean="0"/>
+              <a:rPr lang="pt-PT" baseline="0" dirty="0"/>
               <a:t> </a:t>
             </a:r>
             <a:r>
-              <a:rPr lang="pt-PT" dirty="0" smtClean="0"/>
+              <a:rPr lang="pt-PT" dirty="0"/>
               <a:t>como funciona um AGENDAMENTO.</a:t>
             </a:r>
             <a:r>
-              <a:rPr lang="pt-PT" baseline="0" dirty="0" smtClean="0"/>
+              <a:rPr lang="pt-PT" baseline="0" dirty="0"/>
               <a:t> Cliente carrega em agendar, nova página mete informações, seleciona babysitter, seleciona tipo de pagamento, aceita ou não trabalho.</a:t>
             </a:r>
             <a:endParaRPr lang="pt-PT" dirty="0"/>
@@ -724,28 +724,12 @@
           <a:lstStyle/>
           <a:p>
             <a:r>
-              <a:rPr lang="pt-PT" dirty="0" smtClean="0"/>
+              <a:rPr lang="pt-PT" dirty="0"/>
               <a:t>Foi desenvolvido o projeto</a:t>
             </a:r>
             <a:r>
-              <a:rPr lang="pt-PT" baseline="0" dirty="0" smtClean="0"/>
-              <a:t> em </a:t>
-            </a:r>
-            <a:r>
-              <a:rPr lang="pt-PT" baseline="0" dirty="0" smtClean="0"/>
-              <a:t>VISUAL STUDIO (devido às numerosas extensões que oferece) que</a:t>
-            </a:r>
-            <a:r>
-              <a:rPr lang="pt-PT" baseline="0" dirty="0" smtClean="0"/>
-              <a:t>, juntamente com os serviços da Microsoft </a:t>
-            </a:r>
-            <a:r>
-              <a:rPr lang="pt-PT" baseline="0" dirty="0" smtClean="0"/>
-              <a:t>AZURE permitem o DEPLOYMENT do </a:t>
-            </a:r>
-            <a:r>
-              <a:rPr lang="pt-PT" baseline="0" dirty="0" smtClean="0"/>
-              <a:t>website online. O browser, utilizado em PC ou smartphone, permite cobrir uma vasta gama de dispositivos, graças à implementação dinâmica da página.</a:t>
+              <a:rPr lang="pt-PT" baseline="0" dirty="0"/>
+              <a:t> em VISUAL STUDIO (devido às numerosas extensões que oferece) que, juntamente com os serviços da Microsoft AZURE permitem o DEPLOYMENT do website online. O browser, utilizado em PC ou smartphone, permite cobrir uma vasta gama de dispositivos, graças à implementação dinâmica da página.</a:t>
             </a:r>
             <a:endParaRPr lang="pt-PT" dirty="0"/>
           </a:p>
@@ -832,11 +816,11 @@
           <a:lstStyle/>
           <a:p>
             <a:r>
-              <a:rPr lang="pt-PT" dirty="0" smtClean="0"/>
+              <a:rPr lang="pt-PT" dirty="0"/>
               <a:t>Neste slide mostramos como passamos o modelo lógico</a:t>
             </a:r>
             <a:r>
-              <a:rPr lang="pt-PT" baseline="0" dirty="0" smtClean="0"/>
+              <a:rPr lang="pt-PT" baseline="0" dirty="0"/>
               <a:t> para físico no programa. Basicamente, uma CLASSE É uma TABELA. Dentro de cada classe representamos todos os ATRIBUTOS. Depois de feita a representação, usamos a ENTITY FRAMEWORK para passar as CLASSES PARA TABLES.</a:t>
             </a:r>
             <a:endParaRPr lang="pt-PT" dirty="0"/>
@@ -924,12 +908,12 @@
           <a:lstStyle/>
           <a:p>
             <a:r>
-              <a:rPr lang="pt-PT" dirty="0" smtClean="0"/>
+              <a:rPr lang="pt-PT" dirty="0"/>
               <a:t>O povoamento</a:t>
             </a:r>
             <a:r>
-              <a:rPr lang="pt-PT" baseline="0" dirty="0" smtClean="0"/>
-              <a:t> foi feito através da plataforma, de forma a testar a mesma. O resultadom, com 5 prestadores de serviço, é o mostrado.</a:t>
+              <a:rPr lang="pt-PT" baseline="0" dirty="0"/>
+              <a:t> foi feito manualmente através da plataforma, de forma a testar a mesma. O resultado, com 5 prestadores de serviço, é o mostrado.</a:t>
             </a:r>
             <a:endParaRPr lang="pt-PT" dirty="0"/>
           </a:p>
@@ -1016,11 +1000,11 @@
           <a:lstStyle/>
           <a:p>
             <a:r>
-              <a:rPr lang="pt-PT" dirty="0" smtClean="0"/>
+              <a:rPr lang="pt-PT" dirty="0"/>
               <a:t>COMPARAÇÃO</a:t>
             </a:r>
             <a:r>
-              <a:rPr lang="pt-PT" baseline="0" dirty="0" smtClean="0"/>
+              <a:rPr lang="pt-PT" baseline="0" dirty="0"/>
               <a:t> com MOCKUP</a:t>
             </a:r>
             <a:endParaRPr lang="pt-PT" dirty="0"/>
@@ -1125,14 +1109,14 @@
               <a:defRPr/>
             </a:pPr>
             <a:r>
-              <a:rPr lang="pt-PT" dirty="0" smtClean="0"/>
+              <a:rPr lang="pt-PT" dirty="0"/>
               <a:t>COMPARAÇÃO</a:t>
             </a:r>
             <a:r>
-              <a:rPr lang="pt-PT" baseline="0" dirty="0" smtClean="0"/>
+              <a:rPr lang="pt-PT" baseline="0" dirty="0"/>
               <a:t> com MOCKUP</a:t>
             </a:r>
-            <a:endParaRPr lang="pt-PT" dirty="0" smtClean="0"/>
+            <a:endParaRPr lang="pt-PT" dirty="0"/>
           </a:p>
         </p:txBody>
       </p:sp>
@@ -1217,11 +1201,11 @@
           <a:lstStyle/>
           <a:p>
             <a:r>
-              <a:rPr lang="pt-PT" dirty="0" smtClean="0"/>
+              <a:rPr lang="pt-PT" dirty="0"/>
               <a:t>COMPARAÇÃO</a:t>
             </a:r>
             <a:r>
-              <a:rPr lang="pt-PT" baseline="0" dirty="0" smtClean="0"/>
+              <a:rPr lang="pt-PT" baseline="0" dirty="0"/>
               <a:t> com DIAGRAMA DE SEQUÊNCIA</a:t>
             </a:r>
             <a:endParaRPr lang="pt-PT" dirty="0"/>
@@ -1326,14 +1310,14 @@
               <a:defRPr/>
             </a:pPr>
             <a:r>
-              <a:rPr lang="pt-PT" dirty="0" smtClean="0"/>
+              <a:rPr lang="pt-PT" dirty="0"/>
               <a:t>COMPARAÇÃO</a:t>
             </a:r>
             <a:r>
-              <a:rPr lang="pt-PT" baseline="0" dirty="0" smtClean="0"/>
+              <a:rPr lang="pt-PT" baseline="0" dirty="0"/>
               <a:t> com REQUISITOS</a:t>
             </a:r>
-            <a:endParaRPr lang="pt-PT" dirty="0" smtClean="0"/>
+            <a:endParaRPr lang="pt-PT" dirty="0"/>
           </a:p>
           <a:p>
             <a:endParaRPr lang="pt-PT" dirty="0"/>
@@ -1438,14 +1422,14 @@
               <a:defRPr/>
             </a:pPr>
             <a:r>
-              <a:rPr lang="pt-PT" dirty="0" smtClean="0"/>
+              <a:rPr lang="pt-PT" dirty="0"/>
               <a:t>COMPARAÇÃO</a:t>
             </a:r>
             <a:r>
-              <a:rPr lang="pt-PT" baseline="0" dirty="0" smtClean="0"/>
+              <a:rPr lang="pt-PT" baseline="0" dirty="0"/>
               <a:t> com MOCKUP</a:t>
             </a:r>
-            <a:endParaRPr lang="pt-PT" dirty="0" smtClean="0"/>
+            <a:endParaRPr lang="pt-PT" dirty="0"/>
           </a:p>
         </p:txBody>
       </p:sp>
@@ -1547,14 +1531,14 @@
               <a:defRPr/>
             </a:pPr>
             <a:r>
-              <a:rPr lang="pt-PT" dirty="0" smtClean="0"/>
+              <a:rPr lang="pt-PT" dirty="0"/>
               <a:t>COMPARAÇÃO</a:t>
             </a:r>
             <a:r>
-              <a:rPr lang="pt-PT" baseline="0" dirty="0" smtClean="0"/>
+              <a:rPr lang="pt-PT" baseline="0" dirty="0"/>
               <a:t> com DIAGRAMA DE SEQUÊNCIA</a:t>
             </a:r>
-            <a:endParaRPr lang="pt-PT" dirty="0" smtClean="0"/>
+            <a:endParaRPr lang="pt-PT" dirty="0"/>
           </a:p>
         </p:txBody>
       </p:sp>
@@ -1639,11 +1623,11 @@
           <a:lstStyle/>
           <a:p>
             <a:r>
-              <a:rPr lang="pt-PT" dirty="0" smtClean="0"/>
+              <a:rPr lang="pt-PT" dirty="0"/>
               <a:t>Nesta parte, apresentamos a implementação. Faremos uma comparação entre o produto</a:t>
             </a:r>
             <a:r>
-              <a:rPr lang="pt-PT" baseline="0" dirty="0" smtClean="0"/>
+              <a:rPr lang="pt-PT" baseline="0" dirty="0"/>
               <a:t> final e os diagramas elaborados.</a:t>
             </a:r>
           </a:p>
@@ -1747,14 +1731,14 @@
               <a:defRPr/>
             </a:pPr>
             <a:r>
-              <a:rPr lang="pt-PT" dirty="0" smtClean="0"/>
+              <a:rPr lang="pt-PT" dirty="0"/>
               <a:t>COMPARAÇÃO</a:t>
             </a:r>
             <a:r>
-              <a:rPr lang="pt-PT" baseline="0" dirty="0" smtClean="0"/>
+              <a:rPr lang="pt-PT" baseline="0" dirty="0"/>
               <a:t> com REQUISITOS</a:t>
             </a:r>
-            <a:endParaRPr lang="pt-PT" dirty="0" smtClean="0"/>
+            <a:endParaRPr lang="pt-PT" dirty="0"/>
           </a:p>
         </p:txBody>
       </p:sp>
@@ -1856,14 +1840,14 @@
               <a:defRPr/>
             </a:pPr>
             <a:r>
-              <a:rPr lang="pt-PT" dirty="0" smtClean="0"/>
+              <a:rPr lang="pt-PT" dirty="0"/>
               <a:t>COMPARAÇÃO</a:t>
             </a:r>
             <a:r>
-              <a:rPr lang="pt-PT" baseline="0" dirty="0" smtClean="0"/>
+              <a:rPr lang="pt-PT" baseline="0" dirty="0"/>
               <a:t> com MOCKUP</a:t>
             </a:r>
-            <a:endParaRPr lang="pt-PT" dirty="0" smtClean="0"/>
+            <a:endParaRPr lang="pt-PT" dirty="0"/>
           </a:p>
         </p:txBody>
       </p:sp>
@@ -1965,14 +1949,14 @@
               <a:defRPr/>
             </a:pPr>
             <a:r>
-              <a:rPr lang="pt-PT" dirty="0" smtClean="0"/>
+              <a:rPr lang="pt-PT" dirty="0"/>
               <a:t>COMPARAÇÃO</a:t>
             </a:r>
             <a:r>
-              <a:rPr lang="pt-PT" baseline="0" dirty="0" smtClean="0"/>
+              <a:rPr lang="pt-PT" baseline="0" dirty="0"/>
               <a:t> com DIAGRAMA DE SEQUÊNCIA</a:t>
             </a:r>
-            <a:endParaRPr lang="pt-PT" dirty="0" smtClean="0"/>
+            <a:endParaRPr lang="pt-PT" dirty="0"/>
           </a:p>
         </p:txBody>
       </p:sp>
@@ -2074,14 +2058,14 @@
               <a:defRPr/>
             </a:pPr>
             <a:r>
-              <a:rPr lang="pt-PT" smtClean="0"/>
+              <a:rPr lang="pt-PT"/>
               <a:t>COMPARAÇÃO</a:t>
             </a:r>
             <a:r>
-              <a:rPr lang="pt-PT" baseline="0" smtClean="0"/>
+              <a:rPr lang="pt-PT" baseline="0"/>
               <a:t> com REQUISITOS</a:t>
             </a:r>
-            <a:endParaRPr lang="pt-PT" smtClean="0"/>
+            <a:endParaRPr lang="pt-PT"/>
           </a:p>
         </p:txBody>
       </p:sp>
@@ -2166,11 +2150,11 @@
           <a:lstStyle/>
           <a:p>
             <a:r>
-              <a:rPr lang="pt-PT" dirty="0" smtClean="0"/>
+              <a:rPr lang="pt-PT" dirty="0"/>
               <a:t>Faz-se uma breve CONTEXTUALIZAÇÃO,</a:t>
             </a:r>
             <a:r>
-              <a:rPr lang="pt-PT" baseline="0" dirty="0" smtClean="0"/>
+              <a:rPr lang="pt-PT" baseline="0" dirty="0"/>
               <a:t> de forma a que percebamos qual o motivo e objetivos para este projeto.</a:t>
             </a:r>
             <a:endParaRPr lang="pt-PT" dirty="0"/>
@@ -2258,11 +2242,11 @@
           <a:lstStyle/>
           <a:p>
             <a:r>
-              <a:rPr lang="pt-PT" dirty="0" smtClean="0"/>
+              <a:rPr lang="pt-PT" dirty="0"/>
               <a:t>Foi estabelecida a entidade do projeto. Destacam-se as</a:t>
             </a:r>
             <a:r>
-              <a:rPr lang="pt-PT" baseline="0" dirty="0" smtClean="0"/>
+              <a:rPr lang="pt-PT" baseline="0" dirty="0"/>
               <a:t> CARACTERÍSTICAS da tabela.</a:t>
             </a:r>
             <a:endParaRPr lang="pt-PT" dirty="0"/>
@@ -2350,11 +2334,11 @@
           <a:lstStyle/>
           <a:p>
             <a:r>
-              <a:rPr lang="pt-PT" dirty="0" smtClean="0"/>
+              <a:rPr lang="pt-PT" dirty="0"/>
               <a:t>Serve apenas para apresentar o AGENDAR TRABALHO. Não vamos ler os pontos, mas apenas dizer que está aqui</a:t>
             </a:r>
             <a:r>
-              <a:rPr lang="pt-PT" baseline="0" dirty="0" smtClean="0"/>
+              <a:rPr lang="pt-PT" baseline="0" dirty="0"/>
               <a:t> a tabela e foi nela que nos baseamos na implementação, como seria de esperar. Vamos fazer a COMPARAÇÃO dos pontos aqui apresentados com o trabalho real.</a:t>
             </a:r>
             <a:endParaRPr lang="pt-PT" dirty="0"/>
@@ -2442,11 +2426,11 @@
           <a:lstStyle/>
           <a:p>
             <a:r>
-              <a:rPr lang="pt-PT" dirty="0" smtClean="0"/>
+              <a:rPr lang="pt-PT" dirty="0"/>
               <a:t>Falar</a:t>
             </a:r>
             <a:r>
-              <a:rPr lang="pt-PT" baseline="0" dirty="0" smtClean="0"/>
+              <a:rPr lang="pt-PT" baseline="0" dirty="0"/>
               <a:t> que foram CUMPRIDOS os requisitos, quanto à utilização das tecnologias C#, ASP.NET, SQL SERVER. Falar que vamos desenvolver a aplicação para web.</a:t>
             </a:r>
             <a:endParaRPr lang="pt-PT" dirty="0"/>
@@ -2534,11 +2518,11 @@
           <a:lstStyle/>
           <a:p>
             <a:r>
-              <a:rPr lang="pt-PT" dirty="0" smtClean="0"/>
+              <a:rPr lang="pt-PT" dirty="0"/>
               <a:t>Recorrer</a:t>
             </a:r>
             <a:r>
-              <a:rPr lang="pt-PT" baseline="0" dirty="0" smtClean="0"/>
+              <a:rPr lang="pt-PT" baseline="0" dirty="0"/>
               <a:t> a API de MAPAS.</a:t>
             </a:r>
             <a:endParaRPr lang="pt-PT" dirty="0"/>
@@ -2626,11 +2610,11 @@
           <a:lstStyle/>
           <a:p>
             <a:r>
-              <a:rPr lang="pt-PT" dirty="0" smtClean="0"/>
+              <a:rPr lang="pt-PT" dirty="0"/>
               <a:t>Falar que vamos</a:t>
             </a:r>
             <a:r>
-              <a:rPr lang="pt-PT" baseline="0" dirty="0" smtClean="0"/>
+              <a:rPr lang="pt-PT" baseline="0" dirty="0"/>
               <a:t> APRESENTAR o USE CASE “Agendar Trabalho”. É nele que nos vamos basear para as comparações.</a:t>
             </a:r>
             <a:endParaRPr lang="pt-PT" dirty="0"/>
@@ -2718,11 +2702,11 @@
           <a:lstStyle/>
           <a:p>
             <a:r>
-              <a:rPr lang="pt-PT" dirty="0" smtClean="0"/>
+              <a:rPr lang="pt-PT" dirty="0"/>
               <a:t>Da mesma forma, este</a:t>
             </a:r>
             <a:r>
-              <a:rPr lang="pt-PT" baseline="0" dirty="0" smtClean="0"/>
+              <a:rPr lang="pt-PT" baseline="0" dirty="0"/>
               <a:t> diagrama serve apenas para dizer que nos baseamos também nele para fazer o trabalho e vamos fazer COMPARAÇÃO mais à frente.</a:t>
             </a:r>
             <a:endParaRPr lang="pt-PT" dirty="0"/>
@@ -3366,7 +3350,7 @@
           </a:lstStyle>
           <a:p>
             <a:r>
-              <a:rPr lang="en-US" smtClean="0"/>
+              <a:rPr lang="en-US"/>
               <a:t>Click to edit Master title style</a:t>
             </a:r>
             <a:endParaRPr lang="en-US" dirty="0"/>
@@ -3486,7 +3470,7 @@
           </a:lstStyle>
           <a:p>
             <a:r>
-              <a:rPr lang="en-US" smtClean="0"/>
+              <a:rPr lang="en-US"/>
               <a:t>Click to edit Master subtitle style</a:t>
             </a:r>
             <a:endParaRPr lang="en-US" dirty="0"/>
@@ -3554,7 +3538,7 @@
             <a:fld id="{D57F1E4F-1CFF-5643-939E-217C01CDF565}" type="slidenum">
               <a:rPr lang="en-US" smtClean="0"/>
               <a:pPr/>
-              <a:t>‹#›</a:t>
+              <a:t>‹nº›</a:t>
             </a:fld>
             <a:endParaRPr lang="en-US" dirty="0"/>
           </a:p>
@@ -3617,7 +3601,7 @@
           </a:lstStyle>
           <a:p>
             <a:r>
-              <a:rPr lang="en-US" smtClean="0"/>
+              <a:rPr lang="en-US"/>
               <a:t>Click to edit Master title style</a:t>
             </a:r>
             <a:endParaRPr lang="en-US" dirty="0"/>
@@ -3740,7 +3724,7 @@
           <a:p>
             <a:pPr lvl="0"/>
             <a:r>
-              <a:rPr lang="en-US" smtClean="0"/>
+              <a:rPr lang="en-US"/>
               <a:t>Edit Master text styles</a:t>
             </a:r>
           </a:p>
@@ -3807,7 +3791,7 @@
             <a:fld id="{D57F1E4F-1CFF-5643-939E-217C01CDF565}" type="slidenum">
               <a:rPr lang="en-US" smtClean="0"/>
               <a:pPr/>
-              <a:t>‹#›</a:t>
+              <a:t>‹nº›</a:t>
             </a:fld>
             <a:endParaRPr lang="en-US" dirty="0"/>
           </a:p>
@@ -3870,7 +3854,7 @@
           </a:lstStyle>
           <a:p>
             <a:r>
-              <a:rPr lang="en-US" smtClean="0"/>
+              <a:rPr lang="en-US"/>
               <a:t>Click to edit Master title style</a:t>
             </a:r>
             <a:endParaRPr lang="en-US" dirty="0"/>
@@ -3934,7 +3918,7 @@
           <a:p>
             <a:pPr lvl="0"/>
             <a:r>
-              <a:rPr lang="en-US" smtClean="0"/>
+              <a:rPr lang="en-US"/>
               <a:t>Edit Master text styles</a:t>
             </a:r>
           </a:p>
@@ -4056,7 +4040,7 @@
           <a:p>
             <a:pPr lvl="0"/>
             <a:r>
-              <a:rPr lang="en-US" smtClean="0"/>
+              <a:rPr lang="en-US"/>
               <a:t>Edit Master text styles</a:t>
             </a:r>
           </a:p>
@@ -4123,7 +4107,7 @@
             <a:fld id="{D57F1E4F-1CFF-5643-939E-217C01CDF565}" type="slidenum">
               <a:rPr lang="en-US" smtClean="0"/>
               <a:pPr/>
-              <a:t>‹#›</a:t>
+              <a:t>‹nº›</a:t>
             </a:fld>
             <a:endParaRPr lang="en-US" dirty="0"/>
           </a:p>
@@ -4268,7 +4252,7 @@
           </a:lstStyle>
           <a:p>
             <a:r>
-              <a:rPr lang="en-US" smtClean="0"/>
+              <a:rPr lang="en-US"/>
               <a:t>Click to edit Master title style</a:t>
             </a:r>
             <a:endParaRPr lang="en-US" dirty="0"/>
@@ -4391,7 +4375,7 @@
           <a:p>
             <a:pPr lvl="0"/>
             <a:r>
-              <a:rPr lang="en-US" smtClean="0"/>
+              <a:rPr lang="en-US"/>
               <a:t>Edit Master text styles</a:t>
             </a:r>
           </a:p>
@@ -4458,7 +4442,7 @@
             <a:fld id="{D57F1E4F-1CFF-5643-939E-217C01CDF565}" type="slidenum">
               <a:rPr lang="en-US" smtClean="0"/>
               <a:pPr/>
-              <a:t>‹#›</a:t>
+              <a:t>‹nº›</a:t>
             </a:fld>
             <a:endParaRPr lang="en-US" dirty="0"/>
           </a:p>
@@ -4521,7 +4505,7 @@
           </a:lstStyle>
           <a:p>
             <a:r>
-              <a:rPr lang="en-US" smtClean="0"/>
+              <a:rPr lang="en-US"/>
               <a:t>Click to edit Master title style</a:t>
             </a:r>
             <a:endParaRPr lang="en-US" dirty="0"/>
@@ -4585,7 +4569,7 @@
           <a:p>
             <a:pPr lvl="0"/>
             <a:r>
-              <a:rPr lang="en-US" smtClean="0"/>
+              <a:rPr lang="en-US"/>
               <a:t>Edit Master text styles</a:t>
             </a:r>
           </a:p>
@@ -4707,7 +4691,7 @@
           <a:p>
             <a:pPr lvl="0"/>
             <a:r>
-              <a:rPr lang="en-US" smtClean="0"/>
+              <a:rPr lang="en-US"/>
               <a:t>Edit Master text styles</a:t>
             </a:r>
           </a:p>
@@ -4774,7 +4758,7 @@
             <a:fld id="{D57F1E4F-1CFF-5643-939E-217C01CDF565}" type="slidenum">
               <a:rPr lang="en-US" smtClean="0"/>
               <a:pPr/>
-              <a:t>‹#›</a:t>
+              <a:t>‹nº›</a:t>
             </a:fld>
             <a:endParaRPr lang="en-US" dirty="0"/>
           </a:p>
@@ -4919,7 +4903,7 @@
           </a:lstStyle>
           <a:p>
             <a:r>
-              <a:rPr lang="en-US" smtClean="0"/>
+              <a:rPr lang="en-US"/>
               <a:t>Click to edit Master title style</a:t>
             </a:r>
             <a:endParaRPr lang="en-US" dirty="0"/>
@@ -4980,7 +4964,7 @@
           <a:p>
             <a:pPr lvl="0"/>
             <a:r>
-              <a:rPr lang="en-US" smtClean="0"/>
+              <a:rPr lang="en-US"/>
               <a:t>Edit Master text styles</a:t>
             </a:r>
           </a:p>
@@ -5102,7 +5086,7 @@
           <a:p>
             <a:pPr lvl="0"/>
             <a:r>
-              <a:rPr lang="en-US" smtClean="0"/>
+              <a:rPr lang="en-US"/>
               <a:t>Edit Master text styles</a:t>
             </a:r>
           </a:p>
@@ -5169,7 +5153,7 @@
             <a:fld id="{D57F1E4F-1CFF-5643-939E-217C01CDF565}" type="slidenum">
               <a:rPr lang="en-US" smtClean="0"/>
               <a:pPr/>
-              <a:t>‹#›</a:t>
+              <a:t>‹nº›</a:t>
             </a:fld>
             <a:endParaRPr lang="en-US" dirty="0"/>
           </a:p>
@@ -5221,7 +5205,7 @@
           <a:lstStyle/>
           <a:p>
             <a:r>
-              <a:rPr lang="en-US" smtClean="0"/>
+              <a:rPr lang="en-US"/>
               <a:t>Click to edit Master title style</a:t>
             </a:r>
             <a:endParaRPr lang="en-US" dirty="0"/>
@@ -5245,35 +5229,35 @@
           <a:p>
             <a:pPr lvl="0"/>
             <a:r>
-              <a:rPr lang="en-US" smtClean="0"/>
+              <a:rPr lang="en-US"/>
               <a:t>Edit Master text styles</a:t>
             </a:r>
           </a:p>
           <a:p>
             <a:pPr lvl="1"/>
             <a:r>
-              <a:rPr lang="en-US" smtClean="0"/>
+              <a:rPr lang="en-US"/>
               <a:t>Second level</a:t>
             </a:r>
           </a:p>
           <a:p>
             <a:pPr lvl="2"/>
             <a:r>
-              <a:rPr lang="en-US" smtClean="0"/>
+              <a:rPr lang="en-US"/>
               <a:t>Third level</a:t>
             </a:r>
           </a:p>
           <a:p>
             <a:pPr lvl="3"/>
             <a:r>
-              <a:rPr lang="en-US" smtClean="0"/>
+              <a:rPr lang="en-US"/>
               <a:t>Fourth level</a:t>
             </a:r>
           </a:p>
           <a:p>
             <a:pPr lvl="4"/>
             <a:r>
-              <a:rPr lang="en-US" smtClean="0"/>
+              <a:rPr lang="en-US"/>
               <a:t>Fifth level</a:t>
             </a:r>
             <a:endParaRPr lang="en-US" dirty="0"/>
@@ -5341,7 +5325,7 @@
             <a:fld id="{D57F1E4F-1CFF-5643-939E-217C01CDF565}" type="slidenum">
               <a:rPr lang="en-US" smtClean="0"/>
               <a:pPr/>
-              <a:t>‹#›</a:t>
+              <a:t>‹nº›</a:t>
             </a:fld>
             <a:endParaRPr lang="en-US" dirty="0"/>
           </a:p>
@@ -5398,7 +5382,7 @@
           <a:lstStyle/>
           <a:p>
             <a:r>
-              <a:rPr lang="en-US" smtClean="0"/>
+              <a:rPr lang="en-US"/>
               <a:t>Click to edit Master title style</a:t>
             </a:r>
             <a:endParaRPr lang="en-US" dirty="0"/>
@@ -5427,35 +5411,35 @@
           <a:p>
             <a:pPr lvl="0"/>
             <a:r>
-              <a:rPr lang="en-US" smtClean="0"/>
+              <a:rPr lang="en-US"/>
               <a:t>Edit Master text styles</a:t>
             </a:r>
           </a:p>
           <a:p>
             <a:pPr lvl="1"/>
             <a:r>
-              <a:rPr lang="en-US" smtClean="0"/>
+              <a:rPr lang="en-US"/>
               <a:t>Second level</a:t>
             </a:r>
           </a:p>
           <a:p>
             <a:pPr lvl="2"/>
             <a:r>
-              <a:rPr lang="en-US" smtClean="0"/>
+              <a:rPr lang="en-US"/>
               <a:t>Third level</a:t>
             </a:r>
           </a:p>
           <a:p>
             <a:pPr lvl="3"/>
             <a:r>
-              <a:rPr lang="en-US" smtClean="0"/>
+              <a:rPr lang="en-US"/>
               <a:t>Fourth level</a:t>
             </a:r>
           </a:p>
           <a:p>
             <a:pPr lvl="4"/>
             <a:r>
-              <a:rPr lang="en-US" smtClean="0"/>
+              <a:rPr lang="en-US"/>
               <a:t>Fifth level</a:t>
             </a:r>
             <a:endParaRPr lang="en-US" dirty="0"/>
@@ -5523,7 +5507,7 @@
             <a:fld id="{D57F1E4F-1CFF-5643-939E-217C01CDF565}" type="slidenum">
               <a:rPr lang="en-US" smtClean="0"/>
               <a:pPr/>
-              <a:t>‹#›</a:t>
+              <a:t>‹nº›</a:t>
             </a:fld>
             <a:endParaRPr lang="en-US" dirty="0"/>
           </a:p>
@@ -5575,7 +5559,7 @@
           <a:lstStyle/>
           <a:p>
             <a:r>
-              <a:rPr lang="en-US" smtClean="0"/>
+              <a:rPr lang="en-US"/>
               <a:t>Click to edit Master title style</a:t>
             </a:r>
             <a:endParaRPr lang="en-US" dirty="0"/>
@@ -5599,35 +5583,35 @@
           <a:p>
             <a:pPr lvl="0"/>
             <a:r>
-              <a:rPr lang="en-US" smtClean="0"/>
+              <a:rPr lang="en-US"/>
               <a:t>Edit Master text styles</a:t>
             </a:r>
           </a:p>
           <a:p>
             <a:pPr lvl="1"/>
             <a:r>
-              <a:rPr lang="en-US" smtClean="0"/>
+              <a:rPr lang="en-US"/>
               <a:t>Second level</a:t>
             </a:r>
           </a:p>
           <a:p>
             <a:pPr lvl="2"/>
             <a:r>
-              <a:rPr lang="en-US" smtClean="0"/>
+              <a:rPr lang="en-US"/>
               <a:t>Third level</a:t>
             </a:r>
           </a:p>
           <a:p>
             <a:pPr lvl="3"/>
             <a:r>
-              <a:rPr lang="en-US" smtClean="0"/>
+              <a:rPr lang="en-US"/>
               <a:t>Fourth level</a:t>
             </a:r>
           </a:p>
           <a:p>
             <a:pPr lvl="4"/>
             <a:r>
-              <a:rPr lang="en-US" smtClean="0"/>
+              <a:rPr lang="en-US"/>
               <a:t>Fifth level</a:t>
             </a:r>
             <a:endParaRPr lang="en-US" dirty="0"/>
@@ -5695,7 +5679,7 @@
             <a:fld id="{D57F1E4F-1CFF-5643-939E-217C01CDF565}" type="slidenum">
               <a:rPr lang="en-US" smtClean="0"/>
               <a:pPr/>
-              <a:t>‹#›</a:t>
+              <a:t>‹nº›</a:t>
             </a:fld>
             <a:endParaRPr lang="en-US" dirty="0"/>
           </a:p>
@@ -5756,7 +5740,7 @@
           </a:lstStyle>
           <a:p>
             <a:r>
-              <a:rPr lang="en-US" smtClean="0"/>
+              <a:rPr lang="en-US"/>
               <a:t>Click to edit Master title style</a:t>
             </a:r>
             <a:endParaRPr lang="en-US" dirty="0"/>
@@ -5877,7 +5861,7 @@
           <a:p>
             <a:pPr lvl="0"/>
             <a:r>
-              <a:rPr lang="en-US" smtClean="0"/>
+              <a:rPr lang="en-US"/>
               <a:t>Edit Master text styles</a:t>
             </a:r>
           </a:p>
@@ -5944,7 +5928,7 @@
             <a:fld id="{D57F1E4F-1CFF-5643-939E-217C01CDF565}" type="slidenum">
               <a:rPr lang="en-US" smtClean="0"/>
               <a:pPr/>
-              <a:t>‹#›</a:t>
+              <a:t>‹nº›</a:t>
             </a:fld>
             <a:endParaRPr lang="en-US" dirty="0"/>
           </a:p>
@@ -5996,7 +5980,7 @@
           <a:lstStyle/>
           <a:p>
             <a:r>
-              <a:rPr lang="en-US" smtClean="0"/>
+              <a:rPr lang="en-US"/>
               <a:t>Click to edit Master title style</a:t>
             </a:r>
             <a:endParaRPr lang="en-US" dirty="0"/>
@@ -6025,35 +6009,35 @@
           <a:p>
             <a:pPr lvl="0"/>
             <a:r>
-              <a:rPr lang="en-US" smtClean="0"/>
+              <a:rPr lang="en-US"/>
               <a:t>Edit Master text styles</a:t>
             </a:r>
           </a:p>
           <a:p>
             <a:pPr lvl="1"/>
             <a:r>
-              <a:rPr lang="en-US" smtClean="0"/>
+              <a:rPr lang="en-US"/>
               <a:t>Second level</a:t>
             </a:r>
           </a:p>
           <a:p>
             <a:pPr lvl="2"/>
             <a:r>
-              <a:rPr lang="en-US" smtClean="0"/>
+              <a:rPr lang="en-US"/>
               <a:t>Third level</a:t>
             </a:r>
           </a:p>
           <a:p>
             <a:pPr lvl="3"/>
             <a:r>
-              <a:rPr lang="en-US" smtClean="0"/>
+              <a:rPr lang="en-US"/>
               <a:t>Fourth level</a:t>
             </a:r>
           </a:p>
           <a:p>
             <a:pPr lvl="4"/>
             <a:r>
-              <a:rPr lang="en-US" smtClean="0"/>
+              <a:rPr lang="en-US"/>
               <a:t>Fifth level</a:t>
             </a:r>
             <a:endParaRPr lang="en-US" dirty="0"/>
@@ -6082,35 +6066,35 @@
           <a:p>
             <a:pPr lvl="0"/>
             <a:r>
-              <a:rPr lang="en-US" smtClean="0"/>
+              <a:rPr lang="en-US"/>
               <a:t>Edit Master text styles</a:t>
             </a:r>
           </a:p>
           <a:p>
             <a:pPr lvl="1"/>
             <a:r>
-              <a:rPr lang="en-US" smtClean="0"/>
+              <a:rPr lang="en-US"/>
               <a:t>Second level</a:t>
             </a:r>
           </a:p>
           <a:p>
             <a:pPr lvl="2"/>
             <a:r>
-              <a:rPr lang="en-US" smtClean="0"/>
+              <a:rPr lang="en-US"/>
               <a:t>Third level</a:t>
             </a:r>
           </a:p>
           <a:p>
             <a:pPr lvl="3"/>
             <a:r>
-              <a:rPr lang="en-US" smtClean="0"/>
+              <a:rPr lang="en-US"/>
               <a:t>Fourth level</a:t>
             </a:r>
           </a:p>
           <a:p>
             <a:pPr lvl="4"/>
             <a:r>
-              <a:rPr lang="en-US" smtClean="0"/>
+              <a:rPr lang="en-US"/>
               <a:t>Fifth level</a:t>
             </a:r>
             <a:endParaRPr lang="en-US" dirty="0"/>
@@ -6178,7 +6162,7 @@
             <a:fld id="{D57F1E4F-1CFF-5643-939E-217C01CDF565}" type="slidenum">
               <a:rPr lang="en-US" smtClean="0"/>
               <a:pPr/>
-              <a:t>‹#›</a:t>
+              <a:t>‹nº›</a:t>
             </a:fld>
             <a:endParaRPr lang="en-US" dirty="0"/>
           </a:p>
@@ -6234,7 +6218,7 @@
           </a:lstStyle>
           <a:p>
             <a:r>
-              <a:rPr lang="en-US" smtClean="0"/>
+              <a:rPr lang="en-US"/>
               <a:t>Click to edit Master title style</a:t>
             </a:r>
             <a:endParaRPr lang="en-US" dirty="0"/>
@@ -6302,7 +6286,7 @@
           <a:p>
             <a:pPr lvl="0"/>
             <a:r>
-              <a:rPr lang="en-US" smtClean="0"/>
+              <a:rPr lang="en-US"/>
               <a:t>Edit Master text styles</a:t>
             </a:r>
           </a:p>
@@ -6332,35 +6316,35 @@
           <a:p>
             <a:pPr lvl="0"/>
             <a:r>
-              <a:rPr lang="en-US" smtClean="0"/>
+              <a:rPr lang="en-US"/>
               <a:t>Edit Master text styles</a:t>
             </a:r>
           </a:p>
           <a:p>
             <a:pPr lvl="1"/>
             <a:r>
-              <a:rPr lang="en-US" smtClean="0"/>
+              <a:rPr lang="en-US"/>
               <a:t>Second level</a:t>
             </a:r>
           </a:p>
           <a:p>
             <a:pPr lvl="2"/>
             <a:r>
-              <a:rPr lang="en-US" smtClean="0"/>
+              <a:rPr lang="en-US"/>
               <a:t>Third level</a:t>
             </a:r>
           </a:p>
           <a:p>
             <a:pPr lvl="3"/>
             <a:r>
-              <a:rPr lang="en-US" smtClean="0"/>
+              <a:rPr lang="en-US"/>
               <a:t>Fourth level</a:t>
             </a:r>
           </a:p>
           <a:p>
             <a:pPr lvl="4"/>
             <a:r>
-              <a:rPr lang="en-US" smtClean="0"/>
+              <a:rPr lang="en-US"/>
               <a:t>Fifth level</a:t>
             </a:r>
             <a:endParaRPr lang="en-US" dirty="0"/>
@@ -6428,7 +6412,7 @@
           <a:p>
             <a:pPr lvl="0"/>
             <a:r>
-              <a:rPr lang="en-US" smtClean="0"/>
+              <a:rPr lang="en-US"/>
               <a:t>Edit Master text styles</a:t>
             </a:r>
           </a:p>
@@ -6458,35 +6442,35 @@
           <a:p>
             <a:pPr lvl="0"/>
             <a:r>
-              <a:rPr lang="en-US" smtClean="0"/>
+              <a:rPr lang="en-US"/>
               <a:t>Edit Master text styles</a:t>
             </a:r>
           </a:p>
           <a:p>
             <a:pPr lvl="1"/>
             <a:r>
-              <a:rPr lang="en-US" smtClean="0"/>
+              <a:rPr lang="en-US"/>
               <a:t>Second level</a:t>
             </a:r>
           </a:p>
           <a:p>
             <a:pPr lvl="2"/>
             <a:r>
-              <a:rPr lang="en-US" smtClean="0"/>
+              <a:rPr lang="en-US"/>
               <a:t>Third level</a:t>
             </a:r>
           </a:p>
           <a:p>
             <a:pPr lvl="3"/>
             <a:r>
-              <a:rPr lang="en-US" smtClean="0"/>
+              <a:rPr lang="en-US"/>
               <a:t>Fourth level</a:t>
             </a:r>
           </a:p>
           <a:p>
             <a:pPr lvl="4"/>
             <a:r>
-              <a:rPr lang="en-US" smtClean="0"/>
+              <a:rPr lang="en-US"/>
               <a:t>Fifth level</a:t>
             </a:r>
             <a:endParaRPr lang="en-US" dirty="0"/>
@@ -6554,7 +6538,7 @@
             <a:fld id="{D57F1E4F-1CFF-5643-939E-217C01CDF565}" type="slidenum">
               <a:rPr lang="en-US" smtClean="0"/>
               <a:pPr/>
-              <a:t>‹#›</a:t>
+              <a:t>‹nº›</a:t>
             </a:fld>
             <a:endParaRPr lang="en-US" dirty="0"/>
           </a:p>
@@ -6611,7 +6595,7 @@
           <a:lstStyle/>
           <a:p>
             <a:r>
-              <a:rPr lang="en-US" smtClean="0"/>
+              <a:rPr lang="en-US"/>
               <a:t>Click to edit Master title style</a:t>
             </a:r>
             <a:endParaRPr lang="en-US" dirty="0"/>
@@ -6679,7 +6663,7 @@
             <a:fld id="{D57F1E4F-1CFF-5643-939E-217C01CDF565}" type="slidenum">
               <a:rPr lang="en-US" smtClean="0"/>
               <a:pPr/>
-              <a:t>‹#›</a:t>
+              <a:t>‹nº›</a:t>
             </a:fld>
             <a:endParaRPr lang="en-US" dirty="0"/>
           </a:p>
@@ -6776,7 +6760,7 @@
             <a:fld id="{D57F1E4F-1CFF-5643-939E-217C01CDF565}" type="slidenum">
               <a:rPr lang="en-US" smtClean="0"/>
               <a:pPr/>
-              <a:t>‹#›</a:t>
+              <a:t>‹nº›</a:t>
             </a:fld>
             <a:endParaRPr lang="en-US" dirty="0"/>
           </a:p>
@@ -6839,7 +6823,7 @@
           </a:lstStyle>
           <a:p>
             <a:r>
-              <a:rPr lang="en-US" smtClean="0"/>
+              <a:rPr lang="en-US"/>
               <a:t>Click to edit Master title style</a:t>
             </a:r>
             <a:endParaRPr lang="en-US" dirty="0"/>
@@ -6870,35 +6854,35 @@
           <a:p>
             <a:pPr lvl="0"/>
             <a:r>
-              <a:rPr lang="en-US" smtClean="0"/>
+              <a:rPr lang="en-US"/>
               <a:t>Edit Master text styles</a:t>
             </a:r>
           </a:p>
           <a:p>
             <a:pPr lvl="1"/>
             <a:r>
-              <a:rPr lang="en-US" smtClean="0"/>
+              <a:rPr lang="en-US"/>
               <a:t>Second level</a:t>
             </a:r>
           </a:p>
           <a:p>
             <a:pPr lvl="2"/>
             <a:r>
-              <a:rPr lang="en-US" smtClean="0"/>
+              <a:rPr lang="en-US"/>
               <a:t>Third level</a:t>
             </a:r>
           </a:p>
           <a:p>
             <a:pPr lvl="3"/>
             <a:r>
-              <a:rPr lang="en-US" smtClean="0"/>
+              <a:rPr lang="en-US"/>
               <a:t>Fourth level</a:t>
             </a:r>
           </a:p>
           <a:p>
             <a:pPr lvl="4"/>
             <a:r>
-              <a:rPr lang="en-US" smtClean="0"/>
+              <a:rPr lang="en-US"/>
               <a:t>Fifth level</a:t>
             </a:r>
             <a:endParaRPr lang="en-US" dirty="0"/>
@@ -6966,7 +6950,7 @@
           <a:p>
             <a:pPr lvl="0"/>
             <a:r>
-              <a:rPr lang="en-US" smtClean="0"/>
+              <a:rPr lang="en-US"/>
               <a:t>Edit Master text styles</a:t>
             </a:r>
           </a:p>
@@ -7033,7 +7017,7 @@
             <a:fld id="{D57F1E4F-1CFF-5643-939E-217C01CDF565}" type="slidenum">
               <a:rPr lang="en-US" smtClean="0"/>
               <a:pPr/>
-              <a:t>‹#›</a:t>
+              <a:t>‹nº›</a:t>
             </a:fld>
             <a:endParaRPr lang="en-US" dirty="0"/>
           </a:p>
@@ -7096,7 +7080,7 @@
           </a:lstStyle>
           <a:p>
             <a:r>
-              <a:rPr lang="en-US" smtClean="0"/>
+              <a:rPr lang="en-US"/>
               <a:t>Click to edit Master title style</a:t>
             </a:r>
             <a:endParaRPr lang="en-US" dirty="0"/>
@@ -7163,7 +7147,7 @@
           </a:lstStyle>
           <a:p>
             <a:r>
-              <a:rPr lang="en-US" smtClean="0"/>
+              <a:rPr lang="en-US"/>
               <a:t>Click icon to add picture</a:t>
             </a:r>
             <a:endParaRPr lang="en-US" dirty="0"/>
@@ -7231,7 +7215,7 @@
           <a:p>
             <a:pPr lvl="0"/>
             <a:r>
-              <a:rPr lang="en-US" smtClean="0"/>
+              <a:rPr lang="en-US"/>
               <a:t>Edit Master text styles</a:t>
             </a:r>
           </a:p>
@@ -7274,7 +7258,7 @@
             <a:fld id="{D57F1E4F-1CFF-5643-939E-217C01CDF565}" type="slidenum">
               <a:rPr lang="en-US" smtClean="0"/>
               <a:pPr/>
-              <a:t>‹#›</a:t>
+              <a:t>‹nº›</a:t>
             </a:fld>
             <a:endParaRPr lang="en-US" dirty="0"/>
           </a:p>
@@ -7896,7 +7880,7 @@
           <a:lstStyle/>
           <a:p>
             <a:r>
-              <a:rPr lang="en-US" smtClean="0"/>
+              <a:rPr lang="en-US"/>
               <a:t>Click to edit Master title style</a:t>
             </a:r>
             <a:endParaRPr lang="en-US" dirty="0"/>
@@ -7930,35 +7914,35 @@
           <a:p>
             <a:pPr lvl="0"/>
             <a:r>
-              <a:rPr lang="en-US" smtClean="0"/>
+              <a:rPr lang="en-US"/>
               <a:t>Edit Master text styles</a:t>
             </a:r>
           </a:p>
           <a:p>
             <a:pPr lvl="1"/>
             <a:r>
-              <a:rPr lang="en-US" smtClean="0"/>
+              <a:rPr lang="en-US"/>
               <a:t>Second level</a:t>
             </a:r>
           </a:p>
           <a:p>
             <a:pPr lvl="2"/>
             <a:r>
-              <a:rPr lang="en-US" smtClean="0"/>
+              <a:rPr lang="en-US"/>
               <a:t>Third level</a:t>
             </a:r>
           </a:p>
           <a:p>
             <a:pPr lvl="3"/>
             <a:r>
-              <a:rPr lang="en-US" smtClean="0"/>
+              <a:rPr lang="en-US"/>
               <a:t>Fourth level</a:t>
             </a:r>
           </a:p>
           <a:p>
             <a:pPr lvl="4"/>
             <a:r>
-              <a:rPr lang="en-US" smtClean="0"/>
+              <a:rPr lang="en-US"/>
               <a:t>Fifth level</a:t>
             </a:r>
             <a:endParaRPr lang="en-US" dirty="0"/>
@@ -8078,7 +8062,7 @@
             <a:fld id="{D57F1E4F-1CFF-5643-939E-217C01CDF565}" type="slidenum">
               <a:rPr lang="en-US" smtClean="0"/>
               <a:pPr/>
-              <a:t>‹#›</a:t>
+              <a:t>‹nº›</a:t>
             </a:fld>
             <a:endParaRPr lang="en-US" dirty="0"/>
           </a:p>
@@ -8743,23 +8727,6 @@
           <a:p>
             <a:pPr algn="ctr"/>
             <a:r>
-              <a:rPr lang="pt-PT" sz="7200" b="1" dirty="0" smtClean="0">
-                <a:solidFill>
-                  <a:schemeClr val="bg1">
-                    <a:lumMod val="50000"/>
-                  </a:schemeClr>
-                </a:solidFill>
-                <a:effectLst>
-                  <a:outerShdw blurRad="38100" dist="38100" dir="2700000" algn="tl">
-                    <a:srgbClr val="000000">
-                      <a:alpha val="43137"/>
-                    </a:srgbClr>
-                  </a:outerShdw>
-                </a:effectLst>
-              </a:rPr>
-              <a:t>”</a:t>
-            </a:r>
-            <a:r>
               <a:rPr lang="pt-PT" sz="7200" b="1" dirty="0">
                 <a:solidFill>
                   <a:schemeClr val="bg1">
@@ -8774,30 +8741,13 @@
                   </a:outerShdw>
                 </a:effectLst>
               </a:rPr>
-              <a:t>GuguDadah</a:t>
-            </a:r>
-            <a:r>
-              <a:rPr lang="pt-PT" sz="7200" b="1" dirty="0" smtClean="0">
-                <a:solidFill>
-                  <a:schemeClr val="bg1">
-                    <a:lumMod val="50000"/>
-                  </a:schemeClr>
-                </a:solidFill>
-                <a:effectLst>
-                  <a:outerShdw blurRad="38100" dist="38100" dir="2700000" algn="tl">
-                    <a:srgbClr val="000000">
-                      <a:alpha val="43137"/>
-                    </a:srgbClr>
-                  </a:outerShdw>
-                </a:effectLst>
-              </a:rPr>
-              <a:t>”</a:t>
+              <a:t>”GuguDadah”</a:t>
             </a:r>
           </a:p>
           <a:p>
             <a:pPr algn="ctr"/>
             <a:r>
-              <a:rPr lang="pt-PT" sz="4000" b="1" dirty="0" smtClean="0">
+              <a:rPr lang="pt-PT" sz="4000" b="1" dirty="0">
                 <a:solidFill>
                   <a:schemeClr val="bg1">
                     <a:lumMod val="50000"/>
@@ -8813,20 +8763,6 @@
               </a:rPr>
               <a:t>Babysitting de confiança</a:t>
             </a:r>
-            <a:endParaRPr lang="pt-PT" sz="4000" b="1" dirty="0">
-              <a:solidFill>
-                <a:schemeClr val="bg1">
-                  <a:lumMod val="50000"/>
-                </a:schemeClr>
-              </a:solidFill>
-              <a:effectLst>
-                <a:outerShdw blurRad="38100" dist="38100" dir="2700000" algn="tl">
-                  <a:srgbClr val="000000">
-                    <a:alpha val="43137"/>
-                  </a:srgbClr>
-                </a:outerShdw>
-              </a:effectLst>
-            </a:endParaRPr>
           </a:p>
         </p:txBody>
       </p:sp>
@@ -8867,7 +8803,7 @@
                   </a:schemeClr>
                 </a:solidFill>
               </a:rPr>
-              <a:t>Braga, Março de 2018</a:t>
+              <a:t>Braga, Junho de 2018</a:t>
             </a:r>
           </a:p>
         </p:txBody>
@@ -8949,16 +8885,6 @@
           </a:p>
           <a:p>
             <a:r>
-              <a:rPr lang="pt-PT" sz="2000" dirty="0" smtClean="0">
-                <a:solidFill>
-                  <a:schemeClr val="bg1">
-                    <a:lumMod val="50000"/>
-                  </a:schemeClr>
-                </a:solidFill>
-              </a:rPr>
-              <a:t>Vitor </a:t>
-            </a:r>
-            <a:r>
               <a:rPr lang="pt-PT" sz="2000" dirty="0">
                 <a:solidFill>
                   <a:schemeClr val="bg1">
@@ -8966,7 +8892,7 @@
                   </a:schemeClr>
                 </a:solidFill>
               </a:rPr>
-              <a:t>Castro</a:t>
+              <a:t>Vitor Castro</a:t>
             </a:r>
           </a:p>
         </p:txBody>
@@ -8993,13 +8919,6 @@
       </p:transition>
     </mc:Fallback>
   </mc:AlternateContent>
-  <p:timing>
-    <p:tnLst>
-      <p:par>
-        <p:cTn id="1" dur="indefinite" restart="never" nodeType="tmRoot"/>
-      </p:par>
-    </p:tnLst>
-  </p:timing>
 </p:sld>
 </file>
 
@@ -9149,13 +9068,6 @@
       </p:transition>
     </mc:Fallback>
   </mc:AlternateContent>
-  <p:timing>
-    <p:tnLst>
-      <p:par>
-        <p:cTn id="1" dur="indefinite" restart="never" nodeType="tmRoot"/>
-      </p:par>
-    </p:tnLst>
-  </p:timing>
 </p:sld>
 </file>
 
@@ -9197,10 +9109,9 @@
           <a:lstStyle/>
           <a:p>
             <a:r>
-              <a:rPr lang="pt-PT" dirty="0" smtClean="0"/>
+              <a:rPr lang="pt-PT" dirty="0"/>
               <a:t>Tecnologias escolhidas</a:t>
             </a:r>
-            <a:endParaRPr lang="pt-PT" dirty="0"/>
           </a:p>
         </p:txBody>
       </p:sp>
@@ -9796,10 +9707,9 @@
           <a:lstStyle/>
           <a:p>
             <a:r>
-              <a:rPr lang="pt-PT" dirty="0" smtClean="0"/>
+              <a:rPr lang="pt-PT" dirty="0"/>
               <a:t>Base de Dados e Povoamento</a:t>
             </a:r>
-            <a:endParaRPr lang="pt-PT" dirty="0"/>
           </a:p>
         </p:txBody>
       </p:sp>
@@ -10162,10 +10072,9 @@
           <a:lstStyle/>
           <a:p>
             <a:r>
-              <a:rPr lang="pt-PT" dirty="0" smtClean="0"/>
+              <a:rPr lang="pt-PT" dirty="0"/>
               <a:t>Base de Dados e Povoamento</a:t>
             </a:r>
-            <a:endParaRPr lang="pt-PT" dirty="0"/>
           </a:p>
         </p:txBody>
       </p:sp>
@@ -10214,13 +10123,6 @@
       </p:transition>
     </mc:Fallback>
   </mc:AlternateContent>
-  <p:timing>
-    <p:tnLst>
-      <p:par>
-        <p:cTn id="1" dur="indefinite" restart="never" nodeType="tmRoot"/>
-      </p:par>
-    </p:tnLst>
-  </p:timing>
 </p:sld>
 </file>
 
@@ -10262,10 +10164,9 @@
           <a:lstStyle/>
           <a:p>
             <a:r>
-              <a:rPr lang="pt-PT" dirty="0" smtClean="0"/>
+              <a:rPr lang="pt-PT" dirty="0"/>
               <a:t>Agendar Trabalho</a:t>
             </a:r>
-            <a:endParaRPr lang="pt-PT" dirty="0"/>
           </a:p>
         </p:txBody>
       </p:sp>
@@ -10539,10 +10440,9 @@
           <a:lstStyle/>
           <a:p>
             <a:r>
-              <a:rPr lang="pt-PT" dirty="0" smtClean="0"/>
+              <a:rPr lang="pt-PT" dirty="0"/>
               <a:t>Agendar Trabalho</a:t>
             </a:r>
-            <a:endParaRPr lang="pt-PT" dirty="0"/>
           </a:p>
         </p:txBody>
       </p:sp>
@@ -10817,10 +10717,9 @@
           <a:lstStyle/>
           <a:p>
             <a:r>
-              <a:rPr lang="pt-PT" dirty="0" smtClean="0"/>
+              <a:rPr lang="pt-PT" dirty="0"/>
               <a:t>Agendar Trabalho</a:t>
             </a:r>
-            <a:endParaRPr lang="pt-PT" dirty="0"/>
           </a:p>
         </p:txBody>
       </p:sp>
@@ -10923,13 +10822,6 @@
       </p:transition>
     </mc:Fallback>
   </mc:AlternateContent>
-  <p:timing>
-    <p:tnLst>
-      <p:par>
-        <p:cTn id="1" dur="indefinite" restart="never" nodeType="tmRoot"/>
-      </p:par>
-    </p:tnLst>
-  </p:timing>
 </p:sld>
 </file>
 
@@ -10971,10 +10863,9 @@
           <a:lstStyle/>
           <a:p>
             <a:r>
-              <a:rPr lang="pt-PT" dirty="0" smtClean="0"/>
+              <a:rPr lang="pt-PT" dirty="0"/>
               <a:t>Agendar Trabalho</a:t>
             </a:r>
-            <a:endParaRPr lang="pt-PT" dirty="0"/>
           </a:p>
         </p:txBody>
       </p:sp>
@@ -11072,16 +10963,8 @@
               <a:buChar char="ü"/>
             </a:pPr>
             <a:r>
-              <a:rPr lang="pt-PT" sz="2400" dirty="0" smtClean="0"/>
-              <a:t>	O </a:t>
-            </a:r>
-            <a:r>
               <a:rPr lang="pt-PT" sz="2400" dirty="0"/>
-              <a:t>sistema deve permitir selecionar as datas em que o serviço irá ser realizado, assim como a hora desejada para o mesmo ser realizado</a:t>
-            </a:r>
-            <a:r>
-              <a:rPr lang="pt-PT" sz="2400" dirty="0" smtClean="0"/>
-              <a:t>.</a:t>
+              <a:t>	O sistema deve permitir selecionar as datas em que o serviço irá ser realizado, assim como a hora desejada para o mesmo ser realizado.</a:t>
             </a:r>
           </a:p>
           <a:p>
@@ -11089,7 +10972,7 @@
               <a:buFont typeface="Wingdings" panose="05000000000000000000" pitchFamily="2" charset="2"/>
               <a:buChar char="ü"/>
             </a:pPr>
-            <a:endParaRPr lang="pt-PT" sz="2400" dirty="0" smtClean="0"/>
+            <a:endParaRPr lang="pt-PT" sz="2400" dirty="0"/>
           </a:p>
           <a:p>
             <a:pPr marL="342900" indent="-342900" algn="just">
@@ -11098,15 +10981,7 @@
             </a:pPr>
             <a:r>
               <a:rPr lang="pt-PT" sz="2400" dirty="0"/>
-              <a:t>	</a:t>
-            </a:r>
-            <a:r>
-              <a:rPr lang="pt-PT" sz="2400" dirty="0" smtClean="0"/>
-              <a:t>Deverá </a:t>
-            </a:r>
-            <a:r>
-              <a:rPr lang="pt-PT" sz="2400" dirty="0"/>
-              <a:t>autorizar a inserção de serviços complementares por parte do utilizador, para especificar algumas exigências do mesmo no que toca ao serviço.</a:t>
+              <a:t>	Deverá autorizar a inserção de serviços complementares por parte do utilizador, para especificar algumas exigências do mesmo no que toca ao serviço.</a:t>
             </a:r>
           </a:p>
         </p:txBody>
@@ -11263,10 +11138,9 @@
           <a:lstStyle/>
           <a:p>
             <a:r>
-              <a:rPr lang="pt-PT" dirty="0" smtClean="0"/>
+              <a:rPr lang="pt-PT" dirty="0"/>
               <a:t>Agendar Trabalho</a:t>
             </a:r>
-            <a:endParaRPr lang="pt-PT" dirty="0"/>
           </a:p>
         </p:txBody>
       </p:sp>
@@ -11555,10 +11429,9 @@
           <a:lstStyle/>
           <a:p>
             <a:r>
-              <a:rPr lang="pt-PT" dirty="0" smtClean="0"/>
+              <a:rPr lang="pt-PT" dirty="0"/>
               <a:t>Agendar Trabalho</a:t>
             </a:r>
-            <a:endParaRPr lang="pt-PT" dirty="0"/>
           </a:p>
         </p:txBody>
       </p:sp>
@@ -11616,25 +11489,6 @@
           </a:extLst>
         </p:spPr>
       </p:pic>
-      <p:sp>
-        <p:nvSpPr>
-          <p:cNvPr id="5" name="Content Placeholder 4"/>
-          <p:cNvSpPr>
-            <a:spLocks noGrp="1"/>
-          </p:cNvSpPr>
-          <p:nvPr>
-            <p:ph idx="1"/>
-          </p:nvPr>
-        </p:nvSpPr>
-        <p:spPr/>
-        <p:txBody>
-          <a:bodyPr/>
-          <a:lstStyle/>
-          <a:p>
-            <a:endParaRPr lang="pt-PT"/>
-          </a:p>
-        </p:txBody>
-      </p:sp>
       <p:pic>
         <p:nvPicPr>
           <p:cNvPr id="8" name="Picture 7"/>
@@ -11695,13 +11549,6 @@
       </p:transition>
     </mc:Fallback>
   </mc:AlternateContent>
-  <p:timing>
-    <p:tnLst>
-      <p:par>
-        <p:cTn id="1" dur="indefinite" restart="never" nodeType="tmRoot"/>
-      </p:par>
-    </p:tnLst>
-  </p:timing>
 </p:sld>
 </file>
 
@@ -11741,13 +11588,8 @@
           <a:p>
             <a:r>
               <a:rPr lang="pt-PT" sz="5400" dirty="0"/>
-              <a:t>Parte </a:t>
-            </a:r>
-            <a:r>
-              <a:rPr lang="pt-PT" sz="5400" dirty="0" smtClean="0"/>
-              <a:t>III</a:t>
-            </a:r>
-            <a:endParaRPr lang="pt-PT" sz="5400" dirty="0"/>
+              <a:t>Parte III</a:t>
+            </a:r>
           </a:p>
         </p:txBody>
       </p:sp>
@@ -11769,10 +11611,9 @@
           <a:lstStyle/>
           <a:p>
             <a:r>
-              <a:rPr lang="pt-PT" sz="3200" dirty="0" smtClean="0"/>
+              <a:rPr lang="pt-PT" sz="3200" dirty="0"/>
               <a:t>Implementação</a:t>
             </a:r>
-            <a:endParaRPr lang="pt-PT" sz="3200" dirty="0"/>
           </a:p>
         </p:txBody>
       </p:sp>
@@ -11798,13 +11639,6 @@
       </p:transition>
     </mc:Fallback>
   </mc:AlternateContent>
-  <p:timing>
-    <p:tnLst>
-      <p:par>
-        <p:cTn id="1" dur="indefinite" restart="never" nodeType="tmRoot"/>
-      </p:par>
-    </p:tnLst>
-  </p:timing>
 </p:sld>
 </file>
 
@@ -11846,10 +11680,9 @@
           <a:lstStyle/>
           <a:p>
             <a:r>
-              <a:rPr lang="pt-PT" dirty="0" smtClean="0"/>
+              <a:rPr lang="pt-PT" dirty="0"/>
               <a:t>Agendar Trabalho</a:t>
             </a:r>
-            <a:endParaRPr lang="pt-PT" dirty="0"/>
           </a:p>
         </p:txBody>
       </p:sp>
@@ -11947,16 +11780,12 @@
               <a:buChar char="ü"/>
             </a:pPr>
             <a:r>
-              <a:rPr lang="pt-PT" sz="2400" dirty="0" smtClean="0"/>
+              <a:rPr lang="pt-PT" sz="2400" dirty="0"/>
               <a:t>	</a:t>
             </a:r>
             <a:r>
               <a:rPr lang="pt-PT" dirty="0"/>
-              <a:t>O sistema deve permitir ao utilizador selecionar o profissional que pretende</a:t>
-            </a:r>
-            <a:r>
-              <a:rPr lang="pt-PT" dirty="0" smtClean="0"/>
-              <a:t>.</a:t>
+              <a:t>O sistema deve permitir ao utilizador selecionar o profissional que pretende.</a:t>
             </a:r>
           </a:p>
           <a:p>
@@ -11976,25 +11805,6 @@
               <a:t>O sistema deverá permitir que seja mandada uma proposta de serviço devidamente especificada ao profissional, que, posteriormente, poderá aceitar ou recusar.</a:t>
             </a:r>
             <a:endParaRPr lang="pt-PT" sz="2400" dirty="0"/>
-          </a:p>
-        </p:txBody>
-      </p:sp>
-      <p:sp>
-        <p:nvSpPr>
-          <p:cNvPr id="3" name="Content Placeholder 2"/>
-          <p:cNvSpPr>
-            <a:spLocks noGrp="1"/>
-          </p:cNvSpPr>
-          <p:nvPr>
-            <p:ph idx="1"/>
-          </p:nvPr>
-        </p:nvSpPr>
-        <p:spPr/>
-        <p:txBody>
-          <a:bodyPr/>
-          <a:lstStyle/>
-          <a:p>
-            <a:endParaRPr lang="pt-PT"/>
           </a:p>
         </p:txBody>
       </p:sp>
@@ -12150,10 +11960,9 @@
           <a:lstStyle/>
           <a:p>
             <a:r>
-              <a:rPr lang="pt-PT" dirty="0" smtClean="0"/>
+              <a:rPr lang="pt-PT" dirty="0"/>
               <a:t>Agendar Trabalho</a:t>
             </a:r>
-            <a:endParaRPr lang="pt-PT" dirty="0"/>
           </a:p>
         </p:txBody>
       </p:sp>
@@ -12428,10 +12237,9 @@
           <a:lstStyle/>
           <a:p>
             <a:r>
-              <a:rPr lang="pt-PT" dirty="0" smtClean="0"/>
+              <a:rPr lang="pt-PT" dirty="0"/>
               <a:t>Agendar Trabalho</a:t>
             </a:r>
-            <a:endParaRPr lang="pt-PT" dirty="0"/>
           </a:p>
         </p:txBody>
       </p:sp>
@@ -12548,13 +12356,6 @@
       </p:transition>
     </mc:Fallback>
   </mc:AlternateContent>
-  <p:timing>
-    <p:tnLst>
-      <p:par>
-        <p:cTn id="1" dur="indefinite" restart="never" nodeType="tmRoot"/>
-      </p:par>
-    </p:tnLst>
-  </p:timing>
 </p:sld>
 </file>
 
@@ -12596,10 +12397,9 @@
           <a:lstStyle/>
           <a:p>
             <a:r>
-              <a:rPr lang="pt-PT" dirty="0" smtClean="0"/>
+              <a:rPr lang="pt-PT" dirty="0"/>
               <a:t>Agendar Trabalho</a:t>
             </a:r>
-            <a:endParaRPr lang="pt-PT" dirty="0"/>
           </a:p>
         </p:txBody>
       </p:sp>
@@ -13120,7 +12920,29 @@
                   </a:schemeClr>
                 </a:solidFill>
               </a:rPr>
-              <a:t>Braga, Março de 2018</a:t>
+              <a:t>Braga</a:t>
+            </a:r>
+            <a:r>
+              <a:rPr lang="pt-PT">
+                <a:solidFill>
+                  <a:schemeClr val="tx1">
+                    <a:lumMod val="65000"/>
+                    <a:lumOff val="35000"/>
+                  </a:schemeClr>
+                </a:solidFill>
+              </a:rPr>
+              <a:t>, Junho </a:t>
+            </a:r>
+            <a:r>
+              <a:rPr lang="pt-PT" dirty="0">
+                <a:solidFill>
+                  <a:schemeClr val="tx1">
+                    <a:lumMod val="65000"/>
+                    <a:lumOff val="35000"/>
+                  </a:schemeClr>
+                </a:solidFill>
+              </a:rPr>
+              <a:t>de 2018</a:t>
             </a:r>
           </a:p>
         </p:txBody>
@@ -13302,13 +13124,6 @@
       </p:transition>
     </mc:Fallback>
   </mc:AlternateContent>
-  <p:timing>
-    <p:tnLst>
-      <p:par>
-        <p:cTn id="1" dur="indefinite" restart="never" nodeType="tmRoot"/>
-      </p:par>
-    </p:tnLst>
-  </p:timing>
 </p:sld>
 </file>
 
@@ -13428,10 +13243,9 @@
           </a:lstStyle>
           <a:p>
             <a:r>
-              <a:rPr lang="pt-PT" dirty="0" smtClean="0"/>
+              <a:rPr lang="pt-PT" dirty="0"/>
               <a:t>Contextualização, Motivação e Objetivos</a:t>
             </a:r>
-            <a:endParaRPr lang="pt-PT" dirty="0"/>
           </a:p>
         </p:txBody>
       </p:sp>
@@ -13450,7 +13264,7 @@
         <p:spPr>
           <a:xfrm>
             <a:off x="404948" y="895308"/>
-            <a:ext cx="8987246" cy="5970865"/>
+            <a:ext cx="8987246" cy="6340197"/>
           </a:xfrm>
           <a:prstGeom prst="rect">
             <a:avLst/>
@@ -13485,19 +13299,7 @@
             </a:r>
             <a:r>
               <a:rPr lang="pt-PT" sz="2400" dirty="0"/>
-              <a:t>” </a:t>
-            </a:r>
-            <a:r>
-              <a:rPr lang="pt-PT" sz="2400" dirty="0" smtClean="0"/>
-              <a:t>é </a:t>
-            </a:r>
-            <a:r>
-              <a:rPr lang="pt-PT" sz="2400" dirty="0"/>
-              <a:t>uma cadeia de </a:t>
-            </a:r>
-            <a:r>
-              <a:rPr lang="pt-PT" sz="2400" dirty="0" smtClean="0"/>
-              <a:t>infantários;</a:t>
+              <a:t>” é uma cadeia de infantários;</a:t>
             </a:r>
           </a:p>
           <a:p>
@@ -13505,7 +13307,7 @@
               <a:buFont typeface="Arial" panose="020B0604020202020204" pitchFamily="34" charset="0"/>
               <a:buChar char="•"/>
             </a:pPr>
-            <a:endParaRPr lang="pt-PT" sz="2400" dirty="0" smtClean="0"/>
+            <a:endParaRPr lang="pt-PT" sz="2400" dirty="0"/>
           </a:p>
           <a:p>
             <a:pPr marL="342900" indent="-342900" algn="just">
@@ -13522,7 +13324,11 @@
                   <a:schemeClr val="accent2"/>
                 </a:solidFill>
               </a:rPr>
-              <a:t>serviço ao domicílio de babysitting</a:t>
+              <a:t>serviço ao domicílio de babysitting </a:t>
+            </a:r>
+            <a:r>
+              <a:rPr lang="pt-PT" sz="2400" dirty="0"/>
+              <a:t>(24h/365dias)</a:t>
             </a:r>
             <a:r>
               <a:rPr lang="pt-PT" sz="2400" b="1" dirty="0"/>
@@ -13551,7 +13357,7 @@
               <a:t>GuguDadah</a:t>
             </a:r>
             <a:r>
-              <a:rPr lang="pt-PT" sz="2400" dirty="0" smtClean="0"/>
+              <a:rPr lang="pt-PT" sz="2400" dirty="0"/>
               <a:t>”;</a:t>
             </a:r>
           </a:p>
@@ -13560,7 +13366,7 @@
               <a:buFont typeface="Arial" panose="020B0604020202020204" pitchFamily="34" charset="0"/>
               <a:buChar char="•"/>
             </a:pPr>
-            <a:endParaRPr lang="pt-PT" sz="2400" dirty="0" smtClean="0"/>
+            <a:endParaRPr lang="pt-PT" sz="2400" dirty="0"/>
           </a:p>
           <a:p>
             <a:pPr marL="342900" indent="-342900" algn="just">
@@ -13581,11 +13387,7 @@
             </a:r>
             <a:r>
               <a:rPr lang="pt-PT" sz="2400" dirty="0"/>
-              <a:t> para </a:t>
-            </a:r>
-            <a:r>
-              <a:rPr lang="pt-PT" sz="2400" dirty="0" smtClean="0"/>
-              <a:t>cuidar dos filhos;</a:t>
+              <a:t> para cuidar dos filhos a horas tardias, infantários recusam crianças adoentadas;</a:t>
             </a:r>
           </a:p>
           <a:p>
@@ -13593,7 +13395,7 @@
               <a:buFont typeface="Arial" panose="020B0604020202020204" pitchFamily="34" charset="0"/>
               <a:buChar char="•"/>
             </a:pPr>
-            <a:endParaRPr lang="pt-PT" sz="2400" dirty="0" smtClean="0"/>
+            <a:endParaRPr lang="pt-PT" sz="2400" dirty="0"/>
           </a:p>
           <a:p>
             <a:pPr marL="342900" indent="-342900" algn="just">
@@ -13609,17 +13411,16 @@
               <a:t>Aumento da satisfação </a:t>
             </a:r>
             <a:r>
-              <a:rPr lang="pt-PT" sz="2400" dirty="0" smtClean="0"/>
+              <a:rPr lang="pt-PT" sz="2400" dirty="0"/>
               <a:t>e dos utentes do infantário;</a:t>
             </a:r>
-            <a:endParaRPr lang="pt-PT" sz="2400" dirty="0"/>
           </a:p>
           <a:p>
             <a:pPr marL="342900" indent="-342900" algn="just">
               <a:buFont typeface="Arial" panose="020B0604020202020204" pitchFamily="34" charset="0"/>
               <a:buChar char="•"/>
             </a:pPr>
-            <a:endParaRPr lang="pt-PT" sz="2400" dirty="0" smtClean="0"/>
+            <a:endParaRPr lang="pt-PT" sz="2400" dirty="0"/>
           </a:p>
           <a:p>
             <a:pPr marL="342900" indent="-342900" algn="just">
@@ -13627,12 +13428,8 @@
               <a:buChar char="•"/>
             </a:pPr>
             <a:r>
-              <a:rPr lang="pt-PT" sz="2400" dirty="0" smtClean="0"/>
-              <a:t>Possibilidade </a:t>
-            </a:r>
-            <a:r>
               <a:rPr lang="pt-PT" sz="2400" dirty="0"/>
-              <a:t>do cliente </a:t>
+              <a:t>Possibilidade do cliente </a:t>
             </a:r>
             <a:r>
               <a:rPr lang="pt-PT" sz="2400" b="1" dirty="0">
@@ -13644,13 +13441,8 @@
             </a:r>
             <a:r>
               <a:rPr lang="pt-PT" sz="2400" dirty="0"/>
-              <a:t> determinado </a:t>
-            </a:r>
-            <a:r>
-              <a:rPr lang="pt-PT" sz="2400" dirty="0" smtClean="0"/>
-              <a:t>babysitter.</a:t>
-            </a:r>
-            <a:endParaRPr lang="pt-PT" sz="2400" dirty="0"/>
+              <a:t> determinado babysitter.</a:t>
+            </a:r>
           </a:p>
           <a:p>
             <a:pPr marL="342900" indent="-342900">
@@ -13664,7 +13456,7 @@
               <a:buFont typeface="Arial" panose="020B0604020202020204" pitchFamily="34" charset="0"/>
               <a:buChar char="•"/>
             </a:pPr>
-            <a:endParaRPr lang="pt-PT" sz="1600" dirty="0" smtClean="0"/>
+            <a:endParaRPr lang="pt-PT" sz="1600" dirty="0"/>
           </a:p>
           <a:p>
             <a:pPr marL="342900" indent="-342900">
@@ -13697,13 +13489,6 @@
       </p:transition>
     </mc:Fallback>
   </mc:AlternateContent>
-  <p:timing>
-    <p:tnLst>
-      <p:par>
-        <p:cTn id="1" dur="indefinite" restart="never" nodeType="tmRoot"/>
-      </p:par>
-    </p:tnLst>
-  </p:timing>
 </p:sld>
 </file>
 
@@ -13851,7 +13636,7 @@
         </p:nvGraphicFramePr>
         <p:xfrm>
           <a:off x="406400" y="1555707"/>
-          <a:ext cx="8229600" cy="4167366"/>
+          <a:ext cx="8229600" cy="3808718"/>
         </p:xfrm>
         <a:graphic>
           <a:graphicData uri="http://schemas.openxmlformats.org/drawingml/2006/table">
@@ -14484,13 +14269,6 @@
       </p:transition>
     </mc:Fallback>
   </mc:AlternateContent>
-  <p:timing>
-    <p:tnLst>
-      <p:par>
-        <p:cTn id="1" dur="indefinite" restart="never" nodeType="tmRoot"/>
-      </p:par>
-    </p:tnLst>
-  </p:timing>
 </p:sld>
 </file>
 
@@ -14584,13 +14362,6 @@
       </p:transition>
     </mc:Fallback>
   </mc:AlternateContent>
-  <p:timing>
-    <p:tnLst>
-      <p:par>
-        <p:cTn id="1" dur="indefinite" restart="never" nodeType="tmRoot"/>
-      </p:par>
-    </p:tnLst>
-  </p:timing>
 </p:sld>
 </file>
 
@@ -14628,15 +14399,7 @@
           <a:p>
             <a:r>
               <a:rPr lang="pt-PT" dirty="0"/>
-              <a:t>Requisitos de </a:t>
-            </a:r>
-            <a:r>
-              <a:rPr lang="pt-PT" dirty="0" smtClean="0"/>
-              <a:t>sistema </a:t>
-            </a:r>
-            <a:r>
-              <a:rPr lang="pt-PT" dirty="0"/>
-              <a:t>não-funcionais</a:t>
+              <a:t>Requisitos de sistema não-funcionais</a:t>
             </a:r>
           </a:p>
         </p:txBody>
@@ -14716,13 +14479,6 @@
       </p:transition>
     </mc:Fallback>
   </mc:AlternateContent>
-  <p:timing>
-    <p:tnLst>
-      <p:par>
-        <p:cTn id="1" dur="indefinite" restart="never" nodeType="tmRoot"/>
-      </p:par>
-    </p:tnLst>
-  </p:timing>
 </p:sld>
 </file>
 
@@ -14760,15 +14516,7 @@
           <a:p>
             <a:r>
               <a:rPr lang="pt-PT" dirty="0"/>
-              <a:t>Requisitos de </a:t>
-            </a:r>
-            <a:r>
-              <a:rPr lang="pt-PT" dirty="0" smtClean="0"/>
-              <a:t>sistema </a:t>
-            </a:r>
-            <a:r>
-              <a:rPr lang="pt-PT" dirty="0"/>
-              <a:t>não-funcionais</a:t>
+              <a:t>Requisitos de sistema não-funcionais</a:t>
             </a:r>
           </a:p>
         </p:txBody>
@@ -14834,13 +14582,6 @@
       </p:transition>
     </mc:Fallback>
   </mc:AlternateContent>
-  <p:timing>
-    <p:tnLst>
-      <p:par>
-        <p:cTn id="1" dur="indefinite" restart="never" nodeType="tmRoot"/>
-      </p:par>
-    </p:tnLst>
-  </p:timing>
 </p:sld>
 </file>
 
@@ -15190,25 +14931,6 @@
           </a:p>
         </p:txBody>
       </p:sp>
-      <p:sp>
-        <p:nvSpPr>
-          <p:cNvPr id="5" name="Content Placeholder 4"/>
-          <p:cNvSpPr>
-            <a:spLocks noGrp="1"/>
-          </p:cNvSpPr>
-          <p:nvPr>
-            <p:ph sz="half" idx="2"/>
-          </p:nvPr>
-        </p:nvSpPr>
-        <p:spPr/>
-        <p:txBody>
-          <a:bodyPr/>
-          <a:lstStyle/>
-          <a:p>
-            <a:endParaRPr lang="pt-PT" dirty="0"/>
-          </a:p>
-        </p:txBody>
-      </p:sp>
       <p:pic>
         <p:nvPicPr>
           <p:cNvPr id="3" name="Picture 2"/>
@@ -15278,13 +15000,6 @@
       </p:transition>
     </mc:Fallback>
   </mc:AlternateContent>
-  <p:timing>
-    <p:tnLst>
-      <p:par>
-        <p:cTn id="1" dur="indefinite" restart="never" nodeType="tmRoot"/>
-      </p:par>
-    </p:tnLst>
-  </p:timing>
 </p:sld>
 </file>
 

--- a/relatorio/Fase 3/LI4.pptx
+++ b/relatorio/Fase 3/LI4.pptx
@@ -220,7 +220,7 @@
           <a:p>
             <a:fld id="{FC77EE40-E473-4F3B-ABB7-4026700F0D66}" type="datetimeFigureOut">
               <a:rPr lang="pt-PT" smtClean="0"/>
-              <a:t>11/06/2018</a:t>
+              <a:t>12/06/2018</a:t>
             </a:fld>
             <a:endParaRPr lang="pt-PT" dirty="0"/>
           </a:p>
@@ -1007,6 +1007,12 @@
               <a:rPr lang="pt-PT" baseline="0" dirty="0"/>
               <a:t> com MOCKUP</a:t>
             </a:r>
+          </a:p>
+          <a:p>
+            <a:r>
+              <a:rPr lang="pt-PT" baseline="0" dirty="0"/>
+              <a:t>TEMPO: 5:15</a:t>
+            </a:r>
             <a:endParaRPr lang="pt-PT" dirty="0"/>
           </a:p>
         </p:txBody>
@@ -1429,6 +1435,29 @@
               <a:rPr lang="pt-PT" baseline="0" dirty="0"/>
               <a:t> com MOCKUP</a:t>
             </a:r>
+          </a:p>
+          <a:p>
+            <a:pPr marL="0" marR="0" lvl="0" indent="0" algn="l" defTabSz="914400" rtl="0" eaLnBrk="1" fontAlgn="auto" latinLnBrk="0" hangingPunct="1">
+              <a:lnSpc>
+                <a:spcPct val="100000"/>
+              </a:lnSpc>
+              <a:spcBef>
+                <a:spcPts val="0"/>
+              </a:spcBef>
+              <a:spcAft>
+                <a:spcPts val="0"/>
+              </a:spcAft>
+              <a:buClrTx/>
+              <a:buSzTx/>
+              <a:buFontTx/>
+              <a:buNone/>
+              <a:tabLst/>
+              <a:defRPr/>
+            </a:pPr>
+            <a:r>
+              <a:rPr lang="pt-PT" baseline="0" dirty="0"/>
+              <a:t>TEMPO: 7:15</a:t>
+            </a:r>
             <a:endParaRPr lang="pt-PT" dirty="0"/>
           </a:p>
         </p:txBody>
@@ -1847,6 +1876,29 @@
               <a:rPr lang="pt-PT" baseline="0" dirty="0"/>
               <a:t> com MOCKUP</a:t>
             </a:r>
+          </a:p>
+          <a:p>
+            <a:pPr marL="0" marR="0" lvl="0" indent="0" algn="l" defTabSz="914400" rtl="0" eaLnBrk="1" fontAlgn="auto" latinLnBrk="0" hangingPunct="1">
+              <a:lnSpc>
+                <a:spcPct val="100000"/>
+              </a:lnSpc>
+              <a:spcBef>
+                <a:spcPts val="0"/>
+              </a:spcBef>
+              <a:spcAft>
+                <a:spcPts val="0"/>
+              </a:spcAft>
+              <a:buClrTx/>
+              <a:buSzTx/>
+              <a:buFontTx/>
+              <a:buNone/>
+              <a:tabLst/>
+              <a:defRPr/>
+            </a:pPr>
+            <a:r>
+              <a:rPr lang="pt-PT" baseline="0" dirty="0"/>
+              <a:t>TEMPO: 8:30</a:t>
+            </a:r>
             <a:endParaRPr lang="pt-PT" dirty="0"/>
           </a:p>
         </p:txBody>
@@ -2105,6 +2157,90 @@
 </p:notes>
 </file>
 
+<file path=ppt/notesSlides/notesSlide24.xml><?xml version="1.0" encoding="utf-8"?>
+<p:notes xmlns:a="http://schemas.openxmlformats.org/drawingml/2006/main" xmlns:r="http://schemas.openxmlformats.org/officeDocument/2006/relationships" xmlns:p="http://schemas.openxmlformats.org/presentationml/2006/main">
+  <p:cSld>
+    <p:spTree>
+      <p:nvGrpSpPr>
+        <p:cNvPr id="1" name=""/>
+        <p:cNvGrpSpPr/>
+        <p:nvPr/>
+      </p:nvGrpSpPr>
+      <p:grpSpPr>
+        <a:xfrm>
+          <a:off x="0" y="0"/>
+          <a:ext cx="0" cy="0"/>
+          <a:chOff x="0" y="0"/>
+          <a:chExt cx="0" cy="0"/>
+        </a:xfrm>
+      </p:grpSpPr>
+      <p:sp>
+        <p:nvSpPr>
+          <p:cNvPr id="2" name="Marcador de Posição da Imagem do Diapositivo 1"/>
+          <p:cNvSpPr>
+            <a:spLocks noGrp="1" noRot="1" noChangeAspect="1"/>
+          </p:cNvSpPr>
+          <p:nvPr>
+            <p:ph type="sldImg"/>
+          </p:nvPr>
+        </p:nvSpPr>
+        <p:spPr/>
+      </p:sp>
+      <p:sp>
+        <p:nvSpPr>
+          <p:cNvPr id="3" name="Marcador de Posição de Notas 2"/>
+          <p:cNvSpPr>
+            <a:spLocks noGrp="1"/>
+          </p:cNvSpPr>
+          <p:nvPr>
+            <p:ph type="body" idx="1"/>
+          </p:nvPr>
+        </p:nvSpPr>
+        <p:spPr/>
+        <p:txBody>
+          <a:bodyPr/>
+          <a:lstStyle/>
+          <a:p>
+            <a:endParaRPr lang="pt-PT" dirty="0"/>
+          </a:p>
+        </p:txBody>
+      </p:sp>
+      <p:sp>
+        <p:nvSpPr>
+          <p:cNvPr id="4" name="Marcador de Posição do Número do Diapositivo 3"/>
+          <p:cNvSpPr>
+            <a:spLocks noGrp="1"/>
+          </p:cNvSpPr>
+          <p:nvPr>
+            <p:ph type="sldNum" sz="quarter" idx="10"/>
+          </p:nvPr>
+        </p:nvSpPr>
+        <p:spPr/>
+        <p:txBody>
+          <a:bodyPr/>
+          <a:lstStyle/>
+          <a:p>
+            <a:fld id="{F2D13AFA-C489-4F08-BBC3-E69A09335FB4}" type="slidenum">
+              <a:rPr lang="pt-PT" smtClean="0"/>
+              <a:t>24</a:t>
+            </a:fld>
+            <a:endParaRPr lang="pt-PT" dirty="0"/>
+          </a:p>
+        </p:txBody>
+      </p:sp>
+    </p:spTree>
+    <p:extLst>
+      <p:ext uri="{BB962C8B-B14F-4D97-AF65-F5344CB8AC3E}">
+        <p14:creationId xmlns:p14="http://schemas.microsoft.com/office/powerpoint/2010/main" val="1668997661"/>
+      </p:ext>
+    </p:extLst>
+  </p:cSld>
+  <p:clrMapOvr>
+    <a:masterClrMapping/>
+  </p:clrMapOvr>
+</p:notes>
+</file>
+
 <file path=ppt/notesSlides/notesSlide3.xml><?xml version="1.0" encoding="utf-8"?>
 <p:notes xmlns:a="http://schemas.openxmlformats.org/drawingml/2006/main" xmlns:r="http://schemas.openxmlformats.org/officeDocument/2006/relationships" xmlns:p="http://schemas.openxmlformats.org/presentationml/2006/main">
   <p:cSld>
@@ -2157,7 +2293,12 @@
               <a:rPr lang="pt-PT" baseline="0" dirty="0"/>
               <a:t> de forma a que percebamos qual o motivo e objetivos para este projeto.</a:t>
             </a:r>
-            <a:endParaRPr lang="pt-PT" dirty="0"/>
+          </a:p>
+          <a:p>
+            <a:r>
+              <a:rPr lang="pt-PT" dirty="0"/>
+              <a:t>TEMPO: 1:45</a:t>
+            </a:r>
           </a:p>
         </p:txBody>
       </p:sp>
@@ -2249,7 +2390,6 @@
               <a:rPr lang="pt-PT" baseline="0" dirty="0"/>
               <a:t> CARACTERÍSTICAS da tabela.</a:t>
             </a:r>
-            <a:endParaRPr lang="pt-PT" dirty="0"/>
           </a:p>
         </p:txBody>
       </p:sp>
@@ -2708,6 +2848,12 @@
             <a:r>
               <a:rPr lang="pt-PT" baseline="0" dirty="0"/>
               <a:t> diagrama serve apenas para dizer que nos baseamos também nele para fazer o trabalho e vamos fazer COMPARAÇÃO mais à frente.</a:t>
+            </a:r>
+          </a:p>
+          <a:p>
+            <a:r>
+              <a:rPr lang="pt-PT" baseline="0" dirty="0"/>
+              <a:t>TEMPO: 3:30</a:t>
             </a:r>
             <a:endParaRPr lang="pt-PT" dirty="0"/>
           </a:p>
@@ -3495,7 +3641,7 @@
             <a:fld id="{B61BEF0D-F0BB-DE4B-95CE-6DB70DBA9567}" type="datetimeFigureOut">
               <a:rPr lang="en-US" smtClean="0"/>
               <a:pPr/>
-              <a:t>6/11/2018</a:t>
+              <a:t>6/12/2018</a:t>
             </a:fld>
             <a:endParaRPr lang="en-US" dirty="0"/>
           </a:p>
@@ -3748,7 +3894,7 @@
             <a:fld id="{B61BEF0D-F0BB-DE4B-95CE-6DB70DBA9567}" type="datetimeFigureOut">
               <a:rPr lang="en-US" smtClean="0"/>
               <a:pPr/>
-              <a:t>6/11/2018</a:t>
+              <a:t>6/12/2018</a:t>
             </a:fld>
             <a:endParaRPr lang="en-US" dirty="0"/>
           </a:p>
@@ -4064,7 +4210,7 @@
             <a:fld id="{B61BEF0D-F0BB-DE4B-95CE-6DB70DBA9567}" type="datetimeFigureOut">
               <a:rPr lang="en-US" smtClean="0"/>
               <a:pPr/>
-              <a:t>6/11/2018</a:t>
+              <a:t>6/12/2018</a:t>
             </a:fld>
             <a:endParaRPr lang="en-US" dirty="0"/>
           </a:p>
@@ -4399,7 +4545,7 @@
             <a:fld id="{B61BEF0D-F0BB-DE4B-95CE-6DB70DBA9567}" type="datetimeFigureOut">
               <a:rPr lang="en-US" smtClean="0"/>
               <a:pPr/>
-              <a:t>6/11/2018</a:t>
+              <a:t>6/12/2018</a:t>
             </a:fld>
             <a:endParaRPr lang="en-US" dirty="0"/>
           </a:p>
@@ -4715,7 +4861,7 @@
             <a:fld id="{B61BEF0D-F0BB-DE4B-95CE-6DB70DBA9567}" type="datetimeFigureOut">
               <a:rPr lang="en-US" smtClean="0"/>
               <a:pPr/>
-              <a:t>6/11/2018</a:t>
+              <a:t>6/12/2018</a:t>
             </a:fld>
             <a:endParaRPr lang="en-US" dirty="0"/>
           </a:p>
@@ -5110,7 +5256,7 @@
             <a:fld id="{B61BEF0D-F0BB-DE4B-95CE-6DB70DBA9567}" type="datetimeFigureOut">
               <a:rPr lang="en-US" smtClean="0"/>
               <a:pPr/>
-              <a:t>6/11/2018</a:t>
+              <a:t>6/12/2018</a:t>
             </a:fld>
             <a:endParaRPr lang="en-US" dirty="0"/>
           </a:p>
@@ -5282,7 +5428,7 @@
             <a:fld id="{B61BEF0D-F0BB-DE4B-95CE-6DB70DBA9567}" type="datetimeFigureOut">
               <a:rPr lang="en-US" smtClean="0"/>
               <a:pPr/>
-              <a:t>6/11/2018</a:t>
+              <a:t>6/12/2018</a:t>
             </a:fld>
             <a:endParaRPr lang="en-US" dirty="0"/>
           </a:p>
@@ -5464,7 +5610,7 @@
             <a:fld id="{B61BEF0D-F0BB-DE4B-95CE-6DB70DBA9567}" type="datetimeFigureOut">
               <a:rPr lang="en-US" smtClean="0"/>
               <a:pPr/>
-              <a:t>6/11/2018</a:t>
+              <a:t>6/12/2018</a:t>
             </a:fld>
             <a:endParaRPr lang="en-US" dirty="0"/>
           </a:p>
@@ -5636,7 +5782,7 @@
             <a:fld id="{B61BEF0D-F0BB-DE4B-95CE-6DB70DBA9567}" type="datetimeFigureOut">
               <a:rPr lang="en-US" smtClean="0"/>
               <a:pPr/>
-              <a:t>6/11/2018</a:t>
+              <a:t>6/12/2018</a:t>
             </a:fld>
             <a:endParaRPr lang="en-US" dirty="0"/>
           </a:p>
@@ -5885,7 +6031,7 @@
             <a:fld id="{B61BEF0D-F0BB-DE4B-95CE-6DB70DBA9567}" type="datetimeFigureOut">
               <a:rPr lang="en-US" smtClean="0"/>
               <a:pPr/>
-              <a:t>6/11/2018</a:t>
+              <a:t>6/12/2018</a:t>
             </a:fld>
             <a:endParaRPr lang="en-US" dirty="0"/>
           </a:p>
@@ -6119,7 +6265,7 @@
             <a:fld id="{B61BEF0D-F0BB-DE4B-95CE-6DB70DBA9567}" type="datetimeFigureOut">
               <a:rPr lang="en-US" smtClean="0"/>
               <a:pPr/>
-              <a:t>6/11/2018</a:t>
+              <a:t>6/12/2018</a:t>
             </a:fld>
             <a:endParaRPr lang="en-US" dirty="0"/>
           </a:p>
@@ -6495,7 +6641,7 @@
             <a:fld id="{B61BEF0D-F0BB-DE4B-95CE-6DB70DBA9567}" type="datetimeFigureOut">
               <a:rPr lang="en-US" smtClean="0"/>
               <a:pPr/>
-              <a:t>6/11/2018</a:t>
+              <a:t>6/12/2018</a:t>
             </a:fld>
             <a:endParaRPr lang="en-US" dirty="0"/>
           </a:p>
@@ -6620,7 +6766,7 @@
             <a:fld id="{B61BEF0D-F0BB-DE4B-95CE-6DB70DBA9567}" type="datetimeFigureOut">
               <a:rPr lang="en-US" smtClean="0"/>
               <a:pPr/>
-              <a:t>6/11/2018</a:t>
+              <a:t>6/12/2018</a:t>
             </a:fld>
             <a:endParaRPr lang="en-US" dirty="0"/>
           </a:p>
@@ -6717,7 +6863,7 @@
             <a:fld id="{B61BEF0D-F0BB-DE4B-95CE-6DB70DBA9567}" type="datetimeFigureOut">
               <a:rPr lang="en-US" smtClean="0"/>
               <a:pPr/>
-              <a:t>6/11/2018</a:t>
+              <a:t>6/12/2018</a:t>
             </a:fld>
             <a:endParaRPr lang="en-US" dirty="0"/>
           </a:p>
@@ -6974,7 +7120,7 @@
             <a:fld id="{B61BEF0D-F0BB-DE4B-95CE-6DB70DBA9567}" type="datetimeFigureOut">
               <a:rPr lang="en-US" smtClean="0"/>
               <a:pPr/>
-              <a:t>6/11/2018</a:t>
+              <a:t>6/12/2018</a:t>
             </a:fld>
             <a:endParaRPr lang="en-US" dirty="0"/>
           </a:p>
@@ -7282,7 +7428,7 @@
             <a:fld id="{B61BEF0D-F0BB-DE4B-95CE-6DB70DBA9567}" type="datetimeFigureOut">
               <a:rPr lang="en-US" smtClean="0"/>
               <a:pPr/>
-              <a:t>6/11/2018</a:t>
+              <a:t>6/12/2018</a:t>
             </a:fld>
             <a:endParaRPr lang="en-US" dirty="0"/>
           </a:p>
@@ -7985,7 +8131,7 @@
             <a:fld id="{B61BEF0D-F0BB-DE4B-95CE-6DB70DBA9567}" type="datetimeFigureOut">
               <a:rPr lang="en-US" smtClean="0"/>
               <a:pPr/>
-              <a:t>6/11/2018</a:t>
+              <a:t>6/12/2018</a:t>
             </a:fld>
             <a:endParaRPr lang="en-US" dirty="0"/>
           </a:p>
@@ -11802,7 +11948,7 @@
             </a:pPr>
             <a:r>
               <a:rPr lang="pt-PT" dirty="0"/>
-              <a:t>O sistema deverá permitir que seja mandada uma proposta de serviço devidamente especificada ao profissional, que, posteriormente, poderá aceitar ou recusar.</a:t>
+              <a:t>O sistema deverá permitir que seja mandada uma proposta de serviço devidamente especificada ao profissional que, posteriormente, poderá aceitar ou recusar.</a:t>
             </a:r>
             <a:endParaRPr lang="pt-PT" sz="2400" dirty="0"/>
           </a:p>
@@ -12725,7 +12871,7 @@
           <p:nvPr/>
         </p:nvPicPr>
         <p:blipFill>
-          <a:blip r:embed="rId2" cstate="screen">
+          <a:blip r:embed="rId3" cstate="screen">
             <a:extLst>
               <a:ext uri="{28A0092B-C50C-407E-A947-70E740481C1C}">
                 <a14:useLocalDpi xmlns:a14="http://schemas.microsoft.com/office/drawing/2010/main"/>
@@ -13081,7 +13227,7 @@
           <p:nvPr/>
         </p:nvPicPr>
         <p:blipFill>
-          <a:blip r:embed="rId3">
+          <a:blip r:embed="rId4">
             <a:extLst>
               <a:ext uri="{28A0092B-C50C-407E-A947-70E740481C1C}">
                 <a14:useLocalDpi xmlns:a14="http://schemas.microsoft.com/office/drawing/2010/main" val="0"/>
